--- a/Python并发编程简介.pptx
+++ b/Python并发编程简介.pptx
@@ -19,6 +19,12 @@
     <p:sldId id="276" r:id="rId12"/>
     <p:sldId id="278" r:id="rId13"/>
     <p:sldId id="277" r:id="rId14"/>
+    <p:sldId id="280" r:id="rId15"/>
+    <p:sldId id="281" r:id="rId16"/>
+    <p:sldId id="282" r:id="rId17"/>
+    <p:sldId id="283" r:id="rId18"/>
+    <p:sldId id="284" r:id="rId19"/>
+    <p:sldId id="285" r:id="rId20"/>
   </p:sldIdLst>
   <p:sldSz cx="12192000" cy="6858000"/>
   <p:notesSz cx="7103745" cy="10234295"/>
@@ -3241,7 +3247,7 @@
         </p:nvSpPr>
         <p:spPr>
           <a:xfrm>
-            <a:off x="3512185" y="3449955"/>
+            <a:off x="3518535" y="1584960"/>
             <a:ext cx="6783705" cy="1076325"/>
           </a:xfrm>
           <a:prstGeom prst="rect">
@@ -3293,7 +3299,21 @@
                 <a:cs typeface="微软雅黑" charset="0"/>
                 <a:sym typeface="+mn-ea"/>
               </a:rPr>
-              <a:t>Process</a:t>
+              <a:t>Process </a:t>
+            </a:r>
+            <a:r>
+              <a:rPr lang="zh-CN" altLang="en-US" sz="1600" b="1">
+                <a:solidFill>
+                  <a:schemeClr val="bg2">
+                    <a:lumMod val="50000"/>
+                  </a:schemeClr>
+                </a:solidFill>
+                <a:latin typeface="微软雅黑" charset="0"/>
+                <a:ea typeface="微软雅黑" charset="0"/>
+                <a:cs typeface="微软雅黑" charset="0"/>
+                <a:sym typeface="+mn-ea"/>
+              </a:rPr>
+              <a:t>（multiprocessing）</a:t>
             </a:r>
             <a:endParaRPr lang="zh-CN" altLang="en-US" sz="1600">
               <a:latin typeface="微软雅黑" charset="0"/>
@@ -3408,7 +3428,7 @@
         </p:nvSpPr>
         <p:spPr>
           <a:xfrm>
-            <a:off x="3515360" y="1613535"/>
+            <a:off x="3518535" y="2957830"/>
             <a:ext cx="6783705" cy="1568450"/>
           </a:xfrm>
           <a:prstGeom prst="rect">
@@ -3460,7 +3480,21 @@
                 <a:cs typeface="微软雅黑" charset="0"/>
                 <a:sym typeface="+mn-ea"/>
               </a:rPr>
-              <a:t>Thread</a:t>
+              <a:t>Thread </a:t>
+            </a:r>
+            <a:r>
+              <a:rPr lang="zh-CN" altLang="en-US" sz="1600" b="1">
+                <a:solidFill>
+                  <a:schemeClr val="bg2">
+                    <a:lumMod val="50000"/>
+                  </a:schemeClr>
+                </a:solidFill>
+                <a:latin typeface="微软雅黑" charset="0"/>
+                <a:ea typeface="微软雅黑" charset="0"/>
+                <a:cs typeface="微软雅黑" charset="0"/>
+                <a:sym typeface="+mn-ea"/>
+              </a:rPr>
+              <a:t>（threading）</a:t>
             </a:r>
             <a:endParaRPr lang="zh-CN" altLang="en-US" sz="1600">
               <a:latin typeface="微软雅黑" charset="0"/>
@@ -3532,6 +3566,33 @@
               </a:rPr>
               <a:t>CPU</a:t>
             </a:r>
+            <a:r>
+              <a:rPr lang="zh-CN" altLang="en-US" sz="1600">
+                <a:latin typeface="微软雅黑" charset="0"/>
+                <a:ea typeface="微软雅黑" charset="0"/>
+                <a:cs typeface="微软雅黑" charset="0"/>
+                <a:sym typeface="+mn-ea"/>
+              </a:rPr>
+              <a:t>（</a:t>
+            </a:r>
+            <a:r>
+              <a:rPr lang="en-US" altLang="zh-CN" sz="1600">
+                <a:latin typeface="微软雅黑" charset="0"/>
+                <a:ea typeface="微软雅黑" charset="0"/>
+                <a:cs typeface="微软雅黑" charset="0"/>
+                <a:sym typeface="+mn-ea"/>
+              </a:rPr>
+              <a:t>GIL</a:t>
+            </a:r>
+            <a:r>
+              <a:rPr lang="zh-CN" altLang="en-US" sz="1600">
+                <a:latin typeface="微软雅黑" charset="0"/>
+                <a:ea typeface="微软雅黑" charset="0"/>
+                <a:cs typeface="微软雅黑" charset="0"/>
+                <a:sym typeface="+mn-ea"/>
+              </a:rPr>
+              <a:t>）</a:t>
+            </a:r>
             <a:endParaRPr lang="en-US" altLang="zh-CN" sz="1600">
               <a:latin typeface="微软雅黑" charset="0"/>
               <a:ea typeface="微软雅黑" charset="0"/>
@@ -3589,7 +3650,7 @@
                 <a:cs typeface="微软雅黑" charset="0"/>
                 <a:sym typeface="+mn-ea"/>
               </a:rPr>
-              <a:t>密集型计算、同时运行的数目要求不多</a:t>
+              <a:t>密集型计算、同时运行的任务数目要求不多</a:t>
             </a:r>
             <a:endParaRPr lang="zh-CN" altLang="en-US" sz="1600">
               <a:latin typeface="微软雅黑" charset="0"/>
@@ -3660,7 +3721,21 @@
                 <a:cs typeface="微软雅黑" charset="0"/>
                 <a:sym typeface="+mn-ea"/>
               </a:rPr>
-              <a:t>Coroutine</a:t>
+              <a:t>Coroutine </a:t>
+            </a:r>
+            <a:r>
+              <a:rPr lang="zh-CN" altLang="en-US" sz="1600" b="1">
+                <a:solidFill>
+                  <a:schemeClr val="bg2">
+                    <a:lumMod val="50000"/>
+                  </a:schemeClr>
+                </a:solidFill>
+                <a:latin typeface="微软雅黑" charset="0"/>
+                <a:ea typeface="微软雅黑" charset="0"/>
+                <a:cs typeface="微软雅黑" charset="0"/>
+                <a:sym typeface="+mn-ea"/>
+              </a:rPr>
+              <a:t>（asyncio）</a:t>
             </a:r>
             <a:endParaRPr lang="zh-CN" altLang="en-US" sz="1600">
               <a:latin typeface="微软雅黑" charset="0"/>
@@ -3700,7 +3775,25 @@
                 <a:cs typeface="微软雅黑" charset="0"/>
                 <a:sym typeface="+mn-ea"/>
               </a:rPr>
-              <a:t>缺点：支持的库有限制、代码实现复杂</a:t>
+              <a:t>缺点：支持的库有限制（aiohttp </a:t>
+            </a:r>
+            <a:r>
+              <a:rPr lang="en-US" altLang="zh-CN" sz="1600">
+                <a:latin typeface="微软雅黑" charset="0"/>
+                <a:ea typeface="微软雅黑" charset="0"/>
+                <a:cs typeface="微软雅黑" charset="0"/>
+                <a:sym typeface="+mn-ea"/>
+              </a:rPr>
+              <a:t>vs requests</a:t>
+            </a:r>
+            <a:r>
+              <a:rPr lang="zh-CN" altLang="en-US" sz="1600">
+                <a:latin typeface="微软雅黑" charset="0"/>
+                <a:ea typeface="微软雅黑" charset="0"/>
+                <a:cs typeface="微软雅黑" charset="0"/>
+                <a:sym typeface="+mn-ea"/>
+              </a:rPr>
+              <a:t>）、代码实现复杂</a:t>
             </a:r>
             <a:endParaRPr lang="zh-CN" altLang="en-US" sz="1600">
               <a:latin typeface="微软雅黑" charset="0"/>
@@ -5241,21 +5334,7 @@
                 <a:cs typeface="微软雅黑" charset="0"/>
                 <a:sym typeface="+mn-ea"/>
               </a:rPr>
-              <a:t>、</a:t>
-            </a:r>
-            <a:r>
-              <a:rPr lang="zh-CN" altLang="en-US" sz="2800" b="1">
-                <a:solidFill>
-                  <a:schemeClr val="bg2">
-                    <a:lumMod val="50000"/>
-                  </a:schemeClr>
-                </a:solidFill>
-                <a:latin typeface="微软雅黑" charset="0"/>
-                <a:ea typeface="微软雅黑" charset="0"/>
-                <a:cs typeface="微软雅黑" charset="0"/>
-                <a:sym typeface="+mn-ea"/>
-              </a:rPr>
-              <a:t>怎样根据任务选择对应技术？</a:t>
+              <a:t>、怎样根据任务选择对应技术？</a:t>
             </a:r>
             <a:endParaRPr lang="zh-CN" altLang="en-US" sz="2800" b="1">
               <a:solidFill>
@@ -5587,9 +5666,9 @@
         <p:grpSpPr>
           <a:xfrm>
             <a:off x="9164320" y="3794125"/>
-            <a:ext cx="1597660" cy="1696085"/>
+            <a:ext cx="1598295" cy="1696085"/>
             <a:chOff x="14432" y="5975"/>
-            <a:chExt cx="2516" cy="2671"/>
+            <a:chExt cx="2517" cy="2671"/>
           </a:xfrm>
         </p:grpSpPr>
         <p:sp>
@@ -5668,8 +5747,8 @@
           </p:nvCxnSpPr>
           <p:spPr>
             <a:xfrm>
-              <a:off x="15028" y="5975"/>
-              <a:ext cx="663" cy="1601"/>
+              <a:off x="15373" y="5975"/>
+              <a:ext cx="318" cy="1601"/>
             </a:xfrm>
             <a:prstGeom prst="bentConnector2">
               <a:avLst/>
@@ -5744,10 +5823,10 @@
         </p:nvGrpSpPr>
         <p:grpSpPr>
           <a:xfrm>
-            <a:off x="6004560" y="2672080"/>
-            <a:ext cx="3538220" cy="1657985"/>
-            <a:chOff x="9456" y="4208"/>
-            <a:chExt cx="5572" cy="2611"/>
+            <a:off x="5745480" y="2672080"/>
+            <a:ext cx="4016375" cy="1658620"/>
+            <a:chOff x="9048" y="4208"/>
+            <a:chExt cx="6325" cy="2612"/>
           </a:xfrm>
         </p:grpSpPr>
         <p:sp>
@@ -5758,8 +5837,8 @@
           </p:nvSpPr>
           <p:spPr>
             <a:xfrm>
-              <a:off x="9456" y="5129"/>
-              <a:ext cx="5572" cy="1691"/>
+              <a:off x="9048" y="5129"/>
+              <a:ext cx="6325" cy="1691"/>
             </a:xfrm>
             <a:prstGeom prst="flowChartDecision">
               <a:avLst/>
@@ -5837,7 +5916,7 @@
                   <a:latin typeface="微软雅黑" charset="0"/>
                   <a:ea typeface="微软雅黑" charset="0"/>
                 </a:rPr>
-                <a:t>、实现复杂度可接受？</a:t>
+                <a:t>、协程实现复杂度可接受？</a:t>
               </a:r>
               <a:endParaRPr lang="zh-CN" altLang="en-US" sz="1200">
                 <a:latin typeface="微软雅黑" charset="0"/>
@@ -5858,7 +5937,7 @@
           <p:spPr>
             <a:xfrm>
               <a:off x="10254" y="4450"/>
-              <a:ext cx="1988" cy="679"/>
+              <a:ext cx="1957" cy="679"/>
             </a:xfrm>
             <a:prstGeom prst="bentConnector2">
               <a:avLst/>
@@ -5939,9 +6018,9 @@
         <p:grpSpPr>
           <a:xfrm>
             <a:off x="4485640" y="3794125"/>
-            <a:ext cx="1597660" cy="1696085"/>
+            <a:ext cx="1598295" cy="1696085"/>
             <a:chOff x="7064" y="5975"/>
-            <a:chExt cx="2516" cy="2671"/>
+            <a:chExt cx="2517" cy="2671"/>
           </a:xfrm>
         </p:grpSpPr>
         <p:sp>
@@ -6021,7 +6100,7 @@
           <p:spPr>
             <a:xfrm rot="10800000" flipV="1">
               <a:off x="8323" y="5975"/>
-              <a:ext cx="1133" cy="1601"/>
+              <a:ext cx="725" cy="1601"/>
             </a:xfrm>
             <a:prstGeom prst="bentConnector2">
               <a:avLst/>
@@ -6384,6 +6463,4053 @@
         </p:cTn>
       </p:par>
     </p:tnLst>
+  </p:timing>
+</p:sld>
+</file>
+
+<file path=ppt/slides/slide12.xml><?xml version="1.0" encoding="utf-8"?>
+<p:sld xmlns:a="http://schemas.openxmlformats.org/drawingml/2006/main" xmlns:r="http://schemas.openxmlformats.org/officeDocument/2006/relationships" xmlns:p="http://schemas.openxmlformats.org/presentationml/2006/main">
+  <p:cSld>
+    <p:bg>
+      <p:bgPr>
+        <a:gradFill>
+          <a:gsLst>
+            <a:gs pos="0">
+              <a:srgbClr val="012D86"/>
+            </a:gs>
+            <a:gs pos="100000">
+              <a:srgbClr val="0E2557"/>
+            </a:gs>
+          </a:gsLst>
+          <a:lin ang="5400000" scaled="0"/>
+        </a:gradFill>
+        <a:effectLst/>
+      </p:bgPr>
+    </p:bg>
+    <p:spTree>
+      <p:nvGrpSpPr>
+        <p:cNvPr id="1" name=""/>
+        <p:cNvGrpSpPr/>
+        <p:nvPr/>
+      </p:nvGrpSpPr>
+      <p:grpSpPr/>
+      <p:sp>
+        <p:nvSpPr>
+          <p:cNvPr id="2" name="标题 1"/>
+          <p:cNvSpPr>
+            <a:spLocks noGrp="1"/>
+          </p:cNvSpPr>
+          <p:nvPr>
+            <p:ph type="ctrTitle"/>
+          </p:nvPr>
+        </p:nvSpPr>
+        <p:spPr>
+          <a:xfrm>
+            <a:off x="2266315" y="4043680"/>
+            <a:ext cx="6410960" cy="1249680"/>
+          </a:xfrm>
+        </p:spPr>
+        <p:txBody>
+          <a:bodyPr anchor="ctr" anchorCtr="0">
+            <a:normAutofit/>
+          </a:bodyPr>
+          <a:p>
+            <a:pPr algn="l">
+              <a:lnSpc>
+                <a:spcPct val="120000"/>
+              </a:lnSpc>
+              <a:spcBef>
+                <a:spcPts val="0"/>
+              </a:spcBef>
+              <a:spcAft>
+                <a:spcPts val="0"/>
+              </a:spcAft>
+            </a:pPr>
+            <a:r>
+              <a:rPr b="1">
+                <a:solidFill>
+                  <a:schemeClr val="bg1"/>
+                </a:solidFill>
+                <a:latin typeface="微软雅黑" charset="0"/>
+                <a:ea typeface="微软雅黑" charset="0"/>
+                <a:cs typeface="微软雅黑" charset="0"/>
+              </a:rPr>
+              <a:t>全局解释器锁GIL</a:t>
+            </a:r>
+            <a:endParaRPr b="1">
+              <a:solidFill>
+                <a:schemeClr val="bg1"/>
+              </a:solidFill>
+              <a:latin typeface="微软雅黑" charset="0"/>
+              <a:ea typeface="微软雅黑" charset="0"/>
+              <a:cs typeface="微软雅黑" charset="0"/>
+            </a:endParaRPr>
+          </a:p>
+        </p:txBody>
+      </p:sp>
+      <p:pic>
+        <p:nvPicPr>
+          <p:cNvPr id="5" name="图片 4" descr="kisspng-angle-text-symbol-brand-other-python-5ab0c09b9ea1a7.3286927515215330836498 (1)"/>
+          <p:cNvPicPr>
+            <a:picLocks noChangeAspect="1"/>
+          </p:cNvPicPr>
+          <p:nvPr/>
+        </p:nvPicPr>
+        <p:blipFill>
+          <a:blip r:embed="rId1"/>
+          <a:stretch>
+            <a:fillRect/>
+          </a:stretch>
+        </p:blipFill>
+        <p:spPr>
+          <a:xfrm>
+            <a:off x="1923415" y="923925"/>
+            <a:ext cx="2256155" cy="2256155"/>
+          </a:xfrm>
+          <a:prstGeom prst="rect">
+            <a:avLst/>
+          </a:prstGeom>
+        </p:spPr>
+      </p:pic>
+      <p:sp>
+        <p:nvSpPr>
+          <p:cNvPr id="3" name="文本框 2"/>
+          <p:cNvSpPr txBox="1"/>
+          <p:nvPr/>
+        </p:nvSpPr>
+        <p:spPr>
+          <a:xfrm>
+            <a:off x="4341495" y="1670685"/>
+            <a:ext cx="5887720" cy="922020"/>
+          </a:xfrm>
+          <a:prstGeom prst="rect">
+            <a:avLst/>
+          </a:prstGeom>
+          <a:noFill/>
+        </p:spPr>
+        <p:txBody>
+          <a:bodyPr wrap="none" rtlCol="0" anchor="t">
+            <a:spAutoFit/>
+          </a:bodyPr>
+          <a:p>
+            <a:r>
+              <a:rPr sz="5400" b="1">
+                <a:solidFill>
+                  <a:schemeClr val="bg1"/>
+                </a:solidFill>
+                <a:latin typeface="微软雅黑" charset="0"/>
+                <a:ea typeface="微软雅黑" charset="0"/>
+                <a:cs typeface="微软雅黑" charset="0"/>
+                <a:sym typeface="+mn-ea"/>
+              </a:rPr>
+              <a:t>Python</a:t>
+            </a:r>
+            <a:r>
+              <a:rPr lang="zh-CN" sz="5400" b="1">
+                <a:solidFill>
+                  <a:schemeClr val="bg1"/>
+                </a:solidFill>
+                <a:latin typeface="微软雅黑" charset="0"/>
+                <a:ea typeface="微软雅黑" charset="0"/>
+                <a:cs typeface="微软雅黑" charset="0"/>
+                <a:sym typeface="+mn-ea"/>
+              </a:rPr>
+              <a:t>被吐槽</a:t>
+            </a:r>
+            <a:r>
+              <a:rPr sz="5400" b="1">
+                <a:solidFill>
+                  <a:schemeClr val="bg1"/>
+                </a:solidFill>
+                <a:latin typeface="微软雅黑" charset="0"/>
+                <a:ea typeface="微软雅黑" charset="0"/>
+                <a:cs typeface="微软雅黑" charset="0"/>
+                <a:sym typeface="+mn-ea"/>
+              </a:rPr>
+              <a:t>慢</a:t>
+            </a:r>
+            <a:r>
+              <a:rPr lang="zh-CN" sz="5400" b="1">
+                <a:solidFill>
+                  <a:schemeClr val="bg1"/>
+                </a:solidFill>
+                <a:latin typeface="微软雅黑" charset="0"/>
+                <a:ea typeface="微软雅黑" charset="0"/>
+                <a:cs typeface="微软雅黑" charset="0"/>
+                <a:sym typeface="+mn-ea"/>
+              </a:rPr>
+              <a:t>！</a:t>
+            </a:r>
+            <a:endParaRPr lang="zh-CN" altLang="en-US" sz="5400" b="1">
+              <a:solidFill>
+                <a:schemeClr val="bg1"/>
+              </a:solidFill>
+              <a:latin typeface="微软雅黑" charset="0"/>
+              <a:ea typeface="微软雅黑" charset="0"/>
+              <a:cs typeface="微软雅黑" charset="0"/>
+              <a:sym typeface="+mn-ea"/>
+            </a:endParaRPr>
+          </a:p>
+        </p:txBody>
+      </p:sp>
+      <p:sp>
+        <p:nvSpPr>
+          <p:cNvPr id="4" name="文本框 3"/>
+          <p:cNvSpPr txBox="1"/>
+          <p:nvPr/>
+        </p:nvSpPr>
+        <p:spPr>
+          <a:xfrm>
+            <a:off x="2351405" y="3197860"/>
+            <a:ext cx="5894070" cy="829945"/>
+          </a:xfrm>
+          <a:prstGeom prst="rect">
+            <a:avLst/>
+          </a:prstGeom>
+          <a:solidFill>
+            <a:schemeClr val="tx1"/>
+          </a:solidFill>
+        </p:spPr>
+        <p:txBody>
+          <a:bodyPr wrap="square" rtlCol="0" anchor="t">
+            <a:spAutoFit/>
+          </a:bodyPr>
+          <a:p>
+            <a:pPr algn="ctr"/>
+            <a:r>
+              <a:rPr lang="zh-CN" sz="4800" b="1">
+                <a:solidFill>
+                  <a:srgbClr val="FFC000"/>
+                </a:solidFill>
+                <a:latin typeface="微软雅黑" charset="0"/>
+                <a:ea typeface="微软雅黑" charset="0"/>
+                <a:cs typeface="微软雅黑" charset="0"/>
+                <a:sym typeface="+mn-ea"/>
+              </a:rPr>
+              <a:t>头号嫌疑犯</a:t>
+            </a:r>
+            <a:endParaRPr lang="zh-CN" sz="4800" b="1">
+              <a:solidFill>
+                <a:srgbClr val="FFC000"/>
+              </a:solidFill>
+              <a:latin typeface="微软雅黑" charset="0"/>
+              <a:ea typeface="微软雅黑" charset="0"/>
+              <a:cs typeface="微软雅黑" charset="0"/>
+              <a:sym typeface="+mn-ea"/>
+            </a:endParaRPr>
+          </a:p>
+        </p:txBody>
+      </p:sp>
+      <p:pic>
+        <p:nvPicPr>
+          <p:cNvPr id="6" name="图片 5"/>
+          <p:cNvPicPr>
+            <a:picLocks noChangeAspect="1"/>
+          </p:cNvPicPr>
+          <p:nvPr/>
+        </p:nvPicPr>
+        <p:blipFill>
+          <a:blip r:embed="rId2"/>
+          <a:stretch>
+            <a:fillRect/>
+          </a:stretch>
+        </p:blipFill>
+        <p:spPr>
+          <a:xfrm>
+            <a:off x="8460740" y="3259455"/>
+            <a:ext cx="1656715" cy="1656715"/>
+          </a:xfrm>
+          <a:prstGeom prst="rect">
+            <a:avLst/>
+          </a:prstGeom>
+        </p:spPr>
+      </p:pic>
+    </p:spTree>
+    <p:custDataLst>
+      <p:tags r:id="rId3"/>
+    </p:custDataLst>
+  </p:cSld>
+  <p:clrMapOvr>
+    <a:masterClrMapping/>
+  </p:clrMapOvr>
+</p:sld>
+</file>
+
+<file path=ppt/slides/slide13.xml><?xml version="1.0" encoding="utf-8"?>
+<p:sld xmlns:a="http://schemas.openxmlformats.org/drawingml/2006/main" xmlns:r="http://schemas.openxmlformats.org/officeDocument/2006/relationships" xmlns:p="http://schemas.openxmlformats.org/presentationml/2006/main">
+  <p:cSld>
+    <p:spTree>
+      <p:nvGrpSpPr>
+        <p:cNvPr id="1" name=""/>
+        <p:cNvGrpSpPr/>
+        <p:nvPr/>
+      </p:nvGrpSpPr>
+      <p:grpSpPr/>
+      <p:sp>
+        <p:nvSpPr>
+          <p:cNvPr id="13" name="文本框 12"/>
+          <p:cNvSpPr txBox="1"/>
+          <p:nvPr/>
+        </p:nvSpPr>
+        <p:spPr>
+          <a:xfrm>
+            <a:off x="4785360" y="533400"/>
+            <a:ext cx="2621280" cy="1198880"/>
+          </a:xfrm>
+          <a:prstGeom prst="rect">
+            <a:avLst/>
+          </a:prstGeom>
+          <a:noFill/>
+        </p:spPr>
+        <p:txBody>
+          <a:bodyPr wrap="none" rtlCol="0">
+            <a:spAutoFit/>
+          </a:bodyPr>
+          <a:p>
+            <a:pPr indent="0">
+              <a:lnSpc>
+                <a:spcPct val="150000"/>
+              </a:lnSpc>
+              <a:buFont typeface="Arial" panose="020B0604020202090204" pitchFamily="34" charset="0"/>
+              <a:buNone/>
+            </a:pPr>
+            <a:r>
+              <a:rPr lang="zh-CN" altLang="en-US" sz="4800">
+                <a:latin typeface="微软雅黑" charset="0"/>
+                <a:ea typeface="微软雅黑" charset="0"/>
+                <a:cs typeface="微软雅黑" charset="0"/>
+              </a:rPr>
+              <a:t>本节提纲</a:t>
+            </a:r>
+            <a:endParaRPr lang="zh-CN" altLang="en-US" sz="4800">
+              <a:latin typeface="微软雅黑" charset="0"/>
+              <a:ea typeface="微软雅黑" charset="0"/>
+              <a:cs typeface="微软雅黑" charset="0"/>
+            </a:endParaRPr>
+          </a:p>
+        </p:txBody>
+      </p:sp>
+      <p:sp>
+        <p:nvSpPr>
+          <p:cNvPr id="3" name="文本框 2"/>
+          <p:cNvSpPr txBox="1"/>
+          <p:nvPr/>
+        </p:nvSpPr>
+        <p:spPr>
+          <a:xfrm>
+            <a:off x="2880995" y="2327275"/>
+            <a:ext cx="5572125" cy="2601595"/>
+          </a:xfrm>
+          <a:prstGeom prst="rect">
+            <a:avLst/>
+          </a:prstGeom>
+          <a:noFill/>
+        </p:spPr>
+        <p:txBody>
+          <a:bodyPr wrap="none" rtlCol="0">
+            <a:spAutoFit/>
+          </a:bodyPr>
+          <a:p>
+            <a:pPr>
+              <a:lnSpc>
+                <a:spcPct val="130000"/>
+              </a:lnSpc>
+              <a:spcBef>
+                <a:spcPts val="0"/>
+              </a:spcBef>
+              <a:spcAft>
+                <a:spcPts val="0"/>
+              </a:spcAft>
+            </a:pPr>
+            <a:r>
+              <a:rPr lang="en-US" altLang="zh-CN" sz="3200">
+                <a:latin typeface="微软雅黑" charset="0"/>
+                <a:ea typeface="微软雅黑" charset="0"/>
+                <a:cs typeface="微软雅黑" charset="0"/>
+              </a:rPr>
+              <a:t>1</a:t>
+            </a:r>
+            <a:r>
+              <a:rPr lang="zh-CN" altLang="en-US" sz="3200">
+                <a:latin typeface="微软雅黑" charset="0"/>
+                <a:ea typeface="微软雅黑" charset="0"/>
+                <a:cs typeface="微软雅黑" charset="0"/>
+              </a:rPr>
+              <a:t>、</a:t>
+            </a:r>
+            <a:r>
+              <a:rPr lang="en-US" sz="3200">
+                <a:latin typeface="微软雅黑" charset="0"/>
+                <a:ea typeface="微软雅黑" charset="0"/>
+                <a:cs typeface="微软雅黑" charset="0"/>
+              </a:rPr>
+              <a:t>Python</a:t>
+            </a:r>
+            <a:r>
+              <a:rPr lang="zh-CN" altLang="en-US" sz="3200">
+                <a:latin typeface="微软雅黑" charset="0"/>
+                <a:ea typeface="微软雅黑" charset="0"/>
+                <a:cs typeface="微软雅黑" charset="0"/>
+              </a:rPr>
+              <a:t>速度慢的两大原因</a:t>
+            </a:r>
+            <a:endParaRPr lang="zh-CN" altLang="en-US" sz="3200">
+              <a:latin typeface="微软雅黑" charset="0"/>
+              <a:ea typeface="微软雅黑" charset="0"/>
+              <a:cs typeface="微软雅黑" charset="0"/>
+            </a:endParaRPr>
+          </a:p>
+          <a:p>
+            <a:pPr>
+              <a:lnSpc>
+                <a:spcPct val="130000"/>
+              </a:lnSpc>
+              <a:spcBef>
+                <a:spcPts val="0"/>
+              </a:spcBef>
+              <a:spcAft>
+                <a:spcPts val="0"/>
+              </a:spcAft>
+            </a:pPr>
+            <a:r>
+              <a:rPr lang="en-US" altLang="zh-CN" sz="3200">
+                <a:latin typeface="微软雅黑" charset="0"/>
+                <a:ea typeface="微软雅黑" charset="0"/>
+                <a:cs typeface="微软雅黑" charset="0"/>
+              </a:rPr>
+              <a:t>2</a:t>
+            </a:r>
+            <a:r>
+              <a:rPr lang="zh-CN" altLang="en-US" sz="3200">
+                <a:latin typeface="微软雅黑" charset="0"/>
+                <a:ea typeface="微软雅黑" charset="0"/>
+                <a:cs typeface="微软雅黑" charset="0"/>
+              </a:rPr>
+              <a:t>、</a:t>
+            </a:r>
+            <a:r>
+              <a:rPr lang="en-US" altLang="zh-CN" sz="3200">
+                <a:latin typeface="微软雅黑" charset="0"/>
+                <a:ea typeface="微软雅黑" charset="0"/>
+                <a:cs typeface="微软雅黑" charset="0"/>
+              </a:rPr>
+              <a:t>GIL</a:t>
+            </a:r>
+            <a:r>
+              <a:rPr lang="zh-CN" altLang="en-US" sz="3200">
+                <a:latin typeface="微软雅黑" charset="0"/>
+                <a:ea typeface="微软雅黑" charset="0"/>
+                <a:cs typeface="微软雅黑" charset="0"/>
+              </a:rPr>
+              <a:t>是什么？</a:t>
+            </a:r>
+            <a:endParaRPr lang="zh-CN" altLang="en-US" sz="3200">
+              <a:latin typeface="微软雅黑" charset="0"/>
+              <a:ea typeface="微软雅黑" charset="0"/>
+              <a:cs typeface="微软雅黑" charset="0"/>
+            </a:endParaRPr>
+          </a:p>
+          <a:p>
+            <a:pPr>
+              <a:lnSpc>
+                <a:spcPct val="130000"/>
+              </a:lnSpc>
+              <a:spcBef>
+                <a:spcPts val="0"/>
+              </a:spcBef>
+              <a:spcAft>
+                <a:spcPts val="0"/>
+              </a:spcAft>
+            </a:pPr>
+            <a:r>
+              <a:rPr lang="en-US" altLang="zh-CN" sz="3200">
+                <a:latin typeface="微软雅黑" charset="0"/>
+                <a:ea typeface="微软雅黑" charset="0"/>
+                <a:cs typeface="微软雅黑" charset="0"/>
+              </a:rPr>
+              <a:t>3</a:t>
+            </a:r>
+            <a:r>
+              <a:rPr lang="zh-CN" altLang="en-US" sz="3200">
+                <a:latin typeface="微软雅黑" charset="0"/>
+                <a:ea typeface="微软雅黑" charset="0"/>
+                <a:cs typeface="微软雅黑" charset="0"/>
+              </a:rPr>
+              <a:t>、为什么有</a:t>
+            </a:r>
+            <a:r>
+              <a:rPr lang="en-US" altLang="zh-CN" sz="3200">
+                <a:latin typeface="微软雅黑" charset="0"/>
+                <a:ea typeface="微软雅黑" charset="0"/>
+                <a:cs typeface="微软雅黑" charset="0"/>
+              </a:rPr>
+              <a:t>GIL</a:t>
+            </a:r>
+            <a:r>
+              <a:rPr lang="zh-CN" altLang="en-US" sz="3200">
+                <a:latin typeface="微软雅黑" charset="0"/>
+                <a:ea typeface="微软雅黑" charset="0"/>
+                <a:cs typeface="微软雅黑" charset="0"/>
+              </a:rPr>
+              <a:t>这个东西？</a:t>
+            </a:r>
+            <a:endParaRPr lang="zh-CN" altLang="en-US" sz="3200">
+              <a:latin typeface="微软雅黑" charset="0"/>
+              <a:ea typeface="微软雅黑" charset="0"/>
+              <a:cs typeface="微软雅黑" charset="0"/>
+            </a:endParaRPr>
+          </a:p>
+          <a:p>
+            <a:pPr>
+              <a:lnSpc>
+                <a:spcPct val="120000"/>
+              </a:lnSpc>
+              <a:spcBef>
+                <a:spcPts val="0"/>
+              </a:spcBef>
+              <a:spcAft>
+                <a:spcPts val="0"/>
+              </a:spcAft>
+            </a:pPr>
+            <a:r>
+              <a:rPr lang="en-US" altLang="zh-CN" sz="3200">
+                <a:latin typeface="微软雅黑" charset="0"/>
+                <a:ea typeface="微软雅黑" charset="0"/>
+                <a:cs typeface="微软雅黑" charset="0"/>
+              </a:rPr>
+              <a:t>4</a:t>
+            </a:r>
+            <a:r>
+              <a:rPr lang="zh-CN" altLang="en-US" sz="3200">
+                <a:latin typeface="微软雅黑" charset="0"/>
+                <a:ea typeface="微软雅黑" charset="0"/>
+                <a:cs typeface="微软雅黑" charset="0"/>
+              </a:rPr>
+              <a:t>、怎样规避</a:t>
+            </a:r>
+            <a:r>
+              <a:rPr lang="en-US" altLang="zh-CN" sz="3200">
+                <a:latin typeface="微软雅黑" charset="0"/>
+                <a:ea typeface="微软雅黑" charset="0"/>
+                <a:cs typeface="微软雅黑" charset="0"/>
+              </a:rPr>
+              <a:t>GIL</a:t>
+            </a:r>
+            <a:r>
+              <a:rPr lang="zh-CN" altLang="en-US" sz="3200">
+                <a:latin typeface="微软雅黑" charset="0"/>
+                <a:ea typeface="微软雅黑" charset="0"/>
+                <a:cs typeface="微软雅黑" charset="0"/>
+              </a:rPr>
+              <a:t>带来的限制？</a:t>
+            </a:r>
+            <a:endParaRPr lang="zh-CN" altLang="en-US" sz="3200">
+              <a:latin typeface="微软雅黑" charset="0"/>
+              <a:ea typeface="微软雅黑" charset="0"/>
+              <a:cs typeface="微软雅黑" charset="0"/>
+            </a:endParaRPr>
+          </a:p>
+        </p:txBody>
+      </p:sp>
+    </p:spTree>
+  </p:cSld>
+  <p:clrMapOvr>
+    <a:masterClrMapping/>
+  </p:clrMapOvr>
+  <p:timing>
+    <p:tnLst>
+      <p:par>
+        <p:cTn id="1" dur="indefinite" restart="never" nodeType="tmRoot"/>
+      </p:par>
+    </p:tnLst>
+  </p:timing>
+</p:sld>
+</file>
+
+<file path=ppt/slides/slide14.xml><?xml version="1.0" encoding="utf-8"?>
+<p:sld xmlns:a="http://schemas.openxmlformats.org/drawingml/2006/main" xmlns:r="http://schemas.openxmlformats.org/officeDocument/2006/relationships" xmlns:p="http://schemas.openxmlformats.org/presentationml/2006/main">
+  <p:cSld>
+    <p:spTree>
+      <p:nvGrpSpPr>
+        <p:cNvPr id="1" name=""/>
+        <p:cNvGrpSpPr/>
+        <p:nvPr/>
+      </p:nvGrpSpPr>
+      <p:grpSpPr/>
+      <p:sp>
+        <p:nvSpPr>
+          <p:cNvPr id="13" name="文本框 12"/>
+          <p:cNvSpPr txBox="1"/>
+          <p:nvPr/>
+        </p:nvSpPr>
+        <p:spPr>
+          <a:xfrm>
+            <a:off x="3701415" y="305435"/>
+            <a:ext cx="4788535" cy="737235"/>
+          </a:xfrm>
+          <a:prstGeom prst="rect">
+            <a:avLst/>
+          </a:prstGeom>
+          <a:noFill/>
+        </p:spPr>
+        <p:txBody>
+          <a:bodyPr wrap="none" rtlCol="0">
+            <a:spAutoFit/>
+          </a:bodyPr>
+          <a:p>
+            <a:pPr indent="0" algn="l">
+              <a:lnSpc>
+                <a:spcPct val="150000"/>
+              </a:lnSpc>
+              <a:buFont typeface="Arial" panose="020B0604020202090204" pitchFamily="34" charset="0"/>
+              <a:buNone/>
+            </a:pPr>
+            <a:r>
+              <a:rPr lang="en-US" altLang="zh-CN" sz="2800" b="1">
+                <a:solidFill>
+                  <a:srgbClr val="0070C0"/>
+                </a:solidFill>
+                <a:latin typeface="微软雅黑" charset="0"/>
+                <a:ea typeface="微软雅黑" charset="0"/>
+                <a:cs typeface="微软雅黑" charset="0"/>
+                <a:sym typeface="+mn-ea"/>
+              </a:rPr>
+              <a:t>1</a:t>
+            </a:r>
+            <a:r>
+              <a:rPr lang="zh-CN" altLang="en-US" sz="2800" b="1">
+                <a:solidFill>
+                  <a:srgbClr val="0070C0"/>
+                </a:solidFill>
+                <a:latin typeface="微软雅黑" charset="0"/>
+                <a:ea typeface="微软雅黑" charset="0"/>
+                <a:cs typeface="微软雅黑" charset="0"/>
+                <a:sym typeface="+mn-ea"/>
+              </a:rPr>
+              <a:t>、</a:t>
+            </a:r>
+            <a:r>
+              <a:rPr lang="en-US" sz="2800" b="1">
+                <a:solidFill>
+                  <a:srgbClr val="0070C0"/>
+                </a:solidFill>
+                <a:latin typeface="微软雅黑" charset="0"/>
+                <a:ea typeface="微软雅黑" charset="0"/>
+                <a:cs typeface="微软雅黑" charset="0"/>
+                <a:sym typeface="+mn-ea"/>
+              </a:rPr>
+              <a:t>Python</a:t>
+            </a:r>
+            <a:r>
+              <a:rPr lang="zh-CN" altLang="en-US" sz="2800" b="1">
+                <a:solidFill>
+                  <a:srgbClr val="0070C0"/>
+                </a:solidFill>
+                <a:latin typeface="微软雅黑" charset="0"/>
+                <a:ea typeface="微软雅黑" charset="0"/>
+                <a:cs typeface="微软雅黑" charset="0"/>
+                <a:sym typeface="+mn-ea"/>
+              </a:rPr>
+              <a:t>速度慢的两大原因</a:t>
+            </a:r>
+            <a:endParaRPr lang="zh-CN" altLang="en-US" sz="2800" b="1">
+              <a:solidFill>
+                <a:srgbClr val="0070C0"/>
+              </a:solidFill>
+              <a:latin typeface="微软雅黑" charset="0"/>
+              <a:ea typeface="微软雅黑" charset="0"/>
+              <a:cs typeface="微软雅黑" charset="0"/>
+              <a:sym typeface="+mn-ea"/>
+            </a:endParaRPr>
+          </a:p>
+        </p:txBody>
+      </p:sp>
+      <p:sp>
+        <p:nvSpPr>
+          <p:cNvPr id="2" name="文本框 1"/>
+          <p:cNvSpPr txBox="1"/>
+          <p:nvPr/>
+        </p:nvSpPr>
+        <p:spPr>
+          <a:xfrm>
+            <a:off x="1212215" y="1431925"/>
+            <a:ext cx="9175750" cy="368300"/>
+          </a:xfrm>
+          <a:prstGeom prst="rect">
+            <a:avLst/>
+          </a:prstGeom>
+          <a:noFill/>
+        </p:spPr>
+        <p:txBody>
+          <a:bodyPr wrap="none" rtlCol="0">
+            <a:spAutoFit/>
+          </a:bodyPr>
+          <a:p>
+            <a:r>
+              <a:rPr lang="zh-CN" altLang="en-US"/>
+              <a:t>相比</a:t>
+            </a:r>
+            <a:r>
+              <a:rPr lang="en-US" altLang="zh-CN"/>
+              <a:t>C/C++/JAVA</a:t>
+            </a:r>
+            <a:r>
+              <a:rPr lang="zh-CN" altLang="en-US"/>
+              <a:t>，</a:t>
+            </a:r>
+            <a:r>
+              <a:rPr lang="en-US" altLang="zh-CN"/>
+              <a:t>Python</a:t>
+            </a:r>
+            <a:r>
+              <a:rPr lang="zh-CN" altLang="en-US"/>
+              <a:t>确实慢，在一些特殊场景下，</a:t>
+            </a:r>
+            <a:r>
+              <a:rPr lang="en-US" altLang="zh-CN"/>
+              <a:t>Python</a:t>
+            </a:r>
+            <a:r>
+              <a:rPr lang="zh-CN" altLang="en-US"/>
+              <a:t>比</a:t>
+            </a:r>
+            <a:r>
+              <a:rPr lang="en-US" altLang="zh-CN"/>
+              <a:t>C++</a:t>
+            </a:r>
+            <a:r>
+              <a:rPr lang="zh-CN" altLang="en-US"/>
+              <a:t>慢</a:t>
+            </a:r>
+            <a:r>
+              <a:rPr lang="en-US" altLang="zh-CN"/>
+              <a:t>100~200</a:t>
+            </a:r>
+            <a:r>
+              <a:rPr lang="zh-CN" altLang="en-US"/>
+              <a:t>倍</a:t>
+            </a:r>
+            <a:endParaRPr lang="zh-CN" altLang="en-US"/>
+          </a:p>
+        </p:txBody>
+      </p:sp>
+      <p:sp>
+        <p:nvSpPr>
+          <p:cNvPr id="3" name="文本框 2"/>
+          <p:cNvSpPr txBox="1"/>
+          <p:nvPr/>
+        </p:nvSpPr>
+        <p:spPr>
+          <a:xfrm>
+            <a:off x="1212215" y="1967230"/>
+            <a:ext cx="9608185" cy="645160"/>
+          </a:xfrm>
+          <a:prstGeom prst="rect">
+            <a:avLst/>
+          </a:prstGeom>
+          <a:noFill/>
+        </p:spPr>
+        <p:txBody>
+          <a:bodyPr wrap="square" rtlCol="0" anchor="t">
+            <a:spAutoFit/>
+          </a:bodyPr>
+          <a:p>
+            <a:r>
+              <a:rPr lang="zh-CN" altLang="en-US">
+                <a:sym typeface="+mn-ea"/>
+              </a:rPr>
+              <a:t>由于速度慢的原因，很多公司的基础架构代码依然用</a:t>
+            </a:r>
+            <a:r>
+              <a:rPr lang="en-US" altLang="zh-CN">
+                <a:sym typeface="+mn-ea"/>
+              </a:rPr>
+              <a:t>C/C++</a:t>
+            </a:r>
+            <a:r>
+              <a:rPr lang="zh-CN" altLang="en-US">
+                <a:sym typeface="+mn-ea"/>
+              </a:rPr>
+              <a:t>开发</a:t>
+            </a:r>
+            <a:endParaRPr lang="zh-CN" altLang="en-US"/>
+          </a:p>
+          <a:p>
+            <a:r>
+              <a:rPr lang="zh-CN" altLang="en-US">
+                <a:sym typeface="+mn-ea"/>
+              </a:rPr>
+              <a:t>比如各大公司阿里</a:t>
+            </a:r>
+            <a:r>
+              <a:rPr lang="en-US" altLang="zh-CN">
+                <a:sym typeface="+mn-ea"/>
+              </a:rPr>
+              <a:t>/</a:t>
+            </a:r>
+            <a:r>
+              <a:rPr lang="zh-CN" altLang="en-US">
+                <a:sym typeface="+mn-ea"/>
+              </a:rPr>
+              <a:t>腾讯</a:t>
+            </a:r>
+            <a:r>
+              <a:rPr lang="en-US" altLang="zh-CN">
+                <a:sym typeface="+mn-ea"/>
+              </a:rPr>
+              <a:t>/</a:t>
+            </a:r>
+            <a:r>
+              <a:rPr lang="zh-CN" altLang="en-US">
+                <a:sym typeface="+mn-ea"/>
+              </a:rPr>
+              <a:t>快手的推荐引擎、搜索引擎、存储引擎等底层对性能要求高的模块</a:t>
+            </a:r>
+            <a:endParaRPr lang="zh-CN" altLang="en-US"/>
+          </a:p>
+        </p:txBody>
+      </p:sp>
+      <p:sp>
+        <p:nvSpPr>
+          <p:cNvPr id="4" name="矩形 3"/>
+          <p:cNvSpPr/>
+          <p:nvPr/>
+        </p:nvSpPr>
+        <p:spPr>
+          <a:xfrm>
+            <a:off x="2248535" y="3111500"/>
+            <a:ext cx="2751455" cy="2725420"/>
+          </a:xfrm>
+          <a:prstGeom prst="rect">
+            <a:avLst/>
+          </a:prstGeom>
+          <a:solidFill>
+            <a:schemeClr val="accent3"/>
+          </a:solidFill>
+        </p:spPr>
+        <p:style>
+          <a:lnRef idx="2">
+            <a:schemeClr val="accent6">
+              <a:shade val="50000"/>
+            </a:schemeClr>
+          </a:lnRef>
+          <a:fillRef idx="1">
+            <a:schemeClr val="accent6"/>
+          </a:fillRef>
+          <a:effectRef idx="0">
+            <a:schemeClr val="accent6"/>
+          </a:effectRef>
+          <a:fontRef idx="minor">
+            <a:schemeClr val="lt1"/>
+          </a:fontRef>
+        </p:style>
+        <p:txBody>
+          <a:bodyPr rtlCol="0" anchor="ctr"/>
+          <a:p>
+            <a:pPr algn="ctr"/>
+            <a:r>
+              <a:rPr lang="en-US" altLang="zh-CN">
+                <a:solidFill>
+                  <a:schemeClr val="tx1"/>
+                </a:solidFill>
+              </a:rPr>
+              <a:t>Python </a:t>
+            </a:r>
+            <a:r>
+              <a:rPr lang="zh-CN" altLang="en-US">
+                <a:solidFill>
+                  <a:schemeClr val="tx1"/>
+                </a:solidFill>
+              </a:rPr>
+              <a:t>速度慢的原因</a:t>
+            </a:r>
+            <a:r>
+              <a:rPr lang="en-US" altLang="zh-CN">
+                <a:solidFill>
+                  <a:schemeClr val="tx1"/>
+                </a:solidFill>
+              </a:rPr>
+              <a:t>1</a:t>
+            </a:r>
+            <a:endParaRPr lang="en-US" altLang="zh-CN">
+              <a:solidFill>
+                <a:schemeClr val="tx1"/>
+              </a:solidFill>
+            </a:endParaRPr>
+          </a:p>
+          <a:p>
+            <a:pPr algn="ctr"/>
+            <a:endParaRPr lang="en-US" altLang="zh-CN">
+              <a:solidFill>
+                <a:schemeClr val="tx1"/>
+              </a:solidFill>
+            </a:endParaRPr>
+          </a:p>
+          <a:p>
+            <a:pPr algn="ctr"/>
+            <a:r>
+              <a:rPr lang="zh-CN" altLang="en-US">
+                <a:solidFill>
+                  <a:schemeClr val="tx1"/>
+                </a:solidFill>
+              </a:rPr>
+              <a:t>动态类型语言</a:t>
+            </a:r>
+            <a:endParaRPr lang="zh-CN" altLang="en-US">
+              <a:solidFill>
+                <a:schemeClr val="tx1"/>
+              </a:solidFill>
+            </a:endParaRPr>
+          </a:p>
+          <a:p>
+            <a:pPr algn="ctr"/>
+            <a:r>
+              <a:rPr lang="zh-CN" altLang="en-US">
+                <a:solidFill>
+                  <a:schemeClr val="tx1"/>
+                </a:solidFill>
+              </a:rPr>
+              <a:t>边解释边执行</a:t>
+            </a:r>
+            <a:endParaRPr lang="zh-CN" altLang="en-US">
+              <a:solidFill>
+                <a:schemeClr val="tx1"/>
+              </a:solidFill>
+            </a:endParaRPr>
+          </a:p>
+        </p:txBody>
+      </p:sp>
+      <p:sp>
+        <p:nvSpPr>
+          <p:cNvPr id="5" name="矩形 4"/>
+          <p:cNvSpPr/>
+          <p:nvPr/>
+        </p:nvSpPr>
+        <p:spPr>
+          <a:xfrm>
+            <a:off x="6692900" y="3111500"/>
+            <a:ext cx="3569335" cy="2725420"/>
+          </a:xfrm>
+          <a:prstGeom prst="rect">
+            <a:avLst/>
+          </a:prstGeom>
+          <a:solidFill>
+            <a:schemeClr val="accent3"/>
+          </a:solidFill>
+        </p:spPr>
+        <p:style>
+          <a:lnRef idx="2">
+            <a:schemeClr val="accent6">
+              <a:shade val="50000"/>
+            </a:schemeClr>
+          </a:lnRef>
+          <a:fillRef idx="1">
+            <a:schemeClr val="accent6"/>
+          </a:fillRef>
+          <a:effectRef idx="0">
+            <a:schemeClr val="accent6"/>
+          </a:effectRef>
+          <a:fontRef idx="minor">
+            <a:schemeClr val="lt1"/>
+          </a:fontRef>
+        </p:style>
+        <p:txBody>
+          <a:bodyPr rtlCol="0" anchor="ctr"/>
+          <a:p>
+            <a:pPr algn="ctr"/>
+            <a:r>
+              <a:rPr lang="en-US" altLang="zh-CN">
+                <a:solidFill>
+                  <a:schemeClr val="tx1"/>
+                </a:solidFill>
+              </a:rPr>
+              <a:t>Python </a:t>
+            </a:r>
+            <a:r>
+              <a:rPr lang="zh-CN" altLang="en-US">
+                <a:solidFill>
+                  <a:schemeClr val="tx1"/>
+                </a:solidFill>
+              </a:rPr>
+              <a:t>速度慢的原因</a:t>
+            </a:r>
+            <a:r>
+              <a:rPr lang="en-US" altLang="zh-CN">
+                <a:solidFill>
+                  <a:schemeClr val="tx1"/>
+                </a:solidFill>
+              </a:rPr>
+              <a:t>2</a:t>
+            </a:r>
+            <a:endParaRPr lang="en-US" altLang="zh-CN">
+              <a:solidFill>
+                <a:schemeClr val="tx1"/>
+              </a:solidFill>
+            </a:endParaRPr>
+          </a:p>
+          <a:p>
+            <a:pPr algn="ctr"/>
+            <a:endParaRPr lang="en-US" altLang="zh-CN">
+              <a:solidFill>
+                <a:schemeClr val="tx1"/>
+              </a:solidFill>
+            </a:endParaRPr>
+          </a:p>
+          <a:p>
+            <a:pPr algn="ctr"/>
+            <a:r>
+              <a:rPr lang="en-US" altLang="zh-CN">
+                <a:solidFill>
+                  <a:schemeClr val="tx1"/>
+                </a:solidFill>
+              </a:rPr>
+              <a:t>GIL </a:t>
+            </a:r>
+            <a:endParaRPr lang="en-US" altLang="zh-CN">
+              <a:solidFill>
+                <a:schemeClr val="tx1"/>
+              </a:solidFill>
+            </a:endParaRPr>
+          </a:p>
+          <a:p>
+            <a:pPr algn="ctr"/>
+            <a:r>
+              <a:rPr lang="zh-CN" altLang="en-US">
+                <a:solidFill>
+                  <a:schemeClr val="tx1"/>
+                </a:solidFill>
+              </a:rPr>
+              <a:t>无法利用多核</a:t>
+            </a:r>
+            <a:r>
+              <a:rPr lang="en-US" altLang="zh-CN">
+                <a:solidFill>
+                  <a:schemeClr val="tx1"/>
+                </a:solidFill>
+              </a:rPr>
+              <a:t>CPU</a:t>
+            </a:r>
+            <a:r>
+              <a:rPr lang="zh-CN" altLang="en-US">
+                <a:solidFill>
+                  <a:schemeClr val="tx1"/>
+                </a:solidFill>
+              </a:rPr>
+              <a:t>并发执行</a:t>
+            </a:r>
+            <a:endParaRPr lang="zh-CN" altLang="en-US">
+              <a:solidFill>
+                <a:schemeClr val="tx1"/>
+              </a:solidFill>
+            </a:endParaRPr>
+          </a:p>
+        </p:txBody>
+      </p:sp>
+    </p:spTree>
+  </p:cSld>
+  <p:clrMapOvr>
+    <a:masterClrMapping/>
+  </p:clrMapOvr>
+  <p:timing>
+    <p:tnLst>
+      <p:par>
+        <p:cTn id="1" dur="indefinite" restart="never" nodeType="tmRoot">
+          <p:childTnLst>
+            <p:seq concurrent="1" nextAc="seek">
+              <p:cTn id="2" dur="indefinite" nodeType="mainSeq">
+                <p:childTnLst>
+                  <p:par>
+                    <p:cTn id="3" fill="hold">
+                      <p:stCondLst>
+                        <p:cond delay="indefinite"/>
+                      </p:stCondLst>
+                      <p:childTnLst>
+                        <p:par>
+                          <p:cTn id="4" fill="hold">
+                            <p:stCondLst>
+                              <p:cond delay="0"/>
+                            </p:stCondLst>
+                            <p:childTnLst>
+                              <p:par>
+                                <p:cTn id="5" presetID="2" presetClass="entr" presetSubtype="4" fill="hold" grpId="0" nodeType="clickEffect">
+                                  <p:stCondLst>
+                                    <p:cond delay="0"/>
+                                  </p:stCondLst>
+                                  <p:childTnLst>
+                                    <p:set>
+                                      <p:cBhvr>
+                                        <p:cTn id="6" dur="1" fill="hold">
+                                          <p:stCondLst>
+                                            <p:cond delay="0"/>
+                                          </p:stCondLst>
+                                        </p:cTn>
+                                        <p:tgtEl>
+                                          <p:spTgt spid="2"/>
+                                        </p:tgtEl>
+                                        <p:attrNameLst>
+                                          <p:attrName>style.visibility</p:attrName>
+                                        </p:attrNameLst>
+                                      </p:cBhvr>
+                                      <p:to>
+                                        <p:strVal val="visible"/>
+                                      </p:to>
+                                    </p:set>
+                                    <p:anim calcmode="lin" valueType="num">
+                                      <p:cBhvr additive="base">
+                                        <p:cTn id="7" dur="500" fill="hold"/>
+                                        <p:tgtEl>
+                                          <p:spTgt spid="2"/>
+                                        </p:tgtEl>
+                                        <p:attrNameLst>
+                                          <p:attrName>ppt_x</p:attrName>
+                                        </p:attrNameLst>
+                                      </p:cBhvr>
+                                      <p:tavLst>
+                                        <p:tav tm="0">
+                                          <p:val>
+                                            <p:strVal val="#ppt_x"/>
+                                          </p:val>
+                                        </p:tav>
+                                        <p:tav tm="100000">
+                                          <p:val>
+                                            <p:strVal val="#ppt_x"/>
+                                          </p:val>
+                                        </p:tav>
+                                      </p:tavLst>
+                                    </p:anim>
+                                    <p:anim calcmode="lin" valueType="num">
+                                      <p:cBhvr additive="base">
+                                        <p:cTn id="8" dur="500" fill="hold"/>
+                                        <p:tgtEl>
+                                          <p:spTgt spid="2"/>
+                                        </p:tgtEl>
+                                        <p:attrNameLst>
+                                          <p:attrName>ppt_y</p:attrName>
+                                        </p:attrNameLst>
+                                      </p:cBhvr>
+                                      <p:tavLst>
+                                        <p:tav tm="0">
+                                          <p:val>
+                                            <p:strVal val="1+#ppt_h/2"/>
+                                          </p:val>
+                                        </p:tav>
+                                        <p:tav tm="100000">
+                                          <p:val>
+                                            <p:strVal val="#ppt_y"/>
+                                          </p:val>
+                                        </p:tav>
+                                      </p:tavLst>
+                                    </p:anim>
+                                  </p:childTnLst>
+                                </p:cTn>
+                              </p:par>
+                            </p:childTnLst>
+                          </p:cTn>
+                        </p:par>
+                      </p:childTnLst>
+                    </p:cTn>
+                  </p:par>
+                  <p:par>
+                    <p:cTn id="9" fill="hold">
+                      <p:stCondLst>
+                        <p:cond delay="indefinite"/>
+                      </p:stCondLst>
+                      <p:childTnLst>
+                        <p:par>
+                          <p:cTn id="10" fill="hold">
+                            <p:stCondLst>
+                              <p:cond delay="0"/>
+                            </p:stCondLst>
+                            <p:childTnLst>
+                              <p:par>
+                                <p:cTn id="11" presetID="2" presetClass="entr" presetSubtype="4" fill="hold" grpId="0" nodeType="clickEffect">
+                                  <p:stCondLst>
+                                    <p:cond delay="0"/>
+                                  </p:stCondLst>
+                                  <p:childTnLst>
+                                    <p:set>
+                                      <p:cBhvr>
+                                        <p:cTn id="12" dur="1" fill="hold">
+                                          <p:stCondLst>
+                                            <p:cond delay="0"/>
+                                          </p:stCondLst>
+                                        </p:cTn>
+                                        <p:tgtEl>
+                                          <p:spTgt spid="3"/>
+                                        </p:tgtEl>
+                                        <p:attrNameLst>
+                                          <p:attrName>style.visibility</p:attrName>
+                                        </p:attrNameLst>
+                                      </p:cBhvr>
+                                      <p:to>
+                                        <p:strVal val="visible"/>
+                                      </p:to>
+                                    </p:set>
+                                    <p:anim calcmode="lin" valueType="num">
+                                      <p:cBhvr additive="base">
+                                        <p:cTn id="13" dur="500" fill="hold"/>
+                                        <p:tgtEl>
+                                          <p:spTgt spid="3"/>
+                                        </p:tgtEl>
+                                        <p:attrNameLst>
+                                          <p:attrName>ppt_x</p:attrName>
+                                        </p:attrNameLst>
+                                      </p:cBhvr>
+                                      <p:tavLst>
+                                        <p:tav tm="0">
+                                          <p:val>
+                                            <p:strVal val="#ppt_x"/>
+                                          </p:val>
+                                        </p:tav>
+                                        <p:tav tm="100000">
+                                          <p:val>
+                                            <p:strVal val="#ppt_x"/>
+                                          </p:val>
+                                        </p:tav>
+                                      </p:tavLst>
+                                    </p:anim>
+                                    <p:anim calcmode="lin" valueType="num">
+                                      <p:cBhvr additive="base">
+                                        <p:cTn id="14" dur="500" fill="hold"/>
+                                        <p:tgtEl>
+                                          <p:spTgt spid="3"/>
+                                        </p:tgtEl>
+                                        <p:attrNameLst>
+                                          <p:attrName>ppt_y</p:attrName>
+                                        </p:attrNameLst>
+                                      </p:cBhvr>
+                                      <p:tavLst>
+                                        <p:tav tm="0">
+                                          <p:val>
+                                            <p:strVal val="1+#ppt_h/2"/>
+                                          </p:val>
+                                        </p:tav>
+                                        <p:tav tm="100000">
+                                          <p:val>
+                                            <p:strVal val="#ppt_y"/>
+                                          </p:val>
+                                        </p:tav>
+                                      </p:tavLst>
+                                    </p:anim>
+                                  </p:childTnLst>
+                                </p:cTn>
+                              </p:par>
+                            </p:childTnLst>
+                          </p:cTn>
+                        </p:par>
+                      </p:childTnLst>
+                    </p:cTn>
+                  </p:par>
+                  <p:par>
+                    <p:cTn id="15" fill="hold">
+                      <p:stCondLst>
+                        <p:cond delay="indefinite"/>
+                      </p:stCondLst>
+                      <p:childTnLst>
+                        <p:par>
+                          <p:cTn id="16" fill="hold">
+                            <p:stCondLst>
+                              <p:cond delay="0"/>
+                            </p:stCondLst>
+                            <p:childTnLst>
+                              <p:par>
+                                <p:cTn id="17" presetID="22" presetClass="entr" presetSubtype="4" fill="hold" grpId="0" nodeType="clickEffect">
+                                  <p:stCondLst>
+                                    <p:cond delay="0"/>
+                                  </p:stCondLst>
+                                  <p:childTnLst>
+                                    <p:set>
+                                      <p:cBhvr>
+                                        <p:cTn id="18" dur="1" fill="hold">
+                                          <p:stCondLst>
+                                            <p:cond delay="0"/>
+                                          </p:stCondLst>
+                                        </p:cTn>
+                                        <p:tgtEl>
+                                          <p:spTgt spid="4"/>
+                                        </p:tgtEl>
+                                        <p:attrNameLst>
+                                          <p:attrName>style.visibility</p:attrName>
+                                        </p:attrNameLst>
+                                      </p:cBhvr>
+                                      <p:to>
+                                        <p:strVal val="visible"/>
+                                      </p:to>
+                                    </p:set>
+                                    <p:animEffect transition="in" filter="wipe(down)">
+                                      <p:cBhvr>
+                                        <p:cTn id="19" dur="500"/>
+                                        <p:tgtEl>
+                                          <p:spTgt spid="4"/>
+                                        </p:tgtEl>
+                                      </p:cBhvr>
+                                    </p:animEffect>
+                                  </p:childTnLst>
+                                </p:cTn>
+                              </p:par>
+                            </p:childTnLst>
+                          </p:cTn>
+                        </p:par>
+                      </p:childTnLst>
+                    </p:cTn>
+                  </p:par>
+                  <p:par>
+                    <p:cTn id="20" fill="hold">
+                      <p:stCondLst>
+                        <p:cond delay="indefinite"/>
+                      </p:stCondLst>
+                      <p:childTnLst>
+                        <p:par>
+                          <p:cTn id="21" fill="hold">
+                            <p:stCondLst>
+                              <p:cond delay="0"/>
+                            </p:stCondLst>
+                            <p:childTnLst>
+                              <p:par>
+                                <p:cTn id="22" presetID="22" presetClass="entr" presetSubtype="4" fill="hold" grpId="0" nodeType="clickEffect">
+                                  <p:stCondLst>
+                                    <p:cond delay="0"/>
+                                  </p:stCondLst>
+                                  <p:childTnLst>
+                                    <p:set>
+                                      <p:cBhvr>
+                                        <p:cTn id="23" dur="1" fill="hold">
+                                          <p:stCondLst>
+                                            <p:cond delay="0"/>
+                                          </p:stCondLst>
+                                        </p:cTn>
+                                        <p:tgtEl>
+                                          <p:spTgt spid="5"/>
+                                        </p:tgtEl>
+                                        <p:attrNameLst>
+                                          <p:attrName>style.visibility</p:attrName>
+                                        </p:attrNameLst>
+                                      </p:cBhvr>
+                                      <p:to>
+                                        <p:strVal val="visible"/>
+                                      </p:to>
+                                    </p:set>
+                                    <p:animEffect transition="in" filter="wipe(down)">
+                                      <p:cBhvr>
+                                        <p:cTn id="24" dur="500"/>
+                                        <p:tgtEl>
+                                          <p:spTgt spid="5"/>
+                                        </p:tgtEl>
+                                      </p:cBhvr>
+                                    </p:animEffect>
+                                  </p:childTnLst>
+                                </p:cTn>
+                              </p:par>
+                            </p:childTnLst>
+                          </p:cTn>
+                        </p:par>
+                      </p:childTnLst>
+                    </p:cTn>
+                  </p:par>
+                </p:childTnLst>
+              </p:cTn>
+              <p:prevCondLst>
+                <p:cond evt="onPrev" delay="0">
+                  <p:tgtEl>
+                    <p:sldTgt/>
+                  </p:tgtEl>
+                </p:cond>
+              </p:prevCondLst>
+              <p:nextCondLst>
+                <p:cond evt="onNext" delay="0">
+                  <p:tgtEl>
+                    <p:sldTgt/>
+                  </p:tgtEl>
+                </p:cond>
+              </p:nextCondLst>
+            </p:seq>
+          </p:childTnLst>
+        </p:cTn>
+      </p:par>
+    </p:tnLst>
+    <p:bldLst>
+      <p:bldP spid="2" grpId="0"/>
+      <p:bldP spid="3" grpId="0"/>
+      <p:bldP spid="4" grpId="0" animBg="1"/>
+      <p:bldP spid="5" grpId="0" animBg="1"/>
+    </p:bldLst>
+  </p:timing>
+</p:sld>
+</file>
+
+<file path=ppt/slides/slide15.xml><?xml version="1.0" encoding="utf-8"?>
+<p:sld xmlns:a="http://schemas.openxmlformats.org/drawingml/2006/main" xmlns:r="http://schemas.openxmlformats.org/officeDocument/2006/relationships" xmlns:p="http://schemas.openxmlformats.org/presentationml/2006/main">
+  <p:cSld>
+    <p:spTree>
+      <p:nvGrpSpPr>
+        <p:cNvPr id="1" name=""/>
+        <p:cNvGrpSpPr/>
+        <p:nvPr/>
+      </p:nvGrpSpPr>
+      <p:grpSpPr/>
+      <p:sp>
+        <p:nvSpPr>
+          <p:cNvPr id="13" name="文本框 12"/>
+          <p:cNvSpPr txBox="1"/>
+          <p:nvPr/>
+        </p:nvSpPr>
+        <p:spPr>
+          <a:xfrm>
+            <a:off x="3701415" y="305435"/>
+            <a:ext cx="2887345" cy="737235"/>
+          </a:xfrm>
+          <a:prstGeom prst="rect">
+            <a:avLst/>
+          </a:prstGeom>
+          <a:noFill/>
+        </p:spPr>
+        <p:txBody>
+          <a:bodyPr wrap="none" rtlCol="0">
+            <a:spAutoFit/>
+          </a:bodyPr>
+          <a:p>
+            <a:pPr indent="0" algn="l">
+              <a:lnSpc>
+                <a:spcPct val="150000"/>
+              </a:lnSpc>
+              <a:buFont typeface="Arial" panose="020B0604020202090204" pitchFamily="34" charset="0"/>
+              <a:buNone/>
+            </a:pPr>
+            <a:r>
+              <a:rPr lang="en-US" altLang="zh-CN" sz="2800" b="1">
+                <a:solidFill>
+                  <a:srgbClr val="0070C0"/>
+                </a:solidFill>
+                <a:latin typeface="微软雅黑" charset="0"/>
+                <a:ea typeface="微软雅黑" charset="0"/>
+                <a:cs typeface="微软雅黑" charset="0"/>
+                <a:sym typeface="+mn-ea"/>
+              </a:rPr>
+              <a:t>2</a:t>
+            </a:r>
+            <a:r>
+              <a:rPr lang="zh-CN" altLang="en-US" sz="2800" b="1">
+                <a:solidFill>
+                  <a:srgbClr val="0070C0"/>
+                </a:solidFill>
+                <a:latin typeface="微软雅黑" charset="0"/>
+                <a:ea typeface="微软雅黑" charset="0"/>
+                <a:cs typeface="微软雅黑" charset="0"/>
+                <a:sym typeface="+mn-ea"/>
+              </a:rPr>
+              <a:t>、</a:t>
+            </a:r>
+            <a:r>
+              <a:rPr lang="en-US" sz="2800" b="1">
+                <a:solidFill>
+                  <a:srgbClr val="0070C0"/>
+                </a:solidFill>
+                <a:latin typeface="微软雅黑" charset="0"/>
+                <a:ea typeface="微软雅黑" charset="0"/>
+                <a:cs typeface="微软雅黑" charset="0"/>
+                <a:sym typeface="+mn-ea"/>
+              </a:rPr>
+              <a:t>GIL </a:t>
+            </a:r>
+            <a:r>
+              <a:rPr lang="zh-CN" altLang="en-US" sz="2800" b="1">
+                <a:solidFill>
+                  <a:srgbClr val="0070C0"/>
+                </a:solidFill>
+                <a:latin typeface="微软雅黑" charset="0"/>
+                <a:ea typeface="微软雅黑" charset="0"/>
+                <a:cs typeface="微软雅黑" charset="0"/>
+                <a:sym typeface="+mn-ea"/>
+              </a:rPr>
+              <a:t>是什么？</a:t>
+            </a:r>
+            <a:endParaRPr lang="zh-CN" altLang="en-US" sz="2800" b="1">
+              <a:solidFill>
+                <a:srgbClr val="0070C0"/>
+              </a:solidFill>
+              <a:latin typeface="微软雅黑" charset="0"/>
+              <a:ea typeface="微软雅黑" charset="0"/>
+              <a:cs typeface="微软雅黑" charset="0"/>
+              <a:sym typeface="+mn-ea"/>
+            </a:endParaRPr>
+          </a:p>
+        </p:txBody>
+      </p:sp>
+      <p:sp>
+        <p:nvSpPr>
+          <p:cNvPr id="3" name="文本框 2"/>
+          <p:cNvSpPr txBox="1"/>
+          <p:nvPr/>
+        </p:nvSpPr>
+        <p:spPr>
+          <a:xfrm>
+            <a:off x="1212215" y="1175385"/>
+            <a:ext cx="9608185" cy="1476375"/>
+          </a:xfrm>
+          <a:prstGeom prst="rect">
+            <a:avLst/>
+          </a:prstGeom>
+          <a:noFill/>
+        </p:spPr>
+        <p:txBody>
+          <a:bodyPr wrap="square" rtlCol="0" anchor="t">
+            <a:spAutoFit/>
+          </a:bodyPr>
+          <a:p>
+            <a:r>
+              <a:rPr lang="zh-CN" altLang="en-US"/>
+              <a:t>全局解释器锁（英语：Global Interpreter Lock，缩写GIL）</a:t>
+            </a:r>
+            <a:endParaRPr lang="zh-CN" altLang="en-US"/>
+          </a:p>
+          <a:p>
+            <a:endParaRPr lang="zh-CN" altLang="en-US"/>
+          </a:p>
+          <a:p>
+            <a:r>
+              <a:rPr lang="zh-CN" altLang="en-US"/>
+              <a:t>是计算机程序设计语言解释器用于同步线程的一种机制，它使得任何时刻仅有一个线程在执行。</a:t>
+            </a:r>
+            <a:endParaRPr lang="zh-CN" altLang="en-US"/>
+          </a:p>
+          <a:p>
+            <a:endParaRPr lang="zh-CN" altLang="en-US"/>
+          </a:p>
+          <a:p>
+            <a:r>
+              <a:rPr lang="zh-CN" altLang="en-US"/>
+              <a:t>即便在多核心处理器上，使用 GIL 的解释器也只允许同一时间执行一个线程。</a:t>
+            </a:r>
+            <a:endParaRPr lang="zh-CN" altLang="en-US"/>
+          </a:p>
+        </p:txBody>
+      </p:sp>
+      <p:pic>
+        <p:nvPicPr>
+          <p:cNvPr id="6" name="图片 5"/>
+          <p:cNvPicPr>
+            <a:picLocks noChangeAspect="1"/>
+          </p:cNvPicPr>
+          <p:nvPr/>
+        </p:nvPicPr>
+        <p:blipFill>
+          <a:blip r:embed="rId1"/>
+          <a:stretch>
+            <a:fillRect/>
+          </a:stretch>
+        </p:blipFill>
+        <p:spPr>
+          <a:xfrm>
+            <a:off x="1212215" y="2747010"/>
+            <a:ext cx="6997700" cy="3924300"/>
+          </a:xfrm>
+          <a:prstGeom prst="rect">
+            <a:avLst/>
+          </a:prstGeom>
+        </p:spPr>
+      </p:pic>
+      <p:sp>
+        <p:nvSpPr>
+          <p:cNvPr id="7" name="文本框 6"/>
+          <p:cNvSpPr txBox="1"/>
+          <p:nvPr/>
+        </p:nvSpPr>
+        <p:spPr>
+          <a:xfrm>
+            <a:off x="1478280" y="6558915"/>
+            <a:ext cx="4336415" cy="245110"/>
+          </a:xfrm>
+          <a:prstGeom prst="rect">
+            <a:avLst/>
+          </a:prstGeom>
+          <a:noFill/>
+        </p:spPr>
+        <p:txBody>
+          <a:bodyPr wrap="none" rtlCol="0">
+            <a:spAutoFit/>
+          </a:bodyPr>
+          <a:p>
+            <a:pPr algn="l"/>
+            <a:r>
+              <a:rPr lang="zh-CN" altLang="en-US" sz="1000"/>
+              <a:t>图片出自：http://www.dabeaz.com/python/UnderstandingGIL.pdf</a:t>
+            </a:r>
+            <a:endParaRPr lang="zh-CN" altLang="en-US" sz="1000"/>
+          </a:p>
+        </p:txBody>
+      </p:sp>
+      <p:sp>
+        <p:nvSpPr>
+          <p:cNvPr id="8" name="文本框 7"/>
+          <p:cNvSpPr txBox="1"/>
+          <p:nvPr/>
+        </p:nvSpPr>
+        <p:spPr>
+          <a:xfrm>
+            <a:off x="8411845" y="3694430"/>
+            <a:ext cx="3679190" cy="2030095"/>
+          </a:xfrm>
+          <a:prstGeom prst="rect">
+            <a:avLst/>
+          </a:prstGeom>
+          <a:solidFill>
+            <a:schemeClr val="accent3"/>
+          </a:solidFill>
+        </p:spPr>
+        <p:txBody>
+          <a:bodyPr wrap="none" rtlCol="0">
+            <a:spAutoFit/>
+          </a:bodyPr>
+          <a:p>
+            <a:r>
+              <a:rPr lang="zh-CN" altLang="en-US"/>
+              <a:t>由于</a:t>
+            </a:r>
+            <a:r>
+              <a:rPr lang="en-US" altLang="zh-CN"/>
+              <a:t>GIL</a:t>
+            </a:r>
+            <a:r>
+              <a:rPr lang="zh-CN" altLang="en-US"/>
+              <a:t>的存在</a:t>
+            </a:r>
+            <a:endParaRPr lang="zh-CN" altLang="en-US"/>
+          </a:p>
+          <a:p>
+            <a:endParaRPr lang="zh-CN" altLang="en-US"/>
+          </a:p>
+          <a:p>
+            <a:r>
+              <a:rPr lang="zh-CN" altLang="en-US"/>
+              <a:t>即使电脑有多核</a:t>
+            </a:r>
+            <a:r>
+              <a:rPr lang="en-US" altLang="zh-CN"/>
+              <a:t>CPU</a:t>
+            </a:r>
+            <a:endParaRPr lang="en-US" altLang="zh-CN"/>
+          </a:p>
+          <a:p>
+            <a:endParaRPr lang="en-US" altLang="zh-CN"/>
+          </a:p>
+          <a:p>
+            <a:r>
+              <a:rPr lang="zh-CN" altLang="en-US"/>
+              <a:t>单个时刻也只能使用</a:t>
+            </a:r>
+            <a:r>
+              <a:rPr lang="en-US" altLang="zh-CN"/>
+              <a:t>1</a:t>
+            </a:r>
+            <a:r>
+              <a:rPr lang="zh-CN" altLang="en-US"/>
+              <a:t>个</a:t>
+            </a:r>
+            <a:endParaRPr lang="zh-CN" altLang="en-US"/>
+          </a:p>
+          <a:p>
+            <a:endParaRPr lang="zh-CN" altLang="en-US"/>
+          </a:p>
+          <a:p>
+            <a:r>
+              <a:rPr lang="zh-CN" altLang="en-US"/>
+              <a:t>相比并发加速的</a:t>
+            </a:r>
+            <a:r>
+              <a:rPr lang="en-US" altLang="zh-CN"/>
+              <a:t>C++/JAVA</a:t>
+            </a:r>
+            <a:r>
+              <a:rPr lang="zh-CN" altLang="en-US"/>
+              <a:t>所以慢</a:t>
+            </a:r>
+            <a:endParaRPr lang="zh-CN" altLang="en-US"/>
+          </a:p>
+        </p:txBody>
+      </p:sp>
+    </p:spTree>
+  </p:cSld>
+  <p:clrMapOvr>
+    <a:masterClrMapping/>
+  </p:clrMapOvr>
+  <p:timing>
+    <p:tnLst>
+      <p:par>
+        <p:cTn id="1" dur="indefinite" restart="never" nodeType="tmRoot">
+          <p:childTnLst>
+            <p:seq concurrent="1" nextAc="seek">
+              <p:cTn id="2" dur="indefinite" nodeType="mainSeq">
+                <p:childTnLst>
+                  <p:par>
+                    <p:cTn id="3" fill="hold">
+                      <p:stCondLst>
+                        <p:cond delay="indefinite"/>
+                      </p:stCondLst>
+                      <p:childTnLst>
+                        <p:par>
+                          <p:cTn id="4" fill="hold">
+                            <p:stCondLst>
+                              <p:cond delay="0"/>
+                            </p:stCondLst>
+                            <p:childTnLst>
+                              <p:par>
+                                <p:cTn id="5" presetID="3" presetClass="entr" presetSubtype="10" fill="hold" grpId="0" nodeType="clickEffect">
+                                  <p:stCondLst>
+                                    <p:cond delay="0"/>
+                                  </p:stCondLst>
+                                  <p:childTnLst>
+                                    <p:set>
+                                      <p:cBhvr>
+                                        <p:cTn id="6" dur="1" fill="hold">
+                                          <p:stCondLst>
+                                            <p:cond delay="0"/>
+                                          </p:stCondLst>
+                                        </p:cTn>
+                                        <p:tgtEl>
+                                          <p:spTgt spid="3"/>
+                                        </p:tgtEl>
+                                        <p:attrNameLst>
+                                          <p:attrName>style.visibility</p:attrName>
+                                        </p:attrNameLst>
+                                      </p:cBhvr>
+                                      <p:to>
+                                        <p:strVal val="visible"/>
+                                      </p:to>
+                                    </p:set>
+                                    <p:animEffect transition="in" filter="blinds(horizontal)">
+                                      <p:cBhvr>
+                                        <p:cTn id="7" dur="500"/>
+                                        <p:tgtEl>
+                                          <p:spTgt spid="3"/>
+                                        </p:tgtEl>
+                                      </p:cBhvr>
+                                    </p:animEffect>
+                                  </p:childTnLst>
+                                </p:cTn>
+                              </p:par>
+                            </p:childTnLst>
+                          </p:cTn>
+                        </p:par>
+                      </p:childTnLst>
+                    </p:cTn>
+                  </p:par>
+                  <p:par>
+                    <p:cTn id="8" fill="hold">
+                      <p:stCondLst>
+                        <p:cond delay="indefinite"/>
+                      </p:stCondLst>
+                      <p:childTnLst>
+                        <p:par>
+                          <p:cTn id="9" fill="hold">
+                            <p:stCondLst>
+                              <p:cond delay="0"/>
+                            </p:stCondLst>
+                            <p:childTnLst>
+                              <p:par>
+                                <p:cTn id="10" presetID="1" presetClass="entr" presetSubtype="0" fill="hold" nodeType="clickEffect">
+                                  <p:stCondLst>
+                                    <p:cond delay="0"/>
+                                  </p:stCondLst>
+                                  <p:childTnLst>
+                                    <p:set>
+                                      <p:cBhvr>
+                                        <p:cTn id="11" dur="1" fill="hold">
+                                          <p:stCondLst>
+                                            <p:cond delay="0"/>
+                                          </p:stCondLst>
+                                        </p:cTn>
+                                        <p:tgtEl>
+                                          <p:spTgt spid="6"/>
+                                        </p:tgtEl>
+                                        <p:attrNameLst>
+                                          <p:attrName>style.visibility</p:attrName>
+                                        </p:attrNameLst>
+                                      </p:cBhvr>
+                                      <p:to>
+                                        <p:strVal val="visible"/>
+                                      </p:to>
+                                    </p:set>
+                                  </p:childTnLst>
+                                </p:cTn>
+                              </p:par>
+                              <p:par>
+                                <p:cTn id="12" presetID="1" presetClass="entr" presetSubtype="0" fill="hold" grpId="0" nodeType="withEffect">
+                                  <p:stCondLst>
+                                    <p:cond delay="0"/>
+                                  </p:stCondLst>
+                                  <p:childTnLst>
+                                    <p:set>
+                                      <p:cBhvr>
+                                        <p:cTn id="13" dur="1" fill="hold">
+                                          <p:stCondLst>
+                                            <p:cond delay="0"/>
+                                          </p:stCondLst>
+                                        </p:cTn>
+                                        <p:tgtEl>
+                                          <p:spTgt spid="7"/>
+                                        </p:tgtEl>
+                                        <p:attrNameLst>
+                                          <p:attrName>style.visibility</p:attrName>
+                                        </p:attrNameLst>
+                                      </p:cBhvr>
+                                      <p:to>
+                                        <p:strVal val="visible"/>
+                                      </p:to>
+                                    </p:set>
+                                  </p:childTnLst>
+                                </p:cTn>
+                              </p:par>
+                            </p:childTnLst>
+                          </p:cTn>
+                        </p:par>
+                      </p:childTnLst>
+                    </p:cTn>
+                  </p:par>
+                  <p:par>
+                    <p:cTn id="14" fill="hold">
+                      <p:stCondLst>
+                        <p:cond delay="indefinite"/>
+                      </p:stCondLst>
+                      <p:childTnLst>
+                        <p:par>
+                          <p:cTn id="15" fill="hold">
+                            <p:stCondLst>
+                              <p:cond delay="0"/>
+                            </p:stCondLst>
+                            <p:childTnLst>
+                              <p:par>
+                                <p:cTn id="16" presetID="1" presetClass="entr" presetSubtype="0" fill="hold" grpId="0" nodeType="clickEffect">
+                                  <p:stCondLst>
+                                    <p:cond delay="0"/>
+                                  </p:stCondLst>
+                                  <p:childTnLst>
+                                    <p:set>
+                                      <p:cBhvr>
+                                        <p:cTn id="17" dur="1" fill="hold">
+                                          <p:stCondLst>
+                                            <p:cond delay="0"/>
+                                          </p:stCondLst>
+                                        </p:cTn>
+                                        <p:tgtEl>
+                                          <p:spTgt spid="8"/>
+                                        </p:tgtEl>
+                                        <p:attrNameLst>
+                                          <p:attrName>style.visibility</p:attrName>
+                                        </p:attrNameLst>
+                                      </p:cBhvr>
+                                      <p:to>
+                                        <p:strVal val="visible"/>
+                                      </p:to>
+                                    </p:set>
+                                  </p:childTnLst>
+                                </p:cTn>
+                              </p:par>
+                            </p:childTnLst>
+                          </p:cTn>
+                        </p:par>
+                      </p:childTnLst>
+                    </p:cTn>
+                  </p:par>
+                </p:childTnLst>
+              </p:cTn>
+              <p:prevCondLst>
+                <p:cond evt="onPrev" delay="0">
+                  <p:tgtEl>
+                    <p:sldTgt/>
+                  </p:tgtEl>
+                </p:cond>
+              </p:prevCondLst>
+              <p:nextCondLst>
+                <p:cond evt="onNext" delay="0">
+                  <p:tgtEl>
+                    <p:sldTgt/>
+                  </p:tgtEl>
+                </p:cond>
+              </p:nextCondLst>
+            </p:seq>
+          </p:childTnLst>
+        </p:cTn>
+      </p:par>
+    </p:tnLst>
+    <p:bldLst>
+      <p:bldP spid="3" grpId="0"/>
+      <p:bldP spid="7" grpId="0"/>
+      <p:bldP spid="8" grpId="0" bldLvl="0" animBg="1"/>
+    </p:bldLst>
+  </p:timing>
+</p:sld>
+</file>
+
+<file path=ppt/slides/slide16.xml><?xml version="1.0" encoding="utf-8"?>
+<p:sld xmlns:a="http://schemas.openxmlformats.org/drawingml/2006/main" xmlns:r="http://schemas.openxmlformats.org/officeDocument/2006/relationships" xmlns:p="http://schemas.openxmlformats.org/presentationml/2006/main">
+  <p:cSld>
+    <p:spTree>
+      <p:nvGrpSpPr>
+        <p:cNvPr id="1" name=""/>
+        <p:cNvGrpSpPr/>
+        <p:nvPr/>
+      </p:nvGrpSpPr>
+      <p:grpSpPr/>
+      <p:sp>
+        <p:nvSpPr>
+          <p:cNvPr id="13" name="文本框 12"/>
+          <p:cNvSpPr txBox="1"/>
+          <p:nvPr/>
+        </p:nvSpPr>
+        <p:spPr>
+          <a:xfrm>
+            <a:off x="3701415" y="305435"/>
+            <a:ext cx="4552315" cy="737235"/>
+          </a:xfrm>
+          <a:prstGeom prst="rect">
+            <a:avLst/>
+          </a:prstGeom>
+          <a:noFill/>
+        </p:spPr>
+        <p:txBody>
+          <a:bodyPr wrap="none" rtlCol="0">
+            <a:spAutoFit/>
+          </a:bodyPr>
+          <a:p>
+            <a:pPr indent="0" algn="l">
+              <a:lnSpc>
+                <a:spcPct val="150000"/>
+              </a:lnSpc>
+              <a:buFont typeface="Arial" panose="020B0604020202090204" pitchFamily="34" charset="0"/>
+              <a:buNone/>
+            </a:pPr>
+            <a:r>
+              <a:rPr lang="en-US" altLang="zh-CN" sz="2800" b="1">
+                <a:solidFill>
+                  <a:srgbClr val="0070C0"/>
+                </a:solidFill>
+                <a:latin typeface="微软雅黑" charset="0"/>
+                <a:ea typeface="微软雅黑" charset="0"/>
+                <a:cs typeface="微软雅黑" charset="0"/>
+                <a:sym typeface="+mn-ea"/>
+              </a:rPr>
+              <a:t>3</a:t>
+            </a:r>
+            <a:r>
+              <a:rPr lang="zh-CN" altLang="en-US" sz="2800" b="1">
+                <a:solidFill>
+                  <a:srgbClr val="0070C0"/>
+                </a:solidFill>
+                <a:latin typeface="微软雅黑" charset="0"/>
+                <a:ea typeface="微软雅黑" charset="0"/>
+                <a:cs typeface="微软雅黑" charset="0"/>
+                <a:sym typeface="+mn-ea"/>
+              </a:rPr>
+              <a:t>、为什么有</a:t>
+            </a:r>
+            <a:r>
+              <a:rPr lang="en-US" altLang="zh-CN" sz="2800" b="1">
+                <a:solidFill>
+                  <a:srgbClr val="0070C0"/>
+                </a:solidFill>
+                <a:latin typeface="微软雅黑" charset="0"/>
+                <a:ea typeface="微软雅黑" charset="0"/>
+                <a:cs typeface="微软雅黑" charset="0"/>
+                <a:sym typeface="+mn-ea"/>
+              </a:rPr>
+              <a:t>GIL</a:t>
+            </a:r>
+            <a:r>
+              <a:rPr lang="zh-CN" altLang="en-US" sz="2800" b="1">
+                <a:solidFill>
+                  <a:srgbClr val="0070C0"/>
+                </a:solidFill>
+                <a:latin typeface="微软雅黑" charset="0"/>
+                <a:ea typeface="微软雅黑" charset="0"/>
+                <a:cs typeface="微软雅黑" charset="0"/>
+                <a:sym typeface="+mn-ea"/>
+              </a:rPr>
+              <a:t>这个东西？</a:t>
+            </a:r>
+            <a:endParaRPr lang="zh-CN" altLang="en-US" sz="2800" b="1">
+              <a:solidFill>
+                <a:srgbClr val="0070C0"/>
+              </a:solidFill>
+              <a:latin typeface="微软雅黑" charset="0"/>
+              <a:ea typeface="微软雅黑" charset="0"/>
+              <a:cs typeface="微软雅黑" charset="0"/>
+              <a:sym typeface="+mn-ea"/>
+            </a:endParaRPr>
+          </a:p>
+        </p:txBody>
+      </p:sp>
+      <p:sp>
+        <p:nvSpPr>
+          <p:cNvPr id="3" name="文本框 2"/>
+          <p:cNvSpPr txBox="1"/>
+          <p:nvPr/>
+        </p:nvSpPr>
+        <p:spPr>
+          <a:xfrm>
+            <a:off x="1379220" y="1245870"/>
+            <a:ext cx="9608185" cy="368300"/>
+          </a:xfrm>
+          <a:prstGeom prst="rect">
+            <a:avLst/>
+          </a:prstGeom>
+          <a:solidFill>
+            <a:schemeClr val="accent3">
+              <a:lumMod val="75000"/>
+            </a:schemeClr>
+          </a:solidFill>
+        </p:spPr>
+        <p:txBody>
+          <a:bodyPr wrap="square" rtlCol="0" anchor="t">
+            <a:spAutoFit/>
+          </a:bodyPr>
+          <a:p>
+            <a:pPr algn="ctr"/>
+            <a:r>
+              <a:rPr lang="zh-CN" altLang="en-US"/>
+              <a:t>简而言之：</a:t>
+            </a:r>
+            <a:r>
+              <a:rPr lang="en-US" altLang="zh-CN"/>
+              <a:t>Python</a:t>
+            </a:r>
+            <a:r>
+              <a:rPr lang="zh-CN" altLang="en-US"/>
+              <a:t>设计初期，为了规避并发问题引入了</a:t>
+            </a:r>
+            <a:r>
+              <a:rPr lang="en-US" altLang="zh-CN"/>
+              <a:t>GIL</a:t>
+            </a:r>
+            <a:r>
+              <a:rPr lang="zh-CN" altLang="en-US"/>
+              <a:t>，现在想去除却去不掉了！</a:t>
+            </a:r>
+            <a:endParaRPr lang="zh-CN" altLang="en-US"/>
+          </a:p>
+        </p:txBody>
+      </p:sp>
+      <p:sp>
+        <p:nvSpPr>
+          <p:cNvPr id="5" name="文本框 4"/>
+          <p:cNvSpPr txBox="1"/>
+          <p:nvPr/>
+        </p:nvSpPr>
+        <p:spPr>
+          <a:xfrm>
+            <a:off x="1379220" y="1774825"/>
+            <a:ext cx="4983480" cy="368300"/>
+          </a:xfrm>
+          <a:prstGeom prst="rect">
+            <a:avLst/>
+          </a:prstGeom>
+          <a:noFill/>
+        </p:spPr>
+        <p:txBody>
+          <a:bodyPr wrap="none" rtlCol="0">
+            <a:spAutoFit/>
+          </a:bodyPr>
+          <a:p>
+            <a:pPr algn="l"/>
+            <a:r>
+              <a:rPr lang="zh-CN" altLang="en-US"/>
+              <a:t>为了解决多线程之间数据完整性和状态同步问题</a:t>
+            </a:r>
+            <a:endParaRPr lang="zh-CN" altLang="en-US"/>
+          </a:p>
+        </p:txBody>
+      </p:sp>
+      <p:sp>
+        <p:nvSpPr>
+          <p:cNvPr id="12" name="文本框 11"/>
+          <p:cNvSpPr txBox="1"/>
+          <p:nvPr/>
+        </p:nvSpPr>
+        <p:spPr>
+          <a:xfrm>
+            <a:off x="1379220" y="2227580"/>
+            <a:ext cx="7520305" cy="368300"/>
+          </a:xfrm>
+          <a:prstGeom prst="rect">
+            <a:avLst/>
+          </a:prstGeom>
+          <a:noFill/>
+        </p:spPr>
+        <p:txBody>
+          <a:bodyPr wrap="none" rtlCol="0">
+            <a:spAutoFit/>
+          </a:bodyPr>
+          <a:p>
+            <a:pPr algn="l"/>
+            <a:r>
+              <a:rPr lang="en-US" altLang="zh-CN">
+                <a:sym typeface="+mn-ea"/>
+              </a:rPr>
+              <a:t>Python</a:t>
+            </a:r>
+            <a:r>
+              <a:rPr lang="zh-CN" altLang="en-US">
+                <a:sym typeface="+mn-ea"/>
+              </a:rPr>
+              <a:t>中对象的管理，是使用引用计数器进行的，引用数为</a:t>
+            </a:r>
+            <a:r>
+              <a:rPr lang="en-US" altLang="zh-CN">
+                <a:sym typeface="+mn-ea"/>
+              </a:rPr>
+              <a:t>0</a:t>
+            </a:r>
+            <a:r>
+              <a:rPr lang="zh-CN" altLang="en-US">
+                <a:sym typeface="+mn-ea"/>
+              </a:rPr>
+              <a:t>则释放对象</a:t>
+            </a:r>
+            <a:endParaRPr lang="zh-CN" altLang="en-US"/>
+          </a:p>
+        </p:txBody>
+      </p:sp>
+      <p:grpSp>
+        <p:nvGrpSpPr>
+          <p:cNvPr id="28" name="组合 27"/>
+          <p:cNvGrpSpPr/>
+          <p:nvPr/>
+        </p:nvGrpSpPr>
+        <p:grpSpPr>
+          <a:xfrm>
+            <a:off x="1525270" y="2997835"/>
+            <a:ext cx="6562090" cy="3147060"/>
+            <a:chOff x="2402" y="4721"/>
+            <a:chExt cx="10334" cy="4956"/>
+          </a:xfrm>
+        </p:grpSpPr>
+        <p:sp>
+          <p:nvSpPr>
+            <p:cNvPr id="2" name="矩形 1"/>
+            <p:cNvSpPr/>
+            <p:nvPr/>
+          </p:nvSpPr>
+          <p:spPr>
+            <a:xfrm>
+              <a:off x="2402" y="4721"/>
+              <a:ext cx="3559" cy="830"/>
+            </a:xfrm>
+            <a:prstGeom prst="rect">
+              <a:avLst/>
+            </a:prstGeom>
+          </p:spPr>
+          <p:style>
+            <a:lnRef idx="2">
+              <a:schemeClr val="accent1">
+                <a:shade val="50000"/>
+              </a:schemeClr>
+            </a:lnRef>
+            <a:fillRef idx="1">
+              <a:schemeClr val="accent1"/>
+            </a:fillRef>
+            <a:effectRef idx="0">
+              <a:schemeClr val="accent1"/>
+            </a:effectRef>
+            <a:fontRef idx="minor">
+              <a:schemeClr val="lt1"/>
+            </a:fontRef>
+          </p:style>
+          <p:txBody>
+            <a:bodyPr rtlCol="0" anchor="ctr"/>
+            <a:p>
+              <a:pPr algn="ctr"/>
+              <a:r>
+                <a:rPr lang="zh-CN" altLang="en-US"/>
+                <a:t>线程</a:t>
+              </a:r>
+              <a:r>
+                <a:rPr lang="en-US" altLang="zh-CN"/>
+                <a:t>A</a:t>
+              </a:r>
+              <a:endParaRPr lang="en-US" altLang="zh-CN"/>
+            </a:p>
+          </p:txBody>
+        </p:sp>
+        <p:sp>
+          <p:nvSpPr>
+            <p:cNvPr id="4" name="矩形 3"/>
+            <p:cNvSpPr/>
+            <p:nvPr/>
+          </p:nvSpPr>
+          <p:spPr>
+            <a:xfrm>
+              <a:off x="9178" y="4721"/>
+              <a:ext cx="3559" cy="830"/>
+            </a:xfrm>
+            <a:prstGeom prst="rect">
+              <a:avLst/>
+            </a:prstGeom>
+          </p:spPr>
+          <p:style>
+            <a:lnRef idx="2">
+              <a:schemeClr val="accent1">
+                <a:shade val="50000"/>
+              </a:schemeClr>
+            </a:lnRef>
+            <a:fillRef idx="1">
+              <a:schemeClr val="accent1"/>
+            </a:fillRef>
+            <a:effectRef idx="0">
+              <a:schemeClr val="accent1"/>
+            </a:effectRef>
+            <a:fontRef idx="minor">
+              <a:schemeClr val="lt1"/>
+            </a:fontRef>
+          </p:style>
+          <p:txBody>
+            <a:bodyPr rtlCol="0" anchor="ctr"/>
+            <a:p>
+              <a:pPr algn="ctr"/>
+              <a:r>
+                <a:rPr lang="zh-CN" altLang="en-US"/>
+                <a:t>线程</a:t>
+              </a:r>
+              <a:r>
+                <a:rPr lang="en-US" altLang="zh-CN"/>
+                <a:t>B</a:t>
+              </a:r>
+              <a:endParaRPr lang="en-US" altLang="zh-CN"/>
+            </a:p>
+          </p:txBody>
+        </p:sp>
+        <p:cxnSp>
+          <p:nvCxnSpPr>
+            <p:cNvPr id="15" name="直接连接符 14"/>
+            <p:cNvCxnSpPr/>
+            <p:nvPr/>
+          </p:nvCxnSpPr>
+          <p:spPr>
+            <a:xfrm>
+              <a:off x="4209" y="5677"/>
+              <a:ext cx="0" cy="4001"/>
+            </a:xfrm>
+            <a:prstGeom prst="line">
+              <a:avLst/>
+            </a:prstGeom>
+          </p:spPr>
+          <p:style>
+            <a:lnRef idx="1">
+              <a:schemeClr val="accent1"/>
+            </a:lnRef>
+            <a:fillRef idx="0">
+              <a:schemeClr val="accent1"/>
+            </a:fillRef>
+            <a:effectRef idx="0">
+              <a:schemeClr val="accent1"/>
+            </a:effectRef>
+            <a:fontRef idx="minor">
+              <a:schemeClr val="tx1"/>
+            </a:fontRef>
+          </p:style>
+        </p:cxnSp>
+        <p:cxnSp>
+          <p:nvCxnSpPr>
+            <p:cNvPr id="16" name="直接连接符 15"/>
+            <p:cNvCxnSpPr/>
+            <p:nvPr/>
+          </p:nvCxnSpPr>
+          <p:spPr>
+            <a:xfrm>
+              <a:off x="10986" y="5677"/>
+              <a:ext cx="0" cy="3946"/>
+            </a:xfrm>
+            <a:prstGeom prst="line">
+              <a:avLst/>
+            </a:prstGeom>
+          </p:spPr>
+          <p:style>
+            <a:lnRef idx="1">
+              <a:schemeClr val="accent1"/>
+            </a:lnRef>
+            <a:fillRef idx="0">
+              <a:schemeClr val="accent1"/>
+            </a:fillRef>
+            <a:effectRef idx="0">
+              <a:schemeClr val="accent1"/>
+            </a:effectRef>
+            <a:fontRef idx="minor">
+              <a:schemeClr val="tx1"/>
+            </a:fontRef>
+          </p:style>
+        </p:cxnSp>
+      </p:grpSp>
+      <p:sp>
+        <p:nvSpPr>
+          <p:cNvPr id="18" name="文本框 17"/>
+          <p:cNvSpPr txBox="1"/>
+          <p:nvPr/>
+        </p:nvSpPr>
+        <p:spPr>
+          <a:xfrm>
+            <a:off x="1800225" y="3772535"/>
+            <a:ext cx="1871980" cy="275590"/>
+          </a:xfrm>
+          <a:prstGeom prst="rect">
+            <a:avLst/>
+          </a:prstGeom>
+          <a:solidFill>
+            <a:schemeClr val="accent3">
+              <a:lumMod val="75000"/>
+            </a:schemeClr>
+          </a:solidFill>
+        </p:spPr>
+        <p:txBody>
+          <a:bodyPr wrap="none" rtlCol="0">
+            <a:spAutoFit/>
+          </a:bodyPr>
+          <a:p>
+            <a:r>
+              <a:rPr lang="en-US" altLang="zh-CN" sz="1200"/>
+              <a:t>obj.ref_num --</a:t>
+            </a:r>
+            <a:r>
+              <a:rPr lang="zh-CN" altLang="en-US" sz="1200"/>
+              <a:t>，变成</a:t>
+            </a:r>
+            <a:r>
+              <a:rPr lang="en-US" altLang="zh-CN" sz="1200"/>
+              <a:t>1</a:t>
+            </a:r>
+            <a:endParaRPr lang="en-US" altLang="zh-CN" sz="1200"/>
+          </a:p>
+        </p:txBody>
+      </p:sp>
+      <p:sp>
+        <p:nvSpPr>
+          <p:cNvPr id="19" name="文本框 18"/>
+          <p:cNvSpPr txBox="1"/>
+          <p:nvPr/>
+        </p:nvSpPr>
+        <p:spPr>
+          <a:xfrm>
+            <a:off x="6033135" y="4434840"/>
+            <a:ext cx="1871980" cy="275590"/>
+          </a:xfrm>
+          <a:prstGeom prst="rect">
+            <a:avLst/>
+          </a:prstGeom>
+          <a:solidFill>
+            <a:schemeClr val="accent3">
+              <a:lumMod val="75000"/>
+            </a:schemeClr>
+          </a:solidFill>
+        </p:spPr>
+        <p:txBody>
+          <a:bodyPr wrap="none" rtlCol="0">
+            <a:spAutoFit/>
+          </a:bodyPr>
+          <a:p>
+            <a:r>
+              <a:rPr lang="en-US" altLang="zh-CN" sz="1200"/>
+              <a:t>obj.ref_num --</a:t>
+            </a:r>
+            <a:r>
+              <a:rPr lang="zh-CN" altLang="en-US" sz="1200"/>
+              <a:t>，变成</a:t>
+            </a:r>
+            <a:r>
+              <a:rPr lang="en-US" altLang="zh-CN" sz="1200"/>
+              <a:t>0</a:t>
+            </a:r>
+            <a:endParaRPr lang="en-US" altLang="zh-CN" sz="1200"/>
+          </a:p>
+        </p:txBody>
+      </p:sp>
+      <p:cxnSp>
+        <p:nvCxnSpPr>
+          <p:cNvPr id="20" name="直接箭头连接符 19"/>
+          <p:cNvCxnSpPr/>
+          <p:nvPr/>
+        </p:nvCxnSpPr>
+        <p:spPr>
+          <a:xfrm>
+            <a:off x="2672080" y="4208145"/>
+            <a:ext cx="4298950" cy="0"/>
+          </a:xfrm>
+          <a:prstGeom prst="straightConnector1">
+            <a:avLst/>
+          </a:prstGeom>
+          <a:ln>
+            <a:tailEnd type="arrow"/>
+          </a:ln>
+        </p:spPr>
+        <p:style>
+          <a:lnRef idx="1">
+            <a:schemeClr val="accent1"/>
+          </a:lnRef>
+          <a:fillRef idx="0">
+            <a:schemeClr val="accent1"/>
+          </a:fillRef>
+          <a:effectRef idx="0">
+            <a:schemeClr val="accent1"/>
+          </a:effectRef>
+          <a:fontRef idx="minor">
+            <a:schemeClr val="tx1"/>
+          </a:fontRef>
+        </p:style>
+      </p:cxnSp>
+      <p:sp>
+        <p:nvSpPr>
+          <p:cNvPr id="21" name="文本框 20"/>
+          <p:cNvSpPr txBox="1"/>
+          <p:nvPr/>
+        </p:nvSpPr>
+        <p:spPr>
+          <a:xfrm>
+            <a:off x="3870325" y="3830955"/>
+            <a:ext cx="1859280" cy="275590"/>
+          </a:xfrm>
+          <a:prstGeom prst="rect">
+            <a:avLst/>
+          </a:prstGeom>
+          <a:noFill/>
+        </p:spPr>
+        <p:txBody>
+          <a:bodyPr wrap="none" rtlCol="0">
+            <a:spAutoFit/>
+          </a:bodyPr>
+          <a:p>
+            <a:r>
+              <a:rPr lang="zh-CN" altLang="en-US" sz="1200"/>
+              <a:t>此时发生多线程调度切换</a:t>
+            </a:r>
+            <a:endParaRPr lang="zh-CN" altLang="en-US" sz="1200"/>
+          </a:p>
+        </p:txBody>
+      </p:sp>
+      <p:sp>
+        <p:nvSpPr>
+          <p:cNvPr id="22" name="文本框 21"/>
+          <p:cNvSpPr txBox="1"/>
+          <p:nvPr/>
+        </p:nvSpPr>
+        <p:spPr>
+          <a:xfrm>
+            <a:off x="6033135" y="4781550"/>
+            <a:ext cx="1796415" cy="460375"/>
+          </a:xfrm>
+          <a:prstGeom prst="rect">
+            <a:avLst/>
+          </a:prstGeom>
+          <a:solidFill>
+            <a:schemeClr val="accent3">
+              <a:lumMod val="75000"/>
+            </a:schemeClr>
+          </a:solidFill>
+        </p:spPr>
+        <p:txBody>
+          <a:bodyPr wrap="none" rtlCol="0">
+            <a:spAutoFit/>
+          </a:bodyPr>
+          <a:p>
+            <a:r>
+              <a:rPr lang="en-US" altLang="zh-CN" sz="1200"/>
+              <a:t>if obj.ref_num == 0:</a:t>
+            </a:r>
+            <a:endParaRPr lang="en-US" altLang="zh-CN" sz="1200"/>
+          </a:p>
+          <a:p>
+            <a:r>
+              <a:rPr lang="en-US" altLang="zh-CN" sz="1200"/>
+              <a:t>    free obj</a:t>
+            </a:r>
+            <a:endParaRPr lang="en-US" altLang="zh-CN" sz="1200"/>
+          </a:p>
+        </p:txBody>
+      </p:sp>
+      <p:sp>
+        <p:nvSpPr>
+          <p:cNvPr id="23" name="文本框 22"/>
+          <p:cNvSpPr txBox="1"/>
+          <p:nvPr/>
+        </p:nvSpPr>
+        <p:spPr>
+          <a:xfrm>
+            <a:off x="1774190" y="5488305"/>
+            <a:ext cx="1796415" cy="460375"/>
+          </a:xfrm>
+          <a:prstGeom prst="rect">
+            <a:avLst/>
+          </a:prstGeom>
+          <a:solidFill>
+            <a:schemeClr val="accent3">
+              <a:lumMod val="75000"/>
+            </a:schemeClr>
+          </a:solidFill>
+        </p:spPr>
+        <p:txBody>
+          <a:bodyPr wrap="none" rtlCol="0">
+            <a:spAutoFit/>
+          </a:bodyPr>
+          <a:p>
+            <a:r>
+              <a:rPr lang="en-US" altLang="zh-CN" sz="1200"/>
+              <a:t>if obj.ref_num == 0:</a:t>
+            </a:r>
+            <a:endParaRPr lang="en-US" altLang="zh-CN" sz="1200"/>
+          </a:p>
+          <a:p>
+            <a:r>
+              <a:rPr lang="en-US" altLang="zh-CN" sz="1200"/>
+              <a:t>    free obj</a:t>
+            </a:r>
+            <a:endParaRPr lang="en-US" altLang="zh-CN" sz="1200"/>
+          </a:p>
+        </p:txBody>
+      </p:sp>
+      <p:cxnSp>
+        <p:nvCxnSpPr>
+          <p:cNvPr id="24" name="直接箭头连接符 23"/>
+          <p:cNvCxnSpPr/>
+          <p:nvPr/>
+        </p:nvCxnSpPr>
+        <p:spPr>
+          <a:xfrm flipH="1">
+            <a:off x="2671445" y="5407025"/>
+            <a:ext cx="4299585" cy="0"/>
+          </a:xfrm>
+          <a:prstGeom prst="straightConnector1">
+            <a:avLst/>
+          </a:prstGeom>
+          <a:ln>
+            <a:tailEnd type="arrow"/>
+          </a:ln>
+        </p:spPr>
+        <p:style>
+          <a:lnRef idx="1">
+            <a:schemeClr val="accent1"/>
+          </a:lnRef>
+          <a:fillRef idx="0">
+            <a:schemeClr val="accent1"/>
+          </a:fillRef>
+          <a:effectRef idx="0">
+            <a:schemeClr val="accent1"/>
+          </a:effectRef>
+          <a:fontRef idx="minor">
+            <a:schemeClr val="tx1"/>
+          </a:fontRef>
+        </p:style>
+      </p:cxnSp>
+      <p:sp>
+        <p:nvSpPr>
+          <p:cNvPr id="25" name="文本框 24"/>
+          <p:cNvSpPr txBox="1"/>
+          <p:nvPr/>
+        </p:nvSpPr>
+        <p:spPr>
+          <a:xfrm>
+            <a:off x="3869690" y="5065395"/>
+            <a:ext cx="1859280" cy="275590"/>
+          </a:xfrm>
+          <a:prstGeom prst="rect">
+            <a:avLst/>
+          </a:prstGeom>
+          <a:solidFill>
+            <a:schemeClr val="bg1"/>
+          </a:solidFill>
+        </p:spPr>
+        <p:txBody>
+          <a:bodyPr wrap="none" rtlCol="0">
+            <a:spAutoFit/>
+          </a:bodyPr>
+          <a:p>
+            <a:r>
+              <a:rPr lang="zh-CN" altLang="en-US" sz="1200"/>
+              <a:t>此时发生多线程调度切换</a:t>
+            </a:r>
+            <a:endParaRPr lang="zh-CN" altLang="en-US" sz="1200"/>
+          </a:p>
+        </p:txBody>
+      </p:sp>
+      <p:sp>
+        <p:nvSpPr>
+          <p:cNvPr id="26" name="文本框 25"/>
+          <p:cNvSpPr txBox="1"/>
+          <p:nvPr/>
+        </p:nvSpPr>
+        <p:spPr>
+          <a:xfrm>
+            <a:off x="3714750" y="5488305"/>
+            <a:ext cx="1859280" cy="460375"/>
+          </a:xfrm>
+          <a:prstGeom prst="rect">
+            <a:avLst/>
+          </a:prstGeom>
+          <a:noFill/>
+        </p:spPr>
+        <p:txBody>
+          <a:bodyPr wrap="none" rtlCol="0">
+            <a:spAutoFit/>
+          </a:bodyPr>
+          <a:p>
+            <a:r>
+              <a:rPr lang="zh-CN" altLang="en-US" sz="1200"/>
+              <a:t>错误：</a:t>
+            </a:r>
+            <a:r>
+              <a:rPr lang="en-US" altLang="zh-CN" sz="1200"/>
+              <a:t>obj</a:t>
+            </a:r>
+            <a:r>
+              <a:rPr lang="zh-CN" altLang="en-US" sz="1200"/>
+              <a:t>已经不存在了</a:t>
+            </a:r>
+            <a:endParaRPr lang="zh-CN" altLang="en-US" sz="1200"/>
+          </a:p>
+          <a:p>
+            <a:r>
+              <a:rPr lang="zh-CN" altLang="en-US" sz="1200"/>
+              <a:t>这两行代码可能破坏内存</a:t>
+            </a:r>
+            <a:endParaRPr lang="zh-CN" altLang="en-US" sz="1200"/>
+          </a:p>
+        </p:txBody>
+      </p:sp>
+      <p:sp>
+        <p:nvSpPr>
+          <p:cNvPr id="27" name="文本框 26"/>
+          <p:cNvSpPr txBox="1"/>
+          <p:nvPr/>
+        </p:nvSpPr>
+        <p:spPr>
+          <a:xfrm>
+            <a:off x="7908290" y="5407025"/>
+            <a:ext cx="3717290" cy="645160"/>
+          </a:xfrm>
+          <a:prstGeom prst="rect">
+            <a:avLst/>
+          </a:prstGeom>
+          <a:solidFill>
+            <a:schemeClr val="accent5">
+              <a:lumMod val="40000"/>
+              <a:lumOff val="60000"/>
+            </a:schemeClr>
+          </a:solidFill>
+        </p:spPr>
+        <p:txBody>
+          <a:bodyPr wrap="none" rtlCol="0">
+            <a:spAutoFit/>
+          </a:bodyPr>
+          <a:p>
+            <a:r>
+              <a:rPr lang="en-US" altLang="zh-CN"/>
+              <a:t>GIL</a:t>
+            </a:r>
+            <a:r>
+              <a:rPr lang="zh-CN" altLang="en-US"/>
+              <a:t>确实有好处：</a:t>
+            </a:r>
+            <a:endParaRPr lang="zh-CN" altLang="en-US"/>
+          </a:p>
+          <a:p>
+            <a:r>
+              <a:rPr lang="zh-CN" altLang="en-US"/>
+              <a:t>简化了</a:t>
+            </a:r>
+            <a:r>
+              <a:rPr lang="en-US" altLang="zh-CN"/>
+              <a:t>Python</a:t>
+            </a:r>
+            <a:r>
+              <a:rPr lang="zh-CN" altLang="en-US"/>
+              <a:t>对共享资源的管理；</a:t>
+            </a:r>
+            <a:endParaRPr lang="zh-CN" altLang="en-US"/>
+          </a:p>
+        </p:txBody>
+      </p:sp>
+      <p:sp>
+        <p:nvSpPr>
+          <p:cNvPr id="29" name="文本框 28"/>
+          <p:cNvSpPr txBox="1"/>
+          <p:nvPr/>
+        </p:nvSpPr>
+        <p:spPr>
+          <a:xfrm>
+            <a:off x="1379220" y="2595880"/>
+            <a:ext cx="9608185" cy="368300"/>
+          </a:xfrm>
+          <a:prstGeom prst="rect">
+            <a:avLst/>
+          </a:prstGeom>
+          <a:noFill/>
+        </p:spPr>
+        <p:txBody>
+          <a:bodyPr wrap="none" rtlCol="0" anchor="t">
+            <a:spAutoFit/>
+          </a:bodyPr>
+          <a:p>
+            <a:r>
+              <a:rPr lang="zh-CN" altLang="en-US">
+                <a:sym typeface="+mn-ea"/>
+              </a:rPr>
+              <a:t>开始：</a:t>
+            </a:r>
+            <a:r>
+              <a:rPr lang="zh-CN" altLang="en-US">
+                <a:sym typeface="+mn-ea"/>
+              </a:rPr>
+              <a:t>线程</a:t>
+            </a:r>
+            <a:r>
+              <a:rPr lang="en-US" altLang="zh-CN">
+                <a:sym typeface="+mn-ea"/>
+              </a:rPr>
+              <a:t>A</a:t>
+            </a:r>
+            <a:r>
+              <a:rPr lang="zh-CN" altLang="en-US">
+                <a:sym typeface="+mn-ea"/>
+              </a:rPr>
+              <a:t>和线程</a:t>
+            </a:r>
+            <a:r>
+              <a:rPr lang="en-US" altLang="zh-CN">
+                <a:sym typeface="+mn-ea"/>
+              </a:rPr>
+              <a:t>B</a:t>
+            </a:r>
+            <a:r>
+              <a:rPr lang="zh-CN" altLang="en-US">
+                <a:sym typeface="+mn-ea"/>
+              </a:rPr>
+              <a:t>都引用了对象</a:t>
+            </a:r>
+            <a:r>
+              <a:rPr lang="en-US" altLang="zh-CN">
+                <a:sym typeface="+mn-ea"/>
+              </a:rPr>
+              <a:t>obj</a:t>
+            </a:r>
+            <a:r>
+              <a:rPr lang="zh-CN" altLang="en-US">
+                <a:sym typeface="+mn-ea"/>
+              </a:rPr>
+              <a:t>，</a:t>
+            </a:r>
+            <a:r>
+              <a:rPr lang="en-US" altLang="zh-CN">
+                <a:sym typeface="+mn-ea"/>
+              </a:rPr>
+              <a:t>obj.ref_num = 2</a:t>
+            </a:r>
+            <a:r>
+              <a:rPr lang="zh-CN" altLang="en-US">
+                <a:sym typeface="+mn-ea"/>
+              </a:rPr>
+              <a:t>，</a:t>
+            </a:r>
+            <a:r>
+              <a:rPr lang="zh-CN" altLang="en-US">
+                <a:sym typeface="+mn-ea"/>
+              </a:rPr>
+              <a:t>线程</a:t>
+            </a:r>
+            <a:r>
+              <a:rPr lang="en-US" altLang="zh-CN">
+                <a:sym typeface="+mn-ea"/>
+              </a:rPr>
+              <a:t>A</a:t>
+            </a:r>
+            <a:r>
+              <a:rPr lang="zh-CN" altLang="en-US">
+                <a:sym typeface="+mn-ea"/>
+              </a:rPr>
+              <a:t>和</a:t>
+            </a:r>
+            <a:r>
+              <a:rPr lang="en-US" altLang="zh-CN">
+                <a:sym typeface="+mn-ea"/>
+              </a:rPr>
+              <a:t>B</a:t>
+            </a:r>
+            <a:r>
+              <a:rPr lang="zh-CN" altLang="en-US">
+                <a:sym typeface="+mn-ea"/>
+              </a:rPr>
+              <a:t>都想撤销对</a:t>
+            </a:r>
+            <a:r>
+              <a:rPr lang="en-US" altLang="zh-CN">
+                <a:sym typeface="+mn-ea"/>
+              </a:rPr>
+              <a:t>obj</a:t>
+            </a:r>
+            <a:r>
+              <a:rPr lang="zh-CN" altLang="en-US">
+                <a:sym typeface="+mn-ea"/>
+              </a:rPr>
+              <a:t>的引用</a:t>
+            </a:r>
+            <a:endParaRPr lang="zh-CN" altLang="en-US"/>
+          </a:p>
+        </p:txBody>
+      </p:sp>
+    </p:spTree>
+  </p:cSld>
+  <p:clrMapOvr>
+    <a:masterClrMapping/>
+  </p:clrMapOvr>
+  <p:timing>
+    <p:tnLst>
+      <p:par>
+        <p:cTn id="1" dur="indefinite" restart="never" nodeType="tmRoot">
+          <p:childTnLst>
+            <p:seq concurrent="1" nextAc="seek">
+              <p:cTn id="2" dur="indefinite" nodeType="mainSeq">
+                <p:childTnLst>
+                  <p:par>
+                    <p:cTn id="3" fill="hold">
+                      <p:stCondLst>
+                        <p:cond delay="indefinite"/>
+                      </p:stCondLst>
+                      <p:childTnLst>
+                        <p:par>
+                          <p:cTn id="4" fill="hold">
+                            <p:stCondLst>
+                              <p:cond delay="0"/>
+                            </p:stCondLst>
+                            <p:childTnLst>
+                              <p:par>
+                                <p:cTn id="5" presetID="2" presetClass="entr" presetSubtype="4" fill="hold" grpId="0" nodeType="clickEffect">
+                                  <p:stCondLst>
+                                    <p:cond delay="0"/>
+                                  </p:stCondLst>
+                                  <p:childTnLst>
+                                    <p:set>
+                                      <p:cBhvr>
+                                        <p:cTn id="6" dur="1" fill="hold">
+                                          <p:stCondLst>
+                                            <p:cond delay="0"/>
+                                          </p:stCondLst>
+                                        </p:cTn>
+                                        <p:tgtEl>
+                                          <p:spTgt spid="3"/>
+                                        </p:tgtEl>
+                                        <p:attrNameLst>
+                                          <p:attrName>style.visibility</p:attrName>
+                                        </p:attrNameLst>
+                                      </p:cBhvr>
+                                      <p:to>
+                                        <p:strVal val="visible"/>
+                                      </p:to>
+                                    </p:set>
+                                    <p:anim calcmode="lin" valueType="num">
+                                      <p:cBhvr additive="base">
+                                        <p:cTn id="7" dur="500" fill="hold"/>
+                                        <p:tgtEl>
+                                          <p:spTgt spid="3"/>
+                                        </p:tgtEl>
+                                        <p:attrNameLst>
+                                          <p:attrName>ppt_x</p:attrName>
+                                        </p:attrNameLst>
+                                      </p:cBhvr>
+                                      <p:tavLst>
+                                        <p:tav tm="0">
+                                          <p:val>
+                                            <p:strVal val="#ppt_x"/>
+                                          </p:val>
+                                        </p:tav>
+                                        <p:tav tm="100000">
+                                          <p:val>
+                                            <p:strVal val="#ppt_x"/>
+                                          </p:val>
+                                        </p:tav>
+                                      </p:tavLst>
+                                    </p:anim>
+                                    <p:anim calcmode="lin" valueType="num">
+                                      <p:cBhvr additive="base">
+                                        <p:cTn id="8" dur="500" fill="hold"/>
+                                        <p:tgtEl>
+                                          <p:spTgt spid="3"/>
+                                        </p:tgtEl>
+                                        <p:attrNameLst>
+                                          <p:attrName>ppt_y</p:attrName>
+                                        </p:attrNameLst>
+                                      </p:cBhvr>
+                                      <p:tavLst>
+                                        <p:tav tm="0">
+                                          <p:val>
+                                            <p:strVal val="1+#ppt_h/2"/>
+                                          </p:val>
+                                        </p:tav>
+                                        <p:tav tm="100000">
+                                          <p:val>
+                                            <p:strVal val="#ppt_y"/>
+                                          </p:val>
+                                        </p:tav>
+                                      </p:tavLst>
+                                    </p:anim>
+                                  </p:childTnLst>
+                                </p:cTn>
+                              </p:par>
+                            </p:childTnLst>
+                          </p:cTn>
+                        </p:par>
+                      </p:childTnLst>
+                    </p:cTn>
+                  </p:par>
+                  <p:par>
+                    <p:cTn id="9" fill="hold">
+                      <p:stCondLst>
+                        <p:cond delay="indefinite"/>
+                      </p:stCondLst>
+                      <p:childTnLst>
+                        <p:par>
+                          <p:cTn id="10" fill="hold">
+                            <p:stCondLst>
+                              <p:cond delay="0"/>
+                            </p:stCondLst>
+                            <p:childTnLst>
+                              <p:par>
+                                <p:cTn id="11" presetID="1" presetClass="entr" presetSubtype="0" fill="hold" grpId="0" nodeType="clickEffect">
+                                  <p:stCondLst>
+                                    <p:cond delay="0"/>
+                                  </p:stCondLst>
+                                  <p:childTnLst>
+                                    <p:set>
+                                      <p:cBhvr>
+                                        <p:cTn id="12" dur="1" fill="hold">
+                                          <p:stCondLst>
+                                            <p:cond delay="0"/>
+                                          </p:stCondLst>
+                                        </p:cTn>
+                                        <p:tgtEl>
+                                          <p:spTgt spid="5"/>
+                                        </p:tgtEl>
+                                        <p:attrNameLst>
+                                          <p:attrName>style.visibility</p:attrName>
+                                        </p:attrNameLst>
+                                      </p:cBhvr>
+                                      <p:to>
+                                        <p:strVal val="visible"/>
+                                      </p:to>
+                                    </p:set>
+                                  </p:childTnLst>
+                                </p:cTn>
+                              </p:par>
+                            </p:childTnLst>
+                          </p:cTn>
+                        </p:par>
+                      </p:childTnLst>
+                    </p:cTn>
+                  </p:par>
+                  <p:par>
+                    <p:cTn id="13" fill="hold">
+                      <p:stCondLst>
+                        <p:cond delay="indefinite"/>
+                      </p:stCondLst>
+                      <p:childTnLst>
+                        <p:par>
+                          <p:cTn id="14" fill="hold">
+                            <p:stCondLst>
+                              <p:cond delay="0"/>
+                            </p:stCondLst>
+                            <p:childTnLst>
+                              <p:par>
+                                <p:cTn id="15" presetID="2" presetClass="entr" presetSubtype="4" fill="hold" grpId="0" nodeType="clickEffect">
+                                  <p:stCondLst>
+                                    <p:cond delay="0"/>
+                                  </p:stCondLst>
+                                  <p:childTnLst>
+                                    <p:set>
+                                      <p:cBhvr>
+                                        <p:cTn id="16" dur="1" fill="hold">
+                                          <p:stCondLst>
+                                            <p:cond delay="0"/>
+                                          </p:stCondLst>
+                                        </p:cTn>
+                                        <p:tgtEl>
+                                          <p:spTgt spid="12"/>
+                                        </p:tgtEl>
+                                        <p:attrNameLst>
+                                          <p:attrName>style.visibility</p:attrName>
+                                        </p:attrNameLst>
+                                      </p:cBhvr>
+                                      <p:to>
+                                        <p:strVal val="visible"/>
+                                      </p:to>
+                                    </p:set>
+                                    <p:anim calcmode="lin" valueType="num">
+                                      <p:cBhvr additive="base">
+                                        <p:cTn id="17" dur="500" fill="hold"/>
+                                        <p:tgtEl>
+                                          <p:spTgt spid="12"/>
+                                        </p:tgtEl>
+                                        <p:attrNameLst>
+                                          <p:attrName>ppt_x</p:attrName>
+                                        </p:attrNameLst>
+                                      </p:cBhvr>
+                                      <p:tavLst>
+                                        <p:tav tm="0">
+                                          <p:val>
+                                            <p:strVal val="#ppt_x"/>
+                                          </p:val>
+                                        </p:tav>
+                                        <p:tav tm="100000">
+                                          <p:val>
+                                            <p:strVal val="#ppt_x"/>
+                                          </p:val>
+                                        </p:tav>
+                                      </p:tavLst>
+                                    </p:anim>
+                                    <p:anim calcmode="lin" valueType="num">
+                                      <p:cBhvr additive="base">
+                                        <p:cTn id="18" dur="500" fill="hold"/>
+                                        <p:tgtEl>
+                                          <p:spTgt spid="12"/>
+                                        </p:tgtEl>
+                                        <p:attrNameLst>
+                                          <p:attrName>ppt_y</p:attrName>
+                                        </p:attrNameLst>
+                                      </p:cBhvr>
+                                      <p:tavLst>
+                                        <p:tav tm="0">
+                                          <p:val>
+                                            <p:strVal val="1+#ppt_h/2"/>
+                                          </p:val>
+                                        </p:tav>
+                                        <p:tav tm="100000">
+                                          <p:val>
+                                            <p:strVal val="#ppt_y"/>
+                                          </p:val>
+                                        </p:tav>
+                                      </p:tavLst>
+                                    </p:anim>
+                                  </p:childTnLst>
+                                </p:cTn>
+                              </p:par>
+                            </p:childTnLst>
+                          </p:cTn>
+                        </p:par>
+                      </p:childTnLst>
+                    </p:cTn>
+                  </p:par>
+                  <p:par>
+                    <p:cTn id="19" fill="hold">
+                      <p:stCondLst>
+                        <p:cond delay="indefinite"/>
+                      </p:stCondLst>
+                      <p:childTnLst>
+                        <p:par>
+                          <p:cTn id="20" fill="hold">
+                            <p:stCondLst>
+                              <p:cond delay="0"/>
+                            </p:stCondLst>
+                            <p:childTnLst>
+                              <p:par>
+                                <p:cTn id="21" presetID="22" presetClass="entr" presetSubtype="1" fill="hold" nodeType="clickEffect">
+                                  <p:stCondLst>
+                                    <p:cond delay="0"/>
+                                  </p:stCondLst>
+                                  <p:childTnLst>
+                                    <p:set>
+                                      <p:cBhvr>
+                                        <p:cTn id="22" dur="1" fill="hold">
+                                          <p:stCondLst>
+                                            <p:cond delay="0"/>
+                                          </p:stCondLst>
+                                        </p:cTn>
+                                        <p:tgtEl>
+                                          <p:spTgt spid="28"/>
+                                        </p:tgtEl>
+                                        <p:attrNameLst>
+                                          <p:attrName>style.visibility</p:attrName>
+                                        </p:attrNameLst>
+                                      </p:cBhvr>
+                                      <p:to>
+                                        <p:strVal val="visible"/>
+                                      </p:to>
+                                    </p:set>
+                                    <p:animEffect transition="in" filter="wipe(up)">
+                                      <p:cBhvr>
+                                        <p:cTn id="23" dur="500"/>
+                                        <p:tgtEl>
+                                          <p:spTgt spid="28"/>
+                                        </p:tgtEl>
+                                      </p:cBhvr>
+                                    </p:animEffect>
+                                  </p:childTnLst>
+                                </p:cTn>
+                              </p:par>
+                              <p:par>
+                                <p:cTn id="24" presetID="22" presetClass="entr" presetSubtype="1" fill="hold" grpId="0" nodeType="withEffect">
+                                  <p:stCondLst>
+                                    <p:cond delay="0"/>
+                                  </p:stCondLst>
+                                  <p:childTnLst>
+                                    <p:set>
+                                      <p:cBhvr>
+                                        <p:cTn id="25" dur="1" fill="hold">
+                                          <p:stCondLst>
+                                            <p:cond delay="0"/>
+                                          </p:stCondLst>
+                                        </p:cTn>
+                                        <p:tgtEl>
+                                          <p:spTgt spid="29"/>
+                                        </p:tgtEl>
+                                        <p:attrNameLst>
+                                          <p:attrName>style.visibility</p:attrName>
+                                        </p:attrNameLst>
+                                      </p:cBhvr>
+                                      <p:to>
+                                        <p:strVal val="visible"/>
+                                      </p:to>
+                                    </p:set>
+                                    <p:animEffect transition="in" filter="wipe(up)">
+                                      <p:cBhvr>
+                                        <p:cTn id="26" dur="500"/>
+                                        <p:tgtEl>
+                                          <p:spTgt spid="29"/>
+                                        </p:tgtEl>
+                                      </p:cBhvr>
+                                    </p:animEffect>
+                                  </p:childTnLst>
+                                </p:cTn>
+                              </p:par>
+                            </p:childTnLst>
+                          </p:cTn>
+                        </p:par>
+                      </p:childTnLst>
+                    </p:cTn>
+                  </p:par>
+                  <p:par>
+                    <p:cTn id="27" fill="hold">
+                      <p:stCondLst>
+                        <p:cond delay="indefinite"/>
+                      </p:stCondLst>
+                      <p:childTnLst>
+                        <p:par>
+                          <p:cTn id="28" fill="hold">
+                            <p:stCondLst>
+                              <p:cond delay="0"/>
+                            </p:stCondLst>
+                            <p:childTnLst>
+                              <p:par>
+                                <p:cTn id="29" presetID="1" presetClass="entr" presetSubtype="0" fill="hold" grpId="0" nodeType="clickEffect">
+                                  <p:stCondLst>
+                                    <p:cond delay="0"/>
+                                  </p:stCondLst>
+                                  <p:childTnLst>
+                                    <p:set>
+                                      <p:cBhvr>
+                                        <p:cTn id="30" dur="1" fill="hold">
+                                          <p:stCondLst>
+                                            <p:cond delay="0"/>
+                                          </p:stCondLst>
+                                        </p:cTn>
+                                        <p:tgtEl>
+                                          <p:spTgt spid="18"/>
+                                        </p:tgtEl>
+                                        <p:attrNameLst>
+                                          <p:attrName>style.visibility</p:attrName>
+                                        </p:attrNameLst>
+                                      </p:cBhvr>
+                                      <p:to>
+                                        <p:strVal val="visible"/>
+                                      </p:to>
+                                    </p:set>
+                                  </p:childTnLst>
+                                </p:cTn>
+                              </p:par>
+                            </p:childTnLst>
+                          </p:cTn>
+                        </p:par>
+                      </p:childTnLst>
+                    </p:cTn>
+                  </p:par>
+                  <p:par>
+                    <p:cTn id="31" fill="hold">
+                      <p:stCondLst>
+                        <p:cond delay="indefinite"/>
+                      </p:stCondLst>
+                      <p:childTnLst>
+                        <p:par>
+                          <p:cTn id="32" fill="hold">
+                            <p:stCondLst>
+                              <p:cond delay="0"/>
+                            </p:stCondLst>
+                            <p:childTnLst>
+                              <p:par>
+                                <p:cTn id="33" presetID="1" presetClass="entr" presetSubtype="0" fill="hold" nodeType="clickEffect">
+                                  <p:stCondLst>
+                                    <p:cond delay="0"/>
+                                  </p:stCondLst>
+                                  <p:childTnLst>
+                                    <p:set>
+                                      <p:cBhvr>
+                                        <p:cTn id="34" dur="1" fill="hold">
+                                          <p:stCondLst>
+                                            <p:cond delay="0"/>
+                                          </p:stCondLst>
+                                        </p:cTn>
+                                        <p:tgtEl>
+                                          <p:spTgt spid="20"/>
+                                        </p:tgtEl>
+                                        <p:attrNameLst>
+                                          <p:attrName>style.visibility</p:attrName>
+                                        </p:attrNameLst>
+                                      </p:cBhvr>
+                                      <p:to>
+                                        <p:strVal val="visible"/>
+                                      </p:to>
+                                    </p:set>
+                                  </p:childTnLst>
+                                </p:cTn>
+                              </p:par>
+                              <p:par>
+                                <p:cTn id="35" presetID="1" presetClass="entr" presetSubtype="0" fill="hold" grpId="0" nodeType="withEffect">
+                                  <p:stCondLst>
+                                    <p:cond delay="0"/>
+                                  </p:stCondLst>
+                                  <p:childTnLst>
+                                    <p:set>
+                                      <p:cBhvr>
+                                        <p:cTn id="36" dur="1" fill="hold">
+                                          <p:stCondLst>
+                                            <p:cond delay="0"/>
+                                          </p:stCondLst>
+                                        </p:cTn>
+                                        <p:tgtEl>
+                                          <p:spTgt spid="21"/>
+                                        </p:tgtEl>
+                                        <p:attrNameLst>
+                                          <p:attrName>style.visibility</p:attrName>
+                                        </p:attrNameLst>
+                                      </p:cBhvr>
+                                      <p:to>
+                                        <p:strVal val="visible"/>
+                                      </p:to>
+                                    </p:set>
+                                  </p:childTnLst>
+                                </p:cTn>
+                              </p:par>
+                            </p:childTnLst>
+                          </p:cTn>
+                        </p:par>
+                      </p:childTnLst>
+                    </p:cTn>
+                  </p:par>
+                  <p:par>
+                    <p:cTn id="37" fill="hold">
+                      <p:stCondLst>
+                        <p:cond delay="indefinite"/>
+                      </p:stCondLst>
+                      <p:childTnLst>
+                        <p:par>
+                          <p:cTn id="38" fill="hold">
+                            <p:stCondLst>
+                              <p:cond delay="0"/>
+                            </p:stCondLst>
+                            <p:childTnLst>
+                              <p:par>
+                                <p:cTn id="39" presetID="1" presetClass="entr" presetSubtype="0" fill="hold" grpId="0" nodeType="clickEffect">
+                                  <p:stCondLst>
+                                    <p:cond delay="0"/>
+                                  </p:stCondLst>
+                                  <p:childTnLst>
+                                    <p:set>
+                                      <p:cBhvr>
+                                        <p:cTn id="40" dur="1" fill="hold">
+                                          <p:stCondLst>
+                                            <p:cond delay="0"/>
+                                          </p:stCondLst>
+                                        </p:cTn>
+                                        <p:tgtEl>
+                                          <p:spTgt spid="19"/>
+                                        </p:tgtEl>
+                                        <p:attrNameLst>
+                                          <p:attrName>style.visibility</p:attrName>
+                                        </p:attrNameLst>
+                                      </p:cBhvr>
+                                      <p:to>
+                                        <p:strVal val="visible"/>
+                                      </p:to>
+                                    </p:set>
+                                  </p:childTnLst>
+                                </p:cTn>
+                              </p:par>
+                            </p:childTnLst>
+                          </p:cTn>
+                        </p:par>
+                      </p:childTnLst>
+                    </p:cTn>
+                  </p:par>
+                  <p:par>
+                    <p:cTn id="41" fill="hold">
+                      <p:stCondLst>
+                        <p:cond delay="indefinite"/>
+                      </p:stCondLst>
+                      <p:childTnLst>
+                        <p:par>
+                          <p:cTn id="42" fill="hold">
+                            <p:stCondLst>
+                              <p:cond delay="0"/>
+                            </p:stCondLst>
+                            <p:childTnLst>
+                              <p:par>
+                                <p:cTn id="43" presetID="1" presetClass="entr" presetSubtype="0" fill="hold" grpId="0" nodeType="clickEffect">
+                                  <p:stCondLst>
+                                    <p:cond delay="0"/>
+                                  </p:stCondLst>
+                                  <p:childTnLst>
+                                    <p:set>
+                                      <p:cBhvr>
+                                        <p:cTn id="44" dur="1" fill="hold">
+                                          <p:stCondLst>
+                                            <p:cond delay="0"/>
+                                          </p:stCondLst>
+                                        </p:cTn>
+                                        <p:tgtEl>
+                                          <p:spTgt spid="22"/>
+                                        </p:tgtEl>
+                                        <p:attrNameLst>
+                                          <p:attrName>style.visibility</p:attrName>
+                                        </p:attrNameLst>
+                                      </p:cBhvr>
+                                      <p:to>
+                                        <p:strVal val="visible"/>
+                                      </p:to>
+                                    </p:set>
+                                  </p:childTnLst>
+                                </p:cTn>
+                              </p:par>
+                            </p:childTnLst>
+                          </p:cTn>
+                        </p:par>
+                      </p:childTnLst>
+                    </p:cTn>
+                  </p:par>
+                  <p:par>
+                    <p:cTn id="45" fill="hold">
+                      <p:stCondLst>
+                        <p:cond delay="indefinite"/>
+                      </p:stCondLst>
+                      <p:childTnLst>
+                        <p:par>
+                          <p:cTn id="46" fill="hold">
+                            <p:stCondLst>
+                              <p:cond delay="0"/>
+                            </p:stCondLst>
+                            <p:childTnLst>
+                              <p:par>
+                                <p:cTn id="47" presetID="1" presetClass="entr" presetSubtype="0" fill="hold" nodeType="clickEffect">
+                                  <p:stCondLst>
+                                    <p:cond delay="0"/>
+                                  </p:stCondLst>
+                                  <p:childTnLst>
+                                    <p:set>
+                                      <p:cBhvr>
+                                        <p:cTn id="48" dur="1" fill="hold">
+                                          <p:stCondLst>
+                                            <p:cond delay="0"/>
+                                          </p:stCondLst>
+                                        </p:cTn>
+                                        <p:tgtEl>
+                                          <p:spTgt spid="24"/>
+                                        </p:tgtEl>
+                                        <p:attrNameLst>
+                                          <p:attrName>style.visibility</p:attrName>
+                                        </p:attrNameLst>
+                                      </p:cBhvr>
+                                      <p:to>
+                                        <p:strVal val="visible"/>
+                                      </p:to>
+                                    </p:set>
+                                  </p:childTnLst>
+                                </p:cTn>
+                              </p:par>
+                              <p:par>
+                                <p:cTn id="49" presetID="1" presetClass="entr" presetSubtype="0" fill="hold" grpId="0" nodeType="withEffect">
+                                  <p:stCondLst>
+                                    <p:cond delay="0"/>
+                                  </p:stCondLst>
+                                  <p:childTnLst>
+                                    <p:set>
+                                      <p:cBhvr>
+                                        <p:cTn id="50" dur="1" fill="hold">
+                                          <p:stCondLst>
+                                            <p:cond delay="0"/>
+                                          </p:stCondLst>
+                                        </p:cTn>
+                                        <p:tgtEl>
+                                          <p:spTgt spid="25"/>
+                                        </p:tgtEl>
+                                        <p:attrNameLst>
+                                          <p:attrName>style.visibility</p:attrName>
+                                        </p:attrNameLst>
+                                      </p:cBhvr>
+                                      <p:to>
+                                        <p:strVal val="visible"/>
+                                      </p:to>
+                                    </p:set>
+                                  </p:childTnLst>
+                                </p:cTn>
+                              </p:par>
+                            </p:childTnLst>
+                          </p:cTn>
+                        </p:par>
+                      </p:childTnLst>
+                    </p:cTn>
+                  </p:par>
+                  <p:par>
+                    <p:cTn id="51" fill="hold">
+                      <p:stCondLst>
+                        <p:cond delay="indefinite"/>
+                      </p:stCondLst>
+                      <p:childTnLst>
+                        <p:par>
+                          <p:cTn id="52" fill="hold">
+                            <p:stCondLst>
+                              <p:cond delay="0"/>
+                            </p:stCondLst>
+                            <p:childTnLst>
+                              <p:par>
+                                <p:cTn id="53" presetID="1" presetClass="entr" presetSubtype="0" fill="hold" grpId="0" nodeType="clickEffect">
+                                  <p:stCondLst>
+                                    <p:cond delay="0"/>
+                                  </p:stCondLst>
+                                  <p:childTnLst>
+                                    <p:set>
+                                      <p:cBhvr>
+                                        <p:cTn id="54" dur="1" fill="hold">
+                                          <p:stCondLst>
+                                            <p:cond delay="0"/>
+                                          </p:stCondLst>
+                                        </p:cTn>
+                                        <p:tgtEl>
+                                          <p:spTgt spid="23"/>
+                                        </p:tgtEl>
+                                        <p:attrNameLst>
+                                          <p:attrName>style.visibility</p:attrName>
+                                        </p:attrNameLst>
+                                      </p:cBhvr>
+                                      <p:to>
+                                        <p:strVal val="visible"/>
+                                      </p:to>
+                                    </p:set>
+                                  </p:childTnLst>
+                                </p:cTn>
+                              </p:par>
+                            </p:childTnLst>
+                          </p:cTn>
+                        </p:par>
+                      </p:childTnLst>
+                    </p:cTn>
+                  </p:par>
+                  <p:par>
+                    <p:cTn id="55" fill="hold">
+                      <p:stCondLst>
+                        <p:cond delay="indefinite"/>
+                      </p:stCondLst>
+                      <p:childTnLst>
+                        <p:par>
+                          <p:cTn id="56" fill="hold">
+                            <p:stCondLst>
+                              <p:cond delay="0"/>
+                            </p:stCondLst>
+                            <p:childTnLst>
+                              <p:par>
+                                <p:cTn id="57" presetID="1" presetClass="entr" presetSubtype="0" fill="hold" grpId="0" nodeType="clickEffect">
+                                  <p:stCondLst>
+                                    <p:cond delay="0"/>
+                                  </p:stCondLst>
+                                  <p:childTnLst>
+                                    <p:set>
+                                      <p:cBhvr>
+                                        <p:cTn id="58" dur="1" fill="hold">
+                                          <p:stCondLst>
+                                            <p:cond delay="0"/>
+                                          </p:stCondLst>
+                                        </p:cTn>
+                                        <p:tgtEl>
+                                          <p:spTgt spid="26"/>
+                                        </p:tgtEl>
+                                        <p:attrNameLst>
+                                          <p:attrName>style.visibility</p:attrName>
+                                        </p:attrNameLst>
+                                      </p:cBhvr>
+                                      <p:to>
+                                        <p:strVal val="visible"/>
+                                      </p:to>
+                                    </p:set>
+                                  </p:childTnLst>
+                                </p:cTn>
+                              </p:par>
+                            </p:childTnLst>
+                          </p:cTn>
+                        </p:par>
+                      </p:childTnLst>
+                    </p:cTn>
+                  </p:par>
+                  <p:par>
+                    <p:cTn id="59" fill="hold">
+                      <p:stCondLst>
+                        <p:cond delay="indefinite"/>
+                      </p:stCondLst>
+                      <p:childTnLst>
+                        <p:par>
+                          <p:cTn id="60" fill="hold">
+                            <p:stCondLst>
+                              <p:cond delay="0"/>
+                            </p:stCondLst>
+                            <p:childTnLst>
+                              <p:par>
+                                <p:cTn id="61" presetID="2" presetClass="entr" presetSubtype="4" fill="hold" grpId="0" nodeType="clickEffect">
+                                  <p:stCondLst>
+                                    <p:cond delay="0"/>
+                                  </p:stCondLst>
+                                  <p:childTnLst>
+                                    <p:set>
+                                      <p:cBhvr>
+                                        <p:cTn id="62" dur="1" fill="hold">
+                                          <p:stCondLst>
+                                            <p:cond delay="0"/>
+                                          </p:stCondLst>
+                                        </p:cTn>
+                                        <p:tgtEl>
+                                          <p:spTgt spid="27"/>
+                                        </p:tgtEl>
+                                        <p:attrNameLst>
+                                          <p:attrName>style.visibility</p:attrName>
+                                        </p:attrNameLst>
+                                      </p:cBhvr>
+                                      <p:to>
+                                        <p:strVal val="visible"/>
+                                      </p:to>
+                                    </p:set>
+                                    <p:anim calcmode="lin" valueType="num">
+                                      <p:cBhvr additive="base">
+                                        <p:cTn id="63" dur="500" fill="hold"/>
+                                        <p:tgtEl>
+                                          <p:spTgt spid="27"/>
+                                        </p:tgtEl>
+                                        <p:attrNameLst>
+                                          <p:attrName>ppt_x</p:attrName>
+                                        </p:attrNameLst>
+                                      </p:cBhvr>
+                                      <p:tavLst>
+                                        <p:tav tm="0">
+                                          <p:val>
+                                            <p:strVal val="#ppt_x"/>
+                                          </p:val>
+                                        </p:tav>
+                                        <p:tav tm="100000">
+                                          <p:val>
+                                            <p:strVal val="#ppt_x"/>
+                                          </p:val>
+                                        </p:tav>
+                                      </p:tavLst>
+                                    </p:anim>
+                                    <p:anim calcmode="lin" valueType="num">
+                                      <p:cBhvr additive="base">
+                                        <p:cTn id="64" dur="500" fill="hold"/>
+                                        <p:tgtEl>
+                                          <p:spTgt spid="27"/>
+                                        </p:tgtEl>
+                                        <p:attrNameLst>
+                                          <p:attrName>ppt_y</p:attrName>
+                                        </p:attrNameLst>
+                                      </p:cBhvr>
+                                      <p:tavLst>
+                                        <p:tav tm="0">
+                                          <p:val>
+                                            <p:strVal val="1+#ppt_h/2"/>
+                                          </p:val>
+                                        </p:tav>
+                                        <p:tav tm="100000">
+                                          <p:val>
+                                            <p:strVal val="#ppt_y"/>
+                                          </p:val>
+                                        </p:tav>
+                                      </p:tavLst>
+                                    </p:anim>
+                                  </p:childTnLst>
+                                </p:cTn>
+                              </p:par>
+                            </p:childTnLst>
+                          </p:cTn>
+                        </p:par>
+                      </p:childTnLst>
+                    </p:cTn>
+                  </p:par>
+                </p:childTnLst>
+              </p:cTn>
+              <p:prevCondLst>
+                <p:cond evt="onPrev" delay="0">
+                  <p:tgtEl>
+                    <p:sldTgt/>
+                  </p:tgtEl>
+                </p:cond>
+              </p:prevCondLst>
+              <p:nextCondLst>
+                <p:cond evt="onNext" delay="0">
+                  <p:tgtEl>
+                    <p:sldTgt/>
+                  </p:tgtEl>
+                </p:cond>
+              </p:nextCondLst>
+            </p:seq>
+          </p:childTnLst>
+        </p:cTn>
+      </p:par>
+    </p:tnLst>
+    <p:bldLst>
+      <p:bldP spid="3" grpId="0" animBg="1"/>
+      <p:bldP spid="5" grpId="0"/>
+      <p:bldP spid="12" grpId="0"/>
+      <p:bldP spid="18" grpId="0" bldLvl="0" animBg="1"/>
+      <p:bldP spid="21" grpId="0"/>
+      <p:bldP spid="19" grpId="0" bldLvl="0" animBg="1"/>
+      <p:bldP spid="22" grpId="0" animBg="1"/>
+      <p:bldP spid="25" grpId="0" animBg="1"/>
+      <p:bldP spid="23" grpId="0" animBg="1"/>
+      <p:bldP spid="26" grpId="0"/>
+      <p:bldP spid="27" grpId="0" bldLvl="0" animBg="1"/>
+      <p:bldP spid="29" grpId="0"/>
+    </p:bldLst>
+  </p:timing>
+</p:sld>
+</file>
+
+<file path=ppt/slides/slide17.xml><?xml version="1.0" encoding="utf-8"?>
+<p:sld xmlns:a="http://schemas.openxmlformats.org/drawingml/2006/main" xmlns:r="http://schemas.openxmlformats.org/officeDocument/2006/relationships" xmlns:p="http://schemas.openxmlformats.org/presentationml/2006/main">
+  <p:cSld>
+    <p:spTree>
+      <p:nvGrpSpPr>
+        <p:cNvPr id="1" name=""/>
+        <p:cNvGrpSpPr/>
+        <p:nvPr/>
+      </p:nvGrpSpPr>
+      <p:grpSpPr/>
+      <p:sp>
+        <p:nvSpPr>
+          <p:cNvPr id="13" name="文本框 12"/>
+          <p:cNvSpPr txBox="1"/>
+          <p:nvPr/>
+        </p:nvSpPr>
+        <p:spPr>
+          <a:xfrm>
+            <a:off x="3701415" y="305435"/>
+            <a:ext cx="4908550" cy="737235"/>
+          </a:xfrm>
+          <a:prstGeom prst="rect">
+            <a:avLst/>
+          </a:prstGeom>
+          <a:noFill/>
+        </p:spPr>
+        <p:txBody>
+          <a:bodyPr wrap="none" rtlCol="0">
+            <a:spAutoFit/>
+          </a:bodyPr>
+          <a:p>
+            <a:pPr indent="0" algn="l">
+              <a:lnSpc>
+                <a:spcPct val="150000"/>
+              </a:lnSpc>
+              <a:buFont typeface="Arial" panose="020B0604020202090204" pitchFamily="34" charset="0"/>
+              <a:buNone/>
+            </a:pPr>
+            <a:r>
+              <a:rPr lang="en-US" altLang="zh-CN" sz="2800" b="1">
+                <a:solidFill>
+                  <a:srgbClr val="0070C0"/>
+                </a:solidFill>
+                <a:latin typeface="微软雅黑" charset="0"/>
+                <a:ea typeface="微软雅黑" charset="0"/>
+                <a:cs typeface="微软雅黑" charset="0"/>
+                <a:sym typeface="+mn-ea"/>
+              </a:rPr>
+              <a:t>4</a:t>
+            </a:r>
+            <a:r>
+              <a:rPr lang="zh-CN" altLang="en-US" sz="2800" b="1">
+                <a:solidFill>
+                  <a:srgbClr val="0070C0"/>
+                </a:solidFill>
+                <a:latin typeface="微软雅黑" charset="0"/>
+                <a:ea typeface="微软雅黑" charset="0"/>
+                <a:cs typeface="微软雅黑" charset="0"/>
+                <a:sym typeface="+mn-ea"/>
+              </a:rPr>
+              <a:t>、怎样规避</a:t>
+            </a:r>
+            <a:r>
+              <a:rPr lang="en-US" altLang="zh-CN" sz="2800" b="1">
+                <a:solidFill>
+                  <a:srgbClr val="0070C0"/>
+                </a:solidFill>
+                <a:latin typeface="微软雅黑" charset="0"/>
+                <a:ea typeface="微软雅黑" charset="0"/>
+                <a:cs typeface="微软雅黑" charset="0"/>
+                <a:sym typeface="+mn-ea"/>
+              </a:rPr>
+              <a:t>GIL</a:t>
+            </a:r>
+            <a:r>
+              <a:rPr lang="zh-CN" altLang="en-US" sz="2800" b="1">
+                <a:solidFill>
+                  <a:srgbClr val="0070C0"/>
+                </a:solidFill>
+                <a:latin typeface="微软雅黑" charset="0"/>
+                <a:ea typeface="微软雅黑" charset="0"/>
+                <a:cs typeface="微软雅黑" charset="0"/>
+                <a:sym typeface="+mn-ea"/>
+              </a:rPr>
+              <a:t>带来的限制？</a:t>
+            </a:r>
+            <a:endParaRPr lang="zh-CN" altLang="en-US" sz="2800" b="1">
+              <a:solidFill>
+                <a:srgbClr val="0070C0"/>
+              </a:solidFill>
+              <a:latin typeface="微软雅黑" charset="0"/>
+              <a:ea typeface="微软雅黑" charset="0"/>
+              <a:cs typeface="微软雅黑" charset="0"/>
+              <a:sym typeface="+mn-ea"/>
+            </a:endParaRPr>
+          </a:p>
+        </p:txBody>
+      </p:sp>
+      <p:sp>
+        <p:nvSpPr>
+          <p:cNvPr id="3" name="文本框 2"/>
+          <p:cNvSpPr txBox="1"/>
+          <p:nvPr/>
+        </p:nvSpPr>
+        <p:spPr>
+          <a:xfrm>
+            <a:off x="1291590" y="1852930"/>
+            <a:ext cx="9608185" cy="1753235"/>
+          </a:xfrm>
+          <a:prstGeom prst="rect">
+            <a:avLst/>
+          </a:prstGeom>
+          <a:solidFill>
+            <a:schemeClr val="accent3"/>
+          </a:solidFill>
+        </p:spPr>
+        <p:txBody>
+          <a:bodyPr wrap="square" rtlCol="0" anchor="t">
+            <a:spAutoFit/>
+          </a:bodyPr>
+          <a:p>
+            <a:pPr algn="l"/>
+            <a:r>
+              <a:rPr lang="en-US"/>
+              <a:t>1</a:t>
+            </a:r>
+            <a:r>
+              <a:rPr lang="zh-CN" altLang="en-US"/>
+              <a:t>、多线程 </a:t>
+            </a:r>
+            <a:r>
+              <a:rPr lang="en-US" altLang="zh-CN"/>
+              <a:t>threading </a:t>
+            </a:r>
+            <a:r>
+              <a:rPr lang="zh-CN" altLang="en-US"/>
+              <a:t>机制依然是有用的，用于</a:t>
+            </a:r>
+            <a:r>
+              <a:rPr lang="en-US" altLang="zh-CN"/>
+              <a:t>IO</a:t>
+            </a:r>
+            <a:r>
+              <a:rPr lang="zh-CN" altLang="en-US"/>
+              <a:t>密集型计算</a:t>
+            </a:r>
+            <a:endParaRPr lang="zh-CN" altLang="en-US"/>
+          </a:p>
+          <a:p>
+            <a:pPr algn="l"/>
+            <a:endParaRPr lang="zh-CN" altLang="en-US"/>
+          </a:p>
+          <a:p>
+            <a:pPr algn="l"/>
+            <a:r>
+              <a:rPr lang="zh-CN" altLang="en-US"/>
+              <a:t>因为在 I/O (read,write,send,recv,etc.)期间，线程会释放</a:t>
+            </a:r>
+            <a:r>
+              <a:rPr lang="en-US" altLang="zh-CN"/>
+              <a:t>GIL</a:t>
+            </a:r>
+            <a:r>
+              <a:rPr lang="zh-CN" altLang="en-US"/>
+              <a:t>，实现</a:t>
+            </a:r>
+            <a:r>
+              <a:rPr lang="en-US" altLang="zh-CN"/>
+              <a:t>CPU</a:t>
+            </a:r>
+            <a:r>
+              <a:rPr lang="zh-CN" altLang="en-US"/>
+              <a:t>和</a:t>
+            </a:r>
+            <a:r>
+              <a:rPr lang="en-US" altLang="zh-CN"/>
+              <a:t>IO</a:t>
+            </a:r>
+            <a:r>
+              <a:rPr lang="zh-CN" altLang="en-US"/>
+              <a:t>的并行</a:t>
+            </a:r>
+            <a:endParaRPr lang="zh-CN" altLang="en-US"/>
+          </a:p>
+          <a:p>
+            <a:pPr algn="l"/>
+            <a:r>
+              <a:rPr lang="zh-CN" altLang="en-US"/>
+              <a:t>因此多线程用于</a:t>
+            </a:r>
+            <a:r>
+              <a:rPr lang="en-US" altLang="zh-CN"/>
+              <a:t>IO</a:t>
+            </a:r>
+            <a:r>
+              <a:rPr lang="zh-CN" altLang="en-US"/>
+              <a:t>密集型计算依然可以大幅提升速度</a:t>
+            </a:r>
+            <a:endParaRPr lang="zh-CN" altLang="en-US"/>
+          </a:p>
+          <a:p>
+            <a:pPr algn="l"/>
+            <a:endParaRPr lang="zh-CN" altLang="en-US"/>
+          </a:p>
+          <a:p>
+            <a:pPr algn="l"/>
+            <a:r>
+              <a:rPr lang="zh-CN" altLang="en-US"/>
+              <a:t>但是多线程用于</a:t>
+            </a:r>
+            <a:r>
+              <a:rPr lang="en-US" altLang="zh-CN"/>
+              <a:t>CPU</a:t>
+            </a:r>
+            <a:r>
+              <a:rPr lang="zh-CN" altLang="en-US"/>
+              <a:t>密集型计算时，只会更加拖慢速度</a:t>
+            </a:r>
+            <a:endParaRPr lang="zh-CN" altLang="en-US"/>
+          </a:p>
+        </p:txBody>
+      </p:sp>
+      <p:sp>
+        <p:nvSpPr>
+          <p:cNvPr id="6" name="文本框 5"/>
+          <p:cNvSpPr txBox="1"/>
+          <p:nvPr/>
+        </p:nvSpPr>
+        <p:spPr>
+          <a:xfrm>
+            <a:off x="1291590" y="4293235"/>
+            <a:ext cx="9608185" cy="922020"/>
+          </a:xfrm>
+          <a:prstGeom prst="rect">
+            <a:avLst/>
+          </a:prstGeom>
+          <a:solidFill>
+            <a:schemeClr val="accent3"/>
+          </a:solidFill>
+        </p:spPr>
+        <p:txBody>
+          <a:bodyPr wrap="square" rtlCol="0" anchor="t">
+            <a:spAutoFit/>
+          </a:bodyPr>
+          <a:p>
+            <a:pPr algn="l"/>
+            <a:r>
+              <a:rPr lang="en-US"/>
+              <a:t>2</a:t>
+            </a:r>
+            <a:r>
+              <a:rPr lang="zh-CN" altLang="en-US"/>
+              <a:t>、使用</a:t>
+            </a:r>
+            <a:r>
+              <a:rPr lang="en-US" altLang="zh-CN"/>
+              <a:t>multiprocessing </a:t>
+            </a:r>
+            <a:r>
+              <a:rPr lang="zh-CN" altLang="en-US"/>
+              <a:t>的多进程机制实现并行计算、利用多核</a:t>
+            </a:r>
+            <a:r>
+              <a:rPr lang="en-US" altLang="zh-CN"/>
+              <a:t>CPU</a:t>
+            </a:r>
+            <a:r>
+              <a:rPr lang="zh-CN" altLang="en-US"/>
+              <a:t>优势</a:t>
+            </a:r>
+            <a:endParaRPr lang="zh-CN" altLang="en-US"/>
+          </a:p>
+          <a:p>
+            <a:pPr algn="l"/>
+            <a:endParaRPr lang="zh-CN" altLang="en-US"/>
+          </a:p>
+          <a:p>
+            <a:pPr algn="l"/>
+            <a:r>
+              <a:rPr lang="zh-CN" altLang="en-US"/>
+              <a:t>为了应对</a:t>
+            </a:r>
+            <a:r>
+              <a:rPr lang="en-US" altLang="zh-CN"/>
+              <a:t>GIL</a:t>
+            </a:r>
+            <a:r>
+              <a:rPr lang="zh-CN" altLang="en-US"/>
+              <a:t>的问题，</a:t>
+            </a:r>
+            <a:r>
+              <a:rPr lang="en-US" altLang="zh-CN"/>
+              <a:t>Python</a:t>
+            </a:r>
+            <a:r>
+              <a:rPr lang="zh-CN" altLang="en-US"/>
+              <a:t>提供了</a:t>
+            </a:r>
+            <a:r>
+              <a:rPr lang="en-US" altLang="zh-CN"/>
+              <a:t>multiprocessing</a:t>
+            </a:r>
+            <a:endParaRPr lang="zh-CN" altLang="en-US"/>
+          </a:p>
+        </p:txBody>
+      </p:sp>
+    </p:spTree>
+  </p:cSld>
+  <p:clrMapOvr>
+    <a:masterClrMapping/>
+  </p:clrMapOvr>
+  <p:timing>
+    <p:tnLst>
+      <p:par>
+        <p:cTn id="1" dur="indefinite" restart="never" nodeType="tmRoot">
+          <p:childTnLst>
+            <p:seq concurrent="1" nextAc="seek">
+              <p:cTn id="2" dur="indefinite" nodeType="mainSeq">
+                <p:childTnLst>
+                  <p:par>
+                    <p:cTn id="3" fill="hold">
+                      <p:stCondLst>
+                        <p:cond delay="indefinite"/>
+                      </p:stCondLst>
+                      <p:childTnLst>
+                        <p:par>
+                          <p:cTn id="4" fill="hold">
+                            <p:stCondLst>
+                              <p:cond delay="0"/>
+                            </p:stCondLst>
+                            <p:childTnLst>
+                              <p:par>
+                                <p:cTn id="5" presetID="1" presetClass="entr" presetSubtype="0" fill="hold" grpId="0" nodeType="clickEffect">
+                                  <p:stCondLst>
+                                    <p:cond delay="0"/>
+                                  </p:stCondLst>
+                                  <p:childTnLst>
+                                    <p:set>
+                                      <p:cBhvr>
+                                        <p:cTn id="6" dur="1" fill="hold">
+                                          <p:stCondLst>
+                                            <p:cond delay="0"/>
+                                          </p:stCondLst>
+                                        </p:cTn>
+                                        <p:tgtEl>
+                                          <p:spTgt spid="3"/>
+                                        </p:tgtEl>
+                                        <p:attrNameLst>
+                                          <p:attrName>style.visibility</p:attrName>
+                                        </p:attrNameLst>
+                                      </p:cBhvr>
+                                      <p:to>
+                                        <p:strVal val="visible"/>
+                                      </p:to>
+                                    </p:set>
+                                  </p:childTnLst>
+                                </p:cTn>
+                              </p:par>
+                            </p:childTnLst>
+                          </p:cTn>
+                        </p:par>
+                      </p:childTnLst>
+                    </p:cTn>
+                  </p:par>
+                  <p:par>
+                    <p:cTn id="7" fill="hold">
+                      <p:stCondLst>
+                        <p:cond delay="indefinite"/>
+                      </p:stCondLst>
+                      <p:childTnLst>
+                        <p:par>
+                          <p:cTn id="8" fill="hold">
+                            <p:stCondLst>
+                              <p:cond delay="0"/>
+                            </p:stCondLst>
+                            <p:childTnLst>
+                              <p:par>
+                                <p:cTn id="9" presetID="1" presetClass="entr" presetSubtype="0" fill="hold" grpId="0" nodeType="clickEffect">
+                                  <p:stCondLst>
+                                    <p:cond delay="0"/>
+                                  </p:stCondLst>
+                                  <p:childTnLst>
+                                    <p:set>
+                                      <p:cBhvr>
+                                        <p:cTn id="10" dur="1" fill="hold">
+                                          <p:stCondLst>
+                                            <p:cond delay="0"/>
+                                          </p:stCondLst>
+                                        </p:cTn>
+                                        <p:tgtEl>
+                                          <p:spTgt spid="6"/>
+                                        </p:tgtEl>
+                                        <p:attrNameLst>
+                                          <p:attrName>style.visibility</p:attrName>
+                                        </p:attrNameLst>
+                                      </p:cBhvr>
+                                      <p:to>
+                                        <p:strVal val="visible"/>
+                                      </p:to>
+                                    </p:set>
+                                  </p:childTnLst>
+                                </p:cTn>
+                              </p:par>
+                            </p:childTnLst>
+                          </p:cTn>
+                        </p:par>
+                      </p:childTnLst>
+                    </p:cTn>
+                  </p:par>
+                </p:childTnLst>
+              </p:cTn>
+              <p:prevCondLst>
+                <p:cond evt="onPrev" delay="0">
+                  <p:tgtEl>
+                    <p:sldTgt/>
+                  </p:tgtEl>
+                </p:cond>
+              </p:prevCondLst>
+              <p:nextCondLst>
+                <p:cond evt="onNext" delay="0">
+                  <p:tgtEl>
+                    <p:sldTgt/>
+                  </p:tgtEl>
+                </p:cond>
+              </p:nextCondLst>
+            </p:seq>
+          </p:childTnLst>
+        </p:cTn>
+      </p:par>
+    </p:tnLst>
+    <p:bldLst>
+      <p:bldP spid="3" grpId="0" bldLvl="0" animBg="1"/>
+      <p:bldP spid="6" grpId="0" animBg="1"/>
+    </p:bldLst>
   </p:timing>
 </p:sld>
 </file>
@@ -12395,6 +16521,12 @@
 </p:tagLst>
 </file>
 
+<file path=ppt/tags/tag3.xml><?xml version="1.0" encoding="utf-8"?>
+<p:tagLst xmlns:p="http://schemas.openxmlformats.org/presentationml/2006/main">
+  <p:tag name="KSO_WM_SLIDE_MODEL_TYPE" val="cover"/>
+</p:tagLst>
+</file>
+
 <file path=ppt/theme/theme1.xml><?xml version="1.0" encoding="utf-8"?>
 <a:theme xmlns:a="http://schemas.openxmlformats.org/drawingml/2006/main" name="Office">
   <a:themeElements>

--- a/Python并发编程简介.pptx
+++ b/Python并发编程简介.pptx
@@ -20,11 +20,15 @@
     <p:sldId id="278" r:id="rId13"/>
     <p:sldId id="277" r:id="rId14"/>
     <p:sldId id="280" r:id="rId15"/>
-    <p:sldId id="281" r:id="rId16"/>
-    <p:sldId id="282" r:id="rId17"/>
-    <p:sldId id="283" r:id="rId18"/>
-    <p:sldId id="284" r:id="rId19"/>
-    <p:sldId id="285" r:id="rId20"/>
+    <p:sldId id="286" r:id="rId16"/>
+    <p:sldId id="281" r:id="rId17"/>
+    <p:sldId id="282" r:id="rId18"/>
+    <p:sldId id="283" r:id="rId19"/>
+    <p:sldId id="284" r:id="rId20"/>
+    <p:sldId id="285" r:id="rId21"/>
+    <p:sldId id="288" r:id="rId22"/>
+    <p:sldId id="289" r:id="rId23"/>
+    <p:sldId id="290" r:id="rId24"/>
   </p:sldIdLst>
   <p:sldSz cx="12192000" cy="6858000"/>
   <p:notesSz cx="7103745" cy="10234295"/>
@@ -6738,6 +6742,274 @@
 <file path=ppt/slides/slide13.xml><?xml version="1.0" encoding="utf-8"?>
 <p:sld xmlns:a="http://schemas.openxmlformats.org/drawingml/2006/main" xmlns:r="http://schemas.openxmlformats.org/officeDocument/2006/relationships" xmlns:p="http://schemas.openxmlformats.org/presentationml/2006/main">
   <p:cSld>
+    <p:bg>
+      <p:bgPr>
+        <a:gradFill>
+          <a:gsLst>
+            <a:gs pos="0">
+              <a:srgbClr val="012D86"/>
+            </a:gs>
+            <a:gs pos="100000">
+              <a:srgbClr val="0E2557"/>
+            </a:gs>
+          </a:gsLst>
+          <a:lin ang="5400000" scaled="0"/>
+        </a:gradFill>
+        <a:effectLst/>
+      </p:bgPr>
+    </p:bg>
+    <p:spTree>
+      <p:nvGrpSpPr>
+        <p:cNvPr id="1" name=""/>
+        <p:cNvGrpSpPr/>
+        <p:nvPr/>
+      </p:nvGrpSpPr>
+      <p:grpSpPr/>
+      <p:sp>
+        <p:nvSpPr>
+          <p:cNvPr id="2" name="标题 1"/>
+          <p:cNvSpPr>
+            <a:spLocks noGrp="1"/>
+          </p:cNvSpPr>
+          <p:nvPr>
+            <p:ph type="ctrTitle"/>
+          </p:nvPr>
+        </p:nvSpPr>
+        <p:spPr>
+          <a:xfrm>
+            <a:off x="2266315" y="4043680"/>
+            <a:ext cx="6410960" cy="1249680"/>
+          </a:xfrm>
+        </p:spPr>
+        <p:txBody>
+          <a:bodyPr anchor="ctr" anchorCtr="0">
+            <a:normAutofit/>
+          </a:bodyPr>
+          <a:p>
+            <a:pPr algn="l">
+              <a:lnSpc>
+                <a:spcPct val="120000"/>
+              </a:lnSpc>
+              <a:spcBef>
+                <a:spcPts val="0"/>
+              </a:spcBef>
+              <a:spcAft>
+                <a:spcPts val="0"/>
+              </a:spcAft>
+            </a:pPr>
+            <a:r>
+              <a:rPr b="1">
+                <a:solidFill>
+                  <a:schemeClr val="bg1"/>
+                </a:solidFill>
+                <a:latin typeface="微软雅黑" charset="0"/>
+                <a:ea typeface="微软雅黑" charset="0"/>
+                <a:cs typeface="微软雅黑" charset="0"/>
+              </a:rPr>
+              <a:t>全局解释器锁GIL</a:t>
+            </a:r>
+            <a:endParaRPr b="1">
+              <a:solidFill>
+                <a:schemeClr val="bg1"/>
+              </a:solidFill>
+              <a:latin typeface="微软雅黑" charset="0"/>
+              <a:ea typeface="微软雅黑" charset="0"/>
+              <a:cs typeface="微软雅黑" charset="0"/>
+            </a:endParaRPr>
+          </a:p>
+        </p:txBody>
+      </p:sp>
+      <p:pic>
+        <p:nvPicPr>
+          <p:cNvPr id="5" name="图片 4" descr="kisspng-angle-text-symbol-brand-other-python-5ab0c09b9ea1a7.3286927515215330836498 (1)"/>
+          <p:cNvPicPr>
+            <a:picLocks noChangeAspect="1"/>
+          </p:cNvPicPr>
+          <p:nvPr/>
+        </p:nvPicPr>
+        <p:blipFill>
+          <a:blip r:embed="rId1"/>
+          <a:stretch>
+            <a:fillRect/>
+          </a:stretch>
+        </p:blipFill>
+        <p:spPr>
+          <a:xfrm>
+            <a:off x="1923415" y="923925"/>
+            <a:ext cx="2256155" cy="2256155"/>
+          </a:xfrm>
+          <a:prstGeom prst="rect">
+            <a:avLst/>
+          </a:prstGeom>
+        </p:spPr>
+      </p:pic>
+      <p:sp>
+        <p:nvSpPr>
+          <p:cNvPr id="3" name="文本框 2"/>
+          <p:cNvSpPr txBox="1"/>
+          <p:nvPr/>
+        </p:nvSpPr>
+        <p:spPr>
+          <a:xfrm>
+            <a:off x="4341495" y="1670685"/>
+            <a:ext cx="5887720" cy="922020"/>
+          </a:xfrm>
+          <a:prstGeom prst="rect">
+            <a:avLst/>
+          </a:prstGeom>
+          <a:noFill/>
+        </p:spPr>
+        <p:txBody>
+          <a:bodyPr wrap="none" rtlCol="0" anchor="t">
+            <a:spAutoFit/>
+          </a:bodyPr>
+          <a:p>
+            <a:r>
+              <a:rPr sz="5400" b="1">
+                <a:solidFill>
+                  <a:schemeClr val="bg1"/>
+                </a:solidFill>
+                <a:latin typeface="微软雅黑" charset="0"/>
+                <a:ea typeface="微软雅黑" charset="0"/>
+                <a:cs typeface="微软雅黑" charset="0"/>
+                <a:sym typeface="+mn-ea"/>
+              </a:rPr>
+              <a:t>Python</a:t>
+            </a:r>
+            <a:r>
+              <a:rPr lang="zh-CN" sz="5400" b="1">
+                <a:solidFill>
+                  <a:schemeClr val="bg1"/>
+                </a:solidFill>
+                <a:latin typeface="微软雅黑" charset="0"/>
+                <a:ea typeface="微软雅黑" charset="0"/>
+                <a:cs typeface="微软雅黑" charset="0"/>
+                <a:sym typeface="+mn-ea"/>
+              </a:rPr>
+              <a:t>被吐槽</a:t>
+            </a:r>
+            <a:r>
+              <a:rPr sz="5400" b="1">
+                <a:solidFill>
+                  <a:schemeClr val="bg1"/>
+                </a:solidFill>
+                <a:latin typeface="微软雅黑" charset="0"/>
+                <a:ea typeface="微软雅黑" charset="0"/>
+                <a:cs typeface="微软雅黑" charset="0"/>
+                <a:sym typeface="+mn-ea"/>
+              </a:rPr>
+              <a:t>慢</a:t>
+            </a:r>
+            <a:r>
+              <a:rPr lang="zh-CN" sz="5400" b="1">
+                <a:solidFill>
+                  <a:schemeClr val="bg1"/>
+                </a:solidFill>
+                <a:latin typeface="微软雅黑" charset="0"/>
+                <a:ea typeface="微软雅黑" charset="0"/>
+                <a:cs typeface="微软雅黑" charset="0"/>
+                <a:sym typeface="+mn-ea"/>
+              </a:rPr>
+              <a:t>！</a:t>
+            </a:r>
+            <a:endParaRPr lang="zh-CN" altLang="en-US" sz="5400" b="1">
+              <a:solidFill>
+                <a:schemeClr val="bg1"/>
+              </a:solidFill>
+              <a:latin typeface="微软雅黑" charset="0"/>
+              <a:ea typeface="微软雅黑" charset="0"/>
+              <a:cs typeface="微软雅黑" charset="0"/>
+              <a:sym typeface="+mn-ea"/>
+            </a:endParaRPr>
+          </a:p>
+        </p:txBody>
+      </p:sp>
+      <p:sp>
+        <p:nvSpPr>
+          <p:cNvPr id="4" name="文本框 3"/>
+          <p:cNvSpPr txBox="1"/>
+          <p:nvPr/>
+        </p:nvSpPr>
+        <p:spPr>
+          <a:xfrm>
+            <a:off x="2351405" y="3197860"/>
+            <a:ext cx="5894070" cy="829945"/>
+          </a:xfrm>
+          <a:prstGeom prst="rect">
+            <a:avLst/>
+          </a:prstGeom>
+          <a:solidFill>
+            <a:schemeClr val="tx1"/>
+          </a:solidFill>
+        </p:spPr>
+        <p:txBody>
+          <a:bodyPr wrap="square" rtlCol="0" anchor="t">
+            <a:spAutoFit/>
+          </a:bodyPr>
+          <a:p>
+            <a:pPr algn="ctr"/>
+            <a:r>
+              <a:rPr lang="zh-CN" sz="4800" b="1">
+                <a:solidFill>
+                  <a:srgbClr val="FFC000"/>
+                </a:solidFill>
+                <a:latin typeface="微软雅黑" charset="0"/>
+                <a:ea typeface="微软雅黑" charset="0"/>
+                <a:cs typeface="微软雅黑" charset="0"/>
+                <a:sym typeface="+mn-ea"/>
+              </a:rPr>
+              <a:t>头号嫌疑犯</a:t>
+            </a:r>
+            <a:endParaRPr lang="zh-CN" sz="4800" b="1">
+              <a:solidFill>
+                <a:srgbClr val="FFC000"/>
+              </a:solidFill>
+              <a:latin typeface="微软雅黑" charset="0"/>
+              <a:ea typeface="微软雅黑" charset="0"/>
+              <a:cs typeface="微软雅黑" charset="0"/>
+              <a:sym typeface="+mn-ea"/>
+            </a:endParaRPr>
+          </a:p>
+        </p:txBody>
+      </p:sp>
+      <p:pic>
+        <p:nvPicPr>
+          <p:cNvPr id="6" name="图片 5"/>
+          <p:cNvPicPr>
+            <a:picLocks noChangeAspect="1"/>
+          </p:cNvPicPr>
+          <p:nvPr/>
+        </p:nvPicPr>
+        <p:blipFill>
+          <a:blip r:embed="rId2"/>
+          <a:stretch>
+            <a:fillRect/>
+          </a:stretch>
+        </p:blipFill>
+        <p:spPr>
+          <a:xfrm>
+            <a:off x="8460740" y="3259455"/>
+            <a:ext cx="1656715" cy="1656715"/>
+          </a:xfrm>
+          <a:prstGeom prst="rect">
+            <a:avLst/>
+          </a:prstGeom>
+        </p:spPr>
+      </p:pic>
+    </p:spTree>
+    <p:custDataLst>
+      <p:tags r:id="rId3"/>
+    </p:custDataLst>
+  </p:cSld>
+  <p:clrMapOvr>
+    <a:masterClrMapping/>
+  </p:clrMapOvr>
+</p:sld>
+</file>
+
+<file path=ppt/slides/slide14.xml><?xml version="1.0" encoding="utf-8"?>
+<p:sld xmlns:a="http://schemas.openxmlformats.org/drawingml/2006/main" xmlns:r="http://schemas.openxmlformats.org/officeDocument/2006/relationships" xmlns:p="http://schemas.openxmlformats.org/presentationml/2006/main">
+  <p:cSld>
     <p:spTree>
       <p:nvGrpSpPr>
         <p:cNvPr id="1" name=""/>
@@ -7026,7 +7298,7 @@
 </p:sld>
 </file>
 
-<file path=ppt/slides/slide14.xml><?xml version="1.0" encoding="utf-8"?>
+<file path=ppt/slides/slide15.xml><?xml version="1.0" encoding="utf-8"?>
 <p:sld xmlns:a="http://schemas.openxmlformats.org/drawingml/2006/main" xmlns:r="http://schemas.openxmlformats.org/officeDocument/2006/relationships" xmlns:p="http://schemas.openxmlformats.org/presentationml/2006/main">
   <p:cSld>
     <p:spTree>
@@ -7837,7 +8109,7 @@
 </p:sld>
 </file>
 
-<file path=ppt/slides/slide15.xml><?xml version="1.0" encoding="utf-8"?>
+<file path=ppt/slides/slide16.xml><?xml version="1.0" encoding="utf-8"?>
 <p:sld xmlns:a="http://schemas.openxmlformats.org/drawingml/2006/main" xmlns:r="http://schemas.openxmlformats.org/officeDocument/2006/relationships" xmlns:p="http://schemas.openxmlformats.org/presentationml/2006/main">
   <p:cSld>
     <p:spTree>
@@ -8340,7 +8612,7 @@
 </p:sld>
 </file>
 
-<file path=ppt/slides/slide16.xml><?xml version="1.0" encoding="utf-8"?>
+<file path=ppt/slides/slide17.xml><?xml version="1.0" encoding="utf-8"?>
 <p:sld xmlns:a="http://schemas.openxmlformats.org/drawingml/2006/main" xmlns:r="http://schemas.openxmlformats.org/officeDocument/2006/relationships" xmlns:p="http://schemas.openxmlformats.org/presentationml/2006/main">
   <p:cSld>
     <p:spTree>
@@ -9147,103 +9419,129 @@
               <a:rPr lang="zh-CN" altLang="en-US">
                 <a:sym typeface="+mn-ea"/>
               </a:rPr>
-              <a:t>开始：</a:t>
+              <a:t>开始：线程</a:t>
+            </a:r>
+            <a:r>
+              <a:rPr lang="en-US" altLang="zh-CN">
+                <a:sym typeface="+mn-ea"/>
+              </a:rPr>
+              <a:t>A</a:t>
             </a:r>
             <a:r>
               <a:rPr lang="zh-CN" altLang="en-US">
                 <a:sym typeface="+mn-ea"/>
               </a:rPr>
-              <a:t>线程</a:t>
+              <a:t>和线程</a:t>
             </a:r>
             <a:r>
               <a:rPr lang="en-US" altLang="zh-CN">
                 <a:sym typeface="+mn-ea"/>
               </a:rPr>
-              <a:t>A</a:t>
+              <a:t>B</a:t>
             </a:r>
             <a:r>
               <a:rPr lang="zh-CN" altLang="en-US">
                 <a:sym typeface="+mn-ea"/>
               </a:rPr>
-              <a:t>和线程</a:t>
+              <a:t>都引用了对象</a:t>
             </a:r>
             <a:r>
               <a:rPr lang="en-US" altLang="zh-CN">
                 <a:sym typeface="+mn-ea"/>
               </a:rPr>
-              <a:t>B</a:t>
+              <a:t>obj</a:t>
             </a:r>
             <a:r>
               <a:rPr lang="zh-CN" altLang="en-US">
                 <a:sym typeface="+mn-ea"/>
               </a:rPr>
-              <a:t>都引用了对象</a:t>
+              <a:t>，</a:t>
             </a:r>
             <a:r>
               <a:rPr lang="en-US" altLang="zh-CN">
                 <a:sym typeface="+mn-ea"/>
               </a:rPr>
-              <a:t>obj</a:t>
+              <a:t>obj.ref_num = 2</a:t>
             </a:r>
             <a:r>
               <a:rPr lang="zh-CN" altLang="en-US">
                 <a:sym typeface="+mn-ea"/>
               </a:rPr>
-              <a:t>，</a:t>
+              <a:t>，线程</a:t>
             </a:r>
             <a:r>
               <a:rPr lang="en-US" altLang="zh-CN">
                 <a:sym typeface="+mn-ea"/>
               </a:rPr>
-              <a:t>obj.ref_num = 2</a:t>
+              <a:t>A</a:t>
             </a:r>
             <a:r>
               <a:rPr lang="zh-CN" altLang="en-US">
                 <a:sym typeface="+mn-ea"/>
               </a:rPr>
-              <a:t>，</a:t>
+              <a:t>和</a:t>
+            </a:r>
+            <a:r>
+              <a:rPr lang="en-US" altLang="zh-CN">
+                <a:sym typeface="+mn-ea"/>
+              </a:rPr>
+              <a:t>B</a:t>
             </a:r>
             <a:r>
               <a:rPr lang="zh-CN" altLang="en-US">
                 <a:sym typeface="+mn-ea"/>
               </a:rPr>
-              <a:t>线程</a:t>
+              <a:t>都想撤销对</a:t>
             </a:r>
             <a:r>
               <a:rPr lang="en-US" altLang="zh-CN">
                 <a:sym typeface="+mn-ea"/>
               </a:rPr>
-              <a:t>A</a:t>
+              <a:t>obj</a:t>
             </a:r>
             <a:r>
               <a:rPr lang="zh-CN" altLang="en-US">
                 <a:sym typeface="+mn-ea"/>
               </a:rPr>
-              <a:t>和</a:t>
-            </a:r>
-            <a:r>
-              <a:rPr lang="en-US" altLang="zh-CN">
-                <a:sym typeface="+mn-ea"/>
-              </a:rPr>
-              <a:t>B</a:t>
-            </a:r>
-            <a:r>
-              <a:rPr lang="zh-CN" altLang="en-US">
-                <a:sym typeface="+mn-ea"/>
-              </a:rPr>
-              <a:t>都想撤销对</a:t>
-            </a:r>
-            <a:r>
-              <a:rPr lang="en-US" altLang="zh-CN">
-                <a:sym typeface="+mn-ea"/>
-              </a:rPr>
-              <a:t>obj</a:t>
-            </a:r>
-            <a:r>
-              <a:rPr lang="zh-CN" altLang="en-US">
-                <a:sym typeface="+mn-ea"/>
-              </a:rPr>
               <a:t>的引用</a:t>
+            </a:r>
+            <a:endParaRPr lang="zh-CN" altLang="en-US"/>
+          </a:p>
+        </p:txBody>
+      </p:sp>
+      <p:sp>
+        <p:nvSpPr>
+          <p:cNvPr id="6" name="文本框 5"/>
+          <p:cNvSpPr txBox="1"/>
+          <p:nvPr/>
+        </p:nvSpPr>
+        <p:spPr>
+          <a:xfrm>
+            <a:off x="595630" y="2260600"/>
+            <a:ext cx="640080" cy="645160"/>
+          </a:xfrm>
+          <a:prstGeom prst="rect">
+            <a:avLst/>
+          </a:prstGeom>
+          <a:solidFill>
+            <a:schemeClr val="accent2"/>
+          </a:solidFill>
+        </p:spPr>
+        <p:txBody>
+          <a:bodyPr wrap="none" rtlCol="0">
+            <a:spAutoFit/>
+          </a:bodyPr>
+          <a:p>
+            <a:r>
+              <a:rPr lang="zh-CN" altLang="en-US"/>
+              <a:t>原因</a:t>
+            </a:r>
+            <a:endParaRPr lang="zh-CN" altLang="en-US"/>
+          </a:p>
+          <a:p>
+            <a:r>
+              <a:rPr lang="zh-CN" altLang="en-US"/>
+              <a:t>详解</a:t>
             </a:r>
             <a:endParaRPr lang="zh-CN" altLang="en-US"/>
           </a:p>
@@ -9411,7 +9709,7 @@
                             </p:stCondLst>
                             <p:childTnLst>
                               <p:par>
-                                <p:cTn id="15" presetID="2" presetClass="entr" presetSubtype="4" fill="hold" grpId="0" nodeType="clickEffect">
+                                <p:cTn id="15" presetID="3" presetClass="entr" presetSubtype="10" fill="hold" grpId="0" nodeType="clickEffect">
                                   <p:stCondLst>
                                     <p:cond delay="0"/>
                                   </p:stCondLst>
@@ -9419,6 +9717,59 @@
                                     <p:set>
                                       <p:cBhvr>
                                         <p:cTn id="16" dur="1" fill="hold">
+                                          <p:stCondLst>
+                                            <p:cond delay="0"/>
+                                          </p:stCondLst>
+                                        </p:cTn>
+                                        <p:tgtEl>
+                                          <p:spTgt spid="6"/>
+                                        </p:tgtEl>
+                                        <p:attrNameLst>
+                                          <p:attrName>style.visibility</p:attrName>
+                                        </p:attrNameLst>
+                                      </p:cBhvr>
+                                      <p:to>
+                                        <p:strVal val="visible"/>
+                                      </p:to>
+                                    </p:set>
+                                    <p:animEffect transition="in" filter="blinds(horizontal)">
+                                      <p:cBhvr>
+                                        <p:cTn id="17" dur="500"/>
+                                        <p:tgtEl>
+                                          <p:spTgt spid="6"/>
+                                        </p:tgtEl>
+                                      </p:cBhvr>
+                                    </p:animEffect>
+                                  </p:childTnLst>
+                                </p:cTn>
+                              </p:par>
+                            </p:childTnLst>
+                          </p:cTn>
+                        </p:par>
+                      </p:childTnLst>
+                    </p:cTn>
+                  </p:par>
+                  <p:par>
+                    <p:cTn id="18" fill="hold">
+                      <p:stCondLst>
+                        <p:cond delay="indefinite"/>
+                      </p:stCondLst>
+                      <p:childTnLst>
+                        <p:par>
+                          <p:cTn id="19" fill="hold">
+                            <p:stCondLst>
+                              <p:cond delay="0"/>
+                            </p:stCondLst>
+                            <p:childTnLst>
+                              <p:par>
+                                <p:cTn id="20" presetID="2" presetClass="entr" presetSubtype="4" fill="hold" grpId="0" nodeType="clickEffect">
+                                  <p:stCondLst>
+                                    <p:cond delay="0"/>
+                                  </p:stCondLst>
+                                  <p:childTnLst>
+                                    <p:set>
+                                      <p:cBhvr>
+                                        <p:cTn id="21" dur="1" fill="hold">
                                           <p:stCondLst>
                                             <p:cond delay="0"/>
                                           </p:stCondLst>
@@ -9436,7 +9787,7 @@
                                     </p:set>
                                     <p:anim calcmode="lin" valueType="num">
                                       <p:cBhvr additive="base">
-                                        <p:cTn id="17" dur="500" fill="hold"/>
+                                        <p:cTn id="22" dur="500" fill="hold"/>
                                         <p:tgtEl>
                                           <p:spTgt spid="12"/>
                                         </p:tgtEl>
@@ -9459,7 +9810,7 @@
                                     </p:anim>
                                     <p:anim calcmode="lin" valueType="num">
                                       <p:cBhvr additive="base">
-                                        <p:cTn id="18" dur="500" fill="hold"/>
+                                        <p:cTn id="23" dur="500" fill="hold"/>
                                         <p:tgtEl>
                                           <p:spTgt spid="12"/>
                                         </p:tgtEl>
@@ -9490,26 +9841,26 @@
                     </p:cTn>
                   </p:par>
                   <p:par>
-                    <p:cTn id="19" fill="hold">
+                    <p:cTn id="24" fill="hold">
                       <p:stCondLst>
                         <p:cond delay="indefinite"/>
                       </p:stCondLst>
                       <p:childTnLst>
                         <p:par>
-                          <p:cTn id="20" fill="hold">
+                          <p:cTn id="25" fill="hold">
                             <p:stCondLst>
                               <p:cond delay="0"/>
                             </p:stCondLst>
                             <p:childTnLst>
                               <p:par>
-                                <p:cTn id="21" presetID="22" presetClass="entr" presetSubtype="1" fill="hold" nodeType="clickEffect">
+                                <p:cTn id="26" presetID="22" presetClass="entr" presetSubtype="1" fill="hold" nodeType="clickEffect">
                                   <p:stCondLst>
                                     <p:cond delay="0"/>
                                   </p:stCondLst>
                                   <p:childTnLst>
                                     <p:set>
                                       <p:cBhvr>
-                                        <p:cTn id="22" dur="1" fill="hold">
+                                        <p:cTn id="27" dur="1" fill="hold">
                                           <p:stCondLst>
                                             <p:cond delay="0"/>
                                           </p:stCondLst>
@@ -9527,7 +9878,7 @@
                                     </p:set>
                                     <p:animEffect transition="in" filter="wipe(up)">
                                       <p:cBhvr>
-                                        <p:cTn id="23" dur="500"/>
+                                        <p:cTn id="28" dur="500"/>
                                         <p:tgtEl>
                                           <p:spTgt spid="28"/>
                                         </p:tgtEl>
@@ -9537,14 +9888,14 @@
                                 </p:cTn>
                               </p:par>
                               <p:par>
-                                <p:cTn id="24" presetID="22" presetClass="entr" presetSubtype="1" fill="hold" grpId="0" nodeType="withEffect">
+                                <p:cTn id="29" presetID="22" presetClass="entr" presetSubtype="1" fill="hold" grpId="0" nodeType="withEffect">
                                   <p:stCondLst>
                                     <p:cond delay="0"/>
                                   </p:stCondLst>
                                   <p:childTnLst>
                                     <p:set>
                                       <p:cBhvr>
-                                        <p:cTn id="25" dur="1" fill="hold">
+                                        <p:cTn id="30" dur="1" fill="hold">
                                           <p:stCondLst>
                                             <p:cond delay="0"/>
                                           </p:stCondLst>
@@ -9562,7 +9913,7 @@
                                     </p:set>
                                     <p:animEffect transition="in" filter="wipe(up)">
                                       <p:cBhvr>
-                                        <p:cTn id="26" dur="500"/>
+                                        <p:cTn id="31" dur="500"/>
                                         <p:tgtEl>
                                           <p:spTgt spid="29"/>
                                         </p:tgtEl>
@@ -9578,26 +9929,26 @@
                     </p:cTn>
                   </p:par>
                   <p:par>
-                    <p:cTn id="27" fill="hold">
+                    <p:cTn id="32" fill="hold">
                       <p:stCondLst>
                         <p:cond delay="indefinite"/>
                       </p:stCondLst>
                       <p:childTnLst>
                         <p:par>
-                          <p:cTn id="28" fill="hold">
+                          <p:cTn id="33" fill="hold">
                             <p:stCondLst>
                               <p:cond delay="0"/>
                             </p:stCondLst>
                             <p:childTnLst>
                               <p:par>
-                                <p:cTn id="29" presetID="1" presetClass="entr" presetSubtype="0" fill="hold" grpId="0" nodeType="clickEffect">
+                                <p:cTn id="34" presetID="1" presetClass="entr" presetSubtype="0" fill="hold" grpId="0" nodeType="clickEffect">
                                   <p:stCondLst>
                                     <p:cond delay="0"/>
                                   </p:stCondLst>
                                   <p:childTnLst>
                                     <p:set>
                                       <p:cBhvr>
-                                        <p:cTn id="30" dur="1" fill="hold">
+                                        <p:cTn id="35" dur="1" fill="hold">
                                           <p:stCondLst>
                                             <p:cond delay="0"/>
                                           </p:stCondLst>
@@ -9623,26 +9974,26 @@
                     </p:cTn>
                   </p:par>
                   <p:par>
-                    <p:cTn id="31" fill="hold">
+                    <p:cTn id="36" fill="hold">
                       <p:stCondLst>
                         <p:cond delay="indefinite"/>
                       </p:stCondLst>
                       <p:childTnLst>
                         <p:par>
-                          <p:cTn id="32" fill="hold">
+                          <p:cTn id="37" fill="hold">
                             <p:stCondLst>
                               <p:cond delay="0"/>
                             </p:stCondLst>
                             <p:childTnLst>
                               <p:par>
-                                <p:cTn id="33" presetID="1" presetClass="entr" presetSubtype="0" fill="hold" nodeType="clickEffect">
+                                <p:cTn id="38" presetID="1" presetClass="entr" presetSubtype="0" fill="hold" nodeType="clickEffect">
                                   <p:stCondLst>
                                     <p:cond delay="0"/>
                                   </p:stCondLst>
                                   <p:childTnLst>
                                     <p:set>
                                       <p:cBhvr>
-                                        <p:cTn id="34" dur="1" fill="hold">
+                                        <p:cTn id="39" dur="1" fill="hold">
                                           <p:stCondLst>
                                             <p:cond delay="0"/>
                                           </p:stCondLst>
@@ -9662,14 +10013,14 @@
                                 </p:cTn>
                               </p:par>
                               <p:par>
-                                <p:cTn id="35" presetID="1" presetClass="entr" presetSubtype="0" fill="hold" grpId="0" nodeType="withEffect">
+                                <p:cTn id="40" presetID="1" presetClass="entr" presetSubtype="0" fill="hold" grpId="0" nodeType="withEffect">
                                   <p:stCondLst>
                                     <p:cond delay="0"/>
                                   </p:stCondLst>
                                   <p:childTnLst>
                                     <p:set>
                                       <p:cBhvr>
-                                        <p:cTn id="36" dur="1" fill="hold">
+                                        <p:cTn id="41" dur="1" fill="hold">
                                           <p:stCondLst>
                                             <p:cond delay="0"/>
                                           </p:stCondLst>
@@ -9695,26 +10046,26 @@
                     </p:cTn>
                   </p:par>
                   <p:par>
-                    <p:cTn id="37" fill="hold">
+                    <p:cTn id="42" fill="hold">
                       <p:stCondLst>
                         <p:cond delay="indefinite"/>
                       </p:stCondLst>
                       <p:childTnLst>
                         <p:par>
-                          <p:cTn id="38" fill="hold">
+                          <p:cTn id="43" fill="hold">
                             <p:stCondLst>
                               <p:cond delay="0"/>
                             </p:stCondLst>
                             <p:childTnLst>
                               <p:par>
-                                <p:cTn id="39" presetID="1" presetClass="entr" presetSubtype="0" fill="hold" grpId="0" nodeType="clickEffect">
+                                <p:cTn id="44" presetID="1" presetClass="entr" presetSubtype="0" fill="hold" grpId="0" nodeType="clickEffect">
                                   <p:stCondLst>
                                     <p:cond delay="0"/>
                                   </p:stCondLst>
                                   <p:childTnLst>
                                     <p:set>
                                       <p:cBhvr>
-                                        <p:cTn id="40" dur="1" fill="hold">
+                                        <p:cTn id="45" dur="1" fill="hold">
                                           <p:stCondLst>
                                             <p:cond delay="0"/>
                                           </p:stCondLst>
@@ -9740,26 +10091,26 @@
                     </p:cTn>
                   </p:par>
                   <p:par>
-                    <p:cTn id="41" fill="hold">
+                    <p:cTn id="46" fill="hold">
                       <p:stCondLst>
                         <p:cond delay="indefinite"/>
                       </p:stCondLst>
                       <p:childTnLst>
                         <p:par>
-                          <p:cTn id="42" fill="hold">
+                          <p:cTn id="47" fill="hold">
                             <p:stCondLst>
                               <p:cond delay="0"/>
                             </p:stCondLst>
                             <p:childTnLst>
                               <p:par>
-                                <p:cTn id="43" presetID="1" presetClass="entr" presetSubtype="0" fill="hold" grpId="0" nodeType="clickEffect">
+                                <p:cTn id="48" presetID="1" presetClass="entr" presetSubtype="0" fill="hold" grpId="0" nodeType="clickEffect">
                                   <p:stCondLst>
                                     <p:cond delay="0"/>
                                   </p:stCondLst>
                                   <p:childTnLst>
                                     <p:set>
                                       <p:cBhvr>
-                                        <p:cTn id="44" dur="1" fill="hold">
+                                        <p:cTn id="49" dur="1" fill="hold">
                                           <p:stCondLst>
                                             <p:cond delay="0"/>
                                           </p:stCondLst>
@@ -9785,26 +10136,26 @@
                     </p:cTn>
                   </p:par>
                   <p:par>
-                    <p:cTn id="45" fill="hold">
+                    <p:cTn id="50" fill="hold">
                       <p:stCondLst>
                         <p:cond delay="indefinite"/>
                       </p:stCondLst>
                       <p:childTnLst>
                         <p:par>
-                          <p:cTn id="46" fill="hold">
+                          <p:cTn id="51" fill="hold">
                             <p:stCondLst>
                               <p:cond delay="0"/>
                             </p:stCondLst>
                             <p:childTnLst>
                               <p:par>
-                                <p:cTn id="47" presetID="1" presetClass="entr" presetSubtype="0" fill="hold" nodeType="clickEffect">
+                                <p:cTn id="52" presetID="1" presetClass="entr" presetSubtype="0" fill="hold" nodeType="clickEffect">
                                   <p:stCondLst>
                                     <p:cond delay="0"/>
                                   </p:stCondLst>
                                   <p:childTnLst>
                                     <p:set>
                                       <p:cBhvr>
-                                        <p:cTn id="48" dur="1" fill="hold">
+                                        <p:cTn id="53" dur="1" fill="hold">
                                           <p:stCondLst>
                                             <p:cond delay="0"/>
                                           </p:stCondLst>
@@ -9824,14 +10175,14 @@
                                 </p:cTn>
                               </p:par>
                               <p:par>
-                                <p:cTn id="49" presetID="1" presetClass="entr" presetSubtype="0" fill="hold" grpId="0" nodeType="withEffect">
+                                <p:cTn id="54" presetID="1" presetClass="entr" presetSubtype="0" fill="hold" grpId="0" nodeType="withEffect">
                                   <p:stCondLst>
                                     <p:cond delay="0"/>
                                   </p:stCondLst>
                                   <p:childTnLst>
                                     <p:set>
                                       <p:cBhvr>
-                                        <p:cTn id="50" dur="1" fill="hold">
+                                        <p:cTn id="55" dur="1" fill="hold">
                                           <p:stCondLst>
                                             <p:cond delay="0"/>
                                           </p:stCondLst>
@@ -9857,26 +10208,26 @@
                     </p:cTn>
                   </p:par>
                   <p:par>
-                    <p:cTn id="51" fill="hold">
+                    <p:cTn id="56" fill="hold">
                       <p:stCondLst>
                         <p:cond delay="indefinite"/>
                       </p:stCondLst>
                       <p:childTnLst>
                         <p:par>
-                          <p:cTn id="52" fill="hold">
+                          <p:cTn id="57" fill="hold">
                             <p:stCondLst>
                               <p:cond delay="0"/>
                             </p:stCondLst>
                             <p:childTnLst>
                               <p:par>
-                                <p:cTn id="53" presetID="1" presetClass="entr" presetSubtype="0" fill="hold" grpId="0" nodeType="clickEffect">
+                                <p:cTn id="58" presetID="1" presetClass="entr" presetSubtype="0" fill="hold" grpId="0" nodeType="clickEffect">
                                   <p:stCondLst>
                                     <p:cond delay="0"/>
                                   </p:stCondLst>
                                   <p:childTnLst>
                                     <p:set>
                                       <p:cBhvr>
-                                        <p:cTn id="54" dur="1" fill="hold">
+                                        <p:cTn id="59" dur="1" fill="hold">
                                           <p:stCondLst>
                                             <p:cond delay="0"/>
                                           </p:stCondLst>
@@ -9902,26 +10253,26 @@
                     </p:cTn>
                   </p:par>
                   <p:par>
-                    <p:cTn id="55" fill="hold">
+                    <p:cTn id="60" fill="hold">
                       <p:stCondLst>
                         <p:cond delay="indefinite"/>
                       </p:stCondLst>
                       <p:childTnLst>
                         <p:par>
-                          <p:cTn id="56" fill="hold">
+                          <p:cTn id="61" fill="hold">
                             <p:stCondLst>
                               <p:cond delay="0"/>
                             </p:stCondLst>
                             <p:childTnLst>
                               <p:par>
-                                <p:cTn id="57" presetID="1" presetClass="entr" presetSubtype="0" fill="hold" grpId="0" nodeType="clickEffect">
+                                <p:cTn id="62" presetID="1" presetClass="entr" presetSubtype="0" fill="hold" grpId="0" nodeType="clickEffect">
                                   <p:stCondLst>
                                     <p:cond delay="0"/>
                                   </p:stCondLst>
                                   <p:childTnLst>
                                     <p:set>
                                       <p:cBhvr>
-                                        <p:cTn id="58" dur="1" fill="hold">
+                                        <p:cTn id="63" dur="1" fill="hold">
                                           <p:stCondLst>
                                             <p:cond delay="0"/>
                                           </p:stCondLst>
@@ -9947,26 +10298,26 @@
                     </p:cTn>
                   </p:par>
                   <p:par>
-                    <p:cTn id="59" fill="hold">
+                    <p:cTn id="64" fill="hold">
                       <p:stCondLst>
                         <p:cond delay="indefinite"/>
                       </p:stCondLst>
                       <p:childTnLst>
                         <p:par>
-                          <p:cTn id="60" fill="hold">
+                          <p:cTn id="65" fill="hold">
                             <p:stCondLst>
                               <p:cond delay="0"/>
                             </p:stCondLst>
                             <p:childTnLst>
                               <p:par>
-                                <p:cTn id="61" presetID="2" presetClass="entr" presetSubtype="4" fill="hold" grpId="0" nodeType="clickEffect">
+                                <p:cTn id="66" presetID="2" presetClass="entr" presetSubtype="4" fill="hold" grpId="0" nodeType="clickEffect">
                                   <p:stCondLst>
                                     <p:cond delay="0"/>
                                   </p:stCondLst>
                                   <p:childTnLst>
                                     <p:set>
                                       <p:cBhvr>
-                                        <p:cTn id="62" dur="1" fill="hold">
+                                        <p:cTn id="67" dur="1" fill="hold">
                                           <p:stCondLst>
                                             <p:cond delay="0"/>
                                           </p:stCondLst>
@@ -9984,7 +10335,7 @@
                                     </p:set>
                                     <p:anim calcmode="lin" valueType="num">
                                       <p:cBhvr additive="base">
-                                        <p:cTn id="63" dur="500" fill="hold"/>
+                                        <p:cTn id="68" dur="500" fill="hold"/>
                                         <p:tgtEl>
                                           <p:spTgt spid="27"/>
                                         </p:tgtEl>
@@ -10007,7 +10358,7 @@
                                     </p:anim>
                                     <p:anim calcmode="lin" valueType="num">
                                       <p:cBhvr additive="base">
-                                        <p:cTn id="64" dur="500" fill="hold"/>
+                                        <p:cTn id="69" dur="500" fill="hold"/>
                                         <p:tgtEl>
                                           <p:spTgt spid="27"/>
                                         </p:tgtEl>
@@ -10071,12 +10422,13 @@
       <p:bldP spid="26" grpId="0"/>
       <p:bldP spid="27" grpId="0" bldLvl="0" animBg="1"/>
       <p:bldP spid="29" grpId="0"/>
+      <p:bldP spid="6" grpId="0" animBg="1"/>
     </p:bldLst>
   </p:timing>
 </p:sld>
 </file>
 
-<file path=ppt/slides/slide17.xml><?xml version="1.0" encoding="utf-8"?>
+<file path=ppt/slides/slide18.xml><?xml version="1.0" encoding="utf-8"?>
 <p:sld xmlns:a="http://schemas.openxmlformats.org/drawingml/2006/main" xmlns:r="http://schemas.openxmlformats.org/officeDocument/2006/relationships" xmlns:p="http://schemas.openxmlformats.org/presentationml/2006/main">
   <p:cSld>
     <p:spTree>
@@ -10514,6 +10866,201 @@
 </p:sld>
 </file>
 
+<file path=ppt/slides/slide19.xml><?xml version="1.0" encoding="utf-8"?>
+<p:sld xmlns:a="http://schemas.openxmlformats.org/drawingml/2006/main" xmlns:r="http://schemas.openxmlformats.org/officeDocument/2006/relationships" xmlns:p="http://schemas.openxmlformats.org/presentationml/2006/main">
+  <p:cSld>
+    <p:bg>
+      <p:bgPr>
+        <a:gradFill>
+          <a:gsLst>
+            <a:gs pos="0">
+              <a:srgbClr val="012D86"/>
+            </a:gs>
+            <a:gs pos="100000">
+              <a:srgbClr val="0E2557"/>
+            </a:gs>
+          </a:gsLst>
+          <a:lin ang="5400000" scaled="0"/>
+        </a:gradFill>
+        <a:effectLst/>
+      </p:bgPr>
+    </p:bg>
+    <p:spTree>
+      <p:nvGrpSpPr>
+        <p:cNvPr id="1" name=""/>
+        <p:cNvGrpSpPr/>
+        <p:nvPr/>
+      </p:nvGrpSpPr>
+      <p:grpSpPr/>
+      <p:sp>
+        <p:nvSpPr>
+          <p:cNvPr id="2" name="标题 1"/>
+          <p:cNvSpPr>
+            <a:spLocks noGrp="1"/>
+          </p:cNvSpPr>
+          <p:nvPr>
+            <p:ph type="ctrTitle"/>
+          </p:nvPr>
+        </p:nvSpPr>
+        <p:spPr>
+          <a:xfrm>
+            <a:off x="4831080" y="1608455"/>
+            <a:ext cx="6174105" cy="3641090"/>
+          </a:xfrm>
+        </p:spPr>
+        <p:style>
+          <a:lnRef idx="2">
+            <a:schemeClr val="accent5">
+              <a:shade val="50000"/>
+            </a:schemeClr>
+          </a:lnRef>
+          <a:fillRef idx="1">
+            <a:schemeClr val="accent5"/>
+          </a:fillRef>
+          <a:effectRef idx="0">
+            <a:schemeClr val="accent5"/>
+          </a:effectRef>
+          <a:fontRef idx="minor">
+            <a:schemeClr val="lt1"/>
+          </a:fontRef>
+        </p:style>
+        <p:txBody>
+          <a:bodyPr anchor="ctr" anchorCtr="0">
+            <a:noAutofit/>
+          </a:bodyPr>
+          <a:p>
+            <a:pPr algn="l">
+              <a:lnSpc>
+                <a:spcPct val="100000"/>
+              </a:lnSpc>
+              <a:spcBef>
+                <a:spcPts val="0"/>
+              </a:spcBef>
+              <a:spcAft>
+                <a:spcPts val="0"/>
+              </a:spcAft>
+            </a:pPr>
+            <a:r>
+              <a:rPr lang="en-US" sz="6600" b="1">
+                <a:solidFill>
+                  <a:schemeClr val="bg1"/>
+                </a:solidFill>
+                <a:latin typeface="微软雅黑" charset="0"/>
+                <a:ea typeface="微软雅黑" charset="0"/>
+                <a:cs typeface="微软雅黑" charset="0"/>
+              </a:rPr>
+              <a:t>Python </a:t>
+            </a:r>
+            <a:br>
+              <a:rPr lang="en-US" sz="6600" b="1">
+                <a:solidFill>
+                  <a:schemeClr val="bg1"/>
+                </a:solidFill>
+                <a:latin typeface="微软雅黑" charset="0"/>
+                <a:ea typeface="微软雅黑" charset="0"/>
+                <a:cs typeface="微软雅黑" charset="0"/>
+              </a:rPr>
+            </a:br>
+            <a:r>
+              <a:rPr lang="zh-CN" altLang="en-US" sz="6600" b="1">
+                <a:solidFill>
+                  <a:schemeClr val="bg1"/>
+                </a:solidFill>
+                <a:latin typeface="微软雅黑" charset="0"/>
+                <a:ea typeface="微软雅黑" charset="0"/>
+                <a:cs typeface="微软雅黑" charset="0"/>
+              </a:rPr>
+              <a:t>利用 多线程</a:t>
+            </a:r>
+            <a:br>
+              <a:rPr lang="zh-CN" altLang="en-US" sz="6600" b="1">
+                <a:solidFill>
+                  <a:schemeClr val="bg1"/>
+                </a:solidFill>
+                <a:latin typeface="微软雅黑" charset="0"/>
+                <a:ea typeface="微软雅黑" charset="0"/>
+                <a:cs typeface="微软雅黑" charset="0"/>
+              </a:rPr>
+            </a:br>
+            <a:r>
+              <a:rPr lang="zh-CN" altLang="en-US" sz="6600" b="1">
+                <a:solidFill>
+                  <a:schemeClr val="bg1"/>
+                </a:solidFill>
+                <a:latin typeface="微软雅黑" charset="0"/>
+                <a:ea typeface="微软雅黑" charset="0"/>
+                <a:cs typeface="微软雅黑" charset="0"/>
+              </a:rPr>
+              <a:t>加速爬虫</a:t>
+            </a:r>
+            <a:r>
+              <a:rPr lang="en-US" altLang="zh-CN" sz="6600" b="1">
+                <a:solidFill>
+                  <a:schemeClr val="bg1"/>
+                </a:solidFill>
+                <a:latin typeface="微软雅黑" charset="0"/>
+                <a:ea typeface="微软雅黑" charset="0"/>
+                <a:cs typeface="微软雅黑" charset="0"/>
+              </a:rPr>
+              <a:t>10</a:t>
+            </a:r>
+            <a:r>
+              <a:rPr lang="zh-CN" altLang="en-US" sz="6600" b="1">
+                <a:solidFill>
+                  <a:schemeClr val="bg1"/>
+                </a:solidFill>
+                <a:latin typeface="微软雅黑" charset="0"/>
+                <a:ea typeface="微软雅黑" charset="0"/>
+                <a:cs typeface="微软雅黑" charset="0"/>
+              </a:rPr>
+              <a:t>倍！</a:t>
+            </a:r>
+            <a:endParaRPr lang="zh-CN" altLang="en-US" sz="6600" b="1">
+              <a:solidFill>
+                <a:schemeClr val="bg1"/>
+              </a:solidFill>
+              <a:latin typeface="微软雅黑" charset="0"/>
+              <a:ea typeface="微软雅黑" charset="0"/>
+              <a:cs typeface="微软雅黑" charset="0"/>
+            </a:endParaRPr>
+          </a:p>
+        </p:txBody>
+      </p:sp>
+      <p:pic>
+        <p:nvPicPr>
+          <p:cNvPr id="5" name="图片 4" descr="kisspng-angle-text-symbol-brand-other-python-5ab0c09b9ea1a7.3286927515215330836498 (1)"/>
+          <p:cNvPicPr>
+            <a:picLocks noChangeAspect="1"/>
+          </p:cNvPicPr>
+          <p:nvPr/>
+        </p:nvPicPr>
+        <p:blipFill>
+          <a:blip r:embed="rId1"/>
+          <a:stretch>
+            <a:fillRect/>
+          </a:stretch>
+        </p:blipFill>
+        <p:spPr>
+          <a:xfrm>
+            <a:off x="253365" y="986790"/>
+            <a:ext cx="4884420" cy="4884420"/>
+          </a:xfrm>
+          <a:prstGeom prst="rect">
+            <a:avLst/>
+          </a:prstGeom>
+        </p:spPr>
+      </p:pic>
+    </p:spTree>
+    <p:custDataLst>
+      <p:tags r:id="rId2"/>
+    </p:custDataLst>
+  </p:cSld>
+  <p:clrMapOvr>
+    <a:masterClrMapping/>
+  </p:clrMapOvr>
+</p:sld>
+</file>
+
 <file path=ppt/slides/slide2.xml><?xml version="1.0" encoding="utf-8"?>
 <p:sld xmlns:a="http://schemas.openxmlformats.org/drawingml/2006/main" xmlns:r="http://schemas.openxmlformats.org/officeDocument/2006/relationships" xmlns:p="http://schemas.openxmlformats.org/presentationml/2006/main">
   <p:cSld>
@@ -10685,6 +11232,908 @@
               <a:latin typeface="微软雅黑" charset="0"/>
               <a:ea typeface="微软雅黑" charset="0"/>
               <a:cs typeface="微软雅黑" charset="0"/>
+            </a:endParaRPr>
+          </a:p>
+        </p:txBody>
+      </p:sp>
+    </p:spTree>
+  </p:cSld>
+  <p:clrMapOvr>
+    <a:masterClrMapping/>
+  </p:clrMapOvr>
+  <p:timing>
+    <p:tnLst>
+      <p:par>
+        <p:cTn id="1" dur="indefinite" restart="never" nodeType="tmRoot"/>
+      </p:par>
+    </p:tnLst>
+  </p:timing>
+</p:sld>
+</file>
+
+<file path=ppt/slides/slide20.xml><?xml version="1.0" encoding="utf-8"?>
+<p:sld xmlns:a="http://schemas.openxmlformats.org/drawingml/2006/main" xmlns:r="http://schemas.openxmlformats.org/officeDocument/2006/relationships" xmlns:p="http://schemas.openxmlformats.org/presentationml/2006/main">
+  <p:cSld>
+    <p:spTree>
+      <p:nvGrpSpPr>
+        <p:cNvPr id="1" name=""/>
+        <p:cNvGrpSpPr/>
+        <p:nvPr/>
+      </p:nvGrpSpPr>
+      <p:grpSpPr/>
+      <p:sp>
+        <p:nvSpPr>
+          <p:cNvPr id="13" name="文本框 12"/>
+          <p:cNvSpPr txBox="1"/>
+          <p:nvPr/>
+        </p:nvSpPr>
+        <p:spPr>
+          <a:xfrm>
+            <a:off x="4785360" y="533400"/>
+            <a:ext cx="2623820" cy="1198880"/>
+          </a:xfrm>
+          <a:prstGeom prst="rect">
+            <a:avLst/>
+          </a:prstGeom>
+          <a:noFill/>
+        </p:spPr>
+        <p:txBody>
+          <a:bodyPr wrap="none" rtlCol="0">
+            <a:spAutoFit/>
+          </a:bodyPr>
+          <a:p>
+            <a:pPr indent="0">
+              <a:lnSpc>
+                <a:spcPct val="150000"/>
+              </a:lnSpc>
+              <a:buFont typeface="Arial" panose="020B0604020202090204" pitchFamily="34" charset="0"/>
+              <a:buNone/>
+            </a:pPr>
+            <a:r>
+              <a:rPr lang="zh-CN" altLang="en-US" sz="4800" b="1">
+                <a:solidFill>
+                  <a:schemeClr val="accent1"/>
+                </a:solidFill>
+                <a:latin typeface="微软雅黑" charset="0"/>
+                <a:ea typeface="微软雅黑" charset="0"/>
+                <a:cs typeface="微软雅黑" charset="0"/>
+              </a:rPr>
+              <a:t>本节提纲</a:t>
+            </a:r>
+            <a:endParaRPr lang="zh-CN" altLang="en-US" sz="4800" b="1">
+              <a:solidFill>
+                <a:schemeClr val="accent1"/>
+              </a:solidFill>
+              <a:latin typeface="微软雅黑" charset="0"/>
+              <a:ea typeface="微软雅黑" charset="0"/>
+              <a:cs typeface="微软雅黑" charset="0"/>
+            </a:endParaRPr>
+          </a:p>
+        </p:txBody>
+      </p:sp>
+      <p:sp>
+        <p:nvSpPr>
+          <p:cNvPr id="3" name="文本框 2"/>
+          <p:cNvSpPr txBox="1"/>
+          <p:nvPr/>
+        </p:nvSpPr>
+        <p:spPr>
+          <a:xfrm>
+            <a:off x="2228850" y="2573655"/>
+            <a:ext cx="7736840" cy="2011045"/>
+          </a:xfrm>
+          <a:prstGeom prst="rect">
+            <a:avLst/>
+          </a:prstGeom>
+          <a:noFill/>
+        </p:spPr>
+        <p:txBody>
+          <a:bodyPr wrap="none" rtlCol="0">
+            <a:spAutoFit/>
+          </a:bodyPr>
+          <a:p>
+            <a:pPr>
+              <a:lnSpc>
+                <a:spcPct val="130000"/>
+              </a:lnSpc>
+              <a:spcBef>
+                <a:spcPts val="0"/>
+              </a:spcBef>
+              <a:spcAft>
+                <a:spcPts val="0"/>
+              </a:spcAft>
+            </a:pPr>
+            <a:r>
+              <a:rPr lang="en-US" altLang="zh-CN" sz="3200">
+                <a:latin typeface="微软雅黑" charset="0"/>
+                <a:ea typeface="微软雅黑" charset="0"/>
+                <a:cs typeface="微软雅黑" charset="0"/>
+              </a:rPr>
+              <a:t>1</a:t>
+            </a:r>
+            <a:r>
+              <a:rPr lang="zh-CN" altLang="en-US" sz="3200">
+                <a:latin typeface="微软雅黑" charset="0"/>
+                <a:ea typeface="微软雅黑" charset="0"/>
+                <a:cs typeface="微软雅黑" charset="0"/>
+              </a:rPr>
+              <a:t>、</a:t>
+            </a:r>
+            <a:r>
+              <a:rPr lang="en-US" sz="3200">
+                <a:latin typeface="微软雅黑" charset="0"/>
+                <a:ea typeface="微软雅黑" charset="0"/>
+                <a:cs typeface="微软雅黑" charset="0"/>
+              </a:rPr>
+              <a:t>Python </a:t>
+            </a:r>
+            <a:r>
+              <a:rPr lang="zh-CN" altLang="en-US" sz="3200">
+                <a:latin typeface="微软雅黑" charset="0"/>
+                <a:ea typeface="微软雅黑" charset="0"/>
+                <a:cs typeface="微软雅黑" charset="0"/>
+              </a:rPr>
+              <a:t>创建多线程的方法</a:t>
+            </a:r>
+            <a:endParaRPr lang="zh-CN" altLang="en-US" sz="3200">
+              <a:latin typeface="微软雅黑" charset="0"/>
+              <a:ea typeface="微软雅黑" charset="0"/>
+              <a:cs typeface="微软雅黑" charset="0"/>
+            </a:endParaRPr>
+          </a:p>
+          <a:p>
+            <a:pPr>
+              <a:lnSpc>
+                <a:spcPct val="130000"/>
+              </a:lnSpc>
+              <a:spcBef>
+                <a:spcPts val="0"/>
+              </a:spcBef>
+              <a:spcAft>
+                <a:spcPts val="0"/>
+              </a:spcAft>
+            </a:pPr>
+            <a:r>
+              <a:rPr lang="en-US" altLang="zh-CN" sz="3200">
+                <a:latin typeface="微软雅黑" charset="0"/>
+                <a:ea typeface="微软雅黑" charset="0"/>
+                <a:cs typeface="微软雅黑" charset="0"/>
+              </a:rPr>
+              <a:t>2</a:t>
+            </a:r>
+            <a:r>
+              <a:rPr lang="zh-CN" altLang="en-US" sz="3200">
+                <a:latin typeface="微软雅黑" charset="0"/>
+                <a:ea typeface="微软雅黑" charset="0"/>
+                <a:cs typeface="微软雅黑" charset="0"/>
+              </a:rPr>
+              <a:t>、改写爬虫程序，变成多线程爬取</a:t>
+            </a:r>
+            <a:endParaRPr lang="zh-CN" altLang="en-US" sz="3200">
+              <a:latin typeface="微软雅黑" charset="0"/>
+              <a:ea typeface="微软雅黑" charset="0"/>
+              <a:cs typeface="微软雅黑" charset="0"/>
+            </a:endParaRPr>
+          </a:p>
+          <a:p>
+            <a:pPr>
+              <a:lnSpc>
+                <a:spcPct val="130000"/>
+              </a:lnSpc>
+              <a:spcBef>
+                <a:spcPts val="0"/>
+              </a:spcBef>
+              <a:spcAft>
+                <a:spcPts val="0"/>
+              </a:spcAft>
+            </a:pPr>
+            <a:r>
+              <a:rPr lang="en-US" altLang="zh-CN" sz="3200">
+                <a:latin typeface="微软雅黑" charset="0"/>
+                <a:ea typeface="微软雅黑" charset="0"/>
+                <a:cs typeface="微软雅黑" charset="0"/>
+              </a:rPr>
+              <a:t>3</a:t>
+            </a:r>
+            <a:r>
+              <a:rPr lang="zh-CN" altLang="en-US" sz="3200">
+                <a:latin typeface="微软雅黑" charset="0"/>
+                <a:ea typeface="微软雅黑" charset="0"/>
+                <a:cs typeface="微软雅黑" charset="0"/>
+              </a:rPr>
+              <a:t>、速度对比：单线程爬虫 </a:t>
+            </a:r>
+            <a:r>
+              <a:rPr lang="en-US" altLang="zh-CN" sz="3200">
+                <a:latin typeface="微软雅黑" charset="0"/>
+                <a:ea typeface="微软雅黑" charset="0"/>
+                <a:cs typeface="微软雅黑" charset="0"/>
+              </a:rPr>
+              <a:t>VS </a:t>
+            </a:r>
+            <a:r>
+              <a:rPr lang="zh-CN" altLang="en-US" sz="3200">
+                <a:latin typeface="微软雅黑" charset="0"/>
+                <a:ea typeface="微软雅黑" charset="0"/>
+                <a:cs typeface="微软雅黑" charset="0"/>
+              </a:rPr>
+              <a:t>多线程爬虫</a:t>
+            </a:r>
+            <a:endParaRPr lang="zh-CN" altLang="en-US" sz="3200">
+              <a:latin typeface="微软雅黑" charset="0"/>
+              <a:ea typeface="微软雅黑" charset="0"/>
+              <a:cs typeface="微软雅黑" charset="0"/>
+            </a:endParaRPr>
+          </a:p>
+        </p:txBody>
+      </p:sp>
+    </p:spTree>
+  </p:cSld>
+  <p:clrMapOvr>
+    <a:masterClrMapping/>
+  </p:clrMapOvr>
+  <p:timing>
+    <p:tnLst>
+      <p:par>
+        <p:cTn id="1" dur="indefinite" restart="never" nodeType="tmRoot"/>
+      </p:par>
+    </p:tnLst>
+  </p:timing>
+</p:sld>
+</file>
+
+<file path=ppt/slides/slide21.xml><?xml version="1.0" encoding="utf-8"?>
+<p:sld xmlns:a="http://schemas.openxmlformats.org/drawingml/2006/main" xmlns:r="http://schemas.openxmlformats.org/officeDocument/2006/relationships" xmlns:p="http://schemas.openxmlformats.org/presentationml/2006/main">
+  <p:cSld>
+    <p:spTree>
+      <p:nvGrpSpPr>
+        <p:cNvPr id="1" name=""/>
+        <p:cNvGrpSpPr/>
+        <p:nvPr/>
+      </p:nvGrpSpPr>
+      <p:grpSpPr/>
+      <p:sp>
+        <p:nvSpPr>
+          <p:cNvPr id="13" name="文本框 12"/>
+          <p:cNvSpPr txBox="1"/>
+          <p:nvPr/>
+        </p:nvSpPr>
+        <p:spPr>
+          <a:xfrm>
+            <a:off x="2458085" y="559435"/>
+            <a:ext cx="7278370" cy="1198880"/>
+          </a:xfrm>
+          <a:prstGeom prst="rect">
+            <a:avLst/>
+          </a:prstGeom>
+          <a:noFill/>
+        </p:spPr>
+        <p:txBody>
+          <a:bodyPr wrap="none" rtlCol="0">
+            <a:spAutoFit/>
+          </a:bodyPr>
+          <a:p>
+            <a:pPr indent="0" algn="l">
+              <a:lnSpc>
+                <a:spcPct val="150000"/>
+              </a:lnSpc>
+              <a:buFont typeface="Arial" panose="020B0604020202090204" pitchFamily="34" charset="0"/>
+              <a:buNone/>
+            </a:pPr>
+            <a:r>
+              <a:rPr lang="zh-CN" altLang="en-US" sz="4800" b="1">
+                <a:solidFill>
+                  <a:schemeClr val="accent1"/>
+                </a:solidFill>
+                <a:latin typeface="微软雅黑" charset="0"/>
+                <a:ea typeface="微软雅黑" charset="0"/>
+                <a:cs typeface="微软雅黑" charset="0"/>
+              </a:rPr>
+              <a:t>Python 创建多线程的方法</a:t>
+            </a:r>
+            <a:endParaRPr lang="zh-CN" altLang="en-US" sz="4800" b="1">
+              <a:solidFill>
+                <a:schemeClr val="accent1"/>
+              </a:solidFill>
+              <a:latin typeface="微软雅黑" charset="0"/>
+              <a:ea typeface="微软雅黑" charset="0"/>
+              <a:cs typeface="微软雅黑" charset="0"/>
+            </a:endParaRPr>
+          </a:p>
+        </p:txBody>
+      </p:sp>
+      <p:sp>
+        <p:nvSpPr>
+          <p:cNvPr id="3" name="文本框 2"/>
+          <p:cNvSpPr txBox="1"/>
+          <p:nvPr/>
+        </p:nvSpPr>
+        <p:spPr>
+          <a:xfrm>
+            <a:off x="1376045" y="2063115"/>
+            <a:ext cx="2937510" cy="1291590"/>
+          </a:xfrm>
+          <a:prstGeom prst="rect">
+            <a:avLst/>
+          </a:prstGeom>
+          <a:solidFill>
+            <a:schemeClr val="bg1">
+              <a:lumMod val="85000"/>
+            </a:schemeClr>
+          </a:solidFill>
+        </p:spPr>
+        <p:style>
+          <a:lnRef idx="3">
+            <a:schemeClr val="lt1"/>
+          </a:lnRef>
+          <a:fillRef idx="1">
+            <a:schemeClr val="accent5"/>
+          </a:fillRef>
+          <a:effectRef idx="1">
+            <a:schemeClr val="accent5"/>
+          </a:effectRef>
+          <a:fontRef idx="minor">
+            <a:schemeClr val="lt1"/>
+          </a:fontRef>
+        </p:style>
+        <p:txBody>
+          <a:bodyPr wrap="none" rtlCol="0">
+            <a:spAutoFit/>
+          </a:bodyPr>
+          <a:p>
+            <a:pPr>
+              <a:lnSpc>
+                <a:spcPct val="130000"/>
+              </a:lnSpc>
+              <a:spcBef>
+                <a:spcPts val="0"/>
+              </a:spcBef>
+              <a:spcAft>
+                <a:spcPts val="0"/>
+              </a:spcAft>
+            </a:pPr>
+            <a:r>
+              <a:rPr lang="en-US" altLang="zh-CN" sz="2000">
+                <a:solidFill>
+                  <a:schemeClr val="tx1">
+                    <a:lumMod val="75000"/>
+                    <a:lumOff val="25000"/>
+                  </a:schemeClr>
+                </a:solidFill>
+                <a:latin typeface="Menlo Regular" panose="020B0609030804020204" charset="0"/>
+                <a:ea typeface="微软雅黑" charset="0"/>
+                <a:cs typeface="Menlo Regular" panose="020B0609030804020204" charset="0"/>
+              </a:rPr>
+              <a:t>1</a:t>
+            </a:r>
+            <a:r>
+              <a:rPr lang="zh-CN" altLang="en-US" sz="2000">
+                <a:solidFill>
+                  <a:schemeClr val="tx1">
+                    <a:lumMod val="75000"/>
+                    <a:lumOff val="25000"/>
+                  </a:schemeClr>
+                </a:solidFill>
+                <a:latin typeface="Menlo Regular" panose="020B0609030804020204" charset="0"/>
+                <a:ea typeface="微软雅黑" charset="0"/>
+                <a:cs typeface="Menlo Regular" panose="020B0609030804020204" charset="0"/>
+              </a:rPr>
+              <a:t>、准备一个函数</a:t>
+            </a:r>
+            <a:endParaRPr lang="zh-CN" altLang="en-US" sz="2000">
+              <a:solidFill>
+                <a:schemeClr val="tx1">
+                  <a:lumMod val="75000"/>
+                  <a:lumOff val="25000"/>
+                </a:schemeClr>
+              </a:solidFill>
+              <a:latin typeface="Menlo Regular" panose="020B0609030804020204" charset="0"/>
+              <a:ea typeface="微软雅黑" charset="0"/>
+              <a:cs typeface="Menlo Regular" panose="020B0609030804020204" charset="0"/>
+            </a:endParaRPr>
+          </a:p>
+          <a:p>
+            <a:pPr>
+              <a:lnSpc>
+                <a:spcPct val="130000"/>
+              </a:lnSpc>
+              <a:spcBef>
+                <a:spcPts val="0"/>
+              </a:spcBef>
+              <a:spcAft>
+                <a:spcPts val="0"/>
+              </a:spcAft>
+            </a:pPr>
+            <a:r>
+              <a:rPr lang="en-US" altLang="zh-CN" sz="2000">
+                <a:solidFill>
+                  <a:schemeClr val="tx1">
+                    <a:lumMod val="75000"/>
+                    <a:lumOff val="25000"/>
+                  </a:schemeClr>
+                </a:solidFill>
+                <a:latin typeface="Menlo Regular" panose="020B0609030804020204" charset="0"/>
+                <a:ea typeface="微软雅黑" charset="0"/>
+                <a:cs typeface="Menlo Regular" panose="020B0609030804020204" charset="0"/>
+              </a:rPr>
+              <a:t>def my_func(a, b):</a:t>
+            </a:r>
+            <a:endParaRPr lang="en-US" altLang="zh-CN" sz="2000">
+              <a:solidFill>
+                <a:schemeClr val="tx1">
+                  <a:lumMod val="75000"/>
+                  <a:lumOff val="25000"/>
+                </a:schemeClr>
+              </a:solidFill>
+              <a:latin typeface="Menlo Regular" panose="020B0609030804020204" charset="0"/>
+              <a:ea typeface="微软雅黑" charset="0"/>
+              <a:cs typeface="Menlo Regular" panose="020B0609030804020204" charset="0"/>
+            </a:endParaRPr>
+          </a:p>
+          <a:p>
+            <a:pPr>
+              <a:lnSpc>
+                <a:spcPct val="130000"/>
+              </a:lnSpc>
+              <a:spcBef>
+                <a:spcPts val="0"/>
+              </a:spcBef>
+              <a:spcAft>
+                <a:spcPts val="0"/>
+              </a:spcAft>
+            </a:pPr>
+            <a:r>
+              <a:rPr lang="en-US" altLang="zh-CN" sz="2000">
+                <a:solidFill>
+                  <a:schemeClr val="tx1">
+                    <a:lumMod val="75000"/>
+                    <a:lumOff val="25000"/>
+                  </a:schemeClr>
+                </a:solidFill>
+                <a:latin typeface="Menlo Regular" panose="020B0609030804020204" charset="0"/>
+                <a:ea typeface="微软雅黑" charset="0"/>
+                <a:cs typeface="Menlo Regular" panose="020B0609030804020204" charset="0"/>
+              </a:rPr>
+              <a:t>   do_craw(a,b)</a:t>
+            </a:r>
+            <a:endParaRPr lang="en-US" altLang="zh-CN" sz="2000">
+              <a:solidFill>
+                <a:schemeClr val="tx1">
+                  <a:lumMod val="75000"/>
+                  <a:lumOff val="25000"/>
+                </a:schemeClr>
+              </a:solidFill>
+              <a:latin typeface="Menlo Regular" panose="020B0609030804020204" charset="0"/>
+              <a:ea typeface="微软雅黑" charset="0"/>
+              <a:cs typeface="Menlo Regular" panose="020B0609030804020204" charset="0"/>
+            </a:endParaRPr>
+          </a:p>
+        </p:txBody>
+      </p:sp>
+      <p:sp>
+        <p:nvSpPr>
+          <p:cNvPr id="2" name="文本框 1"/>
+          <p:cNvSpPr txBox="1"/>
+          <p:nvPr/>
+        </p:nvSpPr>
+        <p:spPr>
+          <a:xfrm>
+            <a:off x="1376045" y="3619500"/>
+            <a:ext cx="8140700" cy="1291590"/>
+          </a:xfrm>
+          <a:prstGeom prst="rect">
+            <a:avLst/>
+          </a:prstGeom>
+          <a:solidFill>
+            <a:schemeClr val="bg1">
+              <a:lumMod val="85000"/>
+            </a:schemeClr>
+          </a:solidFill>
+        </p:spPr>
+        <p:style>
+          <a:lnRef idx="3">
+            <a:schemeClr val="lt1"/>
+          </a:lnRef>
+          <a:fillRef idx="1">
+            <a:schemeClr val="accent5"/>
+          </a:fillRef>
+          <a:effectRef idx="1">
+            <a:schemeClr val="accent5"/>
+          </a:effectRef>
+          <a:fontRef idx="minor">
+            <a:schemeClr val="lt1"/>
+          </a:fontRef>
+        </p:style>
+        <p:txBody>
+          <a:bodyPr wrap="none" rtlCol="0">
+            <a:spAutoFit/>
+          </a:bodyPr>
+          <a:p>
+            <a:pPr>
+              <a:lnSpc>
+                <a:spcPct val="130000"/>
+              </a:lnSpc>
+              <a:spcBef>
+                <a:spcPts val="0"/>
+              </a:spcBef>
+              <a:spcAft>
+                <a:spcPts val="0"/>
+              </a:spcAft>
+            </a:pPr>
+            <a:r>
+              <a:rPr lang="en-US" altLang="zh-CN" sz="2000">
+                <a:solidFill>
+                  <a:schemeClr val="tx1">
+                    <a:lumMod val="75000"/>
+                    <a:lumOff val="25000"/>
+                  </a:schemeClr>
+                </a:solidFill>
+                <a:latin typeface="Menlo Regular" panose="020B0609030804020204" charset="0"/>
+                <a:ea typeface="微软雅黑" charset="0"/>
+                <a:cs typeface="Menlo Regular" panose="020B0609030804020204" charset="0"/>
+              </a:rPr>
+              <a:t>2</a:t>
+            </a:r>
+            <a:r>
+              <a:rPr lang="zh-CN" altLang="en-US" sz="2000">
+                <a:solidFill>
+                  <a:schemeClr val="tx1">
+                    <a:lumMod val="75000"/>
+                    <a:lumOff val="25000"/>
+                  </a:schemeClr>
+                </a:solidFill>
+                <a:latin typeface="Menlo Regular" panose="020B0609030804020204" charset="0"/>
+                <a:ea typeface="微软雅黑" charset="0"/>
+                <a:cs typeface="Menlo Regular" panose="020B0609030804020204" charset="0"/>
+              </a:rPr>
+              <a:t>、怎样创建一个线程</a:t>
+            </a:r>
+            <a:endParaRPr lang="zh-CN" altLang="en-US" sz="2000">
+              <a:solidFill>
+                <a:schemeClr val="tx1">
+                  <a:lumMod val="75000"/>
+                  <a:lumOff val="25000"/>
+                </a:schemeClr>
+              </a:solidFill>
+              <a:latin typeface="Menlo Regular" panose="020B0609030804020204" charset="0"/>
+              <a:ea typeface="微软雅黑" charset="0"/>
+              <a:cs typeface="Menlo Regular" panose="020B0609030804020204" charset="0"/>
+            </a:endParaRPr>
+          </a:p>
+          <a:p>
+            <a:pPr>
+              <a:lnSpc>
+                <a:spcPct val="130000"/>
+              </a:lnSpc>
+              <a:spcBef>
+                <a:spcPts val="0"/>
+              </a:spcBef>
+              <a:spcAft>
+                <a:spcPts val="0"/>
+              </a:spcAft>
+            </a:pPr>
+            <a:r>
+              <a:rPr lang="en-US" altLang="zh-CN" sz="2000">
+                <a:solidFill>
+                  <a:schemeClr val="tx1">
+                    <a:lumMod val="75000"/>
+                    <a:lumOff val="25000"/>
+                  </a:schemeClr>
+                </a:solidFill>
+                <a:latin typeface="Menlo Regular" panose="020B0609030804020204" charset="0"/>
+                <a:ea typeface="微软雅黑" charset="0"/>
+                <a:cs typeface="Menlo Regular" panose="020B0609030804020204" charset="0"/>
+              </a:rPr>
+              <a:t>import threading</a:t>
+            </a:r>
+            <a:endParaRPr lang="zh-CN" altLang="en-US" sz="2000">
+              <a:solidFill>
+                <a:schemeClr val="tx1">
+                  <a:lumMod val="75000"/>
+                  <a:lumOff val="25000"/>
+                </a:schemeClr>
+              </a:solidFill>
+              <a:latin typeface="Menlo Regular" panose="020B0609030804020204" charset="0"/>
+              <a:ea typeface="微软雅黑" charset="0"/>
+              <a:cs typeface="Menlo Regular" panose="020B0609030804020204" charset="0"/>
+            </a:endParaRPr>
+          </a:p>
+          <a:p>
+            <a:pPr>
+              <a:lnSpc>
+                <a:spcPct val="130000"/>
+              </a:lnSpc>
+              <a:spcBef>
+                <a:spcPts val="0"/>
+              </a:spcBef>
+              <a:spcAft>
+                <a:spcPts val="0"/>
+              </a:spcAft>
+            </a:pPr>
+            <a:r>
+              <a:rPr lang="en-US" altLang="zh-CN" sz="2000">
+                <a:solidFill>
+                  <a:schemeClr val="tx1">
+                    <a:lumMod val="75000"/>
+                    <a:lumOff val="25000"/>
+                  </a:schemeClr>
+                </a:solidFill>
+                <a:latin typeface="Menlo Regular" panose="020B0609030804020204" charset="0"/>
+                <a:ea typeface="微软雅黑" charset="0"/>
+                <a:cs typeface="Menlo Regular" panose="020B0609030804020204" charset="0"/>
+              </a:rPr>
+              <a:t>t = threading.Thread(target=my_func, args=(100, 200)</a:t>
+            </a:r>
+            <a:endParaRPr lang="zh-CN" altLang="en-US" sz="2000">
+              <a:solidFill>
+                <a:schemeClr val="tx1">
+                  <a:lumMod val="75000"/>
+                  <a:lumOff val="25000"/>
+                </a:schemeClr>
+              </a:solidFill>
+              <a:latin typeface="Menlo Regular" panose="020B0609030804020204" charset="0"/>
+              <a:ea typeface="微软雅黑" charset="0"/>
+              <a:cs typeface="Menlo Regular" panose="020B0609030804020204" charset="0"/>
+            </a:endParaRPr>
+          </a:p>
+        </p:txBody>
+      </p:sp>
+      <p:sp>
+        <p:nvSpPr>
+          <p:cNvPr id="5" name="文本框 4"/>
+          <p:cNvSpPr txBox="1"/>
+          <p:nvPr/>
+        </p:nvSpPr>
+        <p:spPr>
+          <a:xfrm>
+            <a:off x="1376045" y="5118100"/>
+            <a:ext cx="1605915" cy="891540"/>
+          </a:xfrm>
+          <a:prstGeom prst="rect">
+            <a:avLst/>
+          </a:prstGeom>
+          <a:solidFill>
+            <a:schemeClr val="bg1">
+              <a:lumMod val="85000"/>
+            </a:schemeClr>
+          </a:solidFill>
+        </p:spPr>
+        <p:style>
+          <a:lnRef idx="3">
+            <a:schemeClr val="lt1"/>
+          </a:lnRef>
+          <a:fillRef idx="1">
+            <a:schemeClr val="accent5"/>
+          </a:fillRef>
+          <a:effectRef idx="1">
+            <a:schemeClr val="accent5"/>
+          </a:effectRef>
+          <a:fontRef idx="minor">
+            <a:schemeClr val="lt1"/>
+          </a:fontRef>
+        </p:style>
+        <p:txBody>
+          <a:bodyPr wrap="none" rtlCol="0">
+            <a:spAutoFit/>
+          </a:bodyPr>
+          <a:p>
+            <a:pPr>
+              <a:lnSpc>
+                <a:spcPct val="130000"/>
+              </a:lnSpc>
+              <a:spcBef>
+                <a:spcPts val="0"/>
+              </a:spcBef>
+              <a:spcAft>
+                <a:spcPts val="0"/>
+              </a:spcAft>
+            </a:pPr>
+            <a:r>
+              <a:rPr lang="en-US" altLang="zh-CN" sz="2000">
+                <a:solidFill>
+                  <a:schemeClr val="tx1">
+                    <a:lumMod val="75000"/>
+                    <a:lumOff val="25000"/>
+                  </a:schemeClr>
+                </a:solidFill>
+                <a:latin typeface="Menlo Regular" panose="020B0609030804020204" charset="0"/>
+                <a:ea typeface="微软雅黑" charset="0"/>
+                <a:cs typeface="Menlo Regular" panose="020B0609030804020204" charset="0"/>
+              </a:rPr>
+              <a:t>3</a:t>
+            </a:r>
+            <a:r>
+              <a:rPr lang="zh-CN" altLang="en-US" sz="2000">
+                <a:solidFill>
+                  <a:schemeClr val="tx1">
+                    <a:lumMod val="75000"/>
+                    <a:lumOff val="25000"/>
+                  </a:schemeClr>
+                </a:solidFill>
+                <a:latin typeface="Menlo Regular" panose="020B0609030804020204" charset="0"/>
+                <a:ea typeface="微软雅黑" charset="0"/>
+                <a:cs typeface="Menlo Regular" panose="020B0609030804020204" charset="0"/>
+              </a:rPr>
+              <a:t>、启动线程</a:t>
+            </a:r>
+            <a:endParaRPr lang="zh-CN" altLang="en-US" sz="2000">
+              <a:solidFill>
+                <a:schemeClr val="tx1">
+                  <a:lumMod val="75000"/>
+                  <a:lumOff val="25000"/>
+                </a:schemeClr>
+              </a:solidFill>
+              <a:latin typeface="Menlo Regular" panose="020B0609030804020204" charset="0"/>
+              <a:ea typeface="微软雅黑" charset="0"/>
+              <a:cs typeface="Menlo Regular" panose="020B0609030804020204" charset="0"/>
+            </a:endParaRPr>
+          </a:p>
+          <a:p>
+            <a:pPr>
+              <a:lnSpc>
+                <a:spcPct val="130000"/>
+              </a:lnSpc>
+              <a:spcBef>
+                <a:spcPts val="0"/>
+              </a:spcBef>
+              <a:spcAft>
+                <a:spcPts val="0"/>
+              </a:spcAft>
+            </a:pPr>
+            <a:r>
+              <a:rPr lang="en-US" altLang="zh-CN" sz="2000">
+                <a:solidFill>
+                  <a:schemeClr val="tx1">
+                    <a:lumMod val="75000"/>
+                    <a:lumOff val="25000"/>
+                  </a:schemeClr>
+                </a:solidFill>
+                <a:latin typeface="Menlo Regular" panose="020B0609030804020204" charset="0"/>
+                <a:ea typeface="微软雅黑" charset="0"/>
+                <a:cs typeface="Menlo Regular" panose="020B0609030804020204" charset="0"/>
+              </a:rPr>
+              <a:t>t.start()</a:t>
+            </a:r>
+            <a:endParaRPr lang="en-US" altLang="zh-CN" sz="2000">
+              <a:solidFill>
+                <a:schemeClr val="tx1">
+                  <a:lumMod val="75000"/>
+                  <a:lumOff val="25000"/>
+                </a:schemeClr>
+              </a:solidFill>
+              <a:latin typeface="Menlo Regular" panose="020B0609030804020204" charset="0"/>
+              <a:ea typeface="微软雅黑" charset="0"/>
+              <a:cs typeface="Menlo Regular" panose="020B0609030804020204" charset="0"/>
+            </a:endParaRPr>
+          </a:p>
+        </p:txBody>
+      </p:sp>
+      <p:sp>
+        <p:nvSpPr>
+          <p:cNvPr id="6" name="文本框 5"/>
+          <p:cNvSpPr txBox="1"/>
+          <p:nvPr/>
+        </p:nvSpPr>
+        <p:spPr>
+          <a:xfrm>
+            <a:off x="3516630" y="5118100"/>
+            <a:ext cx="1605915" cy="891540"/>
+          </a:xfrm>
+          <a:prstGeom prst="rect">
+            <a:avLst/>
+          </a:prstGeom>
+          <a:solidFill>
+            <a:schemeClr val="bg1">
+              <a:lumMod val="85000"/>
+            </a:schemeClr>
+          </a:solidFill>
+        </p:spPr>
+        <p:style>
+          <a:lnRef idx="3">
+            <a:schemeClr val="lt1"/>
+          </a:lnRef>
+          <a:fillRef idx="1">
+            <a:schemeClr val="accent5"/>
+          </a:fillRef>
+          <a:effectRef idx="1">
+            <a:schemeClr val="accent5"/>
+          </a:effectRef>
+          <a:fontRef idx="minor">
+            <a:schemeClr val="lt1"/>
+          </a:fontRef>
+        </p:style>
+        <p:txBody>
+          <a:bodyPr wrap="none" rtlCol="0">
+            <a:spAutoFit/>
+          </a:bodyPr>
+          <a:p>
+            <a:pPr>
+              <a:lnSpc>
+                <a:spcPct val="130000"/>
+              </a:lnSpc>
+              <a:spcBef>
+                <a:spcPts val="0"/>
+              </a:spcBef>
+              <a:spcAft>
+                <a:spcPts val="0"/>
+              </a:spcAft>
+            </a:pPr>
+            <a:r>
+              <a:rPr lang="en-US" altLang="zh-CN" sz="2000">
+                <a:solidFill>
+                  <a:schemeClr val="tx1">
+                    <a:lumMod val="75000"/>
+                    <a:lumOff val="25000"/>
+                  </a:schemeClr>
+                </a:solidFill>
+                <a:latin typeface="Menlo Regular" panose="020B0609030804020204" charset="0"/>
+                <a:ea typeface="微软雅黑" charset="0"/>
+                <a:cs typeface="Menlo Regular" panose="020B0609030804020204" charset="0"/>
+              </a:rPr>
+              <a:t>4</a:t>
+            </a:r>
+            <a:r>
+              <a:rPr lang="zh-CN" altLang="en-US" sz="2000">
+                <a:solidFill>
+                  <a:schemeClr val="tx1">
+                    <a:lumMod val="75000"/>
+                    <a:lumOff val="25000"/>
+                  </a:schemeClr>
+                </a:solidFill>
+                <a:latin typeface="Menlo Regular" panose="020B0609030804020204" charset="0"/>
+                <a:ea typeface="微软雅黑" charset="0"/>
+                <a:cs typeface="Menlo Regular" panose="020B0609030804020204" charset="0"/>
+              </a:rPr>
+              <a:t>、等待结束</a:t>
+            </a:r>
+            <a:endParaRPr lang="zh-CN" altLang="en-US" sz="2000">
+              <a:solidFill>
+                <a:schemeClr val="tx1">
+                  <a:lumMod val="75000"/>
+                  <a:lumOff val="25000"/>
+                </a:schemeClr>
+              </a:solidFill>
+              <a:latin typeface="Menlo Regular" panose="020B0609030804020204" charset="0"/>
+              <a:ea typeface="微软雅黑" charset="0"/>
+              <a:cs typeface="Menlo Regular" panose="020B0609030804020204" charset="0"/>
+            </a:endParaRPr>
+          </a:p>
+          <a:p>
+            <a:pPr>
+              <a:lnSpc>
+                <a:spcPct val="130000"/>
+              </a:lnSpc>
+              <a:spcBef>
+                <a:spcPts val="0"/>
+              </a:spcBef>
+              <a:spcAft>
+                <a:spcPts val="0"/>
+              </a:spcAft>
+            </a:pPr>
+            <a:r>
+              <a:rPr lang="en-US" altLang="zh-CN" sz="2000">
+                <a:solidFill>
+                  <a:schemeClr val="tx1">
+                    <a:lumMod val="75000"/>
+                    <a:lumOff val="25000"/>
+                  </a:schemeClr>
+                </a:solidFill>
+                <a:latin typeface="Menlo Regular" panose="020B0609030804020204" charset="0"/>
+                <a:ea typeface="微软雅黑" charset="0"/>
+                <a:cs typeface="Menlo Regular" panose="020B0609030804020204" charset="0"/>
+              </a:rPr>
+              <a:t>t.join()</a:t>
+            </a:r>
+            <a:endParaRPr lang="en-US" altLang="zh-CN" sz="2000">
+              <a:solidFill>
+                <a:schemeClr val="tx1">
+                  <a:lumMod val="75000"/>
+                  <a:lumOff val="25000"/>
+                </a:schemeClr>
+              </a:solidFill>
+              <a:latin typeface="Menlo Regular" panose="020B0609030804020204" charset="0"/>
+              <a:ea typeface="微软雅黑" charset="0"/>
+              <a:cs typeface="Menlo Regular" panose="020B0609030804020204" charset="0"/>
             </a:endParaRPr>
           </a:p>
         </p:txBody>
@@ -16527,6 +17976,18 @@
 </p:tagLst>
 </file>
 
+<file path=ppt/tags/tag4.xml><?xml version="1.0" encoding="utf-8"?>
+<p:tagLst xmlns:p="http://schemas.openxmlformats.org/presentationml/2006/main">
+  <p:tag name="KSO_WM_SLIDE_MODEL_TYPE" val="cover"/>
+</p:tagLst>
+</file>
+
+<file path=ppt/tags/tag5.xml><?xml version="1.0" encoding="utf-8"?>
+<p:tagLst xmlns:p="http://schemas.openxmlformats.org/presentationml/2006/main">
+  <p:tag name="KSO_WM_SLIDE_MODEL_TYPE" val="cover"/>
+</p:tagLst>
+</file>
+
 <file path=ppt/theme/theme1.xml><?xml version="1.0" encoding="utf-8"?>
 <a:theme xmlns:a="http://schemas.openxmlformats.org/drawingml/2006/main" name="Office">
   <a:themeElements>

--- a/Python并发编程简介.pptx
+++ b/Python并发编程简介.pptx
@@ -29,6 +29,11 @@
     <p:sldId id="288" r:id="rId22"/>
     <p:sldId id="289" r:id="rId23"/>
     <p:sldId id="290" r:id="rId24"/>
+    <p:sldId id="295" r:id="rId25"/>
+    <p:sldId id="296" r:id="rId26"/>
+    <p:sldId id="297" r:id="rId27"/>
+    <p:sldId id="299" r:id="rId28"/>
+    <p:sldId id="298" r:id="rId29"/>
   </p:sldIdLst>
   <p:sldSz cx="12192000" cy="6858000"/>
   <p:notesSz cx="7103745" cy="10234295"/>
@@ -12153,6 +12158,3125 @@
 </p:sld>
 </file>
 
+<file path=ppt/slides/slide22.xml><?xml version="1.0" encoding="utf-8"?>
+<p:sld xmlns:a="http://schemas.openxmlformats.org/drawingml/2006/main" xmlns:r="http://schemas.openxmlformats.org/officeDocument/2006/relationships" xmlns:p="http://schemas.openxmlformats.org/presentationml/2006/main">
+  <p:cSld>
+    <p:bg>
+      <p:bgPr>
+        <a:gradFill>
+          <a:gsLst>
+            <a:gs pos="0">
+              <a:srgbClr val="012D86"/>
+            </a:gs>
+            <a:gs pos="100000">
+              <a:srgbClr val="0E2557"/>
+            </a:gs>
+          </a:gsLst>
+          <a:lin ang="5400000" scaled="0"/>
+        </a:gradFill>
+        <a:effectLst/>
+      </p:bgPr>
+    </p:bg>
+    <p:spTree>
+      <p:nvGrpSpPr>
+        <p:cNvPr id="1" name=""/>
+        <p:cNvGrpSpPr/>
+        <p:nvPr/>
+      </p:nvGrpSpPr>
+      <p:grpSpPr/>
+      <p:sp>
+        <p:nvSpPr>
+          <p:cNvPr id="2" name="标题 1"/>
+          <p:cNvSpPr>
+            <a:spLocks noGrp="1"/>
+          </p:cNvSpPr>
+          <p:nvPr>
+            <p:ph type="ctrTitle"/>
+          </p:nvPr>
+        </p:nvSpPr>
+        <p:spPr>
+          <a:xfrm>
+            <a:off x="4831080" y="1608455"/>
+            <a:ext cx="6174105" cy="3641090"/>
+          </a:xfrm>
+        </p:spPr>
+        <p:style>
+          <a:lnRef idx="2">
+            <a:schemeClr val="accent5">
+              <a:shade val="50000"/>
+            </a:schemeClr>
+          </a:lnRef>
+          <a:fillRef idx="1">
+            <a:schemeClr val="accent5"/>
+          </a:fillRef>
+          <a:effectRef idx="0">
+            <a:schemeClr val="accent5"/>
+          </a:effectRef>
+          <a:fontRef idx="minor">
+            <a:schemeClr val="lt1"/>
+          </a:fontRef>
+        </p:style>
+        <p:txBody>
+          <a:bodyPr anchor="ctr" anchorCtr="0">
+            <a:noAutofit/>
+          </a:bodyPr>
+          <a:p>
+            <a:pPr algn="l">
+              <a:lnSpc>
+                <a:spcPct val="130000"/>
+              </a:lnSpc>
+              <a:spcBef>
+                <a:spcPts val="0"/>
+              </a:spcBef>
+              <a:spcAft>
+                <a:spcPts val="0"/>
+              </a:spcAft>
+            </a:pPr>
+            <a:r>
+              <a:rPr lang="en-US" sz="5400" b="1">
+                <a:solidFill>
+                  <a:schemeClr val="bg1"/>
+                </a:solidFill>
+                <a:latin typeface="微软雅黑" charset="0"/>
+                <a:ea typeface="微软雅黑" charset="0"/>
+                <a:cs typeface="微软雅黑" charset="0"/>
+              </a:rPr>
+              <a:t>Python</a:t>
+            </a:r>
+            <a:r>
+              <a:rPr lang="zh-CN" altLang="en-US" sz="5400" b="1">
+                <a:solidFill>
+                  <a:schemeClr val="bg1"/>
+                </a:solidFill>
+                <a:latin typeface="微软雅黑" charset="0"/>
+                <a:ea typeface="微软雅黑" charset="0"/>
+                <a:cs typeface="微软雅黑" charset="0"/>
+              </a:rPr>
+              <a:t>实现</a:t>
+            </a:r>
+            <a:br>
+              <a:rPr lang="zh-CN" altLang="en-US" sz="5400" b="1">
+                <a:solidFill>
+                  <a:schemeClr val="bg1"/>
+                </a:solidFill>
+                <a:latin typeface="微软雅黑" charset="0"/>
+                <a:ea typeface="微软雅黑" charset="0"/>
+                <a:cs typeface="微软雅黑" charset="0"/>
+              </a:rPr>
+            </a:br>
+            <a:r>
+              <a:rPr lang="zh-CN" altLang="en-US" sz="5400" b="1">
+                <a:solidFill>
+                  <a:schemeClr val="bg1"/>
+                </a:solidFill>
+                <a:latin typeface="微软雅黑" charset="0"/>
+                <a:ea typeface="微软雅黑" charset="0"/>
+                <a:cs typeface="微软雅黑" charset="0"/>
+              </a:rPr>
+              <a:t>生产者消费者模式</a:t>
+            </a:r>
+            <a:br>
+              <a:rPr lang="zh-CN" altLang="en-US" sz="5400" b="1">
+                <a:solidFill>
+                  <a:schemeClr val="bg1"/>
+                </a:solidFill>
+                <a:latin typeface="微软雅黑" charset="0"/>
+                <a:ea typeface="微软雅黑" charset="0"/>
+                <a:cs typeface="微软雅黑" charset="0"/>
+              </a:rPr>
+            </a:br>
+            <a:r>
+              <a:rPr lang="zh-CN" altLang="en-US" sz="5400" b="1">
+                <a:solidFill>
+                  <a:schemeClr val="bg1"/>
+                </a:solidFill>
+                <a:latin typeface="微软雅黑" charset="0"/>
+                <a:ea typeface="微软雅黑" charset="0"/>
+                <a:cs typeface="微软雅黑" charset="0"/>
+              </a:rPr>
+              <a:t>多线程爬虫！</a:t>
+            </a:r>
+            <a:endParaRPr lang="zh-CN" altLang="en-US" sz="5400" b="1">
+              <a:solidFill>
+                <a:schemeClr val="bg1"/>
+              </a:solidFill>
+              <a:latin typeface="微软雅黑" charset="0"/>
+              <a:ea typeface="微软雅黑" charset="0"/>
+              <a:cs typeface="微软雅黑" charset="0"/>
+            </a:endParaRPr>
+          </a:p>
+        </p:txBody>
+      </p:sp>
+      <p:pic>
+        <p:nvPicPr>
+          <p:cNvPr id="5" name="图片 4" descr="kisspng-angle-text-symbol-brand-other-python-5ab0c09b9ea1a7.3286927515215330836498 (1)"/>
+          <p:cNvPicPr>
+            <a:picLocks noChangeAspect="1"/>
+          </p:cNvPicPr>
+          <p:nvPr/>
+        </p:nvPicPr>
+        <p:blipFill>
+          <a:blip r:embed="rId1"/>
+          <a:stretch>
+            <a:fillRect/>
+          </a:stretch>
+        </p:blipFill>
+        <p:spPr>
+          <a:xfrm>
+            <a:off x="253365" y="986790"/>
+            <a:ext cx="4884420" cy="4884420"/>
+          </a:xfrm>
+          <a:prstGeom prst="rect">
+            <a:avLst/>
+          </a:prstGeom>
+        </p:spPr>
+      </p:pic>
+    </p:spTree>
+    <p:custDataLst>
+      <p:tags r:id="rId2"/>
+    </p:custDataLst>
+  </p:cSld>
+  <p:clrMapOvr>
+    <a:masterClrMapping/>
+  </p:clrMapOvr>
+</p:sld>
+</file>
+
+<file path=ppt/slides/slide23.xml><?xml version="1.0" encoding="utf-8"?>
+<p:sld xmlns:a="http://schemas.openxmlformats.org/drawingml/2006/main" xmlns:r="http://schemas.openxmlformats.org/officeDocument/2006/relationships" xmlns:p="http://schemas.openxmlformats.org/presentationml/2006/main">
+  <p:cSld>
+    <p:spTree>
+      <p:nvGrpSpPr>
+        <p:cNvPr id="1" name=""/>
+        <p:cNvGrpSpPr/>
+        <p:nvPr/>
+      </p:nvGrpSpPr>
+      <p:grpSpPr/>
+      <p:sp>
+        <p:nvSpPr>
+          <p:cNvPr id="13" name="文本框 12"/>
+          <p:cNvSpPr txBox="1"/>
+          <p:nvPr/>
+        </p:nvSpPr>
+        <p:spPr>
+          <a:xfrm>
+            <a:off x="4785360" y="533400"/>
+            <a:ext cx="2623820" cy="1198880"/>
+          </a:xfrm>
+          <a:prstGeom prst="rect">
+            <a:avLst/>
+          </a:prstGeom>
+          <a:noFill/>
+        </p:spPr>
+        <p:txBody>
+          <a:bodyPr wrap="none" rtlCol="0">
+            <a:spAutoFit/>
+          </a:bodyPr>
+          <a:p>
+            <a:pPr indent="0">
+              <a:lnSpc>
+                <a:spcPct val="150000"/>
+              </a:lnSpc>
+              <a:buFont typeface="Arial" panose="020B0604020202090204" pitchFamily="34" charset="0"/>
+              <a:buNone/>
+            </a:pPr>
+            <a:r>
+              <a:rPr lang="zh-CN" altLang="en-US" sz="4800" b="1">
+                <a:solidFill>
+                  <a:schemeClr val="accent1"/>
+                </a:solidFill>
+                <a:latin typeface="微软雅黑" charset="0"/>
+                <a:ea typeface="微软雅黑" charset="0"/>
+                <a:cs typeface="微软雅黑" charset="0"/>
+              </a:rPr>
+              <a:t>本节提纲</a:t>
+            </a:r>
+            <a:endParaRPr lang="zh-CN" altLang="en-US" sz="4800" b="1">
+              <a:solidFill>
+                <a:schemeClr val="accent1"/>
+              </a:solidFill>
+              <a:latin typeface="微软雅黑" charset="0"/>
+              <a:ea typeface="微软雅黑" charset="0"/>
+              <a:cs typeface="微软雅黑" charset="0"/>
+            </a:endParaRPr>
+          </a:p>
+        </p:txBody>
+      </p:sp>
+      <p:sp>
+        <p:nvSpPr>
+          <p:cNvPr id="3" name="文本框 2"/>
+          <p:cNvSpPr txBox="1"/>
+          <p:nvPr/>
+        </p:nvSpPr>
+        <p:spPr>
+          <a:xfrm>
+            <a:off x="2228850" y="2573655"/>
+            <a:ext cx="6690995" cy="2651125"/>
+          </a:xfrm>
+          <a:prstGeom prst="rect">
+            <a:avLst/>
+          </a:prstGeom>
+          <a:noFill/>
+        </p:spPr>
+        <p:txBody>
+          <a:bodyPr wrap="none" rtlCol="0">
+            <a:spAutoFit/>
+          </a:bodyPr>
+          <a:p>
+            <a:pPr>
+              <a:lnSpc>
+                <a:spcPct val="130000"/>
+              </a:lnSpc>
+              <a:spcBef>
+                <a:spcPts val="0"/>
+              </a:spcBef>
+              <a:spcAft>
+                <a:spcPts val="0"/>
+              </a:spcAft>
+            </a:pPr>
+            <a:r>
+              <a:rPr lang="en-US" altLang="zh-CN" sz="3200">
+                <a:latin typeface="微软雅黑" charset="0"/>
+                <a:ea typeface="微软雅黑" charset="0"/>
+                <a:cs typeface="微软雅黑" charset="0"/>
+              </a:rPr>
+              <a:t>1</a:t>
+            </a:r>
+            <a:r>
+              <a:rPr lang="zh-CN" altLang="en-US" sz="3200">
+                <a:latin typeface="微软雅黑" charset="0"/>
+                <a:ea typeface="微软雅黑" charset="0"/>
+                <a:cs typeface="微软雅黑" charset="0"/>
+              </a:rPr>
+              <a:t>、多组件的</a:t>
+            </a:r>
+            <a:r>
+              <a:rPr lang="en-US" altLang="zh-CN" sz="3200">
+                <a:latin typeface="微软雅黑" charset="0"/>
+                <a:ea typeface="微软雅黑" charset="0"/>
+                <a:cs typeface="微软雅黑" charset="0"/>
+              </a:rPr>
+              <a:t>Pipeline</a:t>
+            </a:r>
+            <a:r>
+              <a:rPr lang="zh-CN" altLang="en-US" sz="3200">
+                <a:latin typeface="微软雅黑" charset="0"/>
+                <a:ea typeface="微软雅黑" charset="0"/>
+                <a:cs typeface="微软雅黑" charset="0"/>
+              </a:rPr>
+              <a:t>技术架构</a:t>
+            </a:r>
+            <a:endParaRPr lang="en-US" altLang="zh-CN" sz="3200">
+              <a:latin typeface="微软雅黑" charset="0"/>
+              <a:ea typeface="微软雅黑" charset="0"/>
+              <a:cs typeface="微软雅黑" charset="0"/>
+            </a:endParaRPr>
+          </a:p>
+          <a:p>
+            <a:pPr>
+              <a:lnSpc>
+                <a:spcPct val="130000"/>
+              </a:lnSpc>
+              <a:spcBef>
+                <a:spcPts val="0"/>
+              </a:spcBef>
+              <a:spcAft>
+                <a:spcPts val="0"/>
+              </a:spcAft>
+            </a:pPr>
+            <a:r>
+              <a:rPr lang="en-US" altLang="zh-CN" sz="3200">
+                <a:latin typeface="微软雅黑" charset="0"/>
+                <a:ea typeface="微软雅黑" charset="0"/>
+                <a:cs typeface="微软雅黑" charset="0"/>
+              </a:rPr>
+              <a:t>2</a:t>
+            </a:r>
+            <a:r>
+              <a:rPr lang="zh-CN" altLang="en-US" sz="3200">
+                <a:latin typeface="微软雅黑" charset="0"/>
+                <a:ea typeface="微软雅黑" charset="0"/>
+                <a:cs typeface="微软雅黑" charset="0"/>
+              </a:rPr>
+              <a:t>、生产者消费者爬虫的架构</a:t>
+            </a:r>
+            <a:endParaRPr lang="zh-CN" altLang="en-US" sz="3200">
+              <a:latin typeface="微软雅黑" charset="0"/>
+              <a:ea typeface="微软雅黑" charset="0"/>
+              <a:cs typeface="微软雅黑" charset="0"/>
+            </a:endParaRPr>
+          </a:p>
+          <a:p>
+            <a:pPr>
+              <a:lnSpc>
+                <a:spcPct val="130000"/>
+              </a:lnSpc>
+              <a:spcBef>
+                <a:spcPts val="0"/>
+              </a:spcBef>
+              <a:spcAft>
+                <a:spcPts val="0"/>
+              </a:spcAft>
+            </a:pPr>
+            <a:r>
+              <a:rPr lang="en-US" altLang="zh-CN" sz="3200">
+                <a:latin typeface="微软雅黑" charset="0"/>
+                <a:ea typeface="微软雅黑" charset="0"/>
+                <a:cs typeface="微软雅黑" charset="0"/>
+              </a:rPr>
+              <a:t>3</a:t>
+            </a:r>
+            <a:r>
+              <a:rPr lang="zh-CN" altLang="en-US" sz="3200">
+                <a:latin typeface="微软雅黑" charset="0"/>
+                <a:ea typeface="微软雅黑" charset="0"/>
+                <a:cs typeface="微软雅黑" charset="0"/>
+              </a:rPr>
+              <a:t>、多线程数据通信的</a:t>
+            </a:r>
+            <a:r>
+              <a:rPr lang="en-US" altLang="zh-CN" sz="3200">
+                <a:latin typeface="微软雅黑" charset="0"/>
+                <a:ea typeface="微软雅黑" charset="0"/>
+                <a:cs typeface="微软雅黑" charset="0"/>
+              </a:rPr>
+              <a:t>queue.Queue</a:t>
+            </a:r>
+            <a:endParaRPr lang="zh-CN" altLang="en-US" sz="3200">
+              <a:latin typeface="微软雅黑" charset="0"/>
+              <a:ea typeface="微软雅黑" charset="0"/>
+              <a:cs typeface="微软雅黑" charset="0"/>
+            </a:endParaRPr>
+          </a:p>
+          <a:p>
+            <a:pPr>
+              <a:lnSpc>
+                <a:spcPct val="130000"/>
+              </a:lnSpc>
+              <a:spcBef>
+                <a:spcPts val="0"/>
+              </a:spcBef>
+              <a:spcAft>
+                <a:spcPts val="0"/>
+              </a:spcAft>
+            </a:pPr>
+            <a:r>
+              <a:rPr lang="en-US" altLang="zh-CN" sz="3200">
+                <a:latin typeface="微软雅黑" charset="0"/>
+                <a:ea typeface="微软雅黑" charset="0"/>
+                <a:cs typeface="微软雅黑" charset="0"/>
+              </a:rPr>
+              <a:t>4</a:t>
+            </a:r>
+            <a:r>
+              <a:rPr lang="zh-CN" altLang="en-US" sz="3200">
+                <a:latin typeface="微软雅黑" charset="0"/>
+                <a:ea typeface="微软雅黑" charset="0"/>
+                <a:cs typeface="微软雅黑" charset="0"/>
+              </a:rPr>
+              <a:t>、代码编写实现生产者消费者爬虫</a:t>
+            </a:r>
+            <a:endParaRPr lang="zh-CN" altLang="en-US" sz="3200">
+              <a:latin typeface="微软雅黑" charset="0"/>
+              <a:ea typeface="微软雅黑" charset="0"/>
+              <a:cs typeface="微软雅黑" charset="0"/>
+            </a:endParaRPr>
+          </a:p>
+        </p:txBody>
+      </p:sp>
+    </p:spTree>
+  </p:cSld>
+  <p:clrMapOvr>
+    <a:masterClrMapping/>
+  </p:clrMapOvr>
+  <p:timing>
+    <p:tnLst>
+      <p:par>
+        <p:cTn id="1" dur="indefinite" restart="never" nodeType="tmRoot"/>
+      </p:par>
+    </p:tnLst>
+  </p:timing>
+</p:sld>
+</file>
+
+<file path=ppt/slides/slide24.xml><?xml version="1.0" encoding="utf-8"?>
+<p:sld xmlns:a="http://schemas.openxmlformats.org/drawingml/2006/main" xmlns:r="http://schemas.openxmlformats.org/officeDocument/2006/relationships" xmlns:p="http://schemas.openxmlformats.org/presentationml/2006/main">
+  <p:cSld>
+    <p:spTree>
+      <p:nvGrpSpPr>
+        <p:cNvPr id="1" name=""/>
+        <p:cNvGrpSpPr/>
+        <p:nvPr/>
+      </p:nvGrpSpPr>
+      <p:grpSpPr/>
+      <p:sp>
+        <p:nvSpPr>
+          <p:cNvPr id="13" name="文本框 12"/>
+          <p:cNvSpPr txBox="1"/>
+          <p:nvPr/>
+        </p:nvSpPr>
+        <p:spPr>
+          <a:xfrm>
+            <a:off x="2152650" y="507365"/>
+            <a:ext cx="8321040" cy="1198880"/>
+          </a:xfrm>
+          <a:prstGeom prst="rect">
+            <a:avLst/>
+          </a:prstGeom>
+          <a:noFill/>
+        </p:spPr>
+        <p:txBody>
+          <a:bodyPr wrap="none" rtlCol="0">
+            <a:spAutoFit/>
+          </a:bodyPr>
+          <a:p>
+            <a:pPr indent="0" algn="l">
+              <a:lnSpc>
+                <a:spcPct val="150000"/>
+              </a:lnSpc>
+              <a:buFont typeface="Arial" panose="020B0604020202090204" pitchFamily="34" charset="0"/>
+              <a:buNone/>
+            </a:pPr>
+            <a:r>
+              <a:rPr lang="en-US" altLang="zh-CN" sz="4800" b="1">
+                <a:solidFill>
+                  <a:schemeClr val="accent1"/>
+                </a:solidFill>
+                <a:latin typeface="微软雅黑" charset="0"/>
+                <a:ea typeface="微软雅黑" charset="0"/>
+                <a:cs typeface="微软雅黑" charset="0"/>
+              </a:rPr>
+              <a:t>1</a:t>
+            </a:r>
+            <a:r>
+              <a:rPr lang="zh-CN" altLang="en-US" sz="4800" b="1">
+                <a:solidFill>
+                  <a:schemeClr val="accent1"/>
+                </a:solidFill>
+                <a:latin typeface="微软雅黑" charset="0"/>
+                <a:ea typeface="微软雅黑" charset="0"/>
+                <a:cs typeface="微软雅黑" charset="0"/>
+              </a:rPr>
+              <a:t>、多组件的Pipeline技术架构</a:t>
+            </a:r>
+            <a:endParaRPr lang="zh-CN" altLang="en-US" sz="4800" b="1">
+              <a:solidFill>
+                <a:schemeClr val="accent1"/>
+              </a:solidFill>
+              <a:latin typeface="微软雅黑" charset="0"/>
+              <a:ea typeface="微软雅黑" charset="0"/>
+              <a:cs typeface="微软雅黑" charset="0"/>
+            </a:endParaRPr>
+          </a:p>
+        </p:txBody>
+      </p:sp>
+      <p:grpSp>
+        <p:nvGrpSpPr>
+          <p:cNvPr id="31" name="组合 30"/>
+          <p:cNvGrpSpPr/>
+          <p:nvPr/>
+        </p:nvGrpSpPr>
+        <p:grpSpPr>
+          <a:xfrm>
+            <a:off x="1325880" y="3539490"/>
+            <a:ext cx="9573895" cy="1186815"/>
+            <a:chOff x="2088" y="5574"/>
+            <a:chExt cx="15077" cy="1869"/>
+          </a:xfrm>
+        </p:grpSpPr>
+        <p:sp>
+          <p:nvSpPr>
+            <p:cNvPr id="2" name="文本框 1"/>
+            <p:cNvSpPr txBox="1"/>
+            <p:nvPr/>
+          </p:nvSpPr>
+          <p:spPr>
+            <a:xfrm>
+              <a:off x="4398" y="6132"/>
+              <a:ext cx="2145" cy="1258"/>
+            </a:xfrm>
+            <a:prstGeom prst="rect">
+              <a:avLst/>
+            </a:prstGeom>
+            <a:solidFill>
+              <a:schemeClr val="accent3"/>
+            </a:solidFill>
+          </p:spPr>
+          <p:txBody>
+            <a:bodyPr wrap="square" rtlCol="0" anchor="ctr" anchorCtr="0">
+              <a:noAutofit/>
+            </a:bodyPr>
+            <a:p>
+              <a:pPr lvl="0" algn="ctr"/>
+              <a:r>
+                <a:rPr lang="zh-CN" altLang="en-US" sz="2000" b="1">
+                  <a:sym typeface="+mn-ea"/>
+                </a:rPr>
+                <a:t>处理器</a:t>
+              </a:r>
+              <a:r>
+                <a:rPr lang="en-US" altLang="zh-CN" sz="2000" b="1">
+                  <a:sym typeface="+mn-ea"/>
+                </a:rPr>
+                <a:t>1</a:t>
+              </a:r>
+              <a:endParaRPr lang="en-US" altLang="zh-CN" sz="2000" b="1">
+                <a:sym typeface="+mn-ea"/>
+              </a:endParaRPr>
+            </a:p>
+          </p:txBody>
+        </p:sp>
+        <p:cxnSp>
+          <p:nvCxnSpPr>
+            <p:cNvPr id="8" name="直接箭头连接符 7"/>
+            <p:cNvCxnSpPr/>
+            <p:nvPr/>
+          </p:nvCxnSpPr>
+          <p:spPr>
+            <a:xfrm>
+              <a:off x="2088" y="6814"/>
+              <a:ext cx="2310" cy="0"/>
+            </a:xfrm>
+            <a:prstGeom prst="straightConnector1">
+              <a:avLst/>
+            </a:prstGeom>
+            <a:ln>
+              <a:tailEnd type="arrow" w="med" len="med"/>
+            </a:ln>
+          </p:spPr>
+          <p:style>
+            <a:lnRef idx="3">
+              <a:schemeClr val="accent1"/>
+            </a:lnRef>
+            <a:fillRef idx="0">
+              <a:schemeClr val="accent1"/>
+            </a:fillRef>
+            <a:effectRef idx="2">
+              <a:schemeClr val="accent1"/>
+            </a:effectRef>
+            <a:fontRef idx="minor">
+              <a:schemeClr val="tx1"/>
+            </a:fontRef>
+          </p:style>
+        </p:cxnSp>
+        <p:sp>
+          <p:nvSpPr>
+            <p:cNvPr id="16" name="圆角矩形 15"/>
+            <p:cNvSpPr/>
+            <p:nvPr/>
+          </p:nvSpPr>
+          <p:spPr>
+            <a:xfrm>
+              <a:off x="2432" y="5574"/>
+              <a:ext cx="1622" cy="900"/>
+            </a:xfrm>
+            <a:prstGeom prst="roundRect">
+              <a:avLst/>
+            </a:prstGeom>
+          </p:spPr>
+          <p:style>
+            <a:lnRef idx="2">
+              <a:schemeClr val="accent5">
+                <a:shade val="50000"/>
+              </a:schemeClr>
+            </a:lnRef>
+            <a:fillRef idx="1">
+              <a:schemeClr val="accent5"/>
+            </a:fillRef>
+            <a:effectRef idx="0">
+              <a:schemeClr val="accent5"/>
+            </a:effectRef>
+            <a:fontRef idx="minor">
+              <a:schemeClr val="lt1"/>
+            </a:fontRef>
+          </p:style>
+          <p:txBody>
+            <a:bodyPr rtlCol="0" anchor="ctr"/>
+            <a:p>
+              <a:pPr algn="ctr"/>
+              <a:r>
+                <a:rPr lang="zh-CN" altLang="en-US" sz="1400">
+                  <a:sym typeface="+mn-ea"/>
+                </a:rPr>
+                <a:t>输入数据</a:t>
+              </a:r>
+              <a:endParaRPr lang="zh-CN" altLang="en-US" sz="1400">
+                <a:sym typeface="+mn-ea"/>
+              </a:endParaRPr>
+            </a:p>
+          </p:txBody>
+        </p:sp>
+        <p:sp>
+          <p:nvSpPr>
+            <p:cNvPr id="3" name="文本框 2"/>
+            <p:cNvSpPr txBox="1"/>
+            <p:nvPr/>
+          </p:nvSpPr>
+          <p:spPr>
+            <a:xfrm>
+              <a:off x="8821" y="6185"/>
+              <a:ext cx="2298" cy="1258"/>
+            </a:xfrm>
+            <a:prstGeom prst="rect">
+              <a:avLst/>
+            </a:prstGeom>
+            <a:solidFill>
+              <a:schemeClr val="accent3"/>
+            </a:solidFill>
+          </p:spPr>
+          <p:txBody>
+            <a:bodyPr wrap="square" rtlCol="0" anchor="ctr" anchorCtr="0">
+              <a:noAutofit/>
+            </a:bodyPr>
+            <a:p>
+              <a:pPr lvl="0" algn="ctr"/>
+              <a:r>
+                <a:rPr lang="zh-CN" altLang="en-US" sz="2000" b="1">
+                  <a:sym typeface="+mn-ea"/>
+                </a:rPr>
+                <a:t>处理器</a:t>
+              </a:r>
+              <a:r>
+                <a:rPr lang="en-US" altLang="zh-CN" sz="2000" b="1">
+                  <a:sym typeface="+mn-ea"/>
+                </a:rPr>
+                <a:t>X</a:t>
+              </a:r>
+              <a:endParaRPr lang="en-US" altLang="zh-CN" sz="2000" b="1">
+                <a:sym typeface="+mn-ea"/>
+              </a:endParaRPr>
+            </a:p>
+            <a:p>
+              <a:pPr lvl="0" algn="ctr"/>
+              <a:r>
+                <a:rPr lang="zh-CN" altLang="en-US" sz="2000" b="1">
+                  <a:sym typeface="+mn-ea"/>
+                </a:rPr>
+                <a:t>很多个</a:t>
+              </a:r>
+              <a:endParaRPr lang="zh-CN" altLang="en-US" sz="2000" b="1">
+                <a:sym typeface="+mn-ea"/>
+              </a:endParaRPr>
+            </a:p>
+          </p:txBody>
+        </p:sp>
+        <p:sp>
+          <p:nvSpPr>
+            <p:cNvPr id="9" name="圆角矩形 8"/>
+            <p:cNvSpPr/>
+            <p:nvPr/>
+          </p:nvSpPr>
+          <p:spPr>
+            <a:xfrm>
+              <a:off x="6853" y="5574"/>
+              <a:ext cx="1691" cy="900"/>
+            </a:xfrm>
+            <a:prstGeom prst="roundRect">
+              <a:avLst/>
+            </a:prstGeom>
+          </p:spPr>
+          <p:style>
+            <a:lnRef idx="2">
+              <a:schemeClr val="accent5">
+                <a:shade val="50000"/>
+              </a:schemeClr>
+            </a:lnRef>
+            <a:fillRef idx="1">
+              <a:schemeClr val="accent5"/>
+            </a:fillRef>
+            <a:effectRef idx="0">
+              <a:schemeClr val="accent5"/>
+            </a:effectRef>
+            <a:fontRef idx="minor">
+              <a:schemeClr val="lt1"/>
+            </a:fontRef>
+          </p:style>
+          <p:txBody>
+            <a:bodyPr rtlCol="0" anchor="ctr"/>
+            <a:p>
+              <a:pPr algn="ctr"/>
+              <a:r>
+                <a:rPr lang="zh-CN" altLang="en-US" sz="1400">
+                  <a:sym typeface="+mn-ea"/>
+                </a:rPr>
+                <a:t>中间数据</a:t>
+              </a:r>
+              <a:endParaRPr lang="zh-CN" altLang="en-US" sz="1400">
+                <a:sym typeface="+mn-ea"/>
+              </a:endParaRPr>
+            </a:p>
+          </p:txBody>
+        </p:sp>
+        <p:cxnSp>
+          <p:nvCxnSpPr>
+            <p:cNvPr id="17" name="直接箭头连接符 16"/>
+            <p:cNvCxnSpPr/>
+            <p:nvPr/>
+          </p:nvCxnSpPr>
+          <p:spPr>
+            <a:xfrm>
+              <a:off x="6543" y="6814"/>
+              <a:ext cx="2310" cy="0"/>
+            </a:xfrm>
+            <a:prstGeom prst="straightConnector1">
+              <a:avLst/>
+            </a:prstGeom>
+            <a:ln>
+              <a:tailEnd type="arrow" w="med" len="med"/>
+            </a:ln>
+          </p:spPr>
+          <p:style>
+            <a:lnRef idx="3">
+              <a:schemeClr val="accent1"/>
+            </a:lnRef>
+            <a:fillRef idx="0">
+              <a:schemeClr val="accent1"/>
+            </a:fillRef>
+            <a:effectRef idx="2">
+              <a:schemeClr val="accent1"/>
+            </a:effectRef>
+            <a:fontRef idx="minor">
+              <a:schemeClr val="tx1"/>
+            </a:fontRef>
+          </p:style>
+        </p:cxnSp>
+        <p:sp>
+          <p:nvSpPr>
+            <p:cNvPr id="18" name="文本框 17"/>
+            <p:cNvSpPr txBox="1"/>
+            <p:nvPr/>
+          </p:nvSpPr>
+          <p:spPr>
+            <a:xfrm>
+              <a:off x="12814" y="6185"/>
+              <a:ext cx="2131" cy="1258"/>
+            </a:xfrm>
+            <a:prstGeom prst="rect">
+              <a:avLst/>
+            </a:prstGeom>
+            <a:solidFill>
+              <a:schemeClr val="accent3"/>
+            </a:solidFill>
+          </p:spPr>
+          <p:txBody>
+            <a:bodyPr wrap="square" rtlCol="0" anchor="ctr" anchorCtr="0">
+              <a:noAutofit/>
+            </a:bodyPr>
+            <a:p>
+              <a:pPr lvl="0" algn="ctr"/>
+              <a:r>
+                <a:rPr lang="zh-CN" altLang="en-US" sz="2000" b="1">
+                  <a:sym typeface="+mn-ea"/>
+                </a:rPr>
+                <a:t>处理器</a:t>
+              </a:r>
+              <a:r>
+                <a:rPr lang="en-US" altLang="zh-CN" sz="2000" b="1">
+                  <a:sym typeface="+mn-ea"/>
+                </a:rPr>
+                <a:t>N</a:t>
+              </a:r>
+              <a:endParaRPr lang="en-US" altLang="zh-CN" sz="2000" b="1">
+                <a:sym typeface="+mn-ea"/>
+              </a:endParaRPr>
+            </a:p>
+          </p:txBody>
+        </p:sp>
+        <p:cxnSp>
+          <p:nvCxnSpPr>
+            <p:cNvPr id="19" name="直接箭头连接符 18"/>
+            <p:cNvCxnSpPr>
+              <a:stCxn id="3" idx="3"/>
+              <a:endCxn id="18" idx="1"/>
+            </p:cNvCxnSpPr>
+            <p:nvPr/>
+          </p:nvCxnSpPr>
+          <p:spPr>
+            <a:xfrm>
+              <a:off x="11119" y="6814"/>
+              <a:ext cx="1695" cy="0"/>
+            </a:xfrm>
+            <a:prstGeom prst="straightConnector1">
+              <a:avLst/>
+            </a:prstGeom>
+            <a:ln>
+              <a:tailEnd type="arrow" w="med" len="med"/>
+            </a:ln>
+          </p:spPr>
+          <p:style>
+            <a:lnRef idx="3">
+              <a:schemeClr val="accent1"/>
+            </a:lnRef>
+            <a:fillRef idx="0">
+              <a:schemeClr val="accent1"/>
+            </a:fillRef>
+            <a:effectRef idx="2">
+              <a:schemeClr val="accent1"/>
+            </a:effectRef>
+            <a:fontRef idx="minor">
+              <a:schemeClr val="tx1"/>
+            </a:fontRef>
+          </p:style>
+        </p:cxnSp>
+        <p:sp>
+          <p:nvSpPr>
+            <p:cNvPr id="20" name="圆角矩形 19"/>
+            <p:cNvSpPr/>
+            <p:nvPr/>
+          </p:nvSpPr>
+          <p:spPr>
+            <a:xfrm>
+              <a:off x="11183" y="5574"/>
+              <a:ext cx="1567" cy="900"/>
+            </a:xfrm>
+            <a:prstGeom prst="roundRect">
+              <a:avLst/>
+            </a:prstGeom>
+          </p:spPr>
+          <p:style>
+            <a:lnRef idx="2">
+              <a:schemeClr val="accent5">
+                <a:shade val="50000"/>
+              </a:schemeClr>
+            </a:lnRef>
+            <a:fillRef idx="1">
+              <a:schemeClr val="accent5"/>
+            </a:fillRef>
+            <a:effectRef idx="0">
+              <a:schemeClr val="accent5"/>
+            </a:effectRef>
+            <a:fontRef idx="minor">
+              <a:schemeClr val="lt1"/>
+            </a:fontRef>
+          </p:style>
+          <p:txBody>
+            <a:bodyPr rtlCol="0" anchor="ctr"/>
+            <a:p>
+              <a:pPr algn="ctr"/>
+              <a:r>
+                <a:rPr lang="zh-CN" altLang="en-US" sz="1400">
+                  <a:sym typeface="+mn-ea"/>
+                </a:rPr>
+                <a:t>中间数据</a:t>
+              </a:r>
+              <a:endParaRPr lang="zh-CN" altLang="en-US" sz="1400">
+                <a:sym typeface="+mn-ea"/>
+              </a:endParaRPr>
+            </a:p>
+          </p:txBody>
+        </p:sp>
+        <p:cxnSp>
+          <p:nvCxnSpPr>
+            <p:cNvPr id="21" name="直接箭头连接符 20"/>
+            <p:cNvCxnSpPr/>
+            <p:nvPr/>
+          </p:nvCxnSpPr>
+          <p:spPr>
+            <a:xfrm flipV="1">
+              <a:off x="14945" y="6770"/>
+              <a:ext cx="2221" cy="44"/>
+            </a:xfrm>
+            <a:prstGeom prst="straightConnector1">
+              <a:avLst/>
+            </a:prstGeom>
+            <a:ln>
+              <a:tailEnd type="arrow" w="med" len="med"/>
+            </a:ln>
+          </p:spPr>
+          <p:style>
+            <a:lnRef idx="3">
+              <a:schemeClr val="accent1"/>
+            </a:lnRef>
+            <a:fillRef idx="0">
+              <a:schemeClr val="accent1"/>
+            </a:fillRef>
+            <a:effectRef idx="2">
+              <a:schemeClr val="accent1"/>
+            </a:effectRef>
+            <a:fontRef idx="minor">
+              <a:schemeClr val="tx1"/>
+            </a:fontRef>
+          </p:style>
+        </p:cxnSp>
+        <p:sp>
+          <p:nvSpPr>
+            <p:cNvPr id="22" name="圆角矩形 21"/>
+            <p:cNvSpPr/>
+            <p:nvPr/>
+          </p:nvSpPr>
+          <p:spPr>
+            <a:xfrm>
+              <a:off x="15189" y="5574"/>
+              <a:ext cx="1567" cy="900"/>
+            </a:xfrm>
+            <a:prstGeom prst="roundRect">
+              <a:avLst/>
+            </a:prstGeom>
+          </p:spPr>
+          <p:style>
+            <a:lnRef idx="2">
+              <a:schemeClr val="accent5">
+                <a:shade val="50000"/>
+              </a:schemeClr>
+            </a:lnRef>
+            <a:fillRef idx="1">
+              <a:schemeClr val="accent5"/>
+            </a:fillRef>
+            <a:effectRef idx="0">
+              <a:schemeClr val="accent5"/>
+            </a:effectRef>
+            <a:fontRef idx="minor">
+              <a:schemeClr val="lt1"/>
+            </a:fontRef>
+          </p:style>
+          <p:txBody>
+            <a:bodyPr rtlCol="0" anchor="ctr"/>
+            <a:p>
+              <a:pPr algn="ctr"/>
+              <a:r>
+                <a:rPr lang="zh-CN" altLang="en-US" sz="1400">
+                  <a:sym typeface="+mn-ea"/>
+                </a:rPr>
+                <a:t>输出数据</a:t>
+              </a:r>
+              <a:endParaRPr lang="zh-CN" altLang="en-US" sz="1400">
+                <a:sym typeface="+mn-ea"/>
+              </a:endParaRPr>
+            </a:p>
+          </p:txBody>
+        </p:sp>
+      </p:grpSp>
+      <p:grpSp>
+        <p:nvGrpSpPr>
+          <p:cNvPr id="34" name="组合 33"/>
+          <p:cNvGrpSpPr/>
+          <p:nvPr/>
+        </p:nvGrpSpPr>
+        <p:grpSpPr>
+          <a:xfrm>
+            <a:off x="3039745" y="4860925"/>
+            <a:ext cx="6208395" cy="368300"/>
+            <a:chOff x="4787" y="7655"/>
+            <a:chExt cx="9777" cy="580"/>
+          </a:xfrm>
+        </p:grpSpPr>
+        <p:sp>
+          <p:nvSpPr>
+            <p:cNvPr id="24" name="文本框 23"/>
+            <p:cNvSpPr txBox="1"/>
+            <p:nvPr/>
+          </p:nvSpPr>
+          <p:spPr>
+            <a:xfrm>
+              <a:off x="4787" y="7655"/>
+              <a:ext cx="1368" cy="580"/>
+            </a:xfrm>
+            <a:prstGeom prst="rect">
+              <a:avLst/>
+            </a:prstGeom>
+            <a:noFill/>
+          </p:spPr>
+          <p:txBody>
+            <a:bodyPr wrap="none" rtlCol="0">
+              <a:spAutoFit/>
+            </a:bodyPr>
+            <a:p>
+              <a:r>
+                <a:rPr lang="zh-CN" altLang="en-US"/>
+                <a:t>生产者</a:t>
+              </a:r>
+              <a:endParaRPr lang="zh-CN" altLang="en-US"/>
+            </a:p>
+          </p:txBody>
+        </p:sp>
+        <p:sp>
+          <p:nvSpPr>
+            <p:cNvPr id="25" name="文本框 24"/>
+            <p:cNvSpPr txBox="1"/>
+            <p:nvPr/>
+          </p:nvSpPr>
+          <p:spPr>
+            <a:xfrm>
+              <a:off x="13196" y="7655"/>
+              <a:ext cx="1368" cy="580"/>
+            </a:xfrm>
+            <a:prstGeom prst="rect">
+              <a:avLst/>
+            </a:prstGeom>
+            <a:noFill/>
+          </p:spPr>
+          <p:txBody>
+            <a:bodyPr wrap="none" rtlCol="0">
+              <a:spAutoFit/>
+            </a:bodyPr>
+            <a:p>
+              <a:r>
+                <a:rPr lang="zh-CN" altLang="en-US"/>
+                <a:t>消费者</a:t>
+              </a:r>
+              <a:endParaRPr lang="zh-CN" altLang="en-US"/>
+            </a:p>
+          </p:txBody>
+        </p:sp>
+      </p:grpSp>
+      <p:sp>
+        <p:nvSpPr>
+          <p:cNvPr id="26" name="文本框 25"/>
+          <p:cNvSpPr txBox="1"/>
+          <p:nvPr/>
+        </p:nvSpPr>
+        <p:spPr>
+          <a:xfrm>
+            <a:off x="2461260" y="1706245"/>
+            <a:ext cx="7269480" cy="368300"/>
+          </a:xfrm>
+          <a:prstGeom prst="rect">
+            <a:avLst/>
+          </a:prstGeom>
+          <a:noFill/>
+        </p:spPr>
+        <p:txBody>
+          <a:bodyPr wrap="none" rtlCol="0">
+            <a:spAutoFit/>
+          </a:bodyPr>
+          <a:p>
+            <a:r>
+              <a:rPr lang="zh-CN" altLang="en-US"/>
+              <a:t>复杂的事情一般都不会一下子做完，而是会分很多中间步骤一步步完成</a:t>
+            </a:r>
+            <a:endParaRPr lang="zh-CN" altLang="en-US"/>
+          </a:p>
+        </p:txBody>
+      </p:sp>
+      <p:grpSp>
+        <p:nvGrpSpPr>
+          <p:cNvPr id="32" name="组合 31"/>
+          <p:cNvGrpSpPr/>
+          <p:nvPr/>
+        </p:nvGrpSpPr>
+        <p:grpSpPr>
+          <a:xfrm>
+            <a:off x="2792730" y="2353945"/>
+            <a:ext cx="7653020" cy="815340"/>
+            <a:chOff x="4398" y="3707"/>
+            <a:chExt cx="12052" cy="1284"/>
+          </a:xfrm>
+        </p:grpSpPr>
+        <p:sp>
+          <p:nvSpPr>
+            <p:cNvPr id="27" name="右大括号 26"/>
+            <p:cNvSpPr/>
+            <p:nvPr/>
+          </p:nvSpPr>
+          <p:spPr>
+            <a:xfrm rot="16200000">
+              <a:off x="10162" y="-1297"/>
+              <a:ext cx="524" cy="12052"/>
+            </a:xfrm>
+            <a:prstGeom prst="rightBrace">
+              <a:avLst/>
+            </a:prstGeom>
+          </p:spPr>
+          <p:style>
+            <a:lnRef idx="3">
+              <a:schemeClr val="accent1"/>
+            </a:lnRef>
+            <a:fillRef idx="0">
+              <a:schemeClr val="accent1"/>
+            </a:fillRef>
+            <a:effectRef idx="2">
+              <a:schemeClr val="accent1"/>
+            </a:effectRef>
+            <a:fontRef idx="minor">
+              <a:schemeClr val="tx1"/>
+            </a:fontRef>
+          </p:style>
+          <p:txBody>
+            <a:bodyPr rtlCol="0" anchor="ctr"/>
+            <a:p>
+              <a:pPr algn="ctr"/>
+              <a:endParaRPr lang="zh-CN" altLang="en-US"/>
+            </a:p>
+          </p:txBody>
+        </p:sp>
+        <p:sp>
+          <p:nvSpPr>
+            <p:cNvPr id="28" name="文本框 27"/>
+            <p:cNvSpPr txBox="1"/>
+            <p:nvPr/>
+          </p:nvSpPr>
+          <p:spPr>
+            <a:xfrm>
+              <a:off x="9583" y="3707"/>
+              <a:ext cx="1682" cy="580"/>
+            </a:xfrm>
+            <a:prstGeom prst="rect">
+              <a:avLst/>
+            </a:prstGeom>
+            <a:solidFill>
+              <a:srgbClr val="FFC000"/>
+            </a:solidFill>
+          </p:spPr>
+          <p:txBody>
+            <a:bodyPr wrap="none" rtlCol="0">
+              <a:spAutoFit/>
+            </a:bodyPr>
+            <a:p>
+              <a:r>
+                <a:rPr lang="en-US" altLang="zh-CN"/>
+                <a:t>Pipeline</a:t>
+              </a:r>
+              <a:endParaRPr lang="en-US" altLang="zh-CN"/>
+            </a:p>
+          </p:txBody>
+        </p:sp>
+      </p:grpSp>
+      <p:grpSp>
+        <p:nvGrpSpPr>
+          <p:cNvPr id="33" name="组合 32"/>
+          <p:cNvGrpSpPr/>
+          <p:nvPr/>
+        </p:nvGrpSpPr>
+        <p:grpSpPr>
+          <a:xfrm>
+            <a:off x="5669280" y="4928870"/>
+            <a:ext cx="1289685" cy="751840"/>
+            <a:chOff x="8928" y="7762"/>
+            <a:chExt cx="2031" cy="1184"/>
+          </a:xfrm>
+        </p:grpSpPr>
+        <p:sp>
+          <p:nvSpPr>
+            <p:cNvPr id="29" name="右大括号 28"/>
+            <p:cNvSpPr/>
+            <p:nvPr/>
+          </p:nvSpPr>
+          <p:spPr>
+            <a:xfrm rot="16200000" flipH="1">
+              <a:off x="9733" y="7008"/>
+              <a:ext cx="473" cy="1980"/>
+            </a:xfrm>
+            <a:prstGeom prst="rightBrace">
+              <a:avLst/>
+            </a:prstGeom>
+          </p:spPr>
+          <p:style>
+            <a:lnRef idx="3">
+              <a:schemeClr val="accent1"/>
+            </a:lnRef>
+            <a:fillRef idx="0">
+              <a:schemeClr val="accent1"/>
+            </a:fillRef>
+            <a:effectRef idx="2">
+              <a:schemeClr val="accent1"/>
+            </a:effectRef>
+            <a:fontRef idx="minor">
+              <a:schemeClr val="tx1"/>
+            </a:fontRef>
+          </p:style>
+          <p:txBody>
+            <a:bodyPr rtlCol="0" anchor="ctr"/>
+            <a:p>
+              <a:pPr algn="ctr"/>
+              <a:endParaRPr lang="zh-CN" altLang="en-US"/>
+            </a:p>
+          </p:txBody>
+        </p:sp>
+        <p:sp>
+          <p:nvSpPr>
+            <p:cNvPr id="30" name="文本框 29"/>
+            <p:cNvSpPr txBox="1"/>
+            <p:nvPr/>
+          </p:nvSpPr>
+          <p:spPr>
+            <a:xfrm>
+              <a:off x="8928" y="8366"/>
+              <a:ext cx="2027" cy="580"/>
+            </a:xfrm>
+            <a:prstGeom prst="rect">
+              <a:avLst/>
+            </a:prstGeom>
+            <a:solidFill>
+              <a:srgbClr val="FFC000"/>
+            </a:solidFill>
+          </p:spPr>
+          <p:txBody>
+            <a:bodyPr wrap="none" rtlCol="0">
+              <a:spAutoFit/>
+            </a:bodyPr>
+            <a:p>
+              <a:r>
+                <a:rPr lang="en-US" altLang="zh-CN"/>
+                <a:t>Processor</a:t>
+              </a:r>
+              <a:endParaRPr lang="en-US" altLang="zh-CN"/>
+            </a:p>
+          </p:txBody>
+        </p:sp>
+      </p:grpSp>
+    </p:spTree>
+  </p:cSld>
+  <p:clrMapOvr>
+    <a:masterClrMapping/>
+  </p:clrMapOvr>
+  <p:timing>
+    <p:tnLst>
+      <p:par>
+        <p:cTn id="1" dur="indefinite" restart="never" nodeType="tmRoot">
+          <p:childTnLst>
+            <p:seq concurrent="1" nextAc="seek">
+              <p:cTn id="2" dur="indefinite" nodeType="mainSeq">
+                <p:childTnLst>
+                  <p:par>
+                    <p:cTn id="3" fill="hold">
+                      <p:stCondLst>
+                        <p:cond delay="indefinite"/>
+                      </p:stCondLst>
+                      <p:childTnLst>
+                        <p:par>
+                          <p:cTn id="4" fill="hold">
+                            <p:stCondLst>
+                              <p:cond delay="0"/>
+                            </p:stCondLst>
+                            <p:childTnLst>
+                              <p:par>
+                                <p:cTn id="5" presetID="22" presetClass="entr" presetSubtype="4" fill="hold" nodeType="clickEffect">
+                                  <p:stCondLst>
+                                    <p:cond delay="0"/>
+                                  </p:stCondLst>
+                                  <p:childTnLst>
+                                    <p:set>
+                                      <p:cBhvr>
+                                        <p:cTn id="6" dur="1" fill="hold">
+                                          <p:stCondLst>
+                                            <p:cond delay="0"/>
+                                          </p:stCondLst>
+                                        </p:cTn>
+                                        <p:tgtEl>
+                                          <p:spTgt spid="31"/>
+                                        </p:tgtEl>
+                                        <p:attrNameLst>
+                                          <p:attrName>style.visibility</p:attrName>
+                                        </p:attrNameLst>
+                                      </p:cBhvr>
+                                      <p:to>
+                                        <p:strVal val="visible"/>
+                                      </p:to>
+                                    </p:set>
+                                    <p:animEffect transition="in" filter="wipe(down)">
+                                      <p:cBhvr>
+                                        <p:cTn id="7" dur="500"/>
+                                        <p:tgtEl>
+                                          <p:spTgt spid="31"/>
+                                        </p:tgtEl>
+                                      </p:cBhvr>
+                                    </p:animEffect>
+                                  </p:childTnLst>
+                                </p:cTn>
+                              </p:par>
+                            </p:childTnLst>
+                          </p:cTn>
+                        </p:par>
+                      </p:childTnLst>
+                    </p:cTn>
+                  </p:par>
+                  <p:par>
+                    <p:cTn id="8" fill="hold">
+                      <p:stCondLst>
+                        <p:cond delay="indefinite"/>
+                      </p:stCondLst>
+                      <p:childTnLst>
+                        <p:par>
+                          <p:cTn id="9" fill="hold">
+                            <p:stCondLst>
+                              <p:cond delay="0"/>
+                            </p:stCondLst>
+                            <p:childTnLst>
+                              <p:par>
+                                <p:cTn id="10" presetID="22" presetClass="entr" presetSubtype="4" fill="hold" nodeType="clickEffect">
+                                  <p:stCondLst>
+                                    <p:cond delay="0"/>
+                                  </p:stCondLst>
+                                  <p:childTnLst>
+                                    <p:set>
+                                      <p:cBhvr>
+                                        <p:cTn id="11" dur="1" fill="hold">
+                                          <p:stCondLst>
+                                            <p:cond delay="0"/>
+                                          </p:stCondLst>
+                                        </p:cTn>
+                                        <p:tgtEl>
+                                          <p:spTgt spid="32"/>
+                                        </p:tgtEl>
+                                        <p:attrNameLst>
+                                          <p:attrName>style.visibility</p:attrName>
+                                        </p:attrNameLst>
+                                      </p:cBhvr>
+                                      <p:to>
+                                        <p:strVal val="visible"/>
+                                      </p:to>
+                                    </p:set>
+                                    <p:animEffect transition="in" filter="wipe(down)">
+                                      <p:cBhvr>
+                                        <p:cTn id="12" dur="500"/>
+                                        <p:tgtEl>
+                                          <p:spTgt spid="32"/>
+                                        </p:tgtEl>
+                                      </p:cBhvr>
+                                    </p:animEffect>
+                                  </p:childTnLst>
+                                </p:cTn>
+                              </p:par>
+                            </p:childTnLst>
+                          </p:cTn>
+                        </p:par>
+                      </p:childTnLst>
+                    </p:cTn>
+                  </p:par>
+                  <p:par>
+                    <p:cTn id="13" fill="hold">
+                      <p:stCondLst>
+                        <p:cond delay="indefinite"/>
+                      </p:stCondLst>
+                      <p:childTnLst>
+                        <p:par>
+                          <p:cTn id="14" fill="hold">
+                            <p:stCondLst>
+                              <p:cond delay="0"/>
+                            </p:stCondLst>
+                            <p:childTnLst>
+                              <p:par>
+                                <p:cTn id="15" presetID="22" presetClass="entr" presetSubtype="4" fill="hold" nodeType="clickEffect">
+                                  <p:stCondLst>
+                                    <p:cond delay="0"/>
+                                  </p:stCondLst>
+                                  <p:childTnLst>
+                                    <p:set>
+                                      <p:cBhvr>
+                                        <p:cTn id="16" dur="1" fill="hold">
+                                          <p:stCondLst>
+                                            <p:cond delay="0"/>
+                                          </p:stCondLst>
+                                        </p:cTn>
+                                        <p:tgtEl>
+                                          <p:spTgt spid="33"/>
+                                        </p:tgtEl>
+                                        <p:attrNameLst>
+                                          <p:attrName>style.visibility</p:attrName>
+                                        </p:attrNameLst>
+                                      </p:cBhvr>
+                                      <p:to>
+                                        <p:strVal val="visible"/>
+                                      </p:to>
+                                    </p:set>
+                                    <p:animEffect transition="in" filter="wipe(down)">
+                                      <p:cBhvr>
+                                        <p:cTn id="17" dur="500"/>
+                                        <p:tgtEl>
+                                          <p:spTgt spid="33"/>
+                                        </p:tgtEl>
+                                      </p:cBhvr>
+                                    </p:animEffect>
+                                  </p:childTnLst>
+                                </p:cTn>
+                              </p:par>
+                            </p:childTnLst>
+                          </p:cTn>
+                        </p:par>
+                      </p:childTnLst>
+                    </p:cTn>
+                  </p:par>
+                  <p:par>
+                    <p:cTn id="18" fill="hold">
+                      <p:stCondLst>
+                        <p:cond delay="indefinite"/>
+                      </p:stCondLst>
+                      <p:childTnLst>
+                        <p:par>
+                          <p:cTn id="19" fill="hold">
+                            <p:stCondLst>
+                              <p:cond delay="0"/>
+                            </p:stCondLst>
+                            <p:childTnLst>
+                              <p:par>
+                                <p:cTn id="20" presetID="22" presetClass="entr" presetSubtype="4" fill="hold" nodeType="clickEffect">
+                                  <p:stCondLst>
+                                    <p:cond delay="0"/>
+                                  </p:stCondLst>
+                                  <p:childTnLst>
+                                    <p:set>
+                                      <p:cBhvr>
+                                        <p:cTn id="21" dur="1" fill="hold">
+                                          <p:stCondLst>
+                                            <p:cond delay="0"/>
+                                          </p:stCondLst>
+                                        </p:cTn>
+                                        <p:tgtEl>
+                                          <p:spTgt spid="34"/>
+                                        </p:tgtEl>
+                                        <p:attrNameLst>
+                                          <p:attrName>style.visibility</p:attrName>
+                                        </p:attrNameLst>
+                                      </p:cBhvr>
+                                      <p:to>
+                                        <p:strVal val="visible"/>
+                                      </p:to>
+                                    </p:set>
+                                    <p:animEffect transition="in" filter="wipe(down)">
+                                      <p:cBhvr>
+                                        <p:cTn id="22" dur="500"/>
+                                        <p:tgtEl>
+                                          <p:spTgt spid="34"/>
+                                        </p:tgtEl>
+                                      </p:cBhvr>
+                                    </p:animEffect>
+                                  </p:childTnLst>
+                                </p:cTn>
+                              </p:par>
+                            </p:childTnLst>
+                          </p:cTn>
+                        </p:par>
+                      </p:childTnLst>
+                    </p:cTn>
+                  </p:par>
+                </p:childTnLst>
+              </p:cTn>
+              <p:prevCondLst>
+                <p:cond evt="onPrev" delay="0">
+                  <p:tgtEl>
+                    <p:sldTgt/>
+                  </p:tgtEl>
+                </p:cond>
+              </p:prevCondLst>
+              <p:nextCondLst>
+                <p:cond evt="onNext" delay="0">
+                  <p:tgtEl>
+                    <p:sldTgt/>
+                  </p:tgtEl>
+                </p:cond>
+              </p:nextCondLst>
+            </p:seq>
+          </p:childTnLst>
+        </p:cTn>
+      </p:par>
+    </p:tnLst>
+  </p:timing>
+</p:sld>
+</file>
+
+<file path=ppt/slides/slide25.xml><?xml version="1.0" encoding="utf-8"?>
+<p:sld xmlns:a="http://schemas.openxmlformats.org/drawingml/2006/main" xmlns:r="http://schemas.openxmlformats.org/officeDocument/2006/relationships" xmlns:p="http://schemas.openxmlformats.org/presentationml/2006/main">
+  <p:cSld>
+    <p:spTree>
+      <p:nvGrpSpPr>
+        <p:cNvPr id="1" name=""/>
+        <p:cNvGrpSpPr/>
+        <p:nvPr/>
+      </p:nvGrpSpPr>
+      <p:grpSpPr/>
+      <p:sp>
+        <p:nvSpPr>
+          <p:cNvPr id="13" name="文本框 12"/>
+          <p:cNvSpPr txBox="1"/>
+          <p:nvPr/>
+        </p:nvSpPr>
+        <p:spPr>
+          <a:xfrm>
+            <a:off x="2152650" y="507365"/>
+            <a:ext cx="7886700" cy="1198880"/>
+          </a:xfrm>
+          <a:prstGeom prst="rect">
+            <a:avLst/>
+          </a:prstGeom>
+          <a:noFill/>
+        </p:spPr>
+        <p:txBody>
+          <a:bodyPr wrap="none" rtlCol="0">
+            <a:spAutoFit/>
+          </a:bodyPr>
+          <a:p>
+            <a:pPr indent="0" algn="l">
+              <a:lnSpc>
+                <a:spcPct val="150000"/>
+              </a:lnSpc>
+              <a:buFont typeface="Arial" panose="020B0604020202090204" pitchFamily="34" charset="0"/>
+              <a:buNone/>
+            </a:pPr>
+            <a:r>
+              <a:rPr lang="en-US" altLang="zh-CN" sz="4800" b="1">
+                <a:solidFill>
+                  <a:schemeClr val="accent1"/>
+                </a:solidFill>
+                <a:latin typeface="微软雅黑" charset="0"/>
+                <a:ea typeface="微软雅黑" charset="0"/>
+                <a:cs typeface="微软雅黑" charset="0"/>
+              </a:rPr>
+              <a:t>2</a:t>
+            </a:r>
+            <a:r>
+              <a:rPr lang="zh-CN" altLang="en-US" sz="4800" b="1">
+                <a:solidFill>
+                  <a:schemeClr val="accent1"/>
+                </a:solidFill>
+                <a:latin typeface="微软雅黑" charset="0"/>
+                <a:ea typeface="微软雅黑" charset="0"/>
+                <a:cs typeface="微软雅黑" charset="0"/>
+              </a:rPr>
+              <a:t>、生产者消费者爬虫的架构</a:t>
+            </a:r>
+            <a:endParaRPr lang="zh-CN" altLang="en-US" sz="4800" b="1">
+              <a:solidFill>
+                <a:schemeClr val="accent1"/>
+              </a:solidFill>
+              <a:latin typeface="微软雅黑" charset="0"/>
+              <a:ea typeface="微软雅黑" charset="0"/>
+              <a:cs typeface="微软雅黑" charset="0"/>
+            </a:endParaRPr>
+          </a:p>
+        </p:txBody>
+      </p:sp>
+      <p:sp>
+        <p:nvSpPr>
+          <p:cNvPr id="2" name="文本框 1"/>
+          <p:cNvSpPr txBox="1"/>
+          <p:nvPr/>
+        </p:nvSpPr>
+        <p:spPr>
+          <a:xfrm>
+            <a:off x="2774950" y="3709035"/>
+            <a:ext cx="1977390" cy="1783080"/>
+          </a:xfrm>
+          <a:prstGeom prst="rect">
+            <a:avLst/>
+          </a:prstGeom>
+          <a:solidFill>
+            <a:schemeClr val="accent3"/>
+          </a:solidFill>
+        </p:spPr>
+        <p:txBody>
+          <a:bodyPr wrap="square" rtlCol="0" anchor="ctr" anchorCtr="0">
+            <a:noAutofit/>
+          </a:bodyPr>
+          <a:p>
+            <a:pPr lvl="0" algn="ctr"/>
+            <a:r>
+              <a:rPr lang="zh-CN" altLang="en-US" sz="2800" b="1">
+                <a:sym typeface="+mn-ea"/>
+              </a:rPr>
+              <a:t>线程组</a:t>
+            </a:r>
+            <a:r>
+              <a:rPr lang="en-US" altLang="zh-CN" sz="2800" b="1">
+                <a:sym typeface="+mn-ea"/>
+              </a:rPr>
+              <a:t>1</a:t>
+            </a:r>
+            <a:endParaRPr lang="zh-CN" altLang="en-US" sz="2800" b="1">
+              <a:sym typeface="+mn-ea"/>
+            </a:endParaRPr>
+          </a:p>
+          <a:p>
+            <a:pPr lvl="0" algn="ctr"/>
+            <a:r>
+              <a:rPr lang="zh-CN" altLang="en-US" sz="2800" b="1">
+                <a:sym typeface="+mn-ea"/>
+              </a:rPr>
+              <a:t>网页下载</a:t>
+            </a:r>
+            <a:endParaRPr lang="zh-CN" altLang="en-US" sz="2800" b="1">
+              <a:sym typeface="+mn-ea"/>
+            </a:endParaRPr>
+          </a:p>
+        </p:txBody>
+      </p:sp>
+      <p:sp>
+        <p:nvSpPr>
+          <p:cNvPr id="4" name="文本框 3"/>
+          <p:cNvSpPr txBox="1"/>
+          <p:nvPr/>
+        </p:nvSpPr>
+        <p:spPr>
+          <a:xfrm>
+            <a:off x="6955790" y="3709035"/>
+            <a:ext cx="1977390" cy="1783080"/>
+          </a:xfrm>
+          <a:prstGeom prst="rect">
+            <a:avLst/>
+          </a:prstGeom>
+          <a:solidFill>
+            <a:schemeClr val="accent3"/>
+          </a:solidFill>
+        </p:spPr>
+        <p:txBody>
+          <a:bodyPr wrap="square" rtlCol="0" anchor="ctr" anchorCtr="0">
+            <a:noAutofit/>
+          </a:bodyPr>
+          <a:p>
+            <a:pPr lvl="0" algn="ctr"/>
+            <a:r>
+              <a:rPr lang="zh-CN" altLang="en-US" sz="2800" b="1">
+                <a:sym typeface="+mn-ea"/>
+              </a:rPr>
+              <a:t>线程组</a:t>
+            </a:r>
+            <a:r>
+              <a:rPr lang="en-US" altLang="zh-CN" sz="2800" b="1">
+                <a:sym typeface="+mn-ea"/>
+              </a:rPr>
+              <a:t>2</a:t>
+            </a:r>
+            <a:endParaRPr lang="zh-CN" altLang="en-US" sz="2800" b="1">
+              <a:sym typeface="+mn-ea"/>
+            </a:endParaRPr>
+          </a:p>
+          <a:p>
+            <a:pPr lvl="0" algn="ctr"/>
+            <a:r>
+              <a:rPr lang="zh-CN" altLang="en-US" sz="2800" b="1">
+                <a:sym typeface="+mn-ea"/>
+              </a:rPr>
+              <a:t>解析存储</a:t>
+            </a:r>
+            <a:endParaRPr lang="zh-CN" altLang="en-US" sz="2800" b="1">
+              <a:sym typeface="+mn-ea"/>
+            </a:endParaRPr>
+          </a:p>
+        </p:txBody>
+      </p:sp>
+      <p:sp>
+        <p:nvSpPr>
+          <p:cNvPr id="5" name="圆角矩形 4"/>
+          <p:cNvSpPr/>
+          <p:nvPr/>
+        </p:nvSpPr>
+        <p:spPr>
+          <a:xfrm>
+            <a:off x="5031740" y="2390140"/>
+            <a:ext cx="2128520" cy="571500"/>
+          </a:xfrm>
+          <a:prstGeom prst="roundRect">
+            <a:avLst/>
+          </a:prstGeom>
+        </p:spPr>
+        <p:style>
+          <a:lnRef idx="2">
+            <a:schemeClr val="accent5">
+              <a:shade val="50000"/>
+            </a:schemeClr>
+          </a:lnRef>
+          <a:fillRef idx="1">
+            <a:schemeClr val="accent5"/>
+          </a:fillRef>
+          <a:effectRef idx="0">
+            <a:schemeClr val="accent5"/>
+          </a:effectRef>
+          <a:fontRef idx="minor">
+            <a:schemeClr val="lt1"/>
+          </a:fontRef>
+        </p:style>
+        <p:txBody>
+          <a:bodyPr rtlCol="0" anchor="ctr"/>
+          <a:p>
+            <a:pPr algn="ctr"/>
+            <a:r>
+              <a:rPr lang="zh-CN" altLang="en-US"/>
+              <a:t>下载好的网页队列</a:t>
+            </a:r>
+            <a:endParaRPr lang="zh-CN" altLang="en-US"/>
+          </a:p>
+        </p:txBody>
+      </p:sp>
+      <p:cxnSp>
+        <p:nvCxnSpPr>
+          <p:cNvPr id="6" name="肘形连接符 5"/>
+          <p:cNvCxnSpPr>
+            <a:stCxn id="2" idx="0"/>
+            <a:endCxn id="5" idx="1"/>
+          </p:cNvCxnSpPr>
+          <p:nvPr/>
+        </p:nvCxnSpPr>
+        <p:spPr>
+          <a:xfrm rot="16200000">
+            <a:off x="3881120" y="2558415"/>
+            <a:ext cx="1033145" cy="1268095"/>
+          </a:xfrm>
+          <a:prstGeom prst="bentConnector2">
+            <a:avLst/>
+          </a:prstGeom>
+          <a:ln>
+            <a:tailEnd type="arrow" w="med" len="med"/>
+          </a:ln>
+        </p:spPr>
+        <p:style>
+          <a:lnRef idx="3">
+            <a:schemeClr val="accent1"/>
+          </a:lnRef>
+          <a:fillRef idx="0">
+            <a:schemeClr val="accent1"/>
+          </a:fillRef>
+          <a:effectRef idx="2">
+            <a:schemeClr val="accent1"/>
+          </a:effectRef>
+          <a:fontRef idx="minor">
+            <a:schemeClr val="tx1"/>
+          </a:fontRef>
+        </p:style>
+      </p:cxnSp>
+      <p:cxnSp>
+        <p:nvCxnSpPr>
+          <p:cNvPr id="7" name="肘形连接符 6"/>
+          <p:cNvCxnSpPr>
+            <a:stCxn id="5" idx="3"/>
+            <a:endCxn id="4" idx="0"/>
+          </p:cNvCxnSpPr>
+          <p:nvPr/>
+        </p:nvCxnSpPr>
+        <p:spPr>
+          <a:xfrm>
+            <a:off x="7160260" y="2675890"/>
+            <a:ext cx="784225" cy="1033145"/>
+          </a:xfrm>
+          <a:prstGeom prst="bentConnector2">
+            <a:avLst/>
+          </a:prstGeom>
+          <a:ln>
+            <a:tailEnd type="arrow" w="med" len="med"/>
+          </a:ln>
+        </p:spPr>
+        <p:style>
+          <a:lnRef idx="3">
+            <a:schemeClr val="accent1"/>
+          </a:lnRef>
+          <a:fillRef idx="0">
+            <a:schemeClr val="accent1"/>
+          </a:fillRef>
+          <a:effectRef idx="2">
+            <a:schemeClr val="accent1"/>
+          </a:effectRef>
+          <a:fontRef idx="minor">
+            <a:schemeClr val="tx1"/>
+          </a:fontRef>
+        </p:style>
+      </p:cxnSp>
+      <p:cxnSp>
+        <p:nvCxnSpPr>
+          <p:cNvPr id="8" name="直接箭头连接符 7"/>
+          <p:cNvCxnSpPr/>
+          <p:nvPr/>
+        </p:nvCxnSpPr>
+        <p:spPr>
+          <a:xfrm>
+            <a:off x="1308100" y="4600575"/>
+            <a:ext cx="1466850" cy="0"/>
+          </a:xfrm>
+          <a:prstGeom prst="straightConnector1">
+            <a:avLst/>
+          </a:prstGeom>
+          <a:ln>
+            <a:tailEnd type="arrow" w="med" len="med"/>
+          </a:ln>
+        </p:spPr>
+        <p:style>
+          <a:lnRef idx="3">
+            <a:schemeClr val="accent1"/>
+          </a:lnRef>
+          <a:fillRef idx="0">
+            <a:schemeClr val="accent1"/>
+          </a:fillRef>
+          <a:effectRef idx="2">
+            <a:schemeClr val="accent1"/>
+          </a:effectRef>
+          <a:fontRef idx="minor">
+            <a:schemeClr val="tx1"/>
+          </a:fontRef>
+        </p:style>
+      </p:cxnSp>
+      <p:cxnSp>
+        <p:nvCxnSpPr>
+          <p:cNvPr id="10" name="直接箭头连接符 9"/>
+          <p:cNvCxnSpPr/>
+          <p:nvPr/>
+        </p:nvCxnSpPr>
+        <p:spPr>
+          <a:xfrm>
+            <a:off x="8933180" y="4600575"/>
+            <a:ext cx="1202055" cy="0"/>
+          </a:xfrm>
+          <a:prstGeom prst="straightConnector1">
+            <a:avLst/>
+          </a:prstGeom>
+          <a:ln>
+            <a:tailEnd type="arrow" w="med" len="med"/>
+          </a:ln>
+        </p:spPr>
+        <p:style>
+          <a:lnRef idx="3">
+            <a:schemeClr val="accent1"/>
+          </a:lnRef>
+          <a:fillRef idx="0">
+            <a:schemeClr val="accent1"/>
+          </a:fillRef>
+          <a:effectRef idx="2">
+            <a:schemeClr val="accent1"/>
+          </a:effectRef>
+          <a:fontRef idx="minor">
+            <a:schemeClr val="tx1"/>
+          </a:fontRef>
+        </p:style>
+      </p:cxnSp>
+      <p:sp>
+        <p:nvSpPr>
+          <p:cNvPr id="11" name="流程图: 磁盘 10"/>
+          <p:cNvSpPr/>
+          <p:nvPr/>
+        </p:nvSpPr>
+        <p:spPr>
+          <a:xfrm>
+            <a:off x="10135235" y="3941445"/>
+            <a:ext cx="1380490" cy="1318895"/>
+          </a:xfrm>
+          <a:prstGeom prst="flowChartMagneticDisk">
+            <a:avLst/>
+          </a:prstGeom>
+        </p:spPr>
+        <p:style>
+          <a:lnRef idx="3">
+            <a:schemeClr val="lt1"/>
+          </a:lnRef>
+          <a:fillRef idx="1">
+            <a:schemeClr val="accent5"/>
+          </a:fillRef>
+          <a:effectRef idx="1">
+            <a:schemeClr val="accent5"/>
+          </a:effectRef>
+          <a:fontRef idx="minor">
+            <a:schemeClr val="lt1"/>
+          </a:fontRef>
+        </p:style>
+        <p:txBody>
+          <a:bodyPr rtlCol="0" anchor="ctr"/>
+          <a:p>
+            <a:pPr algn="ctr"/>
+            <a:r>
+              <a:rPr lang="en-US" altLang="zh-CN"/>
+              <a:t>Excel</a:t>
+            </a:r>
+            <a:endParaRPr lang="en-US" altLang="zh-CN"/>
+          </a:p>
+          <a:p>
+            <a:pPr algn="ctr"/>
+            <a:r>
+              <a:rPr lang="en-US" altLang="zh-CN"/>
+              <a:t>MySQL</a:t>
+            </a:r>
+            <a:endParaRPr lang="en-US" altLang="zh-CN"/>
+          </a:p>
+        </p:txBody>
+      </p:sp>
+      <p:sp>
+        <p:nvSpPr>
+          <p:cNvPr id="12" name="文本框 11"/>
+          <p:cNvSpPr txBox="1"/>
+          <p:nvPr/>
+        </p:nvSpPr>
+        <p:spPr>
+          <a:xfrm>
+            <a:off x="8985885" y="3782695"/>
+            <a:ext cx="1097280" cy="645160"/>
+          </a:xfrm>
+          <a:prstGeom prst="rect">
+            <a:avLst/>
+          </a:prstGeom>
+          <a:noFill/>
+        </p:spPr>
+        <p:txBody>
+          <a:bodyPr wrap="none" rtlCol="0">
+            <a:spAutoFit/>
+          </a:bodyPr>
+          <a:p>
+            <a:r>
+              <a:rPr lang="zh-CN" altLang="en-US"/>
+              <a:t>解析后的</a:t>
+            </a:r>
+            <a:endParaRPr lang="zh-CN" altLang="en-US"/>
+          </a:p>
+          <a:p>
+            <a:r>
+              <a:rPr lang="zh-CN" altLang="en-US"/>
+              <a:t>结果数据</a:t>
+            </a:r>
+            <a:endParaRPr lang="zh-CN" altLang="en-US"/>
+          </a:p>
+        </p:txBody>
+      </p:sp>
+      <p:sp>
+        <p:nvSpPr>
+          <p:cNvPr id="14" name="文本框 13"/>
+          <p:cNvSpPr txBox="1"/>
+          <p:nvPr/>
+        </p:nvSpPr>
+        <p:spPr>
+          <a:xfrm>
+            <a:off x="3329305" y="5555615"/>
+            <a:ext cx="868680" cy="368300"/>
+          </a:xfrm>
+          <a:prstGeom prst="rect">
+            <a:avLst/>
+          </a:prstGeom>
+          <a:noFill/>
+        </p:spPr>
+        <p:txBody>
+          <a:bodyPr wrap="none" rtlCol="0">
+            <a:spAutoFit/>
+          </a:bodyPr>
+          <a:p>
+            <a:r>
+              <a:rPr lang="zh-CN" altLang="en-US"/>
+              <a:t>生产者</a:t>
+            </a:r>
+            <a:endParaRPr lang="zh-CN" altLang="en-US"/>
+          </a:p>
+        </p:txBody>
+      </p:sp>
+      <p:sp>
+        <p:nvSpPr>
+          <p:cNvPr id="15" name="文本框 14"/>
+          <p:cNvSpPr txBox="1"/>
+          <p:nvPr/>
+        </p:nvSpPr>
+        <p:spPr>
+          <a:xfrm>
+            <a:off x="7510145" y="5555615"/>
+            <a:ext cx="868680" cy="368300"/>
+          </a:xfrm>
+          <a:prstGeom prst="rect">
+            <a:avLst/>
+          </a:prstGeom>
+          <a:noFill/>
+        </p:spPr>
+        <p:txBody>
+          <a:bodyPr wrap="none" rtlCol="0">
+            <a:spAutoFit/>
+          </a:bodyPr>
+          <a:p>
+            <a:r>
+              <a:rPr lang="zh-CN" altLang="en-US"/>
+              <a:t>消费者</a:t>
+            </a:r>
+            <a:endParaRPr lang="zh-CN" altLang="en-US"/>
+          </a:p>
+        </p:txBody>
+      </p:sp>
+      <p:sp>
+        <p:nvSpPr>
+          <p:cNvPr id="16" name="圆角矩形 15"/>
+          <p:cNvSpPr/>
+          <p:nvPr/>
+        </p:nvSpPr>
+        <p:spPr>
+          <a:xfrm>
+            <a:off x="1232535" y="3856355"/>
+            <a:ext cx="1275715" cy="571500"/>
+          </a:xfrm>
+          <a:prstGeom prst="roundRect">
+            <a:avLst/>
+          </a:prstGeom>
+        </p:spPr>
+        <p:style>
+          <a:lnRef idx="2">
+            <a:schemeClr val="accent5">
+              <a:shade val="50000"/>
+            </a:schemeClr>
+          </a:lnRef>
+          <a:fillRef idx="1">
+            <a:schemeClr val="accent5"/>
+          </a:fillRef>
+          <a:effectRef idx="0">
+            <a:schemeClr val="accent5"/>
+          </a:effectRef>
+          <a:fontRef idx="minor">
+            <a:schemeClr val="lt1"/>
+          </a:fontRef>
+        </p:style>
+        <p:txBody>
+          <a:bodyPr rtlCol="0" anchor="ctr"/>
+          <a:p>
+            <a:pPr algn="ctr"/>
+            <a:r>
+              <a:rPr lang="zh-CN" altLang="en-US">
+                <a:sym typeface="+mn-ea"/>
+              </a:rPr>
+              <a:t>待爬取的</a:t>
+            </a:r>
+            <a:endParaRPr lang="zh-CN" altLang="en-US">
+              <a:sym typeface="+mn-ea"/>
+            </a:endParaRPr>
+          </a:p>
+          <a:p>
+            <a:pPr algn="ctr"/>
+            <a:r>
+              <a:rPr lang="en-US" altLang="zh-CN">
+                <a:sym typeface="+mn-ea"/>
+              </a:rPr>
+              <a:t>URL</a:t>
+            </a:r>
+            <a:r>
+              <a:rPr lang="zh-CN" altLang="en-US">
+                <a:sym typeface="+mn-ea"/>
+              </a:rPr>
+              <a:t>列表</a:t>
+            </a:r>
+            <a:endParaRPr lang="zh-CN" altLang="en-US"/>
+          </a:p>
+        </p:txBody>
+      </p:sp>
+    </p:spTree>
+  </p:cSld>
+  <p:clrMapOvr>
+    <a:masterClrMapping/>
+  </p:clrMapOvr>
+  <p:timing>
+    <p:tnLst>
+      <p:par>
+        <p:cTn id="1" dur="indefinite" restart="never" nodeType="tmRoot"/>
+      </p:par>
+    </p:tnLst>
+  </p:timing>
+</p:sld>
+</file>
+
+<file path=ppt/slides/slide26.xml><?xml version="1.0" encoding="utf-8"?>
+<p:sld xmlns:a="http://schemas.openxmlformats.org/drawingml/2006/main" xmlns:r="http://schemas.openxmlformats.org/officeDocument/2006/relationships" xmlns:p="http://schemas.openxmlformats.org/presentationml/2006/main">
+  <p:cSld>
+    <p:spTree>
+      <p:nvGrpSpPr>
+        <p:cNvPr id="1" name=""/>
+        <p:cNvGrpSpPr/>
+        <p:nvPr/>
+      </p:nvGrpSpPr>
+      <p:grpSpPr/>
+      <p:sp>
+        <p:nvSpPr>
+          <p:cNvPr id="13" name="文本框 12"/>
+          <p:cNvSpPr txBox="1"/>
+          <p:nvPr/>
+        </p:nvSpPr>
+        <p:spPr>
+          <a:xfrm>
+            <a:off x="1118235" y="560070"/>
+            <a:ext cx="9956165" cy="1198880"/>
+          </a:xfrm>
+          <a:prstGeom prst="rect">
+            <a:avLst/>
+          </a:prstGeom>
+          <a:noFill/>
+        </p:spPr>
+        <p:txBody>
+          <a:bodyPr wrap="none" rtlCol="0">
+            <a:spAutoFit/>
+          </a:bodyPr>
+          <a:p>
+            <a:pPr indent="0" algn="l">
+              <a:lnSpc>
+                <a:spcPct val="150000"/>
+              </a:lnSpc>
+              <a:buFont typeface="Arial" panose="020B0604020202090204" pitchFamily="34" charset="0"/>
+              <a:buNone/>
+            </a:pPr>
+            <a:r>
+              <a:rPr lang="en-US" altLang="zh-CN" sz="4800" b="1">
+                <a:solidFill>
+                  <a:schemeClr val="accent1"/>
+                </a:solidFill>
+                <a:latin typeface="微软雅黑" charset="0"/>
+                <a:ea typeface="微软雅黑" charset="0"/>
+                <a:cs typeface="微软雅黑" charset="0"/>
+              </a:rPr>
+              <a:t>3</a:t>
+            </a:r>
+            <a:r>
+              <a:rPr lang="zh-CN" altLang="en-US" sz="4800" b="1">
+                <a:solidFill>
+                  <a:schemeClr val="accent1"/>
+                </a:solidFill>
+                <a:latin typeface="微软雅黑" charset="0"/>
+                <a:ea typeface="微软雅黑" charset="0"/>
+                <a:cs typeface="微软雅黑" charset="0"/>
+              </a:rPr>
+              <a:t>、多线程数据通信的queue.Queue</a:t>
+            </a:r>
+            <a:endParaRPr lang="zh-CN" altLang="en-US" sz="4800" b="1">
+              <a:solidFill>
+                <a:schemeClr val="accent1"/>
+              </a:solidFill>
+              <a:latin typeface="微软雅黑" charset="0"/>
+              <a:ea typeface="微软雅黑" charset="0"/>
+              <a:cs typeface="微软雅黑" charset="0"/>
+            </a:endParaRPr>
+          </a:p>
+        </p:txBody>
+      </p:sp>
+      <p:sp>
+        <p:nvSpPr>
+          <p:cNvPr id="3" name="文本框 2"/>
+          <p:cNvSpPr txBox="1"/>
+          <p:nvPr/>
+        </p:nvSpPr>
+        <p:spPr>
+          <a:xfrm>
+            <a:off x="1472565" y="2292350"/>
+            <a:ext cx="3689350" cy="4048125"/>
+          </a:xfrm>
+          <a:prstGeom prst="rect">
+            <a:avLst/>
+          </a:prstGeom>
+          <a:solidFill>
+            <a:schemeClr val="bg1">
+              <a:lumMod val="85000"/>
+            </a:schemeClr>
+          </a:solidFill>
+        </p:spPr>
+        <p:style>
+          <a:lnRef idx="3">
+            <a:schemeClr val="lt1"/>
+          </a:lnRef>
+          <a:fillRef idx="1">
+            <a:schemeClr val="accent5"/>
+          </a:fillRef>
+          <a:effectRef idx="1">
+            <a:schemeClr val="accent5"/>
+          </a:effectRef>
+          <a:fontRef idx="minor">
+            <a:schemeClr val="lt1"/>
+          </a:fontRef>
+        </p:style>
+        <p:txBody>
+          <a:bodyPr wrap="square" rtlCol="0">
+            <a:spAutoFit/>
+          </a:bodyPr>
+          <a:p>
+            <a:pPr>
+              <a:lnSpc>
+                <a:spcPct val="130000"/>
+              </a:lnSpc>
+              <a:spcBef>
+                <a:spcPts val="0"/>
+              </a:spcBef>
+              <a:spcAft>
+                <a:spcPts val="0"/>
+              </a:spcAft>
+            </a:pPr>
+            <a:r>
+              <a:rPr lang="en-US" altLang="zh-CN">
+                <a:solidFill>
+                  <a:schemeClr val="tx1">
+                    <a:lumMod val="75000"/>
+                    <a:lumOff val="25000"/>
+                  </a:schemeClr>
+                </a:solidFill>
+                <a:latin typeface="Menlo Regular" panose="020B0609030804020204" charset="0"/>
+                <a:ea typeface="微软雅黑" charset="0"/>
+                <a:cs typeface="Menlo Regular" panose="020B0609030804020204" charset="0"/>
+              </a:rPr>
+              <a:t>1</a:t>
+            </a:r>
+            <a:r>
+              <a:rPr lang="zh-CN" altLang="en-US">
+                <a:solidFill>
+                  <a:schemeClr val="tx1">
+                    <a:lumMod val="75000"/>
+                    <a:lumOff val="25000"/>
+                  </a:schemeClr>
+                </a:solidFill>
+                <a:latin typeface="Menlo Regular" panose="020B0609030804020204" charset="0"/>
+                <a:ea typeface="微软雅黑" charset="0"/>
+                <a:cs typeface="Menlo Regular" panose="020B0609030804020204" charset="0"/>
+              </a:rPr>
+              <a:t>、导入类库</a:t>
+            </a:r>
+            <a:endParaRPr lang="zh-CN" altLang="en-US">
+              <a:solidFill>
+                <a:schemeClr val="tx1">
+                  <a:lumMod val="75000"/>
+                  <a:lumOff val="25000"/>
+                </a:schemeClr>
+              </a:solidFill>
+              <a:latin typeface="Menlo Regular" panose="020B0609030804020204" charset="0"/>
+              <a:ea typeface="微软雅黑" charset="0"/>
+              <a:cs typeface="Menlo Regular" panose="020B0609030804020204" charset="0"/>
+            </a:endParaRPr>
+          </a:p>
+          <a:p>
+            <a:pPr>
+              <a:lnSpc>
+                <a:spcPct val="130000"/>
+              </a:lnSpc>
+              <a:spcBef>
+                <a:spcPts val="0"/>
+              </a:spcBef>
+              <a:spcAft>
+                <a:spcPts val="0"/>
+              </a:spcAft>
+            </a:pPr>
+            <a:r>
+              <a:rPr lang="en-US" altLang="zh-CN">
+                <a:solidFill>
+                  <a:schemeClr val="tx1">
+                    <a:lumMod val="75000"/>
+                    <a:lumOff val="25000"/>
+                  </a:schemeClr>
+                </a:solidFill>
+                <a:latin typeface="Menlo Regular" panose="020B0609030804020204" charset="0"/>
+                <a:ea typeface="微软雅黑" charset="0"/>
+                <a:cs typeface="Menlo Regular" panose="020B0609030804020204" charset="0"/>
+              </a:rPr>
+              <a:t>import queue</a:t>
+            </a:r>
+            <a:endParaRPr lang="en-US" altLang="zh-CN">
+              <a:solidFill>
+                <a:schemeClr val="tx1">
+                  <a:lumMod val="75000"/>
+                  <a:lumOff val="25000"/>
+                </a:schemeClr>
+              </a:solidFill>
+              <a:latin typeface="Menlo Regular" panose="020B0609030804020204" charset="0"/>
+              <a:ea typeface="微软雅黑" charset="0"/>
+              <a:cs typeface="Menlo Regular" panose="020B0609030804020204" charset="0"/>
+            </a:endParaRPr>
+          </a:p>
+          <a:p>
+            <a:pPr>
+              <a:lnSpc>
+                <a:spcPct val="130000"/>
+              </a:lnSpc>
+              <a:spcBef>
+                <a:spcPts val="0"/>
+              </a:spcBef>
+              <a:spcAft>
+                <a:spcPts val="0"/>
+              </a:spcAft>
+            </a:pPr>
+            <a:endParaRPr lang="en-US" altLang="zh-CN">
+              <a:solidFill>
+                <a:schemeClr val="tx1">
+                  <a:lumMod val="75000"/>
+                  <a:lumOff val="25000"/>
+                </a:schemeClr>
+              </a:solidFill>
+              <a:latin typeface="Menlo Regular" panose="020B0609030804020204" charset="0"/>
+              <a:ea typeface="微软雅黑" charset="0"/>
+              <a:cs typeface="Menlo Regular" panose="020B0609030804020204" charset="0"/>
+            </a:endParaRPr>
+          </a:p>
+          <a:p>
+            <a:pPr>
+              <a:lnSpc>
+                <a:spcPct val="130000"/>
+              </a:lnSpc>
+              <a:spcBef>
+                <a:spcPts val="0"/>
+              </a:spcBef>
+              <a:spcAft>
+                <a:spcPts val="0"/>
+              </a:spcAft>
+            </a:pPr>
+            <a:r>
+              <a:rPr lang="en-US" altLang="zh-CN">
+                <a:solidFill>
+                  <a:schemeClr val="tx1">
+                    <a:lumMod val="75000"/>
+                    <a:lumOff val="25000"/>
+                  </a:schemeClr>
+                </a:solidFill>
+                <a:latin typeface="Menlo Regular" panose="020B0609030804020204" charset="0"/>
+                <a:ea typeface="微软雅黑" charset="0"/>
+                <a:cs typeface="Menlo Regular" panose="020B0609030804020204" charset="0"/>
+                <a:sym typeface="+mn-ea"/>
+              </a:rPr>
+              <a:t>2</a:t>
+            </a:r>
+            <a:r>
+              <a:rPr lang="zh-CN" altLang="en-US">
+                <a:solidFill>
+                  <a:schemeClr val="tx1">
+                    <a:lumMod val="75000"/>
+                    <a:lumOff val="25000"/>
+                  </a:schemeClr>
+                </a:solidFill>
+                <a:latin typeface="Menlo Regular" panose="020B0609030804020204" charset="0"/>
+                <a:ea typeface="微软雅黑" charset="0"/>
+                <a:cs typeface="Menlo Regular" panose="020B0609030804020204" charset="0"/>
+                <a:sym typeface="+mn-ea"/>
+              </a:rPr>
+              <a:t>、创建</a:t>
+            </a:r>
+            <a:r>
+              <a:rPr lang="en-US" altLang="zh-CN">
+                <a:solidFill>
+                  <a:schemeClr val="tx1">
+                    <a:lumMod val="75000"/>
+                    <a:lumOff val="25000"/>
+                  </a:schemeClr>
+                </a:solidFill>
+                <a:latin typeface="Menlo Regular" panose="020B0609030804020204" charset="0"/>
+                <a:ea typeface="微软雅黑" charset="0"/>
+                <a:cs typeface="Menlo Regular" panose="020B0609030804020204" charset="0"/>
+                <a:sym typeface="+mn-ea"/>
+              </a:rPr>
+              <a:t>Queue</a:t>
+            </a:r>
+            <a:endParaRPr lang="en-US" altLang="zh-CN">
+              <a:solidFill>
+                <a:schemeClr val="tx1">
+                  <a:lumMod val="75000"/>
+                  <a:lumOff val="25000"/>
+                </a:schemeClr>
+              </a:solidFill>
+              <a:latin typeface="Menlo Regular" panose="020B0609030804020204" charset="0"/>
+              <a:ea typeface="微软雅黑" charset="0"/>
+              <a:cs typeface="Menlo Regular" panose="020B0609030804020204" charset="0"/>
+            </a:endParaRPr>
+          </a:p>
+          <a:p>
+            <a:pPr>
+              <a:lnSpc>
+                <a:spcPct val="130000"/>
+              </a:lnSpc>
+              <a:spcBef>
+                <a:spcPts val="0"/>
+              </a:spcBef>
+              <a:spcAft>
+                <a:spcPts val="0"/>
+              </a:spcAft>
+            </a:pPr>
+            <a:r>
+              <a:rPr lang="en-US" altLang="zh-CN">
+                <a:solidFill>
+                  <a:schemeClr val="tx1">
+                    <a:lumMod val="75000"/>
+                    <a:lumOff val="25000"/>
+                  </a:schemeClr>
+                </a:solidFill>
+                <a:latin typeface="Menlo Regular" panose="020B0609030804020204" charset="0"/>
+                <a:ea typeface="微软雅黑" charset="0"/>
+                <a:cs typeface="Menlo Regular" panose="020B0609030804020204" charset="0"/>
+                <a:sym typeface="+mn-ea"/>
+              </a:rPr>
+              <a:t>q = queue.Queue()</a:t>
+            </a:r>
+            <a:endParaRPr lang="en-US" altLang="zh-CN">
+              <a:solidFill>
+                <a:schemeClr val="tx1">
+                  <a:lumMod val="75000"/>
+                  <a:lumOff val="25000"/>
+                </a:schemeClr>
+              </a:solidFill>
+              <a:latin typeface="Menlo Regular" panose="020B0609030804020204" charset="0"/>
+              <a:ea typeface="微软雅黑" charset="0"/>
+              <a:cs typeface="Menlo Regular" panose="020B0609030804020204" charset="0"/>
+              <a:sym typeface="+mn-ea"/>
+            </a:endParaRPr>
+          </a:p>
+          <a:p>
+            <a:pPr>
+              <a:lnSpc>
+                <a:spcPct val="130000"/>
+              </a:lnSpc>
+              <a:spcBef>
+                <a:spcPts val="0"/>
+              </a:spcBef>
+              <a:spcAft>
+                <a:spcPts val="0"/>
+              </a:spcAft>
+            </a:pPr>
+            <a:endParaRPr lang="en-US" altLang="zh-CN">
+              <a:solidFill>
+                <a:schemeClr val="tx1">
+                  <a:lumMod val="75000"/>
+                  <a:lumOff val="25000"/>
+                </a:schemeClr>
+              </a:solidFill>
+              <a:latin typeface="Menlo Regular" panose="020B0609030804020204" charset="0"/>
+              <a:ea typeface="微软雅黑" charset="0"/>
+              <a:cs typeface="Menlo Regular" panose="020B0609030804020204" charset="0"/>
+            </a:endParaRPr>
+          </a:p>
+          <a:p>
+            <a:pPr>
+              <a:lnSpc>
+                <a:spcPct val="130000"/>
+              </a:lnSpc>
+              <a:spcBef>
+                <a:spcPts val="0"/>
+              </a:spcBef>
+              <a:spcAft>
+                <a:spcPts val="0"/>
+              </a:spcAft>
+            </a:pPr>
+            <a:r>
+              <a:rPr lang="en-US" altLang="zh-CN">
+                <a:solidFill>
+                  <a:schemeClr val="tx1">
+                    <a:lumMod val="75000"/>
+                    <a:lumOff val="25000"/>
+                  </a:schemeClr>
+                </a:solidFill>
+                <a:latin typeface="Menlo Regular" panose="020B0609030804020204" charset="0"/>
+                <a:ea typeface="微软雅黑" charset="0"/>
+                <a:cs typeface="Menlo Regular" panose="020B0609030804020204" charset="0"/>
+                <a:sym typeface="+mn-ea"/>
+              </a:rPr>
+              <a:t>3</a:t>
+            </a:r>
+            <a:r>
+              <a:rPr lang="zh-CN" altLang="en-US">
+                <a:solidFill>
+                  <a:schemeClr val="tx1">
+                    <a:lumMod val="75000"/>
+                    <a:lumOff val="25000"/>
+                  </a:schemeClr>
+                </a:solidFill>
+                <a:latin typeface="Menlo Regular" panose="020B0609030804020204" charset="0"/>
+                <a:ea typeface="微软雅黑" charset="0"/>
+                <a:cs typeface="Menlo Regular" panose="020B0609030804020204" charset="0"/>
+                <a:sym typeface="+mn-ea"/>
+              </a:rPr>
+              <a:t>、添加元素</a:t>
+            </a:r>
+            <a:endParaRPr lang="en-US" altLang="zh-CN">
+              <a:solidFill>
+                <a:schemeClr val="tx1">
+                  <a:lumMod val="75000"/>
+                  <a:lumOff val="25000"/>
+                </a:schemeClr>
+              </a:solidFill>
+              <a:latin typeface="Menlo Regular" panose="020B0609030804020204" charset="0"/>
+              <a:ea typeface="微软雅黑" charset="0"/>
+              <a:cs typeface="Menlo Regular" panose="020B0609030804020204" charset="0"/>
+            </a:endParaRPr>
+          </a:p>
+          <a:p>
+            <a:pPr>
+              <a:lnSpc>
+                <a:spcPct val="130000"/>
+              </a:lnSpc>
+              <a:spcBef>
+                <a:spcPts val="0"/>
+              </a:spcBef>
+              <a:spcAft>
+                <a:spcPts val="0"/>
+              </a:spcAft>
+            </a:pPr>
+            <a:r>
+              <a:rPr lang="en-US" altLang="zh-CN">
+                <a:solidFill>
+                  <a:schemeClr val="tx1">
+                    <a:lumMod val="75000"/>
+                    <a:lumOff val="25000"/>
+                  </a:schemeClr>
+                </a:solidFill>
+                <a:latin typeface="Menlo Regular" panose="020B0609030804020204" charset="0"/>
+                <a:ea typeface="微软雅黑" charset="0"/>
+                <a:cs typeface="Menlo Regular" panose="020B0609030804020204" charset="0"/>
+                <a:sym typeface="+mn-ea"/>
+              </a:rPr>
+              <a:t>q.put(item)</a:t>
+            </a:r>
+            <a:endParaRPr lang="en-US" altLang="zh-CN">
+              <a:solidFill>
+                <a:schemeClr val="tx1">
+                  <a:lumMod val="75000"/>
+                  <a:lumOff val="25000"/>
+                </a:schemeClr>
+              </a:solidFill>
+              <a:latin typeface="Menlo Regular" panose="020B0609030804020204" charset="0"/>
+              <a:ea typeface="微软雅黑" charset="0"/>
+              <a:cs typeface="Menlo Regular" panose="020B0609030804020204" charset="0"/>
+              <a:sym typeface="+mn-ea"/>
+            </a:endParaRPr>
+          </a:p>
+          <a:p>
+            <a:pPr>
+              <a:lnSpc>
+                <a:spcPct val="130000"/>
+              </a:lnSpc>
+              <a:spcBef>
+                <a:spcPts val="0"/>
+              </a:spcBef>
+              <a:spcAft>
+                <a:spcPts val="0"/>
+              </a:spcAft>
+            </a:pPr>
+            <a:endParaRPr lang="en-US" altLang="zh-CN">
+              <a:solidFill>
+                <a:schemeClr val="tx1">
+                  <a:lumMod val="75000"/>
+                  <a:lumOff val="25000"/>
+                </a:schemeClr>
+              </a:solidFill>
+              <a:latin typeface="Menlo Regular" panose="020B0609030804020204" charset="0"/>
+              <a:ea typeface="微软雅黑" charset="0"/>
+              <a:cs typeface="Menlo Regular" panose="020B0609030804020204" charset="0"/>
+              <a:sym typeface="+mn-ea"/>
+            </a:endParaRPr>
+          </a:p>
+          <a:p>
+            <a:pPr>
+              <a:lnSpc>
+                <a:spcPct val="130000"/>
+              </a:lnSpc>
+              <a:spcBef>
+                <a:spcPts val="0"/>
+              </a:spcBef>
+              <a:spcAft>
+                <a:spcPts val="0"/>
+              </a:spcAft>
+            </a:pPr>
+            <a:r>
+              <a:rPr lang="en-US" altLang="zh-CN">
+                <a:solidFill>
+                  <a:schemeClr val="tx1">
+                    <a:lumMod val="75000"/>
+                    <a:lumOff val="25000"/>
+                  </a:schemeClr>
+                </a:solidFill>
+                <a:latin typeface="Menlo Regular" panose="020B0609030804020204" charset="0"/>
+                <a:ea typeface="微软雅黑" charset="0"/>
+                <a:cs typeface="Menlo Regular" panose="020B0609030804020204" charset="0"/>
+                <a:sym typeface="+mn-ea"/>
+              </a:rPr>
+              <a:t>4</a:t>
+            </a:r>
+            <a:r>
+              <a:rPr lang="zh-CN" altLang="en-US">
+                <a:solidFill>
+                  <a:schemeClr val="tx1">
+                    <a:lumMod val="75000"/>
+                    <a:lumOff val="25000"/>
+                  </a:schemeClr>
+                </a:solidFill>
+                <a:latin typeface="Menlo Regular" panose="020B0609030804020204" charset="0"/>
+                <a:ea typeface="微软雅黑" charset="0"/>
+                <a:cs typeface="Menlo Regular" panose="020B0609030804020204" charset="0"/>
+                <a:sym typeface="+mn-ea"/>
+              </a:rPr>
+              <a:t>、获取元素</a:t>
+            </a:r>
+            <a:endParaRPr lang="en-US" altLang="zh-CN">
+              <a:solidFill>
+                <a:schemeClr val="tx1">
+                  <a:lumMod val="75000"/>
+                  <a:lumOff val="25000"/>
+                </a:schemeClr>
+              </a:solidFill>
+              <a:latin typeface="Menlo Regular" panose="020B0609030804020204" charset="0"/>
+              <a:ea typeface="微软雅黑" charset="0"/>
+              <a:cs typeface="Menlo Regular" panose="020B0609030804020204" charset="0"/>
+            </a:endParaRPr>
+          </a:p>
+          <a:p>
+            <a:pPr>
+              <a:lnSpc>
+                <a:spcPct val="130000"/>
+              </a:lnSpc>
+              <a:spcBef>
+                <a:spcPts val="0"/>
+              </a:spcBef>
+              <a:spcAft>
+                <a:spcPts val="0"/>
+              </a:spcAft>
+            </a:pPr>
+            <a:r>
+              <a:rPr lang="en-US" altLang="zh-CN">
+                <a:solidFill>
+                  <a:schemeClr val="tx1">
+                    <a:lumMod val="75000"/>
+                    <a:lumOff val="25000"/>
+                  </a:schemeClr>
+                </a:solidFill>
+                <a:latin typeface="Menlo Regular" panose="020B0609030804020204" charset="0"/>
+                <a:ea typeface="微软雅黑" charset="0"/>
+                <a:cs typeface="Menlo Regular" panose="020B0609030804020204" charset="0"/>
+                <a:sym typeface="+mn-ea"/>
+              </a:rPr>
+              <a:t>item = q.get()</a:t>
+            </a:r>
+            <a:endParaRPr lang="en-US" altLang="zh-CN">
+              <a:solidFill>
+                <a:schemeClr val="tx1">
+                  <a:lumMod val="75000"/>
+                  <a:lumOff val="25000"/>
+                </a:schemeClr>
+              </a:solidFill>
+              <a:latin typeface="Menlo Regular" panose="020B0609030804020204" charset="0"/>
+              <a:ea typeface="微软雅黑" charset="0"/>
+              <a:cs typeface="Menlo Regular" panose="020B0609030804020204" charset="0"/>
+              <a:sym typeface="+mn-ea"/>
+            </a:endParaRPr>
+          </a:p>
+        </p:txBody>
+      </p:sp>
+      <p:sp>
+        <p:nvSpPr>
+          <p:cNvPr id="16" name="文本框 15"/>
+          <p:cNvSpPr txBox="1"/>
+          <p:nvPr/>
+        </p:nvSpPr>
+        <p:spPr>
+          <a:xfrm>
+            <a:off x="1472565" y="1758950"/>
+            <a:ext cx="6285230" cy="368300"/>
+          </a:xfrm>
+          <a:prstGeom prst="rect">
+            <a:avLst/>
+          </a:prstGeom>
+          <a:noFill/>
+        </p:spPr>
+        <p:txBody>
+          <a:bodyPr wrap="none" rtlCol="0">
+            <a:spAutoFit/>
+          </a:bodyPr>
+          <a:p>
+            <a:r>
+              <a:rPr lang="en-US" altLang="zh-CN"/>
+              <a:t>queue.Queue</a:t>
+            </a:r>
+            <a:r>
+              <a:rPr lang="zh-CN" altLang="en-US"/>
+              <a:t>可以用于多线程之间的、</a:t>
+            </a:r>
+            <a:r>
+              <a:rPr lang="zh-CN" altLang="en-US" b="1"/>
+              <a:t>线程安全</a:t>
+            </a:r>
+            <a:r>
+              <a:rPr lang="zh-CN" altLang="en-US"/>
+              <a:t>的数据通信</a:t>
+            </a:r>
+            <a:endParaRPr lang="zh-CN" altLang="en-US"/>
+          </a:p>
+        </p:txBody>
+      </p:sp>
+      <p:sp>
+        <p:nvSpPr>
+          <p:cNvPr id="21" name="文本框 20"/>
+          <p:cNvSpPr txBox="1"/>
+          <p:nvPr/>
+        </p:nvSpPr>
+        <p:spPr>
+          <a:xfrm>
+            <a:off x="5574030" y="2832100"/>
+            <a:ext cx="3689350" cy="2968625"/>
+          </a:xfrm>
+          <a:prstGeom prst="rect">
+            <a:avLst/>
+          </a:prstGeom>
+          <a:solidFill>
+            <a:schemeClr val="bg1">
+              <a:lumMod val="85000"/>
+            </a:schemeClr>
+          </a:solidFill>
+        </p:spPr>
+        <p:style>
+          <a:lnRef idx="3">
+            <a:schemeClr val="lt1"/>
+          </a:lnRef>
+          <a:fillRef idx="1">
+            <a:schemeClr val="accent5"/>
+          </a:fillRef>
+          <a:effectRef idx="1">
+            <a:schemeClr val="accent5"/>
+          </a:effectRef>
+          <a:fontRef idx="minor">
+            <a:schemeClr val="lt1"/>
+          </a:fontRef>
+        </p:style>
+        <p:txBody>
+          <a:bodyPr wrap="square" rtlCol="0">
+            <a:spAutoFit/>
+          </a:bodyPr>
+          <a:p>
+            <a:pPr>
+              <a:lnSpc>
+                <a:spcPct val="130000"/>
+              </a:lnSpc>
+              <a:spcBef>
+                <a:spcPts val="0"/>
+              </a:spcBef>
+              <a:spcAft>
+                <a:spcPts val="0"/>
+              </a:spcAft>
+            </a:pPr>
+            <a:r>
+              <a:rPr lang="en-US">
+                <a:solidFill>
+                  <a:schemeClr val="tx1">
+                    <a:lumMod val="75000"/>
+                    <a:lumOff val="25000"/>
+                  </a:schemeClr>
+                </a:solidFill>
+                <a:latin typeface="Menlo Regular" panose="020B0609030804020204" charset="0"/>
+                <a:ea typeface="微软雅黑" charset="0"/>
+                <a:cs typeface="Menlo Regular" panose="020B0609030804020204" charset="0"/>
+                <a:sym typeface="+mn-ea"/>
+              </a:rPr>
+              <a:t>5</a:t>
+            </a:r>
+            <a:r>
+              <a:rPr lang="zh-CN" altLang="en-US">
+                <a:solidFill>
+                  <a:schemeClr val="tx1">
+                    <a:lumMod val="75000"/>
+                    <a:lumOff val="25000"/>
+                  </a:schemeClr>
+                </a:solidFill>
+                <a:latin typeface="Menlo Regular" panose="020B0609030804020204" charset="0"/>
+                <a:ea typeface="微软雅黑" charset="0"/>
+                <a:cs typeface="Menlo Regular" panose="020B0609030804020204" charset="0"/>
+                <a:sym typeface="+mn-ea"/>
+              </a:rPr>
+              <a:t>、查询状态</a:t>
+            </a:r>
+            <a:endParaRPr lang="zh-CN" altLang="en-US">
+              <a:solidFill>
+                <a:schemeClr val="tx1">
+                  <a:lumMod val="75000"/>
+                  <a:lumOff val="25000"/>
+                </a:schemeClr>
+              </a:solidFill>
+              <a:latin typeface="Menlo Regular" panose="020B0609030804020204" charset="0"/>
+              <a:ea typeface="微软雅黑" charset="0"/>
+              <a:cs typeface="Menlo Regular" panose="020B0609030804020204" charset="0"/>
+              <a:sym typeface="+mn-ea"/>
+            </a:endParaRPr>
+          </a:p>
+          <a:p>
+            <a:pPr>
+              <a:lnSpc>
+                <a:spcPct val="130000"/>
+              </a:lnSpc>
+              <a:spcBef>
+                <a:spcPts val="0"/>
+              </a:spcBef>
+              <a:spcAft>
+                <a:spcPts val="0"/>
+              </a:spcAft>
+            </a:pPr>
+            <a:endParaRPr lang="zh-CN" altLang="en-US">
+              <a:solidFill>
+                <a:schemeClr val="tx1">
+                  <a:lumMod val="75000"/>
+                  <a:lumOff val="25000"/>
+                </a:schemeClr>
+              </a:solidFill>
+              <a:latin typeface="Menlo Regular" panose="020B0609030804020204" charset="0"/>
+              <a:ea typeface="微软雅黑" charset="0"/>
+              <a:cs typeface="Menlo Regular" panose="020B0609030804020204" charset="0"/>
+              <a:sym typeface="+mn-ea"/>
+            </a:endParaRPr>
+          </a:p>
+          <a:p>
+            <a:pPr>
+              <a:lnSpc>
+                <a:spcPct val="130000"/>
+              </a:lnSpc>
+              <a:spcBef>
+                <a:spcPts val="0"/>
+              </a:spcBef>
+              <a:spcAft>
+                <a:spcPts val="0"/>
+              </a:spcAft>
+            </a:pPr>
+            <a:r>
+              <a:rPr lang="en-US" altLang="zh-CN">
+                <a:solidFill>
+                  <a:schemeClr val="tx1">
+                    <a:lumMod val="75000"/>
+                    <a:lumOff val="25000"/>
+                  </a:schemeClr>
+                </a:solidFill>
+                <a:latin typeface="Menlo Regular" panose="020B0609030804020204" charset="0"/>
+                <a:ea typeface="微软雅黑" charset="0"/>
+                <a:cs typeface="Menlo Regular" panose="020B0609030804020204" charset="0"/>
+                <a:sym typeface="+mn-ea"/>
+              </a:rPr>
+              <a:t># </a:t>
+            </a:r>
+            <a:r>
+              <a:rPr lang="zh-CN" altLang="en-US">
+                <a:solidFill>
+                  <a:schemeClr val="tx1">
+                    <a:lumMod val="75000"/>
+                    <a:lumOff val="25000"/>
+                  </a:schemeClr>
+                </a:solidFill>
+                <a:latin typeface="Menlo Regular" panose="020B0609030804020204" charset="0"/>
+                <a:ea typeface="微软雅黑" charset="0"/>
+                <a:cs typeface="Menlo Regular" panose="020B0609030804020204" charset="0"/>
+                <a:sym typeface="+mn-ea"/>
+              </a:rPr>
+              <a:t>查看元素的多少</a:t>
+            </a:r>
+            <a:endParaRPr lang="zh-CN" altLang="en-US">
+              <a:solidFill>
+                <a:schemeClr val="tx1">
+                  <a:lumMod val="75000"/>
+                  <a:lumOff val="25000"/>
+                </a:schemeClr>
+              </a:solidFill>
+              <a:latin typeface="Menlo Regular" panose="020B0609030804020204" charset="0"/>
+              <a:ea typeface="微软雅黑" charset="0"/>
+              <a:cs typeface="Menlo Regular" panose="020B0609030804020204" charset="0"/>
+              <a:sym typeface="+mn-ea"/>
+            </a:endParaRPr>
+          </a:p>
+          <a:p>
+            <a:pPr>
+              <a:lnSpc>
+                <a:spcPct val="130000"/>
+              </a:lnSpc>
+              <a:spcBef>
+                <a:spcPts val="0"/>
+              </a:spcBef>
+              <a:spcAft>
+                <a:spcPts val="0"/>
+              </a:spcAft>
+            </a:pPr>
+            <a:r>
+              <a:rPr lang="en-US" altLang="zh-CN">
+                <a:solidFill>
+                  <a:schemeClr val="tx1">
+                    <a:lumMod val="75000"/>
+                    <a:lumOff val="25000"/>
+                  </a:schemeClr>
+                </a:solidFill>
+                <a:latin typeface="Menlo Regular" panose="020B0609030804020204" charset="0"/>
+                <a:ea typeface="微软雅黑" charset="0"/>
+                <a:cs typeface="Menlo Regular" panose="020B0609030804020204" charset="0"/>
+                <a:sym typeface="+mn-ea"/>
+              </a:rPr>
+              <a:t>q.qsize()</a:t>
+            </a:r>
+            <a:endParaRPr lang="en-US" altLang="zh-CN">
+              <a:solidFill>
+                <a:schemeClr val="tx1">
+                  <a:lumMod val="75000"/>
+                  <a:lumOff val="25000"/>
+                </a:schemeClr>
+              </a:solidFill>
+              <a:latin typeface="Menlo Regular" panose="020B0609030804020204" charset="0"/>
+              <a:ea typeface="微软雅黑" charset="0"/>
+              <a:cs typeface="Menlo Regular" panose="020B0609030804020204" charset="0"/>
+              <a:sym typeface="+mn-ea"/>
+            </a:endParaRPr>
+          </a:p>
+          <a:p>
+            <a:pPr>
+              <a:lnSpc>
+                <a:spcPct val="130000"/>
+              </a:lnSpc>
+              <a:spcBef>
+                <a:spcPts val="0"/>
+              </a:spcBef>
+              <a:spcAft>
+                <a:spcPts val="0"/>
+              </a:spcAft>
+            </a:pPr>
+            <a:r>
+              <a:rPr lang="en-US" altLang="zh-CN">
+                <a:solidFill>
+                  <a:schemeClr val="tx1">
+                    <a:lumMod val="75000"/>
+                    <a:lumOff val="25000"/>
+                  </a:schemeClr>
+                </a:solidFill>
+                <a:latin typeface="Menlo Regular" panose="020B0609030804020204" charset="0"/>
+                <a:ea typeface="微软雅黑" charset="0"/>
+                <a:cs typeface="Menlo Regular" panose="020B0609030804020204" charset="0"/>
+                <a:sym typeface="+mn-ea"/>
+              </a:rPr>
+              <a:t># </a:t>
+            </a:r>
+            <a:r>
+              <a:rPr lang="zh-CN" altLang="en-US">
+                <a:solidFill>
+                  <a:schemeClr val="tx1">
+                    <a:lumMod val="75000"/>
+                    <a:lumOff val="25000"/>
+                  </a:schemeClr>
+                </a:solidFill>
+                <a:latin typeface="Menlo Regular" panose="020B0609030804020204" charset="0"/>
+                <a:ea typeface="微软雅黑" charset="0"/>
+                <a:cs typeface="Menlo Regular" panose="020B0609030804020204" charset="0"/>
+                <a:sym typeface="+mn-ea"/>
+              </a:rPr>
+              <a:t>判断是否为空</a:t>
+            </a:r>
+            <a:endParaRPr lang="zh-CN" altLang="en-US">
+              <a:solidFill>
+                <a:schemeClr val="tx1">
+                  <a:lumMod val="75000"/>
+                  <a:lumOff val="25000"/>
+                </a:schemeClr>
+              </a:solidFill>
+              <a:latin typeface="Menlo Regular" panose="020B0609030804020204" charset="0"/>
+              <a:ea typeface="微软雅黑" charset="0"/>
+              <a:cs typeface="Menlo Regular" panose="020B0609030804020204" charset="0"/>
+              <a:sym typeface="+mn-ea"/>
+            </a:endParaRPr>
+          </a:p>
+          <a:p>
+            <a:pPr>
+              <a:lnSpc>
+                <a:spcPct val="130000"/>
+              </a:lnSpc>
+              <a:spcBef>
+                <a:spcPts val="0"/>
+              </a:spcBef>
+              <a:spcAft>
+                <a:spcPts val="0"/>
+              </a:spcAft>
+            </a:pPr>
+            <a:r>
+              <a:rPr lang="en-US" altLang="zh-CN">
+                <a:solidFill>
+                  <a:schemeClr val="tx1">
+                    <a:lumMod val="75000"/>
+                    <a:lumOff val="25000"/>
+                  </a:schemeClr>
+                </a:solidFill>
+                <a:latin typeface="Menlo Regular" panose="020B0609030804020204" charset="0"/>
+                <a:ea typeface="微软雅黑" charset="0"/>
+                <a:cs typeface="Menlo Regular" panose="020B0609030804020204" charset="0"/>
+                <a:sym typeface="+mn-ea"/>
+              </a:rPr>
+              <a:t>q.empty()</a:t>
+            </a:r>
+            <a:endParaRPr lang="en-US" altLang="zh-CN">
+              <a:solidFill>
+                <a:schemeClr val="tx1">
+                  <a:lumMod val="75000"/>
+                  <a:lumOff val="25000"/>
+                </a:schemeClr>
+              </a:solidFill>
+              <a:latin typeface="Menlo Regular" panose="020B0609030804020204" charset="0"/>
+              <a:ea typeface="微软雅黑" charset="0"/>
+              <a:cs typeface="Menlo Regular" panose="020B0609030804020204" charset="0"/>
+              <a:sym typeface="+mn-ea"/>
+            </a:endParaRPr>
+          </a:p>
+          <a:p>
+            <a:pPr>
+              <a:lnSpc>
+                <a:spcPct val="130000"/>
+              </a:lnSpc>
+              <a:spcBef>
+                <a:spcPts val="0"/>
+              </a:spcBef>
+              <a:spcAft>
+                <a:spcPts val="0"/>
+              </a:spcAft>
+            </a:pPr>
+            <a:r>
+              <a:rPr lang="en-US" altLang="zh-CN">
+                <a:solidFill>
+                  <a:schemeClr val="tx1">
+                    <a:lumMod val="75000"/>
+                    <a:lumOff val="25000"/>
+                  </a:schemeClr>
+                </a:solidFill>
+                <a:latin typeface="Menlo Regular" panose="020B0609030804020204" charset="0"/>
+                <a:ea typeface="微软雅黑" charset="0"/>
+                <a:cs typeface="Menlo Regular" panose="020B0609030804020204" charset="0"/>
+                <a:sym typeface="+mn-ea"/>
+              </a:rPr>
+              <a:t># </a:t>
+            </a:r>
+            <a:r>
+              <a:rPr lang="zh-CN" altLang="en-US">
+                <a:solidFill>
+                  <a:schemeClr val="tx1">
+                    <a:lumMod val="75000"/>
+                    <a:lumOff val="25000"/>
+                  </a:schemeClr>
+                </a:solidFill>
+                <a:latin typeface="Menlo Regular" panose="020B0609030804020204" charset="0"/>
+                <a:ea typeface="微软雅黑" charset="0"/>
+                <a:cs typeface="Menlo Regular" panose="020B0609030804020204" charset="0"/>
+                <a:sym typeface="+mn-ea"/>
+              </a:rPr>
+              <a:t>判断是否已满</a:t>
+            </a:r>
+            <a:endParaRPr lang="zh-CN" altLang="en-US">
+              <a:solidFill>
+                <a:schemeClr val="tx1">
+                  <a:lumMod val="75000"/>
+                  <a:lumOff val="25000"/>
+                </a:schemeClr>
+              </a:solidFill>
+              <a:latin typeface="Menlo Regular" panose="020B0609030804020204" charset="0"/>
+              <a:ea typeface="微软雅黑" charset="0"/>
+              <a:cs typeface="Menlo Regular" panose="020B0609030804020204" charset="0"/>
+              <a:sym typeface="+mn-ea"/>
+            </a:endParaRPr>
+          </a:p>
+          <a:p>
+            <a:pPr>
+              <a:lnSpc>
+                <a:spcPct val="130000"/>
+              </a:lnSpc>
+              <a:spcBef>
+                <a:spcPts val="0"/>
+              </a:spcBef>
+              <a:spcAft>
+                <a:spcPts val="0"/>
+              </a:spcAft>
+            </a:pPr>
+            <a:r>
+              <a:rPr lang="en-US" altLang="zh-CN">
+                <a:solidFill>
+                  <a:schemeClr val="tx1">
+                    <a:lumMod val="75000"/>
+                    <a:lumOff val="25000"/>
+                  </a:schemeClr>
+                </a:solidFill>
+                <a:latin typeface="Menlo Regular" panose="020B0609030804020204" charset="0"/>
+                <a:ea typeface="微软雅黑" charset="0"/>
+                <a:cs typeface="Menlo Regular" panose="020B0609030804020204" charset="0"/>
+                <a:sym typeface="+mn-ea"/>
+              </a:rPr>
+              <a:t>q.full()</a:t>
+            </a:r>
+            <a:endParaRPr lang="en-US" altLang="zh-CN">
+              <a:solidFill>
+                <a:schemeClr val="tx1">
+                  <a:lumMod val="75000"/>
+                  <a:lumOff val="25000"/>
+                </a:schemeClr>
+              </a:solidFill>
+              <a:latin typeface="Menlo Regular" panose="020B0609030804020204" charset="0"/>
+              <a:ea typeface="微软雅黑" charset="0"/>
+              <a:cs typeface="Menlo Regular" panose="020B0609030804020204" charset="0"/>
+              <a:sym typeface="+mn-ea"/>
+            </a:endParaRPr>
+          </a:p>
+        </p:txBody>
+      </p:sp>
+    </p:spTree>
+  </p:cSld>
+  <p:clrMapOvr>
+    <a:masterClrMapping/>
+  </p:clrMapOvr>
+  <p:timing>
+    <p:tnLst>
+      <p:par>
+        <p:cTn id="1" dur="indefinite" restart="never" nodeType="tmRoot"/>
+      </p:par>
+    </p:tnLst>
+  </p:timing>
+</p:sld>
+</file>
+
 <file path=ppt/slides/slide3.xml><?xml version="1.0" encoding="utf-8"?>
 <p:sld xmlns:a="http://schemas.openxmlformats.org/drawingml/2006/main" xmlns:r="http://schemas.openxmlformats.org/officeDocument/2006/relationships" xmlns:p="http://schemas.openxmlformats.org/presentationml/2006/main">
   <p:cSld>
@@ -17988,6 +21112,12 @@
 </p:tagLst>
 </file>
 
+<file path=ppt/tags/tag6.xml><?xml version="1.0" encoding="utf-8"?>
+<p:tagLst xmlns:p="http://schemas.openxmlformats.org/presentationml/2006/main">
+  <p:tag name="KSO_WM_SLIDE_MODEL_TYPE" val="cover"/>
+</p:tagLst>
+</file>
+
 <file path=ppt/theme/theme1.xml><?xml version="1.0" encoding="utf-8"?>
 <a:theme xmlns:a="http://schemas.openxmlformats.org/drawingml/2006/main" name="Office">
   <a:themeElements>

--- a/Python并发编程简介.pptx
+++ b/Python并发编程简介.pptx
@@ -34,6 +34,15 @@
     <p:sldId id="297" r:id="rId27"/>
     <p:sldId id="299" r:id="rId28"/>
     <p:sldId id="298" r:id="rId29"/>
+    <p:sldId id="301" r:id="rId30"/>
+    <p:sldId id="302" r:id="rId31"/>
+    <p:sldId id="303" r:id="rId32"/>
+    <p:sldId id="304" r:id="rId33"/>
+    <p:sldId id="305" r:id="rId34"/>
+    <p:sldId id="306" r:id="rId35"/>
+    <p:sldId id="307" r:id="rId36"/>
+    <p:sldId id="308" r:id="rId37"/>
+    <p:sldId id="309" r:id="rId38"/>
   </p:sldIdLst>
   <p:sldSz cx="12192000" cy="6858000"/>
   <p:notesSz cx="7103745" cy="10234295"/>
@@ -15277,6 +15286,1499 @@
 </p:sld>
 </file>
 
+<file path=ppt/slides/slide27.xml><?xml version="1.0" encoding="utf-8"?>
+<p:sld xmlns:a="http://schemas.openxmlformats.org/drawingml/2006/main" xmlns:r="http://schemas.openxmlformats.org/officeDocument/2006/relationships" xmlns:p="http://schemas.openxmlformats.org/presentationml/2006/main">
+  <p:cSld>
+    <p:bg>
+      <p:bgPr>
+        <a:gradFill>
+          <a:gsLst>
+            <a:gs pos="0">
+              <a:srgbClr val="012D86"/>
+            </a:gs>
+            <a:gs pos="100000">
+              <a:srgbClr val="0E2557"/>
+            </a:gs>
+          </a:gsLst>
+          <a:lin ang="5400000" scaled="0"/>
+        </a:gradFill>
+        <a:effectLst/>
+      </p:bgPr>
+    </p:bg>
+    <p:spTree>
+      <p:nvGrpSpPr>
+        <p:cNvPr id="1" name=""/>
+        <p:cNvGrpSpPr/>
+        <p:nvPr/>
+      </p:nvGrpSpPr>
+      <p:grpSpPr/>
+      <p:sp>
+        <p:nvSpPr>
+          <p:cNvPr id="2" name="标题 1"/>
+          <p:cNvSpPr>
+            <a:spLocks noGrp="1"/>
+          </p:cNvSpPr>
+          <p:nvPr>
+            <p:ph type="ctrTitle"/>
+          </p:nvPr>
+        </p:nvSpPr>
+        <p:spPr>
+          <a:xfrm>
+            <a:off x="4892675" y="2880995"/>
+            <a:ext cx="6174105" cy="2199640"/>
+          </a:xfrm>
+        </p:spPr>
+        <p:style>
+          <a:lnRef idx="2">
+            <a:schemeClr val="accent6">
+              <a:shade val="50000"/>
+            </a:schemeClr>
+          </a:lnRef>
+          <a:fillRef idx="1">
+            <a:schemeClr val="accent6"/>
+          </a:fillRef>
+          <a:effectRef idx="0">
+            <a:schemeClr val="accent6"/>
+          </a:effectRef>
+          <a:fontRef idx="minor">
+            <a:schemeClr val="lt1"/>
+          </a:fontRef>
+        </p:style>
+        <p:txBody>
+          <a:bodyPr anchor="ctr" anchorCtr="0">
+            <a:noAutofit/>
+          </a:bodyPr>
+          <a:p>
+            <a:pPr algn="l">
+              <a:lnSpc>
+                <a:spcPct val="130000"/>
+              </a:lnSpc>
+              <a:spcBef>
+                <a:spcPts val="0"/>
+              </a:spcBef>
+              <a:spcAft>
+                <a:spcPts val="0"/>
+              </a:spcAft>
+            </a:pPr>
+            <a:r>
+              <a:rPr lang="zh-CN" altLang="en-US" sz="5400" b="1">
+                <a:solidFill>
+                  <a:schemeClr val="bg1"/>
+                </a:solidFill>
+                <a:latin typeface="微软雅黑" charset="0"/>
+                <a:ea typeface="微软雅黑" charset="0"/>
+                <a:cs typeface="微软雅黑" charset="0"/>
+              </a:rPr>
+              <a:t>线程安全问题</a:t>
+            </a:r>
+            <a:br>
+              <a:rPr lang="zh-CN" altLang="en-US" sz="5400" b="1">
+                <a:solidFill>
+                  <a:schemeClr val="bg1"/>
+                </a:solidFill>
+                <a:latin typeface="微软雅黑" charset="0"/>
+                <a:ea typeface="微软雅黑" charset="0"/>
+                <a:cs typeface="微软雅黑" charset="0"/>
+              </a:rPr>
+            </a:br>
+            <a:r>
+              <a:rPr lang="zh-CN" altLang="en-US" sz="5400" b="1">
+                <a:solidFill>
+                  <a:schemeClr val="bg1"/>
+                </a:solidFill>
+                <a:latin typeface="微软雅黑" charset="0"/>
+                <a:ea typeface="微软雅黑" charset="0"/>
+                <a:cs typeface="微软雅黑" charset="0"/>
+              </a:rPr>
+              <a:t>以及</a:t>
+            </a:r>
+            <a:r>
+              <a:rPr lang="en-US" altLang="zh-CN" sz="5400" b="1">
+                <a:solidFill>
+                  <a:schemeClr val="bg1"/>
+                </a:solidFill>
+                <a:latin typeface="微软雅黑" charset="0"/>
+                <a:ea typeface="微软雅黑" charset="0"/>
+                <a:cs typeface="微软雅黑" charset="0"/>
+              </a:rPr>
+              <a:t>Lock</a:t>
+            </a:r>
+            <a:r>
+              <a:rPr lang="zh-CN" altLang="en-US" sz="5400" b="1">
+                <a:solidFill>
+                  <a:schemeClr val="bg1"/>
+                </a:solidFill>
+                <a:latin typeface="微软雅黑" charset="0"/>
+                <a:ea typeface="微软雅黑" charset="0"/>
+                <a:cs typeface="微软雅黑" charset="0"/>
+              </a:rPr>
+              <a:t>解决方案</a:t>
+            </a:r>
+            <a:endParaRPr lang="zh-CN" altLang="en-US" sz="5400" b="1">
+              <a:solidFill>
+                <a:schemeClr val="bg1"/>
+              </a:solidFill>
+              <a:latin typeface="微软雅黑" charset="0"/>
+              <a:ea typeface="微软雅黑" charset="0"/>
+              <a:cs typeface="微软雅黑" charset="0"/>
+            </a:endParaRPr>
+          </a:p>
+        </p:txBody>
+      </p:sp>
+      <p:pic>
+        <p:nvPicPr>
+          <p:cNvPr id="5" name="图片 4" descr="kisspng-angle-text-symbol-brand-other-python-5ab0c09b9ea1a7.3286927515215330836498 (1)"/>
+          <p:cNvPicPr>
+            <a:picLocks noChangeAspect="1"/>
+          </p:cNvPicPr>
+          <p:nvPr/>
+        </p:nvPicPr>
+        <p:blipFill>
+          <a:blip r:embed="rId1"/>
+          <a:stretch>
+            <a:fillRect/>
+          </a:stretch>
+        </p:blipFill>
+        <p:spPr>
+          <a:xfrm>
+            <a:off x="288290" y="986790"/>
+            <a:ext cx="4884420" cy="4884420"/>
+          </a:xfrm>
+          <a:prstGeom prst="rect">
+            <a:avLst/>
+          </a:prstGeom>
+        </p:spPr>
+      </p:pic>
+      <p:sp>
+        <p:nvSpPr>
+          <p:cNvPr id="3" name="文本框 2"/>
+          <p:cNvSpPr txBox="1"/>
+          <p:nvPr/>
+        </p:nvSpPr>
+        <p:spPr>
+          <a:xfrm>
+            <a:off x="4831080" y="1866265"/>
+            <a:ext cx="6005195" cy="1014730"/>
+          </a:xfrm>
+          <a:prstGeom prst="rect">
+            <a:avLst/>
+          </a:prstGeom>
+          <a:noFill/>
+        </p:spPr>
+        <p:txBody>
+          <a:bodyPr wrap="none" rtlCol="0" anchor="t">
+            <a:spAutoFit/>
+          </a:bodyPr>
+          <a:p>
+            <a:r>
+              <a:rPr lang="en-US" sz="6000" b="1">
+                <a:solidFill>
+                  <a:schemeClr val="bg1"/>
+                </a:solidFill>
+                <a:latin typeface="微软雅黑" charset="0"/>
+                <a:ea typeface="微软雅黑" charset="0"/>
+                <a:cs typeface="微软雅黑" charset="0"/>
+                <a:sym typeface="+mn-ea"/>
+              </a:rPr>
+              <a:t>Python</a:t>
+            </a:r>
+            <a:r>
+              <a:rPr lang="zh-CN" altLang="en-US" sz="6000" b="1">
+                <a:solidFill>
+                  <a:schemeClr val="bg1"/>
+                </a:solidFill>
+                <a:latin typeface="微软雅黑" charset="0"/>
+                <a:ea typeface="微软雅黑" charset="0"/>
+                <a:cs typeface="微软雅黑" charset="0"/>
+                <a:sym typeface="+mn-ea"/>
+              </a:rPr>
+              <a:t> 并发编程</a:t>
+            </a:r>
+            <a:endParaRPr lang="zh-CN" altLang="en-US" sz="6000" b="1">
+              <a:solidFill>
+                <a:schemeClr val="bg1"/>
+              </a:solidFill>
+              <a:latin typeface="微软雅黑" charset="0"/>
+              <a:ea typeface="微软雅黑" charset="0"/>
+              <a:cs typeface="微软雅黑" charset="0"/>
+              <a:sym typeface="+mn-ea"/>
+            </a:endParaRPr>
+          </a:p>
+        </p:txBody>
+      </p:sp>
+    </p:spTree>
+    <p:custDataLst>
+      <p:tags r:id="rId2"/>
+    </p:custDataLst>
+  </p:cSld>
+  <p:clrMapOvr>
+    <a:masterClrMapping/>
+  </p:clrMapOvr>
+</p:sld>
+</file>
+
+<file path=ppt/slides/slide28.xml><?xml version="1.0" encoding="utf-8"?>
+<p:sld xmlns:a="http://schemas.openxmlformats.org/drawingml/2006/main" xmlns:r="http://schemas.openxmlformats.org/officeDocument/2006/relationships" xmlns:p="http://schemas.openxmlformats.org/presentationml/2006/main">
+  <p:cSld>
+    <p:spTree>
+      <p:nvGrpSpPr>
+        <p:cNvPr id="1" name=""/>
+        <p:cNvGrpSpPr/>
+        <p:nvPr/>
+      </p:nvGrpSpPr>
+      <p:grpSpPr/>
+      <p:sp>
+        <p:nvSpPr>
+          <p:cNvPr id="13" name="文本框 12"/>
+          <p:cNvSpPr txBox="1"/>
+          <p:nvPr/>
+        </p:nvSpPr>
+        <p:spPr>
+          <a:xfrm>
+            <a:off x="4785360" y="533400"/>
+            <a:ext cx="2623820" cy="1198880"/>
+          </a:xfrm>
+          <a:prstGeom prst="rect">
+            <a:avLst/>
+          </a:prstGeom>
+          <a:noFill/>
+        </p:spPr>
+        <p:txBody>
+          <a:bodyPr wrap="none" rtlCol="0">
+            <a:spAutoFit/>
+          </a:bodyPr>
+          <a:p>
+            <a:pPr indent="0">
+              <a:lnSpc>
+                <a:spcPct val="150000"/>
+              </a:lnSpc>
+              <a:buFont typeface="Arial" panose="020B0604020202090204" pitchFamily="34" charset="0"/>
+              <a:buNone/>
+            </a:pPr>
+            <a:r>
+              <a:rPr lang="zh-CN" altLang="en-US" sz="4800" b="1">
+                <a:solidFill>
+                  <a:schemeClr val="accent1"/>
+                </a:solidFill>
+                <a:latin typeface="微软雅黑" charset="0"/>
+                <a:ea typeface="微软雅黑" charset="0"/>
+                <a:cs typeface="微软雅黑" charset="0"/>
+              </a:rPr>
+              <a:t>本节提纲</a:t>
+            </a:r>
+            <a:endParaRPr lang="zh-CN" altLang="en-US" sz="4800" b="1">
+              <a:solidFill>
+                <a:schemeClr val="accent1"/>
+              </a:solidFill>
+              <a:latin typeface="微软雅黑" charset="0"/>
+              <a:ea typeface="微软雅黑" charset="0"/>
+              <a:cs typeface="微软雅黑" charset="0"/>
+            </a:endParaRPr>
+          </a:p>
+        </p:txBody>
+      </p:sp>
+      <p:sp>
+        <p:nvSpPr>
+          <p:cNvPr id="3" name="文本框 2"/>
+          <p:cNvSpPr txBox="1"/>
+          <p:nvPr/>
+        </p:nvSpPr>
+        <p:spPr>
+          <a:xfrm>
+            <a:off x="2228850" y="2573655"/>
+            <a:ext cx="6796405" cy="2011045"/>
+          </a:xfrm>
+          <a:prstGeom prst="rect">
+            <a:avLst/>
+          </a:prstGeom>
+          <a:noFill/>
+        </p:spPr>
+        <p:txBody>
+          <a:bodyPr wrap="none" rtlCol="0">
+            <a:spAutoFit/>
+          </a:bodyPr>
+          <a:p>
+            <a:pPr>
+              <a:lnSpc>
+                <a:spcPct val="130000"/>
+              </a:lnSpc>
+              <a:spcBef>
+                <a:spcPts val="0"/>
+              </a:spcBef>
+              <a:spcAft>
+                <a:spcPts val="0"/>
+              </a:spcAft>
+            </a:pPr>
+            <a:r>
+              <a:rPr lang="en-US" altLang="zh-CN" sz="3200">
+                <a:latin typeface="微软雅黑" charset="0"/>
+                <a:ea typeface="微软雅黑" charset="0"/>
+                <a:cs typeface="微软雅黑" charset="0"/>
+              </a:rPr>
+              <a:t>1</a:t>
+            </a:r>
+            <a:r>
+              <a:rPr lang="zh-CN" altLang="en-US" sz="3200">
+                <a:latin typeface="微软雅黑" charset="0"/>
+                <a:ea typeface="微软雅黑" charset="0"/>
+                <a:cs typeface="微软雅黑" charset="0"/>
+              </a:rPr>
+              <a:t>、线程安全概念介绍</a:t>
+            </a:r>
+            <a:endParaRPr lang="en-US" altLang="zh-CN" sz="3200">
+              <a:latin typeface="微软雅黑" charset="0"/>
+              <a:ea typeface="微软雅黑" charset="0"/>
+              <a:cs typeface="微软雅黑" charset="0"/>
+            </a:endParaRPr>
+          </a:p>
+          <a:p>
+            <a:pPr>
+              <a:lnSpc>
+                <a:spcPct val="130000"/>
+              </a:lnSpc>
+              <a:spcBef>
+                <a:spcPts val="0"/>
+              </a:spcBef>
+              <a:spcAft>
+                <a:spcPts val="0"/>
+              </a:spcAft>
+            </a:pPr>
+            <a:r>
+              <a:rPr lang="en-US" altLang="zh-CN" sz="3200">
+                <a:latin typeface="微软雅黑" charset="0"/>
+                <a:ea typeface="微软雅黑" charset="0"/>
+                <a:cs typeface="微软雅黑" charset="0"/>
+              </a:rPr>
+              <a:t>2</a:t>
+            </a:r>
+            <a:r>
+              <a:rPr lang="zh-CN" altLang="en-US" sz="3200">
+                <a:latin typeface="微软雅黑" charset="0"/>
+                <a:ea typeface="微软雅黑" charset="0"/>
+                <a:cs typeface="微软雅黑" charset="0"/>
+              </a:rPr>
+              <a:t>、</a:t>
+            </a:r>
+            <a:r>
+              <a:rPr lang="en-US" altLang="zh-CN" sz="3200">
+                <a:latin typeface="微软雅黑" charset="0"/>
+                <a:ea typeface="微软雅黑" charset="0"/>
+                <a:cs typeface="微软雅黑" charset="0"/>
+              </a:rPr>
+              <a:t>Lock </a:t>
+            </a:r>
+            <a:r>
+              <a:rPr lang="zh-CN" altLang="en-US" sz="3200">
+                <a:latin typeface="微软雅黑" charset="0"/>
+                <a:ea typeface="微软雅黑" charset="0"/>
+                <a:cs typeface="微软雅黑" charset="0"/>
+              </a:rPr>
+              <a:t>用于解决线程安全问题</a:t>
+            </a:r>
+            <a:endParaRPr lang="zh-CN" altLang="en-US" sz="3200">
+              <a:latin typeface="微软雅黑" charset="0"/>
+              <a:ea typeface="微软雅黑" charset="0"/>
+              <a:cs typeface="微软雅黑" charset="0"/>
+            </a:endParaRPr>
+          </a:p>
+          <a:p>
+            <a:pPr>
+              <a:lnSpc>
+                <a:spcPct val="130000"/>
+              </a:lnSpc>
+              <a:spcBef>
+                <a:spcPts val="0"/>
+              </a:spcBef>
+              <a:spcAft>
+                <a:spcPts val="0"/>
+              </a:spcAft>
+            </a:pPr>
+            <a:r>
+              <a:rPr lang="en-US" altLang="zh-CN" sz="3200">
+                <a:latin typeface="微软雅黑" charset="0"/>
+                <a:ea typeface="微软雅黑" charset="0"/>
+                <a:cs typeface="微软雅黑" charset="0"/>
+              </a:rPr>
+              <a:t>3</a:t>
+            </a:r>
+            <a:r>
+              <a:rPr lang="zh-CN" altLang="en-US" sz="3200">
+                <a:latin typeface="微软雅黑" charset="0"/>
+                <a:ea typeface="微软雅黑" charset="0"/>
+                <a:cs typeface="微软雅黑" charset="0"/>
+              </a:rPr>
+              <a:t>、实例代码演示问题 以及 解决方案</a:t>
+            </a:r>
+            <a:endParaRPr lang="zh-CN" altLang="en-US" sz="3200">
+              <a:latin typeface="微软雅黑" charset="0"/>
+              <a:ea typeface="微软雅黑" charset="0"/>
+              <a:cs typeface="微软雅黑" charset="0"/>
+            </a:endParaRPr>
+          </a:p>
+        </p:txBody>
+      </p:sp>
+    </p:spTree>
+  </p:cSld>
+  <p:clrMapOvr>
+    <a:masterClrMapping/>
+  </p:clrMapOvr>
+  <p:timing>
+    <p:tnLst>
+      <p:par>
+        <p:cTn id="1" dur="indefinite" restart="never" nodeType="tmRoot"/>
+      </p:par>
+    </p:tnLst>
+  </p:timing>
+</p:sld>
+</file>
+
+<file path=ppt/slides/slide29.xml><?xml version="1.0" encoding="utf-8"?>
+<p:sld xmlns:a="http://schemas.openxmlformats.org/drawingml/2006/main" xmlns:r="http://schemas.openxmlformats.org/officeDocument/2006/relationships" xmlns:p="http://schemas.openxmlformats.org/presentationml/2006/main">
+  <p:cSld>
+    <p:spTree>
+      <p:nvGrpSpPr>
+        <p:cNvPr id="1" name=""/>
+        <p:cNvGrpSpPr/>
+        <p:nvPr/>
+      </p:nvGrpSpPr>
+      <p:grpSpPr/>
+      <p:sp>
+        <p:nvSpPr>
+          <p:cNvPr id="13" name="文本框 12"/>
+          <p:cNvSpPr txBox="1"/>
+          <p:nvPr/>
+        </p:nvSpPr>
+        <p:spPr>
+          <a:xfrm>
+            <a:off x="2599055" y="656590"/>
+            <a:ext cx="6055995" cy="1198880"/>
+          </a:xfrm>
+          <a:prstGeom prst="rect">
+            <a:avLst/>
+          </a:prstGeom>
+          <a:noFill/>
+        </p:spPr>
+        <p:txBody>
+          <a:bodyPr wrap="none" rtlCol="0">
+            <a:spAutoFit/>
+          </a:bodyPr>
+          <a:p>
+            <a:pPr indent="0" algn="l">
+              <a:lnSpc>
+                <a:spcPct val="150000"/>
+              </a:lnSpc>
+              <a:buFont typeface="Arial" panose="020B0604020202090204" pitchFamily="34" charset="0"/>
+              <a:buNone/>
+            </a:pPr>
+            <a:r>
+              <a:rPr lang="zh-CN" altLang="en-US" sz="4800" b="1">
+                <a:solidFill>
+                  <a:schemeClr val="accent1"/>
+                </a:solidFill>
+                <a:latin typeface="微软雅黑" charset="0"/>
+                <a:ea typeface="微软雅黑" charset="0"/>
+                <a:cs typeface="微软雅黑" charset="0"/>
+              </a:rPr>
+              <a:t>1、线程安全概念介绍</a:t>
+            </a:r>
+            <a:endParaRPr lang="zh-CN" altLang="en-US" sz="4800" b="1">
+              <a:solidFill>
+                <a:schemeClr val="accent1"/>
+              </a:solidFill>
+              <a:latin typeface="微软雅黑" charset="0"/>
+              <a:ea typeface="微软雅黑" charset="0"/>
+              <a:cs typeface="微软雅黑" charset="0"/>
+            </a:endParaRPr>
+          </a:p>
+        </p:txBody>
+      </p:sp>
+      <p:sp>
+        <p:nvSpPr>
+          <p:cNvPr id="3" name="文本框 2"/>
+          <p:cNvSpPr txBox="1"/>
+          <p:nvPr/>
+        </p:nvSpPr>
+        <p:spPr>
+          <a:xfrm>
+            <a:off x="1457325" y="2002155"/>
+            <a:ext cx="9277350" cy="891540"/>
+          </a:xfrm>
+          <a:prstGeom prst="rect">
+            <a:avLst/>
+          </a:prstGeom>
+          <a:noFill/>
+        </p:spPr>
+        <p:txBody>
+          <a:bodyPr wrap="square" rtlCol="0">
+            <a:spAutoFit/>
+          </a:bodyPr>
+          <a:p>
+            <a:pPr algn="l">
+              <a:lnSpc>
+                <a:spcPct val="130000"/>
+              </a:lnSpc>
+              <a:spcBef>
+                <a:spcPts val="0"/>
+              </a:spcBef>
+              <a:spcAft>
+                <a:spcPts val="0"/>
+              </a:spcAft>
+            </a:pPr>
+            <a:r>
+              <a:rPr sz="2000">
+                <a:latin typeface="微软雅黑" charset="0"/>
+                <a:ea typeface="微软雅黑" charset="0"/>
+                <a:cs typeface="微软雅黑" charset="0"/>
+              </a:rPr>
+              <a:t>线程安全指某个函数、函数库在多线程环境中被调用时，能够正确地处理多个线程之间的共享变量，使程序功能正确完成。</a:t>
+            </a:r>
+            <a:endParaRPr sz="2000">
+              <a:latin typeface="微软雅黑" charset="0"/>
+              <a:ea typeface="微软雅黑" charset="0"/>
+              <a:cs typeface="微软雅黑" charset="0"/>
+            </a:endParaRPr>
+          </a:p>
+        </p:txBody>
+      </p:sp>
+      <p:sp>
+        <p:nvSpPr>
+          <p:cNvPr id="2" name="文本框 1"/>
+          <p:cNvSpPr txBox="1"/>
+          <p:nvPr/>
+        </p:nvSpPr>
+        <p:spPr>
+          <a:xfrm>
+            <a:off x="1457325" y="3700145"/>
+            <a:ext cx="4370070" cy="2168525"/>
+          </a:xfrm>
+          <a:prstGeom prst="rect">
+            <a:avLst/>
+          </a:prstGeom>
+          <a:solidFill>
+            <a:schemeClr val="accent2">
+              <a:lumMod val="20000"/>
+              <a:lumOff val="80000"/>
+            </a:schemeClr>
+          </a:solidFill>
+        </p:spPr>
+        <p:txBody>
+          <a:bodyPr wrap="square" rtlCol="0" anchor="t">
+            <a:spAutoFit/>
+          </a:bodyPr>
+          <a:p>
+            <a:pPr>
+              <a:lnSpc>
+                <a:spcPct val="250000"/>
+              </a:lnSpc>
+            </a:pPr>
+            <a:r>
+              <a:rPr lang="zh-CN" altLang="en-US"/>
+              <a:t>def draw(account, amount):</a:t>
+            </a:r>
+            <a:endParaRPr lang="zh-CN" altLang="en-US"/>
+          </a:p>
+          <a:p>
+            <a:pPr>
+              <a:lnSpc>
+                <a:spcPct val="250000"/>
+              </a:lnSpc>
+            </a:pPr>
+            <a:r>
+              <a:rPr lang="zh-CN" altLang="en-US"/>
+              <a:t>    if account.balance &gt;= amount:</a:t>
+            </a:r>
+            <a:endParaRPr lang="zh-CN" altLang="en-US"/>
+          </a:p>
+          <a:p>
+            <a:pPr>
+              <a:lnSpc>
+                <a:spcPct val="250000"/>
+              </a:lnSpc>
+            </a:pPr>
+            <a:r>
+              <a:rPr lang="zh-CN" altLang="en-US"/>
+              <a:t>        account.balance -= amount</a:t>
+            </a:r>
+            <a:endParaRPr lang="zh-CN" altLang="en-US"/>
+          </a:p>
+        </p:txBody>
+      </p:sp>
+      <p:sp>
+        <p:nvSpPr>
+          <p:cNvPr id="4" name="文本框 3"/>
+          <p:cNvSpPr txBox="1"/>
+          <p:nvPr/>
+        </p:nvSpPr>
+        <p:spPr>
+          <a:xfrm>
+            <a:off x="1457325" y="2893695"/>
+            <a:ext cx="9277350" cy="491490"/>
+          </a:xfrm>
+          <a:prstGeom prst="rect">
+            <a:avLst/>
+          </a:prstGeom>
+          <a:noFill/>
+        </p:spPr>
+        <p:txBody>
+          <a:bodyPr wrap="square" rtlCol="0">
+            <a:spAutoFit/>
+          </a:bodyPr>
+          <a:p>
+            <a:pPr algn="l">
+              <a:lnSpc>
+                <a:spcPct val="130000"/>
+              </a:lnSpc>
+              <a:spcBef>
+                <a:spcPts val="0"/>
+              </a:spcBef>
+              <a:spcAft>
+                <a:spcPts val="0"/>
+              </a:spcAft>
+            </a:pPr>
+            <a:r>
+              <a:rPr lang="zh-CN" altLang="en-US" sz="2000">
+                <a:latin typeface="微软雅黑" charset="0"/>
+                <a:ea typeface="微软雅黑" charset="0"/>
+                <a:cs typeface="微软雅黑" charset="0"/>
+              </a:rPr>
+              <a:t>由于线程的执行随时会发生切换，就造成了不可预料的结果，出现线程不安全</a:t>
+            </a:r>
+            <a:endParaRPr lang="zh-CN" altLang="en-US" sz="2000">
+              <a:latin typeface="微软雅黑" charset="0"/>
+              <a:ea typeface="微软雅黑" charset="0"/>
+              <a:cs typeface="微软雅黑" charset="0"/>
+            </a:endParaRPr>
+          </a:p>
+        </p:txBody>
+      </p:sp>
+      <p:grpSp>
+        <p:nvGrpSpPr>
+          <p:cNvPr id="17" name="组合 16"/>
+          <p:cNvGrpSpPr/>
+          <p:nvPr/>
+        </p:nvGrpSpPr>
+        <p:grpSpPr>
+          <a:xfrm>
+            <a:off x="6697345" y="3638550"/>
+            <a:ext cx="3705225" cy="2576830"/>
+            <a:chOff x="10547" y="5730"/>
+            <a:chExt cx="5835" cy="4058"/>
+          </a:xfrm>
+        </p:grpSpPr>
+        <p:sp>
+          <p:nvSpPr>
+            <p:cNvPr id="7" name="矩形 6"/>
+            <p:cNvSpPr/>
+            <p:nvPr/>
+          </p:nvSpPr>
+          <p:spPr>
+            <a:xfrm>
+              <a:off x="10547" y="5730"/>
+              <a:ext cx="2327" cy="540"/>
+            </a:xfrm>
+            <a:prstGeom prst="rect">
+              <a:avLst/>
+            </a:prstGeom>
+          </p:spPr>
+          <p:style>
+            <a:lnRef idx="2">
+              <a:schemeClr val="accent1">
+                <a:shade val="50000"/>
+              </a:schemeClr>
+            </a:lnRef>
+            <a:fillRef idx="1">
+              <a:schemeClr val="accent1"/>
+            </a:fillRef>
+            <a:effectRef idx="0">
+              <a:schemeClr val="accent1"/>
+            </a:effectRef>
+            <a:fontRef idx="minor">
+              <a:schemeClr val="lt1"/>
+            </a:fontRef>
+          </p:style>
+          <p:txBody>
+            <a:bodyPr rtlCol="0" anchor="ctr"/>
+            <a:p>
+              <a:pPr algn="ctr"/>
+              <a:r>
+                <a:rPr lang="zh-CN" altLang="en-US"/>
+                <a:t>线程</a:t>
+              </a:r>
+              <a:r>
+                <a:rPr lang="en-US" altLang="zh-CN"/>
+                <a:t>1</a:t>
+              </a:r>
+              <a:endParaRPr lang="en-US" altLang="zh-CN"/>
+            </a:p>
+          </p:txBody>
+        </p:sp>
+        <p:sp>
+          <p:nvSpPr>
+            <p:cNvPr id="8" name="矩形 7"/>
+            <p:cNvSpPr/>
+            <p:nvPr/>
+          </p:nvSpPr>
+          <p:spPr>
+            <a:xfrm>
+              <a:off x="14056" y="5730"/>
+              <a:ext cx="2327" cy="540"/>
+            </a:xfrm>
+            <a:prstGeom prst="rect">
+              <a:avLst/>
+            </a:prstGeom>
+          </p:spPr>
+          <p:style>
+            <a:lnRef idx="2">
+              <a:schemeClr val="accent1">
+                <a:shade val="50000"/>
+              </a:schemeClr>
+            </a:lnRef>
+            <a:fillRef idx="1">
+              <a:schemeClr val="accent1"/>
+            </a:fillRef>
+            <a:effectRef idx="0">
+              <a:schemeClr val="accent1"/>
+            </a:effectRef>
+            <a:fontRef idx="minor">
+              <a:schemeClr val="lt1"/>
+            </a:fontRef>
+          </p:style>
+          <p:txBody>
+            <a:bodyPr rtlCol="0" anchor="ctr"/>
+            <a:p>
+              <a:pPr algn="ctr"/>
+              <a:r>
+                <a:rPr lang="zh-CN" altLang="en-US"/>
+                <a:t>线程</a:t>
+              </a:r>
+              <a:r>
+                <a:rPr lang="en-US" altLang="zh-CN"/>
+                <a:t>2</a:t>
+              </a:r>
+              <a:endParaRPr lang="en-US" altLang="zh-CN"/>
+            </a:p>
+          </p:txBody>
+        </p:sp>
+        <p:cxnSp>
+          <p:nvCxnSpPr>
+            <p:cNvPr id="9" name="直接连接符 8"/>
+            <p:cNvCxnSpPr>
+              <a:stCxn id="7" idx="2"/>
+            </p:cNvCxnSpPr>
+            <p:nvPr/>
+          </p:nvCxnSpPr>
+          <p:spPr>
+            <a:xfrm>
+              <a:off x="11711" y="6270"/>
+              <a:ext cx="0" cy="3477"/>
+            </a:xfrm>
+            <a:prstGeom prst="line">
+              <a:avLst/>
+            </a:prstGeom>
+          </p:spPr>
+          <p:style>
+            <a:lnRef idx="3">
+              <a:schemeClr val="accent1"/>
+            </a:lnRef>
+            <a:fillRef idx="0">
+              <a:schemeClr val="accent1"/>
+            </a:fillRef>
+            <a:effectRef idx="2">
+              <a:schemeClr val="accent1"/>
+            </a:effectRef>
+            <a:fontRef idx="minor">
+              <a:schemeClr val="tx1"/>
+            </a:fontRef>
+          </p:style>
+        </p:cxnSp>
+        <p:cxnSp>
+          <p:nvCxnSpPr>
+            <p:cNvPr id="10" name="直接连接符 9"/>
+            <p:cNvCxnSpPr/>
+            <p:nvPr/>
+          </p:nvCxnSpPr>
+          <p:spPr>
+            <a:xfrm>
+              <a:off x="15220" y="6270"/>
+              <a:ext cx="0" cy="3519"/>
+            </a:xfrm>
+            <a:prstGeom prst="line">
+              <a:avLst/>
+            </a:prstGeom>
+          </p:spPr>
+          <p:style>
+            <a:lnRef idx="3">
+              <a:schemeClr val="accent1"/>
+            </a:lnRef>
+            <a:fillRef idx="0">
+              <a:schemeClr val="accent1"/>
+            </a:fillRef>
+            <a:effectRef idx="2">
+              <a:schemeClr val="accent1"/>
+            </a:effectRef>
+            <a:fontRef idx="minor">
+              <a:schemeClr val="tx1"/>
+            </a:fontRef>
+          </p:style>
+        </p:cxnSp>
+      </p:grpSp>
+      <p:sp>
+        <p:nvSpPr>
+          <p:cNvPr id="11" name="文本框 10"/>
+          <p:cNvSpPr txBox="1"/>
+          <p:nvPr/>
+        </p:nvSpPr>
+        <p:spPr>
+          <a:xfrm>
+            <a:off x="6036945" y="4192905"/>
+            <a:ext cx="2944495" cy="368300"/>
+          </a:xfrm>
+          <a:prstGeom prst="rect">
+            <a:avLst/>
+          </a:prstGeom>
+          <a:solidFill>
+            <a:schemeClr val="bg2"/>
+          </a:solidFill>
+        </p:spPr>
+        <p:txBody>
+          <a:bodyPr wrap="none" rtlCol="0">
+            <a:spAutoFit/>
+          </a:bodyPr>
+          <a:p>
+            <a:r>
+              <a:rPr lang="zh-CN" altLang="en-US"/>
+              <a:t>余额</a:t>
+            </a:r>
+            <a:r>
+              <a:rPr lang="en-US" altLang="zh-CN"/>
+              <a:t>1000</a:t>
+            </a:r>
+            <a:r>
+              <a:rPr lang="zh-CN" altLang="en-US"/>
+              <a:t>大于</a:t>
+            </a:r>
+            <a:r>
+              <a:rPr lang="en-US" altLang="zh-CN"/>
+              <a:t>800</a:t>
+            </a:r>
+            <a:r>
+              <a:rPr lang="zh-CN" altLang="en-US"/>
+              <a:t>，进入</a:t>
+            </a:r>
+            <a:r>
+              <a:rPr lang="en-US" altLang="zh-CN"/>
+              <a:t>if</a:t>
+            </a:r>
+            <a:endParaRPr lang="en-US" altLang="zh-CN"/>
+          </a:p>
+        </p:txBody>
+      </p:sp>
+      <p:sp>
+        <p:nvSpPr>
+          <p:cNvPr id="12" name="文本框 11"/>
+          <p:cNvSpPr txBox="1"/>
+          <p:nvPr/>
+        </p:nvSpPr>
+        <p:spPr>
+          <a:xfrm>
+            <a:off x="8335645" y="4663440"/>
+            <a:ext cx="2799080" cy="368300"/>
+          </a:xfrm>
+          <a:prstGeom prst="rect">
+            <a:avLst/>
+          </a:prstGeom>
+          <a:solidFill>
+            <a:schemeClr val="bg2"/>
+          </a:solidFill>
+        </p:spPr>
+        <p:txBody>
+          <a:bodyPr wrap="none" rtlCol="0">
+            <a:spAutoFit/>
+          </a:bodyPr>
+          <a:p>
+            <a:r>
+              <a:rPr lang="zh-CN" altLang="en-US"/>
+              <a:t>余额</a:t>
+            </a:r>
+            <a:r>
+              <a:rPr lang="en-US" altLang="zh-CN"/>
+              <a:t>100</a:t>
+            </a:r>
+            <a:r>
+              <a:rPr lang="zh-CN" altLang="en-US"/>
+              <a:t>大于</a:t>
+            </a:r>
+            <a:r>
+              <a:rPr lang="en-US" altLang="zh-CN"/>
+              <a:t>800</a:t>
+            </a:r>
+            <a:r>
+              <a:rPr lang="zh-CN" altLang="en-US"/>
+              <a:t>，进入</a:t>
+            </a:r>
+            <a:r>
+              <a:rPr lang="en-US" altLang="zh-CN"/>
+              <a:t>if</a:t>
+            </a:r>
+            <a:endParaRPr lang="en-US" altLang="zh-CN"/>
+          </a:p>
+        </p:txBody>
+      </p:sp>
+      <p:sp>
+        <p:nvSpPr>
+          <p:cNvPr id="14" name="文本框 13"/>
+          <p:cNvSpPr txBox="1"/>
+          <p:nvPr/>
+        </p:nvSpPr>
+        <p:spPr>
+          <a:xfrm>
+            <a:off x="6115050" y="5229860"/>
+            <a:ext cx="3008630" cy="368300"/>
+          </a:xfrm>
+          <a:prstGeom prst="rect">
+            <a:avLst/>
+          </a:prstGeom>
+          <a:solidFill>
+            <a:schemeClr val="bg2"/>
+          </a:solidFill>
+        </p:spPr>
+        <p:txBody>
+          <a:bodyPr wrap="none" rtlCol="0">
+            <a:spAutoFit/>
+          </a:bodyPr>
+          <a:p>
+            <a:r>
+              <a:rPr lang="zh-CN" altLang="en-US"/>
+              <a:t>余额</a:t>
+            </a:r>
+            <a:r>
+              <a:rPr lang="en-US" altLang="zh-CN"/>
+              <a:t>1000</a:t>
+            </a:r>
+            <a:r>
+              <a:rPr lang="zh-CN" altLang="en-US"/>
+              <a:t>减去</a:t>
+            </a:r>
+            <a:r>
+              <a:rPr lang="en-US" altLang="zh-CN"/>
+              <a:t>800</a:t>
+            </a:r>
+            <a:r>
+              <a:rPr lang="zh-CN" altLang="en-US"/>
+              <a:t>变成</a:t>
+            </a:r>
+            <a:r>
+              <a:rPr lang="en-US" altLang="zh-CN"/>
+              <a:t>200</a:t>
+            </a:r>
+            <a:endParaRPr lang="en-US" altLang="zh-CN"/>
+          </a:p>
+        </p:txBody>
+      </p:sp>
+      <p:sp>
+        <p:nvSpPr>
+          <p:cNvPr id="15" name="文本框 14"/>
+          <p:cNvSpPr txBox="1"/>
+          <p:nvPr/>
+        </p:nvSpPr>
+        <p:spPr>
+          <a:xfrm>
+            <a:off x="8448675" y="5699760"/>
+            <a:ext cx="2966720" cy="368300"/>
+          </a:xfrm>
+          <a:prstGeom prst="rect">
+            <a:avLst/>
+          </a:prstGeom>
+          <a:solidFill>
+            <a:schemeClr val="bg2"/>
+          </a:solidFill>
+        </p:spPr>
+        <p:txBody>
+          <a:bodyPr wrap="none" rtlCol="0">
+            <a:spAutoFit/>
+          </a:bodyPr>
+          <a:p>
+            <a:r>
+              <a:rPr lang="zh-CN" altLang="en-US"/>
+              <a:t>余额</a:t>
+            </a:r>
+            <a:r>
+              <a:rPr lang="en-US" altLang="zh-CN"/>
+              <a:t>200</a:t>
+            </a:r>
+            <a:r>
+              <a:rPr lang="zh-CN" altLang="en-US"/>
+              <a:t>减去</a:t>
+            </a:r>
+            <a:r>
+              <a:rPr lang="en-US" altLang="zh-CN"/>
+              <a:t>800</a:t>
+            </a:r>
+            <a:r>
+              <a:rPr lang="zh-CN" altLang="en-US"/>
+              <a:t>变成</a:t>
+            </a:r>
+            <a:r>
+              <a:rPr lang="en-US" altLang="zh-CN"/>
+              <a:t>-600</a:t>
+            </a:r>
+            <a:endParaRPr lang="en-US" altLang="zh-CN"/>
+          </a:p>
+        </p:txBody>
+      </p:sp>
+    </p:spTree>
+  </p:cSld>
+  <p:clrMapOvr>
+    <a:masterClrMapping/>
+  </p:clrMapOvr>
+  <p:timing>
+    <p:tnLst>
+      <p:par>
+        <p:cTn id="1" dur="indefinite" restart="never" nodeType="tmRoot">
+          <p:childTnLst>
+            <p:seq concurrent="1" nextAc="seek">
+              <p:cTn id="2" dur="indefinite" nodeType="mainSeq">
+                <p:childTnLst>
+                  <p:par>
+                    <p:cTn id="3" fill="hold">
+                      <p:stCondLst>
+                        <p:cond delay="indefinite"/>
+                      </p:stCondLst>
+                      <p:childTnLst>
+                        <p:par>
+                          <p:cTn id="4" fill="hold">
+                            <p:stCondLst>
+                              <p:cond delay="0"/>
+                            </p:stCondLst>
+                            <p:childTnLst>
+                              <p:par>
+                                <p:cTn id="5" presetID="22" presetClass="entr" presetSubtype="4" fill="hold" grpId="0" nodeType="clickEffect">
+                                  <p:stCondLst>
+                                    <p:cond delay="0"/>
+                                  </p:stCondLst>
+                                  <p:childTnLst>
+                                    <p:set>
+                                      <p:cBhvr>
+                                        <p:cTn id="6" dur="1" fill="hold">
+                                          <p:stCondLst>
+                                            <p:cond delay="0"/>
+                                          </p:stCondLst>
+                                        </p:cTn>
+                                        <p:tgtEl>
+                                          <p:spTgt spid="3"/>
+                                        </p:tgtEl>
+                                        <p:attrNameLst>
+                                          <p:attrName>style.visibility</p:attrName>
+                                        </p:attrNameLst>
+                                      </p:cBhvr>
+                                      <p:to>
+                                        <p:strVal val="visible"/>
+                                      </p:to>
+                                    </p:set>
+                                    <p:animEffect transition="in" filter="wipe(down)">
+                                      <p:cBhvr>
+                                        <p:cTn id="7" dur="500"/>
+                                        <p:tgtEl>
+                                          <p:spTgt spid="3"/>
+                                        </p:tgtEl>
+                                      </p:cBhvr>
+                                    </p:animEffect>
+                                  </p:childTnLst>
+                                </p:cTn>
+                              </p:par>
+                            </p:childTnLst>
+                          </p:cTn>
+                        </p:par>
+                      </p:childTnLst>
+                    </p:cTn>
+                  </p:par>
+                  <p:par>
+                    <p:cTn id="8" fill="hold">
+                      <p:stCondLst>
+                        <p:cond delay="indefinite"/>
+                      </p:stCondLst>
+                      <p:childTnLst>
+                        <p:par>
+                          <p:cTn id="9" fill="hold">
+                            <p:stCondLst>
+                              <p:cond delay="0"/>
+                            </p:stCondLst>
+                            <p:childTnLst>
+                              <p:par>
+                                <p:cTn id="10" presetID="22" presetClass="entr" presetSubtype="4" fill="hold" grpId="0" nodeType="clickEffect">
+                                  <p:stCondLst>
+                                    <p:cond delay="0"/>
+                                  </p:stCondLst>
+                                  <p:childTnLst>
+                                    <p:set>
+                                      <p:cBhvr>
+                                        <p:cTn id="11" dur="1" fill="hold">
+                                          <p:stCondLst>
+                                            <p:cond delay="0"/>
+                                          </p:stCondLst>
+                                        </p:cTn>
+                                        <p:tgtEl>
+                                          <p:spTgt spid="4"/>
+                                        </p:tgtEl>
+                                        <p:attrNameLst>
+                                          <p:attrName>style.visibility</p:attrName>
+                                        </p:attrNameLst>
+                                      </p:cBhvr>
+                                      <p:to>
+                                        <p:strVal val="visible"/>
+                                      </p:to>
+                                    </p:set>
+                                    <p:animEffect transition="in" filter="wipe(down)">
+                                      <p:cBhvr>
+                                        <p:cTn id="12" dur="500"/>
+                                        <p:tgtEl>
+                                          <p:spTgt spid="4"/>
+                                        </p:tgtEl>
+                                      </p:cBhvr>
+                                    </p:animEffect>
+                                  </p:childTnLst>
+                                </p:cTn>
+                              </p:par>
+                            </p:childTnLst>
+                          </p:cTn>
+                        </p:par>
+                      </p:childTnLst>
+                    </p:cTn>
+                  </p:par>
+                  <p:par>
+                    <p:cTn id="13" fill="hold">
+                      <p:stCondLst>
+                        <p:cond delay="indefinite"/>
+                      </p:stCondLst>
+                      <p:childTnLst>
+                        <p:par>
+                          <p:cTn id="14" fill="hold">
+                            <p:stCondLst>
+                              <p:cond delay="0"/>
+                            </p:stCondLst>
+                            <p:childTnLst>
+                              <p:par>
+                                <p:cTn id="15" presetID="22" presetClass="entr" presetSubtype="4" fill="hold" grpId="0" nodeType="clickEffect">
+                                  <p:stCondLst>
+                                    <p:cond delay="0"/>
+                                  </p:stCondLst>
+                                  <p:childTnLst>
+                                    <p:set>
+                                      <p:cBhvr>
+                                        <p:cTn id="16" dur="1" fill="hold">
+                                          <p:stCondLst>
+                                            <p:cond delay="0"/>
+                                          </p:stCondLst>
+                                        </p:cTn>
+                                        <p:tgtEl>
+                                          <p:spTgt spid="2"/>
+                                        </p:tgtEl>
+                                        <p:attrNameLst>
+                                          <p:attrName>style.visibility</p:attrName>
+                                        </p:attrNameLst>
+                                      </p:cBhvr>
+                                      <p:to>
+                                        <p:strVal val="visible"/>
+                                      </p:to>
+                                    </p:set>
+                                    <p:animEffect transition="in" filter="wipe(down)">
+                                      <p:cBhvr>
+                                        <p:cTn id="17" dur="500"/>
+                                        <p:tgtEl>
+                                          <p:spTgt spid="2"/>
+                                        </p:tgtEl>
+                                      </p:cBhvr>
+                                    </p:animEffect>
+                                  </p:childTnLst>
+                                </p:cTn>
+                              </p:par>
+                            </p:childTnLst>
+                          </p:cTn>
+                        </p:par>
+                      </p:childTnLst>
+                    </p:cTn>
+                  </p:par>
+                  <p:par>
+                    <p:cTn id="18" fill="hold">
+                      <p:stCondLst>
+                        <p:cond delay="indefinite"/>
+                      </p:stCondLst>
+                      <p:childTnLst>
+                        <p:par>
+                          <p:cTn id="19" fill="hold">
+                            <p:stCondLst>
+                              <p:cond delay="0"/>
+                            </p:stCondLst>
+                            <p:childTnLst>
+                              <p:par>
+                                <p:cTn id="20" presetID="22" presetClass="entr" presetSubtype="4" fill="hold" nodeType="clickEffect">
+                                  <p:stCondLst>
+                                    <p:cond delay="0"/>
+                                  </p:stCondLst>
+                                  <p:childTnLst>
+                                    <p:set>
+                                      <p:cBhvr>
+                                        <p:cTn id="21" dur="1" fill="hold">
+                                          <p:stCondLst>
+                                            <p:cond delay="0"/>
+                                          </p:stCondLst>
+                                        </p:cTn>
+                                        <p:tgtEl>
+                                          <p:spTgt spid="17"/>
+                                        </p:tgtEl>
+                                        <p:attrNameLst>
+                                          <p:attrName>style.visibility</p:attrName>
+                                        </p:attrNameLst>
+                                      </p:cBhvr>
+                                      <p:to>
+                                        <p:strVal val="visible"/>
+                                      </p:to>
+                                    </p:set>
+                                    <p:animEffect transition="in" filter="wipe(down)">
+                                      <p:cBhvr>
+                                        <p:cTn id="22" dur="500"/>
+                                        <p:tgtEl>
+                                          <p:spTgt spid="17"/>
+                                        </p:tgtEl>
+                                      </p:cBhvr>
+                                    </p:animEffect>
+                                  </p:childTnLst>
+                                </p:cTn>
+                              </p:par>
+                            </p:childTnLst>
+                          </p:cTn>
+                        </p:par>
+                      </p:childTnLst>
+                    </p:cTn>
+                  </p:par>
+                  <p:par>
+                    <p:cTn id="23" fill="hold">
+                      <p:stCondLst>
+                        <p:cond delay="indefinite"/>
+                      </p:stCondLst>
+                      <p:childTnLst>
+                        <p:par>
+                          <p:cTn id="24" fill="hold">
+                            <p:stCondLst>
+                              <p:cond delay="0"/>
+                            </p:stCondLst>
+                            <p:childTnLst>
+                              <p:par>
+                                <p:cTn id="25" presetID="22" presetClass="entr" presetSubtype="4" fill="hold" grpId="0" nodeType="clickEffect">
+                                  <p:stCondLst>
+                                    <p:cond delay="0"/>
+                                  </p:stCondLst>
+                                  <p:childTnLst>
+                                    <p:set>
+                                      <p:cBhvr>
+                                        <p:cTn id="26" dur="1" fill="hold">
+                                          <p:stCondLst>
+                                            <p:cond delay="0"/>
+                                          </p:stCondLst>
+                                        </p:cTn>
+                                        <p:tgtEl>
+                                          <p:spTgt spid="11"/>
+                                        </p:tgtEl>
+                                        <p:attrNameLst>
+                                          <p:attrName>style.visibility</p:attrName>
+                                        </p:attrNameLst>
+                                      </p:cBhvr>
+                                      <p:to>
+                                        <p:strVal val="visible"/>
+                                      </p:to>
+                                    </p:set>
+                                    <p:animEffect transition="in" filter="wipe(down)">
+                                      <p:cBhvr>
+                                        <p:cTn id="27" dur="500"/>
+                                        <p:tgtEl>
+                                          <p:spTgt spid="11"/>
+                                        </p:tgtEl>
+                                      </p:cBhvr>
+                                    </p:animEffect>
+                                  </p:childTnLst>
+                                </p:cTn>
+                              </p:par>
+                            </p:childTnLst>
+                          </p:cTn>
+                        </p:par>
+                      </p:childTnLst>
+                    </p:cTn>
+                  </p:par>
+                  <p:par>
+                    <p:cTn id="28" fill="hold">
+                      <p:stCondLst>
+                        <p:cond delay="indefinite"/>
+                      </p:stCondLst>
+                      <p:childTnLst>
+                        <p:par>
+                          <p:cTn id="29" fill="hold">
+                            <p:stCondLst>
+                              <p:cond delay="0"/>
+                            </p:stCondLst>
+                            <p:childTnLst>
+                              <p:par>
+                                <p:cTn id="30" presetID="22" presetClass="entr" presetSubtype="4" fill="hold" grpId="0" nodeType="clickEffect">
+                                  <p:stCondLst>
+                                    <p:cond delay="0"/>
+                                  </p:stCondLst>
+                                  <p:childTnLst>
+                                    <p:set>
+                                      <p:cBhvr>
+                                        <p:cTn id="31" dur="1" fill="hold">
+                                          <p:stCondLst>
+                                            <p:cond delay="0"/>
+                                          </p:stCondLst>
+                                        </p:cTn>
+                                        <p:tgtEl>
+                                          <p:spTgt spid="12"/>
+                                        </p:tgtEl>
+                                        <p:attrNameLst>
+                                          <p:attrName>style.visibility</p:attrName>
+                                        </p:attrNameLst>
+                                      </p:cBhvr>
+                                      <p:to>
+                                        <p:strVal val="visible"/>
+                                      </p:to>
+                                    </p:set>
+                                    <p:animEffect transition="in" filter="wipe(down)">
+                                      <p:cBhvr>
+                                        <p:cTn id="32" dur="500"/>
+                                        <p:tgtEl>
+                                          <p:spTgt spid="12"/>
+                                        </p:tgtEl>
+                                      </p:cBhvr>
+                                    </p:animEffect>
+                                  </p:childTnLst>
+                                </p:cTn>
+                              </p:par>
+                            </p:childTnLst>
+                          </p:cTn>
+                        </p:par>
+                      </p:childTnLst>
+                    </p:cTn>
+                  </p:par>
+                  <p:par>
+                    <p:cTn id="33" fill="hold">
+                      <p:stCondLst>
+                        <p:cond delay="indefinite"/>
+                      </p:stCondLst>
+                      <p:childTnLst>
+                        <p:par>
+                          <p:cTn id="34" fill="hold">
+                            <p:stCondLst>
+                              <p:cond delay="0"/>
+                            </p:stCondLst>
+                            <p:childTnLst>
+                              <p:par>
+                                <p:cTn id="35" presetID="22" presetClass="entr" presetSubtype="4" fill="hold" grpId="0" nodeType="clickEffect">
+                                  <p:stCondLst>
+                                    <p:cond delay="0"/>
+                                  </p:stCondLst>
+                                  <p:childTnLst>
+                                    <p:set>
+                                      <p:cBhvr>
+                                        <p:cTn id="36" dur="1" fill="hold">
+                                          <p:stCondLst>
+                                            <p:cond delay="0"/>
+                                          </p:stCondLst>
+                                        </p:cTn>
+                                        <p:tgtEl>
+                                          <p:spTgt spid="14"/>
+                                        </p:tgtEl>
+                                        <p:attrNameLst>
+                                          <p:attrName>style.visibility</p:attrName>
+                                        </p:attrNameLst>
+                                      </p:cBhvr>
+                                      <p:to>
+                                        <p:strVal val="visible"/>
+                                      </p:to>
+                                    </p:set>
+                                    <p:animEffect transition="in" filter="wipe(down)">
+                                      <p:cBhvr>
+                                        <p:cTn id="37" dur="500"/>
+                                        <p:tgtEl>
+                                          <p:spTgt spid="14"/>
+                                        </p:tgtEl>
+                                      </p:cBhvr>
+                                    </p:animEffect>
+                                  </p:childTnLst>
+                                </p:cTn>
+                              </p:par>
+                              <p:par>
+                                <p:cTn id="38" presetID="22" presetClass="entr" presetSubtype="4" fill="hold" grpId="0" nodeType="withEffect">
+                                  <p:stCondLst>
+                                    <p:cond delay="0"/>
+                                  </p:stCondLst>
+                                  <p:childTnLst>
+                                    <p:set>
+                                      <p:cBhvr>
+                                        <p:cTn id="39" dur="1" fill="hold">
+                                          <p:stCondLst>
+                                            <p:cond delay="0"/>
+                                          </p:stCondLst>
+                                        </p:cTn>
+                                        <p:tgtEl>
+                                          <p:spTgt spid="15"/>
+                                        </p:tgtEl>
+                                        <p:attrNameLst>
+                                          <p:attrName>style.visibility</p:attrName>
+                                        </p:attrNameLst>
+                                      </p:cBhvr>
+                                      <p:to>
+                                        <p:strVal val="visible"/>
+                                      </p:to>
+                                    </p:set>
+                                    <p:animEffect transition="in" filter="wipe(down)">
+                                      <p:cBhvr>
+                                        <p:cTn id="40" dur="500"/>
+                                        <p:tgtEl>
+                                          <p:spTgt spid="15"/>
+                                        </p:tgtEl>
+                                      </p:cBhvr>
+                                    </p:animEffect>
+                                  </p:childTnLst>
+                                </p:cTn>
+                              </p:par>
+                            </p:childTnLst>
+                          </p:cTn>
+                        </p:par>
+                      </p:childTnLst>
+                    </p:cTn>
+                  </p:par>
+                </p:childTnLst>
+              </p:cTn>
+              <p:prevCondLst>
+                <p:cond evt="onPrev" delay="0">
+                  <p:tgtEl>
+                    <p:sldTgt/>
+                  </p:tgtEl>
+                </p:cond>
+              </p:prevCondLst>
+              <p:nextCondLst>
+                <p:cond evt="onNext" delay="0">
+                  <p:tgtEl>
+                    <p:sldTgt/>
+                  </p:tgtEl>
+                </p:cond>
+              </p:nextCondLst>
+            </p:seq>
+          </p:childTnLst>
+        </p:cTn>
+      </p:par>
+    </p:tnLst>
+    <p:bldLst>
+      <p:bldP spid="3" grpId="0"/>
+      <p:bldP spid="4" grpId="0"/>
+      <p:bldP spid="2" grpId="0" animBg="1"/>
+      <p:bldP spid="11" grpId="0" animBg="1"/>
+      <p:bldP spid="12" grpId="0" animBg="1"/>
+      <p:bldP spid="14" grpId="0" animBg="1"/>
+      <p:bldP spid="15" grpId="0" animBg="1"/>
+    </p:bldLst>
+  </p:timing>
+</p:sld>
+</file>
+
 <file path=ppt/slides/slide3.xml><?xml version="1.0" encoding="utf-8"?>
 <p:sld xmlns:a="http://schemas.openxmlformats.org/drawingml/2006/main" xmlns:r="http://schemas.openxmlformats.org/officeDocument/2006/relationships" xmlns:p="http://schemas.openxmlformats.org/presentationml/2006/main">
   <p:cSld>
@@ -15939,6 +17441,3727 @@
       <p:bldP spid="3" grpId="0"/>
       <p:bldP spid="4" grpId="0"/>
     </p:bldLst>
+  </p:timing>
+</p:sld>
+</file>
+
+<file path=ppt/slides/slide30.xml><?xml version="1.0" encoding="utf-8"?>
+<p:sld xmlns:a="http://schemas.openxmlformats.org/drawingml/2006/main" xmlns:r="http://schemas.openxmlformats.org/officeDocument/2006/relationships" xmlns:p="http://schemas.openxmlformats.org/presentationml/2006/main">
+  <p:cSld>
+    <p:spTree>
+      <p:nvGrpSpPr>
+        <p:cNvPr id="1" name=""/>
+        <p:cNvGrpSpPr/>
+        <p:nvPr/>
+      </p:nvGrpSpPr>
+      <p:grpSpPr/>
+      <p:sp>
+        <p:nvSpPr>
+          <p:cNvPr id="13" name="文本框 12"/>
+          <p:cNvSpPr txBox="1"/>
+          <p:nvPr/>
+        </p:nvSpPr>
+        <p:spPr>
+          <a:xfrm>
+            <a:off x="1655445" y="612140"/>
+            <a:ext cx="8881110" cy="1198880"/>
+          </a:xfrm>
+          <a:prstGeom prst="rect">
+            <a:avLst/>
+          </a:prstGeom>
+          <a:noFill/>
+        </p:spPr>
+        <p:txBody>
+          <a:bodyPr wrap="none" rtlCol="0">
+            <a:spAutoFit/>
+          </a:bodyPr>
+          <a:p>
+            <a:pPr indent="0" algn="l">
+              <a:lnSpc>
+                <a:spcPct val="150000"/>
+              </a:lnSpc>
+              <a:buFont typeface="Arial" panose="020B0604020202090204" pitchFamily="34" charset="0"/>
+              <a:buNone/>
+            </a:pPr>
+            <a:r>
+              <a:rPr lang="zh-CN" altLang="en-US" sz="4800" b="1">
+                <a:solidFill>
+                  <a:schemeClr val="accent1"/>
+                </a:solidFill>
+                <a:latin typeface="微软雅黑" charset="0"/>
+                <a:ea typeface="微软雅黑" charset="0"/>
+                <a:cs typeface="微软雅黑" charset="0"/>
+              </a:rPr>
+              <a:t>2、Lock 用于解决线程安全问题</a:t>
+            </a:r>
+            <a:endParaRPr lang="zh-CN" altLang="en-US" sz="4800" b="1">
+              <a:solidFill>
+                <a:schemeClr val="accent1"/>
+              </a:solidFill>
+              <a:latin typeface="微软雅黑" charset="0"/>
+              <a:ea typeface="微软雅黑" charset="0"/>
+              <a:cs typeface="微软雅黑" charset="0"/>
+            </a:endParaRPr>
+          </a:p>
+        </p:txBody>
+      </p:sp>
+      <p:sp>
+        <p:nvSpPr>
+          <p:cNvPr id="5" name="文本框 4"/>
+          <p:cNvSpPr txBox="1"/>
+          <p:nvPr/>
+        </p:nvSpPr>
+        <p:spPr>
+          <a:xfrm>
+            <a:off x="1922145" y="2583815"/>
+            <a:ext cx="3736975" cy="3328670"/>
+          </a:xfrm>
+          <a:prstGeom prst="rect">
+            <a:avLst/>
+          </a:prstGeom>
+          <a:solidFill>
+            <a:schemeClr val="accent2">
+              <a:lumMod val="20000"/>
+              <a:lumOff val="80000"/>
+            </a:schemeClr>
+          </a:solidFill>
+        </p:spPr>
+        <p:txBody>
+          <a:bodyPr wrap="square" rtlCol="0" anchor="t">
+            <a:spAutoFit/>
+          </a:bodyPr>
+          <a:p>
+            <a:pPr>
+              <a:lnSpc>
+                <a:spcPct val="130000"/>
+              </a:lnSpc>
+              <a:spcBef>
+                <a:spcPts val="0"/>
+              </a:spcBef>
+              <a:spcAft>
+                <a:spcPts val="0"/>
+              </a:spcAft>
+            </a:pPr>
+            <a:r>
+              <a:rPr lang="en-US" altLang="zh-CN"/>
+              <a:t>import threading</a:t>
+            </a:r>
+            <a:endParaRPr lang="en-US" altLang="zh-CN"/>
+          </a:p>
+          <a:p>
+            <a:pPr>
+              <a:lnSpc>
+                <a:spcPct val="130000"/>
+              </a:lnSpc>
+              <a:spcBef>
+                <a:spcPts val="0"/>
+              </a:spcBef>
+              <a:spcAft>
+                <a:spcPts val="0"/>
+              </a:spcAft>
+            </a:pPr>
+            <a:endParaRPr lang="en-US" altLang="zh-CN"/>
+          </a:p>
+          <a:p>
+            <a:pPr>
+              <a:lnSpc>
+                <a:spcPct val="130000"/>
+              </a:lnSpc>
+              <a:spcBef>
+                <a:spcPts val="0"/>
+              </a:spcBef>
+              <a:spcAft>
+                <a:spcPts val="0"/>
+              </a:spcAft>
+            </a:pPr>
+            <a:r>
+              <a:rPr lang="en-US" altLang="zh-CN"/>
+              <a:t>lock = threading.Lock()</a:t>
+            </a:r>
+            <a:endParaRPr lang="en-US" altLang="zh-CN"/>
+          </a:p>
+          <a:p>
+            <a:pPr>
+              <a:lnSpc>
+                <a:spcPct val="130000"/>
+              </a:lnSpc>
+              <a:spcBef>
+                <a:spcPts val="0"/>
+              </a:spcBef>
+              <a:spcAft>
+                <a:spcPts val="0"/>
+              </a:spcAft>
+            </a:pPr>
+            <a:endParaRPr lang="en-US" altLang="zh-CN"/>
+          </a:p>
+          <a:p>
+            <a:pPr>
+              <a:lnSpc>
+                <a:spcPct val="130000"/>
+              </a:lnSpc>
+              <a:spcBef>
+                <a:spcPts val="0"/>
+              </a:spcBef>
+              <a:spcAft>
+                <a:spcPts val="0"/>
+              </a:spcAft>
+            </a:pPr>
+            <a:r>
+              <a:rPr lang="en-US" altLang="zh-CN"/>
+              <a:t>lock.acquire()</a:t>
+            </a:r>
+            <a:endParaRPr lang="en-US" altLang="zh-CN"/>
+          </a:p>
+          <a:p>
+            <a:pPr>
+              <a:lnSpc>
+                <a:spcPct val="130000"/>
+              </a:lnSpc>
+              <a:spcBef>
+                <a:spcPts val="0"/>
+              </a:spcBef>
+              <a:spcAft>
+                <a:spcPts val="0"/>
+              </a:spcAft>
+            </a:pPr>
+            <a:r>
+              <a:rPr lang="en-US" altLang="zh-CN"/>
+              <a:t>try:</a:t>
+            </a:r>
+            <a:endParaRPr lang="en-US" altLang="zh-CN"/>
+          </a:p>
+          <a:p>
+            <a:pPr>
+              <a:lnSpc>
+                <a:spcPct val="130000"/>
+              </a:lnSpc>
+              <a:spcBef>
+                <a:spcPts val="0"/>
+              </a:spcBef>
+              <a:spcAft>
+                <a:spcPts val="0"/>
+              </a:spcAft>
+            </a:pPr>
+            <a:r>
+              <a:rPr lang="en-US" altLang="zh-CN"/>
+              <a:t>    # do something</a:t>
+            </a:r>
+            <a:endParaRPr lang="en-US" altLang="zh-CN"/>
+          </a:p>
+          <a:p>
+            <a:pPr>
+              <a:lnSpc>
+                <a:spcPct val="130000"/>
+              </a:lnSpc>
+              <a:spcBef>
+                <a:spcPts val="0"/>
+              </a:spcBef>
+              <a:spcAft>
+                <a:spcPts val="0"/>
+              </a:spcAft>
+            </a:pPr>
+            <a:r>
+              <a:rPr lang="en-US" altLang="zh-CN"/>
+              <a:t>finally:</a:t>
+            </a:r>
+            <a:endParaRPr lang="en-US" altLang="zh-CN"/>
+          </a:p>
+          <a:p>
+            <a:pPr>
+              <a:lnSpc>
+                <a:spcPct val="130000"/>
+              </a:lnSpc>
+              <a:spcBef>
+                <a:spcPts val="0"/>
+              </a:spcBef>
+              <a:spcAft>
+                <a:spcPts val="0"/>
+              </a:spcAft>
+            </a:pPr>
+            <a:r>
+              <a:rPr lang="en-US" altLang="zh-CN"/>
+              <a:t>    lock.release()</a:t>
+            </a:r>
+            <a:endParaRPr lang="en-US" altLang="zh-CN"/>
+          </a:p>
+        </p:txBody>
+      </p:sp>
+      <p:sp>
+        <p:nvSpPr>
+          <p:cNvPr id="6" name="文本框 5"/>
+          <p:cNvSpPr txBox="1"/>
+          <p:nvPr/>
+        </p:nvSpPr>
+        <p:spPr>
+          <a:xfrm>
+            <a:off x="6612255" y="2583815"/>
+            <a:ext cx="3736975" cy="2249170"/>
+          </a:xfrm>
+          <a:prstGeom prst="rect">
+            <a:avLst/>
+          </a:prstGeom>
+          <a:solidFill>
+            <a:schemeClr val="accent2">
+              <a:lumMod val="20000"/>
+              <a:lumOff val="80000"/>
+            </a:schemeClr>
+          </a:solidFill>
+        </p:spPr>
+        <p:txBody>
+          <a:bodyPr wrap="square" rtlCol="0" anchor="t">
+            <a:spAutoFit/>
+          </a:bodyPr>
+          <a:p>
+            <a:pPr>
+              <a:lnSpc>
+                <a:spcPct val="130000"/>
+              </a:lnSpc>
+              <a:spcBef>
+                <a:spcPts val="0"/>
+              </a:spcBef>
+              <a:spcAft>
+                <a:spcPts val="0"/>
+              </a:spcAft>
+            </a:pPr>
+            <a:r>
+              <a:rPr lang="en-US" altLang="zh-CN"/>
+              <a:t>import threading</a:t>
+            </a:r>
+            <a:endParaRPr lang="en-US" altLang="zh-CN"/>
+          </a:p>
+          <a:p>
+            <a:pPr>
+              <a:lnSpc>
+                <a:spcPct val="130000"/>
+              </a:lnSpc>
+              <a:spcBef>
+                <a:spcPts val="0"/>
+              </a:spcBef>
+              <a:spcAft>
+                <a:spcPts val="0"/>
+              </a:spcAft>
+            </a:pPr>
+            <a:endParaRPr lang="en-US" altLang="zh-CN"/>
+          </a:p>
+          <a:p>
+            <a:pPr>
+              <a:lnSpc>
+                <a:spcPct val="130000"/>
+              </a:lnSpc>
+              <a:spcBef>
+                <a:spcPts val="0"/>
+              </a:spcBef>
+              <a:spcAft>
+                <a:spcPts val="0"/>
+              </a:spcAft>
+            </a:pPr>
+            <a:r>
+              <a:rPr lang="en-US" altLang="zh-CN"/>
+              <a:t>lock = threading.Lock()</a:t>
+            </a:r>
+            <a:endParaRPr lang="en-US" altLang="zh-CN"/>
+          </a:p>
+          <a:p>
+            <a:pPr>
+              <a:lnSpc>
+                <a:spcPct val="130000"/>
+              </a:lnSpc>
+              <a:spcBef>
+                <a:spcPts val="0"/>
+              </a:spcBef>
+              <a:spcAft>
+                <a:spcPts val="0"/>
+              </a:spcAft>
+            </a:pPr>
+            <a:endParaRPr lang="en-US" altLang="zh-CN"/>
+          </a:p>
+          <a:p>
+            <a:pPr>
+              <a:lnSpc>
+                <a:spcPct val="130000"/>
+              </a:lnSpc>
+              <a:spcBef>
+                <a:spcPts val="0"/>
+              </a:spcBef>
+              <a:spcAft>
+                <a:spcPts val="0"/>
+              </a:spcAft>
+            </a:pPr>
+            <a:r>
+              <a:rPr lang="en-US" altLang="zh-CN"/>
+              <a:t>with </a:t>
+            </a:r>
+            <a:r>
+              <a:rPr lang="en-US" altLang="zh-CN">
+                <a:sym typeface="+mn-ea"/>
+              </a:rPr>
+              <a:t>lock</a:t>
+            </a:r>
+            <a:r>
+              <a:rPr lang="en-US" altLang="zh-CN"/>
+              <a:t>:</a:t>
+            </a:r>
+            <a:endParaRPr lang="en-US" altLang="zh-CN"/>
+          </a:p>
+          <a:p>
+            <a:pPr>
+              <a:lnSpc>
+                <a:spcPct val="130000"/>
+              </a:lnSpc>
+              <a:spcBef>
+                <a:spcPts val="0"/>
+              </a:spcBef>
+              <a:spcAft>
+                <a:spcPts val="0"/>
+              </a:spcAft>
+            </a:pPr>
+            <a:r>
+              <a:rPr lang="en-US" altLang="zh-CN"/>
+              <a:t>    # do something</a:t>
+            </a:r>
+            <a:endParaRPr lang="en-US" altLang="zh-CN"/>
+          </a:p>
+        </p:txBody>
+      </p:sp>
+      <p:sp>
+        <p:nvSpPr>
+          <p:cNvPr id="17" name="文本框 16"/>
+          <p:cNvSpPr txBox="1"/>
+          <p:nvPr/>
+        </p:nvSpPr>
+        <p:spPr>
+          <a:xfrm>
+            <a:off x="2327910" y="2013585"/>
+            <a:ext cx="2584450" cy="368300"/>
+          </a:xfrm>
+          <a:prstGeom prst="rect">
+            <a:avLst/>
+          </a:prstGeom>
+          <a:noFill/>
+        </p:spPr>
+        <p:txBody>
+          <a:bodyPr wrap="none" rtlCol="0">
+            <a:spAutoFit/>
+          </a:bodyPr>
+          <a:p>
+            <a:r>
+              <a:rPr lang="zh-CN" altLang="en-US"/>
+              <a:t>用法</a:t>
+            </a:r>
+            <a:r>
+              <a:rPr lang="en-US" altLang="zh-CN"/>
+              <a:t>1</a:t>
+            </a:r>
+            <a:r>
+              <a:rPr lang="zh-CN" altLang="en-US"/>
+              <a:t>：</a:t>
+            </a:r>
+            <a:r>
+              <a:rPr lang="en-US" altLang="zh-CN"/>
+              <a:t>try-finally</a:t>
+            </a:r>
+            <a:r>
+              <a:rPr lang="zh-CN" altLang="en-US"/>
+              <a:t>模式</a:t>
+            </a:r>
+            <a:endParaRPr lang="zh-CN" altLang="en-US"/>
+          </a:p>
+        </p:txBody>
+      </p:sp>
+      <p:sp>
+        <p:nvSpPr>
+          <p:cNvPr id="18" name="文本框 17"/>
+          <p:cNvSpPr txBox="1"/>
+          <p:nvPr/>
+        </p:nvSpPr>
+        <p:spPr>
+          <a:xfrm>
+            <a:off x="7097395" y="2013585"/>
+            <a:ext cx="2037080" cy="368300"/>
+          </a:xfrm>
+          <a:prstGeom prst="rect">
+            <a:avLst/>
+          </a:prstGeom>
+          <a:noFill/>
+        </p:spPr>
+        <p:txBody>
+          <a:bodyPr wrap="none" rtlCol="0">
+            <a:spAutoFit/>
+          </a:bodyPr>
+          <a:p>
+            <a:r>
+              <a:rPr lang="zh-CN" altLang="en-US"/>
+              <a:t>用法</a:t>
+            </a:r>
+            <a:r>
+              <a:rPr lang="en-US" altLang="zh-CN"/>
+              <a:t>2</a:t>
+            </a:r>
+            <a:r>
+              <a:rPr lang="zh-CN" altLang="en-US"/>
+              <a:t>：</a:t>
+            </a:r>
+            <a:r>
+              <a:rPr lang="en-US"/>
+              <a:t>with </a:t>
+            </a:r>
+            <a:r>
+              <a:rPr lang="zh-CN" altLang="en-US"/>
+              <a:t>模式</a:t>
+            </a:r>
+            <a:endParaRPr lang="zh-CN" altLang="en-US"/>
+          </a:p>
+        </p:txBody>
+      </p:sp>
+    </p:spTree>
+  </p:cSld>
+  <p:clrMapOvr>
+    <a:masterClrMapping/>
+  </p:clrMapOvr>
+  <p:timing>
+    <p:tnLst>
+      <p:par>
+        <p:cTn id="1" dur="indefinite" restart="never" nodeType="tmRoot"/>
+      </p:par>
+    </p:tnLst>
+  </p:timing>
+</p:sld>
+</file>
+
+<file path=ppt/slides/slide31.xml><?xml version="1.0" encoding="utf-8"?>
+<p:sld xmlns:a="http://schemas.openxmlformats.org/drawingml/2006/main" xmlns:r="http://schemas.openxmlformats.org/officeDocument/2006/relationships" xmlns:p="http://schemas.openxmlformats.org/presentationml/2006/main">
+  <p:cSld>
+    <p:bg>
+      <p:bgPr>
+        <a:gradFill>
+          <a:gsLst>
+            <a:gs pos="0">
+              <a:srgbClr val="012D86"/>
+            </a:gs>
+            <a:gs pos="100000">
+              <a:srgbClr val="0E2557"/>
+            </a:gs>
+          </a:gsLst>
+          <a:lin ang="5400000" scaled="0"/>
+        </a:gradFill>
+        <a:effectLst/>
+      </p:bgPr>
+    </p:bg>
+    <p:spTree>
+      <p:nvGrpSpPr>
+        <p:cNvPr id="1" name=""/>
+        <p:cNvGrpSpPr/>
+        <p:nvPr/>
+      </p:nvGrpSpPr>
+      <p:grpSpPr/>
+      <p:sp>
+        <p:nvSpPr>
+          <p:cNvPr id="2" name="标题 1"/>
+          <p:cNvSpPr>
+            <a:spLocks noGrp="1"/>
+          </p:cNvSpPr>
+          <p:nvPr>
+            <p:ph type="ctrTitle"/>
+          </p:nvPr>
+        </p:nvSpPr>
+        <p:spPr>
+          <a:xfrm>
+            <a:off x="4892675" y="2880995"/>
+            <a:ext cx="6174105" cy="2199640"/>
+          </a:xfrm>
+        </p:spPr>
+        <p:style>
+          <a:lnRef idx="2">
+            <a:schemeClr val="accent6">
+              <a:shade val="50000"/>
+            </a:schemeClr>
+          </a:lnRef>
+          <a:fillRef idx="1">
+            <a:schemeClr val="accent6"/>
+          </a:fillRef>
+          <a:effectRef idx="0">
+            <a:schemeClr val="accent6"/>
+          </a:effectRef>
+          <a:fontRef idx="minor">
+            <a:schemeClr val="lt1"/>
+          </a:fontRef>
+        </p:style>
+        <p:txBody>
+          <a:bodyPr anchor="ctr" anchorCtr="0">
+            <a:noAutofit/>
+          </a:bodyPr>
+          <a:p>
+            <a:pPr algn="l">
+              <a:lnSpc>
+                <a:spcPct val="130000"/>
+              </a:lnSpc>
+              <a:spcBef>
+                <a:spcPts val="0"/>
+              </a:spcBef>
+              <a:spcAft>
+                <a:spcPts val="0"/>
+              </a:spcAft>
+            </a:pPr>
+            <a:r>
+              <a:rPr lang="zh-CN" altLang="en-US" sz="5400" b="1">
+                <a:solidFill>
+                  <a:schemeClr val="bg1"/>
+                </a:solidFill>
+                <a:latin typeface="微软雅黑" charset="0"/>
+                <a:ea typeface="微软雅黑" charset="0"/>
+                <a:cs typeface="微软雅黑" charset="0"/>
+              </a:rPr>
+              <a:t>好用的线程池</a:t>
+            </a:r>
+            <a:br>
+              <a:rPr lang="zh-CN" altLang="en-US" sz="5400" b="1">
+                <a:solidFill>
+                  <a:schemeClr val="bg1"/>
+                </a:solidFill>
+                <a:latin typeface="微软雅黑" charset="0"/>
+                <a:ea typeface="微软雅黑" charset="0"/>
+                <a:cs typeface="微软雅黑" charset="0"/>
+              </a:rPr>
+            </a:br>
+            <a:r>
+              <a:rPr lang="zh-CN" altLang="en-US" sz="4800" b="1">
+                <a:solidFill>
+                  <a:schemeClr val="bg1"/>
+                </a:solidFill>
+                <a:latin typeface="微软雅黑" charset="0"/>
+                <a:ea typeface="微软雅黑" charset="0"/>
+                <a:cs typeface="微软雅黑" charset="0"/>
+              </a:rPr>
+              <a:t>ThreadPoolExecutor</a:t>
+            </a:r>
+            <a:endParaRPr lang="zh-CN" altLang="en-US" sz="4800" b="1">
+              <a:solidFill>
+                <a:schemeClr val="bg1"/>
+              </a:solidFill>
+              <a:latin typeface="微软雅黑" charset="0"/>
+              <a:ea typeface="微软雅黑" charset="0"/>
+              <a:cs typeface="微软雅黑" charset="0"/>
+            </a:endParaRPr>
+          </a:p>
+        </p:txBody>
+      </p:sp>
+      <p:pic>
+        <p:nvPicPr>
+          <p:cNvPr id="5" name="图片 4" descr="kisspng-angle-text-symbol-brand-other-python-5ab0c09b9ea1a7.3286927515215330836498 (1)"/>
+          <p:cNvPicPr>
+            <a:picLocks noChangeAspect="1"/>
+          </p:cNvPicPr>
+          <p:nvPr/>
+        </p:nvPicPr>
+        <p:blipFill>
+          <a:blip r:embed="rId1"/>
+          <a:stretch>
+            <a:fillRect/>
+          </a:stretch>
+        </p:blipFill>
+        <p:spPr>
+          <a:xfrm>
+            <a:off x="288290" y="986790"/>
+            <a:ext cx="4884420" cy="4884420"/>
+          </a:xfrm>
+          <a:prstGeom prst="rect">
+            <a:avLst/>
+          </a:prstGeom>
+        </p:spPr>
+      </p:pic>
+      <p:sp>
+        <p:nvSpPr>
+          <p:cNvPr id="3" name="文本框 2"/>
+          <p:cNvSpPr txBox="1"/>
+          <p:nvPr/>
+        </p:nvSpPr>
+        <p:spPr>
+          <a:xfrm>
+            <a:off x="4831080" y="1866265"/>
+            <a:ext cx="6005195" cy="1014730"/>
+          </a:xfrm>
+          <a:prstGeom prst="rect">
+            <a:avLst/>
+          </a:prstGeom>
+          <a:noFill/>
+        </p:spPr>
+        <p:txBody>
+          <a:bodyPr wrap="none" rtlCol="0" anchor="t">
+            <a:spAutoFit/>
+          </a:bodyPr>
+          <a:p>
+            <a:r>
+              <a:rPr lang="en-US" sz="6000" b="1">
+                <a:solidFill>
+                  <a:schemeClr val="bg1"/>
+                </a:solidFill>
+                <a:latin typeface="微软雅黑" charset="0"/>
+                <a:ea typeface="微软雅黑" charset="0"/>
+                <a:cs typeface="微软雅黑" charset="0"/>
+                <a:sym typeface="+mn-ea"/>
+              </a:rPr>
+              <a:t>Python</a:t>
+            </a:r>
+            <a:r>
+              <a:rPr lang="zh-CN" altLang="en-US" sz="6000" b="1">
+                <a:solidFill>
+                  <a:schemeClr val="bg1"/>
+                </a:solidFill>
+                <a:latin typeface="微软雅黑" charset="0"/>
+                <a:ea typeface="微软雅黑" charset="0"/>
+                <a:cs typeface="微软雅黑" charset="0"/>
+                <a:sym typeface="+mn-ea"/>
+              </a:rPr>
+              <a:t> 并发编程</a:t>
+            </a:r>
+            <a:endParaRPr lang="zh-CN" altLang="en-US" sz="6000" b="1">
+              <a:solidFill>
+                <a:schemeClr val="bg1"/>
+              </a:solidFill>
+              <a:latin typeface="微软雅黑" charset="0"/>
+              <a:ea typeface="微软雅黑" charset="0"/>
+              <a:cs typeface="微软雅黑" charset="0"/>
+              <a:sym typeface="+mn-ea"/>
+            </a:endParaRPr>
+          </a:p>
+        </p:txBody>
+      </p:sp>
+    </p:spTree>
+    <p:custDataLst>
+      <p:tags r:id="rId2"/>
+    </p:custDataLst>
+  </p:cSld>
+  <p:clrMapOvr>
+    <a:masterClrMapping/>
+  </p:clrMapOvr>
+</p:sld>
+</file>
+
+<file path=ppt/slides/slide32.xml><?xml version="1.0" encoding="utf-8"?>
+<p:sld xmlns:a="http://schemas.openxmlformats.org/drawingml/2006/main" xmlns:r="http://schemas.openxmlformats.org/officeDocument/2006/relationships" xmlns:p="http://schemas.openxmlformats.org/presentationml/2006/main">
+  <p:cSld>
+    <p:spTree>
+      <p:nvGrpSpPr>
+        <p:cNvPr id="1" name=""/>
+        <p:cNvGrpSpPr/>
+        <p:nvPr/>
+      </p:nvGrpSpPr>
+      <p:grpSpPr/>
+      <p:sp>
+        <p:nvSpPr>
+          <p:cNvPr id="13" name="文本框 12"/>
+          <p:cNvSpPr txBox="1"/>
+          <p:nvPr/>
+        </p:nvSpPr>
+        <p:spPr>
+          <a:xfrm>
+            <a:off x="4785360" y="533400"/>
+            <a:ext cx="2623820" cy="1198880"/>
+          </a:xfrm>
+          <a:prstGeom prst="rect">
+            <a:avLst/>
+          </a:prstGeom>
+          <a:noFill/>
+        </p:spPr>
+        <p:txBody>
+          <a:bodyPr wrap="none" rtlCol="0">
+            <a:spAutoFit/>
+          </a:bodyPr>
+          <a:p>
+            <a:pPr indent="0">
+              <a:lnSpc>
+                <a:spcPct val="150000"/>
+              </a:lnSpc>
+              <a:buFont typeface="Arial" panose="020B0604020202090204" pitchFamily="34" charset="0"/>
+              <a:buNone/>
+            </a:pPr>
+            <a:r>
+              <a:rPr lang="zh-CN" altLang="en-US" sz="4800" b="1">
+                <a:solidFill>
+                  <a:schemeClr val="accent1"/>
+                </a:solidFill>
+                <a:latin typeface="微软雅黑" charset="0"/>
+                <a:ea typeface="微软雅黑" charset="0"/>
+                <a:cs typeface="微软雅黑" charset="0"/>
+              </a:rPr>
+              <a:t>本节提纲</a:t>
+            </a:r>
+            <a:endParaRPr lang="zh-CN" altLang="en-US" sz="4800" b="1">
+              <a:solidFill>
+                <a:schemeClr val="accent1"/>
+              </a:solidFill>
+              <a:latin typeface="微软雅黑" charset="0"/>
+              <a:ea typeface="微软雅黑" charset="0"/>
+              <a:cs typeface="微软雅黑" charset="0"/>
+            </a:endParaRPr>
+          </a:p>
+        </p:txBody>
+      </p:sp>
+      <p:sp>
+        <p:nvSpPr>
+          <p:cNvPr id="3" name="文本框 2"/>
+          <p:cNvSpPr txBox="1"/>
+          <p:nvPr/>
+        </p:nvSpPr>
+        <p:spPr>
+          <a:xfrm>
+            <a:off x="1954530" y="2343785"/>
+            <a:ext cx="6782435" cy="2651125"/>
+          </a:xfrm>
+          <a:prstGeom prst="rect">
+            <a:avLst/>
+          </a:prstGeom>
+          <a:noFill/>
+        </p:spPr>
+        <p:txBody>
+          <a:bodyPr wrap="none" rtlCol="0">
+            <a:spAutoFit/>
+          </a:bodyPr>
+          <a:p>
+            <a:pPr algn="l">
+              <a:lnSpc>
+                <a:spcPct val="130000"/>
+              </a:lnSpc>
+              <a:spcBef>
+                <a:spcPts val="0"/>
+              </a:spcBef>
+              <a:spcAft>
+                <a:spcPts val="0"/>
+              </a:spcAft>
+            </a:pPr>
+            <a:r>
+              <a:rPr lang="en-US" altLang="zh-CN" sz="3200">
+                <a:latin typeface="微软雅黑" charset="0"/>
+                <a:ea typeface="微软雅黑" charset="0"/>
+                <a:cs typeface="微软雅黑" charset="0"/>
+              </a:rPr>
+              <a:t>1</a:t>
+            </a:r>
+            <a:r>
+              <a:rPr lang="zh-CN" altLang="en-US" sz="3200">
+                <a:latin typeface="微软雅黑" charset="0"/>
+                <a:ea typeface="微软雅黑" charset="0"/>
+                <a:cs typeface="微软雅黑" charset="0"/>
+              </a:rPr>
+              <a:t>、线程池的原理</a:t>
+            </a:r>
+            <a:endParaRPr lang="en-US" altLang="zh-CN" sz="3200">
+              <a:latin typeface="微软雅黑" charset="0"/>
+              <a:ea typeface="微软雅黑" charset="0"/>
+              <a:cs typeface="微软雅黑" charset="0"/>
+            </a:endParaRPr>
+          </a:p>
+          <a:p>
+            <a:pPr algn="l">
+              <a:lnSpc>
+                <a:spcPct val="130000"/>
+              </a:lnSpc>
+              <a:spcBef>
+                <a:spcPts val="0"/>
+              </a:spcBef>
+              <a:spcAft>
+                <a:spcPts val="0"/>
+              </a:spcAft>
+            </a:pPr>
+            <a:r>
+              <a:rPr lang="en-US" altLang="zh-CN" sz="3200">
+                <a:latin typeface="微软雅黑" charset="0"/>
+                <a:ea typeface="微软雅黑" charset="0"/>
+                <a:cs typeface="微软雅黑" charset="0"/>
+              </a:rPr>
+              <a:t>2</a:t>
+            </a:r>
+            <a:r>
+              <a:rPr lang="zh-CN" altLang="en-US" sz="3200">
+                <a:latin typeface="微软雅黑" charset="0"/>
+                <a:ea typeface="微软雅黑" charset="0"/>
+                <a:cs typeface="微软雅黑" charset="0"/>
+              </a:rPr>
+              <a:t>、使用线程池的好处</a:t>
+            </a:r>
+            <a:endParaRPr lang="zh-CN" altLang="en-US" sz="3200">
+              <a:latin typeface="微软雅黑" charset="0"/>
+              <a:ea typeface="微软雅黑" charset="0"/>
+              <a:cs typeface="微软雅黑" charset="0"/>
+            </a:endParaRPr>
+          </a:p>
+          <a:p>
+            <a:pPr algn="l">
+              <a:lnSpc>
+                <a:spcPct val="130000"/>
+              </a:lnSpc>
+              <a:spcBef>
+                <a:spcPts val="0"/>
+              </a:spcBef>
+              <a:spcAft>
+                <a:spcPts val="0"/>
+              </a:spcAft>
+            </a:pPr>
+            <a:r>
+              <a:rPr lang="en-US" altLang="zh-CN" sz="3200">
+                <a:latin typeface="微软雅黑" charset="0"/>
+                <a:ea typeface="微软雅黑" charset="0"/>
+                <a:cs typeface="微软雅黑" charset="0"/>
+              </a:rPr>
+              <a:t>3</a:t>
+            </a:r>
+            <a:r>
+              <a:rPr lang="zh-CN" altLang="en-US" sz="3200">
+                <a:latin typeface="微软雅黑" charset="0"/>
+                <a:ea typeface="微软雅黑" charset="0"/>
+                <a:cs typeface="微软雅黑" charset="0"/>
+              </a:rPr>
+              <a:t>、ThreadPoolExecutor的使用语法</a:t>
+            </a:r>
+            <a:endParaRPr lang="zh-CN" altLang="en-US" sz="3200">
+              <a:latin typeface="微软雅黑" charset="0"/>
+              <a:ea typeface="微软雅黑" charset="0"/>
+              <a:cs typeface="微软雅黑" charset="0"/>
+            </a:endParaRPr>
+          </a:p>
+          <a:p>
+            <a:pPr algn="l">
+              <a:lnSpc>
+                <a:spcPct val="130000"/>
+              </a:lnSpc>
+              <a:spcBef>
+                <a:spcPts val="0"/>
+              </a:spcBef>
+              <a:spcAft>
+                <a:spcPts val="0"/>
+              </a:spcAft>
+            </a:pPr>
+            <a:r>
+              <a:rPr lang="en-US" altLang="zh-CN" sz="3200">
+                <a:latin typeface="微软雅黑" charset="0"/>
+                <a:ea typeface="微软雅黑" charset="0"/>
+                <a:cs typeface="微软雅黑" charset="0"/>
+              </a:rPr>
+              <a:t>4</a:t>
+            </a:r>
+            <a:r>
+              <a:rPr lang="zh-CN" altLang="en-US" sz="3200">
+                <a:latin typeface="微软雅黑" charset="0"/>
+                <a:ea typeface="微软雅黑" charset="0"/>
+                <a:cs typeface="微软雅黑" charset="0"/>
+              </a:rPr>
+              <a:t>、使用线程池改造爬虫程序</a:t>
+            </a:r>
+            <a:endParaRPr lang="zh-CN" altLang="en-US" sz="3200">
+              <a:latin typeface="微软雅黑" charset="0"/>
+              <a:ea typeface="微软雅黑" charset="0"/>
+              <a:cs typeface="微软雅黑" charset="0"/>
+            </a:endParaRPr>
+          </a:p>
+        </p:txBody>
+      </p:sp>
+    </p:spTree>
+  </p:cSld>
+  <p:clrMapOvr>
+    <a:masterClrMapping/>
+  </p:clrMapOvr>
+  <p:timing>
+    <p:tnLst>
+      <p:par>
+        <p:cTn id="1" dur="indefinite" restart="never" nodeType="tmRoot"/>
+      </p:par>
+    </p:tnLst>
+  </p:timing>
+</p:sld>
+</file>
+
+<file path=ppt/slides/slide33.xml><?xml version="1.0" encoding="utf-8"?>
+<p:sld xmlns:a="http://schemas.openxmlformats.org/drawingml/2006/main" xmlns:r="http://schemas.openxmlformats.org/officeDocument/2006/relationships" xmlns:p="http://schemas.openxmlformats.org/presentationml/2006/main">
+  <p:cSld>
+    <p:spTree>
+      <p:nvGrpSpPr>
+        <p:cNvPr id="1" name=""/>
+        <p:cNvGrpSpPr/>
+        <p:nvPr/>
+      </p:nvGrpSpPr>
+      <p:grpSpPr/>
+      <p:sp>
+        <p:nvSpPr>
+          <p:cNvPr id="13" name="文本框 12"/>
+          <p:cNvSpPr txBox="1"/>
+          <p:nvPr/>
+        </p:nvSpPr>
+        <p:spPr>
+          <a:xfrm>
+            <a:off x="3677920" y="250190"/>
+            <a:ext cx="4835525" cy="1198880"/>
+          </a:xfrm>
+          <a:prstGeom prst="rect">
+            <a:avLst/>
+          </a:prstGeom>
+          <a:noFill/>
+        </p:spPr>
+        <p:txBody>
+          <a:bodyPr wrap="none" rtlCol="0">
+            <a:spAutoFit/>
+          </a:bodyPr>
+          <a:p>
+            <a:pPr indent="0" algn="l">
+              <a:lnSpc>
+                <a:spcPct val="150000"/>
+              </a:lnSpc>
+              <a:buFont typeface="Arial" panose="020B0604020202090204" pitchFamily="34" charset="0"/>
+              <a:buNone/>
+            </a:pPr>
+            <a:r>
+              <a:rPr lang="zh-CN" altLang="en-US" sz="4800" b="1">
+                <a:solidFill>
+                  <a:schemeClr val="accent1"/>
+                </a:solidFill>
+                <a:latin typeface="微软雅黑" charset="0"/>
+                <a:ea typeface="微软雅黑" charset="0"/>
+                <a:cs typeface="微软雅黑" charset="0"/>
+              </a:rPr>
+              <a:t>1、线程池的原理</a:t>
+            </a:r>
+            <a:endParaRPr lang="zh-CN" altLang="en-US" sz="4800" b="1">
+              <a:solidFill>
+                <a:schemeClr val="accent1"/>
+              </a:solidFill>
+              <a:latin typeface="微软雅黑" charset="0"/>
+              <a:ea typeface="微软雅黑" charset="0"/>
+              <a:cs typeface="微软雅黑" charset="0"/>
+            </a:endParaRPr>
+          </a:p>
+        </p:txBody>
+      </p:sp>
+      <p:sp>
+        <p:nvSpPr>
+          <p:cNvPr id="2" name="圆角矩形 1"/>
+          <p:cNvSpPr/>
+          <p:nvPr/>
+        </p:nvSpPr>
+        <p:spPr>
+          <a:xfrm>
+            <a:off x="1816735" y="2122805"/>
+            <a:ext cx="1504315" cy="469265"/>
+          </a:xfrm>
+          <a:prstGeom prst="roundRect">
+            <a:avLst/>
+          </a:prstGeom>
+        </p:spPr>
+        <p:style>
+          <a:lnRef idx="2">
+            <a:schemeClr val="accent1">
+              <a:shade val="50000"/>
+            </a:schemeClr>
+          </a:lnRef>
+          <a:fillRef idx="1">
+            <a:schemeClr val="accent1"/>
+          </a:fillRef>
+          <a:effectRef idx="0">
+            <a:schemeClr val="accent1"/>
+          </a:effectRef>
+          <a:fontRef idx="minor">
+            <a:schemeClr val="lt1"/>
+          </a:fontRef>
+        </p:style>
+        <p:txBody>
+          <a:bodyPr rtlCol="0" anchor="ctr"/>
+          <a:p>
+            <a:pPr algn="ctr"/>
+            <a:r>
+              <a:rPr lang="zh-CN" altLang="en-US"/>
+              <a:t>新建</a:t>
+            </a:r>
+            <a:endParaRPr lang="zh-CN" altLang="en-US"/>
+          </a:p>
+        </p:txBody>
+      </p:sp>
+      <p:sp>
+        <p:nvSpPr>
+          <p:cNvPr id="4" name="圆角矩形 3"/>
+          <p:cNvSpPr/>
+          <p:nvPr/>
+        </p:nvSpPr>
+        <p:spPr>
+          <a:xfrm>
+            <a:off x="1816735" y="3302635"/>
+            <a:ext cx="1504315" cy="469265"/>
+          </a:xfrm>
+          <a:prstGeom prst="roundRect">
+            <a:avLst/>
+          </a:prstGeom>
+        </p:spPr>
+        <p:style>
+          <a:lnRef idx="2">
+            <a:schemeClr val="accent1">
+              <a:shade val="50000"/>
+            </a:schemeClr>
+          </a:lnRef>
+          <a:fillRef idx="1">
+            <a:schemeClr val="accent1"/>
+          </a:fillRef>
+          <a:effectRef idx="0">
+            <a:schemeClr val="accent1"/>
+          </a:effectRef>
+          <a:fontRef idx="minor">
+            <a:schemeClr val="lt1"/>
+          </a:fontRef>
+        </p:style>
+        <p:txBody>
+          <a:bodyPr rtlCol="0" anchor="ctr"/>
+          <a:p>
+            <a:pPr algn="ctr"/>
+            <a:r>
+              <a:rPr lang="zh-CN" altLang="en-US"/>
+              <a:t>就绪</a:t>
+            </a:r>
+            <a:endParaRPr lang="zh-CN" altLang="en-US"/>
+          </a:p>
+        </p:txBody>
+      </p:sp>
+      <p:sp>
+        <p:nvSpPr>
+          <p:cNvPr id="5" name="圆角矩形 4"/>
+          <p:cNvSpPr/>
+          <p:nvPr/>
+        </p:nvSpPr>
+        <p:spPr>
+          <a:xfrm>
+            <a:off x="1816735" y="4438650"/>
+            <a:ext cx="1504315" cy="469265"/>
+          </a:xfrm>
+          <a:prstGeom prst="roundRect">
+            <a:avLst/>
+          </a:prstGeom>
+        </p:spPr>
+        <p:style>
+          <a:lnRef idx="2">
+            <a:schemeClr val="accent1">
+              <a:shade val="50000"/>
+            </a:schemeClr>
+          </a:lnRef>
+          <a:fillRef idx="1">
+            <a:schemeClr val="accent1"/>
+          </a:fillRef>
+          <a:effectRef idx="0">
+            <a:schemeClr val="accent1"/>
+          </a:effectRef>
+          <a:fontRef idx="minor">
+            <a:schemeClr val="lt1"/>
+          </a:fontRef>
+        </p:style>
+        <p:txBody>
+          <a:bodyPr rtlCol="0" anchor="ctr"/>
+          <a:p>
+            <a:pPr algn="ctr"/>
+            <a:r>
+              <a:rPr lang="zh-CN" altLang="en-US"/>
+              <a:t>运行</a:t>
+            </a:r>
+            <a:endParaRPr lang="zh-CN" altLang="en-US"/>
+          </a:p>
+        </p:txBody>
+      </p:sp>
+      <p:sp>
+        <p:nvSpPr>
+          <p:cNvPr id="6" name="圆角矩形 5"/>
+          <p:cNvSpPr/>
+          <p:nvPr/>
+        </p:nvSpPr>
+        <p:spPr>
+          <a:xfrm>
+            <a:off x="1816735" y="5680075"/>
+            <a:ext cx="1504315" cy="469265"/>
+          </a:xfrm>
+          <a:prstGeom prst="roundRect">
+            <a:avLst/>
+          </a:prstGeom>
+        </p:spPr>
+        <p:style>
+          <a:lnRef idx="2">
+            <a:schemeClr val="accent1">
+              <a:shade val="50000"/>
+            </a:schemeClr>
+          </a:lnRef>
+          <a:fillRef idx="1">
+            <a:schemeClr val="accent1"/>
+          </a:fillRef>
+          <a:effectRef idx="0">
+            <a:schemeClr val="accent1"/>
+          </a:effectRef>
+          <a:fontRef idx="minor">
+            <a:schemeClr val="lt1"/>
+          </a:fontRef>
+        </p:style>
+        <p:txBody>
+          <a:bodyPr rtlCol="0" anchor="ctr"/>
+          <a:p>
+            <a:pPr algn="ctr"/>
+            <a:r>
+              <a:rPr lang="zh-CN" altLang="en-US"/>
+              <a:t>终止</a:t>
+            </a:r>
+            <a:endParaRPr lang="zh-CN" altLang="en-US"/>
+          </a:p>
+        </p:txBody>
+      </p:sp>
+      <p:sp>
+        <p:nvSpPr>
+          <p:cNvPr id="7" name="圆角矩形 6"/>
+          <p:cNvSpPr/>
+          <p:nvPr/>
+        </p:nvSpPr>
+        <p:spPr>
+          <a:xfrm>
+            <a:off x="4624705" y="4438650"/>
+            <a:ext cx="1504315" cy="469265"/>
+          </a:xfrm>
+          <a:prstGeom prst="roundRect">
+            <a:avLst/>
+          </a:prstGeom>
+        </p:spPr>
+        <p:style>
+          <a:lnRef idx="2">
+            <a:schemeClr val="accent1">
+              <a:shade val="50000"/>
+            </a:schemeClr>
+          </a:lnRef>
+          <a:fillRef idx="1">
+            <a:schemeClr val="accent1"/>
+          </a:fillRef>
+          <a:effectRef idx="0">
+            <a:schemeClr val="accent1"/>
+          </a:effectRef>
+          <a:fontRef idx="minor">
+            <a:schemeClr val="lt1"/>
+          </a:fontRef>
+        </p:style>
+        <p:txBody>
+          <a:bodyPr rtlCol="0" anchor="ctr"/>
+          <a:p>
+            <a:pPr algn="ctr"/>
+            <a:r>
+              <a:rPr lang="zh-CN" altLang="en-US"/>
+              <a:t>阻塞</a:t>
+            </a:r>
+            <a:endParaRPr lang="zh-CN" altLang="en-US"/>
+          </a:p>
+        </p:txBody>
+      </p:sp>
+      <p:cxnSp>
+        <p:nvCxnSpPr>
+          <p:cNvPr id="8" name="直接箭头连接符 7"/>
+          <p:cNvCxnSpPr>
+            <a:stCxn id="5" idx="3"/>
+            <a:endCxn id="7" idx="1"/>
+          </p:cNvCxnSpPr>
+          <p:nvPr/>
+        </p:nvCxnSpPr>
+        <p:spPr>
+          <a:xfrm>
+            <a:off x="3321050" y="4673600"/>
+            <a:ext cx="1303655" cy="0"/>
+          </a:xfrm>
+          <a:prstGeom prst="straightConnector1">
+            <a:avLst/>
+          </a:prstGeom>
+          <a:ln>
+            <a:tailEnd type="arrow"/>
+          </a:ln>
+        </p:spPr>
+        <p:style>
+          <a:lnRef idx="1">
+            <a:schemeClr val="accent1"/>
+          </a:lnRef>
+          <a:fillRef idx="0">
+            <a:schemeClr val="accent1"/>
+          </a:fillRef>
+          <a:effectRef idx="0">
+            <a:schemeClr val="accent1"/>
+          </a:effectRef>
+          <a:fontRef idx="minor">
+            <a:schemeClr val="tx1"/>
+          </a:fontRef>
+        </p:style>
+      </p:cxnSp>
+      <p:sp>
+        <p:nvSpPr>
+          <p:cNvPr id="9" name="文本框 8"/>
+          <p:cNvSpPr txBox="1"/>
+          <p:nvPr/>
+        </p:nvSpPr>
+        <p:spPr>
+          <a:xfrm>
+            <a:off x="3430905" y="4305300"/>
+            <a:ext cx="1083945" cy="368300"/>
+          </a:xfrm>
+          <a:prstGeom prst="rect">
+            <a:avLst/>
+          </a:prstGeom>
+          <a:noFill/>
+        </p:spPr>
+        <p:txBody>
+          <a:bodyPr wrap="none" rtlCol="0">
+            <a:spAutoFit/>
+          </a:bodyPr>
+          <a:p>
+            <a:r>
+              <a:rPr lang="en-US" altLang="zh-CN"/>
+              <a:t>sleep/io</a:t>
+            </a:r>
+            <a:endParaRPr lang="en-US" altLang="zh-CN"/>
+          </a:p>
+        </p:txBody>
+      </p:sp>
+      <p:cxnSp>
+        <p:nvCxnSpPr>
+          <p:cNvPr id="10" name="肘形连接符 9"/>
+          <p:cNvCxnSpPr>
+            <a:stCxn id="7" idx="0"/>
+            <a:endCxn id="4" idx="3"/>
+          </p:cNvCxnSpPr>
+          <p:nvPr/>
+        </p:nvCxnSpPr>
+        <p:spPr>
+          <a:xfrm rot="16200000" flipV="1">
+            <a:off x="3898583" y="2960053"/>
+            <a:ext cx="901065" cy="2056130"/>
+          </a:xfrm>
+          <a:prstGeom prst="bentConnector2">
+            <a:avLst/>
+          </a:prstGeom>
+          <a:ln>
+            <a:tailEnd type="arrow"/>
+          </a:ln>
+        </p:spPr>
+        <p:style>
+          <a:lnRef idx="1">
+            <a:schemeClr val="accent1"/>
+          </a:lnRef>
+          <a:fillRef idx="0">
+            <a:schemeClr val="accent1"/>
+          </a:fillRef>
+          <a:effectRef idx="0">
+            <a:schemeClr val="accent1"/>
+          </a:effectRef>
+          <a:fontRef idx="minor">
+            <a:schemeClr val="tx1"/>
+          </a:fontRef>
+        </p:style>
+      </p:cxnSp>
+      <p:sp>
+        <p:nvSpPr>
+          <p:cNvPr id="11" name="文本框 10"/>
+          <p:cNvSpPr txBox="1"/>
+          <p:nvPr/>
+        </p:nvSpPr>
+        <p:spPr>
+          <a:xfrm>
+            <a:off x="3752850" y="3093720"/>
+            <a:ext cx="1541145" cy="368300"/>
+          </a:xfrm>
+          <a:prstGeom prst="rect">
+            <a:avLst/>
+          </a:prstGeom>
+          <a:noFill/>
+        </p:spPr>
+        <p:txBody>
+          <a:bodyPr wrap="none" rtlCol="0">
+            <a:spAutoFit/>
+          </a:bodyPr>
+          <a:p>
+            <a:r>
+              <a:rPr lang="en-US" altLang="zh-CN"/>
+              <a:t>sleep/io</a:t>
+            </a:r>
+            <a:r>
+              <a:rPr lang="zh-CN" altLang="en-US"/>
+              <a:t>结束</a:t>
+            </a:r>
+            <a:endParaRPr lang="zh-CN" altLang="en-US"/>
+          </a:p>
+        </p:txBody>
+      </p:sp>
+      <p:cxnSp>
+        <p:nvCxnSpPr>
+          <p:cNvPr id="14" name="直接箭头连接符 13"/>
+          <p:cNvCxnSpPr/>
+          <p:nvPr/>
+        </p:nvCxnSpPr>
+        <p:spPr>
+          <a:xfrm>
+            <a:off x="2197100" y="3771900"/>
+            <a:ext cx="0" cy="666750"/>
+          </a:xfrm>
+          <a:prstGeom prst="straightConnector1">
+            <a:avLst/>
+          </a:prstGeom>
+          <a:ln>
+            <a:tailEnd type="arrow"/>
+          </a:ln>
+        </p:spPr>
+        <p:style>
+          <a:lnRef idx="1">
+            <a:schemeClr val="accent1"/>
+          </a:lnRef>
+          <a:fillRef idx="0">
+            <a:schemeClr val="accent1"/>
+          </a:fillRef>
+          <a:effectRef idx="0">
+            <a:schemeClr val="accent1"/>
+          </a:effectRef>
+          <a:fontRef idx="minor">
+            <a:schemeClr val="tx1"/>
+          </a:fontRef>
+        </p:style>
+      </p:cxnSp>
+      <p:sp>
+        <p:nvSpPr>
+          <p:cNvPr id="15" name="文本框 14"/>
+          <p:cNvSpPr txBox="1"/>
+          <p:nvPr/>
+        </p:nvSpPr>
+        <p:spPr>
+          <a:xfrm>
+            <a:off x="747395" y="3921125"/>
+            <a:ext cx="1503680" cy="368300"/>
+          </a:xfrm>
+          <a:prstGeom prst="rect">
+            <a:avLst/>
+          </a:prstGeom>
+          <a:noFill/>
+        </p:spPr>
+        <p:txBody>
+          <a:bodyPr wrap="none" rtlCol="0">
+            <a:spAutoFit/>
+          </a:bodyPr>
+          <a:p>
+            <a:r>
+              <a:rPr lang="zh-CN" altLang="en-US"/>
+              <a:t>获得</a:t>
+            </a:r>
+            <a:r>
+              <a:rPr lang="en-US" altLang="zh-CN"/>
+              <a:t>cpu</a:t>
+            </a:r>
+            <a:r>
+              <a:rPr lang="zh-CN" altLang="en-US"/>
+              <a:t>资源</a:t>
+            </a:r>
+            <a:endParaRPr lang="zh-CN" altLang="en-US"/>
+          </a:p>
+        </p:txBody>
+      </p:sp>
+      <p:cxnSp>
+        <p:nvCxnSpPr>
+          <p:cNvPr id="16" name="直接箭头连接符 15"/>
+          <p:cNvCxnSpPr/>
+          <p:nvPr/>
+        </p:nvCxnSpPr>
+        <p:spPr>
+          <a:xfrm flipV="1">
+            <a:off x="2931795" y="3795395"/>
+            <a:ext cx="0" cy="619125"/>
+          </a:xfrm>
+          <a:prstGeom prst="straightConnector1">
+            <a:avLst/>
+          </a:prstGeom>
+          <a:ln>
+            <a:tailEnd type="arrow"/>
+          </a:ln>
+        </p:spPr>
+        <p:style>
+          <a:lnRef idx="1">
+            <a:schemeClr val="accent1"/>
+          </a:lnRef>
+          <a:fillRef idx="0">
+            <a:schemeClr val="accent1"/>
+          </a:fillRef>
+          <a:effectRef idx="0">
+            <a:schemeClr val="accent1"/>
+          </a:effectRef>
+          <a:fontRef idx="minor">
+            <a:schemeClr val="tx1"/>
+          </a:fontRef>
+        </p:style>
+      </p:cxnSp>
+      <p:sp>
+        <p:nvSpPr>
+          <p:cNvPr id="17" name="文本框 16"/>
+          <p:cNvSpPr txBox="1"/>
+          <p:nvPr/>
+        </p:nvSpPr>
+        <p:spPr>
+          <a:xfrm>
+            <a:off x="2471420" y="3937000"/>
+            <a:ext cx="1561465" cy="368300"/>
+          </a:xfrm>
+          <a:prstGeom prst="rect">
+            <a:avLst/>
+          </a:prstGeom>
+          <a:solidFill>
+            <a:schemeClr val="bg1"/>
+          </a:solidFill>
+        </p:spPr>
+        <p:txBody>
+          <a:bodyPr wrap="none" rtlCol="0">
+            <a:spAutoFit/>
+          </a:bodyPr>
+          <a:p>
+            <a:r>
+              <a:rPr lang="zh-CN" altLang="en-US"/>
+              <a:t>失去</a:t>
+            </a:r>
+            <a:r>
+              <a:rPr lang="en-US" altLang="zh-CN"/>
+              <a:t>CPU</a:t>
+            </a:r>
+            <a:r>
+              <a:rPr lang="zh-CN" altLang="en-US"/>
+              <a:t>资源</a:t>
+            </a:r>
+            <a:endParaRPr lang="zh-CN" altLang="en-US"/>
+          </a:p>
+        </p:txBody>
+      </p:sp>
+      <p:cxnSp>
+        <p:nvCxnSpPr>
+          <p:cNvPr id="18" name="直接箭头连接符 17"/>
+          <p:cNvCxnSpPr>
+            <a:stCxn id="2" idx="2"/>
+            <a:endCxn id="4" idx="0"/>
+          </p:cNvCxnSpPr>
+          <p:nvPr/>
+        </p:nvCxnSpPr>
+        <p:spPr>
+          <a:xfrm>
+            <a:off x="2569210" y="2592070"/>
+            <a:ext cx="0" cy="710565"/>
+          </a:xfrm>
+          <a:prstGeom prst="straightConnector1">
+            <a:avLst/>
+          </a:prstGeom>
+          <a:ln>
+            <a:tailEnd type="arrow"/>
+          </a:ln>
+        </p:spPr>
+        <p:style>
+          <a:lnRef idx="1">
+            <a:schemeClr val="accent1"/>
+          </a:lnRef>
+          <a:fillRef idx="0">
+            <a:schemeClr val="accent1"/>
+          </a:fillRef>
+          <a:effectRef idx="0">
+            <a:schemeClr val="accent1"/>
+          </a:effectRef>
+          <a:fontRef idx="minor">
+            <a:schemeClr val="tx1"/>
+          </a:fontRef>
+        </p:style>
+      </p:cxnSp>
+      <p:sp>
+        <p:nvSpPr>
+          <p:cNvPr id="20" name="文本框 19"/>
+          <p:cNvSpPr txBox="1"/>
+          <p:nvPr/>
+        </p:nvSpPr>
+        <p:spPr>
+          <a:xfrm>
+            <a:off x="1753870" y="2725420"/>
+            <a:ext cx="717550" cy="368300"/>
+          </a:xfrm>
+          <a:prstGeom prst="rect">
+            <a:avLst/>
+          </a:prstGeom>
+          <a:solidFill>
+            <a:schemeClr val="bg1"/>
+          </a:solidFill>
+        </p:spPr>
+        <p:txBody>
+          <a:bodyPr wrap="none" rtlCol="0">
+            <a:spAutoFit/>
+          </a:bodyPr>
+          <a:p>
+            <a:r>
+              <a:rPr lang="en-US"/>
+              <a:t>start</a:t>
+            </a:r>
+            <a:endParaRPr lang="en-US"/>
+          </a:p>
+        </p:txBody>
+      </p:sp>
+      <p:cxnSp>
+        <p:nvCxnSpPr>
+          <p:cNvPr id="21" name="直接箭头连接符 20"/>
+          <p:cNvCxnSpPr>
+            <a:stCxn id="5" idx="2"/>
+            <a:endCxn id="6" idx="0"/>
+          </p:cNvCxnSpPr>
+          <p:nvPr/>
+        </p:nvCxnSpPr>
+        <p:spPr>
+          <a:xfrm>
+            <a:off x="2569210" y="4907915"/>
+            <a:ext cx="0" cy="772160"/>
+          </a:xfrm>
+          <a:prstGeom prst="straightConnector1">
+            <a:avLst/>
+          </a:prstGeom>
+          <a:ln>
+            <a:tailEnd type="arrow"/>
+          </a:ln>
+        </p:spPr>
+        <p:style>
+          <a:lnRef idx="1">
+            <a:schemeClr val="accent1"/>
+          </a:lnRef>
+          <a:fillRef idx="0">
+            <a:schemeClr val="accent1"/>
+          </a:fillRef>
+          <a:effectRef idx="0">
+            <a:schemeClr val="accent1"/>
+          </a:effectRef>
+          <a:fontRef idx="minor">
+            <a:schemeClr val="tx1"/>
+          </a:fontRef>
+        </p:style>
+      </p:cxnSp>
+      <p:sp>
+        <p:nvSpPr>
+          <p:cNvPr id="22" name="文本框 21"/>
+          <p:cNvSpPr txBox="1"/>
+          <p:nvPr/>
+        </p:nvSpPr>
+        <p:spPr>
+          <a:xfrm>
+            <a:off x="2673985" y="5109845"/>
+            <a:ext cx="1713230" cy="368300"/>
+          </a:xfrm>
+          <a:prstGeom prst="rect">
+            <a:avLst/>
+          </a:prstGeom>
+          <a:solidFill>
+            <a:schemeClr val="bg1"/>
+          </a:solidFill>
+        </p:spPr>
+        <p:txBody>
+          <a:bodyPr wrap="none" rtlCol="0">
+            <a:spAutoFit/>
+          </a:bodyPr>
+          <a:p>
+            <a:r>
+              <a:rPr lang="en-US" altLang="zh-CN"/>
+              <a:t>run</a:t>
+            </a:r>
+            <a:r>
+              <a:rPr lang="zh-CN" altLang="en-US"/>
+              <a:t>方法执行完</a:t>
+            </a:r>
+            <a:endParaRPr lang="zh-CN" altLang="en-US"/>
+          </a:p>
+        </p:txBody>
+      </p:sp>
+      <p:sp>
+        <p:nvSpPr>
+          <p:cNvPr id="23" name="文本框 22"/>
+          <p:cNvSpPr txBox="1"/>
+          <p:nvPr/>
+        </p:nvSpPr>
+        <p:spPr>
+          <a:xfrm>
+            <a:off x="1678305" y="1637030"/>
+            <a:ext cx="1999615" cy="368300"/>
+          </a:xfrm>
+          <a:prstGeom prst="rect">
+            <a:avLst/>
+          </a:prstGeom>
+          <a:solidFill>
+            <a:srgbClr val="00B050"/>
+          </a:solidFill>
+        </p:spPr>
+        <p:txBody>
+          <a:bodyPr wrap="square" rtlCol="0">
+            <a:spAutoFit/>
+          </a:bodyPr>
+          <a:p>
+            <a:pPr algn="ctr"/>
+            <a:r>
+              <a:rPr lang="zh-CN" altLang="en-US"/>
+              <a:t>线程的生命周期</a:t>
+            </a:r>
+            <a:endParaRPr lang="zh-CN" altLang="en-US"/>
+          </a:p>
+        </p:txBody>
+      </p:sp>
+      <p:sp>
+        <p:nvSpPr>
+          <p:cNvPr id="24" name="文本框 23"/>
+          <p:cNvSpPr txBox="1"/>
+          <p:nvPr/>
+        </p:nvSpPr>
+        <p:spPr>
+          <a:xfrm>
+            <a:off x="5471160" y="1498600"/>
+            <a:ext cx="5897880" cy="645160"/>
+          </a:xfrm>
+          <a:prstGeom prst="rect">
+            <a:avLst/>
+          </a:prstGeom>
+          <a:noFill/>
+        </p:spPr>
+        <p:txBody>
+          <a:bodyPr wrap="none" rtlCol="0">
+            <a:spAutoFit/>
+          </a:bodyPr>
+          <a:p>
+            <a:r>
+              <a:rPr lang="zh-CN" altLang="en-US"/>
+              <a:t>新建线程系统需要分配资源、终止线程系统需要回收资源</a:t>
+            </a:r>
+            <a:endParaRPr lang="zh-CN" altLang="en-US"/>
+          </a:p>
+          <a:p>
+            <a:r>
+              <a:rPr lang="zh-CN" altLang="en-US"/>
+              <a:t>如果可以重用线程，则可以减去新建</a:t>
+            </a:r>
+            <a:r>
+              <a:rPr lang="en-US" altLang="zh-CN"/>
+              <a:t>/</a:t>
+            </a:r>
+            <a:r>
+              <a:rPr lang="zh-CN" altLang="en-US"/>
+              <a:t>终止的开销</a:t>
+            </a:r>
+            <a:endParaRPr lang="zh-CN" altLang="en-US"/>
+          </a:p>
+        </p:txBody>
+      </p:sp>
+      <p:grpSp>
+        <p:nvGrpSpPr>
+          <p:cNvPr id="46" name="组合 45"/>
+          <p:cNvGrpSpPr/>
+          <p:nvPr/>
+        </p:nvGrpSpPr>
+        <p:grpSpPr>
+          <a:xfrm>
+            <a:off x="6164580" y="2395220"/>
+            <a:ext cx="5469890" cy="3771265"/>
+            <a:chOff x="9652" y="3744"/>
+            <a:chExt cx="8614" cy="5939"/>
+          </a:xfrm>
+        </p:grpSpPr>
+        <p:sp>
+          <p:nvSpPr>
+            <p:cNvPr id="25" name="矩形 24"/>
+            <p:cNvSpPr/>
+            <p:nvPr/>
+          </p:nvSpPr>
+          <p:spPr>
+            <a:xfrm>
+              <a:off x="12394" y="4426"/>
+              <a:ext cx="1268" cy="585"/>
+            </a:xfrm>
+            <a:prstGeom prst="rect">
+              <a:avLst/>
+            </a:prstGeom>
+          </p:spPr>
+          <p:style>
+            <a:lnRef idx="2">
+              <a:schemeClr val="accent1">
+                <a:shade val="50000"/>
+              </a:schemeClr>
+            </a:lnRef>
+            <a:fillRef idx="1">
+              <a:schemeClr val="accent1"/>
+            </a:fillRef>
+            <a:effectRef idx="0">
+              <a:schemeClr val="accent1"/>
+            </a:effectRef>
+            <a:fontRef idx="minor">
+              <a:schemeClr val="lt1"/>
+            </a:fontRef>
+          </p:style>
+          <p:txBody>
+            <a:bodyPr rtlCol="0" anchor="ctr"/>
+            <a:p>
+              <a:pPr algn="ctr"/>
+              <a:endParaRPr lang="zh-CN" altLang="en-US"/>
+            </a:p>
+          </p:txBody>
+        </p:sp>
+        <p:sp>
+          <p:nvSpPr>
+            <p:cNvPr id="26" name="矩形 25"/>
+            <p:cNvSpPr/>
+            <p:nvPr/>
+          </p:nvSpPr>
+          <p:spPr>
+            <a:xfrm>
+              <a:off x="12394" y="5011"/>
+              <a:ext cx="1268" cy="585"/>
+            </a:xfrm>
+            <a:prstGeom prst="rect">
+              <a:avLst/>
+            </a:prstGeom>
+          </p:spPr>
+          <p:style>
+            <a:lnRef idx="2">
+              <a:schemeClr val="accent1">
+                <a:shade val="50000"/>
+              </a:schemeClr>
+            </a:lnRef>
+            <a:fillRef idx="1">
+              <a:schemeClr val="accent1"/>
+            </a:fillRef>
+            <a:effectRef idx="0">
+              <a:schemeClr val="accent1"/>
+            </a:effectRef>
+            <a:fontRef idx="minor">
+              <a:schemeClr val="lt1"/>
+            </a:fontRef>
+          </p:style>
+          <p:txBody>
+            <a:bodyPr rtlCol="0" anchor="ctr"/>
+            <a:p>
+              <a:pPr algn="ctr"/>
+              <a:endParaRPr lang="zh-CN" altLang="en-US"/>
+            </a:p>
+          </p:txBody>
+        </p:sp>
+        <p:sp>
+          <p:nvSpPr>
+            <p:cNvPr id="27" name="矩形 26"/>
+            <p:cNvSpPr/>
+            <p:nvPr/>
+          </p:nvSpPr>
+          <p:spPr>
+            <a:xfrm>
+              <a:off x="12394" y="5596"/>
+              <a:ext cx="1268" cy="585"/>
+            </a:xfrm>
+            <a:prstGeom prst="rect">
+              <a:avLst/>
+            </a:prstGeom>
+          </p:spPr>
+          <p:style>
+            <a:lnRef idx="2">
+              <a:schemeClr val="accent1">
+                <a:shade val="50000"/>
+              </a:schemeClr>
+            </a:lnRef>
+            <a:fillRef idx="1">
+              <a:schemeClr val="accent1"/>
+            </a:fillRef>
+            <a:effectRef idx="0">
+              <a:schemeClr val="accent1"/>
+            </a:effectRef>
+            <a:fontRef idx="minor">
+              <a:schemeClr val="lt1"/>
+            </a:fontRef>
+          </p:style>
+          <p:txBody>
+            <a:bodyPr rtlCol="0" anchor="ctr"/>
+            <a:p>
+              <a:pPr algn="ctr"/>
+              <a:endParaRPr lang="zh-CN" altLang="en-US"/>
+            </a:p>
+          </p:txBody>
+        </p:sp>
+        <p:sp>
+          <p:nvSpPr>
+            <p:cNvPr id="28" name="矩形 27"/>
+            <p:cNvSpPr/>
+            <p:nvPr/>
+          </p:nvSpPr>
+          <p:spPr>
+            <a:xfrm>
+              <a:off x="12394" y="6172"/>
+              <a:ext cx="1268" cy="585"/>
+            </a:xfrm>
+            <a:prstGeom prst="rect">
+              <a:avLst/>
+            </a:prstGeom>
+          </p:spPr>
+          <p:style>
+            <a:lnRef idx="2">
+              <a:schemeClr val="accent1">
+                <a:shade val="50000"/>
+              </a:schemeClr>
+            </a:lnRef>
+            <a:fillRef idx="1">
+              <a:schemeClr val="accent1"/>
+            </a:fillRef>
+            <a:effectRef idx="0">
+              <a:schemeClr val="accent1"/>
+            </a:effectRef>
+            <a:fontRef idx="minor">
+              <a:schemeClr val="lt1"/>
+            </a:fontRef>
+          </p:style>
+          <p:txBody>
+            <a:bodyPr rtlCol="0" anchor="ctr"/>
+            <a:p>
+              <a:pPr algn="ctr"/>
+              <a:r>
+                <a:rPr lang="en-US" altLang="zh-CN"/>
+                <a:t>T</a:t>
+              </a:r>
+              <a:endParaRPr lang="en-US" altLang="zh-CN"/>
+            </a:p>
+          </p:txBody>
+        </p:sp>
+        <p:sp>
+          <p:nvSpPr>
+            <p:cNvPr id="29" name="矩形 28"/>
+            <p:cNvSpPr/>
+            <p:nvPr/>
+          </p:nvSpPr>
+          <p:spPr>
+            <a:xfrm>
+              <a:off x="12394" y="6757"/>
+              <a:ext cx="1268" cy="585"/>
+            </a:xfrm>
+            <a:prstGeom prst="rect">
+              <a:avLst/>
+            </a:prstGeom>
+          </p:spPr>
+          <p:style>
+            <a:lnRef idx="2">
+              <a:schemeClr val="accent1">
+                <a:shade val="50000"/>
+              </a:schemeClr>
+            </a:lnRef>
+            <a:fillRef idx="1">
+              <a:schemeClr val="accent1"/>
+            </a:fillRef>
+            <a:effectRef idx="0">
+              <a:schemeClr val="accent1"/>
+            </a:effectRef>
+            <a:fontRef idx="minor">
+              <a:schemeClr val="lt1"/>
+            </a:fontRef>
+          </p:style>
+          <p:txBody>
+            <a:bodyPr rtlCol="0" anchor="ctr"/>
+            <a:p>
+              <a:pPr algn="ctr"/>
+              <a:r>
+                <a:rPr lang="en-US" altLang="zh-CN"/>
+                <a:t>T</a:t>
+              </a:r>
+              <a:endParaRPr lang="en-US" altLang="zh-CN"/>
+            </a:p>
+          </p:txBody>
+        </p:sp>
+        <p:sp>
+          <p:nvSpPr>
+            <p:cNvPr id="30" name="矩形 29"/>
+            <p:cNvSpPr/>
+            <p:nvPr/>
+          </p:nvSpPr>
+          <p:spPr>
+            <a:xfrm>
+              <a:off x="12394" y="7342"/>
+              <a:ext cx="1268" cy="585"/>
+            </a:xfrm>
+            <a:prstGeom prst="rect">
+              <a:avLst/>
+            </a:prstGeom>
+          </p:spPr>
+          <p:style>
+            <a:lnRef idx="2">
+              <a:schemeClr val="accent1">
+                <a:shade val="50000"/>
+              </a:schemeClr>
+            </a:lnRef>
+            <a:fillRef idx="1">
+              <a:schemeClr val="accent1"/>
+            </a:fillRef>
+            <a:effectRef idx="0">
+              <a:schemeClr val="accent1"/>
+            </a:effectRef>
+            <a:fontRef idx="minor">
+              <a:schemeClr val="lt1"/>
+            </a:fontRef>
+          </p:style>
+          <p:txBody>
+            <a:bodyPr rtlCol="0" anchor="ctr"/>
+            <a:p>
+              <a:pPr algn="ctr"/>
+              <a:r>
+                <a:rPr lang="en-US" altLang="zh-CN"/>
+                <a:t>T</a:t>
+              </a:r>
+              <a:endParaRPr lang="en-US" altLang="zh-CN"/>
+            </a:p>
+          </p:txBody>
+        </p:sp>
+        <p:sp>
+          <p:nvSpPr>
+            <p:cNvPr id="31" name="矩形 30"/>
+            <p:cNvSpPr/>
+            <p:nvPr/>
+          </p:nvSpPr>
+          <p:spPr>
+            <a:xfrm>
+              <a:off x="12394" y="7929"/>
+              <a:ext cx="1268" cy="585"/>
+            </a:xfrm>
+            <a:prstGeom prst="rect">
+              <a:avLst/>
+            </a:prstGeom>
+          </p:spPr>
+          <p:style>
+            <a:lnRef idx="2">
+              <a:schemeClr val="accent1">
+                <a:shade val="50000"/>
+              </a:schemeClr>
+            </a:lnRef>
+            <a:fillRef idx="1">
+              <a:schemeClr val="accent1"/>
+            </a:fillRef>
+            <a:effectRef idx="0">
+              <a:schemeClr val="accent1"/>
+            </a:effectRef>
+            <a:fontRef idx="minor">
+              <a:schemeClr val="lt1"/>
+            </a:fontRef>
+          </p:style>
+          <p:txBody>
+            <a:bodyPr rtlCol="0" anchor="ctr"/>
+            <a:p>
+              <a:pPr algn="ctr"/>
+              <a:r>
+                <a:rPr lang="en-US" altLang="zh-CN"/>
+                <a:t>T</a:t>
+              </a:r>
+              <a:endParaRPr lang="en-US" altLang="zh-CN"/>
+            </a:p>
+          </p:txBody>
+        </p:sp>
+        <p:sp>
+          <p:nvSpPr>
+            <p:cNvPr id="32" name="矩形 31"/>
+            <p:cNvSpPr/>
+            <p:nvPr/>
+          </p:nvSpPr>
+          <p:spPr>
+            <a:xfrm>
+              <a:off x="12394" y="8514"/>
+              <a:ext cx="1268" cy="585"/>
+            </a:xfrm>
+            <a:prstGeom prst="rect">
+              <a:avLst/>
+            </a:prstGeom>
+          </p:spPr>
+          <p:style>
+            <a:lnRef idx="2">
+              <a:schemeClr val="accent1">
+                <a:shade val="50000"/>
+              </a:schemeClr>
+            </a:lnRef>
+            <a:fillRef idx="1">
+              <a:schemeClr val="accent1"/>
+            </a:fillRef>
+            <a:effectRef idx="0">
+              <a:schemeClr val="accent1"/>
+            </a:effectRef>
+            <a:fontRef idx="minor">
+              <a:schemeClr val="lt1"/>
+            </a:fontRef>
+          </p:style>
+          <p:txBody>
+            <a:bodyPr rtlCol="0" anchor="ctr"/>
+            <a:p>
+              <a:pPr algn="ctr"/>
+              <a:r>
+                <a:rPr lang="en-US" altLang="zh-CN"/>
+                <a:t>T</a:t>
+              </a:r>
+              <a:endParaRPr lang="en-US" altLang="zh-CN"/>
+            </a:p>
+          </p:txBody>
+        </p:sp>
+        <p:sp>
+          <p:nvSpPr>
+            <p:cNvPr id="33" name="矩形 32"/>
+            <p:cNvSpPr/>
+            <p:nvPr/>
+          </p:nvSpPr>
+          <p:spPr>
+            <a:xfrm>
+              <a:off x="12394" y="9099"/>
+              <a:ext cx="1268" cy="585"/>
+            </a:xfrm>
+            <a:prstGeom prst="rect">
+              <a:avLst/>
+            </a:prstGeom>
+          </p:spPr>
+          <p:style>
+            <a:lnRef idx="2">
+              <a:schemeClr val="accent1">
+                <a:shade val="50000"/>
+              </a:schemeClr>
+            </a:lnRef>
+            <a:fillRef idx="1">
+              <a:schemeClr val="accent1"/>
+            </a:fillRef>
+            <a:effectRef idx="0">
+              <a:schemeClr val="accent1"/>
+            </a:effectRef>
+            <a:fontRef idx="minor">
+              <a:schemeClr val="lt1"/>
+            </a:fontRef>
+          </p:style>
+          <p:txBody>
+            <a:bodyPr rtlCol="0" anchor="ctr"/>
+            <a:p>
+              <a:pPr algn="ctr"/>
+              <a:r>
+                <a:rPr lang="en-US" altLang="zh-CN"/>
+                <a:t>T</a:t>
+              </a:r>
+              <a:endParaRPr lang="en-US" altLang="zh-CN"/>
+            </a:p>
+          </p:txBody>
+        </p:sp>
+        <p:sp>
+          <p:nvSpPr>
+            <p:cNvPr id="34" name="椭圆 33"/>
+            <p:cNvSpPr/>
+            <p:nvPr/>
+          </p:nvSpPr>
+          <p:spPr>
+            <a:xfrm>
+              <a:off x="9652" y="4426"/>
+              <a:ext cx="2013" cy="818"/>
+            </a:xfrm>
+            <a:prstGeom prst="ellipse">
+              <a:avLst/>
+            </a:prstGeom>
+          </p:spPr>
+          <p:style>
+            <a:lnRef idx="2">
+              <a:schemeClr val="accent1">
+                <a:shade val="50000"/>
+              </a:schemeClr>
+            </a:lnRef>
+            <a:fillRef idx="1">
+              <a:schemeClr val="accent1"/>
+            </a:fillRef>
+            <a:effectRef idx="0">
+              <a:schemeClr val="accent1"/>
+            </a:effectRef>
+            <a:fontRef idx="minor">
+              <a:schemeClr val="lt1"/>
+            </a:fontRef>
+          </p:style>
+          <p:txBody>
+            <a:bodyPr rtlCol="0" anchor="ctr"/>
+            <a:p>
+              <a:pPr algn="ctr"/>
+              <a:r>
+                <a:rPr lang="zh-CN" altLang="en-US"/>
+                <a:t>新任务</a:t>
+              </a:r>
+              <a:endParaRPr lang="zh-CN" altLang="en-US"/>
+            </a:p>
+          </p:txBody>
+        </p:sp>
+        <p:cxnSp>
+          <p:nvCxnSpPr>
+            <p:cNvPr id="35" name="曲线连接符 34"/>
+            <p:cNvCxnSpPr>
+              <a:stCxn id="34" idx="4"/>
+              <a:endCxn id="27" idx="1"/>
+            </p:cNvCxnSpPr>
+            <p:nvPr/>
+          </p:nvCxnSpPr>
+          <p:spPr>
+            <a:xfrm rot="5400000" flipV="1">
+              <a:off x="11204" y="4698"/>
+              <a:ext cx="645" cy="1735"/>
+            </a:xfrm>
+            <a:prstGeom prst="curvedConnector2">
+              <a:avLst/>
+            </a:prstGeom>
+            <a:ln>
+              <a:tailEnd type="arrow"/>
+            </a:ln>
+          </p:spPr>
+          <p:style>
+            <a:lnRef idx="1">
+              <a:schemeClr val="accent1"/>
+            </a:lnRef>
+            <a:fillRef idx="0">
+              <a:schemeClr val="accent1"/>
+            </a:fillRef>
+            <a:effectRef idx="0">
+              <a:schemeClr val="accent1"/>
+            </a:effectRef>
+            <a:fontRef idx="minor">
+              <a:schemeClr val="tx1"/>
+            </a:fontRef>
+          </p:style>
+        </p:cxnSp>
+        <p:sp>
+          <p:nvSpPr>
+            <p:cNvPr id="36" name="文本框 35"/>
+            <p:cNvSpPr txBox="1"/>
+            <p:nvPr/>
+          </p:nvSpPr>
+          <p:spPr>
+            <a:xfrm>
+              <a:off x="12164" y="3744"/>
+              <a:ext cx="1728" cy="580"/>
+            </a:xfrm>
+            <a:prstGeom prst="rect">
+              <a:avLst/>
+            </a:prstGeom>
+            <a:noFill/>
+          </p:spPr>
+          <p:txBody>
+            <a:bodyPr wrap="none" rtlCol="0">
+              <a:spAutoFit/>
+            </a:bodyPr>
+            <a:p>
+              <a:r>
+                <a:rPr lang="zh-CN" altLang="en-US"/>
+                <a:t>任务队列</a:t>
+              </a:r>
+              <a:endParaRPr lang="zh-CN" altLang="en-US"/>
+            </a:p>
+          </p:txBody>
+        </p:sp>
+        <p:sp>
+          <p:nvSpPr>
+            <p:cNvPr id="37" name="矩形 36"/>
+            <p:cNvSpPr/>
+            <p:nvPr/>
+          </p:nvSpPr>
+          <p:spPr>
+            <a:xfrm>
+              <a:off x="14894" y="5319"/>
+              <a:ext cx="3372" cy="3135"/>
+            </a:xfrm>
+            <a:prstGeom prst="rect">
+              <a:avLst/>
+            </a:prstGeom>
+          </p:spPr>
+          <p:style>
+            <a:lnRef idx="2">
+              <a:schemeClr val="accent1">
+                <a:shade val="50000"/>
+              </a:schemeClr>
+            </a:lnRef>
+            <a:fillRef idx="1">
+              <a:schemeClr val="accent1"/>
+            </a:fillRef>
+            <a:effectRef idx="0">
+              <a:schemeClr val="accent1"/>
+            </a:effectRef>
+            <a:fontRef idx="minor">
+              <a:schemeClr val="lt1"/>
+            </a:fontRef>
+          </p:style>
+          <p:txBody>
+            <a:bodyPr rtlCol="0" anchor="ctr"/>
+            <a:p>
+              <a:pPr algn="ctr"/>
+              <a:endParaRPr lang="zh-CN" altLang="en-US"/>
+            </a:p>
+          </p:txBody>
+        </p:sp>
+        <p:sp>
+          <p:nvSpPr>
+            <p:cNvPr id="38" name="文本框 37"/>
+            <p:cNvSpPr txBox="1"/>
+            <p:nvPr/>
+          </p:nvSpPr>
+          <p:spPr>
+            <a:xfrm>
+              <a:off x="15896" y="4470"/>
+              <a:ext cx="1368" cy="580"/>
+            </a:xfrm>
+            <a:prstGeom prst="rect">
+              <a:avLst/>
+            </a:prstGeom>
+            <a:noFill/>
+          </p:spPr>
+          <p:txBody>
+            <a:bodyPr wrap="none" rtlCol="0">
+              <a:spAutoFit/>
+            </a:bodyPr>
+            <a:p>
+              <a:r>
+                <a:rPr lang="zh-CN" altLang="en-US"/>
+                <a:t>线程池</a:t>
+              </a:r>
+              <a:endParaRPr lang="zh-CN" altLang="en-US"/>
+            </a:p>
+          </p:txBody>
+        </p:sp>
+        <p:sp>
+          <p:nvSpPr>
+            <p:cNvPr id="39" name="圆角矩形 38"/>
+            <p:cNvSpPr/>
+            <p:nvPr/>
+          </p:nvSpPr>
+          <p:spPr>
+            <a:xfrm>
+              <a:off x="15473" y="5761"/>
+              <a:ext cx="2257" cy="558"/>
+            </a:xfrm>
+            <a:prstGeom prst="roundRect">
+              <a:avLst/>
+            </a:prstGeom>
+          </p:spPr>
+          <p:style>
+            <a:lnRef idx="2">
+              <a:schemeClr val="accent6"/>
+            </a:lnRef>
+            <a:fillRef idx="1">
+              <a:schemeClr val="lt1"/>
+            </a:fillRef>
+            <a:effectRef idx="0">
+              <a:schemeClr val="accent6"/>
+            </a:effectRef>
+            <a:fontRef idx="minor">
+              <a:schemeClr val="dk1"/>
+            </a:fontRef>
+          </p:style>
+          <p:txBody>
+            <a:bodyPr rtlCol="0" anchor="ctr"/>
+            <a:p>
+              <a:pPr algn="ctr"/>
+              <a:r>
+                <a:rPr lang="zh-CN" altLang="en-US"/>
+                <a:t>线程</a:t>
+              </a:r>
+              <a:r>
+                <a:rPr lang="en-US" altLang="zh-CN"/>
+                <a:t>1</a:t>
+              </a:r>
+              <a:endParaRPr lang="en-US" altLang="zh-CN"/>
+            </a:p>
+          </p:txBody>
+        </p:sp>
+        <p:sp>
+          <p:nvSpPr>
+            <p:cNvPr id="41" name="圆角矩形 40"/>
+            <p:cNvSpPr/>
+            <p:nvPr/>
+          </p:nvSpPr>
+          <p:spPr>
+            <a:xfrm>
+              <a:off x="15473" y="6608"/>
+              <a:ext cx="2257" cy="558"/>
+            </a:xfrm>
+            <a:prstGeom prst="roundRect">
+              <a:avLst/>
+            </a:prstGeom>
+          </p:spPr>
+          <p:style>
+            <a:lnRef idx="2">
+              <a:schemeClr val="accent6"/>
+            </a:lnRef>
+            <a:fillRef idx="1">
+              <a:schemeClr val="lt1"/>
+            </a:fillRef>
+            <a:effectRef idx="0">
+              <a:schemeClr val="accent6"/>
+            </a:effectRef>
+            <a:fontRef idx="minor">
+              <a:schemeClr val="dk1"/>
+            </a:fontRef>
+          </p:style>
+          <p:txBody>
+            <a:bodyPr rtlCol="0" anchor="ctr"/>
+            <a:p>
+              <a:pPr algn="ctr"/>
+              <a:r>
+                <a:rPr lang="zh-CN" altLang="en-US"/>
+                <a:t>线程</a:t>
+              </a:r>
+              <a:r>
+                <a:rPr lang="en-US" altLang="zh-CN"/>
+                <a:t> ...</a:t>
+              </a:r>
+              <a:endParaRPr lang="zh-CN" altLang="en-US"/>
+            </a:p>
+          </p:txBody>
+        </p:sp>
+        <p:sp>
+          <p:nvSpPr>
+            <p:cNvPr id="42" name="圆角矩形 41"/>
+            <p:cNvSpPr/>
+            <p:nvPr/>
+          </p:nvSpPr>
+          <p:spPr>
+            <a:xfrm>
+              <a:off x="15473" y="7489"/>
+              <a:ext cx="2257" cy="558"/>
+            </a:xfrm>
+            <a:prstGeom prst="roundRect">
+              <a:avLst/>
+            </a:prstGeom>
+          </p:spPr>
+          <p:style>
+            <a:lnRef idx="2">
+              <a:schemeClr val="accent6"/>
+            </a:lnRef>
+            <a:fillRef idx="1">
+              <a:schemeClr val="lt1"/>
+            </a:fillRef>
+            <a:effectRef idx="0">
+              <a:schemeClr val="accent6"/>
+            </a:effectRef>
+            <a:fontRef idx="minor">
+              <a:schemeClr val="dk1"/>
+            </a:fontRef>
+          </p:style>
+          <p:txBody>
+            <a:bodyPr rtlCol="0" anchor="ctr"/>
+            <a:p>
+              <a:pPr algn="ctr"/>
+              <a:r>
+                <a:rPr lang="zh-CN" altLang="en-US"/>
+                <a:t>线程</a:t>
+              </a:r>
+              <a:r>
+                <a:rPr lang="en-US" altLang="zh-CN"/>
+                <a:t>N</a:t>
+              </a:r>
+              <a:endParaRPr lang="en-US" altLang="zh-CN"/>
+            </a:p>
+          </p:txBody>
+        </p:sp>
+        <p:cxnSp>
+          <p:nvCxnSpPr>
+            <p:cNvPr id="43" name="曲线连接符 42"/>
+            <p:cNvCxnSpPr>
+              <a:stCxn id="33" idx="3"/>
+              <a:endCxn id="42" idx="1"/>
+            </p:cNvCxnSpPr>
+            <p:nvPr/>
+          </p:nvCxnSpPr>
+          <p:spPr>
+            <a:xfrm flipV="1">
+              <a:off x="13662" y="7768"/>
+              <a:ext cx="1811" cy="1624"/>
+            </a:xfrm>
+            <a:prstGeom prst="curvedConnector3">
+              <a:avLst>
+                <a:gd name="adj1" fmla="val 50028"/>
+              </a:avLst>
+            </a:prstGeom>
+            <a:ln>
+              <a:tailEnd type="arrow" w="med" len="med"/>
+            </a:ln>
+          </p:spPr>
+          <p:style>
+            <a:lnRef idx="2">
+              <a:schemeClr val="accent5"/>
+            </a:lnRef>
+            <a:fillRef idx="0">
+              <a:schemeClr val="accent5"/>
+            </a:fillRef>
+            <a:effectRef idx="1">
+              <a:schemeClr val="accent5"/>
+            </a:effectRef>
+            <a:fontRef idx="minor">
+              <a:schemeClr val="tx1"/>
+            </a:fontRef>
+          </p:style>
+        </p:cxnSp>
+        <p:cxnSp>
+          <p:nvCxnSpPr>
+            <p:cNvPr id="44" name="曲线连接符 43"/>
+            <p:cNvCxnSpPr>
+              <a:stCxn id="32" idx="3"/>
+              <a:endCxn id="41" idx="1"/>
+            </p:cNvCxnSpPr>
+            <p:nvPr/>
+          </p:nvCxnSpPr>
+          <p:spPr>
+            <a:xfrm flipV="1">
+              <a:off x="13662" y="6887"/>
+              <a:ext cx="1811" cy="1920"/>
+            </a:xfrm>
+            <a:prstGeom prst="curvedConnector3">
+              <a:avLst>
+                <a:gd name="adj1" fmla="val 50028"/>
+              </a:avLst>
+            </a:prstGeom>
+            <a:ln>
+              <a:tailEnd type="arrow" w="med" len="med"/>
+            </a:ln>
+          </p:spPr>
+          <p:style>
+            <a:lnRef idx="2">
+              <a:schemeClr val="accent5"/>
+            </a:lnRef>
+            <a:fillRef idx="0">
+              <a:schemeClr val="accent5"/>
+            </a:fillRef>
+            <a:effectRef idx="1">
+              <a:schemeClr val="accent5"/>
+            </a:effectRef>
+            <a:fontRef idx="minor">
+              <a:schemeClr val="tx1"/>
+            </a:fontRef>
+          </p:style>
+        </p:cxnSp>
+        <p:cxnSp>
+          <p:nvCxnSpPr>
+            <p:cNvPr id="45" name="曲线连接符 44"/>
+            <p:cNvCxnSpPr>
+              <a:stCxn id="30" idx="3"/>
+              <a:endCxn id="39" idx="1"/>
+            </p:cNvCxnSpPr>
+            <p:nvPr/>
+          </p:nvCxnSpPr>
+          <p:spPr>
+            <a:xfrm flipV="1">
+              <a:off x="13662" y="6040"/>
+              <a:ext cx="1811" cy="1595"/>
+            </a:xfrm>
+            <a:prstGeom prst="curvedConnector3">
+              <a:avLst>
+                <a:gd name="adj1" fmla="val 50028"/>
+              </a:avLst>
+            </a:prstGeom>
+            <a:ln>
+              <a:tailEnd type="arrow" w="med" len="med"/>
+            </a:ln>
+          </p:spPr>
+          <p:style>
+            <a:lnRef idx="2">
+              <a:schemeClr val="accent5"/>
+            </a:lnRef>
+            <a:fillRef idx="0">
+              <a:schemeClr val="accent5"/>
+            </a:fillRef>
+            <a:effectRef idx="1">
+              <a:schemeClr val="accent5"/>
+            </a:effectRef>
+            <a:fontRef idx="minor">
+              <a:schemeClr val="tx1"/>
+            </a:fontRef>
+          </p:style>
+        </p:cxnSp>
+      </p:grpSp>
+    </p:spTree>
+  </p:cSld>
+  <p:clrMapOvr>
+    <a:masterClrMapping/>
+  </p:clrMapOvr>
+  <p:timing>
+    <p:tnLst>
+      <p:par>
+        <p:cTn id="1" dur="indefinite" restart="never" nodeType="tmRoot">
+          <p:childTnLst>
+            <p:seq concurrent="1" nextAc="seek">
+              <p:cTn id="2" dur="indefinite" nodeType="mainSeq">
+                <p:childTnLst>
+                  <p:par>
+                    <p:cTn id="3" fill="hold">
+                      <p:stCondLst>
+                        <p:cond delay="indefinite"/>
+                      </p:stCondLst>
+                      <p:childTnLst>
+                        <p:par>
+                          <p:cTn id="4" fill="hold">
+                            <p:stCondLst>
+                              <p:cond delay="0"/>
+                            </p:stCondLst>
+                            <p:childTnLst>
+                              <p:par>
+                                <p:cTn id="5" presetID="22" presetClass="entr" presetSubtype="4" fill="hold" grpId="0" nodeType="clickEffect">
+                                  <p:stCondLst>
+                                    <p:cond delay="0"/>
+                                  </p:stCondLst>
+                                  <p:childTnLst>
+                                    <p:set>
+                                      <p:cBhvr>
+                                        <p:cTn id="6" dur="1" fill="hold">
+                                          <p:stCondLst>
+                                            <p:cond delay="0"/>
+                                          </p:stCondLst>
+                                        </p:cTn>
+                                        <p:tgtEl>
+                                          <p:spTgt spid="24"/>
+                                        </p:tgtEl>
+                                        <p:attrNameLst>
+                                          <p:attrName>style.visibility</p:attrName>
+                                        </p:attrNameLst>
+                                      </p:cBhvr>
+                                      <p:to>
+                                        <p:strVal val="visible"/>
+                                      </p:to>
+                                    </p:set>
+                                    <p:animEffect transition="in" filter="wipe(down)">
+                                      <p:cBhvr>
+                                        <p:cTn id="7" dur="500"/>
+                                        <p:tgtEl>
+                                          <p:spTgt spid="24"/>
+                                        </p:tgtEl>
+                                      </p:cBhvr>
+                                    </p:animEffect>
+                                  </p:childTnLst>
+                                </p:cTn>
+                              </p:par>
+                            </p:childTnLst>
+                          </p:cTn>
+                        </p:par>
+                      </p:childTnLst>
+                    </p:cTn>
+                  </p:par>
+                  <p:par>
+                    <p:cTn id="8" fill="hold">
+                      <p:stCondLst>
+                        <p:cond delay="indefinite"/>
+                      </p:stCondLst>
+                      <p:childTnLst>
+                        <p:par>
+                          <p:cTn id="9" fill="hold">
+                            <p:stCondLst>
+                              <p:cond delay="0"/>
+                            </p:stCondLst>
+                            <p:childTnLst>
+                              <p:par>
+                                <p:cTn id="10" presetID="22" presetClass="entr" presetSubtype="8" fill="hold" nodeType="clickEffect">
+                                  <p:stCondLst>
+                                    <p:cond delay="0"/>
+                                  </p:stCondLst>
+                                  <p:childTnLst>
+                                    <p:set>
+                                      <p:cBhvr>
+                                        <p:cTn id="11" dur="1" fill="hold">
+                                          <p:stCondLst>
+                                            <p:cond delay="0"/>
+                                          </p:stCondLst>
+                                        </p:cTn>
+                                        <p:tgtEl>
+                                          <p:spTgt spid="46"/>
+                                        </p:tgtEl>
+                                        <p:attrNameLst>
+                                          <p:attrName>style.visibility</p:attrName>
+                                        </p:attrNameLst>
+                                      </p:cBhvr>
+                                      <p:to>
+                                        <p:strVal val="visible"/>
+                                      </p:to>
+                                    </p:set>
+                                    <p:animEffect transition="in" filter="wipe(left)">
+                                      <p:cBhvr>
+                                        <p:cTn id="12" dur="500"/>
+                                        <p:tgtEl>
+                                          <p:spTgt spid="46"/>
+                                        </p:tgtEl>
+                                      </p:cBhvr>
+                                    </p:animEffect>
+                                  </p:childTnLst>
+                                </p:cTn>
+                              </p:par>
+                            </p:childTnLst>
+                          </p:cTn>
+                        </p:par>
+                      </p:childTnLst>
+                    </p:cTn>
+                  </p:par>
+                </p:childTnLst>
+              </p:cTn>
+              <p:prevCondLst>
+                <p:cond evt="onPrev" delay="0">
+                  <p:tgtEl>
+                    <p:sldTgt/>
+                  </p:tgtEl>
+                </p:cond>
+              </p:prevCondLst>
+              <p:nextCondLst>
+                <p:cond evt="onNext" delay="0">
+                  <p:tgtEl>
+                    <p:sldTgt/>
+                  </p:tgtEl>
+                </p:cond>
+              </p:nextCondLst>
+            </p:seq>
+          </p:childTnLst>
+        </p:cTn>
+      </p:par>
+    </p:tnLst>
+    <p:bldLst>
+      <p:bldP spid="24" grpId="0"/>
+    </p:bldLst>
+  </p:timing>
+</p:sld>
+</file>
+
+<file path=ppt/slides/slide34.xml><?xml version="1.0" encoding="utf-8"?>
+<p:sld xmlns:a="http://schemas.openxmlformats.org/drawingml/2006/main" xmlns:r="http://schemas.openxmlformats.org/officeDocument/2006/relationships" xmlns:p="http://schemas.openxmlformats.org/presentationml/2006/main">
+  <p:cSld>
+    <p:spTree>
+      <p:nvGrpSpPr>
+        <p:cNvPr id="1" name=""/>
+        <p:cNvGrpSpPr/>
+        <p:nvPr/>
+      </p:nvGrpSpPr>
+      <p:grpSpPr/>
+      <p:sp>
+        <p:nvSpPr>
+          <p:cNvPr id="13" name="文本框 12"/>
+          <p:cNvSpPr txBox="1"/>
+          <p:nvPr/>
+        </p:nvSpPr>
+        <p:spPr>
+          <a:xfrm>
+            <a:off x="3067685" y="533400"/>
+            <a:ext cx="6055995" cy="1198880"/>
+          </a:xfrm>
+          <a:prstGeom prst="rect">
+            <a:avLst/>
+          </a:prstGeom>
+          <a:noFill/>
+        </p:spPr>
+        <p:txBody>
+          <a:bodyPr wrap="none" rtlCol="0">
+            <a:spAutoFit/>
+          </a:bodyPr>
+          <a:p>
+            <a:pPr indent="0" algn="l">
+              <a:lnSpc>
+                <a:spcPct val="150000"/>
+              </a:lnSpc>
+              <a:buFont typeface="Arial" panose="020B0604020202090204" pitchFamily="34" charset="0"/>
+              <a:buNone/>
+            </a:pPr>
+            <a:r>
+              <a:rPr lang="zh-CN" altLang="en-US" sz="4800" b="1">
+                <a:solidFill>
+                  <a:schemeClr val="accent1"/>
+                </a:solidFill>
+                <a:latin typeface="微软雅黑" charset="0"/>
+                <a:ea typeface="微软雅黑" charset="0"/>
+                <a:cs typeface="微软雅黑" charset="0"/>
+              </a:rPr>
+              <a:t>2、使用线程池的好处</a:t>
+            </a:r>
+            <a:endParaRPr lang="zh-CN" altLang="en-US" sz="4800" b="1">
+              <a:solidFill>
+                <a:schemeClr val="accent1"/>
+              </a:solidFill>
+              <a:latin typeface="微软雅黑" charset="0"/>
+              <a:ea typeface="微软雅黑" charset="0"/>
+              <a:cs typeface="微软雅黑" charset="0"/>
+            </a:endParaRPr>
+          </a:p>
+        </p:txBody>
+      </p:sp>
+      <p:sp>
+        <p:nvSpPr>
+          <p:cNvPr id="3" name="文本框 2"/>
+          <p:cNvSpPr txBox="1"/>
+          <p:nvPr/>
+        </p:nvSpPr>
+        <p:spPr>
+          <a:xfrm>
+            <a:off x="1322070" y="2246630"/>
+            <a:ext cx="9548495" cy="2943860"/>
+          </a:xfrm>
+          <a:prstGeom prst="rect">
+            <a:avLst/>
+          </a:prstGeom>
+          <a:noFill/>
+        </p:spPr>
+        <p:txBody>
+          <a:bodyPr wrap="square" rtlCol="0">
+            <a:spAutoFit/>
+          </a:bodyPr>
+          <a:p>
+            <a:pPr algn="l">
+              <a:lnSpc>
+                <a:spcPct val="150000"/>
+              </a:lnSpc>
+              <a:spcBef>
+                <a:spcPts val="0"/>
+              </a:spcBef>
+              <a:spcAft>
+                <a:spcPts val="0"/>
+              </a:spcAft>
+            </a:pPr>
+            <a:r>
+              <a:rPr lang="en-US" altLang="zh-CN">
+                <a:latin typeface="微软雅黑" charset="0"/>
+                <a:ea typeface="微软雅黑" charset="0"/>
+                <a:cs typeface="微软雅黑" charset="0"/>
+              </a:rPr>
+              <a:t>1</a:t>
+            </a:r>
+            <a:r>
+              <a:rPr lang="zh-CN" altLang="en-US">
+                <a:latin typeface="微软雅黑" charset="0"/>
+                <a:ea typeface="微软雅黑" charset="0"/>
+                <a:cs typeface="微软雅黑" charset="0"/>
+              </a:rPr>
+              <a:t>、提升性能：因为减去了大量新建、终止线程的开销，重用了线程资源；</a:t>
+            </a:r>
+            <a:endParaRPr lang="zh-CN" altLang="en-US">
+              <a:latin typeface="微软雅黑" charset="0"/>
+              <a:ea typeface="微软雅黑" charset="0"/>
+              <a:cs typeface="微软雅黑" charset="0"/>
+            </a:endParaRPr>
+          </a:p>
+          <a:p>
+            <a:pPr algn="l">
+              <a:lnSpc>
+                <a:spcPct val="150000"/>
+              </a:lnSpc>
+              <a:spcBef>
+                <a:spcPts val="0"/>
+              </a:spcBef>
+              <a:spcAft>
+                <a:spcPts val="0"/>
+              </a:spcAft>
+            </a:pPr>
+            <a:endParaRPr lang="en-US" altLang="zh-CN">
+              <a:latin typeface="微软雅黑" charset="0"/>
+              <a:ea typeface="微软雅黑" charset="0"/>
+              <a:cs typeface="微软雅黑" charset="0"/>
+            </a:endParaRPr>
+          </a:p>
+          <a:p>
+            <a:pPr algn="l">
+              <a:lnSpc>
+                <a:spcPct val="150000"/>
+              </a:lnSpc>
+              <a:spcBef>
+                <a:spcPts val="0"/>
+              </a:spcBef>
+              <a:spcAft>
+                <a:spcPts val="0"/>
+              </a:spcAft>
+            </a:pPr>
+            <a:r>
+              <a:rPr lang="en-US" altLang="zh-CN">
+                <a:latin typeface="微软雅黑" charset="0"/>
+                <a:ea typeface="微软雅黑" charset="0"/>
+                <a:cs typeface="微软雅黑" charset="0"/>
+              </a:rPr>
+              <a:t>2</a:t>
+            </a:r>
+            <a:r>
+              <a:rPr lang="zh-CN" altLang="en-US">
+                <a:latin typeface="微软雅黑" charset="0"/>
+                <a:ea typeface="微软雅黑" charset="0"/>
+                <a:cs typeface="微软雅黑" charset="0"/>
+              </a:rPr>
+              <a:t>、适用场景：适合处理突发性大量请求或需要大量线程完成任务、但实际任务处理时间较短</a:t>
+            </a:r>
+            <a:endParaRPr lang="zh-CN" altLang="en-US">
+              <a:latin typeface="微软雅黑" charset="0"/>
+              <a:ea typeface="微软雅黑" charset="0"/>
+              <a:cs typeface="微软雅黑" charset="0"/>
+            </a:endParaRPr>
+          </a:p>
+          <a:p>
+            <a:pPr algn="l">
+              <a:lnSpc>
+                <a:spcPct val="150000"/>
+              </a:lnSpc>
+              <a:spcBef>
+                <a:spcPts val="0"/>
+              </a:spcBef>
+              <a:spcAft>
+                <a:spcPts val="0"/>
+              </a:spcAft>
+            </a:pPr>
+            <a:endParaRPr lang="en-US" altLang="zh-CN">
+              <a:latin typeface="微软雅黑" charset="0"/>
+              <a:ea typeface="微软雅黑" charset="0"/>
+              <a:cs typeface="微软雅黑" charset="0"/>
+            </a:endParaRPr>
+          </a:p>
+          <a:p>
+            <a:pPr algn="l">
+              <a:lnSpc>
+                <a:spcPct val="150000"/>
+              </a:lnSpc>
+              <a:spcBef>
+                <a:spcPts val="0"/>
+              </a:spcBef>
+              <a:spcAft>
+                <a:spcPts val="0"/>
+              </a:spcAft>
+            </a:pPr>
+            <a:r>
+              <a:rPr lang="en-US" altLang="zh-CN">
+                <a:latin typeface="微软雅黑" charset="0"/>
+                <a:ea typeface="微软雅黑" charset="0"/>
+                <a:cs typeface="微软雅黑" charset="0"/>
+              </a:rPr>
+              <a:t>3</a:t>
+            </a:r>
+            <a:r>
+              <a:rPr lang="zh-CN" altLang="en-US">
+                <a:latin typeface="微软雅黑" charset="0"/>
+                <a:ea typeface="微软雅黑" charset="0"/>
+                <a:cs typeface="微软雅黑" charset="0"/>
+              </a:rPr>
+              <a:t>、防御功能：能有效避免系统因为创建线程过多，而导致系统负荷过大相应变慢等问题</a:t>
+            </a:r>
+            <a:endParaRPr lang="zh-CN" altLang="en-US">
+              <a:latin typeface="微软雅黑" charset="0"/>
+              <a:ea typeface="微软雅黑" charset="0"/>
+              <a:cs typeface="微软雅黑" charset="0"/>
+            </a:endParaRPr>
+          </a:p>
+          <a:p>
+            <a:pPr algn="l">
+              <a:lnSpc>
+                <a:spcPct val="150000"/>
+              </a:lnSpc>
+              <a:spcBef>
+                <a:spcPts val="0"/>
+              </a:spcBef>
+              <a:spcAft>
+                <a:spcPts val="0"/>
+              </a:spcAft>
+            </a:pPr>
+            <a:endParaRPr lang="zh-CN" altLang="en-US">
+              <a:latin typeface="微软雅黑" charset="0"/>
+              <a:ea typeface="微软雅黑" charset="0"/>
+              <a:cs typeface="微软雅黑" charset="0"/>
+            </a:endParaRPr>
+          </a:p>
+          <a:p>
+            <a:pPr algn="l">
+              <a:lnSpc>
+                <a:spcPct val="130000"/>
+              </a:lnSpc>
+              <a:spcBef>
+                <a:spcPts val="0"/>
+              </a:spcBef>
+              <a:spcAft>
+                <a:spcPts val="0"/>
+              </a:spcAft>
+            </a:pPr>
+            <a:r>
+              <a:rPr lang="en-US" altLang="zh-CN">
+                <a:latin typeface="微软雅黑" charset="0"/>
+                <a:ea typeface="微软雅黑" charset="0"/>
+                <a:cs typeface="微软雅黑" charset="0"/>
+              </a:rPr>
+              <a:t>4</a:t>
+            </a:r>
+            <a:r>
+              <a:rPr lang="zh-CN" altLang="en-US">
+                <a:latin typeface="微软雅黑" charset="0"/>
+                <a:ea typeface="微软雅黑" charset="0"/>
+                <a:cs typeface="微软雅黑" charset="0"/>
+              </a:rPr>
+              <a:t>、代码优势：使用线程池的语法比自己新建线程执行线程更加简洁</a:t>
+            </a:r>
+            <a:endParaRPr lang="zh-CN" altLang="en-US">
+              <a:latin typeface="微软雅黑" charset="0"/>
+              <a:ea typeface="微软雅黑" charset="0"/>
+              <a:cs typeface="微软雅黑" charset="0"/>
+            </a:endParaRPr>
+          </a:p>
+        </p:txBody>
+      </p:sp>
+    </p:spTree>
+  </p:cSld>
+  <p:clrMapOvr>
+    <a:masterClrMapping/>
+  </p:clrMapOvr>
+  <p:timing>
+    <p:tnLst>
+      <p:par>
+        <p:cTn id="1" dur="indefinite" restart="never" nodeType="tmRoot">
+          <p:childTnLst>
+            <p:seq concurrent="1" nextAc="seek">
+              <p:cTn id="2" dur="indefinite" nodeType="mainSeq">
+                <p:childTnLst>
+                  <p:par>
+                    <p:cTn id="3" fill="hold">
+                      <p:stCondLst>
+                        <p:cond delay="indefinite"/>
+                      </p:stCondLst>
+                      <p:childTnLst>
+                        <p:par>
+                          <p:cTn id="4" fill="hold">
+                            <p:stCondLst>
+                              <p:cond delay="0"/>
+                            </p:stCondLst>
+                            <p:childTnLst>
+                              <p:par>
+                                <p:cTn id="5" presetID="22" presetClass="entr" presetSubtype="4" fill="hold" nodeType="clickEffect">
+                                  <p:stCondLst>
+                                    <p:cond delay="0"/>
+                                  </p:stCondLst>
+                                  <p:childTnLst>
+                                    <p:set>
+                                      <p:cBhvr>
+                                        <p:cTn id="6" dur="1" fill="hold">
+                                          <p:stCondLst>
+                                            <p:cond delay="0"/>
+                                          </p:stCondLst>
+                                        </p:cTn>
+                                        <p:tgtEl>
+                                          <p:spTgt spid="3">
+                                            <p:txEl>
+                                              <p:pRg st="0" end="0"/>
+                                            </p:txEl>
+                                          </p:spTgt>
+                                        </p:tgtEl>
+                                        <p:attrNameLst>
+                                          <p:attrName>style.visibility</p:attrName>
+                                        </p:attrNameLst>
+                                      </p:cBhvr>
+                                      <p:to>
+                                        <p:strVal val="visible"/>
+                                      </p:to>
+                                    </p:set>
+                                    <p:animEffect transition="in" filter="wipe(down)">
+                                      <p:cBhvr>
+                                        <p:cTn id="7" dur="500"/>
+                                        <p:tgtEl>
+                                          <p:spTgt spid="3">
+                                            <p:txEl>
+                                              <p:pRg st="0" end="0"/>
+                                            </p:txEl>
+                                          </p:spTgt>
+                                        </p:tgtEl>
+                                      </p:cBhvr>
+                                    </p:animEffect>
+                                  </p:childTnLst>
+                                </p:cTn>
+                              </p:par>
+                            </p:childTnLst>
+                          </p:cTn>
+                        </p:par>
+                      </p:childTnLst>
+                    </p:cTn>
+                  </p:par>
+                  <p:par>
+                    <p:cTn id="8" fill="hold">
+                      <p:stCondLst>
+                        <p:cond delay="indefinite"/>
+                      </p:stCondLst>
+                      <p:childTnLst>
+                        <p:par>
+                          <p:cTn id="9" fill="hold">
+                            <p:stCondLst>
+                              <p:cond delay="0"/>
+                            </p:stCondLst>
+                            <p:childTnLst>
+                              <p:par>
+                                <p:cTn id="10" presetID="22" presetClass="entr" presetSubtype="4" fill="hold" nodeType="clickEffect">
+                                  <p:stCondLst>
+                                    <p:cond delay="0"/>
+                                  </p:stCondLst>
+                                  <p:childTnLst>
+                                    <p:set>
+                                      <p:cBhvr>
+                                        <p:cTn id="11" dur="1" fill="hold">
+                                          <p:stCondLst>
+                                            <p:cond delay="0"/>
+                                          </p:stCondLst>
+                                        </p:cTn>
+                                        <p:tgtEl>
+                                          <p:spTgt spid="3">
+                                            <p:txEl>
+                                              <p:pRg st="2" end="2"/>
+                                            </p:txEl>
+                                          </p:spTgt>
+                                        </p:tgtEl>
+                                        <p:attrNameLst>
+                                          <p:attrName>style.visibility</p:attrName>
+                                        </p:attrNameLst>
+                                      </p:cBhvr>
+                                      <p:to>
+                                        <p:strVal val="visible"/>
+                                      </p:to>
+                                    </p:set>
+                                    <p:animEffect transition="in" filter="wipe(down)">
+                                      <p:cBhvr>
+                                        <p:cTn id="12" dur="500"/>
+                                        <p:tgtEl>
+                                          <p:spTgt spid="3">
+                                            <p:txEl>
+                                              <p:pRg st="2" end="2"/>
+                                            </p:txEl>
+                                          </p:spTgt>
+                                        </p:tgtEl>
+                                      </p:cBhvr>
+                                    </p:animEffect>
+                                  </p:childTnLst>
+                                </p:cTn>
+                              </p:par>
+                            </p:childTnLst>
+                          </p:cTn>
+                        </p:par>
+                      </p:childTnLst>
+                    </p:cTn>
+                  </p:par>
+                  <p:par>
+                    <p:cTn id="13" fill="hold">
+                      <p:stCondLst>
+                        <p:cond delay="indefinite"/>
+                      </p:stCondLst>
+                      <p:childTnLst>
+                        <p:par>
+                          <p:cTn id="14" fill="hold">
+                            <p:stCondLst>
+                              <p:cond delay="0"/>
+                            </p:stCondLst>
+                            <p:childTnLst>
+                              <p:par>
+                                <p:cTn id="15" presetID="22" presetClass="entr" presetSubtype="4" fill="hold" nodeType="clickEffect">
+                                  <p:stCondLst>
+                                    <p:cond delay="0"/>
+                                  </p:stCondLst>
+                                  <p:childTnLst>
+                                    <p:set>
+                                      <p:cBhvr>
+                                        <p:cTn id="16" dur="1" fill="hold">
+                                          <p:stCondLst>
+                                            <p:cond delay="0"/>
+                                          </p:stCondLst>
+                                        </p:cTn>
+                                        <p:tgtEl>
+                                          <p:spTgt spid="3">
+                                            <p:txEl>
+                                              <p:pRg st="4" end="4"/>
+                                            </p:txEl>
+                                          </p:spTgt>
+                                        </p:tgtEl>
+                                        <p:attrNameLst>
+                                          <p:attrName>style.visibility</p:attrName>
+                                        </p:attrNameLst>
+                                      </p:cBhvr>
+                                      <p:to>
+                                        <p:strVal val="visible"/>
+                                      </p:to>
+                                    </p:set>
+                                    <p:animEffect transition="in" filter="wipe(down)">
+                                      <p:cBhvr>
+                                        <p:cTn id="17" dur="500"/>
+                                        <p:tgtEl>
+                                          <p:spTgt spid="3">
+                                            <p:txEl>
+                                              <p:pRg st="4" end="4"/>
+                                            </p:txEl>
+                                          </p:spTgt>
+                                        </p:tgtEl>
+                                      </p:cBhvr>
+                                    </p:animEffect>
+                                  </p:childTnLst>
+                                </p:cTn>
+                              </p:par>
+                            </p:childTnLst>
+                          </p:cTn>
+                        </p:par>
+                      </p:childTnLst>
+                    </p:cTn>
+                  </p:par>
+                  <p:par>
+                    <p:cTn id="18" fill="hold">
+                      <p:stCondLst>
+                        <p:cond delay="indefinite"/>
+                      </p:stCondLst>
+                      <p:childTnLst>
+                        <p:par>
+                          <p:cTn id="19" fill="hold">
+                            <p:stCondLst>
+                              <p:cond delay="0"/>
+                            </p:stCondLst>
+                            <p:childTnLst>
+                              <p:par>
+                                <p:cTn id="20" presetID="22" presetClass="entr" presetSubtype="4" fill="hold" nodeType="clickEffect">
+                                  <p:stCondLst>
+                                    <p:cond delay="0"/>
+                                  </p:stCondLst>
+                                  <p:childTnLst>
+                                    <p:set>
+                                      <p:cBhvr>
+                                        <p:cTn id="21" dur="1" fill="hold">
+                                          <p:stCondLst>
+                                            <p:cond delay="0"/>
+                                          </p:stCondLst>
+                                        </p:cTn>
+                                        <p:tgtEl>
+                                          <p:spTgt spid="3">
+                                            <p:txEl>
+                                              <p:pRg st="6" end="6"/>
+                                            </p:txEl>
+                                          </p:spTgt>
+                                        </p:tgtEl>
+                                        <p:attrNameLst>
+                                          <p:attrName>style.visibility</p:attrName>
+                                        </p:attrNameLst>
+                                      </p:cBhvr>
+                                      <p:to>
+                                        <p:strVal val="visible"/>
+                                      </p:to>
+                                    </p:set>
+                                    <p:animEffect transition="in" filter="wipe(down)">
+                                      <p:cBhvr>
+                                        <p:cTn id="22" dur="500"/>
+                                        <p:tgtEl>
+                                          <p:spTgt spid="3">
+                                            <p:txEl>
+                                              <p:pRg st="6" end="6"/>
+                                            </p:txEl>
+                                          </p:spTgt>
+                                        </p:tgtEl>
+                                      </p:cBhvr>
+                                    </p:animEffect>
+                                  </p:childTnLst>
+                                </p:cTn>
+                              </p:par>
+                            </p:childTnLst>
+                          </p:cTn>
+                        </p:par>
+                      </p:childTnLst>
+                    </p:cTn>
+                  </p:par>
+                </p:childTnLst>
+              </p:cTn>
+              <p:prevCondLst>
+                <p:cond evt="onPrev" delay="0">
+                  <p:tgtEl>
+                    <p:sldTgt/>
+                  </p:tgtEl>
+                </p:cond>
+              </p:prevCondLst>
+              <p:nextCondLst>
+                <p:cond evt="onNext" delay="0">
+                  <p:tgtEl>
+                    <p:sldTgt/>
+                  </p:tgtEl>
+                </p:cond>
+              </p:nextCondLst>
+            </p:seq>
+          </p:childTnLst>
+        </p:cTn>
+      </p:par>
+    </p:tnLst>
+  </p:timing>
+</p:sld>
+</file>
+
+<file path=ppt/slides/slide35.xml><?xml version="1.0" encoding="utf-8"?>
+<p:sld xmlns:a="http://schemas.openxmlformats.org/drawingml/2006/main" xmlns:r="http://schemas.openxmlformats.org/officeDocument/2006/relationships" xmlns:p="http://schemas.openxmlformats.org/presentationml/2006/main">
+  <p:cSld>
+    <p:spTree>
+      <p:nvGrpSpPr>
+        <p:cNvPr id="1" name=""/>
+        <p:cNvGrpSpPr/>
+        <p:nvPr/>
+      </p:nvGrpSpPr>
+      <p:grpSpPr/>
+      <p:sp>
+        <p:nvSpPr>
+          <p:cNvPr id="13" name="文本框 12"/>
+          <p:cNvSpPr txBox="1"/>
+          <p:nvPr/>
+        </p:nvSpPr>
+        <p:spPr>
+          <a:xfrm>
+            <a:off x="1400810" y="483870"/>
+            <a:ext cx="10097770" cy="1198880"/>
+          </a:xfrm>
+          <a:prstGeom prst="rect">
+            <a:avLst/>
+          </a:prstGeom>
+          <a:noFill/>
+        </p:spPr>
+        <p:txBody>
+          <a:bodyPr wrap="none" rtlCol="0">
+            <a:spAutoFit/>
+          </a:bodyPr>
+          <a:p>
+            <a:pPr indent="0" algn="l">
+              <a:lnSpc>
+                <a:spcPct val="150000"/>
+              </a:lnSpc>
+              <a:buFont typeface="Arial" panose="020B0604020202090204" pitchFamily="34" charset="0"/>
+              <a:buNone/>
+            </a:pPr>
+            <a:r>
+              <a:rPr lang="en-US" altLang="zh-CN" sz="4800" b="1">
+                <a:solidFill>
+                  <a:schemeClr val="accent1"/>
+                </a:solidFill>
+                <a:latin typeface="微软雅黑" charset="0"/>
+                <a:ea typeface="微软雅黑" charset="0"/>
+                <a:cs typeface="微软雅黑" charset="0"/>
+              </a:rPr>
+              <a:t>3</a:t>
+            </a:r>
+            <a:r>
+              <a:rPr lang="zh-CN" altLang="en-US" sz="4800" b="1">
+                <a:solidFill>
+                  <a:schemeClr val="accent1"/>
+                </a:solidFill>
+                <a:latin typeface="微软雅黑" charset="0"/>
+                <a:ea typeface="微软雅黑" charset="0"/>
+                <a:cs typeface="微软雅黑" charset="0"/>
+              </a:rPr>
+              <a:t>、ThreadPoolExecutor的使用语法</a:t>
+            </a:r>
+            <a:endParaRPr lang="zh-CN" altLang="en-US" sz="4800" b="1">
+              <a:solidFill>
+                <a:schemeClr val="accent1"/>
+              </a:solidFill>
+              <a:latin typeface="微软雅黑" charset="0"/>
+              <a:ea typeface="微软雅黑" charset="0"/>
+              <a:cs typeface="微软雅黑" charset="0"/>
+            </a:endParaRPr>
+          </a:p>
+        </p:txBody>
+      </p:sp>
+      <p:sp>
+        <p:nvSpPr>
+          <p:cNvPr id="5" name="文本框 4"/>
+          <p:cNvSpPr txBox="1"/>
+          <p:nvPr/>
+        </p:nvSpPr>
+        <p:spPr>
+          <a:xfrm>
+            <a:off x="883285" y="3133090"/>
+            <a:ext cx="4485640" cy="2608580"/>
+          </a:xfrm>
+          <a:prstGeom prst="rect">
+            <a:avLst/>
+          </a:prstGeom>
+          <a:solidFill>
+            <a:schemeClr val="accent2">
+              <a:lumMod val="20000"/>
+              <a:lumOff val="80000"/>
+            </a:schemeClr>
+          </a:solidFill>
+        </p:spPr>
+        <p:txBody>
+          <a:bodyPr wrap="square" rtlCol="0" anchor="t">
+            <a:noAutofit/>
+          </a:bodyPr>
+          <a:p>
+            <a:pPr>
+              <a:lnSpc>
+                <a:spcPct val="130000"/>
+              </a:lnSpc>
+              <a:spcBef>
+                <a:spcPts val="0"/>
+              </a:spcBef>
+              <a:spcAft>
+                <a:spcPts val="0"/>
+              </a:spcAft>
+            </a:pPr>
+            <a:r>
+              <a:rPr lang="en-US" altLang="zh-CN"/>
+              <a:t>with ThreadPoolExecutor() as pool:</a:t>
+            </a:r>
+            <a:endParaRPr lang="en-US" altLang="zh-CN"/>
+          </a:p>
+          <a:p>
+            <a:pPr>
+              <a:lnSpc>
+                <a:spcPct val="130000"/>
+              </a:lnSpc>
+              <a:spcBef>
+                <a:spcPts val="0"/>
+              </a:spcBef>
+              <a:spcAft>
+                <a:spcPts val="0"/>
+              </a:spcAft>
+            </a:pPr>
+            <a:endParaRPr lang="en-US" altLang="zh-CN"/>
+          </a:p>
+          <a:p>
+            <a:pPr>
+              <a:lnSpc>
+                <a:spcPct val="130000"/>
+              </a:lnSpc>
+              <a:spcBef>
+                <a:spcPts val="0"/>
+              </a:spcBef>
+              <a:spcAft>
+                <a:spcPts val="0"/>
+              </a:spcAft>
+            </a:pPr>
+            <a:r>
+              <a:rPr lang="en-US" altLang="zh-CN"/>
+              <a:t>    results = pool.map(craw, urls)</a:t>
+            </a:r>
+            <a:endParaRPr lang="en-US" altLang="zh-CN"/>
+          </a:p>
+          <a:p>
+            <a:pPr>
+              <a:lnSpc>
+                <a:spcPct val="130000"/>
+              </a:lnSpc>
+              <a:spcBef>
+                <a:spcPts val="0"/>
+              </a:spcBef>
+              <a:spcAft>
+                <a:spcPts val="0"/>
+              </a:spcAft>
+            </a:pPr>
+            <a:endParaRPr lang="en-US" altLang="zh-CN"/>
+          </a:p>
+          <a:p>
+            <a:pPr>
+              <a:lnSpc>
+                <a:spcPct val="130000"/>
+              </a:lnSpc>
+              <a:spcBef>
+                <a:spcPts val="0"/>
+              </a:spcBef>
+              <a:spcAft>
+                <a:spcPts val="0"/>
+              </a:spcAft>
+            </a:pPr>
+            <a:r>
+              <a:rPr lang="en-US" altLang="zh-CN"/>
+              <a:t>    for result in results:</a:t>
+            </a:r>
+            <a:endParaRPr lang="en-US" altLang="zh-CN"/>
+          </a:p>
+          <a:p>
+            <a:pPr>
+              <a:lnSpc>
+                <a:spcPct val="130000"/>
+              </a:lnSpc>
+              <a:spcBef>
+                <a:spcPts val="0"/>
+              </a:spcBef>
+              <a:spcAft>
+                <a:spcPts val="0"/>
+              </a:spcAft>
+            </a:pPr>
+            <a:r>
+              <a:rPr lang="en-US" altLang="zh-CN"/>
+              <a:t>        print(result)</a:t>
+            </a:r>
+            <a:endParaRPr lang="en-US" altLang="zh-CN"/>
+          </a:p>
+        </p:txBody>
+      </p:sp>
+      <p:sp>
+        <p:nvSpPr>
+          <p:cNvPr id="2" name="文本框 1"/>
+          <p:cNvSpPr txBox="1"/>
+          <p:nvPr/>
+        </p:nvSpPr>
+        <p:spPr>
+          <a:xfrm>
+            <a:off x="5702935" y="3133090"/>
+            <a:ext cx="6042660" cy="2609215"/>
+          </a:xfrm>
+          <a:prstGeom prst="rect">
+            <a:avLst/>
+          </a:prstGeom>
+          <a:solidFill>
+            <a:schemeClr val="accent2">
+              <a:lumMod val="20000"/>
+              <a:lumOff val="80000"/>
+            </a:schemeClr>
+          </a:solidFill>
+        </p:spPr>
+        <p:txBody>
+          <a:bodyPr wrap="square" rtlCol="0" anchor="t">
+            <a:spAutoFit/>
+          </a:bodyPr>
+          <a:p>
+            <a:pPr>
+              <a:lnSpc>
+                <a:spcPct val="130000"/>
+              </a:lnSpc>
+              <a:spcBef>
+                <a:spcPts val="0"/>
+              </a:spcBef>
+              <a:spcAft>
+                <a:spcPts val="0"/>
+              </a:spcAft>
+            </a:pPr>
+            <a:r>
+              <a:rPr lang="en-US" altLang="zh-CN"/>
+              <a:t>with ThreadPoolExecutor() as pool:</a:t>
+            </a:r>
+            <a:endParaRPr lang="en-US" altLang="zh-CN"/>
+          </a:p>
+          <a:p>
+            <a:pPr>
+              <a:lnSpc>
+                <a:spcPct val="130000"/>
+              </a:lnSpc>
+              <a:spcBef>
+                <a:spcPts val="0"/>
+              </a:spcBef>
+              <a:spcAft>
+                <a:spcPts val="0"/>
+              </a:spcAft>
+            </a:pPr>
+            <a:r>
+              <a:rPr lang="en-US" altLang="zh-CN"/>
+              <a:t>    </a:t>
+            </a:r>
+            <a:endParaRPr lang="en-US" altLang="zh-CN"/>
+          </a:p>
+          <a:p>
+            <a:pPr>
+              <a:lnSpc>
+                <a:spcPct val="130000"/>
+              </a:lnSpc>
+              <a:spcBef>
+                <a:spcPts val="0"/>
+              </a:spcBef>
+              <a:spcAft>
+                <a:spcPts val="0"/>
+              </a:spcAft>
+            </a:pPr>
+            <a:r>
+              <a:rPr lang="en-US" altLang="zh-CN"/>
+              <a:t>   futures = [ pool.submit(craw, url)</a:t>
+            </a:r>
+            <a:endParaRPr lang="en-US" altLang="zh-CN"/>
+          </a:p>
+          <a:p>
+            <a:pPr>
+              <a:lnSpc>
+                <a:spcPct val="130000"/>
+              </a:lnSpc>
+              <a:spcBef>
+                <a:spcPts val="0"/>
+              </a:spcBef>
+              <a:spcAft>
+                <a:spcPts val="0"/>
+              </a:spcAft>
+            </a:pPr>
+            <a:r>
+              <a:rPr lang="en-US" altLang="zh-CN"/>
+              <a:t>                     for url in urls ]</a:t>
+            </a:r>
+            <a:endParaRPr lang="en-US" altLang="zh-CN"/>
+          </a:p>
+          <a:p>
+            <a:pPr>
+              <a:lnSpc>
+                <a:spcPct val="130000"/>
+              </a:lnSpc>
+              <a:spcBef>
+                <a:spcPts val="0"/>
+              </a:spcBef>
+              <a:spcAft>
+                <a:spcPts val="0"/>
+              </a:spcAft>
+            </a:pPr>
+            <a:endParaRPr lang="en-US" altLang="zh-CN"/>
+          </a:p>
+          <a:p>
+            <a:pPr>
+              <a:lnSpc>
+                <a:spcPct val="130000"/>
+              </a:lnSpc>
+              <a:spcBef>
+                <a:spcPts val="0"/>
+              </a:spcBef>
+              <a:spcAft>
+                <a:spcPts val="0"/>
+              </a:spcAft>
+            </a:pPr>
+            <a:r>
+              <a:rPr lang="en-US" altLang="zh-CN"/>
+              <a:t>    for future in as_completed(futures):</a:t>
+            </a:r>
+            <a:endParaRPr lang="en-US" altLang="zh-CN"/>
+          </a:p>
+          <a:p>
+            <a:pPr>
+              <a:lnSpc>
+                <a:spcPct val="130000"/>
+              </a:lnSpc>
+              <a:spcBef>
+                <a:spcPts val="0"/>
+              </a:spcBef>
+              <a:spcAft>
+                <a:spcPts val="0"/>
+              </a:spcAft>
+            </a:pPr>
+            <a:r>
+              <a:rPr lang="en-US" altLang="zh-CN"/>
+              <a:t>        print(future.result())</a:t>
+            </a:r>
+            <a:endParaRPr lang="en-US" altLang="zh-CN"/>
+          </a:p>
+        </p:txBody>
+      </p:sp>
+      <p:sp>
+        <p:nvSpPr>
+          <p:cNvPr id="4" name="文本框 3"/>
+          <p:cNvSpPr txBox="1"/>
+          <p:nvPr/>
+        </p:nvSpPr>
+        <p:spPr>
+          <a:xfrm>
+            <a:off x="883285" y="1972310"/>
+            <a:ext cx="10862310" cy="781050"/>
+          </a:xfrm>
+          <a:prstGeom prst="rect">
+            <a:avLst/>
+          </a:prstGeom>
+          <a:solidFill>
+            <a:schemeClr val="accent2">
+              <a:lumMod val="20000"/>
+              <a:lumOff val="80000"/>
+            </a:schemeClr>
+          </a:solidFill>
+        </p:spPr>
+        <p:txBody>
+          <a:bodyPr wrap="square" rtlCol="0" anchor="t">
+            <a:noAutofit/>
+          </a:bodyPr>
+          <a:p>
+            <a:pPr>
+              <a:lnSpc>
+                <a:spcPct val="130000"/>
+              </a:lnSpc>
+              <a:spcBef>
+                <a:spcPts val="0"/>
+              </a:spcBef>
+              <a:spcAft>
+                <a:spcPts val="0"/>
+              </a:spcAft>
+            </a:pPr>
+            <a:r>
+              <a:rPr lang="en-US" altLang="zh-CN"/>
+              <a:t>from concurrent.futures import ThreadPoolExecutor</a:t>
+            </a:r>
+            <a:endParaRPr lang="en-US" altLang="zh-CN"/>
+          </a:p>
+          <a:p>
+            <a:pPr>
+              <a:lnSpc>
+                <a:spcPct val="130000"/>
+              </a:lnSpc>
+              <a:spcBef>
+                <a:spcPts val="0"/>
+              </a:spcBef>
+              <a:spcAft>
+                <a:spcPts val="0"/>
+              </a:spcAft>
+            </a:pPr>
+            <a:r>
+              <a:rPr lang="en-US" altLang="zh-CN"/>
+              <a:t>from concurrent.futures import as_completed</a:t>
+            </a:r>
+            <a:endParaRPr lang="en-US" altLang="zh-CN"/>
+          </a:p>
+        </p:txBody>
+      </p:sp>
+      <p:sp>
+        <p:nvSpPr>
+          <p:cNvPr id="6" name="文本框 5"/>
+          <p:cNvSpPr txBox="1"/>
+          <p:nvPr/>
+        </p:nvSpPr>
+        <p:spPr>
+          <a:xfrm>
+            <a:off x="1682115" y="5840095"/>
+            <a:ext cx="2887345" cy="368300"/>
+          </a:xfrm>
+          <a:prstGeom prst="rect">
+            <a:avLst/>
+          </a:prstGeom>
+          <a:noFill/>
+        </p:spPr>
+        <p:txBody>
+          <a:bodyPr wrap="none" rtlCol="0">
+            <a:spAutoFit/>
+          </a:bodyPr>
+          <a:p>
+            <a:r>
+              <a:rPr lang="zh-CN" altLang="en-US"/>
+              <a:t>用法</a:t>
+            </a:r>
+            <a:r>
+              <a:rPr lang="en-US" altLang="zh-CN"/>
+              <a:t>1</a:t>
+            </a:r>
+            <a:r>
+              <a:rPr lang="zh-CN" altLang="en-US"/>
+              <a:t>：</a:t>
+            </a:r>
+            <a:r>
+              <a:rPr lang="en-US" altLang="zh-CN"/>
+              <a:t>map</a:t>
+            </a:r>
+            <a:r>
+              <a:rPr lang="zh-CN" altLang="en-US"/>
+              <a:t>函数，很简单</a:t>
+            </a:r>
+            <a:endParaRPr lang="zh-CN" altLang="en-US"/>
+          </a:p>
+        </p:txBody>
+      </p:sp>
+      <p:sp>
+        <p:nvSpPr>
+          <p:cNvPr id="7" name="文本框 6"/>
+          <p:cNvSpPr txBox="1"/>
+          <p:nvPr/>
+        </p:nvSpPr>
+        <p:spPr>
+          <a:xfrm>
+            <a:off x="7184390" y="5840095"/>
+            <a:ext cx="3079750" cy="368300"/>
+          </a:xfrm>
+          <a:prstGeom prst="rect">
+            <a:avLst/>
+          </a:prstGeom>
+          <a:noFill/>
+        </p:spPr>
+        <p:txBody>
+          <a:bodyPr wrap="none" rtlCol="0">
+            <a:spAutoFit/>
+          </a:bodyPr>
+          <a:p>
+            <a:r>
+              <a:rPr lang="zh-CN" altLang="en-US"/>
+              <a:t>用法</a:t>
+            </a:r>
+            <a:r>
+              <a:rPr lang="en-US" altLang="zh-CN"/>
+              <a:t>2</a:t>
+            </a:r>
+            <a:r>
+              <a:rPr lang="zh-CN" altLang="en-US"/>
+              <a:t>：</a:t>
+            </a:r>
+            <a:r>
+              <a:rPr lang="en-US"/>
+              <a:t>future</a:t>
+            </a:r>
+            <a:r>
+              <a:rPr lang="zh-CN" altLang="en-US"/>
+              <a:t>模式，更强大</a:t>
+            </a:r>
+            <a:endParaRPr lang="zh-CN" altLang="en-US"/>
+          </a:p>
+        </p:txBody>
+      </p:sp>
+    </p:spTree>
+  </p:cSld>
+  <p:clrMapOvr>
+    <a:masterClrMapping/>
+  </p:clrMapOvr>
+  <p:timing>
+    <p:tnLst>
+      <p:par>
+        <p:cTn id="1" dur="indefinite" restart="never" nodeType="tmRoot"/>
+      </p:par>
+    </p:tnLst>
   </p:timing>
 </p:sld>
 </file>
@@ -21118,6 +26341,18 @@
 </p:tagLst>
 </file>
 
+<file path=ppt/tags/tag7.xml><?xml version="1.0" encoding="utf-8"?>
+<p:tagLst xmlns:p="http://schemas.openxmlformats.org/presentationml/2006/main">
+  <p:tag name="KSO_WM_SLIDE_MODEL_TYPE" val="cover"/>
+</p:tagLst>
+</file>
+
+<file path=ppt/tags/tag8.xml><?xml version="1.0" encoding="utf-8"?>
+<p:tagLst xmlns:p="http://schemas.openxmlformats.org/presentationml/2006/main">
+  <p:tag name="KSO_WM_SLIDE_MODEL_TYPE" val="cover"/>
+</p:tagLst>
+</file>
+
 <file path=ppt/theme/theme1.xml><?xml version="1.0" encoding="utf-8"?>
 <a:theme xmlns:a="http://schemas.openxmlformats.org/drawingml/2006/main" name="Office">
   <a:themeElements>

--- a/Python并发编程简介.pptx
+++ b/Python并发编程简介.pptx
@@ -20730,8 +20730,8 @@
         </p:nvSpPr>
         <p:spPr>
           <a:xfrm>
-            <a:off x="883285" y="3133090"/>
-            <a:ext cx="4485640" cy="2608580"/>
+            <a:off x="883285" y="2484755"/>
+            <a:ext cx="4485640" cy="3328670"/>
           </a:xfrm>
           <a:prstGeom prst="rect">
             <a:avLst/>
@@ -20857,8 +20857,8 @@
         </p:nvSpPr>
         <p:spPr>
           <a:xfrm>
-            <a:off x="5702935" y="3133090"/>
-            <a:ext cx="6042660" cy="2609215"/>
+            <a:off x="5702935" y="2484755"/>
+            <a:ext cx="6042660" cy="3328670"/>
           </a:xfrm>
           <a:prstGeom prst="rect">
             <a:avLst/>
@@ -20974,7 +20974,7 @@
             </a:pPr>
             <a:r>
               <a:rPr lang="en-US" altLang="zh-CN"/>
-              <a:t>    for future in as_completed(futures):</a:t>
+              <a:t>    for future in futures:</a:t>
             </a:r>
             <a:endParaRPr lang="en-US" altLang="zh-CN"/>
           </a:p>
@@ -20996,6 +20996,42 @@
             </a:r>
             <a:endParaRPr lang="en-US" altLang="zh-CN"/>
           </a:p>
+          <a:p>
+            <a:pPr>
+              <a:lnSpc>
+                <a:spcPct val="130000"/>
+              </a:lnSpc>
+              <a:spcBef>
+                <a:spcPts val="0"/>
+              </a:spcBef>
+              <a:spcAft>
+                <a:spcPts val="0"/>
+              </a:spcAft>
+            </a:pPr>
+            <a:r>
+              <a:rPr lang="en-US" altLang="zh-CN"/>
+              <a:t>    for future in as_completed(futures):</a:t>
+            </a:r>
+            <a:endParaRPr lang="en-US" altLang="zh-CN"/>
+          </a:p>
+          <a:p>
+            <a:pPr>
+              <a:lnSpc>
+                <a:spcPct val="130000"/>
+              </a:lnSpc>
+              <a:spcBef>
+                <a:spcPts val="0"/>
+              </a:spcBef>
+              <a:spcAft>
+                <a:spcPts val="0"/>
+              </a:spcAft>
+            </a:pPr>
+            <a:r>
+              <a:rPr lang="en-US" altLang="zh-CN"/>
+              <a:t>        print(future.result())</a:t>
+            </a:r>
+            <a:endParaRPr lang="en-US" altLang="zh-CN"/>
+          </a:p>
         </p:txBody>
       </p:sp>
       <p:sp>
@@ -21006,8 +21042,8 @@
         </p:nvSpPr>
         <p:spPr>
           <a:xfrm>
-            <a:off x="883285" y="1972310"/>
-            <a:ext cx="10862310" cy="781050"/>
+            <a:off x="883285" y="1743075"/>
+            <a:ext cx="10862310" cy="512445"/>
           </a:xfrm>
           <a:prstGeom prst="rect">
             <a:avLst/>
@@ -21037,25 +21073,13 @@
             </a:pPr>
             <a:r>
               <a:rPr lang="en-US" altLang="zh-CN"/>
-              <a:t>from concurrent.futures import ThreadPoolExecutor</a:t>
-            </a:r>
-            <a:endParaRPr lang="en-US" altLang="zh-CN"/>
-          </a:p>
-          <a:p>
-            <a:pPr>
-              <a:lnSpc>
-                <a:spcPct val="130000"/>
-              </a:lnSpc>
-              <a:spcBef>
-                <a:spcPts val="0"/>
-              </a:spcBef>
-              <a:spcAft>
-                <a:spcPts val="0"/>
-              </a:spcAft>
-            </a:pPr>
-            <a:r>
-              <a:rPr lang="en-US" altLang="zh-CN"/>
-              <a:t>from concurrent.futures import as_completed</a:t>
+              <a:t>from concurrent.futures import ThreadPoolExecutor, </a:t>
+            </a:r>
+            <a:r>
+              <a:rPr lang="en-US" altLang="zh-CN">
+                <a:sym typeface="+mn-ea"/>
+              </a:rPr>
+              <a:t>as_completed</a:t>
             </a:r>
             <a:endParaRPr lang="en-US" altLang="zh-CN"/>
           </a:p>
@@ -21069,8 +21093,8 @@
         </p:nvSpPr>
         <p:spPr>
           <a:xfrm>
-            <a:off x="1682115" y="5840095"/>
-            <a:ext cx="2887345" cy="368300"/>
+            <a:off x="1183640" y="5949950"/>
+            <a:ext cx="3884930" cy="645160"/>
           </a:xfrm>
           <a:prstGeom prst="rect">
             <a:avLst/>
@@ -21082,6 +21106,7 @@
             <a:spAutoFit/>
           </a:bodyPr>
           <a:p>
+            <a:pPr algn="ctr"/>
             <a:r>
               <a:rPr lang="zh-CN" altLang="en-US"/>
               <a:t>用法</a:t>
@@ -21101,6 +21126,22 @@
             <a:r>
               <a:rPr lang="zh-CN" altLang="en-US"/>
               <a:t>函数，很简单</a:t>
+            </a:r>
+            <a:endParaRPr lang="zh-CN" altLang="en-US"/>
+          </a:p>
+          <a:p>
+            <a:pPr algn="ctr"/>
+            <a:r>
+              <a:rPr lang="zh-CN" altLang="en-US"/>
+              <a:t>注意</a:t>
+            </a:r>
+            <a:r>
+              <a:rPr lang="en-US" altLang="zh-CN"/>
+              <a:t>map</a:t>
+            </a:r>
+            <a:r>
+              <a:rPr lang="zh-CN" altLang="en-US"/>
+              <a:t>的结果和入参是顺序对应的</a:t>
             </a:r>
             <a:endParaRPr lang="zh-CN" altLang="en-US"/>
           </a:p>
@@ -21114,8 +21155,8 @@
         </p:nvSpPr>
         <p:spPr>
           <a:xfrm>
-            <a:off x="7184390" y="5840095"/>
-            <a:ext cx="3079750" cy="368300"/>
+            <a:off x="6579870" y="5949950"/>
+            <a:ext cx="4288790" cy="645160"/>
           </a:xfrm>
           <a:prstGeom prst="rect">
             <a:avLst/>
@@ -21127,6 +21168,7 @@
             <a:spAutoFit/>
           </a:bodyPr>
           <a:p>
+            <a:pPr algn="ctr"/>
             <a:r>
               <a:rPr lang="zh-CN" altLang="en-US"/>
               <a:t>用法</a:t>
@@ -21148,6 +21190,28 @@
               <a:t>模式，更强大</a:t>
             </a:r>
             <a:endParaRPr lang="zh-CN" altLang="en-US"/>
+          </a:p>
+          <a:p>
+            <a:pPr algn="ctr"/>
+            <a:r>
+              <a:rPr lang="zh-CN" altLang="en-US"/>
+              <a:t>注意如果用</a:t>
+            </a:r>
+            <a:r>
+              <a:rPr lang="en-US" altLang="zh-CN">
+                <a:sym typeface="+mn-ea"/>
+              </a:rPr>
+              <a:t>as_completed</a:t>
+            </a:r>
+            <a:r>
+              <a:rPr lang="zh-CN" altLang="en-US">
+                <a:sym typeface="+mn-ea"/>
+              </a:rPr>
+              <a:t>顺序是不定的</a:t>
+            </a:r>
+            <a:endParaRPr lang="zh-CN" altLang="en-US">
+              <a:sym typeface="+mn-ea"/>
+            </a:endParaRPr>
           </a:p>
         </p:txBody>
       </p:sp>

--- a/Python并发编程简介.pptx
+++ b/Python并发编程简介.pptx
@@ -43,6 +43,15 @@
     <p:sldId id="307" r:id="rId36"/>
     <p:sldId id="308" r:id="rId37"/>
     <p:sldId id="309" r:id="rId38"/>
+    <p:sldId id="310" r:id="rId39"/>
+    <p:sldId id="311" r:id="rId40"/>
+    <p:sldId id="312" r:id="rId41"/>
+    <p:sldId id="313" r:id="rId42"/>
+    <p:sldId id="314" r:id="rId43"/>
+    <p:sldId id="315" r:id="rId44"/>
+    <p:sldId id="316" r:id="rId45"/>
+    <p:sldId id="317" r:id="rId46"/>
+    <p:sldId id="318" r:id="rId47"/>
   </p:sldIdLst>
   <p:sldSz cx="12192000" cy="6858000"/>
   <p:notesSz cx="7103745" cy="10234295"/>
@@ -142,6 +151,915 @@
     </a:lvl9pPr>
   </p:defaultTextStyle>
 </p:presentation>
+</file>
+
+<file path=ppt/charts/chart1.xml><?xml version="1.0" encoding="utf-8"?>
+<c:chartSpace xmlns:c="http://schemas.openxmlformats.org/drawingml/2006/chart" xmlns:a="http://schemas.openxmlformats.org/drawingml/2006/main" xmlns:r="http://schemas.openxmlformats.org/officeDocument/2006/relationships">
+  <c:date1904 val="0"/>
+  <c:lang val="zh-CN"/>
+  <c:roundedCorners val="0"/>
+  <mc:AlternateContent xmlns:mc="http://schemas.openxmlformats.org/markup-compatibility/2006">
+    <mc:Choice xmlns:c14="http://schemas.microsoft.com/office/drawing/2007/8/2/chart" Requires="c14">
+      <c14:style val="102"/>
+    </mc:Choice>
+    <mc:Fallback>
+      <c:style val="2"/>
+    </mc:Fallback>
+  </mc:AlternateContent>
+  <c:clrMapOvr bg1="lt1" tx1="dk1" bg2="lt2" tx2="dk2" accent1="accent1" accent2="accent2" accent3="accent3" accent4="accent4" accent5="accent5" accent6="accent6" hlink="hlink" folHlink="folHlink"/>
+  <c:chart>
+    <c:title>
+      <c:tx>
+        <c:rich>
+          <a:bodyPr rot="0" spcFirstLastPara="0" vertOverflow="ellipsis" vert="horz" wrap="square" anchor="ctr" anchorCtr="1" forceAA="0"/>
+          <a:lstStyle/>
+          <a:p>
+            <a:pPr defTabSz="914400">
+              <a:defRPr lang="zh-CN" sz="1400" b="0" i="0" u="none" strike="noStrike" kern="1200" spc="0" baseline="0">
+                <a:solidFill>
+                  <a:srgbClr val="9182D6"/>
+                </a:solidFill>
+                <a:latin typeface="微软雅黑" charset="-122"/>
+                <a:ea typeface="微软雅黑" charset="-122"/>
+                <a:cs typeface="+mn-cs"/>
+              </a:defRPr>
+            </a:pPr>
+            <a:r>
+              <a:t>时间耗费（秒）</a:t>
+            </a:r>
+          </a:p>
+        </c:rich>
+      </c:tx>
+      <c:layout/>
+      <c:overlay val="0"/>
+      <c:spPr>
+        <a:noFill/>
+        <a:ln>
+          <a:noFill/>
+        </a:ln>
+        <a:effectLst/>
+      </c:spPr>
+    </c:title>
+    <c:autoTitleDeleted val="0"/>
+    <c:plotArea>
+      <c:layout>
+        <c:manualLayout>
+          <c:layoutTarget val="inner"/>
+          <c:xMode val="edge"/>
+          <c:yMode val="edge"/>
+          <c:x val="0.0868237462156114"/>
+          <c:y val="0.17256151142355"/>
+          <c:w val="0.870791101750691"/>
+          <c:h val="0.615751318101933"/>
+        </c:manualLayout>
+      </c:layout>
+      <c:barChart>
+        <c:barDir val="col"/>
+        <c:grouping val="stacked"/>
+        <c:varyColors val="0"/>
+        <c:ser>
+          <c:idx val="0"/>
+          <c:order val="0"/>
+          <c:tx>
+            <c:strRef>
+              <c:f>[工作簿1]Sheet1!$B$1</c:f>
+              <c:strCache>
+                <c:ptCount val="1"/>
+                <c:pt idx="0">
+                  <c:v>时间耗费（秒）</c:v>
+                </c:pt>
+              </c:strCache>
+            </c:strRef>
+          </c:tx>
+          <c:spPr>
+            <a:solidFill>
+              <a:srgbClr val="72B2F3"/>
+            </a:solidFill>
+            <a:ln>
+              <a:noFill/>
+            </a:ln>
+            <a:effectLst/>
+          </c:spPr>
+          <c:invertIfNegative val="0"/>
+          <c:dLbls>
+            <c:spPr>
+              <a:noFill/>
+              <a:ln>
+                <a:noFill/>
+              </a:ln>
+              <a:effectLst/>
+            </c:spPr>
+            <c:txPr>
+              <a:bodyPr rot="0" spcFirstLastPara="0" vertOverflow="ellipsis" vert="horz" wrap="square" lIns="38100" tIns="19050" rIns="38100" bIns="19050" anchor="ctr" anchorCtr="1"/>
+              <a:lstStyle/>
+              <a:p>
+                <a:pPr>
+                  <a:defRPr lang="zh-CN" sz="900" b="0" i="0" u="none" strike="noStrike" kern="1200" baseline="0">
+                    <a:solidFill>
+                      <a:schemeClr val="tx1">
+                        <a:lumMod val="75000"/>
+                        <a:lumOff val="25000"/>
+                      </a:schemeClr>
+                    </a:solidFill>
+                    <a:latin typeface="微软雅黑" charset="-122"/>
+                    <a:ea typeface="微软雅黑" charset="-122"/>
+                    <a:cs typeface="+mn-cs"/>
+                  </a:defRPr>
+                </a:pPr>
+              </a:p>
+            </c:txPr>
+            <c:dLblPos val="inEnd"/>
+            <c:showLegendKey val="0"/>
+            <c:showVal val="1"/>
+            <c:showCatName val="0"/>
+            <c:showSerName val="0"/>
+            <c:showPercent val="0"/>
+            <c:showBubbleSize val="0"/>
+            <c:showLeaderLines val="0"/>
+            <c:extLst>
+              <c:ext xmlns:c15="http://schemas.microsoft.com/office/drawing/2012/chart" uri="{CE6537A1-D6FC-4f65-9D91-7224C49458BB}">
+                <c15:layout/>
+                <c15:showLeaderLines val="1"/>
+                <c15:leaderLines>
+                  <c:spPr>
+                    <a:ln w="9525" cap="flat" cmpd="sng" algn="ctr">
+                      <a:solidFill>
+                        <a:schemeClr val="tx1">
+                          <a:lumMod val="35000"/>
+                          <a:lumOff val="65000"/>
+                        </a:schemeClr>
+                      </a:solidFill>
+                      <a:round/>
+                    </a:ln>
+                    <a:effectLst/>
+                  </c:spPr>
+                </c15:leaderLines>
+              </c:ext>
+            </c:extLst>
+          </c:dLbls>
+          <c:cat>
+            <c:strRef>
+              <c:f>[工作簿1]Sheet1!$A$2:$A$4</c:f>
+              <c:strCache>
+                <c:ptCount val="3"/>
+                <c:pt idx="0">
+                  <c:v>单线程</c:v>
+                </c:pt>
+                <c:pt idx="1">
+                  <c:v>多线程</c:v>
+                </c:pt>
+                <c:pt idx="2">
+                  <c:v>多进程</c:v>
+                </c:pt>
+              </c:strCache>
+            </c:strRef>
+          </c:cat>
+          <c:val>
+            <c:numRef>
+              <c:f>[工作簿1]Sheet1!$B$2:$B$4</c:f>
+              <c:numCache>
+                <c:formatCode>0.00_ </c:formatCode>
+                <c:ptCount val="3"/>
+                <c:pt idx="0">
+                  <c:v>43.59</c:v>
+                </c:pt>
+                <c:pt idx="1">
+                  <c:v>43.94</c:v>
+                </c:pt>
+                <c:pt idx="2">
+                  <c:v>14.59</c:v>
+                </c:pt>
+              </c:numCache>
+            </c:numRef>
+          </c:val>
+        </c:ser>
+        <c:dLbls>
+          <c:showLegendKey val="0"/>
+          <c:showVal val="1"/>
+          <c:showCatName val="0"/>
+          <c:showSerName val="0"/>
+          <c:showPercent val="0"/>
+          <c:showBubbleSize val="0"/>
+        </c:dLbls>
+        <c:gapWidth val="150"/>
+        <c:overlap val="100"/>
+        <c:axId val="294349880"/>
+        <c:axId val="721129572"/>
+      </c:barChart>
+      <c:catAx>
+        <c:axId val="294349880"/>
+        <c:scaling>
+          <c:orientation val="minMax"/>
+        </c:scaling>
+        <c:delete val="0"/>
+        <c:axPos val="b"/>
+        <c:numFmt formatCode="General" sourceLinked="1"/>
+        <c:majorTickMark val="out"/>
+        <c:minorTickMark val="none"/>
+        <c:tickLblPos val="nextTo"/>
+        <c:spPr>
+          <a:noFill/>
+          <a:ln w="9525" cap="flat" cmpd="sng" algn="ctr">
+            <a:solidFill>
+              <a:srgbClr val="CCC9CC"/>
+            </a:solidFill>
+            <a:round/>
+          </a:ln>
+          <a:effectLst/>
+        </c:spPr>
+        <c:txPr>
+          <a:bodyPr rot="-60000000" spcFirstLastPara="0" vertOverflow="ellipsis" vert="horz" wrap="square" anchor="ctr" anchorCtr="1" forceAA="0"/>
+          <a:lstStyle/>
+          <a:p>
+            <a:pPr>
+              <a:defRPr lang="zh-CN" sz="900" b="0" i="0" u="none" strike="noStrike" kern="1200" baseline="0">
+                <a:solidFill>
+                  <a:schemeClr val="tx1">
+                    <a:lumMod val="75000"/>
+                    <a:lumOff val="25000"/>
+                  </a:schemeClr>
+                </a:solidFill>
+                <a:latin typeface="微软雅黑" charset="-122"/>
+                <a:ea typeface="微软雅黑" charset="-122"/>
+                <a:cs typeface="+mn-cs"/>
+              </a:defRPr>
+            </a:pPr>
+          </a:p>
+        </c:txPr>
+        <c:crossAx val="721129572"/>
+        <c:crosses val="autoZero"/>
+        <c:auto val="1"/>
+        <c:lblAlgn val="ctr"/>
+        <c:lblOffset val="100"/>
+        <c:noMultiLvlLbl val="0"/>
+      </c:catAx>
+      <c:valAx>
+        <c:axId val="721129572"/>
+        <c:scaling>
+          <c:orientation val="minMax"/>
+        </c:scaling>
+        <c:delete val="0"/>
+        <c:axPos val="l"/>
+        <c:majorGridlines>
+          <c:spPr>
+            <a:ln w="9525" cap="flat" cmpd="sng" algn="ctr">
+              <a:solidFill>
+                <a:srgbClr val="CCC9CC"/>
+              </a:solidFill>
+              <a:round/>
+            </a:ln>
+            <a:effectLst/>
+          </c:spPr>
+        </c:majorGridlines>
+        <c:numFmt formatCode="0.00_ " sourceLinked="1"/>
+        <c:majorTickMark val="none"/>
+        <c:minorTickMark val="none"/>
+        <c:tickLblPos val="nextTo"/>
+        <c:spPr>
+          <a:noFill/>
+          <a:ln>
+            <a:noFill/>
+          </a:ln>
+          <a:effectLst/>
+        </c:spPr>
+        <c:txPr>
+          <a:bodyPr rot="-60000000" spcFirstLastPara="0" vertOverflow="ellipsis" vert="horz" wrap="square" anchor="ctr" anchorCtr="1" forceAA="0"/>
+          <a:lstStyle/>
+          <a:p>
+            <a:pPr>
+              <a:defRPr lang="zh-CN" sz="900" b="0" i="0" u="none" strike="noStrike" kern="1200" baseline="0">
+                <a:solidFill>
+                  <a:srgbClr val="9182D6"/>
+                </a:solidFill>
+                <a:latin typeface="微软雅黑" charset="-122"/>
+                <a:ea typeface="微软雅黑" charset="-122"/>
+                <a:cs typeface="+mn-cs"/>
+              </a:defRPr>
+            </a:pPr>
+          </a:p>
+        </c:txPr>
+        <c:crossAx val="294349880"/>
+        <c:crosses val="autoZero"/>
+        <c:crossBetween val="between"/>
+      </c:valAx>
+      <c:spPr>
+        <a:noFill/>
+        <a:ln>
+          <a:noFill/>
+        </a:ln>
+        <a:effectLst/>
+      </c:spPr>
+    </c:plotArea>
+    <c:legend>
+      <c:legendPos val="b"/>
+      <c:layout/>
+      <c:overlay val="0"/>
+      <c:spPr>
+        <a:noFill/>
+        <a:ln>
+          <a:noFill/>
+        </a:ln>
+        <a:effectLst/>
+      </c:spPr>
+      <c:txPr>
+        <a:bodyPr rot="0" spcFirstLastPara="0" vertOverflow="ellipsis" vert="horz" wrap="square" anchor="ctr" anchorCtr="1" forceAA="0"/>
+        <a:lstStyle/>
+        <a:p>
+          <a:pPr>
+            <a:defRPr lang="zh-CN" sz="900" b="0" i="0" u="none" strike="noStrike" kern="1200" baseline="0">
+              <a:solidFill>
+                <a:schemeClr val="tx1">
+                  <a:lumMod val="75000"/>
+                  <a:lumOff val="25000"/>
+                </a:schemeClr>
+              </a:solidFill>
+              <a:latin typeface="微软雅黑" charset="-122"/>
+              <a:ea typeface="微软雅黑" charset="-122"/>
+              <a:cs typeface="+mn-cs"/>
+            </a:defRPr>
+          </a:pPr>
+        </a:p>
+      </c:txPr>
+    </c:legend>
+    <c:plotVisOnly val="1"/>
+    <c:dispBlanksAs val="gap"/>
+    <c:showDLblsOverMax val="0"/>
+  </c:chart>
+  <c:spPr>
+    <a:solidFill>
+      <a:schemeClr val="bg1"/>
+    </a:solidFill>
+    <a:ln w="9525" cap="flat" cmpd="sng" algn="ctr">
+      <a:noFill/>
+      <a:round/>
+    </a:ln>
+    <a:effectLst>
+      <a:outerShdw blurRad="63500" dist="37357" dir="2700000" sx="0" sy="0" rotWithShape="0">
+        <a:scrgbClr r="0" g="0" b="0"/>
+      </a:outerShdw>
+    </a:effectLst>
+  </c:spPr>
+  <c:txPr>
+    <a:bodyPr/>
+    <a:lstStyle/>
+    <a:p>
+      <a:pPr>
+        <a:defRPr lang="zh-CN">
+          <a:latin typeface="微软雅黑" charset="-122"/>
+          <a:ea typeface="微软雅黑" charset="-122"/>
+        </a:defRPr>
+      </a:pPr>
+    </a:p>
+  </c:txPr>
+  <c:externalData r:id="rId1">
+    <c:autoUpdate val="0"/>
+  </c:externalData>
+</c:chartSpace>
+</file>
+
+<file path=ppt/charts/colors1.xml><?xml version="1.0" encoding="utf-8"?>
+<cs:colorStyle xmlns:cs="http://schemas.microsoft.com/office/drawing/2012/chartStyle" xmlns:a="http://schemas.openxmlformats.org/drawingml/2006/main" meth="cycle" id="10">
+  <a:schemeClr val="accent1"/>
+  <a:schemeClr val="accent2"/>
+  <a:schemeClr val="accent3"/>
+  <a:schemeClr val="accent4"/>
+  <a:schemeClr val="accent5"/>
+  <a:schemeClr val="accent6"/>
+  <cs:variation/>
+  <cs:variation>
+    <a:lumMod val="60000"/>
+  </cs:variation>
+  <cs:variation>
+    <a:lumMod val="80000"/>
+    <a:lumOff val="20000"/>
+  </cs:variation>
+  <cs:variation>
+    <a:lumMod val="80000"/>
+  </cs:variation>
+  <cs:variation>
+    <a:lumMod val="60000"/>
+    <a:lumOff val="40000"/>
+  </cs:variation>
+  <cs:variation>
+    <a:lumMod val="50000"/>
+  </cs:variation>
+  <cs:variation>
+    <a:lumMod val="70000"/>
+    <a:lumOff val="30000"/>
+  </cs:variation>
+  <cs:variation>
+    <a:lumMod val="70000"/>
+  </cs:variation>
+  <cs:variation>
+    <a:lumMod val="50000"/>
+    <a:lumOff val="50000"/>
+  </cs:variation>
+</cs:colorStyle>
+</file>
+
+<file path=ppt/charts/style1.xml><?xml version="1.0" encoding="utf-8"?>
+<cs:chartStyle xmlns:cs="http://schemas.microsoft.com/office/drawing/2012/chartStyle" xmlns:a="http://schemas.openxmlformats.org/drawingml/2006/main" id="297">
+  <cs:axisTitle>
+    <cs:lnRef idx="0"/>
+    <cs:fillRef idx="0"/>
+    <cs:effectRef idx="0"/>
+    <cs:fontRef idx="minor">
+      <a:schemeClr val="tx1">
+        <a:lumMod val="65000"/>
+        <a:lumOff val="35000"/>
+      </a:schemeClr>
+    </cs:fontRef>
+    <cs:defRPr sz="1000" kern="1200"/>
+  </cs:axisTitle>
+  <cs:categoryAxis>
+    <cs:lnRef idx="0"/>
+    <cs:fillRef idx="0"/>
+    <cs:effectRef idx="0"/>
+    <cs:fontRef idx="minor">
+      <a:schemeClr val="tx1">
+        <a:lumMod val="65000"/>
+        <a:lumOff val="35000"/>
+      </a:schemeClr>
+    </cs:fontRef>
+    <cs:spPr>
+      <a:ln w="9525" cap="flat" cmpd="sng" algn="ctr">
+        <a:solidFill>
+          <a:schemeClr val="tx1">
+            <a:lumMod val="15000"/>
+            <a:lumOff val="85000"/>
+          </a:schemeClr>
+        </a:solidFill>
+        <a:round/>
+      </a:ln>
+    </cs:spPr>
+    <cs:defRPr sz="900" kern="1200"/>
+  </cs:categoryAxis>
+  <cs:chartArea mods="allowNoFillOverride allowNoLineOverride">
+    <cs:lnRef idx="0"/>
+    <cs:fillRef idx="0"/>
+    <cs:effectRef idx="0"/>
+    <cs:fontRef idx="minor">
+      <a:schemeClr val="tx1"/>
+    </cs:fontRef>
+    <cs:spPr>
+      <a:solidFill>
+        <a:schemeClr val="bg1"/>
+      </a:solidFill>
+      <a:ln w="9525" cap="flat" cmpd="sng" algn="ctr">
+        <a:solidFill>
+          <a:schemeClr val="tx1">
+            <a:lumMod val="15000"/>
+            <a:lumOff val="85000"/>
+          </a:schemeClr>
+        </a:solidFill>
+        <a:round/>
+      </a:ln>
+    </cs:spPr>
+    <cs:defRPr sz="1000" kern="1200"/>
+  </cs:chartArea>
+  <cs:dataLabel>
+    <cs:lnRef idx="0"/>
+    <cs:fillRef idx="0"/>
+    <cs:effectRef idx="0"/>
+    <cs:fontRef idx="minor">
+      <a:schemeClr val="tx1">
+        <a:lumMod val="75000"/>
+        <a:lumOff val="25000"/>
+      </a:schemeClr>
+    </cs:fontRef>
+    <cs:defRPr sz="900" kern="1200"/>
+  </cs:dataLabel>
+  <cs:dataLabelCallout>
+    <cs:lnRef idx="0"/>
+    <cs:fillRef idx="0"/>
+    <cs:effectRef idx="0"/>
+    <cs:fontRef idx="minor">
+      <a:schemeClr val="dk1">
+        <a:lumMod val="65000"/>
+        <a:lumOff val="35000"/>
+      </a:schemeClr>
+    </cs:fontRef>
+    <cs:spPr>
+      <a:solidFill>
+        <a:schemeClr val="lt1"/>
+      </a:solidFill>
+      <a:ln>
+        <a:solidFill>
+          <a:schemeClr val="dk1">
+            <a:lumMod val="25000"/>
+            <a:lumOff val="75000"/>
+          </a:schemeClr>
+        </a:solidFill>
+      </a:ln>
+    </cs:spPr>
+    <cs:defRPr sz="900" kern="1200"/>
+    <cs:bodyPr rot="0" spcFirstLastPara="1" vertOverflow="clip" horzOverflow="clip" vert="horz" wrap="square" lIns="36576" tIns="18288" rIns="36576" bIns="18288" anchor="ctr" anchorCtr="1">
+      <a:spAutoFit/>
+    </cs:bodyPr>
+  </cs:dataLabelCallout>
+  <cs:dataPoint>
+    <cs:lnRef idx="0"/>
+    <cs:fillRef idx="1">
+      <cs:styleClr val="auto"/>
+    </cs:fillRef>
+    <cs:effectRef idx="0"/>
+    <cs:fontRef idx="minor">
+      <a:schemeClr val="tx1"/>
+    </cs:fontRef>
+  </cs:dataPoint>
+  <cs:dataPoint3D>
+    <cs:lnRef idx="0"/>
+    <cs:fillRef idx="1">
+      <cs:styleClr val="auto"/>
+    </cs:fillRef>
+    <cs:effectRef idx="0"/>
+    <cs:fontRef idx="minor">
+      <a:schemeClr val="tx1"/>
+    </cs:fontRef>
+  </cs:dataPoint3D>
+  <cs:dataPointLine>
+    <cs:lnRef idx="0">
+      <cs:styleClr val="auto"/>
+    </cs:lnRef>
+    <cs:fillRef idx="1"/>
+    <cs:effectRef idx="0"/>
+    <cs:fontRef idx="minor">
+      <a:schemeClr val="tx1"/>
+    </cs:fontRef>
+    <cs:spPr>
+      <a:ln w="28575" cap="rnd">
+        <a:solidFill>
+          <a:schemeClr val="phClr"/>
+        </a:solidFill>
+        <a:round/>
+      </a:ln>
+    </cs:spPr>
+  </cs:dataPointLine>
+  <cs:dataPointMarker>
+    <cs:lnRef idx="0">
+      <cs:styleClr val="auto"/>
+    </cs:lnRef>
+    <cs:fillRef idx="1">
+      <cs:styleClr val="auto"/>
+    </cs:fillRef>
+    <cs:effectRef idx="0"/>
+    <cs:fontRef idx="minor">
+      <a:schemeClr val="tx1"/>
+    </cs:fontRef>
+    <cs:spPr>
+      <a:ln w="9525">
+        <a:solidFill>
+          <a:schemeClr val="phClr"/>
+        </a:solidFill>
+      </a:ln>
+    </cs:spPr>
+  </cs:dataPointMarker>
+  <cs:dataPointMarkerLayout symbol="circle" size="5"/>
+  <cs:dataPointWireframe>
+    <cs:lnRef idx="0">
+      <cs:styleClr val="auto"/>
+    </cs:lnRef>
+    <cs:fillRef idx="1"/>
+    <cs:effectRef idx="0"/>
+    <cs:fontRef idx="minor">
+      <a:schemeClr val="tx1"/>
+    </cs:fontRef>
+    <cs:spPr>
+      <a:ln w="9525" cap="rnd">
+        <a:solidFill>
+          <a:schemeClr val="phClr"/>
+        </a:solidFill>
+        <a:round/>
+      </a:ln>
+    </cs:spPr>
+  </cs:dataPointWireframe>
+  <cs:dataTable>
+    <cs:lnRef idx="0"/>
+    <cs:fillRef idx="0"/>
+    <cs:effectRef idx="0"/>
+    <cs:fontRef idx="minor">
+      <a:schemeClr val="tx1">
+        <a:lumMod val="65000"/>
+        <a:lumOff val="35000"/>
+      </a:schemeClr>
+    </cs:fontRef>
+    <cs:spPr>
+      <a:noFill/>
+      <a:ln w="9525" cap="flat" cmpd="sng" algn="ctr">
+        <a:solidFill>
+          <a:schemeClr val="tx1">
+            <a:lumMod val="15000"/>
+            <a:lumOff val="85000"/>
+          </a:schemeClr>
+        </a:solidFill>
+        <a:round/>
+      </a:ln>
+    </cs:spPr>
+    <cs:defRPr sz="900" kern="1200"/>
+  </cs:dataTable>
+  <cs:downBar>
+    <cs:lnRef idx="0"/>
+    <cs:fillRef idx="0"/>
+    <cs:effectRef idx="0"/>
+    <cs:fontRef idx="minor">
+      <a:schemeClr val="tx1"/>
+    </cs:fontRef>
+    <cs:spPr>
+      <a:solidFill>
+        <a:schemeClr val="dk1">
+          <a:lumMod val="75000"/>
+          <a:lumOff val="25000"/>
+        </a:schemeClr>
+      </a:solidFill>
+      <a:ln w="9525" cap="flat" cmpd="sng" algn="ctr">
+        <a:solidFill>
+          <a:schemeClr val="tx1">
+            <a:lumMod val="65000"/>
+            <a:lumOff val="35000"/>
+          </a:schemeClr>
+        </a:solidFill>
+        <a:round/>
+      </a:ln>
+    </cs:spPr>
+  </cs:downBar>
+  <cs:dropLine>
+    <cs:lnRef idx="0"/>
+    <cs:fillRef idx="0"/>
+    <cs:effectRef idx="0"/>
+    <cs:fontRef idx="minor">
+      <a:schemeClr val="tx1"/>
+    </cs:fontRef>
+    <cs:spPr>
+      <a:ln w="9525" cap="flat" cmpd="sng" algn="ctr">
+        <a:solidFill>
+          <a:schemeClr val="tx1">
+            <a:lumMod val="35000"/>
+            <a:lumOff val="65000"/>
+          </a:schemeClr>
+        </a:solidFill>
+        <a:round/>
+      </a:ln>
+    </cs:spPr>
+  </cs:dropLine>
+  <cs:errorBar>
+    <cs:lnRef idx="0"/>
+    <cs:fillRef idx="0"/>
+    <cs:effectRef idx="0"/>
+    <cs:fontRef idx="minor">
+      <a:schemeClr val="tx1"/>
+    </cs:fontRef>
+    <cs:spPr>
+      <a:ln w="9525" cap="flat" cmpd="sng" algn="ctr">
+        <a:solidFill>
+          <a:schemeClr val="tx1">
+            <a:lumMod val="65000"/>
+            <a:lumOff val="35000"/>
+          </a:schemeClr>
+        </a:solidFill>
+        <a:round/>
+      </a:ln>
+    </cs:spPr>
+  </cs:errorBar>
+  <cs:floor>
+    <cs:lnRef idx="0"/>
+    <cs:fillRef idx="0"/>
+    <cs:effectRef idx="0"/>
+    <cs:fontRef idx="minor">
+      <a:schemeClr val="tx1"/>
+    </cs:fontRef>
+    <cs:spPr>
+      <a:noFill/>
+      <a:ln>
+        <a:noFill/>
+      </a:ln>
+    </cs:spPr>
+  </cs:floor>
+  <cs:gridlineMajor>
+    <cs:lnRef idx="0"/>
+    <cs:fillRef idx="0"/>
+    <cs:effectRef idx="0"/>
+    <cs:fontRef idx="minor">
+      <a:schemeClr val="tx1"/>
+    </cs:fontRef>
+    <cs:spPr>
+      <a:ln w="9525" cap="flat" cmpd="sng" algn="ctr">
+        <a:solidFill>
+          <a:schemeClr val="tx1">
+            <a:lumMod val="15000"/>
+            <a:lumOff val="85000"/>
+          </a:schemeClr>
+        </a:solidFill>
+        <a:round/>
+      </a:ln>
+    </cs:spPr>
+  </cs:gridlineMajor>
+  <cs:gridlineMinor>
+    <cs:lnRef idx="0"/>
+    <cs:fillRef idx="0"/>
+    <cs:effectRef idx="0"/>
+    <cs:fontRef idx="minor">
+      <a:schemeClr val="tx1"/>
+    </cs:fontRef>
+    <cs:spPr>
+      <a:ln w="9525" cap="flat" cmpd="sng" algn="ctr">
+        <a:solidFill>
+          <a:schemeClr val="tx1">
+            <a:lumMod val="5000"/>
+            <a:lumOff val="95000"/>
+          </a:schemeClr>
+        </a:solidFill>
+        <a:round/>
+      </a:ln>
+    </cs:spPr>
+  </cs:gridlineMinor>
+  <cs:hiLoLine>
+    <cs:lnRef idx="0"/>
+    <cs:fillRef idx="0"/>
+    <cs:effectRef idx="0"/>
+    <cs:fontRef idx="minor">
+      <a:schemeClr val="tx1"/>
+    </cs:fontRef>
+    <cs:spPr>
+      <a:ln w="9525" cap="flat" cmpd="sng" algn="ctr">
+        <a:solidFill>
+          <a:schemeClr val="tx1">
+            <a:lumMod val="50000"/>
+            <a:lumOff val="50000"/>
+          </a:schemeClr>
+        </a:solidFill>
+        <a:round/>
+      </a:ln>
+    </cs:spPr>
+  </cs:hiLoLine>
+  <cs:leaderLine>
+    <cs:lnRef idx="0"/>
+    <cs:fillRef idx="0"/>
+    <cs:effectRef idx="0"/>
+    <cs:fontRef idx="minor">
+      <a:schemeClr val="tx1"/>
+    </cs:fontRef>
+    <cs:spPr>
+      <a:ln w="9525" cap="flat" cmpd="sng" algn="ctr">
+        <a:solidFill>
+          <a:schemeClr val="tx1">
+            <a:lumMod val="35000"/>
+            <a:lumOff val="65000"/>
+          </a:schemeClr>
+        </a:solidFill>
+        <a:round/>
+      </a:ln>
+    </cs:spPr>
+  </cs:leaderLine>
+  <cs:legend>
+    <cs:lnRef idx="0"/>
+    <cs:fillRef idx="0"/>
+    <cs:effectRef idx="0"/>
+    <cs:fontRef idx="minor">
+      <a:schemeClr val="tx1">
+        <a:lumMod val="65000"/>
+        <a:lumOff val="35000"/>
+      </a:schemeClr>
+    </cs:fontRef>
+    <cs:defRPr sz="900" kern="1200"/>
+  </cs:legend>
+  <cs:plotArea mods="allowNoFillOverride allowNoLineOverride">
+    <cs:lnRef idx="0"/>
+    <cs:fillRef idx="0"/>
+    <cs:effectRef idx="0"/>
+    <cs:fontRef idx="minor">
+      <a:schemeClr val="tx1"/>
+    </cs:fontRef>
+  </cs:plotArea>
+  <cs:plotArea3D mods="allowNoFillOverride allowNoLineOverride">
+    <cs:lnRef idx="0"/>
+    <cs:fillRef idx="0"/>
+    <cs:effectRef idx="0"/>
+    <cs:fontRef idx="minor">
+      <a:schemeClr val="tx1"/>
+    </cs:fontRef>
+  </cs:plotArea3D>
+  <cs:seriesAxis>
+    <cs:lnRef idx="0"/>
+    <cs:fillRef idx="0"/>
+    <cs:effectRef idx="0"/>
+    <cs:fontRef idx="minor">
+      <a:schemeClr val="tx1">
+        <a:lumMod val="65000"/>
+        <a:lumOff val="35000"/>
+      </a:schemeClr>
+    </cs:fontRef>
+    <cs:defRPr sz="900" kern="1200"/>
+  </cs:seriesAxis>
+  <cs:seriesLine>
+    <cs:lnRef idx="0"/>
+    <cs:fillRef idx="0"/>
+    <cs:effectRef idx="0"/>
+    <cs:fontRef idx="minor">
+      <a:schemeClr val="tx1"/>
+    </cs:fontRef>
+    <cs:spPr>
+      <a:ln w="9525" cap="flat" cmpd="sng" algn="ctr">
+        <a:solidFill>
+          <a:schemeClr val="tx1">
+            <a:lumMod val="35000"/>
+            <a:lumOff val="65000"/>
+          </a:schemeClr>
+        </a:solidFill>
+        <a:round/>
+      </a:ln>
+    </cs:spPr>
+  </cs:seriesLine>
+  <cs:title>
+    <cs:lnRef idx="0"/>
+    <cs:fillRef idx="0"/>
+    <cs:effectRef idx="0"/>
+    <cs:fontRef idx="minor">
+      <a:schemeClr val="tx1">
+        <a:lumMod val="65000"/>
+        <a:lumOff val="35000"/>
+      </a:schemeClr>
+    </cs:fontRef>
+    <cs:defRPr sz="1400" b="0" kern="1200" spc="0" baseline="0"/>
+  </cs:title>
+  <cs:trendline>
+    <cs:lnRef idx="0">
+      <cs:styleClr val="auto"/>
+    </cs:lnRef>
+    <cs:fillRef idx="0"/>
+    <cs:effectRef idx="0"/>
+    <cs:fontRef idx="minor">
+      <a:schemeClr val="tx1"/>
+    </cs:fontRef>
+    <cs:spPr>
+      <a:ln w="19050" cap="rnd">
+        <a:solidFill>
+          <a:schemeClr val="phClr"/>
+        </a:solidFill>
+        <a:prstDash val="sysDot"/>
+      </a:ln>
+    </cs:spPr>
+  </cs:trendline>
+  <cs:trendlineLabel>
+    <cs:lnRef idx="0"/>
+    <cs:fillRef idx="0"/>
+    <cs:effectRef idx="0"/>
+    <cs:fontRef idx="minor">
+      <a:schemeClr val="tx1">
+        <a:lumMod val="65000"/>
+        <a:lumOff val="35000"/>
+      </a:schemeClr>
+    </cs:fontRef>
+    <cs:defRPr sz="900" kern="1200"/>
+  </cs:trendlineLabel>
+  <cs:upBar>
+    <cs:lnRef idx="0"/>
+    <cs:fillRef idx="0"/>
+    <cs:effectRef idx="0"/>
+    <cs:fontRef idx="minor">
+      <a:schemeClr val="tx1"/>
+    </cs:fontRef>
+    <cs:spPr>
+      <a:solidFill>
+        <a:schemeClr val="lt1"/>
+      </a:solidFill>
+      <a:ln w="9525" cap="flat" cmpd="sng" algn="ctr">
+        <a:solidFill>
+          <a:schemeClr val="tx1">
+            <a:lumMod val="65000"/>
+            <a:lumOff val="35000"/>
+          </a:schemeClr>
+        </a:solidFill>
+        <a:round/>
+      </a:ln>
+    </cs:spPr>
+  </cs:upBar>
+  <cs:valueAxis>
+    <cs:lnRef idx="0"/>
+    <cs:fillRef idx="0"/>
+    <cs:effectRef idx="0"/>
+    <cs:fontRef idx="minor">
+      <a:schemeClr val="tx1">
+        <a:lumMod val="65000"/>
+        <a:lumOff val="35000"/>
+      </a:schemeClr>
+    </cs:fontRef>
+    <cs:defRPr sz="900" kern="1200"/>
+  </cs:valueAxis>
+  <cs:wall>
+    <cs:lnRef idx="0"/>
+    <cs:fillRef idx="0"/>
+    <cs:effectRef idx="0"/>
+    <cs:fontRef idx="minor">
+      <a:schemeClr val="tx1"/>
+    </cs:fontRef>
+    <cs:spPr>
+      <a:noFill/>
+      <a:ln>
+        <a:noFill/>
+      </a:ln>
+    </cs:spPr>
+  </cs:wall>
+</cs:chartStyle>
 </file>
 
 <file path=ppt/notesMasters/notesMaster1.xml><?xml version="1.0" encoding="utf-8"?>
@@ -21230,6 +22148,1784 @@
 </p:sld>
 </file>
 
+<file path=ppt/slides/slide36.xml><?xml version="1.0" encoding="utf-8"?>
+<p:sld xmlns:a="http://schemas.openxmlformats.org/drawingml/2006/main" xmlns:r="http://schemas.openxmlformats.org/officeDocument/2006/relationships" xmlns:p="http://schemas.openxmlformats.org/presentationml/2006/main">
+  <p:cSld>
+    <p:bg>
+      <p:bgPr>
+        <a:gradFill>
+          <a:gsLst>
+            <a:gs pos="0">
+              <a:srgbClr val="012D86"/>
+            </a:gs>
+            <a:gs pos="100000">
+              <a:srgbClr val="0E2557"/>
+            </a:gs>
+          </a:gsLst>
+          <a:lin ang="5400000" scaled="0"/>
+        </a:gradFill>
+        <a:effectLst/>
+      </p:bgPr>
+    </p:bg>
+    <p:spTree>
+      <p:nvGrpSpPr>
+        <p:cNvPr id="1" name=""/>
+        <p:cNvGrpSpPr/>
+        <p:nvPr/>
+      </p:nvGrpSpPr>
+      <p:grpSpPr/>
+      <p:sp>
+        <p:nvSpPr>
+          <p:cNvPr id="2" name="标题 1"/>
+          <p:cNvSpPr>
+            <a:spLocks noGrp="1"/>
+          </p:cNvSpPr>
+          <p:nvPr>
+            <p:ph type="ctrTitle"/>
+          </p:nvPr>
+        </p:nvSpPr>
+        <p:spPr>
+          <a:xfrm>
+            <a:off x="4892675" y="2880995"/>
+            <a:ext cx="6174105" cy="2199640"/>
+          </a:xfrm>
+        </p:spPr>
+        <p:style>
+          <a:lnRef idx="2">
+            <a:schemeClr val="accent6">
+              <a:shade val="50000"/>
+            </a:schemeClr>
+          </a:lnRef>
+          <a:fillRef idx="1">
+            <a:schemeClr val="accent6"/>
+          </a:fillRef>
+          <a:effectRef idx="0">
+            <a:schemeClr val="accent6"/>
+          </a:effectRef>
+          <a:fontRef idx="minor">
+            <a:schemeClr val="lt1"/>
+          </a:fontRef>
+        </p:style>
+        <p:txBody>
+          <a:bodyPr anchor="ctr" anchorCtr="0">
+            <a:noAutofit/>
+          </a:bodyPr>
+          <a:p>
+            <a:pPr algn="l">
+              <a:lnSpc>
+                <a:spcPct val="130000"/>
+              </a:lnSpc>
+              <a:spcBef>
+                <a:spcPts val="0"/>
+              </a:spcBef>
+              <a:spcAft>
+                <a:spcPts val="0"/>
+              </a:spcAft>
+            </a:pPr>
+            <a:r>
+              <a:rPr lang="zh-CN" altLang="en-US" sz="5400" b="1">
+                <a:solidFill>
+                  <a:schemeClr val="bg1"/>
+                </a:solidFill>
+                <a:latin typeface="微软雅黑" charset="0"/>
+                <a:ea typeface="微软雅黑" charset="0"/>
+                <a:cs typeface="微软雅黑" charset="0"/>
+              </a:rPr>
+              <a:t>在</a:t>
+            </a:r>
+            <a:r>
+              <a:rPr lang="en-US" altLang="zh-CN" sz="5400" b="1">
+                <a:solidFill>
+                  <a:schemeClr val="bg1"/>
+                </a:solidFill>
+                <a:latin typeface="微软雅黑" charset="0"/>
+                <a:ea typeface="微软雅黑" charset="0"/>
+                <a:cs typeface="微软雅黑" charset="0"/>
+              </a:rPr>
+              <a:t>Web</a:t>
+            </a:r>
+            <a:r>
+              <a:rPr lang="zh-CN" altLang="en-US" sz="5400" b="1">
+                <a:solidFill>
+                  <a:schemeClr val="bg1"/>
+                </a:solidFill>
+                <a:latin typeface="微软雅黑" charset="0"/>
+                <a:ea typeface="微软雅黑" charset="0"/>
+                <a:cs typeface="微软雅黑" charset="0"/>
+              </a:rPr>
+              <a:t>服务中</a:t>
+            </a:r>
+            <a:br>
+              <a:rPr lang="zh-CN" altLang="en-US" sz="5400" b="1">
+                <a:solidFill>
+                  <a:schemeClr val="bg1"/>
+                </a:solidFill>
+                <a:latin typeface="微软雅黑" charset="0"/>
+                <a:ea typeface="微软雅黑" charset="0"/>
+                <a:cs typeface="微软雅黑" charset="0"/>
+              </a:rPr>
+            </a:br>
+            <a:r>
+              <a:rPr lang="zh-CN" altLang="en-US" sz="5400" b="1">
+                <a:solidFill>
+                  <a:schemeClr val="bg1"/>
+                </a:solidFill>
+                <a:latin typeface="微软雅黑" charset="0"/>
+                <a:ea typeface="微软雅黑" charset="0"/>
+                <a:cs typeface="微软雅黑" charset="0"/>
+              </a:rPr>
+              <a:t>使用线程池加速</a:t>
+            </a:r>
+            <a:endParaRPr lang="zh-CN" altLang="en-US" sz="5400" b="1">
+              <a:solidFill>
+                <a:schemeClr val="bg1"/>
+              </a:solidFill>
+              <a:latin typeface="微软雅黑" charset="0"/>
+              <a:ea typeface="微软雅黑" charset="0"/>
+              <a:cs typeface="微软雅黑" charset="0"/>
+            </a:endParaRPr>
+          </a:p>
+        </p:txBody>
+      </p:sp>
+      <p:pic>
+        <p:nvPicPr>
+          <p:cNvPr id="5" name="图片 4" descr="kisspng-angle-text-symbol-brand-other-python-5ab0c09b9ea1a7.3286927515215330836498 (1)"/>
+          <p:cNvPicPr>
+            <a:picLocks noChangeAspect="1"/>
+          </p:cNvPicPr>
+          <p:nvPr/>
+        </p:nvPicPr>
+        <p:blipFill>
+          <a:blip r:embed="rId1"/>
+          <a:stretch>
+            <a:fillRect/>
+          </a:stretch>
+        </p:blipFill>
+        <p:spPr>
+          <a:xfrm>
+            <a:off x="288290" y="986790"/>
+            <a:ext cx="4884420" cy="4884420"/>
+          </a:xfrm>
+          <a:prstGeom prst="rect">
+            <a:avLst/>
+          </a:prstGeom>
+        </p:spPr>
+      </p:pic>
+      <p:sp>
+        <p:nvSpPr>
+          <p:cNvPr id="3" name="文本框 2"/>
+          <p:cNvSpPr txBox="1"/>
+          <p:nvPr/>
+        </p:nvSpPr>
+        <p:spPr>
+          <a:xfrm>
+            <a:off x="4831080" y="1866265"/>
+            <a:ext cx="6005195" cy="1014730"/>
+          </a:xfrm>
+          <a:prstGeom prst="rect">
+            <a:avLst/>
+          </a:prstGeom>
+          <a:noFill/>
+        </p:spPr>
+        <p:txBody>
+          <a:bodyPr wrap="none" rtlCol="0" anchor="t">
+            <a:spAutoFit/>
+          </a:bodyPr>
+          <a:p>
+            <a:r>
+              <a:rPr lang="en-US" sz="6000" b="1">
+                <a:solidFill>
+                  <a:schemeClr val="bg1"/>
+                </a:solidFill>
+                <a:latin typeface="微软雅黑" charset="0"/>
+                <a:ea typeface="微软雅黑" charset="0"/>
+                <a:cs typeface="微软雅黑" charset="0"/>
+                <a:sym typeface="+mn-ea"/>
+              </a:rPr>
+              <a:t>Python</a:t>
+            </a:r>
+            <a:r>
+              <a:rPr lang="zh-CN" altLang="en-US" sz="6000" b="1">
+                <a:solidFill>
+                  <a:schemeClr val="bg1"/>
+                </a:solidFill>
+                <a:latin typeface="微软雅黑" charset="0"/>
+                <a:ea typeface="微软雅黑" charset="0"/>
+                <a:cs typeface="微软雅黑" charset="0"/>
+                <a:sym typeface="+mn-ea"/>
+              </a:rPr>
+              <a:t> 并发编程</a:t>
+            </a:r>
+            <a:endParaRPr lang="zh-CN" altLang="en-US" sz="6000" b="1">
+              <a:solidFill>
+                <a:schemeClr val="bg1"/>
+              </a:solidFill>
+              <a:latin typeface="微软雅黑" charset="0"/>
+              <a:ea typeface="微软雅黑" charset="0"/>
+              <a:cs typeface="微软雅黑" charset="0"/>
+              <a:sym typeface="+mn-ea"/>
+            </a:endParaRPr>
+          </a:p>
+        </p:txBody>
+      </p:sp>
+    </p:spTree>
+    <p:custDataLst>
+      <p:tags r:id="rId2"/>
+    </p:custDataLst>
+  </p:cSld>
+  <p:clrMapOvr>
+    <a:masterClrMapping/>
+  </p:clrMapOvr>
+</p:sld>
+</file>
+
+<file path=ppt/slides/slide37.xml><?xml version="1.0" encoding="utf-8"?>
+<p:sld xmlns:a="http://schemas.openxmlformats.org/drawingml/2006/main" xmlns:r="http://schemas.openxmlformats.org/officeDocument/2006/relationships" xmlns:p="http://schemas.openxmlformats.org/presentationml/2006/main">
+  <p:cSld>
+    <p:spTree>
+      <p:nvGrpSpPr>
+        <p:cNvPr id="1" name=""/>
+        <p:cNvGrpSpPr/>
+        <p:nvPr/>
+      </p:nvGrpSpPr>
+      <p:grpSpPr/>
+      <p:sp>
+        <p:nvSpPr>
+          <p:cNvPr id="13" name="文本框 12"/>
+          <p:cNvSpPr txBox="1"/>
+          <p:nvPr/>
+        </p:nvSpPr>
+        <p:spPr>
+          <a:xfrm>
+            <a:off x="4785360" y="533400"/>
+            <a:ext cx="2623820" cy="1198880"/>
+          </a:xfrm>
+          <a:prstGeom prst="rect">
+            <a:avLst/>
+          </a:prstGeom>
+          <a:noFill/>
+        </p:spPr>
+        <p:txBody>
+          <a:bodyPr wrap="none" rtlCol="0">
+            <a:spAutoFit/>
+          </a:bodyPr>
+          <a:p>
+            <a:pPr indent="0">
+              <a:lnSpc>
+                <a:spcPct val="150000"/>
+              </a:lnSpc>
+              <a:buFont typeface="Arial" panose="020B0604020202090204" pitchFamily="34" charset="0"/>
+              <a:buNone/>
+            </a:pPr>
+            <a:r>
+              <a:rPr lang="zh-CN" altLang="en-US" sz="4800" b="1">
+                <a:solidFill>
+                  <a:schemeClr val="accent1"/>
+                </a:solidFill>
+                <a:latin typeface="微软雅黑" charset="0"/>
+                <a:ea typeface="微软雅黑" charset="0"/>
+                <a:cs typeface="微软雅黑" charset="0"/>
+              </a:rPr>
+              <a:t>本节提纲</a:t>
+            </a:r>
+            <a:endParaRPr lang="zh-CN" altLang="en-US" sz="4800" b="1">
+              <a:solidFill>
+                <a:schemeClr val="accent1"/>
+              </a:solidFill>
+              <a:latin typeface="微软雅黑" charset="0"/>
+              <a:ea typeface="微软雅黑" charset="0"/>
+              <a:cs typeface="微软雅黑" charset="0"/>
+            </a:endParaRPr>
+          </a:p>
+        </p:txBody>
+      </p:sp>
+      <p:sp>
+        <p:nvSpPr>
+          <p:cNvPr id="3" name="文本框 2"/>
+          <p:cNvSpPr txBox="1"/>
+          <p:nvPr/>
+        </p:nvSpPr>
+        <p:spPr>
+          <a:xfrm>
+            <a:off x="1963420" y="2743835"/>
+            <a:ext cx="7656830" cy="2011045"/>
+          </a:xfrm>
+          <a:prstGeom prst="rect">
+            <a:avLst/>
+          </a:prstGeom>
+          <a:noFill/>
+        </p:spPr>
+        <p:txBody>
+          <a:bodyPr wrap="none" rtlCol="0">
+            <a:spAutoFit/>
+          </a:bodyPr>
+          <a:p>
+            <a:pPr algn="l">
+              <a:lnSpc>
+                <a:spcPct val="130000"/>
+              </a:lnSpc>
+              <a:spcBef>
+                <a:spcPts val="0"/>
+              </a:spcBef>
+              <a:spcAft>
+                <a:spcPts val="0"/>
+              </a:spcAft>
+            </a:pPr>
+            <a:r>
+              <a:rPr lang="en-US" altLang="zh-CN" sz="3200">
+                <a:latin typeface="微软雅黑" charset="0"/>
+                <a:ea typeface="微软雅黑" charset="0"/>
+                <a:cs typeface="微软雅黑" charset="0"/>
+              </a:rPr>
+              <a:t>1</a:t>
+            </a:r>
+            <a:r>
+              <a:rPr lang="zh-CN" altLang="en-US" sz="3200">
+                <a:latin typeface="微软雅黑" charset="0"/>
+                <a:ea typeface="微软雅黑" charset="0"/>
+                <a:cs typeface="微软雅黑" charset="0"/>
+              </a:rPr>
+              <a:t>、</a:t>
+            </a:r>
+            <a:r>
+              <a:rPr lang="en-US" altLang="zh-CN" sz="3200">
+                <a:latin typeface="微软雅黑" charset="0"/>
+                <a:ea typeface="微软雅黑" charset="0"/>
+                <a:cs typeface="微软雅黑" charset="0"/>
+              </a:rPr>
+              <a:t>Web</a:t>
+            </a:r>
+            <a:r>
+              <a:rPr lang="zh-CN" altLang="en-US" sz="3200">
+                <a:latin typeface="微软雅黑" charset="0"/>
+                <a:ea typeface="微软雅黑" charset="0"/>
+                <a:cs typeface="微软雅黑" charset="0"/>
+              </a:rPr>
+              <a:t>服务的架构以及特点</a:t>
+            </a:r>
+            <a:endParaRPr lang="en-US" altLang="zh-CN" sz="3200">
+              <a:latin typeface="微软雅黑" charset="0"/>
+              <a:ea typeface="微软雅黑" charset="0"/>
+              <a:cs typeface="微软雅黑" charset="0"/>
+            </a:endParaRPr>
+          </a:p>
+          <a:p>
+            <a:pPr algn="l">
+              <a:lnSpc>
+                <a:spcPct val="130000"/>
+              </a:lnSpc>
+              <a:spcBef>
+                <a:spcPts val="0"/>
+              </a:spcBef>
+              <a:spcAft>
+                <a:spcPts val="0"/>
+              </a:spcAft>
+            </a:pPr>
+            <a:r>
+              <a:rPr lang="en-US" altLang="zh-CN" sz="3200">
+                <a:latin typeface="微软雅黑" charset="0"/>
+                <a:ea typeface="微软雅黑" charset="0"/>
+                <a:cs typeface="微软雅黑" charset="0"/>
+              </a:rPr>
+              <a:t>2</a:t>
+            </a:r>
+            <a:r>
+              <a:rPr lang="zh-CN" altLang="en-US" sz="3200">
+                <a:latin typeface="微软雅黑" charset="0"/>
+                <a:ea typeface="微软雅黑" charset="0"/>
+                <a:cs typeface="微软雅黑" charset="0"/>
+              </a:rPr>
+              <a:t>、使用线程池</a:t>
+            </a:r>
+            <a:r>
+              <a:rPr lang="en-US" altLang="zh-CN" sz="3200">
+                <a:latin typeface="微软雅黑" charset="0"/>
+                <a:ea typeface="微软雅黑" charset="0"/>
+                <a:cs typeface="微软雅黑" charset="0"/>
+              </a:rPr>
+              <a:t>ThreadPoolExecutor</a:t>
+            </a:r>
+            <a:r>
+              <a:rPr lang="zh-CN" altLang="en-US" sz="3200">
+                <a:latin typeface="微软雅黑" charset="0"/>
+                <a:ea typeface="微软雅黑" charset="0"/>
+                <a:cs typeface="微软雅黑" charset="0"/>
+              </a:rPr>
+              <a:t>加速</a:t>
+            </a:r>
+            <a:endParaRPr lang="zh-CN" altLang="en-US" sz="3200">
+              <a:latin typeface="微软雅黑" charset="0"/>
+              <a:ea typeface="微软雅黑" charset="0"/>
+              <a:cs typeface="微软雅黑" charset="0"/>
+            </a:endParaRPr>
+          </a:p>
+          <a:p>
+            <a:pPr algn="l">
+              <a:lnSpc>
+                <a:spcPct val="130000"/>
+              </a:lnSpc>
+              <a:spcBef>
+                <a:spcPts val="0"/>
+              </a:spcBef>
+              <a:spcAft>
+                <a:spcPts val="0"/>
+              </a:spcAft>
+            </a:pPr>
+            <a:r>
+              <a:rPr lang="en-US" altLang="zh-CN" sz="3200">
+                <a:latin typeface="微软雅黑" charset="0"/>
+                <a:ea typeface="微软雅黑" charset="0"/>
+                <a:cs typeface="微软雅黑" charset="0"/>
+              </a:rPr>
+              <a:t>3</a:t>
+            </a:r>
+            <a:r>
+              <a:rPr lang="zh-CN" altLang="en-US" sz="3200">
+                <a:latin typeface="微软雅黑" charset="0"/>
+                <a:ea typeface="微软雅黑" charset="0"/>
+                <a:cs typeface="微软雅黑" charset="0"/>
+              </a:rPr>
+              <a:t>、代码用</a:t>
+            </a:r>
+            <a:r>
+              <a:rPr lang="en-US" altLang="zh-CN" sz="3200">
+                <a:latin typeface="微软雅黑" charset="0"/>
+                <a:ea typeface="微软雅黑" charset="0"/>
+                <a:cs typeface="微软雅黑" charset="0"/>
+              </a:rPr>
+              <a:t>Flask</a:t>
+            </a:r>
+            <a:r>
+              <a:rPr lang="zh-CN" altLang="en-US" sz="3200">
+                <a:latin typeface="微软雅黑" charset="0"/>
+                <a:ea typeface="微软雅黑" charset="0"/>
+                <a:cs typeface="微软雅黑" charset="0"/>
+              </a:rPr>
+              <a:t>实现</a:t>
+            </a:r>
+            <a:r>
+              <a:rPr lang="en-US" altLang="zh-CN" sz="3200">
+                <a:latin typeface="微软雅黑" charset="0"/>
+                <a:ea typeface="微软雅黑" charset="0"/>
+                <a:cs typeface="微软雅黑" charset="0"/>
+              </a:rPr>
+              <a:t>Web</a:t>
+            </a:r>
+            <a:r>
+              <a:rPr lang="zh-CN" altLang="en-US" sz="3200">
+                <a:latin typeface="微软雅黑" charset="0"/>
+                <a:ea typeface="微软雅黑" charset="0"/>
+                <a:cs typeface="微软雅黑" charset="0"/>
+              </a:rPr>
+              <a:t>服务并实现加速</a:t>
+            </a:r>
+            <a:endParaRPr lang="zh-CN" altLang="en-US" sz="3200">
+              <a:latin typeface="微软雅黑" charset="0"/>
+              <a:ea typeface="微软雅黑" charset="0"/>
+              <a:cs typeface="微软雅黑" charset="0"/>
+            </a:endParaRPr>
+          </a:p>
+        </p:txBody>
+      </p:sp>
+    </p:spTree>
+  </p:cSld>
+  <p:clrMapOvr>
+    <a:masterClrMapping/>
+  </p:clrMapOvr>
+  <p:timing>
+    <p:tnLst>
+      <p:par>
+        <p:cTn id="1" dur="indefinite" restart="never" nodeType="tmRoot"/>
+      </p:par>
+    </p:tnLst>
+  </p:timing>
+</p:sld>
+</file>
+
+<file path=ppt/slides/slide38.xml><?xml version="1.0" encoding="utf-8"?>
+<p:sld xmlns:a="http://schemas.openxmlformats.org/drawingml/2006/main" xmlns:r="http://schemas.openxmlformats.org/officeDocument/2006/relationships" xmlns:p="http://schemas.openxmlformats.org/presentationml/2006/main">
+  <p:cSld>
+    <p:spTree>
+      <p:nvGrpSpPr>
+        <p:cNvPr id="1" name=""/>
+        <p:cNvGrpSpPr/>
+        <p:nvPr/>
+      </p:nvGrpSpPr>
+      <p:grpSpPr/>
+      <p:sp>
+        <p:nvSpPr>
+          <p:cNvPr id="21" name="矩形 20"/>
+          <p:cNvSpPr/>
+          <p:nvPr/>
+        </p:nvSpPr>
+        <p:spPr>
+          <a:xfrm>
+            <a:off x="2145665" y="4751705"/>
+            <a:ext cx="8118475" cy="1597660"/>
+          </a:xfrm>
+          <a:prstGeom prst="rect">
+            <a:avLst/>
+          </a:prstGeom>
+          <a:solidFill>
+            <a:schemeClr val="bg1">
+              <a:lumMod val="85000"/>
+            </a:schemeClr>
+          </a:solidFill>
+          <a:ln>
+            <a:noFill/>
+          </a:ln>
+        </p:spPr>
+        <p:style>
+          <a:lnRef idx="2">
+            <a:schemeClr val="accent1">
+              <a:shade val="50000"/>
+            </a:schemeClr>
+          </a:lnRef>
+          <a:fillRef idx="1">
+            <a:schemeClr val="accent1"/>
+          </a:fillRef>
+          <a:effectRef idx="0">
+            <a:schemeClr val="accent1"/>
+          </a:effectRef>
+          <a:fontRef idx="minor">
+            <a:schemeClr val="lt1"/>
+          </a:fontRef>
+        </p:style>
+        <p:txBody>
+          <a:bodyPr rtlCol="0" anchor="ctr"/>
+          <a:p>
+            <a:pPr algn="ctr"/>
+            <a:endParaRPr lang="zh-CN" altLang="en-US"/>
+          </a:p>
+        </p:txBody>
+      </p:sp>
+      <p:sp>
+        <p:nvSpPr>
+          <p:cNvPr id="13" name="文本框 12"/>
+          <p:cNvSpPr txBox="1"/>
+          <p:nvPr/>
+        </p:nvSpPr>
+        <p:spPr>
+          <a:xfrm>
+            <a:off x="1744345" y="542290"/>
+            <a:ext cx="8034020" cy="1198880"/>
+          </a:xfrm>
+          <a:prstGeom prst="rect">
+            <a:avLst/>
+          </a:prstGeom>
+          <a:noFill/>
+        </p:spPr>
+        <p:txBody>
+          <a:bodyPr wrap="none" rtlCol="0">
+            <a:spAutoFit/>
+          </a:bodyPr>
+          <a:p>
+            <a:pPr indent="0" algn="l">
+              <a:lnSpc>
+                <a:spcPct val="150000"/>
+              </a:lnSpc>
+              <a:buFont typeface="Arial" panose="020B0604020202090204" pitchFamily="34" charset="0"/>
+              <a:buNone/>
+            </a:pPr>
+            <a:r>
+              <a:rPr lang="zh-CN" altLang="en-US" sz="4800" b="1">
+                <a:solidFill>
+                  <a:schemeClr val="accent1"/>
+                </a:solidFill>
+                <a:latin typeface="微软雅黑" charset="0"/>
+                <a:ea typeface="微软雅黑" charset="0"/>
+                <a:cs typeface="微软雅黑" charset="0"/>
+              </a:rPr>
+              <a:t>1、Web服务的架构以及特点</a:t>
+            </a:r>
+            <a:endParaRPr lang="zh-CN" altLang="en-US" sz="4800" b="1">
+              <a:solidFill>
+                <a:schemeClr val="accent1"/>
+              </a:solidFill>
+              <a:latin typeface="微软雅黑" charset="0"/>
+              <a:ea typeface="微软雅黑" charset="0"/>
+              <a:cs typeface="微软雅黑" charset="0"/>
+            </a:endParaRPr>
+          </a:p>
+        </p:txBody>
+      </p:sp>
+      <p:sp>
+        <p:nvSpPr>
+          <p:cNvPr id="2" name="矩形 1"/>
+          <p:cNvSpPr/>
+          <p:nvPr/>
+        </p:nvSpPr>
+        <p:spPr>
+          <a:xfrm>
+            <a:off x="1446530" y="3074670"/>
+            <a:ext cx="2707005" cy="708660"/>
+          </a:xfrm>
+          <a:prstGeom prst="rect">
+            <a:avLst/>
+          </a:prstGeom>
+        </p:spPr>
+        <p:style>
+          <a:lnRef idx="2">
+            <a:schemeClr val="accent1">
+              <a:shade val="50000"/>
+            </a:schemeClr>
+          </a:lnRef>
+          <a:fillRef idx="1">
+            <a:schemeClr val="accent1"/>
+          </a:fillRef>
+          <a:effectRef idx="0">
+            <a:schemeClr val="accent1"/>
+          </a:effectRef>
+          <a:fontRef idx="minor">
+            <a:schemeClr val="lt1"/>
+          </a:fontRef>
+        </p:style>
+        <p:txBody>
+          <a:bodyPr rtlCol="0" anchor="ctr" anchorCtr="0"/>
+          <a:p>
+            <a:pPr algn="ctr"/>
+            <a:r>
+              <a:rPr lang="en-US" altLang="zh-CN"/>
+              <a:t>Web</a:t>
+            </a:r>
+            <a:r>
+              <a:rPr lang="zh-CN" altLang="en-US"/>
+              <a:t>浏览器</a:t>
+            </a:r>
+            <a:endParaRPr lang="zh-CN" altLang="en-US"/>
+          </a:p>
+          <a:p>
+            <a:pPr algn="ctr"/>
+            <a:r>
+              <a:rPr lang="en-US" altLang="zh-CN"/>
+              <a:t>chrome</a:t>
+            </a:r>
+            <a:r>
+              <a:rPr lang="zh-CN" altLang="en-US"/>
+              <a:t>、火狐、</a:t>
+            </a:r>
+            <a:r>
+              <a:rPr lang="en-US" altLang="zh-CN"/>
+              <a:t>IE</a:t>
+            </a:r>
+            <a:endParaRPr lang="en-US" altLang="zh-CN"/>
+          </a:p>
+        </p:txBody>
+      </p:sp>
+      <p:sp>
+        <p:nvSpPr>
+          <p:cNvPr id="4" name="矩形 3"/>
+          <p:cNvSpPr/>
+          <p:nvPr/>
+        </p:nvSpPr>
+        <p:spPr>
+          <a:xfrm>
+            <a:off x="5459095" y="3074670"/>
+            <a:ext cx="2734310" cy="708660"/>
+          </a:xfrm>
+          <a:prstGeom prst="rect">
+            <a:avLst/>
+          </a:prstGeom>
+        </p:spPr>
+        <p:style>
+          <a:lnRef idx="2">
+            <a:schemeClr val="accent1">
+              <a:shade val="50000"/>
+            </a:schemeClr>
+          </a:lnRef>
+          <a:fillRef idx="1">
+            <a:schemeClr val="accent1"/>
+          </a:fillRef>
+          <a:effectRef idx="0">
+            <a:schemeClr val="accent1"/>
+          </a:effectRef>
+          <a:fontRef idx="minor">
+            <a:schemeClr val="lt1"/>
+          </a:fontRef>
+        </p:style>
+        <p:txBody>
+          <a:bodyPr rtlCol="0" anchor="ctr" anchorCtr="0"/>
+          <a:p>
+            <a:pPr algn="ctr"/>
+            <a:r>
+              <a:rPr lang="en-US"/>
+              <a:t>Web</a:t>
+            </a:r>
+            <a:r>
+              <a:rPr lang="zh-CN" altLang="en-US"/>
+              <a:t>服务器</a:t>
+            </a:r>
+            <a:endParaRPr lang="zh-CN" altLang="en-US"/>
+          </a:p>
+          <a:p>
+            <a:pPr algn="ctr"/>
+            <a:r>
+              <a:rPr lang="en-US" altLang="zh-CN"/>
+              <a:t>Python Flask/Django</a:t>
+            </a:r>
+            <a:endParaRPr lang="en-US" altLang="zh-CN"/>
+          </a:p>
+        </p:txBody>
+      </p:sp>
+      <p:sp>
+        <p:nvSpPr>
+          <p:cNvPr id="5" name="圆角矩形 4"/>
+          <p:cNvSpPr/>
+          <p:nvPr/>
+        </p:nvSpPr>
+        <p:spPr>
+          <a:xfrm>
+            <a:off x="9313545" y="3122930"/>
+            <a:ext cx="1593215" cy="610870"/>
+          </a:xfrm>
+          <a:prstGeom prst="roundRect">
+            <a:avLst/>
+          </a:prstGeom>
+        </p:spPr>
+        <p:style>
+          <a:lnRef idx="2">
+            <a:schemeClr val="accent1">
+              <a:shade val="50000"/>
+            </a:schemeClr>
+          </a:lnRef>
+          <a:fillRef idx="1">
+            <a:schemeClr val="accent1"/>
+          </a:fillRef>
+          <a:effectRef idx="0">
+            <a:schemeClr val="accent1"/>
+          </a:effectRef>
+          <a:fontRef idx="minor">
+            <a:schemeClr val="lt1"/>
+          </a:fontRef>
+        </p:style>
+        <p:txBody>
+          <a:bodyPr rtlCol="0" anchor="ctr"/>
+          <a:p>
+            <a:pPr algn="ctr"/>
+            <a:r>
+              <a:rPr lang="zh-CN" altLang="en-US"/>
+              <a:t>数据库</a:t>
+            </a:r>
+            <a:endParaRPr lang="zh-CN" altLang="en-US"/>
+          </a:p>
+        </p:txBody>
+      </p:sp>
+      <p:sp>
+        <p:nvSpPr>
+          <p:cNvPr id="6" name="圆角矩形 5"/>
+          <p:cNvSpPr/>
+          <p:nvPr/>
+        </p:nvSpPr>
+        <p:spPr>
+          <a:xfrm>
+            <a:off x="9313545" y="4037330"/>
+            <a:ext cx="1593215" cy="610870"/>
+          </a:xfrm>
+          <a:prstGeom prst="roundRect">
+            <a:avLst/>
+          </a:prstGeom>
+        </p:spPr>
+        <p:style>
+          <a:lnRef idx="2">
+            <a:schemeClr val="accent1">
+              <a:shade val="50000"/>
+            </a:schemeClr>
+          </a:lnRef>
+          <a:fillRef idx="1">
+            <a:schemeClr val="accent1"/>
+          </a:fillRef>
+          <a:effectRef idx="0">
+            <a:schemeClr val="accent1"/>
+          </a:effectRef>
+          <a:fontRef idx="minor">
+            <a:schemeClr val="lt1"/>
+          </a:fontRef>
+        </p:style>
+        <p:txBody>
+          <a:bodyPr rtlCol="0" anchor="ctr"/>
+          <a:p>
+            <a:pPr algn="ctr"/>
+            <a:r>
+              <a:rPr lang="zh-CN" altLang="en-US"/>
+              <a:t>远程服务</a:t>
+            </a:r>
+            <a:r>
+              <a:rPr lang="en-US" altLang="zh-CN"/>
+              <a:t>API</a:t>
+            </a:r>
+            <a:endParaRPr lang="en-US" altLang="zh-CN"/>
+          </a:p>
+        </p:txBody>
+      </p:sp>
+      <p:sp>
+        <p:nvSpPr>
+          <p:cNvPr id="7" name="圆角矩形 6"/>
+          <p:cNvSpPr/>
+          <p:nvPr/>
+        </p:nvSpPr>
+        <p:spPr>
+          <a:xfrm>
+            <a:off x="9313545" y="2210435"/>
+            <a:ext cx="1593215" cy="610870"/>
+          </a:xfrm>
+          <a:prstGeom prst="roundRect">
+            <a:avLst/>
+          </a:prstGeom>
+        </p:spPr>
+        <p:style>
+          <a:lnRef idx="2">
+            <a:schemeClr val="accent1">
+              <a:shade val="50000"/>
+            </a:schemeClr>
+          </a:lnRef>
+          <a:fillRef idx="1">
+            <a:schemeClr val="accent1"/>
+          </a:fillRef>
+          <a:effectRef idx="0">
+            <a:schemeClr val="accent1"/>
+          </a:effectRef>
+          <a:fontRef idx="minor">
+            <a:schemeClr val="lt1"/>
+          </a:fontRef>
+        </p:style>
+        <p:txBody>
+          <a:bodyPr rtlCol="0" anchor="ctr"/>
+          <a:p>
+            <a:pPr algn="ctr"/>
+            <a:r>
+              <a:rPr lang="zh-CN" altLang="en-US"/>
+              <a:t>磁盘文件</a:t>
+            </a:r>
+            <a:endParaRPr lang="zh-CN" altLang="en-US"/>
+          </a:p>
+        </p:txBody>
+      </p:sp>
+      <p:cxnSp>
+        <p:nvCxnSpPr>
+          <p:cNvPr id="8" name="直接箭头连接符 7"/>
+          <p:cNvCxnSpPr/>
+          <p:nvPr/>
+        </p:nvCxnSpPr>
+        <p:spPr>
+          <a:xfrm>
+            <a:off x="4145915" y="3185160"/>
+            <a:ext cx="1301115" cy="0"/>
+          </a:xfrm>
+          <a:prstGeom prst="straightConnector1">
+            <a:avLst/>
+          </a:prstGeom>
+          <a:ln>
+            <a:tailEnd type="arrow"/>
+          </a:ln>
+        </p:spPr>
+        <p:style>
+          <a:lnRef idx="1">
+            <a:schemeClr val="accent1"/>
+          </a:lnRef>
+          <a:fillRef idx="0">
+            <a:schemeClr val="accent1"/>
+          </a:fillRef>
+          <a:effectRef idx="0">
+            <a:schemeClr val="accent1"/>
+          </a:effectRef>
+          <a:fontRef idx="minor">
+            <a:schemeClr val="tx1"/>
+          </a:fontRef>
+        </p:style>
+      </p:cxnSp>
+      <p:cxnSp>
+        <p:nvCxnSpPr>
+          <p:cNvPr id="9" name="直接箭头连接符 8"/>
+          <p:cNvCxnSpPr>
+            <a:stCxn id="4" idx="3"/>
+            <a:endCxn id="7" idx="1"/>
+          </p:cNvCxnSpPr>
+          <p:nvPr/>
+        </p:nvCxnSpPr>
+        <p:spPr>
+          <a:xfrm flipV="1">
+            <a:off x="8193405" y="2515870"/>
+            <a:ext cx="1120140" cy="913130"/>
+          </a:xfrm>
+          <a:prstGeom prst="straightConnector1">
+            <a:avLst/>
+          </a:prstGeom>
+          <a:ln>
+            <a:tailEnd type="arrow"/>
+          </a:ln>
+        </p:spPr>
+        <p:style>
+          <a:lnRef idx="1">
+            <a:schemeClr val="accent1"/>
+          </a:lnRef>
+          <a:fillRef idx="0">
+            <a:schemeClr val="accent1"/>
+          </a:fillRef>
+          <a:effectRef idx="0">
+            <a:schemeClr val="accent1"/>
+          </a:effectRef>
+          <a:fontRef idx="minor">
+            <a:schemeClr val="tx1"/>
+          </a:fontRef>
+        </p:style>
+      </p:cxnSp>
+      <p:cxnSp>
+        <p:nvCxnSpPr>
+          <p:cNvPr id="10" name="直接箭头连接符 9"/>
+          <p:cNvCxnSpPr>
+            <a:stCxn id="4" idx="3"/>
+            <a:endCxn id="5" idx="1"/>
+          </p:cNvCxnSpPr>
+          <p:nvPr/>
+        </p:nvCxnSpPr>
+        <p:spPr>
+          <a:xfrm flipV="1">
+            <a:off x="8193405" y="3428365"/>
+            <a:ext cx="1120140" cy="635"/>
+          </a:xfrm>
+          <a:prstGeom prst="straightConnector1">
+            <a:avLst/>
+          </a:prstGeom>
+          <a:ln>
+            <a:tailEnd type="arrow"/>
+          </a:ln>
+        </p:spPr>
+        <p:style>
+          <a:lnRef idx="1">
+            <a:schemeClr val="accent1"/>
+          </a:lnRef>
+          <a:fillRef idx="0">
+            <a:schemeClr val="accent1"/>
+          </a:fillRef>
+          <a:effectRef idx="0">
+            <a:schemeClr val="accent1"/>
+          </a:effectRef>
+          <a:fontRef idx="minor">
+            <a:schemeClr val="tx1"/>
+          </a:fontRef>
+        </p:style>
+      </p:cxnSp>
+      <p:cxnSp>
+        <p:nvCxnSpPr>
+          <p:cNvPr id="11" name="直接箭头连接符 10"/>
+          <p:cNvCxnSpPr>
+            <a:stCxn id="4" idx="3"/>
+            <a:endCxn id="6" idx="1"/>
+          </p:cNvCxnSpPr>
+          <p:nvPr/>
+        </p:nvCxnSpPr>
+        <p:spPr>
+          <a:xfrm>
+            <a:off x="8193405" y="3429000"/>
+            <a:ext cx="1120140" cy="913765"/>
+          </a:xfrm>
+          <a:prstGeom prst="straightConnector1">
+            <a:avLst/>
+          </a:prstGeom>
+          <a:ln>
+            <a:tailEnd type="arrow"/>
+          </a:ln>
+        </p:spPr>
+        <p:style>
+          <a:lnRef idx="1">
+            <a:schemeClr val="accent1"/>
+          </a:lnRef>
+          <a:fillRef idx="0">
+            <a:schemeClr val="accent1"/>
+          </a:fillRef>
+          <a:effectRef idx="0">
+            <a:schemeClr val="accent1"/>
+          </a:effectRef>
+          <a:fontRef idx="minor">
+            <a:schemeClr val="tx1"/>
+          </a:fontRef>
+        </p:style>
+      </p:cxnSp>
+      <p:cxnSp>
+        <p:nvCxnSpPr>
+          <p:cNvPr id="12" name="直接箭头连接符 11"/>
+          <p:cNvCxnSpPr/>
+          <p:nvPr/>
+        </p:nvCxnSpPr>
+        <p:spPr>
+          <a:xfrm flipH="1">
+            <a:off x="4145915" y="3636645"/>
+            <a:ext cx="1301115" cy="0"/>
+          </a:xfrm>
+          <a:prstGeom prst="straightConnector1">
+            <a:avLst/>
+          </a:prstGeom>
+          <a:ln>
+            <a:tailEnd type="arrow"/>
+          </a:ln>
+        </p:spPr>
+        <p:style>
+          <a:lnRef idx="1">
+            <a:schemeClr val="accent1"/>
+          </a:lnRef>
+          <a:fillRef idx="0">
+            <a:schemeClr val="accent1"/>
+          </a:fillRef>
+          <a:effectRef idx="0">
+            <a:schemeClr val="accent1"/>
+          </a:effectRef>
+          <a:fontRef idx="minor">
+            <a:schemeClr val="tx1"/>
+          </a:fontRef>
+        </p:style>
+      </p:cxnSp>
+      <p:sp>
+        <p:nvSpPr>
+          <p:cNvPr id="14" name="文本框 13"/>
+          <p:cNvSpPr txBox="1"/>
+          <p:nvPr/>
+        </p:nvSpPr>
+        <p:spPr>
+          <a:xfrm>
+            <a:off x="4632325" y="2706370"/>
+            <a:ext cx="328295" cy="368300"/>
+          </a:xfrm>
+          <a:prstGeom prst="rect">
+            <a:avLst/>
+          </a:prstGeom>
+          <a:solidFill>
+            <a:schemeClr val="accent2"/>
+          </a:solidFill>
+        </p:spPr>
+        <p:txBody>
+          <a:bodyPr wrap="none" rtlCol="0">
+            <a:spAutoFit/>
+          </a:bodyPr>
+          <a:p>
+            <a:r>
+              <a:rPr lang="en-US" altLang="zh-CN"/>
+              <a:t>1</a:t>
+            </a:r>
+            <a:endParaRPr lang="en-US" altLang="zh-CN"/>
+          </a:p>
+        </p:txBody>
+      </p:sp>
+      <p:sp>
+        <p:nvSpPr>
+          <p:cNvPr id="15" name="文本框 14"/>
+          <p:cNvSpPr txBox="1"/>
+          <p:nvPr/>
+        </p:nvSpPr>
+        <p:spPr>
+          <a:xfrm>
+            <a:off x="8422640" y="2706370"/>
+            <a:ext cx="556895" cy="368300"/>
+          </a:xfrm>
+          <a:prstGeom prst="rect">
+            <a:avLst/>
+          </a:prstGeom>
+          <a:solidFill>
+            <a:schemeClr val="accent2"/>
+          </a:solidFill>
+        </p:spPr>
+        <p:txBody>
+          <a:bodyPr wrap="none" rtlCol="0">
+            <a:spAutoFit/>
+          </a:bodyPr>
+          <a:p>
+            <a:r>
+              <a:rPr lang="en-US" altLang="zh-CN"/>
+              <a:t>2.1</a:t>
+            </a:r>
+            <a:endParaRPr lang="en-US" altLang="zh-CN"/>
+          </a:p>
+        </p:txBody>
+      </p:sp>
+      <p:sp>
+        <p:nvSpPr>
+          <p:cNvPr id="16" name="文本框 15"/>
+          <p:cNvSpPr txBox="1"/>
+          <p:nvPr/>
+        </p:nvSpPr>
+        <p:spPr>
+          <a:xfrm>
+            <a:off x="8422640" y="3185160"/>
+            <a:ext cx="556895" cy="368300"/>
+          </a:xfrm>
+          <a:prstGeom prst="rect">
+            <a:avLst/>
+          </a:prstGeom>
+          <a:solidFill>
+            <a:schemeClr val="accent2"/>
+          </a:solidFill>
+        </p:spPr>
+        <p:txBody>
+          <a:bodyPr wrap="none" rtlCol="0">
+            <a:spAutoFit/>
+          </a:bodyPr>
+          <a:p>
+            <a:r>
+              <a:rPr lang="en-US" altLang="zh-CN"/>
+              <a:t>2.2</a:t>
+            </a:r>
+            <a:endParaRPr lang="en-US" altLang="zh-CN"/>
+          </a:p>
+        </p:txBody>
+      </p:sp>
+      <p:sp>
+        <p:nvSpPr>
+          <p:cNvPr id="17" name="文本框 16"/>
+          <p:cNvSpPr txBox="1"/>
+          <p:nvPr/>
+        </p:nvSpPr>
+        <p:spPr>
+          <a:xfrm>
+            <a:off x="8422640" y="3669030"/>
+            <a:ext cx="556895" cy="368300"/>
+          </a:xfrm>
+          <a:prstGeom prst="rect">
+            <a:avLst/>
+          </a:prstGeom>
+          <a:solidFill>
+            <a:schemeClr val="accent2"/>
+          </a:solidFill>
+        </p:spPr>
+        <p:txBody>
+          <a:bodyPr wrap="none" rtlCol="0">
+            <a:spAutoFit/>
+          </a:bodyPr>
+          <a:p>
+            <a:r>
+              <a:rPr lang="en-US" altLang="zh-CN"/>
+              <a:t>2.3</a:t>
+            </a:r>
+            <a:endParaRPr lang="en-US" altLang="zh-CN"/>
+          </a:p>
+        </p:txBody>
+      </p:sp>
+      <p:sp>
+        <p:nvSpPr>
+          <p:cNvPr id="18" name="文本框 17"/>
+          <p:cNvSpPr txBox="1"/>
+          <p:nvPr/>
+        </p:nvSpPr>
+        <p:spPr>
+          <a:xfrm>
+            <a:off x="4632325" y="3553460"/>
+            <a:ext cx="328295" cy="368300"/>
+          </a:xfrm>
+          <a:prstGeom prst="rect">
+            <a:avLst/>
+          </a:prstGeom>
+          <a:solidFill>
+            <a:schemeClr val="accent2"/>
+          </a:solidFill>
+        </p:spPr>
+        <p:txBody>
+          <a:bodyPr wrap="none" rtlCol="0">
+            <a:spAutoFit/>
+          </a:bodyPr>
+          <a:p>
+            <a:r>
+              <a:rPr lang="en-US" altLang="zh-CN"/>
+              <a:t>3</a:t>
+            </a:r>
+            <a:endParaRPr lang="en-US" altLang="zh-CN"/>
+          </a:p>
+        </p:txBody>
+      </p:sp>
+      <p:sp>
+        <p:nvSpPr>
+          <p:cNvPr id="20" name="文本框 19"/>
+          <p:cNvSpPr txBox="1"/>
+          <p:nvPr/>
+        </p:nvSpPr>
+        <p:spPr>
+          <a:xfrm>
+            <a:off x="2146300" y="4812665"/>
+            <a:ext cx="7900035" cy="1476375"/>
+          </a:xfrm>
+          <a:prstGeom prst="rect">
+            <a:avLst/>
+          </a:prstGeom>
+          <a:noFill/>
+          <a:extLst>
+            <a:ext uri="{909E8E84-426E-40DD-AFC4-6F175D3DCCD1}">
+              <a14:hiddenFill xmlns:a14="http://schemas.microsoft.com/office/drawing/2010/main">
+                <a:solidFill>
+                  <a:schemeClr val="bg1">
+                    <a:lumMod val="85000"/>
+                  </a:schemeClr>
+                </a:solidFill>
+              </a14:hiddenFill>
+            </a:ext>
+          </a:extLst>
+        </p:spPr>
+        <p:txBody>
+          <a:bodyPr wrap="none" rtlCol="0">
+            <a:spAutoFit/>
+          </a:bodyPr>
+          <a:p>
+            <a:r>
+              <a:rPr lang="en-US" altLang="zh-CN"/>
+              <a:t>Web</a:t>
+            </a:r>
+            <a:r>
+              <a:rPr lang="zh-CN" altLang="en-US"/>
+              <a:t>后台服务的特点：</a:t>
+            </a:r>
+            <a:endParaRPr lang="en-US" altLang="zh-CN"/>
+          </a:p>
+          <a:p>
+            <a:endParaRPr lang="en-US" altLang="zh-CN"/>
+          </a:p>
+          <a:p>
+            <a:r>
+              <a:rPr lang="en-US" altLang="zh-CN"/>
+              <a:t>1</a:t>
+            </a:r>
+            <a:r>
+              <a:rPr lang="zh-CN" altLang="en-US"/>
+              <a:t>、</a:t>
+            </a:r>
+            <a:r>
+              <a:rPr lang="en-US" altLang="zh-CN"/>
+              <a:t>Web</a:t>
+            </a:r>
+            <a:r>
+              <a:rPr lang="zh-CN" altLang="en-US"/>
+              <a:t>服务对响应时间要求非常高，比如要求</a:t>
+            </a:r>
+            <a:r>
+              <a:rPr lang="en-US" altLang="zh-CN"/>
+              <a:t>200MS</a:t>
+            </a:r>
+            <a:r>
+              <a:rPr lang="zh-CN" altLang="en-US"/>
+              <a:t>返回</a:t>
+            </a:r>
+            <a:endParaRPr lang="zh-CN" altLang="en-US"/>
+          </a:p>
+          <a:p>
+            <a:r>
+              <a:rPr lang="en-US" altLang="zh-CN"/>
+              <a:t>2</a:t>
+            </a:r>
+            <a:r>
+              <a:rPr lang="zh-CN" altLang="en-US"/>
+              <a:t>、</a:t>
+            </a:r>
+            <a:r>
+              <a:rPr lang="en-US" altLang="zh-CN"/>
+              <a:t>Web</a:t>
+            </a:r>
+            <a:r>
+              <a:rPr lang="zh-CN" altLang="en-US"/>
+              <a:t>服务有大量的依赖</a:t>
+            </a:r>
+            <a:r>
+              <a:rPr lang="en-US" altLang="zh-CN"/>
+              <a:t>IO</a:t>
+            </a:r>
+            <a:r>
+              <a:rPr lang="zh-CN" altLang="en-US"/>
+              <a:t>操作的调用，比如磁盘文件、数据库、远程</a:t>
+            </a:r>
+            <a:r>
+              <a:rPr lang="en-US" altLang="zh-CN"/>
+              <a:t>API</a:t>
+            </a:r>
+            <a:endParaRPr lang="en-US" altLang="zh-CN"/>
+          </a:p>
+          <a:p>
+            <a:r>
+              <a:rPr lang="en-US" altLang="zh-CN"/>
+              <a:t>3</a:t>
+            </a:r>
+            <a:r>
+              <a:rPr lang="zh-CN" altLang="en-US"/>
+              <a:t>、</a:t>
+            </a:r>
+            <a:r>
+              <a:rPr lang="en-US" altLang="zh-CN"/>
+              <a:t>Web</a:t>
+            </a:r>
+            <a:r>
+              <a:rPr lang="zh-CN" altLang="en-US"/>
+              <a:t>服务经常需要处理几万人、几百万人的同时请求</a:t>
+            </a:r>
+            <a:endParaRPr lang="zh-CN" altLang="en-US"/>
+          </a:p>
+        </p:txBody>
+      </p:sp>
+    </p:spTree>
+  </p:cSld>
+  <p:clrMapOvr>
+    <a:masterClrMapping/>
+  </p:clrMapOvr>
+  <p:timing>
+    <p:tnLst>
+      <p:par>
+        <p:cTn id="1" dur="indefinite" restart="never" nodeType="tmRoot">
+          <p:childTnLst>
+            <p:seq concurrent="1" nextAc="seek">
+              <p:cTn id="2" dur="indefinite" nodeType="mainSeq">
+                <p:childTnLst>
+                  <p:par>
+                    <p:cTn id="3" fill="hold">
+                      <p:stCondLst>
+                        <p:cond delay="indefinite"/>
+                      </p:stCondLst>
+                      <p:childTnLst>
+                        <p:par>
+                          <p:cTn id="4" fill="hold">
+                            <p:stCondLst>
+                              <p:cond delay="0"/>
+                            </p:stCondLst>
+                            <p:childTnLst>
+                              <p:par>
+                                <p:cTn id="5" presetID="1" presetClass="entr" presetSubtype="0" fill="hold" grpId="0" nodeType="clickEffect">
+                                  <p:stCondLst>
+                                    <p:cond delay="0"/>
+                                  </p:stCondLst>
+                                  <p:childTnLst>
+                                    <p:set>
+                                      <p:cBhvr>
+                                        <p:cTn id="6" dur="1" fill="hold">
+                                          <p:stCondLst>
+                                            <p:cond delay="0"/>
+                                          </p:stCondLst>
+                                        </p:cTn>
+                                        <p:tgtEl>
+                                          <p:spTgt spid="21"/>
+                                        </p:tgtEl>
+                                        <p:attrNameLst>
+                                          <p:attrName>style.visibility</p:attrName>
+                                        </p:attrNameLst>
+                                      </p:cBhvr>
+                                      <p:to>
+                                        <p:strVal val="visible"/>
+                                      </p:to>
+                                    </p:set>
+                                  </p:childTnLst>
+                                </p:cTn>
+                              </p:par>
+                              <p:par>
+                                <p:cTn id="7" presetID="22" presetClass="entr" presetSubtype="4" fill="hold" nodeType="withEffect">
+                                  <p:stCondLst>
+                                    <p:cond delay="0"/>
+                                  </p:stCondLst>
+                                  <p:childTnLst>
+                                    <p:set>
+                                      <p:cBhvr>
+                                        <p:cTn id="8" dur="1" fill="hold">
+                                          <p:stCondLst>
+                                            <p:cond delay="0"/>
+                                          </p:stCondLst>
+                                        </p:cTn>
+                                        <p:tgtEl>
+                                          <p:spTgt spid="20">
+                                            <p:txEl>
+                                              <p:pRg st="0" end="0"/>
+                                            </p:txEl>
+                                          </p:spTgt>
+                                        </p:tgtEl>
+                                        <p:attrNameLst>
+                                          <p:attrName>style.visibility</p:attrName>
+                                        </p:attrNameLst>
+                                      </p:cBhvr>
+                                      <p:to>
+                                        <p:strVal val="visible"/>
+                                      </p:to>
+                                    </p:set>
+                                    <p:animEffect transition="in" filter="wipe(down)">
+                                      <p:cBhvr>
+                                        <p:cTn id="9" dur="500"/>
+                                        <p:tgtEl>
+                                          <p:spTgt spid="20">
+                                            <p:txEl>
+                                              <p:pRg st="0" end="0"/>
+                                            </p:txEl>
+                                          </p:spTgt>
+                                        </p:tgtEl>
+                                      </p:cBhvr>
+                                    </p:animEffect>
+                                  </p:childTnLst>
+                                </p:cTn>
+                              </p:par>
+                            </p:childTnLst>
+                          </p:cTn>
+                        </p:par>
+                      </p:childTnLst>
+                    </p:cTn>
+                  </p:par>
+                  <p:par>
+                    <p:cTn id="10" fill="hold">
+                      <p:stCondLst>
+                        <p:cond delay="indefinite"/>
+                      </p:stCondLst>
+                      <p:childTnLst>
+                        <p:par>
+                          <p:cTn id="11" fill="hold">
+                            <p:stCondLst>
+                              <p:cond delay="0"/>
+                            </p:stCondLst>
+                            <p:childTnLst>
+                              <p:par>
+                                <p:cTn id="12" presetID="22" presetClass="entr" presetSubtype="4" fill="hold" nodeType="clickEffect">
+                                  <p:stCondLst>
+                                    <p:cond delay="0"/>
+                                  </p:stCondLst>
+                                  <p:childTnLst>
+                                    <p:set>
+                                      <p:cBhvr>
+                                        <p:cTn id="13" dur="1" fill="hold">
+                                          <p:stCondLst>
+                                            <p:cond delay="0"/>
+                                          </p:stCondLst>
+                                        </p:cTn>
+                                        <p:tgtEl>
+                                          <p:spTgt spid="20">
+                                            <p:txEl>
+                                              <p:pRg st="2" end="2"/>
+                                            </p:txEl>
+                                          </p:spTgt>
+                                        </p:tgtEl>
+                                        <p:attrNameLst>
+                                          <p:attrName>style.visibility</p:attrName>
+                                        </p:attrNameLst>
+                                      </p:cBhvr>
+                                      <p:to>
+                                        <p:strVal val="visible"/>
+                                      </p:to>
+                                    </p:set>
+                                    <p:animEffect transition="in" filter="wipe(down)">
+                                      <p:cBhvr>
+                                        <p:cTn id="14" dur="500"/>
+                                        <p:tgtEl>
+                                          <p:spTgt spid="20">
+                                            <p:txEl>
+                                              <p:pRg st="2" end="2"/>
+                                            </p:txEl>
+                                          </p:spTgt>
+                                        </p:tgtEl>
+                                      </p:cBhvr>
+                                    </p:animEffect>
+                                  </p:childTnLst>
+                                </p:cTn>
+                              </p:par>
+                            </p:childTnLst>
+                          </p:cTn>
+                        </p:par>
+                      </p:childTnLst>
+                    </p:cTn>
+                  </p:par>
+                  <p:par>
+                    <p:cTn id="15" fill="hold">
+                      <p:stCondLst>
+                        <p:cond delay="indefinite"/>
+                      </p:stCondLst>
+                      <p:childTnLst>
+                        <p:par>
+                          <p:cTn id="16" fill="hold">
+                            <p:stCondLst>
+                              <p:cond delay="0"/>
+                            </p:stCondLst>
+                            <p:childTnLst>
+                              <p:par>
+                                <p:cTn id="17" presetID="22" presetClass="entr" presetSubtype="4" fill="hold" nodeType="clickEffect">
+                                  <p:stCondLst>
+                                    <p:cond delay="0"/>
+                                  </p:stCondLst>
+                                  <p:childTnLst>
+                                    <p:set>
+                                      <p:cBhvr>
+                                        <p:cTn id="18" dur="1" fill="hold">
+                                          <p:stCondLst>
+                                            <p:cond delay="0"/>
+                                          </p:stCondLst>
+                                        </p:cTn>
+                                        <p:tgtEl>
+                                          <p:spTgt spid="20">
+                                            <p:txEl>
+                                              <p:pRg st="3" end="3"/>
+                                            </p:txEl>
+                                          </p:spTgt>
+                                        </p:tgtEl>
+                                        <p:attrNameLst>
+                                          <p:attrName>style.visibility</p:attrName>
+                                        </p:attrNameLst>
+                                      </p:cBhvr>
+                                      <p:to>
+                                        <p:strVal val="visible"/>
+                                      </p:to>
+                                    </p:set>
+                                    <p:animEffect transition="in" filter="wipe(down)">
+                                      <p:cBhvr>
+                                        <p:cTn id="19" dur="500"/>
+                                        <p:tgtEl>
+                                          <p:spTgt spid="20">
+                                            <p:txEl>
+                                              <p:pRg st="3" end="3"/>
+                                            </p:txEl>
+                                          </p:spTgt>
+                                        </p:tgtEl>
+                                      </p:cBhvr>
+                                    </p:animEffect>
+                                  </p:childTnLst>
+                                </p:cTn>
+                              </p:par>
+                            </p:childTnLst>
+                          </p:cTn>
+                        </p:par>
+                      </p:childTnLst>
+                    </p:cTn>
+                  </p:par>
+                  <p:par>
+                    <p:cTn id="20" fill="hold">
+                      <p:stCondLst>
+                        <p:cond delay="indefinite"/>
+                      </p:stCondLst>
+                      <p:childTnLst>
+                        <p:par>
+                          <p:cTn id="21" fill="hold">
+                            <p:stCondLst>
+                              <p:cond delay="0"/>
+                            </p:stCondLst>
+                            <p:childTnLst>
+                              <p:par>
+                                <p:cTn id="22" presetID="22" presetClass="entr" presetSubtype="4" fill="hold" nodeType="clickEffect">
+                                  <p:stCondLst>
+                                    <p:cond delay="0"/>
+                                  </p:stCondLst>
+                                  <p:childTnLst>
+                                    <p:set>
+                                      <p:cBhvr>
+                                        <p:cTn id="23" dur="1" fill="hold">
+                                          <p:stCondLst>
+                                            <p:cond delay="0"/>
+                                          </p:stCondLst>
+                                        </p:cTn>
+                                        <p:tgtEl>
+                                          <p:spTgt spid="20">
+                                            <p:txEl>
+                                              <p:pRg st="4" end="4"/>
+                                            </p:txEl>
+                                          </p:spTgt>
+                                        </p:tgtEl>
+                                        <p:attrNameLst>
+                                          <p:attrName>style.visibility</p:attrName>
+                                        </p:attrNameLst>
+                                      </p:cBhvr>
+                                      <p:to>
+                                        <p:strVal val="visible"/>
+                                      </p:to>
+                                    </p:set>
+                                    <p:animEffect transition="in" filter="wipe(down)">
+                                      <p:cBhvr>
+                                        <p:cTn id="24" dur="500"/>
+                                        <p:tgtEl>
+                                          <p:spTgt spid="20">
+                                            <p:txEl>
+                                              <p:pRg st="4" end="4"/>
+                                            </p:txEl>
+                                          </p:spTgt>
+                                        </p:tgtEl>
+                                      </p:cBhvr>
+                                    </p:animEffect>
+                                  </p:childTnLst>
+                                </p:cTn>
+                              </p:par>
+                            </p:childTnLst>
+                          </p:cTn>
+                        </p:par>
+                      </p:childTnLst>
+                    </p:cTn>
+                  </p:par>
+                </p:childTnLst>
+              </p:cTn>
+              <p:prevCondLst>
+                <p:cond evt="onPrev" delay="0">
+                  <p:tgtEl>
+                    <p:sldTgt/>
+                  </p:tgtEl>
+                </p:cond>
+              </p:prevCondLst>
+              <p:nextCondLst>
+                <p:cond evt="onNext" delay="0">
+                  <p:tgtEl>
+                    <p:sldTgt/>
+                  </p:tgtEl>
+                </p:cond>
+              </p:nextCondLst>
+            </p:seq>
+          </p:childTnLst>
+        </p:cTn>
+      </p:par>
+    </p:tnLst>
+    <p:bldLst>
+      <p:bldP spid="21" grpId="0" bldLvl="0" animBg="1"/>
+    </p:bldLst>
+  </p:timing>
+</p:sld>
+</file>
+
+<file path=ppt/slides/slide39.xml><?xml version="1.0" encoding="utf-8"?>
+<p:sld xmlns:a="http://schemas.openxmlformats.org/drawingml/2006/main" xmlns:r="http://schemas.openxmlformats.org/officeDocument/2006/relationships" xmlns:p="http://schemas.openxmlformats.org/presentationml/2006/main">
+  <p:cSld>
+    <p:spTree>
+      <p:nvGrpSpPr>
+        <p:cNvPr id="1" name=""/>
+        <p:cNvGrpSpPr/>
+        <p:nvPr/>
+      </p:nvGrpSpPr>
+      <p:grpSpPr/>
+      <p:sp>
+        <p:nvSpPr>
+          <p:cNvPr id="13" name="文本框 12"/>
+          <p:cNvSpPr txBox="1"/>
+          <p:nvPr/>
+        </p:nvSpPr>
+        <p:spPr>
+          <a:xfrm>
+            <a:off x="575945" y="551180"/>
+            <a:ext cx="11318240" cy="1198880"/>
+          </a:xfrm>
+          <a:prstGeom prst="rect">
+            <a:avLst/>
+          </a:prstGeom>
+          <a:noFill/>
+        </p:spPr>
+        <p:txBody>
+          <a:bodyPr wrap="none" rtlCol="0">
+            <a:spAutoFit/>
+          </a:bodyPr>
+          <a:p>
+            <a:pPr indent="0" algn="l">
+              <a:lnSpc>
+                <a:spcPct val="150000"/>
+              </a:lnSpc>
+              <a:buFont typeface="Arial" panose="020B0604020202090204" pitchFamily="34" charset="0"/>
+              <a:buNone/>
+            </a:pPr>
+            <a:r>
+              <a:rPr lang="zh-CN" altLang="en-US" sz="4800" b="1">
+                <a:solidFill>
+                  <a:schemeClr val="accent1"/>
+                </a:solidFill>
+                <a:latin typeface="微软雅黑" charset="0"/>
+                <a:ea typeface="微软雅黑" charset="0"/>
+                <a:cs typeface="微软雅黑" charset="0"/>
+              </a:rPr>
+              <a:t>2、使用线程池ThreadPoolExecutor加速</a:t>
+            </a:r>
+            <a:endParaRPr lang="zh-CN" altLang="en-US" sz="4800" b="1">
+              <a:solidFill>
+                <a:schemeClr val="accent1"/>
+              </a:solidFill>
+              <a:latin typeface="微软雅黑" charset="0"/>
+              <a:ea typeface="微软雅黑" charset="0"/>
+              <a:cs typeface="微软雅黑" charset="0"/>
+            </a:endParaRPr>
+          </a:p>
+        </p:txBody>
+      </p:sp>
+      <p:sp>
+        <p:nvSpPr>
+          <p:cNvPr id="3" name="文本框 2"/>
+          <p:cNvSpPr txBox="1"/>
+          <p:nvPr/>
+        </p:nvSpPr>
+        <p:spPr>
+          <a:xfrm>
+            <a:off x="2285365" y="2548255"/>
+            <a:ext cx="7899400" cy="2168525"/>
+          </a:xfrm>
+          <a:prstGeom prst="rect">
+            <a:avLst/>
+          </a:prstGeom>
+          <a:solidFill>
+            <a:schemeClr val="bg1">
+              <a:lumMod val="85000"/>
+            </a:schemeClr>
+          </a:solidFill>
+        </p:spPr>
+        <p:txBody>
+          <a:bodyPr wrap="square" rtlCol="0">
+            <a:spAutoFit/>
+          </a:bodyPr>
+          <a:p>
+            <a:pPr algn="l">
+              <a:lnSpc>
+                <a:spcPct val="250000"/>
+              </a:lnSpc>
+            </a:pPr>
+            <a:r>
+              <a:rPr lang="zh-CN" altLang="en-US"/>
+              <a:t>使用线程池ThreadPoolExecutor的好处：</a:t>
+            </a:r>
+            <a:endParaRPr lang="zh-CN" altLang="en-US"/>
+          </a:p>
+          <a:p>
+            <a:pPr algn="l">
+              <a:lnSpc>
+                <a:spcPct val="250000"/>
+              </a:lnSpc>
+            </a:pPr>
+            <a:r>
+              <a:rPr lang="en-US" altLang="zh-CN"/>
+              <a:t>1</a:t>
+            </a:r>
+            <a:r>
+              <a:rPr lang="zh-CN" altLang="en-US"/>
+              <a:t>、方便的将磁盘文件、数据库、远程</a:t>
+            </a:r>
+            <a:r>
+              <a:rPr lang="en-US" altLang="zh-CN"/>
+              <a:t>API</a:t>
+            </a:r>
+            <a:r>
+              <a:rPr lang="zh-CN" altLang="en-US"/>
+              <a:t>的</a:t>
+            </a:r>
+            <a:r>
+              <a:rPr lang="en-US" altLang="zh-CN"/>
+              <a:t>IO</a:t>
+            </a:r>
+            <a:r>
+              <a:rPr lang="zh-CN" altLang="en-US"/>
+              <a:t>调用并发执行</a:t>
+            </a:r>
+            <a:endParaRPr lang="zh-CN" altLang="en-US"/>
+          </a:p>
+          <a:p>
+            <a:pPr algn="l">
+              <a:lnSpc>
+                <a:spcPct val="250000"/>
+              </a:lnSpc>
+            </a:pPr>
+            <a:r>
+              <a:rPr lang="en-US" altLang="zh-CN"/>
+              <a:t>2</a:t>
+            </a:r>
+            <a:r>
+              <a:rPr lang="zh-CN" altLang="en-US"/>
+              <a:t>、线程池的线程数目不会无限创建（导致系统挂掉），具有防御功能</a:t>
+            </a:r>
+            <a:endParaRPr lang="zh-CN" altLang="en-US"/>
+          </a:p>
+        </p:txBody>
+      </p:sp>
+    </p:spTree>
+  </p:cSld>
+  <p:clrMapOvr>
+    <a:masterClrMapping/>
+  </p:clrMapOvr>
+  <p:timing>
+    <p:tnLst>
+      <p:par>
+        <p:cTn id="1" dur="indefinite" restart="never" nodeType="tmRoot"/>
+      </p:par>
+    </p:tnLst>
+  </p:timing>
+</p:sld>
+</file>
+
 <file path=ppt/slides/slide4.xml><?xml version="1.0" encoding="utf-8"?>
 <p:sld xmlns:a="http://schemas.openxmlformats.org/drawingml/2006/main" xmlns:r="http://schemas.openxmlformats.org/officeDocument/2006/relationships" xmlns:p="http://schemas.openxmlformats.org/presentationml/2006/main">
   <p:cSld>
@@ -23807,6 +26503,2316 @@
       <p:bldP spid="48" grpId="0" animBg="1"/>
       <p:bldP spid="49" grpId="0" animBg="1"/>
     </p:bldLst>
+  </p:timing>
+</p:sld>
+</file>
+
+<file path=ppt/slides/slide40.xml><?xml version="1.0" encoding="utf-8"?>
+<p:sld xmlns:a="http://schemas.openxmlformats.org/drawingml/2006/main" xmlns:r="http://schemas.openxmlformats.org/officeDocument/2006/relationships" xmlns:p="http://schemas.openxmlformats.org/presentationml/2006/main">
+  <p:cSld>
+    <p:bg>
+      <p:bgPr>
+        <a:gradFill>
+          <a:gsLst>
+            <a:gs pos="0">
+              <a:srgbClr val="012D86"/>
+            </a:gs>
+            <a:gs pos="100000">
+              <a:srgbClr val="0E2557"/>
+            </a:gs>
+          </a:gsLst>
+          <a:lin ang="5400000" scaled="0"/>
+        </a:gradFill>
+        <a:effectLst/>
+      </p:bgPr>
+    </p:bg>
+    <p:spTree>
+      <p:nvGrpSpPr>
+        <p:cNvPr id="1" name=""/>
+        <p:cNvGrpSpPr/>
+        <p:nvPr/>
+      </p:nvGrpSpPr>
+      <p:grpSpPr/>
+      <p:sp>
+        <p:nvSpPr>
+          <p:cNvPr id="2" name="标题 1"/>
+          <p:cNvSpPr>
+            <a:spLocks noGrp="1"/>
+          </p:cNvSpPr>
+          <p:nvPr>
+            <p:ph type="ctrTitle"/>
+          </p:nvPr>
+        </p:nvSpPr>
+        <p:spPr>
+          <a:xfrm>
+            <a:off x="4946015" y="2880995"/>
+            <a:ext cx="5996940" cy="2199640"/>
+          </a:xfrm>
+        </p:spPr>
+        <p:style>
+          <a:lnRef idx="2">
+            <a:schemeClr val="accent6">
+              <a:shade val="50000"/>
+            </a:schemeClr>
+          </a:lnRef>
+          <a:fillRef idx="1">
+            <a:schemeClr val="accent6"/>
+          </a:fillRef>
+          <a:effectRef idx="0">
+            <a:schemeClr val="accent6"/>
+          </a:effectRef>
+          <a:fontRef idx="minor">
+            <a:schemeClr val="lt1"/>
+          </a:fontRef>
+        </p:style>
+        <p:txBody>
+          <a:bodyPr anchor="ctr" anchorCtr="0">
+            <a:noAutofit/>
+          </a:bodyPr>
+          <a:p>
+            <a:pPr algn="l">
+              <a:lnSpc>
+                <a:spcPct val="130000"/>
+              </a:lnSpc>
+              <a:spcBef>
+                <a:spcPts val="0"/>
+              </a:spcBef>
+              <a:spcAft>
+                <a:spcPts val="0"/>
+              </a:spcAft>
+            </a:pPr>
+            <a:r>
+              <a:rPr sz="4000" b="1">
+                <a:solidFill>
+                  <a:schemeClr val="bg1"/>
+                </a:solidFill>
+                <a:latin typeface="微软雅黑" charset="0"/>
+                <a:ea typeface="微软雅黑" charset="0"/>
+                <a:cs typeface="微软雅黑" charset="0"/>
+              </a:rPr>
+              <a:t>使用多进程multiprocessing</a:t>
+            </a:r>
+            <a:br>
+              <a:rPr sz="4000" b="1">
+                <a:solidFill>
+                  <a:schemeClr val="bg1"/>
+                </a:solidFill>
+                <a:latin typeface="微软雅黑" charset="0"/>
+                <a:ea typeface="微软雅黑" charset="0"/>
+                <a:cs typeface="微软雅黑" charset="0"/>
+              </a:rPr>
+            </a:br>
+            <a:r>
+              <a:rPr sz="4000" b="1">
+                <a:solidFill>
+                  <a:schemeClr val="bg1"/>
+                </a:solidFill>
+                <a:latin typeface="微软雅黑" charset="0"/>
+                <a:ea typeface="微软雅黑" charset="0"/>
+                <a:cs typeface="微软雅黑" charset="0"/>
+              </a:rPr>
+              <a:t>加速程序的运行</a:t>
+            </a:r>
+            <a:endParaRPr sz="4000" b="1">
+              <a:solidFill>
+                <a:schemeClr val="bg1"/>
+              </a:solidFill>
+              <a:latin typeface="微软雅黑" charset="0"/>
+              <a:ea typeface="微软雅黑" charset="0"/>
+              <a:cs typeface="微软雅黑" charset="0"/>
+            </a:endParaRPr>
+          </a:p>
+        </p:txBody>
+      </p:sp>
+      <p:pic>
+        <p:nvPicPr>
+          <p:cNvPr id="5" name="图片 4" descr="kisspng-angle-text-symbol-brand-other-python-5ab0c09b9ea1a7.3286927515215330836498 (1)"/>
+          <p:cNvPicPr>
+            <a:picLocks noChangeAspect="1"/>
+          </p:cNvPicPr>
+          <p:nvPr/>
+        </p:nvPicPr>
+        <p:blipFill>
+          <a:blip r:embed="rId1"/>
+          <a:stretch>
+            <a:fillRect/>
+          </a:stretch>
+        </p:blipFill>
+        <p:spPr>
+          <a:xfrm>
+            <a:off x="288290" y="986790"/>
+            <a:ext cx="4884420" cy="4884420"/>
+          </a:xfrm>
+          <a:prstGeom prst="rect">
+            <a:avLst/>
+          </a:prstGeom>
+        </p:spPr>
+      </p:pic>
+      <p:sp>
+        <p:nvSpPr>
+          <p:cNvPr id="3" name="文本框 2"/>
+          <p:cNvSpPr txBox="1"/>
+          <p:nvPr/>
+        </p:nvSpPr>
+        <p:spPr>
+          <a:xfrm>
+            <a:off x="4831080" y="1866265"/>
+            <a:ext cx="6005195" cy="1014730"/>
+          </a:xfrm>
+          <a:prstGeom prst="rect">
+            <a:avLst/>
+          </a:prstGeom>
+          <a:noFill/>
+        </p:spPr>
+        <p:txBody>
+          <a:bodyPr wrap="none" rtlCol="0" anchor="t">
+            <a:spAutoFit/>
+          </a:bodyPr>
+          <a:p>
+            <a:r>
+              <a:rPr lang="en-US" sz="6000" b="1">
+                <a:solidFill>
+                  <a:schemeClr val="bg1"/>
+                </a:solidFill>
+                <a:latin typeface="微软雅黑" charset="0"/>
+                <a:ea typeface="微软雅黑" charset="0"/>
+                <a:cs typeface="微软雅黑" charset="0"/>
+                <a:sym typeface="+mn-ea"/>
+              </a:rPr>
+              <a:t>Python</a:t>
+            </a:r>
+            <a:r>
+              <a:rPr lang="zh-CN" altLang="en-US" sz="6000" b="1">
+                <a:solidFill>
+                  <a:schemeClr val="bg1"/>
+                </a:solidFill>
+                <a:latin typeface="微软雅黑" charset="0"/>
+                <a:ea typeface="微软雅黑" charset="0"/>
+                <a:cs typeface="微软雅黑" charset="0"/>
+                <a:sym typeface="+mn-ea"/>
+              </a:rPr>
+              <a:t> 并发编程</a:t>
+            </a:r>
+            <a:endParaRPr lang="zh-CN" altLang="en-US" sz="6000" b="1">
+              <a:solidFill>
+                <a:schemeClr val="bg1"/>
+              </a:solidFill>
+              <a:latin typeface="微软雅黑" charset="0"/>
+              <a:ea typeface="微软雅黑" charset="0"/>
+              <a:cs typeface="微软雅黑" charset="0"/>
+              <a:sym typeface="+mn-ea"/>
+            </a:endParaRPr>
+          </a:p>
+        </p:txBody>
+      </p:sp>
+    </p:spTree>
+    <p:custDataLst>
+      <p:tags r:id="rId2"/>
+    </p:custDataLst>
+  </p:cSld>
+  <p:clrMapOvr>
+    <a:masterClrMapping/>
+  </p:clrMapOvr>
+</p:sld>
+</file>
+
+<file path=ppt/slides/slide41.xml><?xml version="1.0" encoding="utf-8"?>
+<p:sld xmlns:a="http://schemas.openxmlformats.org/drawingml/2006/main" xmlns:r="http://schemas.openxmlformats.org/officeDocument/2006/relationships" xmlns:p="http://schemas.openxmlformats.org/presentationml/2006/main">
+  <p:cSld>
+    <p:spTree>
+      <p:nvGrpSpPr>
+        <p:cNvPr id="1" name=""/>
+        <p:cNvGrpSpPr/>
+        <p:nvPr/>
+      </p:nvGrpSpPr>
+      <p:grpSpPr/>
+      <p:sp>
+        <p:nvSpPr>
+          <p:cNvPr id="13" name="文本框 12"/>
+          <p:cNvSpPr txBox="1"/>
+          <p:nvPr/>
+        </p:nvSpPr>
+        <p:spPr>
+          <a:xfrm>
+            <a:off x="4785360" y="533400"/>
+            <a:ext cx="2623820" cy="1198880"/>
+          </a:xfrm>
+          <a:prstGeom prst="rect">
+            <a:avLst/>
+          </a:prstGeom>
+          <a:noFill/>
+        </p:spPr>
+        <p:txBody>
+          <a:bodyPr wrap="none" rtlCol="0">
+            <a:spAutoFit/>
+          </a:bodyPr>
+          <a:p>
+            <a:pPr indent="0">
+              <a:lnSpc>
+                <a:spcPct val="150000"/>
+              </a:lnSpc>
+              <a:buFont typeface="Arial" panose="020B0604020202090204" pitchFamily="34" charset="0"/>
+              <a:buNone/>
+            </a:pPr>
+            <a:r>
+              <a:rPr lang="zh-CN" altLang="en-US" sz="4800" b="1">
+                <a:solidFill>
+                  <a:schemeClr val="accent1"/>
+                </a:solidFill>
+                <a:latin typeface="微软雅黑" charset="0"/>
+                <a:ea typeface="微软雅黑" charset="0"/>
+                <a:cs typeface="微软雅黑" charset="0"/>
+              </a:rPr>
+              <a:t>本节提纲</a:t>
+            </a:r>
+            <a:endParaRPr lang="zh-CN" altLang="en-US" sz="4800" b="1">
+              <a:solidFill>
+                <a:schemeClr val="accent1"/>
+              </a:solidFill>
+              <a:latin typeface="微软雅黑" charset="0"/>
+              <a:ea typeface="微软雅黑" charset="0"/>
+              <a:cs typeface="微软雅黑" charset="0"/>
+            </a:endParaRPr>
+          </a:p>
+        </p:txBody>
+      </p:sp>
+      <p:sp>
+        <p:nvSpPr>
+          <p:cNvPr id="3" name="文本框 2"/>
+          <p:cNvSpPr txBox="1"/>
+          <p:nvPr/>
+        </p:nvSpPr>
+        <p:spPr>
+          <a:xfrm>
+            <a:off x="1642110" y="2821305"/>
+            <a:ext cx="8907780" cy="1529715"/>
+          </a:xfrm>
+          <a:prstGeom prst="rect">
+            <a:avLst/>
+          </a:prstGeom>
+          <a:noFill/>
+        </p:spPr>
+        <p:txBody>
+          <a:bodyPr wrap="none" rtlCol="0">
+            <a:spAutoFit/>
+          </a:bodyPr>
+          <a:p>
+            <a:pPr algn="l">
+              <a:lnSpc>
+                <a:spcPct val="130000"/>
+              </a:lnSpc>
+              <a:spcBef>
+                <a:spcPts val="0"/>
+              </a:spcBef>
+              <a:spcAft>
+                <a:spcPts val="0"/>
+              </a:spcAft>
+            </a:pPr>
+            <a:r>
+              <a:rPr lang="en-US" altLang="zh-CN" sz="2400">
+                <a:latin typeface="微软雅黑" charset="0"/>
+                <a:ea typeface="微软雅黑" charset="0"/>
+                <a:cs typeface="微软雅黑" charset="0"/>
+              </a:rPr>
+              <a:t>1</a:t>
+            </a:r>
+            <a:r>
+              <a:rPr lang="zh-CN" altLang="en-US" sz="2400">
+                <a:latin typeface="微软雅黑" charset="0"/>
+                <a:ea typeface="微软雅黑" charset="0"/>
+                <a:cs typeface="微软雅黑" charset="0"/>
+              </a:rPr>
+              <a:t>、有了多线程</a:t>
+            </a:r>
+            <a:r>
+              <a:rPr lang="en-US" altLang="zh-CN" sz="2400">
+                <a:latin typeface="微软雅黑" charset="0"/>
+                <a:ea typeface="微软雅黑" charset="0"/>
+                <a:cs typeface="微软雅黑" charset="0"/>
+              </a:rPr>
+              <a:t>threading</a:t>
+            </a:r>
+            <a:r>
+              <a:rPr lang="zh-CN" altLang="en-US" sz="2400">
+                <a:latin typeface="微软雅黑" charset="0"/>
+                <a:ea typeface="微软雅黑" charset="0"/>
+                <a:cs typeface="微软雅黑" charset="0"/>
+              </a:rPr>
+              <a:t>，为什么还要用多进程</a:t>
+            </a:r>
+            <a:r>
+              <a:rPr lang="en-US" altLang="zh-CN" sz="2400">
+                <a:latin typeface="微软雅黑" charset="0"/>
+                <a:ea typeface="微软雅黑" charset="0"/>
+                <a:cs typeface="微软雅黑" charset="0"/>
+              </a:rPr>
+              <a:t>multiprocessing</a:t>
+            </a:r>
+            <a:endParaRPr lang="en-US" altLang="zh-CN" sz="2400">
+              <a:latin typeface="微软雅黑" charset="0"/>
+              <a:ea typeface="微软雅黑" charset="0"/>
+              <a:cs typeface="微软雅黑" charset="0"/>
+            </a:endParaRPr>
+          </a:p>
+          <a:p>
+            <a:pPr algn="l">
+              <a:lnSpc>
+                <a:spcPct val="130000"/>
+              </a:lnSpc>
+              <a:spcBef>
+                <a:spcPts val="0"/>
+              </a:spcBef>
+              <a:spcAft>
+                <a:spcPts val="0"/>
+              </a:spcAft>
+            </a:pPr>
+            <a:r>
+              <a:rPr lang="en-US" altLang="zh-CN" sz="2400">
+                <a:latin typeface="微软雅黑" charset="0"/>
+                <a:ea typeface="微软雅黑" charset="0"/>
+                <a:cs typeface="微软雅黑" charset="0"/>
+              </a:rPr>
+              <a:t>2</a:t>
+            </a:r>
+            <a:r>
+              <a:rPr lang="zh-CN" altLang="en-US" sz="2400">
+                <a:latin typeface="微软雅黑" charset="0"/>
+                <a:ea typeface="微软雅黑" charset="0"/>
+                <a:cs typeface="微软雅黑" charset="0"/>
+              </a:rPr>
+              <a:t>、多进程</a:t>
+            </a:r>
+            <a:r>
+              <a:rPr lang="en-US" altLang="zh-CN" sz="2400">
+                <a:latin typeface="微软雅黑" charset="0"/>
+                <a:ea typeface="微软雅黑" charset="0"/>
+                <a:cs typeface="微软雅黑" charset="0"/>
+              </a:rPr>
+              <a:t>multiprocessing</a:t>
+            </a:r>
+            <a:r>
+              <a:rPr lang="zh-CN" altLang="en-US" sz="2400">
+                <a:latin typeface="微软雅黑" charset="0"/>
+                <a:ea typeface="微软雅黑" charset="0"/>
+                <a:cs typeface="微软雅黑" charset="0"/>
+              </a:rPr>
+              <a:t>知识梳理</a:t>
+            </a:r>
+            <a:endParaRPr lang="zh-CN" altLang="en-US" sz="2400">
+              <a:latin typeface="微软雅黑" charset="0"/>
+              <a:ea typeface="微软雅黑" charset="0"/>
+              <a:cs typeface="微软雅黑" charset="0"/>
+            </a:endParaRPr>
+          </a:p>
+          <a:p>
+            <a:pPr algn="l">
+              <a:lnSpc>
+                <a:spcPct val="130000"/>
+              </a:lnSpc>
+              <a:spcBef>
+                <a:spcPts val="0"/>
+              </a:spcBef>
+              <a:spcAft>
+                <a:spcPts val="0"/>
+              </a:spcAft>
+            </a:pPr>
+            <a:r>
+              <a:rPr lang="en-US" altLang="zh-CN" sz="2400">
+                <a:latin typeface="微软雅黑" charset="0"/>
+                <a:ea typeface="微软雅黑" charset="0"/>
+                <a:cs typeface="微软雅黑" charset="0"/>
+              </a:rPr>
+              <a:t>3</a:t>
+            </a:r>
+            <a:r>
+              <a:rPr lang="zh-CN" altLang="en-US" sz="2400">
+                <a:latin typeface="微软雅黑" charset="0"/>
+                <a:ea typeface="微软雅黑" charset="0"/>
+                <a:cs typeface="微软雅黑" charset="0"/>
+              </a:rPr>
+              <a:t>、代码实战：单线程、多线程、多进程对比</a:t>
+            </a:r>
+            <a:r>
+              <a:rPr lang="en-US" altLang="zh-CN" sz="2400">
+                <a:latin typeface="微软雅黑" charset="0"/>
+                <a:ea typeface="微软雅黑" charset="0"/>
+                <a:cs typeface="微软雅黑" charset="0"/>
+              </a:rPr>
+              <a:t>CPU</a:t>
+            </a:r>
+            <a:r>
+              <a:rPr lang="zh-CN" altLang="en-US" sz="2400">
+                <a:latin typeface="微软雅黑" charset="0"/>
+                <a:ea typeface="微软雅黑" charset="0"/>
+                <a:cs typeface="微软雅黑" charset="0"/>
+              </a:rPr>
+              <a:t>密集计算速度</a:t>
+            </a:r>
+            <a:endParaRPr lang="zh-CN" altLang="en-US" sz="2400">
+              <a:latin typeface="微软雅黑" charset="0"/>
+              <a:ea typeface="微软雅黑" charset="0"/>
+              <a:cs typeface="微软雅黑" charset="0"/>
+            </a:endParaRPr>
+          </a:p>
+        </p:txBody>
+      </p:sp>
+    </p:spTree>
+  </p:cSld>
+  <p:clrMapOvr>
+    <a:masterClrMapping/>
+  </p:clrMapOvr>
+  <p:timing>
+    <p:tnLst>
+      <p:par>
+        <p:cTn id="1" dur="indefinite" restart="never" nodeType="tmRoot"/>
+      </p:par>
+    </p:tnLst>
+  </p:timing>
+</p:sld>
+</file>
+
+<file path=ppt/slides/slide42.xml><?xml version="1.0" encoding="utf-8"?>
+<p:sld xmlns:a="http://schemas.openxmlformats.org/drawingml/2006/main" xmlns:r="http://schemas.openxmlformats.org/officeDocument/2006/relationships" xmlns:p="http://schemas.openxmlformats.org/presentationml/2006/main">
+  <p:cSld>
+    <p:spTree>
+      <p:nvGrpSpPr>
+        <p:cNvPr id="1" name=""/>
+        <p:cNvGrpSpPr/>
+        <p:nvPr/>
+      </p:nvGrpSpPr>
+      <p:grpSpPr/>
+      <p:sp>
+        <p:nvSpPr>
+          <p:cNvPr id="13" name="文本框 12"/>
+          <p:cNvSpPr txBox="1"/>
+          <p:nvPr/>
+        </p:nvSpPr>
+        <p:spPr>
+          <a:xfrm>
+            <a:off x="904240" y="496570"/>
+            <a:ext cx="10383520" cy="737235"/>
+          </a:xfrm>
+          <a:prstGeom prst="rect">
+            <a:avLst/>
+          </a:prstGeom>
+          <a:noFill/>
+        </p:spPr>
+        <p:txBody>
+          <a:bodyPr wrap="none" rtlCol="0">
+            <a:spAutoFit/>
+          </a:bodyPr>
+          <a:p>
+            <a:pPr indent="0" algn="l">
+              <a:lnSpc>
+                <a:spcPct val="150000"/>
+              </a:lnSpc>
+              <a:buFont typeface="Arial" panose="020B0604020202090204" pitchFamily="34" charset="0"/>
+              <a:buNone/>
+            </a:pPr>
+            <a:r>
+              <a:rPr lang="zh-CN" altLang="en-US" sz="2800" b="1">
+                <a:solidFill>
+                  <a:schemeClr val="accent1"/>
+                </a:solidFill>
+                <a:latin typeface="微软雅黑" charset="0"/>
+                <a:ea typeface="微软雅黑" charset="0"/>
+                <a:cs typeface="微软雅黑" charset="0"/>
+              </a:rPr>
+              <a:t>1、有了多线程threading，为什么还要用多进程multiprocessing</a:t>
+            </a:r>
+            <a:endParaRPr lang="zh-CN" altLang="en-US" sz="2800" b="1">
+              <a:solidFill>
+                <a:schemeClr val="accent1"/>
+              </a:solidFill>
+              <a:latin typeface="微软雅黑" charset="0"/>
+              <a:ea typeface="微软雅黑" charset="0"/>
+              <a:cs typeface="微软雅黑" charset="0"/>
+            </a:endParaRPr>
+          </a:p>
+        </p:txBody>
+      </p:sp>
+      <p:sp>
+        <p:nvSpPr>
+          <p:cNvPr id="3" name="文本框 2"/>
+          <p:cNvSpPr txBox="1"/>
+          <p:nvPr/>
+        </p:nvSpPr>
+        <p:spPr>
+          <a:xfrm>
+            <a:off x="960755" y="1343660"/>
+            <a:ext cx="8145145" cy="570865"/>
+          </a:xfrm>
+          <a:prstGeom prst="rect">
+            <a:avLst/>
+          </a:prstGeom>
+          <a:noFill/>
+        </p:spPr>
+        <p:txBody>
+          <a:bodyPr wrap="none" rtlCol="0">
+            <a:spAutoFit/>
+          </a:bodyPr>
+          <a:p>
+            <a:pPr algn="l">
+              <a:lnSpc>
+                <a:spcPct val="130000"/>
+              </a:lnSpc>
+              <a:spcBef>
+                <a:spcPts val="0"/>
+              </a:spcBef>
+              <a:spcAft>
+                <a:spcPts val="0"/>
+              </a:spcAft>
+            </a:pPr>
+            <a:r>
+              <a:rPr lang="zh-CN" altLang="en-US" sz="2400">
+                <a:latin typeface="微软雅黑" charset="0"/>
+                <a:ea typeface="微软雅黑" charset="0"/>
+                <a:cs typeface="微软雅黑" charset="0"/>
+              </a:rPr>
+              <a:t>如果遇到了</a:t>
+            </a:r>
+            <a:r>
+              <a:rPr lang="en-US" altLang="zh-CN" sz="2400">
+                <a:latin typeface="微软雅黑" charset="0"/>
+                <a:ea typeface="微软雅黑" charset="0"/>
+                <a:cs typeface="微软雅黑" charset="0"/>
+              </a:rPr>
+              <a:t>CPU</a:t>
+            </a:r>
+            <a:r>
+              <a:rPr lang="zh-CN" altLang="en-US" sz="2400">
+                <a:latin typeface="微软雅黑" charset="0"/>
+                <a:ea typeface="微软雅黑" charset="0"/>
+                <a:cs typeface="微软雅黑" charset="0"/>
+              </a:rPr>
+              <a:t>密集型计算，多线程反而会降低执行速度！</a:t>
+            </a:r>
+            <a:endParaRPr lang="zh-CN" altLang="en-US" sz="2400">
+              <a:latin typeface="微软雅黑" charset="0"/>
+              <a:ea typeface="微软雅黑" charset="0"/>
+              <a:cs typeface="微软雅黑" charset="0"/>
+            </a:endParaRPr>
+          </a:p>
+        </p:txBody>
+      </p:sp>
+      <p:pic>
+        <p:nvPicPr>
+          <p:cNvPr id="2" name="图片 1"/>
+          <p:cNvPicPr>
+            <a:picLocks noChangeAspect="1"/>
+          </p:cNvPicPr>
+          <p:nvPr/>
+        </p:nvPicPr>
+        <p:blipFill>
+          <a:blip r:embed="rId1"/>
+          <a:stretch>
+            <a:fillRect/>
+          </a:stretch>
+        </p:blipFill>
+        <p:spPr>
+          <a:xfrm>
+            <a:off x="4383405" y="2084705"/>
+            <a:ext cx="6125845" cy="2326640"/>
+          </a:xfrm>
+          <a:prstGeom prst="rect">
+            <a:avLst/>
+          </a:prstGeom>
+        </p:spPr>
+      </p:pic>
+      <p:sp>
+        <p:nvSpPr>
+          <p:cNvPr id="4" name="文本框 3"/>
+          <p:cNvSpPr txBox="1"/>
+          <p:nvPr/>
+        </p:nvSpPr>
+        <p:spPr>
+          <a:xfrm>
+            <a:off x="1190625" y="2719705"/>
+            <a:ext cx="2697480" cy="922020"/>
+          </a:xfrm>
+          <a:prstGeom prst="rect">
+            <a:avLst/>
+          </a:prstGeom>
+          <a:solidFill>
+            <a:schemeClr val="accent2"/>
+          </a:solidFill>
+        </p:spPr>
+        <p:txBody>
+          <a:bodyPr wrap="none" rtlCol="0">
+            <a:spAutoFit/>
+          </a:bodyPr>
+          <a:p>
+            <a:r>
+              <a:rPr lang="zh-CN" altLang="en-US"/>
+              <a:t>虽然有全局解释器锁</a:t>
+            </a:r>
+            <a:r>
+              <a:rPr lang="en-US" altLang="zh-CN"/>
+              <a:t>GIL</a:t>
+            </a:r>
+            <a:endParaRPr lang="en-US" altLang="zh-CN"/>
+          </a:p>
+          <a:p>
+            <a:r>
+              <a:rPr lang="zh-CN" altLang="en-US"/>
+              <a:t>但是因为有</a:t>
+            </a:r>
+            <a:r>
+              <a:rPr lang="en-US" altLang="zh-CN"/>
+              <a:t>IO</a:t>
+            </a:r>
+            <a:r>
+              <a:rPr lang="zh-CN" altLang="en-US"/>
+              <a:t>的存在</a:t>
+            </a:r>
+            <a:endParaRPr lang="zh-CN" altLang="en-US"/>
+          </a:p>
+          <a:p>
+            <a:r>
+              <a:rPr lang="zh-CN" altLang="en-US"/>
+              <a:t>多线程依然可以加速运行</a:t>
+            </a:r>
+            <a:endParaRPr lang="zh-CN" altLang="en-US"/>
+          </a:p>
+        </p:txBody>
+      </p:sp>
+      <p:pic>
+        <p:nvPicPr>
+          <p:cNvPr id="5" name="图片 4"/>
+          <p:cNvPicPr>
+            <a:picLocks noChangeAspect="1"/>
+          </p:cNvPicPr>
+          <p:nvPr/>
+        </p:nvPicPr>
+        <p:blipFill>
+          <a:blip r:embed="rId2"/>
+          <a:stretch>
+            <a:fillRect/>
+          </a:stretch>
+        </p:blipFill>
+        <p:spPr>
+          <a:xfrm>
+            <a:off x="4383405" y="4683125"/>
+            <a:ext cx="5869305" cy="1325245"/>
+          </a:xfrm>
+          <a:prstGeom prst="rect">
+            <a:avLst/>
+          </a:prstGeom>
+        </p:spPr>
+      </p:pic>
+      <p:sp>
+        <p:nvSpPr>
+          <p:cNvPr id="6" name="文本框 5"/>
+          <p:cNvSpPr txBox="1"/>
+          <p:nvPr/>
+        </p:nvSpPr>
+        <p:spPr>
+          <a:xfrm>
+            <a:off x="504825" y="4997450"/>
+            <a:ext cx="3383280" cy="922020"/>
+          </a:xfrm>
+          <a:prstGeom prst="rect">
+            <a:avLst/>
+          </a:prstGeom>
+          <a:solidFill>
+            <a:schemeClr val="accent2"/>
+          </a:solidFill>
+        </p:spPr>
+        <p:txBody>
+          <a:bodyPr wrap="none" rtlCol="0">
+            <a:spAutoFit/>
+          </a:bodyPr>
+          <a:p>
+            <a:r>
+              <a:rPr lang="en-US"/>
+              <a:t>CPU</a:t>
+            </a:r>
+            <a:r>
+              <a:rPr lang="zh-CN" altLang="en-US"/>
+              <a:t>密集型计算</a:t>
+            </a:r>
+            <a:endParaRPr lang="zh-CN" altLang="en-US"/>
+          </a:p>
+          <a:p>
+            <a:r>
+              <a:rPr lang="zh-CN" altLang="en-US"/>
+              <a:t>线程的自动切换反而变成了负担</a:t>
+            </a:r>
+            <a:endParaRPr lang="zh-CN" altLang="en-US"/>
+          </a:p>
+          <a:p>
+            <a:r>
+              <a:rPr lang="zh-CN" altLang="en-US"/>
+              <a:t>多线程甚至减慢了运行速度</a:t>
+            </a:r>
+            <a:endParaRPr lang="zh-CN" altLang="en-US"/>
+          </a:p>
+        </p:txBody>
+      </p:sp>
+      <p:sp>
+        <p:nvSpPr>
+          <p:cNvPr id="7" name="文本框 6"/>
+          <p:cNvSpPr txBox="1"/>
+          <p:nvPr/>
+        </p:nvSpPr>
+        <p:spPr>
+          <a:xfrm>
+            <a:off x="504825" y="6228715"/>
+            <a:ext cx="10963910" cy="368300"/>
+          </a:xfrm>
+          <a:prstGeom prst="rect">
+            <a:avLst/>
+          </a:prstGeom>
+          <a:solidFill>
+            <a:srgbClr val="FFC000"/>
+          </a:solidFill>
+        </p:spPr>
+        <p:txBody>
+          <a:bodyPr wrap="none" rtlCol="0">
+            <a:spAutoFit/>
+          </a:bodyPr>
+          <a:p>
+            <a:r>
+              <a:rPr lang="en-US" altLang="zh-CN"/>
+              <a:t>multiprocessing</a:t>
+            </a:r>
+            <a:r>
+              <a:rPr lang="zh-CN" altLang="en-US"/>
+              <a:t>模块就是</a:t>
+            </a:r>
+            <a:r>
+              <a:rPr lang="en-US" altLang="zh-CN"/>
+              <a:t>python</a:t>
+            </a:r>
+            <a:r>
+              <a:rPr lang="zh-CN" altLang="en-US"/>
+              <a:t>为了解决</a:t>
+            </a:r>
+            <a:r>
+              <a:rPr lang="en-US" altLang="zh-CN"/>
+              <a:t>GIL</a:t>
+            </a:r>
+            <a:r>
+              <a:rPr lang="zh-CN" altLang="en-US"/>
+              <a:t>缺陷引入的一个模块，原理是用多进程在多</a:t>
+            </a:r>
+            <a:r>
+              <a:rPr lang="en-US" altLang="zh-CN"/>
+              <a:t>CPU</a:t>
+            </a:r>
+            <a:r>
+              <a:rPr lang="zh-CN" altLang="en-US"/>
+              <a:t>上并行执行</a:t>
+            </a:r>
+            <a:endParaRPr lang="zh-CN" altLang="en-US"/>
+          </a:p>
+        </p:txBody>
+      </p:sp>
+    </p:spTree>
+  </p:cSld>
+  <p:clrMapOvr>
+    <a:masterClrMapping/>
+  </p:clrMapOvr>
+  <p:timing>
+    <p:tnLst>
+      <p:par>
+        <p:cTn id="1" dur="indefinite" restart="never" nodeType="tmRoot">
+          <p:childTnLst>
+            <p:seq concurrent="1" nextAc="seek">
+              <p:cTn id="2" dur="indefinite" nodeType="mainSeq">
+                <p:childTnLst>
+                  <p:par>
+                    <p:cTn id="3" fill="hold">
+                      <p:stCondLst>
+                        <p:cond delay="indefinite"/>
+                      </p:stCondLst>
+                      <p:childTnLst>
+                        <p:par>
+                          <p:cTn id="4" fill="hold">
+                            <p:stCondLst>
+                              <p:cond delay="0"/>
+                            </p:stCondLst>
+                            <p:childTnLst>
+                              <p:par>
+                                <p:cTn id="5" presetID="22" presetClass="entr" presetSubtype="4" fill="hold" grpId="0" nodeType="clickEffect">
+                                  <p:stCondLst>
+                                    <p:cond delay="0"/>
+                                  </p:stCondLst>
+                                  <p:childTnLst>
+                                    <p:set>
+                                      <p:cBhvr>
+                                        <p:cTn id="6" dur="1" fill="hold">
+                                          <p:stCondLst>
+                                            <p:cond delay="0"/>
+                                          </p:stCondLst>
+                                        </p:cTn>
+                                        <p:tgtEl>
+                                          <p:spTgt spid="7"/>
+                                        </p:tgtEl>
+                                        <p:attrNameLst>
+                                          <p:attrName>style.visibility</p:attrName>
+                                        </p:attrNameLst>
+                                      </p:cBhvr>
+                                      <p:to>
+                                        <p:strVal val="visible"/>
+                                      </p:to>
+                                    </p:set>
+                                    <p:animEffect transition="in" filter="wipe(down)">
+                                      <p:cBhvr>
+                                        <p:cTn id="7" dur="500"/>
+                                        <p:tgtEl>
+                                          <p:spTgt spid="7"/>
+                                        </p:tgtEl>
+                                      </p:cBhvr>
+                                    </p:animEffect>
+                                  </p:childTnLst>
+                                </p:cTn>
+                              </p:par>
+                            </p:childTnLst>
+                          </p:cTn>
+                        </p:par>
+                      </p:childTnLst>
+                    </p:cTn>
+                  </p:par>
+                </p:childTnLst>
+              </p:cTn>
+              <p:prevCondLst>
+                <p:cond evt="onPrev" delay="0">
+                  <p:tgtEl>
+                    <p:sldTgt/>
+                  </p:tgtEl>
+                </p:cond>
+              </p:prevCondLst>
+              <p:nextCondLst>
+                <p:cond evt="onNext" delay="0">
+                  <p:tgtEl>
+                    <p:sldTgt/>
+                  </p:tgtEl>
+                </p:cond>
+              </p:nextCondLst>
+            </p:seq>
+          </p:childTnLst>
+        </p:cTn>
+      </p:par>
+    </p:tnLst>
+    <p:bldLst>
+      <p:bldP spid="7" grpId="0" animBg="1"/>
+    </p:bldLst>
+  </p:timing>
+</p:sld>
+</file>
+
+<file path=ppt/slides/slide43.xml><?xml version="1.0" encoding="utf-8"?>
+<p:sld xmlns:a="http://schemas.openxmlformats.org/drawingml/2006/main" xmlns:r="http://schemas.openxmlformats.org/officeDocument/2006/relationships" xmlns:p="http://schemas.openxmlformats.org/presentationml/2006/main">
+  <p:cSld>
+    <p:spTree>
+      <p:nvGrpSpPr>
+        <p:cNvPr id="1" name=""/>
+        <p:cNvGrpSpPr/>
+        <p:nvPr/>
+      </p:nvGrpSpPr>
+      <p:grpSpPr/>
+      <p:sp>
+        <p:nvSpPr>
+          <p:cNvPr id="13" name="文本框 12"/>
+          <p:cNvSpPr txBox="1"/>
+          <p:nvPr/>
+        </p:nvSpPr>
+        <p:spPr>
+          <a:xfrm>
+            <a:off x="404495" y="425450"/>
+            <a:ext cx="10027285" cy="737235"/>
+          </a:xfrm>
+          <a:prstGeom prst="rect">
+            <a:avLst/>
+          </a:prstGeom>
+          <a:noFill/>
+        </p:spPr>
+        <p:txBody>
+          <a:bodyPr wrap="none" rtlCol="0">
+            <a:spAutoFit/>
+          </a:bodyPr>
+          <a:p>
+            <a:pPr indent="0" algn="l">
+              <a:lnSpc>
+                <a:spcPct val="150000"/>
+              </a:lnSpc>
+              <a:buFont typeface="Arial" panose="020B0604020202090204" pitchFamily="34" charset="0"/>
+              <a:buNone/>
+            </a:pPr>
+            <a:r>
+              <a:rPr lang="en-US" altLang="zh-CN" sz="2800" b="1">
+                <a:solidFill>
+                  <a:schemeClr val="accent1"/>
+                </a:solidFill>
+                <a:latin typeface="微软雅黑" charset="0"/>
+                <a:ea typeface="微软雅黑" charset="0"/>
+                <a:cs typeface="微软雅黑" charset="0"/>
+              </a:rPr>
+              <a:t>2</a:t>
+            </a:r>
+            <a:r>
+              <a:rPr lang="zh-CN" altLang="en-US" sz="2800" b="1">
+                <a:solidFill>
+                  <a:schemeClr val="accent1"/>
+                </a:solidFill>
+                <a:latin typeface="微软雅黑" charset="0"/>
+                <a:ea typeface="微软雅黑" charset="0"/>
+                <a:cs typeface="微软雅黑" charset="0"/>
+              </a:rPr>
+              <a:t>、多进程multiprocessing知识梳理（对比多线程</a:t>
+            </a:r>
+            <a:r>
+              <a:rPr lang="en-US" altLang="zh-CN" sz="2800" b="1">
+                <a:solidFill>
+                  <a:schemeClr val="accent1"/>
+                </a:solidFill>
+                <a:latin typeface="微软雅黑" charset="0"/>
+                <a:ea typeface="微软雅黑" charset="0"/>
+                <a:cs typeface="微软雅黑" charset="0"/>
+              </a:rPr>
+              <a:t>threading</a:t>
+            </a:r>
+            <a:r>
+              <a:rPr lang="zh-CN" altLang="en-US" sz="2800" b="1">
+                <a:solidFill>
+                  <a:schemeClr val="accent1"/>
+                </a:solidFill>
+                <a:latin typeface="微软雅黑" charset="0"/>
+                <a:ea typeface="微软雅黑" charset="0"/>
+                <a:cs typeface="微软雅黑" charset="0"/>
+              </a:rPr>
+              <a:t>）</a:t>
+            </a:r>
+            <a:endParaRPr lang="zh-CN" altLang="en-US" sz="2800" b="1">
+              <a:solidFill>
+                <a:schemeClr val="accent1"/>
+              </a:solidFill>
+              <a:latin typeface="微软雅黑" charset="0"/>
+              <a:ea typeface="微软雅黑" charset="0"/>
+              <a:cs typeface="微软雅黑" charset="0"/>
+            </a:endParaRPr>
+          </a:p>
+        </p:txBody>
+      </p:sp>
+      <p:graphicFrame>
+        <p:nvGraphicFramePr>
+          <p:cNvPr id="7" name="表格 6"/>
+          <p:cNvGraphicFramePr/>
+          <p:nvPr>
+            <p:custDataLst>
+              <p:tags r:id="rId1"/>
+            </p:custDataLst>
+          </p:nvPr>
+        </p:nvGraphicFramePr>
+        <p:xfrm>
+          <a:off x="404495" y="1340485"/>
+          <a:ext cx="11393170" cy="5272405"/>
+        </p:xfrm>
+        <a:graphic>
+          <a:graphicData uri="http://schemas.openxmlformats.org/drawingml/2006/table">
+            <a:tbl>
+              <a:tblPr firstRow="1" bandRow="1">
+                <a:tableStyleId>{5940675A-B579-460E-94D1-54222C63F5DA}</a:tableStyleId>
+              </a:tblPr>
+              <a:tblGrid>
+                <a:gridCol w="1366520"/>
+                <a:gridCol w="4827905"/>
+                <a:gridCol w="5198745"/>
+              </a:tblGrid>
+              <a:tr h="388620">
+                <a:tc>
+                  <a:txBody>
+                    <a:bodyPr/>
+                    <a:p>
+                      <a:pPr>
+                        <a:lnSpc>
+                          <a:spcPct val="100000"/>
+                        </a:lnSpc>
+                        <a:buNone/>
+                      </a:pPr>
+                      <a:r>
+                        <a:rPr lang="zh-CN" altLang="en-US" sz="1200">
+                          <a:latin typeface="Menlo Regular" panose="020B0609030804020204" charset="0"/>
+                        </a:rPr>
+                        <a:t>语法条目</a:t>
+                      </a:r>
+                      <a:endParaRPr lang="zh-CN" altLang="en-US" sz="1200">
+                        <a:latin typeface="Menlo Regular" panose="020B0609030804020204" charset="0"/>
+                      </a:endParaRPr>
+                    </a:p>
+                  </a:txBody>
+                  <a:tcPr anchor="ctr" anchorCtr="0">
+                    <a:solidFill>
+                      <a:schemeClr val="accent2"/>
+                    </a:solidFill>
+                  </a:tcPr>
+                </a:tc>
+                <a:tc>
+                  <a:txBody>
+                    <a:bodyPr/>
+                    <a:p>
+                      <a:pPr>
+                        <a:lnSpc>
+                          <a:spcPct val="100000"/>
+                        </a:lnSpc>
+                        <a:buNone/>
+                      </a:pPr>
+                      <a:r>
+                        <a:rPr lang="zh-CN" altLang="en-US" sz="1200">
+                          <a:latin typeface="Menlo Regular" panose="020B0609030804020204" charset="0"/>
+                        </a:rPr>
+                        <a:t>多线程</a:t>
+                      </a:r>
+                      <a:endParaRPr lang="zh-CN" altLang="en-US" sz="1200">
+                        <a:latin typeface="Menlo Regular" panose="020B0609030804020204" charset="0"/>
+                      </a:endParaRPr>
+                    </a:p>
+                  </a:txBody>
+                  <a:tcPr anchor="ctr" anchorCtr="0">
+                    <a:solidFill>
+                      <a:schemeClr val="accent2"/>
+                    </a:solidFill>
+                  </a:tcPr>
+                </a:tc>
+                <a:tc>
+                  <a:txBody>
+                    <a:bodyPr/>
+                    <a:p>
+                      <a:pPr>
+                        <a:lnSpc>
+                          <a:spcPct val="100000"/>
+                        </a:lnSpc>
+                        <a:buNone/>
+                      </a:pPr>
+                      <a:r>
+                        <a:rPr lang="zh-CN" altLang="en-US" sz="1200">
+                          <a:latin typeface="Menlo Regular" panose="020B0609030804020204" charset="0"/>
+                        </a:rPr>
+                        <a:t>多进程</a:t>
+                      </a:r>
+                      <a:endParaRPr lang="zh-CN" altLang="en-US" sz="1200">
+                        <a:latin typeface="Menlo Regular" panose="020B0609030804020204" charset="0"/>
+                      </a:endParaRPr>
+                    </a:p>
+                  </a:txBody>
+                  <a:tcPr anchor="ctr" anchorCtr="0">
+                    <a:solidFill>
+                      <a:schemeClr val="accent2"/>
+                    </a:solidFill>
+                  </a:tcPr>
+                </a:tc>
+              </a:tr>
+              <a:tr h="388620">
+                <a:tc>
+                  <a:txBody>
+                    <a:bodyPr/>
+                    <a:p>
+                      <a:pPr>
+                        <a:lnSpc>
+                          <a:spcPct val="100000"/>
+                        </a:lnSpc>
+                        <a:buNone/>
+                      </a:pPr>
+                      <a:r>
+                        <a:rPr lang="zh-CN" altLang="en-US" sz="1200">
+                          <a:latin typeface="Menlo Regular" panose="020B0609030804020204" charset="0"/>
+                        </a:rPr>
+                        <a:t>引入模块</a:t>
+                      </a:r>
+                      <a:endParaRPr lang="zh-CN" altLang="en-US" sz="1200">
+                        <a:latin typeface="Menlo Regular" panose="020B0609030804020204" charset="0"/>
+                      </a:endParaRPr>
+                    </a:p>
+                  </a:txBody>
+                  <a:tcPr anchor="ctr" anchorCtr="0"/>
+                </a:tc>
+                <a:tc>
+                  <a:txBody>
+                    <a:bodyPr/>
+                    <a:p>
+                      <a:pPr>
+                        <a:lnSpc>
+                          <a:spcPct val="100000"/>
+                        </a:lnSpc>
+                        <a:buNone/>
+                      </a:pPr>
+                      <a:r>
+                        <a:rPr lang="en-US" altLang="zh-CN" sz="1200">
+                          <a:latin typeface="Menlo Regular" panose="020B0609030804020204" charset="0"/>
+                          <a:cs typeface="Menlo Regular" panose="020B0609030804020204" charset="0"/>
+                        </a:rPr>
+                        <a:t>from threading import Thread</a:t>
+                      </a:r>
+                      <a:endParaRPr lang="en-US" altLang="zh-CN" sz="1200">
+                        <a:latin typeface="Menlo Regular" panose="020B0609030804020204" charset="0"/>
+                        <a:cs typeface="Menlo Regular" panose="020B0609030804020204" charset="0"/>
+                      </a:endParaRPr>
+                    </a:p>
+                  </a:txBody>
+                  <a:tcPr anchor="ctr" anchorCtr="0"/>
+                </a:tc>
+                <a:tc>
+                  <a:txBody>
+                    <a:bodyPr/>
+                    <a:p>
+                      <a:pPr>
+                        <a:lnSpc>
+                          <a:spcPct val="100000"/>
+                        </a:lnSpc>
+                        <a:buNone/>
+                      </a:pPr>
+                      <a:r>
+                        <a:rPr lang="en-US" altLang="zh-CN" sz="1200">
+                          <a:latin typeface="Menlo Regular" panose="020B0609030804020204" charset="0"/>
+                          <a:cs typeface="Menlo Regular" panose="020B0609030804020204" charset="0"/>
+                        </a:rPr>
+                        <a:t>from multiprocessing import Process</a:t>
+                      </a:r>
+                      <a:endParaRPr lang="en-US" altLang="zh-CN" sz="1200">
+                        <a:latin typeface="Menlo Regular" panose="020B0609030804020204" charset="0"/>
+                        <a:cs typeface="Menlo Regular" panose="020B0609030804020204" charset="0"/>
+                      </a:endParaRPr>
+                    </a:p>
+                  </a:txBody>
+                  <a:tcPr anchor="ctr" anchorCtr="0"/>
+                </a:tc>
+              </a:tr>
+              <a:tr h="744220">
+                <a:tc>
+                  <a:txBody>
+                    <a:bodyPr/>
+                    <a:p>
+                      <a:pPr>
+                        <a:lnSpc>
+                          <a:spcPct val="100000"/>
+                        </a:lnSpc>
+                        <a:buNone/>
+                      </a:pPr>
+                      <a:r>
+                        <a:rPr lang="zh-CN" altLang="en-US" sz="1200">
+                          <a:latin typeface="Menlo Regular" panose="020B0609030804020204" charset="0"/>
+                        </a:rPr>
+                        <a:t>新建</a:t>
+                      </a:r>
+                      <a:endParaRPr lang="zh-CN" altLang="en-US" sz="1200">
+                        <a:latin typeface="Menlo Regular" panose="020B0609030804020204" charset="0"/>
+                      </a:endParaRPr>
+                    </a:p>
+                    <a:p>
+                      <a:pPr>
+                        <a:lnSpc>
+                          <a:spcPct val="100000"/>
+                        </a:lnSpc>
+                        <a:buNone/>
+                      </a:pPr>
+                      <a:r>
+                        <a:rPr lang="zh-CN" altLang="en-US" sz="1200">
+                          <a:latin typeface="Menlo Regular" panose="020B0609030804020204" charset="0"/>
+                        </a:rPr>
+                        <a:t>启动</a:t>
+                      </a:r>
+                      <a:endParaRPr lang="zh-CN" altLang="en-US" sz="1200">
+                        <a:latin typeface="Menlo Regular" panose="020B0609030804020204" charset="0"/>
+                      </a:endParaRPr>
+                    </a:p>
+                    <a:p>
+                      <a:pPr>
+                        <a:lnSpc>
+                          <a:spcPct val="100000"/>
+                        </a:lnSpc>
+                        <a:buNone/>
+                      </a:pPr>
+                      <a:r>
+                        <a:rPr lang="zh-CN" altLang="en-US" sz="1200">
+                          <a:latin typeface="Menlo Regular" panose="020B0609030804020204" charset="0"/>
+                        </a:rPr>
+                        <a:t>等待结束</a:t>
+                      </a:r>
+                      <a:endParaRPr lang="zh-CN" altLang="en-US" sz="1200">
+                        <a:latin typeface="Menlo Regular" panose="020B0609030804020204" charset="0"/>
+                      </a:endParaRPr>
+                    </a:p>
+                  </a:txBody>
+                  <a:tcPr anchor="ctr" anchorCtr="0"/>
+                </a:tc>
+                <a:tc>
+                  <a:txBody>
+                    <a:bodyPr/>
+                    <a:p>
+                      <a:pPr>
+                        <a:lnSpc>
+                          <a:spcPct val="100000"/>
+                        </a:lnSpc>
+                        <a:buNone/>
+                      </a:pPr>
+                      <a:r>
+                        <a:rPr lang="en-US" altLang="zh-CN" sz="1200">
+                          <a:latin typeface="Menlo Regular" panose="020B0609030804020204" charset="0"/>
+                          <a:cs typeface="Menlo Regular" panose="020B0609030804020204" charset="0"/>
+                        </a:rPr>
+                        <a:t>t=Thread(target=func, args=(100, ))</a:t>
+                      </a:r>
+                      <a:endParaRPr lang="en-US" altLang="zh-CN" sz="1200">
+                        <a:latin typeface="Menlo Regular" panose="020B0609030804020204" charset="0"/>
+                        <a:cs typeface="Menlo Regular" panose="020B0609030804020204" charset="0"/>
+                      </a:endParaRPr>
+                    </a:p>
+                    <a:p>
+                      <a:pPr>
+                        <a:lnSpc>
+                          <a:spcPct val="100000"/>
+                        </a:lnSpc>
+                        <a:buNone/>
+                      </a:pPr>
+                      <a:r>
+                        <a:rPr lang="en-US" altLang="zh-CN" sz="1200">
+                          <a:latin typeface="Menlo Regular" panose="020B0609030804020204" charset="0"/>
+                          <a:cs typeface="Menlo Regular" panose="020B0609030804020204" charset="0"/>
+                        </a:rPr>
+                        <a:t>t.start()</a:t>
+                      </a:r>
+                      <a:endParaRPr lang="en-US" altLang="zh-CN" sz="1200">
+                        <a:latin typeface="Menlo Regular" panose="020B0609030804020204" charset="0"/>
+                        <a:cs typeface="Menlo Regular" panose="020B0609030804020204" charset="0"/>
+                      </a:endParaRPr>
+                    </a:p>
+                    <a:p>
+                      <a:pPr>
+                        <a:lnSpc>
+                          <a:spcPct val="100000"/>
+                        </a:lnSpc>
+                        <a:buNone/>
+                      </a:pPr>
+                      <a:r>
+                        <a:rPr lang="en-US" altLang="zh-CN" sz="1200">
+                          <a:latin typeface="Menlo Regular" panose="020B0609030804020204" charset="0"/>
+                          <a:cs typeface="Menlo Regular" panose="020B0609030804020204" charset="0"/>
+                        </a:rPr>
+                        <a:t>t.join()</a:t>
+                      </a:r>
+                      <a:endParaRPr lang="en-US" altLang="zh-CN" sz="1200">
+                        <a:latin typeface="Menlo Regular" panose="020B0609030804020204" charset="0"/>
+                        <a:cs typeface="Menlo Regular" panose="020B0609030804020204" charset="0"/>
+                      </a:endParaRPr>
+                    </a:p>
+                  </a:txBody>
+                  <a:tcPr anchor="ctr" anchorCtr="0"/>
+                </a:tc>
+                <a:tc>
+                  <a:txBody>
+                    <a:bodyPr/>
+                    <a:p>
+                      <a:pPr>
+                        <a:lnSpc>
+                          <a:spcPct val="100000"/>
+                        </a:lnSpc>
+                        <a:buNone/>
+                      </a:pPr>
+                      <a:r>
+                        <a:rPr lang="en-US" altLang="zh-CN" sz="1200">
+                          <a:latin typeface="Menlo Regular" panose="020B0609030804020204" charset="0"/>
+                          <a:cs typeface="Menlo Regular" panose="020B0609030804020204" charset="0"/>
+                        </a:rPr>
+                        <a:t>p = Process(target=f, args=('bob',))</a:t>
+                      </a:r>
+                      <a:endParaRPr lang="en-US" altLang="zh-CN" sz="1200">
+                        <a:latin typeface="Menlo Regular" panose="020B0609030804020204" charset="0"/>
+                        <a:cs typeface="Menlo Regular" panose="020B0609030804020204" charset="0"/>
+                      </a:endParaRPr>
+                    </a:p>
+                    <a:p>
+                      <a:pPr>
+                        <a:lnSpc>
+                          <a:spcPct val="100000"/>
+                        </a:lnSpc>
+                        <a:buNone/>
+                      </a:pPr>
+                      <a:r>
+                        <a:rPr lang="en-US" altLang="zh-CN" sz="1200">
+                          <a:latin typeface="Menlo Regular" panose="020B0609030804020204" charset="0"/>
+                          <a:cs typeface="Menlo Regular" panose="020B0609030804020204" charset="0"/>
+                        </a:rPr>
+                        <a:t>p.start()</a:t>
+                      </a:r>
+                      <a:endParaRPr lang="en-US" altLang="zh-CN" sz="1200">
+                        <a:latin typeface="Menlo Regular" panose="020B0609030804020204" charset="0"/>
+                        <a:cs typeface="Menlo Regular" panose="020B0609030804020204" charset="0"/>
+                      </a:endParaRPr>
+                    </a:p>
+                    <a:p>
+                      <a:pPr>
+                        <a:lnSpc>
+                          <a:spcPct val="100000"/>
+                        </a:lnSpc>
+                        <a:buNone/>
+                      </a:pPr>
+                      <a:r>
+                        <a:rPr lang="en-US" altLang="zh-CN" sz="1200">
+                          <a:latin typeface="Menlo Regular" panose="020B0609030804020204" charset="0"/>
+                          <a:cs typeface="Menlo Regular" panose="020B0609030804020204" charset="0"/>
+                        </a:rPr>
+                        <a:t>p.join()</a:t>
+                      </a:r>
+                      <a:endParaRPr lang="en-US" altLang="zh-CN" sz="1200">
+                        <a:latin typeface="Menlo Regular" panose="020B0609030804020204" charset="0"/>
+                        <a:cs typeface="Menlo Regular" panose="020B0609030804020204" charset="0"/>
+                      </a:endParaRPr>
+                    </a:p>
+                  </a:txBody>
+                  <a:tcPr anchor="ctr" anchorCtr="0"/>
+                </a:tc>
+              </a:tr>
+              <a:tr h="960755">
+                <a:tc>
+                  <a:txBody>
+                    <a:bodyPr/>
+                    <a:p>
+                      <a:pPr>
+                        <a:lnSpc>
+                          <a:spcPct val="100000"/>
+                        </a:lnSpc>
+                        <a:buNone/>
+                      </a:pPr>
+                      <a:r>
+                        <a:rPr lang="zh-CN" altLang="en-US" sz="1200">
+                          <a:latin typeface="Menlo Regular" panose="020B0609030804020204" charset="0"/>
+                          <a:cs typeface="Menlo Regular" panose="020B0609030804020204" charset="0"/>
+                        </a:rPr>
+                        <a:t>数据通信</a:t>
+                      </a:r>
+                      <a:endParaRPr lang="zh-CN" altLang="en-US" sz="1200">
+                        <a:latin typeface="Menlo Regular" panose="020B0609030804020204" charset="0"/>
+                        <a:cs typeface="Menlo Regular" panose="020B0609030804020204" charset="0"/>
+                      </a:endParaRPr>
+                    </a:p>
+                  </a:txBody>
+                  <a:tcPr anchor="ctr" anchorCtr="0"/>
+                </a:tc>
+                <a:tc>
+                  <a:txBody>
+                    <a:bodyPr/>
+                    <a:p>
+                      <a:pPr>
+                        <a:lnSpc>
+                          <a:spcPct val="100000"/>
+                        </a:lnSpc>
+                        <a:buNone/>
+                      </a:pPr>
+                      <a:r>
+                        <a:rPr lang="en-US" altLang="zh-CN" sz="1200">
+                          <a:latin typeface="Menlo Regular" panose="020B0609030804020204" charset="0"/>
+                          <a:cs typeface="Menlo Regular" panose="020B0609030804020204" charset="0"/>
+                        </a:rPr>
+                        <a:t>import queue</a:t>
+                      </a:r>
+                      <a:endParaRPr lang="en-US" altLang="zh-CN" sz="1200">
+                        <a:latin typeface="Menlo Regular" panose="020B0609030804020204" charset="0"/>
+                        <a:cs typeface="Menlo Regular" panose="020B0609030804020204" charset="0"/>
+                      </a:endParaRPr>
+                    </a:p>
+                    <a:p>
+                      <a:pPr>
+                        <a:lnSpc>
+                          <a:spcPct val="100000"/>
+                        </a:lnSpc>
+                        <a:buNone/>
+                      </a:pPr>
+                      <a:r>
+                        <a:rPr lang="en-US" altLang="zh-CN" sz="1200">
+                          <a:latin typeface="Menlo Regular" panose="020B0609030804020204" charset="0"/>
+                          <a:cs typeface="Menlo Regular" panose="020B0609030804020204" charset="0"/>
+                        </a:rPr>
+                        <a:t>q = queue.Queue()</a:t>
+                      </a:r>
+                      <a:endParaRPr lang="en-US" altLang="zh-CN" sz="1200">
+                        <a:latin typeface="Menlo Regular" panose="020B0609030804020204" charset="0"/>
+                        <a:cs typeface="Menlo Regular" panose="020B0609030804020204" charset="0"/>
+                      </a:endParaRPr>
+                    </a:p>
+                    <a:p>
+                      <a:pPr>
+                        <a:lnSpc>
+                          <a:spcPct val="100000"/>
+                        </a:lnSpc>
+                        <a:buNone/>
+                      </a:pPr>
+                      <a:r>
+                        <a:rPr lang="en-US" altLang="zh-CN" sz="1200">
+                          <a:latin typeface="Menlo Regular" panose="020B0609030804020204" charset="0"/>
+                          <a:cs typeface="Menlo Regular" panose="020B0609030804020204" charset="0"/>
+                        </a:rPr>
+                        <a:t>q.put(item)</a:t>
+                      </a:r>
+                      <a:endParaRPr lang="en-US" altLang="zh-CN" sz="1200">
+                        <a:latin typeface="Menlo Regular" panose="020B0609030804020204" charset="0"/>
+                        <a:cs typeface="Menlo Regular" panose="020B0609030804020204" charset="0"/>
+                      </a:endParaRPr>
+                    </a:p>
+                    <a:p>
+                      <a:pPr>
+                        <a:lnSpc>
+                          <a:spcPct val="100000"/>
+                        </a:lnSpc>
+                        <a:buNone/>
+                      </a:pPr>
+                      <a:r>
+                        <a:rPr lang="en-US" altLang="zh-CN" sz="1200">
+                          <a:latin typeface="Menlo Regular" panose="020B0609030804020204" charset="0"/>
+                          <a:cs typeface="Menlo Regular" panose="020B0609030804020204" charset="0"/>
+                        </a:rPr>
+                        <a:t>item = q.get()</a:t>
+                      </a:r>
+                      <a:endParaRPr lang="en-US" altLang="zh-CN" sz="1200">
+                        <a:latin typeface="Menlo Regular" panose="020B0609030804020204" charset="0"/>
+                        <a:cs typeface="Menlo Regular" panose="020B0609030804020204" charset="0"/>
+                      </a:endParaRPr>
+                    </a:p>
+                  </a:txBody>
+                  <a:tcPr anchor="ctr" anchorCtr="0"/>
+                </a:tc>
+                <a:tc>
+                  <a:txBody>
+                    <a:bodyPr/>
+                    <a:p>
+                      <a:pPr>
+                        <a:lnSpc>
+                          <a:spcPct val="100000"/>
+                        </a:lnSpc>
+                        <a:buNone/>
+                      </a:pPr>
+                      <a:r>
+                        <a:rPr lang="en-US" altLang="zh-CN" sz="1200">
+                          <a:latin typeface="Menlo Regular" panose="020B0609030804020204" charset="0"/>
+                          <a:cs typeface="Menlo Regular" panose="020B0609030804020204" charset="0"/>
+                        </a:rPr>
+                        <a:t>from multiprocessing import Queue</a:t>
+                      </a:r>
+                      <a:endParaRPr lang="en-US" altLang="zh-CN" sz="1200">
+                        <a:latin typeface="Menlo Regular" panose="020B0609030804020204" charset="0"/>
+                        <a:cs typeface="Menlo Regular" panose="020B0609030804020204" charset="0"/>
+                      </a:endParaRPr>
+                    </a:p>
+                    <a:p>
+                      <a:pPr>
+                        <a:lnSpc>
+                          <a:spcPct val="100000"/>
+                        </a:lnSpc>
+                        <a:buNone/>
+                      </a:pPr>
+                      <a:r>
+                        <a:rPr lang="en-US" altLang="zh-CN" sz="1200">
+                          <a:latin typeface="Menlo Regular" panose="020B0609030804020204" charset="0"/>
+                          <a:cs typeface="Menlo Regular" panose="020B0609030804020204" charset="0"/>
+                        </a:rPr>
+                        <a:t>q = Queue()</a:t>
+                      </a:r>
+                      <a:endParaRPr lang="en-US" altLang="zh-CN" sz="1200">
+                        <a:latin typeface="Menlo Regular" panose="020B0609030804020204" charset="0"/>
+                        <a:cs typeface="Menlo Regular" panose="020B0609030804020204" charset="0"/>
+                      </a:endParaRPr>
+                    </a:p>
+                    <a:p>
+                      <a:pPr>
+                        <a:lnSpc>
+                          <a:spcPct val="100000"/>
+                        </a:lnSpc>
+                        <a:buNone/>
+                      </a:pPr>
+                      <a:r>
+                        <a:rPr lang="en-US" altLang="zh-CN" sz="1200">
+                          <a:latin typeface="Menlo Regular" panose="020B0609030804020204" charset="0"/>
+                          <a:cs typeface="Menlo Regular" panose="020B0609030804020204" charset="0"/>
+                        </a:rPr>
+                        <a:t>q.put([42, None, 'hello'])</a:t>
+                      </a:r>
+                      <a:endParaRPr lang="en-US" altLang="zh-CN" sz="1200">
+                        <a:latin typeface="Menlo Regular" panose="020B0609030804020204" charset="0"/>
+                        <a:cs typeface="Menlo Regular" panose="020B0609030804020204" charset="0"/>
+                      </a:endParaRPr>
+                    </a:p>
+                    <a:p>
+                      <a:pPr>
+                        <a:lnSpc>
+                          <a:spcPct val="100000"/>
+                        </a:lnSpc>
+                        <a:buNone/>
+                      </a:pPr>
+                      <a:r>
+                        <a:rPr lang="en-US" altLang="zh-CN" sz="1200">
+                          <a:latin typeface="Menlo Regular" panose="020B0609030804020204" charset="0"/>
+                          <a:cs typeface="Menlo Regular" panose="020B0609030804020204" charset="0"/>
+                        </a:rPr>
+                        <a:t>item = q.get()</a:t>
+                      </a:r>
+                      <a:endParaRPr lang="en-US" altLang="zh-CN" sz="1200">
+                        <a:latin typeface="Menlo Regular" panose="020B0609030804020204" charset="0"/>
+                        <a:cs typeface="Menlo Regular" panose="020B0609030804020204" charset="0"/>
+                      </a:endParaRPr>
+                    </a:p>
+                  </a:txBody>
+                  <a:tcPr anchor="ctr" anchorCtr="0"/>
+                </a:tc>
+              </a:tr>
+              <a:tr h="961390">
+                <a:tc>
+                  <a:txBody>
+                    <a:bodyPr/>
+                    <a:p>
+                      <a:pPr>
+                        <a:lnSpc>
+                          <a:spcPct val="100000"/>
+                        </a:lnSpc>
+                        <a:buNone/>
+                      </a:pPr>
+                      <a:r>
+                        <a:rPr lang="zh-CN" altLang="en-US" sz="1200">
+                          <a:latin typeface="Menlo Regular" panose="020B0609030804020204" charset="0"/>
+                          <a:cs typeface="Menlo Regular" panose="020B0609030804020204" charset="0"/>
+                        </a:rPr>
+                        <a:t>线程安全加锁</a:t>
+                      </a:r>
+                      <a:endParaRPr lang="zh-CN" altLang="en-US" sz="1200">
+                        <a:latin typeface="Menlo Regular" panose="020B0609030804020204" charset="0"/>
+                        <a:cs typeface="Menlo Regular" panose="020B0609030804020204" charset="0"/>
+                      </a:endParaRPr>
+                    </a:p>
+                  </a:txBody>
+                  <a:tcPr anchor="ctr" anchorCtr="0"/>
+                </a:tc>
+                <a:tc>
+                  <a:txBody>
+                    <a:bodyPr/>
+                    <a:p>
+                      <a:pPr>
+                        <a:lnSpc>
+                          <a:spcPct val="100000"/>
+                        </a:lnSpc>
+                        <a:buNone/>
+                      </a:pPr>
+                      <a:r>
+                        <a:rPr lang="en-US" altLang="zh-CN" sz="1200">
+                          <a:latin typeface="Menlo Regular" panose="020B0609030804020204" charset="0"/>
+                          <a:cs typeface="Menlo Regular" panose="020B0609030804020204" charset="0"/>
+                        </a:rPr>
+                        <a:t>from threading import Lock</a:t>
+                      </a:r>
+                      <a:endParaRPr lang="en-US" altLang="zh-CN" sz="1200">
+                        <a:latin typeface="Menlo Regular" panose="020B0609030804020204" charset="0"/>
+                        <a:cs typeface="Menlo Regular" panose="020B0609030804020204" charset="0"/>
+                      </a:endParaRPr>
+                    </a:p>
+                    <a:p>
+                      <a:pPr>
+                        <a:lnSpc>
+                          <a:spcPct val="100000"/>
+                        </a:lnSpc>
+                        <a:buNone/>
+                      </a:pPr>
+                      <a:r>
+                        <a:rPr lang="en-US" altLang="zh-CN" sz="1200">
+                          <a:latin typeface="Menlo Regular" panose="020B0609030804020204" charset="0"/>
+                          <a:cs typeface="Menlo Regular" panose="020B0609030804020204" charset="0"/>
+                        </a:rPr>
+                        <a:t>lock = Lock()</a:t>
+                      </a:r>
+                      <a:endParaRPr lang="en-US" altLang="zh-CN" sz="1200">
+                        <a:latin typeface="Menlo Regular" panose="020B0609030804020204" charset="0"/>
+                        <a:cs typeface="Menlo Regular" panose="020B0609030804020204" charset="0"/>
+                      </a:endParaRPr>
+                    </a:p>
+                    <a:p>
+                      <a:pPr>
+                        <a:lnSpc>
+                          <a:spcPct val="100000"/>
+                        </a:lnSpc>
+                        <a:buNone/>
+                      </a:pPr>
+                      <a:r>
+                        <a:rPr lang="en-US" altLang="zh-CN" sz="1200">
+                          <a:latin typeface="Menlo Regular" panose="020B0609030804020204" charset="0"/>
+                          <a:cs typeface="Menlo Regular" panose="020B0609030804020204" charset="0"/>
+                        </a:rPr>
+                        <a:t>with </a:t>
+                      </a:r>
+                      <a:r>
+                        <a:rPr lang="en-US" altLang="zh-CN" sz="1200">
+                          <a:latin typeface="Menlo Regular" panose="020B0609030804020204" charset="0"/>
+                          <a:cs typeface="Menlo Regular" panose="020B0609030804020204" charset="0"/>
+                          <a:sym typeface="+mn-ea"/>
+                        </a:rPr>
+                        <a:t>lock</a:t>
+                      </a:r>
+                      <a:r>
+                        <a:rPr lang="en-US" altLang="zh-CN" sz="1200">
+                          <a:latin typeface="Menlo Regular" panose="020B0609030804020204" charset="0"/>
+                          <a:cs typeface="Menlo Regular" panose="020B0609030804020204" charset="0"/>
+                        </a:rPr>
+                        <a:t>:</a:t>
+                      </a:r>
+                      <a:endParaRPr lang="en-US" altLang="zh-CN" sz="1200">
+                        <a:latin typeface="Menlo Regular" panose="020B0609030804020204" charset="0"/>
+                        <a:cs typeface="Menlo Regular" panose="020B0609030804020204" charset="0"/>
+                      </a:endParaRPr>
+                    </a:p>
+                    <a:p>
+                      <a:pPr>
+                        <a:lnSpc>
+                          <a:spcPct val="100000"/>
+                        </a:lnSpc>
+                        <a:buNone/>
+                      </a:pPr>
+                      <a:r>
+                        <a:rPr lang="en-US" altLang="zh-CN" sz="1200">
+                          <a:latin typeface="Menlo Regular" panose="020B0609030804020204" charset="0"/>
+                          <a:cs typeface="Menlo Regular" panose="020B0609030804020204" charset="0"/>
+                        </a:rPr>
+                        <a:t>    # do something</a:t>
+                      </a:r>
+                      <a:endParaRPr lang="en-US" altLang="zh-CN" sz="1200">
+                        <a:latin typeface="Menlo Regular" panose="020B0609030804020204" charset="0"/>
+                        <a:cs typeface="Menlo Regular" panose="020B0609030804020204" charset="0"/>
+                      </a:endParaRPr>
+                    </a:p>
+                  </a:txBody>
+                  <a:tcPr anchor="ctr" anchorCtr="0"/>
+                </a:tc>
+                <a:tc>
+                  <a:txBody>
+                    <a:bodyPr/>
+                    <a:p>
+                      <a:pPr>
+                        <a:lnSpc>
+                          <a:spcPct val="100000"/>
+                        </a:lnSpc>
+                        <a:buNone/>
+                      </a:pPr>
+                      <a:r>
+                        <a:rPr lang="en-US" altLang="zh-CN" sz="1200">
+                          <a:latin typeface="Menlo Regular" panose="020B0609030804020204" charset="0"/>
+                          <a:cs typeface="Menlo Regular" panose="020B0609030804020204" charset="0"/>
+                        </a:rPr>
+                        <a:t>from multiprocessing import Lock</a:t>
+                      </a:r>
+                      <a:endParaRPr lang="en-US" altLang="zh-CN" sz="1200">
+                        <a:latin typeface="Menlo Regular" panose="020B0609030804020204" charset="0"/>
+                        <a:cs typeface="Menlo Regular" panose="020B0609030804020204" charset="0"/>
+                      </a:endParaRPr>
+                    </a:p>
+                    <a:p>
+                      <a:pPr>
+                        <a:lnSpc>
+                          <a:spcPct val="100000"/>
+                        </a:lnSpc>
+                        <a:buNone/>
+                      </a:pPr>
+                      <a:r>
+                        <a:rPr lang="en-US" altLang="zh-CN" sz="1200">
+                          <a:latin typeface="Menlo Regular" panose="020B0609030804020204" charset="0"/>
+                          <a:cs typeface="Menlo Regular" panose="020B0609030804020204" charset="0"/>
+                        </a:rPr>
+                        <a:t>lock = Lock()</a:t>
+                      </a:r>
+                      <a:endParaRPr lang="en-US" altLang="zh-CN" sz="1200">
+                        <a:latin typeface="Menlo Regular" panose="020B0609030804020204" charset="0"/>
+                        <a:cs typeface="Menlo Regular" panose="020B0609030804020204" charset="0"/>
+                      </a:endParaRPr>
+                    </a:p>
+                    <a:p>
+                      <a:pPr>
+                        <a:lnSpc>
+                          <a:spcPct val="100000"/>
+                        </a:lnSpc>
+                        <a:buNone/>
+                      </a:pPr>
+                      <a:r>
+                        <a:rPr lang="en-US" altLang="zh-CN" sz="1200">
+                          <a:latin typeface="Menlo Regular" panose="020B0609030804020204" charset="0"/>
+                          <a:cs typeface="Menlo Regular" panose="020B0609030804020204" charset="0"/>
+                        </a:rPr>
+                        <a:t>with lock:</a:t>
+                      </a:r>
+                      <a:endParaRPr lang="en-US" altLang="zh-CN" sz="1200">
+                        <a:latin typeface="Menlo Regular" panose="020B0609030804020204" charset="0"/>
+                        <a:cs typeface="Menlo Regular" panose="020B0609030804020204" charset="0"/>
+                      </a:endParaRPr>
+                    </a:p>
+                    <a:p>
+                      <a:pPr>
+                        <a:lnSpc>
+                          <a:spcPct val="100000"/>
+                        </a:lnSpc>
+                        <a:buNone/>
+                      </a:pPr>
+                      <a:r>
+                        <a:rPr lang="en-US" altLang="zh-CN" sz="1200">
+                          <a:latin typeface="Menlo Regular" panose="020B0609030804020204" charset="0"/>
+                          <a:cs typeface="Menlo Regular" panose="020B0609030804020204" charset="0"/>
+                        </a:rPr>
+                        <a:t>    # do something</a:t>
+                      </a:r>
+                      <a:endParaRPr lang="en-US" altLang="zh-CN" sz="1200">
+                        <a:latin typeface="Menlo Regular" panose="020B0609030804020204" charset="0"/>
+                        <a:cs typeface="Menlo Regular" panose="020B0609030804020204" charset="0"/>
+                      </a:endParaRPr>
+                    </a:p>
+                  </a:txBody>
+                  <a:tcPr anchor="ctr" anchorCtr="0"/>
+                </a:tc>
+              </a:tr>
+              <a:tr h="1828800">
+                <a:tc>
+                  <a:txBody>
+                    <a:bodyPr/>
+                    <a:p>
+                      <a:pPr>
+                        <a:lnSpc>
+                          <a:spcPct val="100000"/>
+                        </a:lnSpc>
+                        <a:buNone/>
+                      </a:pPr>
+                      <a:r>
+                        <a:rPr lang="zh-CN" altLang="en-US" sz="1200">
+                          <a:latin typeface="Menlo Regular" panose="020B0609030804020204" charset="0"/>
+                          <a:cs typeface="Menlo Regular" panose="020B0609030804020204" charset="0"/>
+                        </a:rPr>
+                        <a:t>池化技术</a:t>
+                      </a:r>
+                      <a:endParaRPr lang="zh-CN" altLang="en-US" sz="1200">
+                        <a:latin typeface="Menlo Regular" panose="020B0609030804020204" charset="0"/>
+                        <a:cs typeface="Menlo Regular" panose="020B0609030804020204" charset="0"/>
+                      </a:endParaRPr>
+                    </a:p>
+                  </a:txBody>
+                  <a:tcPr anchor="ctr" anchorCtr="0"/>
+                </a:tc>
+                <a:tc>
+                  <a:txBody>
+                    <a:bodyPr/>
+                    <a:p>
+                      <a:pPr>
+                        <a:lnSpc>
+                          <a:spcPct val="100000"/>
+                        </a:lnSpc>
+                        <a:buNone/>
+                      </a:pPr>
+                      <a:r>
+                        <a:rPr lang="en-US" altLang="zh-CN" sz="1200">
+                          <a:latin typeface="Menlo Regular" panose="020B0609030804020204" charset="0"/>
+                          <a:cs typeface="Menlo Regular" panose="020B0609030804020204" charset="0"/>
+                        </a:rPr>
+                        <a:t>from concurrent.futures import ThreadPoolExecutor</a:t>
+                      </a:r>
+                      <a:endParaRPr lang="en-US" altLang="zh-CN" sz="1200">
+                        <a:latin typeface="Menlo Regular" panose="020B0609030804020204" charset="0"/>
+                        <a:cs typeface="Menlo Regular" panose="020B0609030804020204" charset="0"/>
+                      </a:endParaRPr>
+                    </a:p>
+                    <a:p>
+                      <a:pPr>
+                        <a:lnSpc>
+                          <a:spcPct val="100000"/>
+                        </a:lnSpc>
+                        <a:buNone/>
+                      </a:pPr>
+                      <a:endParaRPr lang="en-US" altLang="zh-CN" sz="1200">
+                        <a:latin typeface="Menlo Regular" panose="020B0609030804020204" charset="0"/>
+                        <a:cs typeface="Menlo Regular" panose="020B0609030804020204" charset="0"/>
+                      </a:endParaRPr>
+                    </a:p>
+                    <a:p>
+                      <a:pPr>
+                        <a:lnSpc>
+                          <a:spcPct val="100000"/>
+                        </a:lnSpc>
+                        <a:buNone/>
+                      </a:pPr>
+                      <a:r>
+                        <a:rPr lang="en-US" altLang="zh-CN" sz="1200">
+                          <a:latin typeface="Menlo Regular" panose="020B0609030804020204" charset="0"/>
+                          <a:cs typeface="Menlo Regular" panose="020B0609030804020204" charset="0"/>
+                        </a:rPr>
+                        <a:t>with ThreadPoolExecutor() as executor:</a:t>
+                      </a:r>
+                      <a:endParaRPr lang="en-US" altLang="zh-CN" sz="1200">
+                        <a:latin typeface="Menlo Regular" panose="020B0609030804020204" charset="0"/>
+                        <a:cs typeface="Menlo Regular" panose="020B0609030804020204" charset="0"/>
+                      </a:endParaRPr>
+                    </a:p>
+                    <a:p>
+                      <a:pPr>
+                        <a:lnSpc>
+                          <a:spcPct val="100000"/>
+                        </a:lnSpc>
+                        <a:buNone/>
+                      </a:pPr>
+                      <a:r>
+                        <a:rPr lang="en-US" altLang="zh-CN" sz="1200">
+                          <a:latin typeface="Menlo Regular" panose="020B0609030804020204" charset="0"/>
+                          <a:cs typeface="Menlo Regular" panose="020B0609030804020204" charset="0"/>
+                        </a:rPr>
+                        <a:t>    # 方法1</a:t>
+                      </a:r>
+                      <a:endParaRPr lang="en-US" altLang="zh-CN" sz="1200">
+                        <a:latin typeface="Menlo Regular" panose="020B0609030804020204" charset="0"/>
+                        <a:cs typeface="Menlo Regular" panose="020B0609030804020204" charset="0"/>
+                      </a:endParaRPr>
+                    </a:p>
+                    <a:p>
+                      <a:pPr>
+                        <a:lnSpc>
+                          <a:spcPct val="100000"/>
+                        </a:lnSpc>
+                        <a:buNone/>
+                      </a:pPr>
+                      <a:r>
+                        <a:rPr lang="en-US" altLang="zh-CN" sz="1200">
+                          <a:latin typeface="Menlo Regular" panose="020B0609030804020204" charset="0"/>
+                          <a:cs typeface="Menlo Regular" panose="020B0609030804020204" charset="0"/>
+                        </a:rPr>
+                        <a:t>    results = executor.map(func, [1,2,3])</a:t>
+                      </a:r>
+                      <a:endParaRPr lang="en-US" altLang="zh-CN" sz="1200">
+                        <a:latin typeface="Menlo Regular" panose="020B0609030804020204" charset="0"/>
+                        <a:cs typeface="Menlo Regular" panose="020B0609030804020204" charset="0"/>
+                      </a:endParaRPr>
+                    </a:p>
+                    <a:p>
+                      <a:pPr>
+                        <a:lnSpc>
+                          <a:spcPct val="100000"/>
+                        </a:lnSpc>
+                        <a:buNone/>
+                      </a:pPr>
+                      <a:endParaRPr lang="en-US" altLang="zh-CN" sz="1200">
+                        <a:latin typeface="Menlo Regular" panose="020B0609030804020204" charset="0"/>
+                        <a:cs typeface="Menlo Regular" panose="020B0609030804020204" charset="0"/>
+                      </a:endParaRPr>
+                    </a:p>
+                    <a:p>
+                      <a:pPr>
+                        <a:lnSpc>
+                          <a:spcPct val="100000"/>
+                        </a:lnSpc>
+                        <a:buNone/>
+                      </a:pPr>
+                      <a:r>
+                        <a:rPr lang="en-US" altLang="zh-CN" sz="1200">
+                          <a:latin typeface="Menlo Regular" panose="020B0609030804020204" charset="0"/>
+                          <a:cs typeface="Menlo Regular" panose="020B0609030804020204" charset="0"/>
+                        </a:rPr>
+                        <a:t>    # 方法2</a:t>
+                      </a:r>
+                      <a:endParaRPr lang="en-US" altLang="zh-CN" sz="1200">
+                        <a:latin typeface="Menlo Regular" panose="020B0609030804020204" charset="0"/>
+                        <a:cs typeface="Menlo Regular" panose="020B0609030804020204" charset="0"/>
+                      </a:endParaRPr>
+                    </a:p>
+                    <a:p>
+                      <a:pPr>
+                        <a:lnSpc>
+                          <a:spcPct val="100000"/>
+                        </a:lnSpc>
+                        <a:buNone/>
+                      </a:pPr>
+                      <a:r>
+                        <a:rPr lang="en-US" altLang="zh-CN" sz="1200">
+                          <a:latin typeface="Menlo Regular" panose="020B0609030804020204" charset="0"/>
+                          <a:cs typeface="Menlo Regular" panose="020B0609030804020204" charset="0"/>
+                        </a:rPr>
+                        <a:t>    future = executor.submit(func, 1)</a:t>
+                      </a:r>
+                      <a:endParaRPr lang="en-US" altLang="zh-CN" sz="1200">
+                        <a:latin typeface="Menlo Regular" panose="020B0609030804020204" charset="0"/>
+                        <a:cs typeface="Menlo Regular" panose="020B0609030804020204" charset="0"/>
+                      </a:endParaRPr>
+                    </a:p>
+                    <a:p>
+                      <a:pPr>
+                        <a:lnSpc>
+                          <a:spcPct val="100000"/>
+                        </a:lnSpc>
+                        <a:buNone/>
+                      </a:pPr>
+                      <a:r>
+                        <a:rPr lang="en-US" altLang="zh-CN" sz="1200">
+                          <a:latin typeface="Menlo Regular" panose="020B0609030804020204" charset="0"/>
+                          <a:cs typeface="Menlo Regular" panose="020B0609030804020204" charset="0"/>
+                        </a:rPr>
+                        <a:t>    result = future.result()</a:t>
+                      </a:r>
+                      <a:endParaRPr lang="en-US" altLang="zh-CN" sz="1200">
+                        <a:latin typeface="Menlo Regular" panose="020B0609030804020204" charset="0"/>
+                        <a:cs typeface="Menlo Regular" panose="020B0609030804020204" charset="0"/>
+                      </a:endParaRPr>
+                    </a:p>
+                  </a:txBody>
+                  <a:tcPr anchor="ctr" anchorCtr="0"/>
+                </a:tc>
+                <a:tc>
+                  <a:txBody>
+                    <a:bodyPr/>
+                    <a:p>
+                      <a:pPr>
+                        <a:lnSpc>
+                          <a:spcPct val="100000"/>
+                        </a:lnSpc>
+                        <a:buNone/>
+                      </a:pPr>
+                      <a:r>
+                        <a:rPr lang="en-US" altLang="zh-CN" sz="1200">
+                          <a:latin typeface="Menlo Regular" panose="020B0609030804020204" charset="0"/>
+                          <a:cs typeface="Menlo Regular" panose="020B0609030804020204" charset="0"/>
+                          <a:sym typeface="+mn-ea"/>
+                        </a:rPr>
+                        <a:t>from concurrent.futures import ProcessPoolExecutor</a:t>
+                      </a:r>
+                      <a:endParaRPr lang="en-US" altLang="zh-CN" sz="1200">
+                        <a:latin typeface="Menlo Regular" panose="020B0609030804020204" charset="0"/>
+                        <a:cs typeface="Menlo Regular" panose="020B0609030804020204" charset="0"/>
+                        <a:sym typeface="+mn-ea"/>
+                      </a:endParaRPr>
+                    </a:p>
+                    <a:p>
+                      <a:pPr>
+                        <a:lnSpc>
+                          <a:spcPct val="100000"/>
+                        </a:lnSpc>
+                        <a:buNone/>
+                      </a:pPr>
+                      <a:endParaRPr lang="en-US" altLang="zh-CN" sz="1200">
+                        <a:latin typeface="Menlo Regular" panose="020B0609030804020204" charset="0"/>
+                        <a:cs typeface="Menlo Regular" panose="020B0609030804020204" charset="0"/>
+                        <a:sym typeface="+mn-ea"/>
+                      </a:endParaRPr>
+                    </a:p>
+                    <a:p>
+                      <a:pPr>
+                        <a:lnSpc>
+                          <a:spcPct val="100000"/>
+                        </a:lnSpc>
+                        <a:buNone/>
+                      </a:pPr>
+                      <a:r>
+                        <a:rPr lang="en-US" altLang="zh-CN" sz="1200">
+                          <a:latin typeface="Menlo Regular" panose="020B0609030804020204" charset="0"/>
+                          <a:cs typeface="Menlo Regular" panose="020B0609030804020204" charset="0"/>
+                          <a:sym typeface="+mn-ea"/>
+                        </a:rPr>
+                        <a:t>with ProcessPoolExecutor() as executor:</a:t>
+                      </a:r>
+                      <a:endParaRPr lang="en-US" altLang="zh-CN" sz="1200">
+                        <a:latin typeface="Menlo Regular" panose="020B0609030804020204" charset="0"/>
+                        <a:cs typeface="Menlo Regular" panose="020B0609030804020204" charset="0"/>
+                        <a:sym typeface="+mn-ea"/>
+                      </a:endParaRPr>
+                    </a:p>
+                    <a:p>
+                      <a:pPr>
+                        <a:lnSpc>
+                          <a:spcPct val="100000"/>
+                        </a:lnSpc>
+                        <a:buNone/>
+                      </a:pPr>
+                      <a:r>
+                        <a:rPr lang="en-US" altLang="zh-CN" sz="1200">
+                          <a:latin typeface="Menlo Regular" panose="020B0609030804020204" charset="0"/>
+                          <a:cs typeface="Menlo Regular" panose="020B0609030804020204" charset="0"/>
+                          <a:sym typeface="+mn-ea"/>
+                        </a:rPr>
+                        <a:t>    # 方法1</a:t>
+                      </a:r>
+                      <a:endParaRPr lang="en-US" altLang="zh-CN" sz="1200">
+                        <a:latin typeface="Menlo Regular" panose="020B0609030804020204" charset="0"/>
+                        <a:cs typeface="Menlo Regular" panose="020B0609030804020204" charset="0"/>
+                        <a:sym typeface="+mn-ea"/>
+                      </a:endParaRPr>
+                    </a:p>
+                    <a:p>
+                      <a:pPr>
+                        <a:lnSpc>
+                          <a:spcPct val="100000"/>
+                        </a:lnSpc>
+                        <a:buNone/>
+                      </a:pPr>
+                      <a:r>
+                        <a:rPr lang="en-US" altLang="zh-CN" sz="1200">
+                          <a:latin typeface="Menlo Regular" panose="020B0609030804020204" charset="0"/>
+                          <a:cs typeface="Menlo Regular" panose="020B0609030804020204" charset="0"/>
+                          <a:sym typeface="+mn-ea"/>
+                        </a:rPr>
+                        <a:t>    results = executor.map(func, [1,2,3])</a:t>
+                      </a:r>
+                      <a:endParaRPr lang="en-US" altLang="zh-CN" sz="1200">
+                        <a:latin typeface="Menlo Regular" panose="020B0609030804020204" charset="0"/>
+                        <a:cs typeface="Menlo Regular" panose="020B0609030804020204" charset="0"/>
+                        <a:sym typeface="+mn-ea"/>
+                      </a:endParaRPr>
+                    </a:p>
+                    <a:p>
+                      <a:pPr>
+                        <a:lnSpc>
+                          <a:spcPct val="100000"/>
+                        </a:lnSpc>
+                        <a:buNone/>
+                      </a:pPr>
+                      <a:endParaRPr lang="en-US" altLang="zh-CN" sz="1200">
+                        <a:latin typeface="Menlo Regular" panose="020B0609030804020204" charset="0"/>
+                        <a:cs typeface="Menlo Regular" panose="020B0609030804020204" charset="0"/>
+                        <a:sym typeface="+mn-ea"/>
+                      </a:endParaRPr>
+                    </a:p>
+                    <a:p>
+                      <a:pPr>
+                        <a:lnSpc>
+                          <a:spcPct val="100000"/>
+                        </a:lnSpc>
+                        <a:buNone/>
+                      </a:pPr>
+                      <a:r>
+                        <a:rPr lang="en-US" altLang="zh-CN" sz="1200">
+                          <a:latin typeface="Menlo Regular" panose="020B0609030804020204" charset="0"/>
+                          <a:cs typeface="Menlo Regular" panose="020B0609030804020204" charset="0"/>
+                          <a:sym typeface="+mn-ea"/>
+                        </a:rPr>
+                        <a:t>    # 方法2</a:t>
+                      </a:r>
+                      <a:endParaRPr lang="en-US" altLang="zh-CN" sz="1200">
+                        <a:latin typeface="Menlo Regular" panose="020B0609030804020204" charset="0"/>
+                        <a:cs typeface="Menlo Regular" panose="020B0609030804020204" charset="0"/>
+                        <a:sym typeface="+mn-ea"/>
+                      </a:endParaRPr>
+                    </a:p>
+                    <a:p>
+                      <a:pPr>
+                        <a:lnSpc>
+                          <a:spcPct val="100000"/>
+                        </a:lnSpc>
+                        <a:buNone/>
+                      </a:pPr>
+                      <a:r>
+                        <a:rPr lang="en-US" altLang="zh-CN" sz="1200">
+                          <a:latin typeface="Menlo Regular" panose="020B0609030804020204" charset="0"/>
+                          <a:cs typeface="Menlo Regular" panose="020B0609030804020204" charset="0"/>
+                          <a:sym typeface="+mn-ea"/>
+                        </a:rPr>
+                        <a:t>    future = executor.submit(func, 1)</a:t>
+                      </a:r>
+                      <a:endParaRPr lang="en-US" altLang="zh-CN" sz="1200">
+                        <a:latin typeface="Menlo Regular" panose="020B0609030804020204" charset="0"/>
+                        <a:cs typeface="Menlo Regular" panose="020B0609030804020204" charset="0"/>
+                        <a:sym typeface="+mn-ea"/>
+                      </a:endParaRPr>
+                    </a:p>
+                    <a:p>
+                      <a:pPr>
+                        <a:lnSpc>
+                          <a:spcPct val="100000"/>
+                        </a:lnSpc>
+                        <a:buNone/>
+                      </a:pPr>
+                      <a:r>
+                        <a:rPr lang="en-US" altLang="zh-CN" sz="1200">
+                          <a:latin typeface="Menlo Regular" panose="020B0609030804020204" charset="0"/>
+                          <a:cs typeface="Menlo Regular" panose="020B0609030804020204" charset="0"/>
+                          <a:sym typeface="+mn-ea"/>
+                        </a:rPr>
+                        <a:t>    result = future.result()</a:t>
+                      </a:r>
+                      <a:endParaRPr lang="en-US" altLang="zh-CN" sz="1200">
+                        <a:latin typeface="Menlo Regular" panose="020B0609030804020204" charset="0"/>
+                        <a:cs typeface="Menlo Regular" panose="020B0609030804020204" charset="0"/>
+                        <a:sym typeface="+mn-ea"/>
+                      </a:endParaRPr>
+                    </a:p>
+                  </a:txBody>
+                  <a:tcPr anchor="ctr" anchorCtr="0"/>
+                </a:tc>
+              </a:tr>
+            </a:tbl>
+          </a:graphicData>
+        </a:graphic>
+      </p:graphicFrame>
+    </p:spTree>
+  </p:cSld>
+  <p:clrMapOvr>
+    <a:masterClrMapping/>
+  </p:clrMapOvr>
+  <p:timing>
+    <p:tnLst>
+      <p:par>
+        <p:cTn id="1" dur="indefinite" restart="never" nodeType="tmRoot"/>
+      </p:par>
+    </p:tnLst>
+  </p:timing>
+</p:sld>
+</file>
+
+<file path=ppt/slides/slide44.xml><?xml version="1.0" encoding="utf-8"?>
+<p:sld xmlns:a="http://schemas.openxmlformats.org/drawingml/2006/main" xmlns:r="http://schemas.openxmlformats.org/officeDocument/2006/relationships" xmlns:p="http://schemas.openxmlformats.org/presentationml/2006/main">
+  <p:cSld>
+    <p:spTree>
+      <p:nvGrpSpPr>
+        <p:cNvPr id="1" name=""/>
+        <p:cNvGrpSpPr/>
+        <p:nvPr/>
+      </p:nvGrpSpPr>
+      <p:grpSpPr/>
+      <p:sp>
+        <p:nvSpPr>
+          <p:cNvPr id="13" name="文本框 12"/>
+          <p:cNvSpPr txBox="1"/>
+          <p:nvPr/>
+        </p:nvSpPr>
+        <p:spPr>
+          <a:xfrm>
+            <a:off x="904240" y="496570"/>
+            <a:ext cx="10066655" cy="737235"/>
+          </a:xfrm>
+          <a:prstGeom prst="rect">
+            <a:avLst/>
+          </a:prstGeom>
+          <a:noFill/>
+        </p:spPr>
+        <p:txBody>
+          <a:bodyPr wrap="none" rtlCol="0">
+            <a:spAutoFit/>
+          </a:bodyPr>
+          <a:p>
+            <a:pPr indent="0" algn="l">
+              <a:lnSpc>
+                <a:spcPct val="150000"/>
+              </a:lnSpc>
+              <a:buFont typeface="Arial" panose="020B0604020202090204" pitchFamily="34" charset="0"/>
+              <a:buNone/>
+            </a:pPr>
+            <a:r>
+              <a:rPr lang="zh-CN" altLang="en-US" sz="2800" b="1">
+                <a:solidFill>
+                  <a:schemeClr val="accent1"/>
+                </a:solidFill>
+                <a:latin typeface="微软雅黑" charset="0"/>
+                <a:ea typeface="微软雅黑" charset="0"/>
+                <a:cs typeface="微软雅黑" charset="0"/>
+              </a:rPr>
+              <a:t>3、代码实战：单线程、多线程、多进程对比CPU密集计算速度</a:t>
+            </a:r>
+            <a:endParaRPr lang="zh-CN" altLang="en-US" sz="2800" b="1">
+              <a:solidFill>
+                <a:schemeClr val="accent1"/>
+              </a:solidFill>
+              <a:latin typeface="微软雅黑" charset="0"/>
+              <a:ea typeface="微软雅黑" charset="0"/>
+              <a:cs typeface="微软雅黑" charset="0"/>
+            </a:endParaRPr>
+          </a:p>
+        </p:txBody>
+      </p:sp>
+      <p:graphicFrame>
+        <p:nvGraphicFramePr>
+          <p:cNvPr id="8" name="图表 7"/>
+          <p:cNvGraphicFramePr/>
+          <p:nvPr/>
+        </p:nvGraphicFramePr>
+        <p:xfrm>
+          <a:off x="1449070" y="2162810"/>
+          <a:ext cx="8408670" cy="3382010"/>
+        </p:xfrm>
+        <a:graphic>
+          <a:graphicData uri="http://schemas.openxmlformats.org/drawingml/2006/chart">
+            <c:chart xmlns:c="http://schemas.openxmlformats.org/drawingml/2006/chart" xmlns:r="http://schemas.openxmlformats.org/officeDocument/2006/relationships" r:id="rId1"/>
+          </a:graphicData>
+        </a:graphic>
+      </p:graphicFrame>
+      <p:sp>
+        <p:nvSpPr>
+          <p:cNvPr id="9" name="文本框 8"/>
+          <p:cNvSpPr txBox="1"/>
+          <p:nvPr/>
+        </p:nvSpPr>
+        <p:spPr>
+          <a:xfrm>
+            <a:off x="1736725" y="1794510"/>
+            <a:ext cx="6112510" cy="368300"/>
+          </a:xfrm>
+          <a:prstGeom prst="rect">
+            <a:avLst/>
+          </a:prstGeom>
+          <a:noFill/>
+        </p:spPr>
+        <p:txBody>
+          <a:bodyPr wrap="none" rtlCol="0">
+            <a:spAutoFit/>
+          </a:bodyPr>
+          <a:p>
+            <a:r>
+              <a:rPr lang="en-US" altLang="zh-CN"/>
+              <a:t>CPU</a:t>
+            </a:r>
+            <a:r>
+              <a:rPr lang="zh-CN" altLang="en-US"/>
+              <a:t>密集型计算：</a:t>
+            </a:r>
+            <a:r>
+              <a:rPr lang="en-US" altLang="zh-CN"/>
+              <a:t>100</a:t>
+            </a:r>
+            <a:r>
+              <a:rPr lang="zh-CN" altLang="en-US"/>
+              <a:t>次“判断大数字是否是素数”的计算</a:t>
+            </a:r>
+            <a:endParaRPr lang="zh-CN" altLang="en-US"/>
+          </a:p>
+        </p:txBody>
+      </p:sp>
+      <p:sp>
+        <p:nvSpPr>
+          <p:cNvPr id="10" name="文本框 9"/>
+          <p:cNvSpPr txBox="1"/>
+          <p:nvPr/>
+        </p:nvSpPr>
+        <p:spPr>
+          <a:xfrm>
+            <a:off x="1730375" y="5742940"/>
+            <a:ext cx="8127365" cy="368300"/>
+          </a:xfrm>
+          <a:prstGeom prst="rect">
+            <a:avLst/>
+          </a:prstGeom>
+          <a:noFill/>
+        </p:spPr>
+        <p:txBody>
+          <a:bodyPr wrap="none" rtlCol="0">
+            <a:spAutoFit/>
+          </a:bodyPr>
+          <a:p>
+            <a:r>
+              <a:rPr lang="zh-CN" altLang="en-US"/>
+              <a:t>由于</a:t>
+            </a:r>
+            <a:r>
+              <a:rPr lang="en-US" altLang="zh-CN"/>
+              <a:t>GIL</a:t>
+            </a:r>
+            <a:r>
+              <a:rPr lang="zh-CN" altLang="en-US"/>
+              <a:t>的存在，多线程比单线程计算的还慢，而多进程可以明显加快执行速度</a:t>
+            </a:r>
+            <a:endParaRPr lang="zh-CN" altLang="en-US"/>
+          </a:p>
+        </p:txBody>
+      </p:sp>
+    </p:spTree>
+  </p:cSld>
+  <p:clrMapOvr>
+    <a:masterClrMapping/>
+  </p:clrMapOvr>
+  <p:timing>
+    <p:tnLst>
+      <p:par>
+        <p:cTn id="1" dur="indefinite" restart="never" nodeType="tmRoot"/>
+      </p:par>
+    </p:tnLst>
   </p:timing>
 </p:sld>
 </file>
@@ -26375,6 +31381,18 @@
 </p:tagLst>
 </file>
 
+<file path=ppt/tags/tag10.xml><?xml version="1.0" encoding="utf-8"?>
+<p:tagLst xmlns:p="http://schemas.openxmlformats.org/presentationml/2006/main">
+  <p:tag name="KSO_WM_SLIDE_MODEL_TYPE" val="cover"/>
+</p:tagLst>
+</file>
+
+<file path=ppt/tags/tag11.xml><?xml version="1.0" encoding="utf-8"?>
+<p:tagLst xmlns:p="http://schemas.openxmlformats.org/presentationml/2006/main">
+  <p:tag name="KSO_WM_UNIT_TABLE_BEAUTIFY" val="smartTable{c0c6e345-09f5-4b3e-a4e4-7f9b1d96ed97}"/>
+</p:tagLst>
+</file>
+
 <file path=ppt/tags/tag2.xml><?xml version="1.0" encoding="utf-8"?>
 <p:tagLst xmlns:p="http://schemas.openxmlformats.org/presentationml/2006/main">
   <p:tag name="KSO_WM_SLIDE_MODEL_TYPE" val="cover"/>
@@ -26412,6 +31430,12 @@
 </file>
 
 <file path=ppt/tags/tag8.xml><?xml version="1.0" encoding="utf-8"?>
+<p:tagLst xmlns:p="http://schemas.openxmlformats.org/presentationml/2006/main">
+  <p:tag name="KSO_WM_SLIDE_MODEL_TYPE" val="cover"/>
+</p:tagLst>
+</file>
+
+<file path=ppt/tags/tag9.xml><?xml version="1.0" encoding="utf-8"?>
 <p:tagLst xmlns:p="http://schemas.openxmlformats.org/presentationml/2006/main">
   <p:tag name="KSO_WM_SLIDE_MODEL_TYPE" val="cover"/>
 </p:tagLst>
@@ -26933,4 +31957,256 @@
     </a:ext>
   </a:extLst>
 </a:theme>
+</file>
+
+<file path=ppt/theme/themeOverride1.xml><?xml version="1.0" encoding="utf-8"?>
+<a:themeOverride xmlns:a="http://schemas.openxmlformats.org/drawingml/2006/main">
+  <a:clrScheme name="Office">
+    <a:dk1>
+      <a:sysClr val="windowText" lastClr="000000"/>
+    </a:dk1>
+    <a:lt1>
+      <a:sysClr val="window" lastClr="FFFFFF"/>
+    </a:lt1>
+    <a:dk2>
+      <a:srgbClr val="44546A"/>
+    </a:dk2>
+    <a:lt2>
+      <a:srgbClr val="E7E6E6"/>
+    </a:lt2>
+    <a:accent1>
+      <a:srgbClr val="4472C4"/>
+    </a:accent1>
+    <a:accent2>
+      <a:srgbClr val="ED7D31"/>
+    </a:accent2>
+    <a:accent3>
+      <a:srgbClr val="A5A5A5"/>
+    </a:accent3>
+    <a:accent4>
+      <a:srgbClr val="FFC000"/>
+    </a:accent4>
+    <a:accent5>
+      <a:srgbClr val="5B9BD5"/>
+    </a:accent5>
+    <a:accent6>
+      <a:srgbClr val="70AD47"/>
+    </a:accent6>
+    <a:hlink>
+      <a:srgbClr val="0563C1"/>
+    </a:hlink>
+    <a:folHlink>
+      <a:srgbClr val="954F72"/>
+    </a:folHlink>
+  </a:clrScheme>
+  <a:fontScheme name="Office">
+    <a:majorFont>
+      <a:latin typeface="Calibri Light"/>
+      <a:ea typeface=""/>
+      <a:cs typeface=""/>
+      <a:font script="Jpan" typeface="游ゴシック Light"/>
+      <a:font script="Hang" typeface="맑은 고딕"/>
+      <a:font script="Hans" typeface="等线 Light"/>
+      <a:font script="Hant" typeface="新細明體"/>
+      <a:font script="Arab" typeface="Times New Roman"/>
+      <a:font script="Hebr" typeface="Times New Roman"/>
+      <a:font script="Thai" typeface="Tahoma"/>
+      <a:font script="Ethi" typeface="Nyala"/>
+      <a:font script="Beng" typeface="Vrinda"/>
+      <a:font script="Gujr" typeface="Shruti"/>
+      <a:font script="Khmr" typeface="MoolBoran"/>
+      <a:font script="Knda" typeface="Tunga"/>
+      <a:font script="Guru" typeface="Raavi"/>
+      <a:font script="Cans" typeface="Euphemia"/>
+      <a:font script="Cher" typeface="Plantagenet Cherokee"/>
+      <a:font script="Yiii" typeface="Microsoft Yi Baiti"/>
+      <a:font script="Tibt" typeface="Microsoft Himalaya"/>
+      <a:font script="Thaa" typeface="MV Boli"/>
+      <a:font script="Deva" typeface="Mangal"/>
+      <a:font script="Telu" typeface="Gautami"/>
+      <a:font script="Taml" typeface="Latha"/>
+      <a:font script="Syrc" typeface="Estrangelo Edessa"/>
+      <a:font script="Orya" typeface="Kalinga"/>
+      <a:font script="Mlym" typeface="Kartika"/>
+      <a:font script="Laoo" typeface="DokChampa"/>
+      <a:font script="Sinh" typeface="Iskoola Pota"/>
+      <a:font script="Mong" typeface="Mongolian Baiti"/>
+      <a:font script="Viet" typeface="Times New Roman"/>
+      <a:font script="Uigh" typeface="Microsoft Uighur"/>
+      <a:font script="Geor" typeface="Sylfaen"/>
+    </a:majorFont>
+    <a:minorFont>
+      <a:latin typeface="Calibri"/>
+      <a:ea typeface=""/>
+      <a:cs typeface=""/>
+      <a:font script="Jpan" typeface="游ゴシック"/>
+      <a:font script="Hang" typeface="맑은 고딕"/>
+      <a:font script="Hans" typeface="等线"/>
+      <a:font script="Hant" typeface="新細明體"/>
+      <a:font script="Arab" typeface="Arial"/>
+      <a:font script="Hebr" typeface="Arial"/>
+      <a:font script="Thai" typeface="Tahoma"/>
+      <a:font script="Ethi" typeface="Nyala"/>
+      <a:font script="Beng" typeface="Vrinda"/>
+      <a:font script="Gujr" typeface="Shruti"/>
+      <a:font script="Khmr" typeface="DaunPenh"/>
+      <a:font script="Knda" typeface="Tunga"/>
+      <a:font script="Guru" typeface="Raavi"/>
+      <a:font script="Cans" typeface="Euphemia"/>
+      <a:font script="Cher" typeface="Plantagenet Cherokee"/>
+      <a:font script="Yiii" typeface="Microsoft Yi Baiti"/>
+      <a:font script="Tibt" typeface="Microsoft Himalaya"/>
+      <a:font script="Thaa" typeface="MV Boli"/>
+      <a:font script="Deva" typeface="Mangal"/>
+      <a:font script="Telu" typeface="Gautami"/>
+      <a:font script="Taml" typeface="Latha"/>
+      <a:font script="Syrc" typeface="Estrangelo Edessa"/>
+      <a:font script="Orya" typeface="Kalinga"/>
+      <a:font script="Mlym" typeface="Kartika"/>
+      <a:font script="Laoo" typeface="DokChampa"/>
+      <a:font script="Sinh" typeface="Iskoola Pota"/>
+      <a:font script="Mong" typeface="Mongolian Baiti"/>
+      <a:font script="Viet" typeface="Arial"/>
+      <a:font script="Uigh" typeface="Microsoft Uighur"/>
+      <a:font script="Geor" typeface="Sylfaen"/>
+    </a:minorFont>
+  </a:fontScheme>
+  <a:fmtScheme name="Office">
+    <a:fillStyleLst>
+      <a:solidFill>
+        <a:schemeClr val="phClr"/>
+      </a:solidFill>
+      <a:gradFill rotWithShape="1">
+        <a:gsLst>
+          <a:gs pos="0">
+            <a:schemeClr val="phClr">
+              <a:lumMod val="110000"/>
+              <a:satMod val="105000"/>
+              <a:tint val="67000"/>
+            </a:schemeClr>
+          </a:gs>
+          <a:gs pos="50000">
+            <a:schemeClr val="phClr">
+              <a:lumMod val="105000"/>
+              <a:satMod val="103000"/>
+              <a:tint val="73000"/>
+            </a:schemeClr>
+          </a:gs>
+          <a:gs pos="100000">
+            <a:schemeClr val="phClr">
+              <a:lumMod val="105000"/>
+              <a:satMod val="109000"/>
+              <a:tint val="81000"/>
+            </a:schemeClr>
+          </a:gs>
+        </a:gsLst>
+        <a:lin ang="5400000" scaled="0"/>
+      </a:gradFill>
+      <a:gradFill rotWithShape="1">
+        <a:gsLst>
+          <a:gs pos="0">
+            <a:schemeClr val="phClr">
+              <a:satMod val="103000"/>
+              <a:lumMod val="102000"/>
+              <a:tint val="94000"/>
+            </a:schemeClr>
+          </a:gs>
+          <a:gs pos="50000">
+            <a:schemeClr val="phClr">
+              <a:satMod val="110000"/>
+              <a:lumMod val="100000"/>
+              <a:shade val="100000"/>
+            </a:schemeClr>
+          </a:gs>
+          <a:gs pos="100000">
+            <a:schemeClr val="phClr">
+              <a:lumMod val="99000"/>
+              <a:satMod val="120000"/>
+              <a:shade val="78000"/>
+            </a:schemeClr>
+          </a:gs>
+        </a:gsLst>
+        <a:lin ang="5400000" scaled="0"/>
+      </a:gradFill>
+    </a:fillStyleLst>
+    <a:lnStyleLst>
+      <a:ln w="6350" cap="flat" cmpd="sng" algn="ctr">
+        <a:solidFill>
+          <a:schemeClr val="phClr"/>
+        </a:solidFill>
+        <a:prstDash val="solid"/>
+        <a:miter lim="800000"/>
+      </a:ln>
+      <a:ln w="12700" cap="flat" cmpd="sng" algn="ctr">
+        <a:solidFill>
+          <a:schemeClr val="phClr"/>
+        </a:solidFill>
+        <a:prstDash val="solid"/>
+        <a:miter lim="800000"/>
+      </a:ln>
+      <a:ln w="19050" cap="flat" cmpd="sng" algn="ctr">
+        <a:solidFill>
+          <a:schemeClr val="phClr"/>
+        </a:solidFill>
+        <a:prstDash val="solid"/>
+        <a:miter lim="800000"/>
+      </a:ln>
+    </a:lnStyleLst>
+    <a:effectStyleLst>
+      <a:effectStyle>
+        <a:effectLst/>
+      </a:effectStyle>
+      <a:effectStyle>
+        <a:effectLst/>
+      </a:effectStyle>
+      <a:effectStyle>
+        <a:effectLst>
+          <a:outerShdw blurRad="57150" dist="19050" dir="5400000" algn="ctr" rotWithShape="0">
+            <a:srgbClr val="000000">
+              <a:alpha val="63000"/>
+            </a:srgbClr>
+          </a:outerShdw>
+        </a:effectLst>
+      </a:effectStyle>
+    </a:effectStyleLst>
+    <a:bgFillStyleLst>
+      <a:solidFill>
+        <a:schemeClr val="phClr"/>
+      </a:solidFill>
+      <a:solidFill>
+        <a:schemeClr val="phClr">
+          <a:tint val="95000"/>
+          <a:satMod val="170000"/>
+        </a:schemeClr>
+      </a:solidFill>
+      <a:gradFill rotWithShape="1">
+        <a:gsLst>
+          <a:gs pos="0">
+            <a:schemeClr val="phClr">
+              <a:tint val="93000"/>
+              <a:satMod val="150000"/>
+              <a:shade val="98000"/>
+              <a:lumMod val="102000"/>
+            </a:schemeClr>
+          </a:gs>
+          <a:gs pos="50000">
+            <a:schemeClr val="phClr">
+              <a:tint val="98000"/>
+              <a:satMod val="130000"/>
+              <a:shade val="90000"/>
+              <a:lumMod val="103000"/>
+            </a:schemeClr>
+          </a:gs>
+          <a:gs pos="100000">
+            <a:schemeClr val="phClr">
+              <a:shade val="63000"/>
+              <a:satMod val="120000"/>
+            </a:schemeClr>
+          </a:gs>
+        </a:gsLst>
+        <a:lin ang="5400000" scaled="0"/>
+      </a:gradFill>
+    </a:bgFillStyleLst>
+  </a:fmtScheme>
+</a:themeOverride>
 </file>
--- a/Python并发编程简介.pptx
+++ b/Python并发编程简介.pptx
@@ -52,6 +52,10 @@
     <p:sldId id="316" r:id="rId45"/>
     <p:sldId id="317" r:id="rId46"/>
     <p:sldId id="318" r:id="rId47"/>
+    <p:sldId id="319" r:id="rId48"/>
+    <p:sldId id="320" r:id="rId49"/>
+    <p:sldId id="321" r:id="rId50"/>
+    <p:sldId id="322" r:id="rId51"/>
   </p:sldIdLst>
   <p:sldSz cx="12192000" cy="6858000"/>
   <p:notesSz cx="7103745" cy="10234295"/>
@@ -28817,6 +28821,3217 @@
 </p:sld>
 </file>
 
+<file path=ppt/slides/slide45.xml><?xml version="1.0" encoding="utf-8"?>
+<p:sld xmlns:a="http://schemas.openxmlformats.org/drawingml/2006/main" xmlns:r="http://schemas.openxmlformats.org/officeDocument/2006/relationships" xmlns:p="http://schemas.openxmlformats.org/presentationml/2006/main">
+  <p:cSld>
+    <p:bg>
+      <p:bgPr>
+        <a:gradFill>
+          <a:gsLst>
+            <a:gs pos="0">
+              <a:srgbClr val="012D86"/>
+            </a:gs>
+            <a:gs pos="100000">
+              <a:srgbClr val="0E2557"/>
+            </a:gs>
+          </a:gsLst>
+          <a:lin ang="5400000" scaled="0"/>
+        </a:gradFill>
+        <a:effectLst/>
+      </p:bgPr>
+    </p:bg>
+    <p:spTree>
+      <p:nvGrpSpPr>
+        <p:cNvPr id="1" name=""/>
+        <p:cNvGrpSpPr/>
+        <p:nvPr/>
+      </p:nvGrpSpPr>
+      <p:grpSpPr/>
+      <p:sp>
+        <p:nvSpPr>
+          <p:cNvPr id="2" name="标题 1"/>
+          <p:cNvSpPr>
+            <a:spLocks noGrp="1"/>
+          </p:cNvSpPr>
+          <p:nvPr>
+            <p:ph type="ctrTitle"/>
+          </p:nvPr>
+        </p:nvSpPr>
+        <p:spPr>
+          <a:xfrm>
+            <a:off x="4892675" y="2880995"/>
+            <a:ext cx="6174105" cy="2199640"/>
+          </a:xfrm>
+        </p:spPr>
+        <p:style>
+          <a:lnRef idx="2">
+            <a:schemeClr val="accent6">
+              <a:shade val="50000"/>
+            </a:schemeClr>
+          </a:lnRef>
+          <a:fillRef idx="1">
+            <a:schemeClr val="accent6"/>
+          </a:fillRef>
+          <a:effectRef idx="0">
+            <a:schemeClr val="accent6"/>
+          </a:effectRef>
+          <a:fontRef idx="minor">
+            <a:schemeClr val="lt1"/>
+          </a:fontRef>
+        </p:style>
+        <p:txBody>
+          <a:bodyPr anchor="ctr" anchorCtr="0">
+            <a:noAutofit/>
+          </a:bodyPr>
+          <a:p>
+            <a:pPr algn="l">
+              <a:lnSpc>
+                <a:spcPct val="130000"/>
+              </a:lnSpc>
+              <a:spcBef>
+                <a:spcPts val="0"/>
+              </a:spcBef>
+              <a:spcAft>
+                <a:spcPts val="0"/>
+              </a:spcAft>
+            </a:pPr>
+            <a:r>
+              <a:rPr lang="zh-CN" altLang="en-US" sz="5400" b="1">
+                <a:solidFill>
+                  <a:schemeClr val="bg1"/>
+                </a:solidFill>
+                <a:latin typeface="微软雅黑" charset="0"/>
+                <a:ea typeface="微软雅黑" charset="0"/>
+                <a:cs typeface="微软雅黑" charset="0"/>
+              </a:rPr>
+              <a:t>在</a:t>
+            </a:r>
+            <a:r>
+              <a:rPr lang="en-US" altLang="zh-CN" sz="5400" b="1">
+                <a:solidFill>
+                  <a:schemeClr val="bg1"/>
+                </a:solidFill>
+                <a:latin typeface="微软雅黑" charset="0"/>
+                <a:ea typeface="微软雅黑" charset="0"/>
+                <a:cs typeface="微软雅黑" charset="0"/>
+              </a:rPr>
+              <a:t>Flask</a:t>
+            </a:r>
+            <a:r>
+              <a:rPr lang="zh-CN" altLang="en-US" sz="5400" b="1">
+                <a:solidFill>
+                  <a:schemeClr val="bg1"/>
+                </a:solidFill>
+                <a:latin typeface="微软雅黑" charset="0"/>
+                <a:ea typeface="微软雅黑" charset="0"/>
+                <a:cs typeface="微软雅黑" charset="0"/>
+              </a:rPr>
+              <a:t>服务中</a:t>
+            </a:r>
+            <a:br>
+              <a:rPr lang="zh-CN" altLang="en-US" sz="5400" b="1">
+                <a:solidFill>
+                  <a:schemeClr val="bg1"/>
+                </a:solidFill>
+                <a:latin typeface="微软雅黑" charset="0"/>
+                <a:ea typeface="微软雅黑" charset="0"/>
+                <a:cs typeface="微软雅黑" charset="0"/>
+              </a:rPr>
+            </a:br>
+            <a:r>
+              <a:rPr lang="zh-CN" altLang="en-US" sz="5400" b="1">
+                <a:solidFill>
+                  <a:schemeClr val="bg1"/>
+                </a:solidFill>
+                <a:latin typeface="微软雅黑" charset="0"/>
+                <a:ea typeface="微软雅黑" charset="0"/>
+                <a:cs typeface="微软雅黑" charset="0"/>
+              </a:rPr>
+              <a:t>使用进程池加速</a:t>
+            </a:r>
+            <a:endParaRPr lang="zh-CN" altLang="en-US" sz="5400" b="1">
+              <a:solidFill>
+                <a:schemeClr val="bg1"/>
+              </a:solidFill>
+              <a:latin typeface="微软雅黑" charset="0"/>
+              <a:ea typeface="微软雅黑" charset="0"/>
+              <a:cs typeface="微软雅黑" charset="0"/>
+            </a:endParaRPr>
+          </a:p>
+        </p:txBody>
+      </p:sp>
+      <p:pic>
+        <p:nvPicPr>
+          <p:cNvPr id="5" name="图片 4" descr="kisspng-angle-text-symbol-brand-other-python-5ab0c09b9ea1a7.3286927515215330836498 (1)"/>
+          <p:cNvPicPr>
+            <a:picLocks noChangeAspect="1"/>
+          </p:cNvPicPr>
+          <p:nvPr/>
+        </p:nvPicPr>
+        <p:blipFill>
+          <a:blip r:embed="rId1"/>
+          <a:stretch>
+            <a:fillRect/>
+          </a:stretch>
+        </p:blipFill>
+        <p:spPr>
+          <a:xfrm>
+            <a:off x="288290" y="986790"/>
+            <a:ext cx="4884420" cy="4884420"/>
+          </a:xfrm>
+          <a:prstGeom prst="rect">
+            <a:avLst/>
+          </a:prstGeom>
+        </p:spPr>
+      </p:pic>
+      <p:sp>
+        <p:nvSpPr>
+          <p:cNvPr id="3" name="文本框 2"/>
+          <p:cNvSpPr txBox="1"/>
+          <p:nvPr/>
+        </p:nvSpPr>
+        <p:spPr>
+          <a:xfrm>
+            <a:off x="4831080" y="1866265"/>
+            <a:ext cx="6005195" cy="1014730"/>
+          </a:xfrm>
+          <a:prstGeom prst="rect">
+            <a:avLst/>
+          </a:prstGeom>
+          <a:noFill/>
+        </p:spPr>
+        <p:txBody>
+          <a:bodyPr wrap="none" rtlCol="0" anchor="t">
+            <a:spAutoFit/>
+          </a:bodyPr>
+          <a:p>
+            <a:r>
+              <a:rPr lang="en-US" sz="6000" b="1">
+                <a:solidFill>
+                  <a:schemeClr val="bg1"/>
+                </a:solidFill>
+                <a:latin typeface="微软雅黑" charset="0"/>
+                <a:ea typeface="微软雅黑" charset="0"/>
+                <a:cs typeface="微软雅黑" charset="0"/>
+                <a:sym typeface="+mn-ea"/>
+              </a:rPr>
+              <a:t>Python</a:t>
+            </a:r>
+            <a:r>
+              <a:rPr lang="zh-CN" altLang="en-US" sz="6000" b="1">
+                <a:solidFill>
+                  <a:schemeClr val="bg1"/>
+                </a:solidFill>
+                <a:latin typeface="微软雅黑" charset="0"/>
+                <a:ea typeface="微软雅黑" charset="0"/>
+                <a:cs typeface="微软雅黑" charset="0"/>
+                <a:sym typeface="+mn-ea"/>
+              </a:rPr>
+              <a:t> 并发编程</a:t>
+            </a:r>
+            <a:endParaRPr lang="zh-CN" altLang="en-US" sz="6000" b="1">
+              <a:solidFill>
+                <a:schemeClr val="bg1"/>
+              </a:solidFill>
+              <a:latin typeface="微软雅黑" charset="0"/>
+              <a:ea typeface="微软雅黑" charset="0"/>
+              <a:cs typeface="微软雅黑" charset="0"/>
+              <a:sym typeface="+mn-ea"/>
+            </a:endParaRPr>
+          </a:p>
+        </p:txBody>
+      </p:sp>
+    </p:spTree>
+    <p:custDataLst>
+      <p:tags r:id="rId2"/>
+    </p:custDataLst>
+  </p:cSld>
+  <p:clrMapOvr>
+    <a:masterClrMapping/>
+  </p:clrMapOvr>
+</p:sld>
+</file>
+
+<file path=ppt/slides/slide46.xml><?xml version="1.0" encoding="utf-8"?>
+<p:sld xmlns:a="http://schemas.openxmlformats.org/drawingml/2006/main" xmlns:r="http://schemas.openxmlformats.org/officeDocument/2006/relationships" xmlns:p="http://schemas.openxmlformats.org/presentationml/2006/main">
+  <p:cSld>
+    <p:bg>
+      <p:bgPr>
+        <a:gradFill>
+          <a:gsLst>
+            <a:gs pos="0">
+              <a:srgbClr val="012D86"/>
+            </a:gs>
+            <a:gs pos="100000">
+              <a:srgbClr val="0E2557"/>
+            </a:gs>
+          </a:gsLst>
+          <a:lin ang="5400000" scaled="0"/>
+        </a:gradFill>
+        <a:effectLst/>
+      </p:bgPr>
+    </p:bg>
+    <p:spTree>
+      <p:nvGrpSpPr>
+        <p:cNvPr id="1" name=""/>
+        <p:cNvGrpSpPr/>
+        <p:nvPr/>
+      </p:nvGrpSpPr>
+      <p:grpSpPr/>
+      <p:sp>
+        <p:nvSpPr>
+          <p:cNvPr id="2" name="标题 1"/>
+          <p:cNvSpPr>
+            <a:spLocks noGrp="1"/>
+          </p:cNvSpPr>
+          <p:nvPr>
+            <p:ph type="ctrTitle"/>
+          </p:nvPr>
+        </p:nvSpPr>
+        <p:spPr>
+          <a:xfrm>
+            <a:off x="4892675" y="2880995"/>
+            <a:ext cx="6174105" cy="2199640"/>
+          </a:xfrm>
+        </p:spPr>
+        <p:style>
+          <a:lnRef idx="2">
+            <a:schemeClr val="accent6">
+              <a:shade val="50000"/>
+            </a:schemeClr>
+          </a:lnRef>
+          <a:fillRef idx="1">
+            <a:schemeClr val="accent6"/>
+          </a:fillRef>
+          <a:effectRef idx="0">
+            <a:schemeClr val="accent6"/>
+          </a:effectRef>
+          <a:fontRef idx="minor">
+            <a:schemeClr val="lt1"/>
+          </a:fontRef>
+        </p:style>
+        <p:txBody>
+          <a:bodyPr anchor="ctr" anchorCtr="0">
+            <a:noAutofit/>
+          </a:bodyPr>
+          <a:p>
+            <a:pPr algn="l">
+              <a:lnSpc>
+                <a:spcPct val="130000"/>
+              </a:lnSpc>
+              <a:spcBef>
+                <a:spcPts val="0"/>
+              </a:spcBef>
+              <a:spcAft>
+                <a:spcPts val="0"/>
+              </a:spcAft>
+            </a:pPr>
+            <a:r>
+              <a:rPr sz="5400" b="1">
+                <a:solidFill>
+                  <a:schemeClr val="bg1"/>
+                </a:solidFill>
+                <a:latin typeface="微软雅黑" charset="0"/>
+                <a:ea typeface="微软雅黑" charset="0"/>
+                <a:cs typeface="微软雅黑" charset="0"/>
+              </a:rPr>
+              <a:t>Python异步IO</a:t>
+            </a:r>
+            <a:br>
+              <a:rPr sz="5400" b="1">
+                <a:solidFill>
+                  <a:schemeClr val="bg1"/>
+                </a:solidFill>
+                <a:latin typeface="微软雅黑" charset="0"/>
+                <a:ea typeface="微软雅黑" charset="0"/>
+                <a:cs typeface="微软雅黑" charset="0"/>
+              </a:rPr>
+            </a:br>
+            <a:r>
+              <a:rPr sz="5400" b="1">
+                <a:solidFill>
+                  <a:schemeClr val="bg1"/>
+                </a:solidFill>
+                <a:latin typeface="微软雅黑" charset="0"/>
+                <a:ea typeface="微软雅黑" charset="0"/>
+                <a:cs typeface="微软雅黑" charset="0"/>
+              </a:rPr>
+              <a:t>实现并发爬虫</a:t>
+            </a:r>
+            <a:endParaRPr sz="5400" b="1">
+              <a:solidFill>
+                <a:schemeClr val="bg1"/>
+              </a:solidFill>
+              <a:latin typeface="微软雅黑" charset="0"/>
+              <a:ea typeface="微软雅黑" charset="0"/>
+              <a:cs typeface="微软雅黑" charset="0"/>
+            </a:endParaRPr>
+          </a:p>
+        </p:txBody>
+      </p:sp>
+      <p:pic>
+        <p:nvPicPr>
+          <p:cNvPr id="5" name="图片 4" descr="kisspng-angle-text-symbol-brand-other-python-5ab0c09b9ea1a7.3286927515215330836498 (1)"/>
+          <p:cNvPicPr>
+            <a:picLocks noChangeAspect="1"/>
+          </p:cNvPicPr>
+          <p:nvPr/>
+        </p:nvPicPr>
+        <p:blipFill>
+          <a:blip r:embed="rId1"/>
+          <a:stretch>
+            <a:fillRect/>
+          </a:stretch>
+        </p:blipFill>
+        <p:spPr>
+          <a:xfrm>
+            <a:off x="288290" y="986790"/>
+            <a:ext cx="4884420" cy="4884420"/>
+          </a:xfrm>
+          <a:prstGeom prst="rect">
+            <a:avLst/>
+          </a:prstGeom>
+        </p:spPr>
+      </p:pic>
+      <p:sp>
+        <p:nvSpPr>
+          <p:cNvPr id="3" name="文本框 2"/>
+          <p:cNvSpPr txBox="1"/>
+          <p:nvPr/>
+        </p:nvSpPr>
+        <p:spPr>
+          <a:xfrm>
+            <a:off x="4831080" y="1866265"/>
+            <a:ext cx="6005195" cy="1014730"/>
+          </a:xfrm>
+          <a:prstGeom prst="rect">
+            <a:avLst/>
+          </a:prstGeom>
+          <a:noFill/>
+        </p:spPr>
+        <p:txBody>
+          <a:bodyPr wrap="none" rtlCol="0" anchor="t">
+            <a:spAutoFit/>
+          </a:bodyPr>
+          <a:p>
+            <a:r>
+              <a:rPr lang="en-US" sz="6000" b="1">
+                <a:solidFill>
+                  <a:schemeClr val="bg1"/>
+                </a:solidFill>
+                <a:latin typeface="微软雅黑" charset="0"/>
+                <a:ea typeface="微软雅黑" charset="0"/>
+                <a:cs typeface="微软雅黑" charset="0"/>
+                <a:sym typeface="+mn-ea"/>
+              </a:rPr>
+              <a:t>Python</a:t>
+            </a:r>
+            <a:r>
+              <a:rPr lang="zh-CN" altLang="en-US" sz="6000" b="1">
+                <a:solidFill>
+                  <a:schemeClr val="bg1"/>
+                </a:solidFill>
+                <a:latin typeface="微软雅黑" charset="0"/>
+                <a:ea typeface="微软雅黑" charset="0"/>
+                <a:cs typeface="微软雅黑" charset="0"/>
+                <a:sym typeface="+mn-ea"/>
+              </a:rPr>
+              <a:t> 并发编程</a:t>
+            </a:r>
+            <a:endParaRPr lang="zh-CN" altLang="en-US" sz="6000" b="1">
+              <a:solidFill>
+                <a:schemeClr val="bg1"/>
+              </a:solidFill>
+              <a:latin typeface="微软雅黑" charset="0"/>
+              <a:ea typeface="微软雅黑" charset="0"/>
+              <a:cs typeface="微软雅黑" charset="0"/>
+              <a:sym typeface="+mn-ea"/>
+            </a:endParaRPr>
+          </a:p>
+        </p:txBody>
+      </p:sp>
+    </p:spTree>
+    <p:custDataLst>
+      <p:tags r:id="rId2"/>
+    </p:custDataLst>
+  </p:cSld>
+  <p:clrMapOvr>
+    <a:masterClrMapping/>
+  </p:clrMapOvr>
+</p:sld>
+</file>
+
+<file path=ppt/slides/slide47.xml><?xml version="1.0" encoding="utf-8"?>
+<p:sld xmlns:a="http://schemas.openxmlformats.org/drawingml/2006/main" xmlns:r="http://schemas.openxmlformats.org/officeDocument/2006/relationships" xmlns:p="http://schemas.openxmlformats.org/presentationml/2006/main">
+  <p:cSld>
+    <p:spTree>
+      <p:nvGrpSpPr>
+        <p:cNvPr id="1" name=""/>
+        <p:cNvGrpSpPr/>
+        <p:nvPr/>
+      </p:nvGrpSpPr>
+      <p:grpSpPr/>
+      <p:grpSp>
+        <p:nvGrpSpPr>
+          <p:cNvPr id="67" name="组合 66"/>
+          <p:cNvGrpSpPr/>
+          <p:nvPr/>
+        </p:nvGrpSpPr>
+        <p:grpSpPr>
+          <a:xfrm>
+            <a:off x="904240" y="496570"/>
+            <a:ext cx="9201785" cy="1855470"/>
+            <a:chOff x="1424" y="782"/>
+            <a:chExt cx="14491" cy="2922"/>
+          </a:xfrm>
+        </p:grpSpPr>
+        <p:sp>
+          <p:nvSpPr>
+            <p:cNvPr id="13" name="文本框 12"/>
+            <p:cNvSpPr txBox="1"/>
+            <p:nvPr/>
+          </p:nvSpPr>
+          <p:spPr>
+            <a:xfrm>
+              <a:off x="1424" y="782"/>
+              <a:ext cx="5898" cy="1161"/>
+            </a:xfrm>
+            <a:prstGeom prst="rect">
+              <a:avLst/>
+            </a:prstGeom>
+            <a:noFill/>
+          </p:spPr>
+          <p:txBody>
+            <a:bodyPr wrap="none" rtlCol="0">
+              <a:spAutoFit/>
+            </a:bodyPr>
+            <a:p>
+              <a:pPr indent="0" algn="l">
+                <a:lnSpc>
+                  <a:spcPct val="150000"/>
+                </a:lnSpc>
+                <a:buFont typeface="Arial" panose="020B0604020202090204" pitchFamily="34" charset="0"/>
+                <a:buNone/>
+              </a:pPr>
+              <a:r>
+                <a:rPr lang="zh-CN" altLang="en-US" sz="2800" b="1">
+                  <a:solidFill>
+                    <a:schemeClr val="accent1"/>
+                  </a:solidFill>
+                  <a:latin typeface="微软雅黑" charset="0"/>
+                  <a:ea typeface="微软雅黑" charset="0"/>
+                  <a:cs typeface="微软雅黑" charset="0"/>
+                </a:rPr>
+                <a:t>单线程爬虫的执行路径</a:t>
+              </a:r>
+              <a:endParaRPr lang="zh-CN" altLang="en-US" sz="2800" b="1">
+                <a:solidFill>
+                  <a:schemeClr val="accent1"/>
+                </a:solidFill>
+                <a:latin typeface="微软雅黑" charset="0"/>
+                <a:ea typeface="微软雅黑" charset="0"/>
+                <a:cs typeface="微软雅黑" charset="0"/>
+              </a:endParaRPr>
+            </a:p>
+          </p:txBody>
+        </p:sp>
+        <p:grpSp>
+          <p:nvGrpSpPr>
+            <p:cNvPr id="66" name="组合 65"/>
+            <p:cNvGrpSpPr/>
+            <p:nvPr/>
+          </p:nvGrpSpPr>
+          <p:grpSpPr>
+            <a:xfrm>
+              <a:off x="1911" y="2178"/>
+              <a:ext cx="14004" cy="1527"/>
+              <a:chOff x="1911" y="2178"/>
+              <a:chExt cx="14004" cy="1527"/>
+            </a:xfrm>
+          </p:grpSpPr>
+          <p:sp>
+            <p:nvSpPr>
+              <p:cNvPr id="3" name="矩形 2"/>
+              <p:cNvSpPr/>
+              <p:nvPr/>
+            </p:nvSpPr>
+            <p:spPr>
+              <a:xfrm>
+                <a:off x="3095" y="2799"/>
+                <a:ext cx="3568" cy="906"/>
+              </a:xfrm>
+              <a:prstGeom prst="rect">
+                <a:avLst/>
+              </a:prstGeom>
+            </p:spPr>
+            <p:style>
+              <a:lnRef idx="2">
+                <a:schemeClr val="accent1"/>
+              </a:lnRef>
+              <a:fillRef idx="1">
+                <a:schemeClr val="lt1"/>
+              </a:fillRef>
+              <a:effectRef idx="0">
+                <a:schemeClr val="accent1"/>
+              </a:effectRef>
+              <a:fontRef idx="minor">
+                <a:schemeClr val="dk1"/>
+              </a:fontRef>
+            </p:style>
+            <p:txBody>
+              <a:bodyPr rtlCol="0" anchor="ctr"/>
+              <a:p>
+                <a:pPr algn="ctr"/>
+                <a:endParaRPr lang="zh-CN" altLang="en-US"/>
+              </a:p>
+            </p:txBody>
+          </p:sp>
+          <p:sp>
+            <p:nvSpPr>
+              <p:cNvPr id="4" name="矩形 3"/>
+              <p:cNvSpPr/>
+              <p:nvPr/>
+            </p:nvSpPr>
+            <p:spPr>
+              <a:xfrm>
+                <a:off x="3402" y="3001"/>
+                <a:ext cx="865" cy="502"/>
+              </a:xfrm>
+              <a:prstGeom prst="rect">
+                <a:avLst/>
+              </a:prstGeom>
+            </p:spPr>
+            <p:style>
+              <a:lnRef idx="2">
+                <a:schemeClr val="accent1">
+                  <a:shade val="50000"/>
+                </a:schemeClr>
+              </a:lnRef>
+              <a:fillRef idx="1">
+                <a:schemeClr val="accent1"/>
+              </a:fillRef>
+              <a:effectRef idx="0">
+                <a:schemeClr val="accent1"/>
+              </a:effectRef>
+              <a:fontRef idx="minor">
+                <a:schemeClr val="lt1"/>
+              </a:fontRef>
+            </p:style>
+            <p:txBody>
+              <a:bodyPr rtlCol="0" anchor="ctr"/>
+              <a:p>
+                <a:pPr algn="ctr"/>
+                <a:r>
+                  <a:rPr lang="en-US" altLang="zh-CN" sz="1000" b="1">
+                    <a:latin typeface="微软雅黑" charset="0"/>
+                    <a:ea typeface="微软雅黑" charset="0"/>
+                    <a:cs typeface="微软雅黑" charset="0"/>
+                  </a:rPr>
+                  <a:t>CPU</a:t>
+                </a:r>
+                <a:endParaRPr lang="zh-CN" altLang="en-US" sz="1000" b="1">
+                  <a:latin typeface="微软雅黑" charset="0"/>
+                  <a:ea typeface="微软雅黑" charset="0"/>
+                  <a:cs typeface="微软雅黑" charset="0"/>
+                </a:endParaRPr>
+              </a:p>
+            </p:txBody>
+          </p:sp>
+          <p:sp>
+            <p:nvSpPr>
+              <p:cNvPr id="5" name="矩形 4"/>
+              <p:cNvSpPr/>
+              <p:nvPr/>
+            </p:nvSpPr>
+            <p:spPr>
+              <a:xfrm>
+                <a:off x="4377" y="3004"/>
+                <a:ext cx="1004" cy="502"/>
+              </a:xfrm>
+              <a:prstGeom prst="rect">
+                <a:avLst/>
+              </a:prstGeom>
+            </p:spPr>
+            <p:style>
+              <a:lnRef idx="2">
+                <a:schemeClr val="accent1">
+                  <a:shade val="50000"/>
+                </a:schemeClr>
+              </a:lnRef>
+              <a:fillRef idx="1">
+                <a:schemeClr val="accent1"/>
+              </a:fillRef>
+              <a:effectRef idx="0">
+                <a:schemeClr val="accent1"/>
+              </a:effectRef>
+              <a:fontRef idx="minor">
+                <a:schemeClr val="lt1"/>
+              </a:fontRef>
+            </p:style>
+            <p:txBody>
+              <a:bodyPr rtlCol="0" anchor="ctr"/>
+              <a:p>
+                <a:pPr algn="ctr"/>
+                <a:r>
+                  <a:rPr lang="zh-CN" altLang="en-US" sz="1000" b="1">
+                    <a:latin typeface="微软雅黑" charset="0"/>
+                    <a:ea typeface="微软雅黑" charset="0"/>
+                    <a:cs typeface="微软雅黑" charset="0"/>
+                  </a:rPr>
+                  <a:t>等待</a:t>
+                </a:r>
+                <a:r>
+                  <a:rPr lang="en-US" altLang="zh-CN" sz="1000" b="1">
+                    <a:latin typeface="微软雅黑" charset="0"/>
+                    <a:ea typeface="微软雅黑" charset="0"/>
+                    <a:cs typeface="微软雅黑" charset="0"/>
+                  </a:rPr>
+                  <a:t>IO</a:t>
+                </a:r>
+                <a:endParaRPr lang="en-US" altLang="zh-CN" sz="1000" b="1">
+                  <a:latin typeface="微软雅黑" charset="0"/>
+                  <a:ea typeface="微软雅黑" charset="0"/>
+                  <a:cs typeface="微软雅黑" charset="0"/>
+                </a:endParaRPr>
+              </a:p>
+            </p:txBody>
+          </p:sp>
+          <p:sp>
+            <p:nvSpPr>
+              <p:cNvPr id="6" name="矩形 5"/>
+              <p:cNvSpPr/>
+              <p:nvPr/>
+            </p:nvSpPr>
+            <p:spPr>
+              <a:xfrm>
+                <a:off x="7322" y="2799"/>
+                <a:ext cx="3568" cy="906"/>
+              </a:xfrm>
+              <a:prstGeom prst="rect">
+                <a:avLst/>
+              </a:prstGeom>
+            </p:spPr>
+            <p:style>
+              <a:lnRef idx="2">
+                <a:schemeClr val="accent1"/>
+              </a:lnRef>
+              <a:fillRef idx="1">
+                <a:schemeClr val="lt1"/>
+              </a:fillRef>
+              <a:effectRef idx="0">
+                <a:schemeClr val="accent1"/>
+              </a:effectRef>
+              <a:fontRef idx="minor">
+                <a:schemeClr val="dk1"/>
+              </a:fontRef>
+            </p:style>
+            <p:txBody>
+              <a:bodyPr rtlCol="0" anchor="ctr"/>
+              <a:p>
+                <a:pPr algn="ctr"/>
+                <a:endParaRPr lang="zh-CN" altLang="en-US"/>
+              </a:p>
+            </p:txBody>
+          </p:sp>
+          <p:sp>
+            <p:nvSpPr>
+              <p:cNvPr id="12" name="矩形 11"/>
+              <p:cNvSpPr/>
+              <p:nvPr/>
+            </p:nvSpPr>
+            <p:spPr>
+              <a:xfrm>
+                <a:off x="11619" y="2799"/>
+                <a:ext cx="3568" cy="906"/>
+              </a:xfrm>
+              <a:prstGeom prst="rect">
+                <a:avLst/>
+              </a:prstGeom>
+            </p:spPr>
+            <p:style>
+              <a:lnRef idx="2">
+                <a:schemeClr val="accent1"/>
+              </a:lnRef>
+              <a:fillRef idx="1">
+                <a:schemeClr val="lt1"/>
+              </a:fillRef>
+              <a:effectRef idx="0">
+                <a:schemeClr val="accent1"/>
+              </a:effectRef>
+              <a:fontRef idx="minor">
+                <a:schemeClr val="dk1"/>
+              </a:fontRef>
+            </p:style>
+            <p:txBody>
+              <a:bodyPr rtlCol="0" anchor="ctr"/>
+              <a:p>
+                <a:pPr algn="ctr"/>
+                <a:endParaRPr lang="zh-CN" altLang="en-US"/>
+              </a:p>
+            </p:txBody>
+          </p:sp>
+          <p:cxnSp>
+            <p:nvCxnSpPr>
+              <p:cNvPr id="16" name="直接箭头连接符 15"/>
+              <p:cNvCxnSpPr>
+                <a:endCxn id="3" idx="1"/>
+              </p:cNvCxnSpPr>
+              <p:nvPr/>
+            </p:nvCxnSpPr>
+            <p:spPr>
+              <a:xfrm flipV="1">
+                <a:off x="1911" y="3252"/>
+                <a:ext cx="1184" cy="0"/>
+              </a:xfrm>
+              <a:prstGeom prst="straightConnector1">
+                <a:avLst/>
+              </a:prstGeom>
+              <a:ln>
+                <a:tailEnd type="arrow"/>
+              </a:ln>
+            </p:spPr>
+            <p:style>
+              <a:lnRef idx="1">
+                <a:schemeClr val="accent1"/>
+              </a:lnRef>
+              <a:fillRef idx="0">
+                <a:schemeClr val="accent1"/>
+              </a:fillRef>
+              <a:effectRef idx="0">
+                <a:schemeClr val="accent1"/>
+              </a:effectRef>
+              <a:fontRef idx="minor">
+                <a:schemeClr val="tx1"/>
+              </a:fontRef>
+            </p:style>
+          </p:cxnSp>
+          <p:cxnSp>
+            <p:nvCxnSpPr>
+              <p:cNvPr id="17" name="直接箭头连接符 16"/>
+              <p:cNvCxnSpPr/>
+              <p:nvPr/>
+            </p:nvCxnSpPr>
+            <p:spPr>
+              <a:xfrm flipV="1">
+                <a:off x="6663" y="3246"/>
+                <a:ext cx="655" cy="6"/>
+              </a:xfrm>
+              <a:prstGeom prst="straightConnector1">
+                <a:avLst/>
+              </a:prstGeom>
+              <a:ln>
+                <a:tailEnd type="arrow"/>
+              </a:ln>
+            </p:spPr>
+            <p:style>
+              <a:lnRef idx="1">
+                <a:schemeClr val="accent1"/>
+              </a:lnRef>
+              <a:fillRef idx="0">
+                <a:schemeClr val="accent1"/>
+              </a:fillRef>
+              <a:effectRef idx="0">
+                <a:schemeClr val="accent1"/>
+              </a:effectRef>
+              <a:fontRef idx="minor">
+                <a:schemeClr val="tx1"/>
+              </a:fontRef>
+            </p:style>
+          </p:cxnSp>
+          <p:cxnSp>
+            <p:nvCxnSpPr>
+              <p:cNvPr id="18" name="直接箭头连接符 17"/>
+              <p:cNvCxnSpPr>
+                <a:endCxn id="12" idx="1"/>
+              </p:cNvCxnSpPr>
+              <p:nvPr/>
+            </p:nvCxnSpPr>
+            <p:spPr>
+              <a:xfrm flipV="1">
+                <a:off x="10890" y="3252"/>
+                <a:ext cx="729" cy="6"/>
+              </a:xfrm>
+              <a:prstGeom prst="straightConnector1">
+                <a:avLst/>
+              </a:prstGeom>
+              <a:ln>
+                <a:tailEnd type="arrow"/>
+              </a:ln>
+            </p:spPr>
+            <p:style>
+              <a:lnRef idx="1">
+                <a:schemeClr val="accent1"/>
+              </a:lnRef>
+              <a:fillRef idx="0">
+                <a:schemeClr val="accent1"/>
+              </a:fillRef>
+              <a:effectRef idx="0">
+                <a:schemeClr val="accent1"/>
+              </a:effectRef>
+              <a:fontRef idx="minor">
+                <a:schemeClr val="tx1"/>
+              </a:fontRef>
+            </p:style>
+          </p:cxnSp>
+          <p:cxnSp>
+            <p:nvCxnSpPr>
+              <p:cNvPr id="19" name="直接箭头连接符 18"/>
+              <p:cNvCxnSpPr/>
+              <p:nvPr/>
+            </p:nvCxnSpPr>
+            <p:spPr>
+              <a:xfrm flipV="1">
+                <a:off x="15187" y="3240"/>
+                <a:ext cx="729" cy="6"/>
+              </a:xfrm>
+              <a:prstGeom prst="straightConnector1">
+                <a:avLst/>
+              </a:prstGeom>
+              <a:ln>
+                <a:tailEnd type="arrow"/>
+              </a:ln>
+            </p:spPr>
+            <p:style>
+              <a:lnRef idx="1">
+                <a:schemeClr val="accent1"/>
+              </a:lnRef>
+              <a:fillRef idx="0">
+                <a:schemeClr val="accent1"/>
+              </a:fillRef>
+              <a:effectRef idx="0">
+                <a:schemeClr val="accent1"/>
+              </a:effectRef>
+              <a:fontRef idx="minor">
+                <a:schemeClr val="tx1"/>
+              </a:fontRef>
+            </p:style>
+          </p:cxnSp>
+          <p:sp>
+            <p:nvSpPr>
+              <p:cNvPr id="22" name="文本框 21"/>
+              <p:cNvSpPr txBox="1"/>
+              <p:nvPr/>
+            </p:nvSpPr>
+            <p:spPr>
+              <a:xfrm>
+                <a:off x="3755" y="2178"/>
+                <a:ext cx="2143" cy="483"/>
+              </a:xfrm>
+              <a:prstGeom prst="rect">
+                <a:avLst/>
+              </a:prstGeom>
+              <a:noFill/>
+            </p:spPr>
+            <p:txBody>
+              <a:bodyPr wrap="none" rtlCol="0">
+                <a:spAutoFit/>
+              </a:bodyPr>
+              <a:p>
+                <a:r>
+                  <a:rPr lang="zh-CN" altLang="en-US" sz="1400">
+                    <a:latin typeface="微软雅黑" charset="0"/>
+                    <a:ea typeface="微软雅黑" charset="0"/>
+                    <a:cs typeface="微软雅黑" charset="0"/>
+                  </a:rPr>
+                  <a:t>爬取第</a:t>
+                </a:r>
+                <a:r>
+                  <a:rPr lang="en-US" altLang="zh-CN" sz="1400">
+                    <a:latin typeface="微软雅黑" charset="0"/>
+                    <a:ea typeface="微软雅黑" charset="0"/>
+                    <a:cs typeface="微软雅黑" charset="0"/>
+                  </a:rPr>
+                  <a:t>1</a:t>
+                </a:r>
+                <a:r>
+                  <a:rPr lang="zh-CN" altLang="en-US" sz="1400">
+                    <a:latin typeface="微软雅黑" charset="0"/>
+                    <a:ea typeface="微软雅黑" charset="0"/>
+                    <a:cs typeface="微软雅黑" charset="0"/>
+                  </a:rPr>
+                  <a:t>个</a:t>
+                </a:r>
+                <a:r>
+                  <a:rPr lang="en-US" altLang="zh-CN" sz="1400">
+                    <a:latin typeface="微软雅黑" charset="0"/>
+                    <a:ea typeface="微软雅黑" charset="0"/>
+                    <a:cs typeface="微软雅黑" charset="0"/>
+                  </a:rPr>
+                  <a:t>URL</a:t>
+                </a:r>
+                <a:endParaRPr lang="en-US" altLang="zh-CN" sz="1400">
+                  <a:latin typeface="微软雅黑" charset="0"/>
+                  <a:ea typeface="微软雅黑" charset="0"/>
+                  <a:cs typeface="微软雅黑" charset="0"/>
+                </a:endParaRPr>
+              </a:p>
+            </p:txBody>
+          </p:sp>
+          <p:sp>
+            <p:nvSpPr>
+              <p:cNvPr id="23" name="文本框 22"/>
+              <p:cNvSpPr txBox="1"/>
+              <p:nvPr/>
+            </p:nvSpPr>
+            <p:spPr>
+              <a:xfrm>
+                <a:off x="7884" y="2178"/>
+                <a:ext cx="2143" cy="483"/>
+              </a:xfrm>
+              <a:prstGeom prst="rect">
+                <a:avLst/>
+              </a:prstGeom>
+              <a:noFill/>
+            </p:spPr>
+            <p:txBody>
+              <a:bodyPr wrap="none" rtlCol="0">
+                <a:spAutoFit/>
+              </a:bodyPr>
+              <a:p>
+                <a:r>
+                  <a:rPr lang="zh-CN" altLang="en-US" sz="1400">
+                    <a:latin typeface="微软雅黑" charset="0"/>
+                    <a:ea typeface="微软雅黑" charset="0"/>
+                    <a:cs typeface="微软雅黑" charset="0"/>
+                  </a:rPr>
+                  <a:t>爬取第</a:t>
+                </a:r>
+                <a:r>
+                  <a:rPr lang="en-US" altLang="zh-CN" sz="1400">
+                    <a:latin typeface="微软雅黑" charset="0"/>
+                    <a:ea typeface="微软雅黑" charset="0"/>
+                    <a:cs typeface="微软雅黑" charset="0"/>
+                  </a:rPr>
+                  <a:t>2</a:t>
+                </a:r>
+                <a:r>
+                  <a:rPr lang="zh-CN" altLang="en-US" sz="1400">
+                    <a:latin typeface="微软雅黑" charset="0"/>
+                    <a:ea typeface="微软雅黑" charset="0"/>
+                    <a:cs typeface="微软雅黑" charset="0"/>
+                  </a:rPr>
+                  <a:t>个</a:t>
+                </a:r>
+                <a:r>
+                  <a:rPr lang="en-US" altLang="zh-CN" sz="1400">
+                    <a:latin typeface="微软雅黑" charset="0"/>
+                    <a:ea typeface="微软雅黑" charset="0"/>
+                    <a:cs typeface="微软雅黑" charset="0"/>
+                  </a:rPr>
+                  <a:t>URL</a:t>
+                </a:r>
+                <a:endParaRPr lang="en-US" altLang="zh-CN" sz="1400">
+                  <a:latin typeface="微软雅黑" charset="0"/>
+                  <a:ea typeface="微软雅黑" charset="0"/>
+                  <a:cs typeface="微软雅黑" charset="0"/>
+                </a:endParaRPr>
+              </a:p>
+            </p:txBody>
+          </p:sp>
+          <p:sp>
+            <p:nvSpPr>
+              <p:cNvPr id="24" name="文本框 23"/>
+              <p:cNvSpPr txBox="1"/>
+              <p:nvPr/>
+            </p:nvSpPr>
+            <p:spPr>
+              <a:xfrm>
+                <a:off x="12279" y="2178"/>
+                <a:ext cx="2143" cy="483"/>
+              </a:xfrm>
+              <a:prstGeom prst="rect">
+                <a:avLst/>
+              </a:prstGeom>
+              <a:noFill/>
+            </p:spPr>
+            <p:txBody>
+              <a:bodyPr wrap="none" rtlCol="0">
+                <a:spAutoFit/>
+              </a:bodyPr>
+              <a:p>
+                <a:r>
+                  <a:rPr lang="zh-CN" altLang="en-US" sz="1400">
+                    <a:latin typeface="微软雅黑" charset="0"/>
+                    <a:ea typeface="微软雅黑" charset="0"/>
+                    <a:cs typeface="微软雅黑" charset="0"/>
+                  </a:rPr>
+                  <a:t>爬取第</a:t>
+                </a:r>
+                <a:r>
+                  <a:rPr lang="en-US" altLang="zh-CN" sz="1400">
+                    <a:latin typeface="微软雅黑" charset="0"/>
+                    <a:ea typeface="微软雅黑" charset="0"/>
+                    <a:cs typeface="微软雅黑" charset="0"/>
+                  </a:rPr>
+                  <a:t>3</a:t>
+                </a:r>
+                <a:r>
+                  <a:rPr lang="zh-CN" altLang="en-US" sz="1400">
+                    <a:latin typeface="微软雅黑" charset="0"/>
+                    <a:ea typeface="微软雅黑" charset="0"/>
+                    <a:cs typeface="微软雅黑" charset="0"/>
+                  </a:rPr>
+                  <a:t>个</a:t>
+                </a:r>
+                <a:r>
+                  <a:rPr lang="en-US" altLang="zh-CN" sz="1400">
+                    <a:latin typeface="微软雅黑" charset="0"/>
+                    <a:ea typeface="微软雅黑" charset="0"/>
+                    <a:cs typeface="微软雅黑" charset="0"/>
+                  </a:rPr>
+                  <a:t>URL</a:t>
+                </a:r>
+                <a:endParaRPr lang="en-US" altLang="zh-CN" sz="1400">
+                  <a:latin typeface="微软雅黑" charset="0"/>
+                  <a:ea typeface="微软雅黑" charset="0"/>
+                  <a:cs typeface="微软雅黑" charset="0"/>
+                </a:endParaRPr>
+              </a:p>
+            </p:txBody>
+          </p:sp>
+          <p:sp>
+            <p:nvSpPr>
+              <p:cNvPr id="34" name="矩形 33"/>
+              <p:cNvSpPr/>
+              <p:nvPr/>
+            </p:nvSpPr>
+            <p:spPr>
+              <a:xfrm>
+                <a:off x="5565" y="3004"/>
+                <a:ext cx="865" cy="502"/>
+              </a:xfrm>
+              <a:prstGeom prst="rect">
+                <a:avLst/>
+              </a:prstGeom>
+            </p:spPr>
+            <p:style>
+              <a:lnRef idx="2">
+                <a:schemeClr val="accent1">
+                  <a:shade val="50000"/>
+                </a:schemeClr>
+              </a:lnRef>
+              <a:fillRef idx="1">
+                <a:schemeClr val="accent1"/>
+              </a:fillRef>
+              <a:effectRef idx="0">
+                <a:schemeClr val="accent1"/>
+              </a:effectRef>
+              <a:fontRef idx="minor">
+                <a:schemeClr val="lt1"/>
+              </a:fontRef>
+            </p:style>
+            <p:txBody>
+              <a:bodyPr rtlCol="0" anchor="ctr"/>
+              <a:p>
+                <a:pPr algn="ctr"/>
+                <a:r>
+                  <a:rPr lang="en-US" altLang="zh-CN" sz="1000" b="1">
+                    <a:latin typeface="微软雅黑" charset="0"/>
+                    <a:ea typeface="微软雅黑" charset="0"/>
+                    <a:cs typeface="微软雅黑" charset="0"/>
+                  </a:rPr>
+                  <a:t>CPU</a:t>
+                </a:r>
+                <a:endParaRPr lang="zh-CN" altLang="en-US" sz="1000" b="1">
+                  <a:latin typeface="微软雅黑" charset="0"/>
+                  <a:ea typeface="微软雅黑" charset="0"/>
+                  <a:cs typeface="微软雅黑" charset="0"/>
+                </a:endParaRPr>
+              </a:p>
+            </p:txBody>
+          </p:sp>
+          <p:sp>
+            <p:nvSpPr>
+              <p:cNvPr id="35" name="矩形 34"/>
+              <p:cNvSpPr/>
+              <p:nvPr/>
+            </p:nvSpPr>
+            <p:spPr>
+              <a:xfrm>
+                <a:off x="7587" y="3001"/>
+                <a:ext cx="865" cy="502"/>
+              </a:xfrm>
+              <a:prstGeom prst="rect">
+                <a:avLst/>
+              </a:prstGeom>
+            </p:spPr>
+            <p:style>
+              <a:lnRef idx="2">
+                <a:schemeClr val="accent1">
+                  <a:shade val="50000"/>
+                </a:schemeClr>
+              </a:lnRef>
+              <a:fillRef idx="1">
+                <a:schemeClr val="accent1"/>
+              </a:fillRef>
+              <a:effectRef idx="0">
+                <a:schemeClr val="accent1"/>
+              </a:effectRef>
+              <a:fontRef idx="minor">
+                <a:schemeClr val="lt1"/>
+              </a:fontRef>
+            </p:style>
+            <p:txBody>
+              <a:bodyPr rtlCol="0" anchor="ctr"/>
+              <a:p>
+                <a:pPr algn="ctr"/>
+                <a:r>
+                  <a:rPr lang="en-US" altLang="zh-CN" sz="1000" b="1">
+                    <a:latin typeface="微软雅黑" charset="0"/>
+                    <a:ea typeface="微软雅黑" charset="0"/>
+                    <a:cs typeface="微软雅黑" charset="0"/>
+                  </a:rPr>
+                  <a:t>CPU</a:t>
+                </a:r>
+                <a:endParaRPr lang="zh-CN" altLang="en-US" sz="1000" b="1">
+                  <a:latin typeface="微软雅黑" charset="0"/>
+                  <a:ea typeface="微软雅黑" charset="0"/>
+                  <a:cs typeface="微软雅黑" charset="0"/>
+                </a:endParaRPr>
+              </a:p>
+            </p:txBody>
+          </p:sp>
+          <p:sp>
+            <p:nvSpPr>
+              <p:cNvPr id="36" name="矩形 35"/>
+              <p:cNvSpPr/>
+              <p:nvPr/>
+            </p:nvSpPr>
+            <p:spPr>
+              <a:xfrm>
+                <a:off x="8562" y="3004"/>
+                <a:ext cx="1004" cy="502"/>
+              </a:xfrm>
+              <a:prstGeom prst="rect">
+                <a:avLst/>
+              </a:prstGeom>
+            </p:spPr>
+            <p:style>
+              <a:lnRef idx="2">
+                <a:schemeClr val="accent1">
+                  <a:shade val="50000"/>
+                </a:schemeClr>
+              </a:lnRef>
+              <a:fillRef idx="1">
+                <a:schemeClr val="accent1"/>
+              </a:fillRef>
+              <a:effectRef idx="0">
+                <a:schemeClr val="accent1"/>
+              </a:effectRef>
+              <a:fontRef idx="minor">
+                <a:schemeClr val="lt1"/>
+              </a:fontRef>
+            </p:style>
+            <p:txBody>
+              <a:bodyPr rtlCol="0" anchor="ctr"/>
+              <a:p>
+                <a:pPr algn="ctr"/>
+                <a:r>
+                  <a:rPr lang="zh-CN" altLang="en-US" sz="1000" b="1">
+                    <a:latin typeface="微软雅黑" charset="0"/>
+                    <a:ea typeface="微软雅黑" charset="0"/>
+                    <a:cs typeface="微软雅黑" charset="0"/>
+                  </a:rPr>
+                  <a:t>等待</a:t>
+                </a:r>
+                <a:r>
+                  <a:rPr lang="en-US" altLang="zh-CN" sz="1000" b="1">
+                    <a:latin typeface="微软雅黑" charset="0"/>
+                    <a:ea typeface="微软雅黑" charset="0"/>
+                    <a:cs typeface="微软雅黑" charset="0"/>
+                  </a:rPr>
+                  <a:t>IO</a:t>
+                </a:r>
+                <a:endParaRPr lang="en-US" altLang="zh-CN" sz="1000" b="1">
+                  <a:latin typeface="微软雅黑" charset="0"/>
+                  <a:ea typeface="微软雅黑" charset="0"/>
+                  <a:cs typeface="微软雅黑" charset="0"/>
+                </a:endParaRPr>
+              </a:p>
+            </p:txBody>
+          </p:sp>
+          <p:sp>
+            <p:nvSpPr>
+              <p:cNvPr id="37" name="矩形 36"/>
+              <p:cNvSpPr/>
+              <p:nvPr/>
+            </p:nvSpPr>
+            <p:spPr>
+              <a:xfrm>
+                <a:off x="9750" y="3004"/>
+                <a:ext cx="865" cy="502"/>
+              </a:xfrm>
+              <a:prstGeom prst="rect">
+                <a:avLst/>
+              </a:prstGeom>
+            </p:spPr>
+            <p:style>
+              <a:lnRef idx="2">
+                <a:schemeClr val="accent1">
+                  <a:shade val="50000"/>
+                </a:schemeClr>
+              </a:lnRef>
+              <a:fillRef idx="1">
+                <a:schemeClr val="accent1"/>
+              </a:fillRef>
+              <a:effectRef idx="0">
+                <a:schemeClr val="accent1"/>
+              </a:effectRef>
+              <a:fontRef idx="minor">
+                <a:schemeClr val="lt1"/>
+              </a:fontRef>
+            </p:style>
+            <p:txBody>
+              <a:bodyPr rtlCol="0" anchor="ctr"/>
+              <a:p>
+                <a:pPr algn="ctr"/>
+                <a:r>
+                  <a:rPr lang="en-US" altLang="zh-CN" sz="1000" b="1">
+                    <a:latin typeface="微软雅黑" charset="0"/>
+                    <a:ea typeface="微软雅黑" charset="0"/>
+                    <a:cs typeface="微软雅黑" charset="0"/>
+                  </a:rPr>
+                  <a:t>CPU</a:t>
+                </a:r>
+                <a:endParaRPr lang="zh-CN" altLang="en-US" sz="1000" b="1">
+                  <a:latin typeface="微软雅黑" charset="0"/>
+                  <a:ea typeface="微软雅黑" charset="0"/>
+                  <a:cs typeface="微软雅黑" charset="0"/>
+                </a:endParaRPr>
+              </a:p>
+            </p:txBody>
+          </p:sp>
+          <p:sp>
+            <p:nvSpPr>
+              <p:cNvPr id="38" name="矩形 37"/>
+              <p:cNvSpPr/>
+              <p:nvPr/>
+            </p:nvSpPr>
+            <p:spPr>
+              <a:xfrm>
+                <a:off x="11842" y="3001"/>
+                <a:ext cx="865" cy="502"/>
+              </a:xfrm>
+              <a:prstGeom prst="rect">
+                <a:avLst/>
+              </a:prstGeom>
+            </p:spPr>
+            <p:style>
+              <a:lnRef idx="2">
+                <a:schemeClr val="accent1">
+                  <a:shade val="50000"/>
+                </a:schemeClr>
+              </a:lnRef>
+              <a:fillRef idx="1">
+                <a:schemeClr val="accent1"/>
+              </a:fillRef>
+              <a:effectRef idx="0">
+                <a:schemeClr val="accent1"/>
+              </a:effectRef>
+              <a:fontRef idx="minor">
+                <a:schemeClr val="lt1"/>
+              </a:fontRef>
+            </p:style>
+            <p:txBody>
+              <a:bodyPr rtlCol="0" anchor="ctr"/>
+              <a:p>
+                <a:pPr algn="ctr"/>
+                <a:r>
+                  <a:rPr lang="en-US" altLang="zh-CN" sz="1000" b="1">
+                    <a:latin typeface="微软雅黑" charset="0"/>
+                    <a:ea typeface="微软雅黑" charset="0"/>
+                    <a:cs typeface="微软雅黑" charset="0"/>
+                  </a:rPr>
+                  <a:t>CPU</a:t>
+                </a:r>
+                <a:endParaRPr lang="zh-CN" altLang="en-US" sz="1000" b="1">
+                  <a:latin typeface="微软雅黑" charset="0"/>
+                  <a:ea typeface="微软雅黑" charset="0"/>
+                  <a:cs typeface="微软雅黑" charset="0"/>
+                </a:endParaRPr>
+              </a:p>
+            </p:txBody>
+          </p:sp>
+          <p:sp>
+            <p:nvSpPr>
+              <p:cNvPr id="39" name="矩形 38"/>
+              <p:cNvSpPr/>
+              <p:nvPr/>
+            </p:nvSpPr>
+            <p:spPr>
+              <a:xfrm>
+                <a:off x="12817" y="3004"/>
+                <a:ext cx="1004" cy="502"/>
+              </a:xfrm>
+              <a:prstGeom prst="rect">
+                <a:avLst/>
+              </a:prstGeom>
+            </p:spPr>
+            <p:style>
+              <a:lnRef idx="2">
+                <a:schemeClr val="accent1">
+                  <a:shade val="50000"/>
+                </a:schemeClr>
+              </a:lnRef>
+              <a:fillRef idx="1">
+                <a:schemeClr val="accent1"/>
+              </a:fillRef>
+              <a:effectRef idx="0">
+                <a:schemeClr val="accent1"/>
+              </a:effectRef>
+              <a:fontRef idx="minor">
+                <a:schemeClr val="lt1"/>
+              </a:fontRef>
+            </p:style>
+            <p:txBody>
+              <a:bodyPr rtlCol="0" anchor="ctr"/>
+              <a:p>
+                <a:pPr algn="ctr"/>
+                <a:r>
+                  <a:rPr lang="zh-CN" altLang="en-US" sz="1000" b="1">
+                    <a:latin typeface="微软雅黑" charset="0"/>
+                    <a:ea typeface="微软雅黑" charset="0"/>
+                    <a:cs typeface="微软雅黑" charset="0"/>
+                  </a:rPr>
+                  <a:t>等待</a:t>
+                </a:r>
+                <a:r>
+                  <a:rPr lang="en-US" altLang="zh-CN" sz="1000" b="1">
+                    <a:latin typeface="微软雅黑" charset="0"/>
+                    <a:ea typeface="微软雅黑" charset="0"/>
+                    <a:cs typeface="微软雅黑" charset="0"/>
+                  </a:rPr>
+                  <a:t>IO</a:t>
+                </a:r>
+                <a:endParaRPr lang="en-US" altLang="zh-CN" sz="1000" b="1">
+                  <a:latin typeface="微软雅黑" charset="0"/>
+                  <a:ea typeface="微软雅黑" charset="0"/>
+                  <a:cs typeface="微软雅黑" charset="0"/>
+                </a:endParaRPr>
+              </a:p>
+            </p:txBody>
+          </p:sp>
+          <p:sp>
+            <p:nvSpPr>
+              <p:cNvPr id="40" name="矩形 39"/>
+              <p:cNvSpPr/>
+              <p:nvPr/>
+            </p:nvSpPr>
+            <p:spPr>
+              <a:xfrm>
+                <a:off x="14005" y="3004"/>
+                <a:ext cx="865" cy="502"/>
+              </a:xfrm>
+              <a:prstGeom prst="rect">
+                <a:avLst/>
+              </a:prstGeom>
+            </p:spPr>
+            <p:style>
+              <a:lnRef idx="2">
+                <a:schemeClr val="accent1">
+                  <a:shade val="50000"/>
+                </a:schemeClr>
+              </a:lnRef>
+              <a:fillRef idx="1">
+                <a:schemeClr val="accent1"/>
+              </a:fillRef>
+              <a:effectRef idx="0">
+                <a:schemeClr val="accent1"/>
+              </a:effectRef>
+              <a:fontRef idx="minor">
+                <a:schemeClr val="lt1"/>
+              </a:fontRef>
+            </p:style>
+            <p:txBody>
+              <a:bodyPr rtlCol="0" anchor="ctr"/>
+              <a:p>
+                <a:pPr algn="ctr"/>
+                <a:r>
+                  <a:rPr lang="en-US" altLang="zh-CN" sz="1000" b="1">
+                    <a:latin typeface="微软雅黑" charset="0"/>
+                    <a:ea typeface="微软雅黑" charset="0"/>
+                    <a:cs typeface="微软雅黑" charset="0"/>
+                  </a:rPr>
+                  <a:t>CPU</a:t>
+                </a:r>
+                <a:endParaRPr lang="zh-CN" altLang="en-US" sz="1000" b="1">
+                  <a:latin typeface="微软雅黑" charset="0"/>
+                  <a:ea typeface="微软雅黑" charset="0"/>
+                  <a:cs typeface="微软雅黑" charset="0"/>
+                </a:endParaRPr>
+              </a:p>
+            </p:txBody>
+          </p:sp>
+        </p:grpSp>
+      </p:grpSp>
+      <p:grpSp>
+        <p:nvGrpSpPr>
+          <p:cNvPr id="68" name="组合 67"/>
+          <p:cNvGrpSpPr/>
+          <p:nvPr/>
+        </p:nvGrpSpPr>
+        <p:grpSpPr>
+          <a:xfrm>
+            <a:off x="904240" y="2977515"/>
+            <a:ext cx="7036435" cy="3661410"/>
+            <a:chOff x="1424" y="4689"/>
+            <a:chExt cx="11081" cy="5766"/>
+          </a:xfrm>
+        </p:grpSpPr>
+        <p:sp>
+          <p:nvSpPr>
+            <p:cNvPr id="20" name="文本框 19"/>
+            <p:cNvSpPr txBox="1"/>
+            <p:nvPr/>
+          </p:nvSpPr>
+          <p:spPr>
+            <a:xfrm>
+              <a:off x="1424" y="4689"/>
+              <a:ext cx="7020" cy="1161"/>
+            </a:xfrm>
+            <a:prstGeom prst="rect">
+              <a:avLst/>
+            </a:prstGeom>
+            <a:noFill/>
+          </p:spPr>
+          <p:txBody>
+            <a:bodyPr wrap="none" rtlCol="0">
+              <a:spAutoFit/>
+            </a:bodyPr>
+            <a:p>
+              <a:pPr indent="0" algn="l">
+                <a:lnSpc>
+                  <a:spcPct val="150000"/>
+                </a:lnSpc>
+                <a:buFont typeface="Arial" panose="020B0604020202090204" pitchFamily="34" charset="0"/>
+                <a:buNone/>
+              </a:pPr>
+              <a:r>
+                <a:rPr lang="zh-CN" altLang="en-US" sz="2800" b="1">
+                  <a:solidFill>
+                    <a:schemeClr val="accent1"/>
+                  </a:solidFill>
+                  <a:latin typeface="微软雅黑" charset="0"/>
+                  <a:ea typeface="微软雅黑" charset="0"/>
+                  <a:cs typeface="微软雅黑" charset="0"/>
+                </a:rPr>
+                <a:t>协程：在单线程内实现并发</a:t>
+              </a:r>
+              <a:endParaRPr lang="zh-CN" altLang="en-US" sz="2800" b="1">
+                <a:solidFill>
+                  <a:schemeClr val="accent1"/>
+                </a:solidFill>
+                <a:latin typeface="微软雅黑" charset="0"/>
+                <a:ea typeface="微软雅黑" charset="0"/>
+                <a:cs typeface="微软雅黑" charset="0"/>
+              </a:endParaRPr>
+            </a:p>
+          </p:txBody>
+        </p:sp>
+        <p:sp>
+          <p:nvSpPr>
+            <p:cNvPr id="21" name="文本框 20"/>
+            <p:cNvSpPr txBox="1"/>
+            <p:nvPr/>
+          </p:nvSpPr>
+          <p:spPr>
+            <a:xfrm>
+              <a:off x="1502" y="5850"/>
+              <a:ext cx="8991" cy="919"/>
+            </a:xfrm>
+            <a:prstGeom prst="rect">
+              <a:avLst/>
+            </a:prstGeom>
+            <a:noFill/>
+          </p:spPr>
+          <p:txBody>
+            <a:bodyPr wrap="none" rtlCol="0">
+              <a:spAutoFit/>
+            </a:bodyPr>
+            <a:p>
+              <a:r>
+                <a:rPr lang="zh-CN" altLang="en-US" sz="1600">
+                  <a:latin typeface="微软雅黑" charset="0"/>
+                  <a:ea typeface="微软雅黑" charset="0"/>
+                  <a:cs typeface="微软雅黑" charset="0"/>
+                </a:rPr>
+                <a:t>核心原理：用一个超级循环（其实就是</a:t>
+              </a:r>
+              <a:r>
+                <a:rPr lang="en-US" altLang="zh-CN" sz="1600">
+                  <a:latin typeface="微软雅黑" charset="0"/>
+                  <a:ea typeface="微软雅黑" charset="0"/>
+                  <a:cs typeface="微软雅黑" charset="0"/>
+                </a:rPr>
+                <a:t>while true</a:t>
+              </a:r>
+              <a:r>
+                <a:rPr lang="zh-CN" altLang="en-US" sz="1600">
+                  <a:latin typeface="微软雅黑" charset="0"/>
+                  <a:ea typeface="微软雅黑" charset="0"/>
+                  <a:cs typeface="微软雅黑" charset="0"/>
+                </a:rPr>
+                <a:t>）循环</a:t>
+              </a:r>
+              <a:endParaRPr lang="zh-CN" altLang="en-US" sz="1600">
+                <a:latin typeface="微软雅黑" charset="0"/>
+                <a:ea typeface="微软雅黑" charset="0"/>
+                <a:cs typeface="微软雅黑" charset="0"/>
+              </a:endParaRPr>
+            </a:p>
+            <a:p>
+              <a:r>
+                <a:rPr lang="zh-CN" altLang="en-US" sz="1600">
+                  <a:latin typeface="微软雅黑" charset="0"/>
+                  <a:ea typeface="微软雅黑" charset="0"/>
+                  <a:cs typeface="微软雅黑" charset="0"/>
+                </a:rPr>
+                <a:t>核心原理：配合</a:t>
+              </a:r>
+              <a:r>
+                <a:rPr lang="en-US" altLang="zh-CN" sz="1600">
+                  <a:latin typeface="微软雅黑" charset="0"/>
+                  <a:ea typeface="微软雅黑" charset="0"/>
+                  <a:cs typeface="微软雅黑" charset="0"/>
+                </a:rPr>
+                <a:t>IO</a:t>
+              </a:r>
+              <a:r>
+                <a:rPr lang="zh-CN" altLang="en-US" sz="1600">
+                  <a:latin typeface="微软雅黑" charset="0"/>
+                  <a:ea typeface="微软雅黑" charset="0"/>
+                  <a:cs typeface="微软雅黑" charset="0"/>
+                </a:rPr>
+                <a:t>多路复用原理（</a:t>
+              </a:r>
+              <a:r>
+                <a:rPr lang="en-US" altLang="zh-CN" sz="1600">
+                  <a:latin typeface="微软雅黑" charset="0"/>
+                  <a:ea typeface="微软雅黑" charset="0"/>
+                  <a:cs typeface="微软雅黑" charset="0"/>
+                </a:rPr>
+                <a:t>IO</a:t>
+              </a:r>
+              <a:r>
+                <a:rPr lang="zh-CN" altLang="en-US" sz="1600">
+                  <a:latin typeface="微软雅黑" charset="0"/>
+                  <a:ea typeface="微软雅黑" charset="0"/>
+                  <a:cs typeface="微软雅黑" charset="0"/>
+                </a:rPr>
+                <a:t>时</a:t>
+              </a:r>
+              <a:r>
+                <a:rPr lang="en-US" altLang="zh-CN" sz="1600">
+                  <a:latin typeface="微软雅黑" charset="0"/>
+                  <a:ea typeface="微软雅黑" charset="0"/>
+                  <a:cs typeface="微软雅黑" charset="0"/>
+                </a:rPr>
+                <a:t>CPU</a:t>
+              </a:r>
+              <a:r>
+                <a:rPr lang="zh-CN" altLang="en-US" sz="1600">
+                  <a:latin typeface="微软雅黑" charset="0"/>
+                  <a:ea typeface="微软雅黑" charset="0"/>
+                  <a:cs typeface="微软雅黑" charset="0"/>
+                </a:rPr>
+                <a:t>可以干其他事情）</a:t>
+              </a:r>
+              <a:endParaRPr lang="zh-CN" altLang="en-US" sz="1600">
+                <a:latin typeface="微软雅黑" charset="0"/>
+                <a:ea typeface="微软雅黑" charset="0"/>
+                <a:cs typeface="微软雅黑" charset="0"/>
+              </a:endParaRPr>
+            </a:p>
+          </p:txBody>
+        </p:sp>
+        <p:sp>
+          <p:nvSpPr>
+            <p:cNvPr id="25" name="矩形 24"/>
+            <p:cNvSpPr/>
+            <p:nvPr/>
+          </p:nvSpPr>
+          <p:spPr>
+            <a:xfrm>
+              <a:off x="4349" y="6957"/>
+              <a:ext cx="1688" cy="3497"/>
+            </a:xfrm>
+            <a:prstGeom prst="rect">
+              <a:avLst/>
+            </a:prstGeom>
+          </p:spPr>
+          <p:style>
+            <a:lnRef idx="2">
+              <a:schemeClr val="accent1"/>
+            </a:lnRef>
+            <a:fillRef idx="1">
+              <a:schemeClr val="lt1"/>
+            </a:fillRef>
+            <a:effectRef idx="0">
+              <a:schemeClr val="accent1"/>
+            </a:effectRef>
+            <a:fontRef idx="minor">
+              <a:schemeClr val="dk1"/>
+            </a:fontRef>
+          </p:style>
+          <p:txBody>
+            <a:bodyPr rtlCol="0" anchor="ctr"/>
+            <a:p>
+              <a:pPr algn="ctr"/>
+              <a:endParaRPr lang="zh-CN" altLang="en-US"/>
+            </a:p>
+          </p:txBody>
+        </p:sp>
+        <p:sp>
+          <p:nvSpPr>
+            <p:cNvPr id="41" name="矩形 40"/>
+            <p:cNvSpPr/>
+            <p:nvPr/>
+          </p:nvSpPr>
+          <p:spPr>
+            <a:xfrm>
+              <a:off x="4761" y="7463"/>
+              <a:ext cx="865" cy="502"/>
+            </a:xfrm>
+            <a:prstGeom prst="rect">
+              <a:avLst/>
+            </a:prstGeom>
+          </p:spPr>
+          <p:style>
+            <a:lnRef idx="2">
+              <a:schemeClr val="accent1">
+                <a:shade val="50000"/>
+              </a:schemeClr>
+            </a:lnRef>
+            <a:fillRef idx="1">
+              <a:schemeClr val="accent1"/>
+            </a:fillRef>
+            <a:effectRef idx="0">
+              <a:schemeClr val="accent1"/>
+            </a:effectRef>
+            <a:fontRef idx="minor">
+              <a:schemeClr val="lt1"/>
+            </a:fontRef>
+          </p:style>
+          <p:txBody>
+            <a:bodyPr rtlCol="0" anchor="ctr"/>
+            <a:p>
+              <a:pPr algn="ctr"/>
+              <a:r>
+                <a:rPr lang="en-US" altLang="zh-CN" sz="1000" b="1">
+                  <a:latin typeface="微软雅黑" charset="0"/>
+                  <a:ea typeface="微软雅黑" charset="0"/>
+                  <a:cs typeface="微软雅黑" charset="0"/>
+                </a:rPr>
+                <a:t>CPU</a:t>
+              </a:r>
+              <a:endParaRPr lang="zh-CN" altLang="en-US" sz="1000" b="1">
+                <a:latin typeface="微软雅黑" charset="0"/>
+                <a:ea typeface="微软雅黑" charset="0"/>
+                <a:cs typeface="微软雅黑" charset="0"/>
+              </a:endParaRPr>
+            </a:p>
+          </p:txBody>
+        </p:sp>
+        <p:sp>
+          <p:nvSpPr>
+            <p:cNvPr id="42" name="矩形 41"/>
+            <p:cNvSpPr/>
+            <p:nvPr/>
+          </p:nvSpPr>
+          <p:spPr>
+            <a:xfrm>
+              <a:off x="4760" y="8406"/>
+              <a:ext cx="866" cy="502"/>
+            </a:xfrm>
+            <a:prstGeom prst="rect">
+              <a:avLst/>
+            </a:prstGeom>
+          </p:spPr>
+          <p:style>
+            <a:lnRef idx="2">
+              <a:schemeClr val="accent1">
+                <a:shade val="50000"/>
+              </a:schemeClr>
+            </a:lnRef>
+            <a:fillRef idx="1">
+              <a:schemeClr val="accent1"/>
+            </a:fillRef>
+            <a:effectRef idx="0">
+              <a:schemeClr val="accent1"/>
+            </a:effectRef>
+            <a:fontRef idx="minor">
+              <a:schemeClr val="lt1"/>
+            </a:fontRef>
+          </p:style>
+          <p:txBody>
+            <a:bodyPr rtlCol="0" anchor="ctr"/>
+            <a:p>
+              <a:pPr algn="ctr"/>
+              <a:r>
+                <a:rPr lang="zh-CN" altLang="en-US" sz="1000" b="1">
+                  <a:latin typeface="微软雅黑" charset="0"/>
+                  <a:ea typeface="微软雅黑" charset="0"/>
+                  <a:cs typeface="微软雅黑" charset="0"/>
+                </a:rPr>
+                <a:t>等待</a:t>
+              </a:r>
+              <a:r>
+                <a:rPr lang="en-US" altLang="zh-CN" sz="1000" b="1">
+                  <a:latin typeface="微软雅黑" charset="0"/>
+                  <a:ea typeface="微软雅黑" charset="0"/>
+                  <a:cs typeface="微软雅黑" charset="0"/>
+                </a:rPr>
+                <a:t>IO</a:t>
+              </a:r>
+              <a:endParaRPr lang="en-US" altLang="zh-CN" sz="1000" b="1">
+                <a:latin typeface="微软雅黑" charset="0"/>
+                <a:ea typeface="微软雅黑" charset="0"/>
+                <a:cs typeface="微软雅黑" charset="0"/>
+              </a:endParaRPr>
+            </a:p>
+          </p:txBody>
+        </p:sp>
+        <p:sp>
+          <p:nvSpPr>
+            <p:cNvPr id="43" name="矩形 42"/>
+            <p:cNvSpPr/>
+            <p:nvPr/>
+          </p:nvSpPr>
+          <p:spPr>
+            <a:xfrm>
+              <a:off x="4760" y="9572"/>
+              <a:ext cx="865" cy="502"/>
+            </a:xfrm>
+            <a:prstGeom prst="rect">
+              <a:avLst/>
+            </a:prstGeom>
+          </p:spPr>
+          <p:style>
+            <a:lnRef idx="2">
+              <a:schemeClr val="accent1">
+                <a:shade val="50000"/>
+              </a:schemeClr>
+            </a:lnRef>
+            <a:fillRef idx="1">
+              <a:schemeClr val="accent1"/>
+            </a:fillRef>
+            <a:effectRef idx="0">
+              <a:schemeClr val="accent1"/>
+            </a:effectRef>
+            <a:fontRef idx="minor">
+              <a:schemeClr val="lt1"/>
+            </a:fontRef>
+          </p:style>
+          <p:txBody>
+            <a:bodyPr rtlCol="0" anchor="ctr"/>
+            <a:p>
+              <a:pPr algn="ctr"/>
+              <a:r>
+                <a:rPr lang="en-US" altLang="zh-CN" sz="1000" b="1">
+                  <a:latin typeface="微软雅黑" charset="0"/>
+                  <a:ea typeface="微软雅黑" charset="0"/>
+                  <a:cs typeface="微软雅黑" charset="0"/>
+                </a:rPr>
+                <a:t>CPU</a:t>
+              </a:r>
+              <a:endParaRPr lang="zh-CN" altLang="en-US" sz="1000" b="1">
+                <a:latin typeface="微软雅黑" charset="0"/>
+                <a:ea typeface="微软雅黑" charset="0"/>
+                <a:cs typeface="微软雅黑" charset="0"/>
+              </a:endParaRPr>
+            </a:p>
+          </p:txBody>
+        </p:sp>
+        <p:sp>
+          <p:nvSpPr>
+            <p:cNvPr id="44" name="矩形 43"/>
+            <p:cNvSpPr/>
+            <p:nvPr/>
+          </p:nvSpPr>
+          <p:spPr>
+            <a:xfrm>
+              <a:off x="7175" y="6957"/>
+              <a:ext cx="1688" cy="3497"/>
+            </a:xfrm>
+            <a:prstGeom prst="rect">
+              <a:avLst/>
+            </a:prstGeom>
+          </p:spPr>
+          <p:style>
+            <a:lnRef idx="2">
+              <a:schemeClr val="accent1"/>
+            </a:lnRef>
+            <a:fillRef idx="1">
+              <a:schemeClr val="lt1"/>
+            </a:fillRef>
+            <a:effectRef idx="0">
+              <a:schemeClr val="accent1"/>
+            </a:effectRef>
+            <a:fontRef idx="minor">
+              <a:schemeClr val="dk1"/>
+            </a:fontRef>
+          </p:style>
+          <p:txBody>
+            <a:bodyPr rtlCol="0" anchor="ctr"/>
+            <a:p>
+              <a:pPr algn="ctr"/>
+              <a:endParaRPr lang="zh-CN" altLang="en-US"/>
+            </a:p>
+          </p:txBody>
+        </p:sp>
+        <p:sp>
+          <p:nvSpPr>
+            <p:cNvPr id="45" name="矩形 44"/>
+            <p:cNvSpPr/>
+            <p:nvPr/>
+          </p:nvSpPr>
+          <p:spPr>
+            <a:xfrm>
+              <a:off x="7587" y="7463"/>
+              <a:ext cx="865" cy="502"/>
+            </a:xfrm>
+            <a:prstGeom prst="rect">
+              <a:avLst/>
+            </a:prstGeom>
+          </p:spPr>
+          <p:style>
+            <a:lnRef idx="2">
+              <a:schemeClr val="accent1">
+                <a:shade val="50000"/>
+              </a:schemeClr>
+            </a:lnRef>
+            <a:fillRef idx="1">
+              <a:schemeClr val="accent1"/>
+            </a:fillRef>
+            <a:effectRef idx="0">
+              <a:schemeClr val="accent1"/>
+            </a:effectRef>
+            <a:fontRef idx="minor">
+              <a:schemeClr val="lt1"/>
+            </a:fontRef>
+          </p:style>
+          <p:txBody>
+            <a:bodyPr rtlCol="0" anchor="ctr"/>
+            <a:p>
+              <a:pPr algn="ctr"/>
+              <a:r>
+                <a:rPr lang="en-US" altLang="zh-CN" sz="1000" b="1">
+                  <a:latin typeface="微软雅黑" charset="0"/>
+                  <a:ea typeface="微软雅黑" charset="0"/>
+                  <a:cs typeface="微软雅黑" charset="0"/>
+                </a:rPr>
+                <a:t>CPU</a:t>
+              </a:r>
+              <a:endParaRPr lang="zh-CN" altLang="en-US" sz="1000" b="1">
+                <a:latin typeface="微软雅黑" charset="0"/>
+                <a:ea typeface="微软雅黑" charset="0"/>
+                <a:cs typeface="微软雅黑" charset="0"/>
+              </a:endParaRPr>
+            </a:p>
+          </p:txBody>
+        </p:sp>
+        <p:sp>
+          <p:nvSpPr>
+            <p:cNvPr id="46" name="矩形 45"/>
+            <p:cNvSpPr/>
+            <p:nvPr/>
+          </p:nvSpPr>
+          <p:spPr>
+            <a:xfrm>
+              <a:off x="7586" y="8406"/>
+              <a:ext cx="866" cy="502"/>
+            </a:xfrm>
+            <a:prstGeom prst="rect">
+              <a:avLst/>
+            </a:prstGeom>
+          </p:spPr>
+          <p:style>
+            <a:lnRef idx="2">
+              <a:schemeClr val="accent1">
+                <a:shade val="50000"/>
+              </a:schemeClr>
+            </a:lnRef>
+            <a:fillRef idx="1">
+              <a:schemeClr val="accent1"/>
+            </a:fillRef>
+            <a:effectRef idx="0">
+              <a:schemeClr val="accent1"/>
+            </a:effectRef>
+            <a:fontRef idx="minor">
+              <a:schemeClr val="lt1"/>
+            </a:fontRef>
+          </p:style>
+          <p:txBody>
+            <a:bodyPr rtlCol="0" anchor="ctr"/>
+            <a:p>
+              <a:pPr algn="ctr"/>
+              <a:r>
+                <a:rPr lang="zh-CN" altLang="en-US" sz="1000" b="1">
+                  <a:latin typeface="微软雅黑" charset="0"/>
+                  <a:ea typeface="微软雅黑" charset="0"/>
+                  <a:cs typeface="微软雅黑" charset="0"/>
+                </a:rPr>
+                <a:t>等待</a:t>
+              </a:r>
+              <a:r>
+                <a:rPr lang="en-US" altLang="zh-CN" sz="1000" b="1">
+                  <a:latin typeface="微软雅黑" charset="0"/>
+                  <a:ea typeface="微软雅黑" charset="0"/>
+                  <a:cs typeface="微软雅黑" charset="0"/>
+                </a:rPr>
+                <a:t>IO</a:t>
+              </a:r>
+              <a:endParaRPr lang="en-US" altLang="zh-CN" sz="1000" b="1">
+                <a:latin typeface="微软雅黑" charset="0"/>
+                <a:ea typeface="微软雅黑" charset="0"/>
+                <a:cs typeface="微软雅黑" charset="0"/>
+              </a:endParaRPr>
+            </a:p>
+          </p:txBody>
+        </p:sp>
+        <p:sp>
+          <p:nvSpPr>
+            <p:cNvPr id="47" name="矩形 46"/>
+            <p:cNvSpPr/>
+            <p:nvPr/>
+          </p:nvSpPr>
+          <p:spPr>
+            <a:xfrm>
+              <a:off x="7586" y="9572"/>
+              <a:ext cx="865" cy="502"/>
+            </a:xfrm>
+            <a:prstGeom prst="rect">
+              <a:avLst/>
+            </a:prstGeom>
+          </p:spPr>
+          <p:style>
+            <a:lnRef idx="2">
+              <a:schemeClr val="accent1">
+                <a:shade val="50000"/>
+              </a:schemeClr>
+            </a:lnRef>
+            <a:fillRef idx="1">
+              <a:schemeClr val="accent1"/>
+            </a:fillRef>
+            <a:effectRef idx="0">
+              <a:schemeClr val="accent1"/>
+            </a:effectRef>
+            <a:fontRef idx="minor">
+              <a:schemeClr val="lt1"/>
+            </a:fontRef>
+          </p:style>
+          <p:txBody>
+            <a:bodyPr rtlCol="0" anchor="ctr"/>
+            <a:p>
+              <a:pPr algn="ctr"/>
+              <a:r>
+                <a:rPr lang="en-US" altLang="zh-CN" sz="1000" b="1">
+                  <a:latin typeface="微软雅黑" charset="0"/>
+                  <a:ea typeface="微软雅黑" charset="0"/>
+                  <a:cs typeface="微软雅黑" charset="0"/>
+                </a:rPr>
+                <a:t>CPU</a:t>
+              </a:r>
+              <a:endParaRPr lang="zh-CN" altLang="en-US" sz="1000" b="1">
+                <a:latin typeface="微软雅黑" charset="0"/>
+                <a:ea typeface="微软雅黑" charset="0"/>
+                <a:cs typeface="微软雅黑" charset="0"/>
+              </a:endParaRPr>
+            </a:p>
+          </p:txBody>
+        </p:sp>
+        <p:sp>
+          <p:nvSpPr>
+            <p:cNvPr id="48" name="矩形 47"/>
+            <p:cNvSpPr/>
+            <p:nvPr/>
+          </p:nvSpPr>
+          <p:spPr>
+            <a:xfrm>
+              <a:off x="10239" y="6959"/>
+              <a:ext cx="1688" cy="3497"/>
+            </a:xfrm>
+            <a:prstGeom prst="rect">
+              <a:avLst/>
+            </a:prstGeom>
+          </p:spPr>
+          <p:style>
+            <a:lnRef idx="2">
+              <a:schemeClr val="accent1"/>
+            </a:lnRef>
+            <a:fillRef idx="1">
+              <a:schemeClr val="lt1"/>
+            </a:fillRef>
+            <a:effectRef idx="0">
+              <a:schemeClr val="accent1"/>
+            </a:effectRef>
+            <a:fontRef idx="minor">
+              <a:schemeClr val="dk1"/>
+            </a:fontRef>
+          </p:style>
+          <p:txBody>
+            <a:bodyPr rtlCol="0" anchor="ctr"/>
+            <a:p>
+              <a:pPr algn="ctr"/>
+              <a:endParaRPr lang="zh-CN" altLang="en-US"/>
+            </a:p>
+          </p:txBody>
+        </p:sp>
+        <p:sp>
+          <p:nvSpPr>
+            <p:cNvPr id="49" name="矩形 48"/>
+            <p:cNvSpPr/>
+            <p:nvPr/>
+          </p:nvSpPr>
+          <p:spPr>
+            <a:xfrm>
+              <a:off x="10651" y="7465"/>
+              <a:ext cx="865" cy="502"/>
+            </a:xfrm>
+            <a:prstGeom prst="rect">
+              <a:avLst/>
+            </a:prstGeom>
+          </p:spPr>
+          <p:style>
+            <a:lnRef idx="2">
+              <a:schemeClr val="accent1">
+                <a:shade val="50000"/>
+              </a:schemeClr>
+            </a:lnRef>
+            <a:fillRef idx="1">
+              <a:schemeClr val="accent1"/>
+            </a:fillRef>
+            <a:effectRef idx="0">
+              <a:schemeClr val="accent1"/>
+            </a:effectRef>
+            <a:fontRef idx="minor">
+              <a:schemeClr val="lt1"/>
+            </a:fontRef>
+          </p:style>
+          <p:txBody>
+            <a:bodyPr rtlCol="0" anchor="ctr"/>
+            <a:p>
+              <a:pPr algn="ctr"/>
+              <a:r>
+                <a:rPr lang="en-US" altLang="zh-CN" sz="1000" b="1">
+                  <a:latin typeface="微软雅黑" charset="0"/>
+                  <a:ea typeface="微软雅黑" charset="0"/>
+                  <a:cs typeface="微软雅黑" charset="0"/>
+                </a:rPr>
+                <a:t>CPU</a:t>
+              </a:r>
+              <a:endParaRPr lang="zh-CN" altLang="en-US" sz="1000" b="1">
+                <a:latin typeface="微软雅黑" charset="0"/>
+                <a:ea typeface="微软雅黑" charset="0"/>
+                <a:cs typeface="微软雅黑" charset="0"/>
+              </a:endParaRPr>
+            </a:p>
+          </p:txBody>
+        </p:sp>
+        <p:sp>
+          <p:nvSpPr>
+            <p:cNvPr id="50" name="矩形 49"/>
+            <p:cNvSpPr/>
+            <p:nvPr/>
+          </p:nvSpPr>
+          <p:spPr>
+            <a:xfrm>
+              <a:off x="10650" y="8408"/>
+              <a:ext cx="866" cy="502"/>
+            </a:xfrm>
+            <a:prstGeom prst="rect">
+              <a:avLst/>
+            </a:prstGeom>
+          </p:spPr>
+          <p:style>
+            <a:lnRef idx="2">
+              <a:schemeClr val="accent1">
+                <a:shade val="50000"/>
+              </a:schemeClr>
+            </a:lnRef>
+            <a:fillRef idx="1">
+              <a:schemeClr val="accent1"/>
+            </a:fillRef>
+            <a:effectRef idx="0">
+              <a:schemeClr val="accent1"/>
+            </a:effectRef>
+            <a:fontRef idx="minor">
+              <a:schemeClr val="lt1"/>
+            </a:fontRef>
+          </p:style>
+          <p:txBody>
+            <a:bodyPr rtlCol="0" anchor="ctr"/>
+            <a:p>
+              <a:pPr algn="ctr"/>
+              <a:r>
+                <a:rPr lang="zh-CN" altLang="en-US" sz="1000" b="1">
+                  <a:latin typeface="微软雅黑" charset="0"/>
+                  <a:ea typeface="微软雅黑" charset="0"/>
+                  <a:cs typeface="微软雅黑" charset="0"/>
+                </a:rPr>
+                <a:t>等待</a:t>
+              </a:r>
+              <a:r>
+                <a:rPr lang="en-US" altLang="zh-CN" sz="1000" b="1">
+                  <a:latin typeface="微软雅黑" charset="0"/>
+                  <a:ea typeface="微软雅黑" charset="0"/>
+                  <a:cs typeface="微软雅黑" charset="0"/>
+                </a:rPr>
+                <a:t>IO</a:t>
+              </a:r>
+              <a:endParaRPr lang="en-US" altLang="zh-CN" sz="1000" b="1">
+                <a:latin typeface="微软雅黑" charset="0"/>
+                <a:ea typeface="微软雅黑" charset="0"/>
+                <a:cs typeface="微软雅黑" charset="0"/>
+              </a:endParaRPr>
+            </a:p>
+          </p:txBody>
+        </p:sp>
+        <p:sp>
+          <p:nvSpPr>
+            <p:cNvPr id="51" name="矩形 50"/>
+            <p:cNvSpPr/>
+            <p:nvPr/>
+          </p:nvSpPr>
+          <p:spPr>
+            <a:xfrm>
+              <a:off x="10650" y="9574"/>
+              <a:ext cx="865" cy="502"/>
+            </a:xfrm>
+            <a:prstGeom prst="rect">
+              <a:avLst/>
+            </a:prstGeom>
+          </p:spPr>
+          <p:style>
+            <a:lnRef idx="2">
+              <a:schemeClr val="accent1">
+                <a:shade val="50000"/>
+              </a:schemeClr>
+            </a:lnRef>
+            <a:fillRef idx="1">
+              <a:schemeClr val="accent1"/>
+            </a:fillRef>
+            <a:effectRef idx="0">
+              <a:schemeClr val="accent1"/>
+            </a:effectRef>
+            <a:fontRef idx="minor">
+              <a:schemeClr val="lt1"/>
+            </a:fontRef>
+          </p:style>
+          <p:txBody>
+            <a:bodyPr rtlCol="0" anchor="ctr"/>
+            <a:p>
+              <a:pPr algn="ctr"/>
+              <a:r>
+                <a:rPr lang="en-US" altLang="zh-CN" sz="1000" b="1">
+                  <a:latin typeface="微软雅黑" charset="0"/>
+                  <a:ea typeface="微软雅黑" charset="0"/>
+                  <a:cs typeface="微软雅黑" charset="0"/>
+                </a:rPr>
+                <a:t>CPU</a:t>
+              </a:r>
+              <a:endParaRPr lang="zh-CN" altLang="en-US" sz="1000" b="1">
+                <a:latin typeface="微软雅黑" charset="0"/>
+                <a:ea typeface="微软雅黑" charset="0"/>
+                <a:cs typeface="微软雅黑" charset="0"/>
+              </a:endParaRPr>
+            </a:p>
+          </p:txBody>
+        </p:sp>
+        <p:cxnSp>
+          <p:nvCxnSpPr>
+            <p:cNvPr id="52" name="直接箭头连接符 51"/>
+            <p:cNvCxnSpPr>
+              <a:endCxn id="41" idx="1"/>
+            </p:cNvCxnSpPr>
+            <p:nvPr/>
+          </p:nvCxnSpPr>
+          <p:spPr>
+            <a:xfrm flipV="1">
+              <a:off x="3336" y="7714"/>
+              <a:ext cx="1425" cy="0"/>
+            </a:xfrm>
+            <a:prstGeom prst="straightConnector1">
+              <a:avLst/>
+            </a:prstGeom>
+            <a:ln>
+              <a:tailEnd type="arrow"/>
+            </a:ln>
+          </p:spPr>
+          <p:style>
+            <a:lnRef idx="1">
+              <a:schemeClr val="accent1"/>
+            </a:lnRef>
+            <a:fillRef idx="0">
+              <a:schemeClr val="accent1"/>
+            </a:fillRef>
+            <a:effectRef idx="0">
+              <a:schemeClr val="accent1"/>
+            </a:effectRef>
+            <a:fontRef idx="minor">
+              <a:schemeClr val="tx1"/>
+            </a:fontRef>
+          </p:style>
+        </p:cxnSp>
+        <p:cxnSp>
+          <p:nvCxnSpPr>
+            <p:cNvPr id="53" name="直接箭头连接符 52"/>
+            <p:cNvCxnSpPr>
+              <a:stCxn id="41" idx="2"/>
+              <a:endCxn id="42" idx="0"/>
+            </p:cNvCxnSpPr>
+            <p:nvPr/>
+          </p:nvCxnSpPr>
+          <p:spPr>
+            <a:xfrm flipH="1">
+              <a:off x="5193" y="7965"/>
+              <a:ext cx="1" cy="441"/>
+            </a:xfrm>
+            <a:prstGeom prst="straightConnector1">
+              <a:avLst/>
+            </a:prstGeom>
+            <a:ln>
+              <a:tailEnd type="arrow"/>
+            </a:ln>
+          </p:spPr>
+          <p:style>
+            <a:lnRef idx="1">
+              <a:schemeClr val="accent1"/>
+            </a:lnRef>
+            <a:fillRef idx="0">
+              <a:schemeClr val="accent1"/>
+            </a:fillRef>
+            <a:effectRef idx="0">
+              <a:schemeClr val="accent1"/>
+            </a:effectRef>
+            <a:fontRef idx="minor">
+              <a:schemeClr val="tx1"/>
+            </a:fontRef>
+          </p:style>
+        </p:cxnSp>
+        <p:cxnSp>
+          <p:nvCxnSpPr>
+            <p:cNvPr id="54" name="肘形连接符 53"/>
+            <p:cNvCxnSpPr>
+              <a:stCxn id="42" idx="3"/>
+              <a:endCxn id="45" idx="1"/>
+            </p:cNvCxnSpPr>
+            <p:nvPr/>
+          </p:nvCxnSpPr>
+          <p:spPr>
+            <a:xfrm flipV="1">
+              <a:off x="5626" y="7714"/>
+              <a:ext cx="1961" cy="943"/>
+            </a:xfrm>
+            <a:prstGeom prst="bentConnector3">
+              <a:avLst>
+                <a:gd name="adj1" fmla="val 50025"/>
+              </a:avLst>
+            </a:prstGeom>
+            <a:ln>
+              <a:tailEnd type="arrow"/>
+            </a:ln>
+          </p:spPr>
+          <p:style>
+            <a:lnRef idx="1">
+              <a:schemeClr val="accent1"/>
+            </a:lnRef>
+            <a:fillRef idx="0">
+              <a:schemeClr val="accent1"/>
+            </a:fillRef>
+            <a:effectRef idx="0">
+              <a:schemeClr val="accent1"/>
+            </a:effectRef>
+            <a:fontRef idx="minor">
+              <a:schemeClr val="tx1"/>
+            </a:fontRef>
+          </p:style>
+        </p:cxnSp>
+        <p:cxnSp>
+          <p:nvCxnSpPr>
+            <p:cNvPr id="56" name="直接箭头连接符 55"/>
+            <p:cNvCxnSpPr>
+              <a:stCxn id="45" idx="2"/>
+              <a:endCxn id="46" idx="0"/>
+            </p:cNvCxnSpPr>
+            <p:nvPr/>
+          </p:nvCxnSpPr>
+          <p:spPr>
+            <a:xfrm flipH="1">
+              <a:off x="8019" y="7965"/>
+              <a:ext cx="1" cy="441"/>
+            </a:xfrm>
+            <a:prstGeom prst="straightConnector1">
+              <a:avLst/>
+            </a:prstGeom>
+            <a:ln>
+              <a:tailEnd type="arrow"/>
+            </a:ln>
+          </p:spPr>
+          <p:style>
+            <a:lnRef idx="1">
+              <a:schemeClr val="accent1"/>
+            </a:lnRef>
+            <a:fillRef idx="0">
+              <a:schemeClr val="accent1"/>
+            </a:fillRef>
+            <a:effectRef idx="0">
+              <a:schemeClr val="accent1"/>
+            </a:effectRef>
+            <a:fontRef idx="minor">
+              <a:schemeClr val="tx1"/>
+            </a:fontRef>
+          </p:style>
+        </p:cxnSp>
+        <p:cxnSp>
+          <p:nvCxnSpPr>
+            <p:cNvPr id="57" name="肘形连接符 56"/>
+            <p:cNvCxnSpPr>
+              <a:stCxn id="46" idx="3"/>
+              <a:endCxn id="49" idx="1"/>
+            </p:cNvCxnSpPr>
+            <p:nvPr/>
+          </p:nvCxnSpPr>
+          <p:spPr>
+            <a:xfrm flipV="1">
+              <a:off x="8452" y="7716"/>
+              <a:ext cx="2199" cy="941"/>
+            </a:xfrm>
+            <a:prstGeom prst="bentConnector3">
+              <a:avLst>
+                <a:gd name="adj1" fmla="val 50023"/>
+              </a:avLst>
+            </a:prstGeom>
+            <a:ln>
+              <a:tailEnd type="arrow"/>
+            </a:ln>
+          </p:spPr>
+          <p:style>
+            <a:lnRef idx="1">
+              <a:schemeClr val="accent1"/>
+            </a:lnRef>
+            <a:fillRef idx="0">
+              <a:schemeClr val="accent1"/>
+            </a:fillRef>
+            <a:effectRef idx="0">
+              <a:schemeClr val="accent1"/>
+            </a:effectRef>
+            <a:fontRef idx="minor">
+              <a:schemeClr val="tx1"/>
+            </a:fontRef>
+          </p:style>
+        </p:cxnSp>
+        <p:cxnSp>
+          <p:nvCxnSpPr>
+            <p:cNvPr id="58" name="直接箭头连接符 57"/>
+            <p:cNvCxnSpPr>
+              <a:stCxn id="49" idx="2"/>
+              <a:endCxn id="50" idx="0"/>
+            </p:cNvCxnSpPr>
+            <p:nvPr/>
+          </p:nvCxnSpPr>
+          <p:spPr>
+            <a:xfrm flipH="1">
+              <a:off x="11083" y="7967"/>
+              <a:ext cx="1" cy="441"/>
+            </a:xfrm>
+            <a:prstGeom prst="straightConnector1">
+              <a:avLst/>
+            </a:prstGeom>
+            <a:ln>
+              <a:tailEnd type="arrow"/>
+            </a:ln>
+          </p:spPr>
+          <p:style>
+            <a:lnRef idx="1">
+              <a:schemeClr val="accent1"/>
+            </a:lnRef>
+            <a:fillRef idx="0">
+              <a:schemeClr val="accent1"/>
+            </a:fillRef>
+            <a:effectRef idx="0">
+              <a:schemeClr val="accent1"/>
+            </a:effectRef>
+            <a:fontRef idx="minor">
+              <a:schemeClr val="tx1"/>
+            </a:fontRef>
+          </p:style>
+        </p:cxnSp>
+        <p:cxnSp>
+          <p:nvCxnSpPr>
+            <p:cNvPr id="59" name="肘形连接符 58"/>
+            <p:cNvCxnSpPr>
+              <a:stCxn id="50" idx="3"/>
+              <a:endCxn id="43" idx="1"/>
+            </p:cNvCxnSpPr>
+            <p:nvPr/>
+          </p:nvCxnSpPr>
+          <p:spPr>
+            <a:xfrm flipH="1">
+              <a:off x="4760" y="8659"/>
+              <a:ext cx="6756" cy="1164"/>
+            </a:xfrm>
+            <a:prstGeom prst="bentConnector5">
+              <a:avLst>
+                <a:gd name="adj1" fmla="val -5551"/>
+                <a:gd name="adj2" fmla="val 50000"/>
+                <a:gd name="adj3" fmla="val 118753"/>
+              </a:avLst>
+            </a:prstGeom>
+            <a:ln>
+              <a:tailEnd type="arrow"/>
+            </a:ln>
+          </p:spPr>
+          <p:style>
+            <a:lnRef idx="1">
+              <a:schemeClr val="accent1"/>
+            </a:lnRef>
+            <a:fillRef idx="0">
+              <a:schemeClr val="accent1"/>
+            </a:fillRef>
+            <a:effectRef idx="0">
+              <a:schemeClr val="accent1"/>
+            </a:effectRef>
+            <a:fontRef idx="minor">
+              <a:schemeClr val="tx1"/>
+            </a:fontRef>
+          </p:style>
+        </p:cxnSp>
+        <p:cxnSp>
+          <p:nvCxnSpPr>
+            <p:cNvPr id="60" name="直接箭头连接符 59"/>
+            <p:cNvCxnSpPr>
+              <a:stCxn id="43" idx="3"/>
+              <a:endCxn id="47" idx="1"/>
+            </p:cNvCxnSpPr>
+            <p:nvPr/>
+          </p:nvCxnSpPr>
+          <p:spPr>
+            <a:xfrm>
+              <a:off x="5625" y="9823"/>
+              <a:ext cx="1961" cy="0"/>
+            </a:xfrm>
+            <a:prstGeom prst="straightConnector1">
+              <a:avLst/>
+            </a:prstGeom>
+            <a:ln>
+              <a:tailEnd type="arrow"/>
+            </a:ln>
+          </p:spPr>
+          <p:style>
+            <a:lnRef idx="1">
+              <a:schemeClr val="accent1"/>
+            </a:lnRef>
+            <a:fillRef idx="0">
+              <a:schemeClr val="accent1"/>
+            </a:fillRef>
+            <a:effectRef idx="0">
+              <a:schemeClr val="accent1"/>
+            </a:effectRef>
+            <a:fontRef idx="minor">
+              <a:schemeClr val="tx1"/>
+            </a:fontRef>
+          </p:style>
+        </p:cxnSp>
+        <p:cxnSp>
+          <p:nvCxnSpPr>
+            <p:cNvPr id="61" name="直接箭头连接符 60"/>
+            <p:cNvCxnSpPr>
+              <a:stCxn id="47" idx="3"/>
+              <a:endCxn id="51" idx="1"/>
+            </p:cNvCxnSpPr>
+            <p:nvPr/>
+          </p:nvCxnSpPr>
+          <p:spPr>
+            <a:xfrm>
+              <a:off x="8451" y="9823"/>
+              <a:ext cx="2199" cy="2"/>
+            </a:xfrm>
+            <a:prstGeom prst="straightConnector1">
+              <a:avLst/>
+            </a:prstGeom>
+            <a:ln>
+              <a:tailEnd type="arrow"/>
+            </a:ln>
+          </p:spPr>
+          <p:style>
+            <a:lnRef idx="1">
+              <a:schemeClr val="accent1"/>
+            </a:lnRef>
+            <a:fillRef idx="0">
+              <a:schemeClr val="accent1"/>
+            </a:fillRef>
+            <a:effectRef idx="0">
+              <a:schemeClr val="accent1"/>
+            </a:effectRef>
+            <a:fontRef idx="minor">
+              <a:schemeClr val="tx1"/>
+            </a:fontRef>
+          </p:style>
+        </p:cxnSp>
+        <p:cxnSp>
+          <p:nvCxnSpPr>
+            <p:cNvPr id="62" name="直接箭头连接符 61"/>
+            <p:cNvCxnSpPr>
+              <a:stCxn id="51" idx="3"/>
+            </p:cNvCxnSpPr>
+            <p:nvPr/>
+          </p:nvCxnSpPr>
+          <p:spPr>
+            <a:xfrm>
+              <a:off x="11515" y="9825"/>
+              <a:ext cx="990" cy="13"/>
+            </a:xfrm>
+            <a:prstGeom prst="straightConnector1">
+              <a:avLst/>
+            </a:prstGeom>
+            <a:ln>
+              <a:tailEnd type="arrow"/>
+            </a:ln>
+          </p:spPr>
+          <p:style>
+            <a:lnRef idx="1">
+              <a:schemeClr val="accent1"/>
+            </a:lnRef>
+            <a:fillRef idx="0">
+              <a:schemeClr val="accent1"/>
+            </a:fillRef>
+            <a:effectRef idx="0">
+              <a:schemeClr val="accent1"/>
+            </a:effectRef>
+            <a:fontRef idx="minor">
+              <a:schemeClr val="tx1"/>
+            </a:fontRef>
+          </p:style>
+        </p:cxnSp>
+        <p:sp>
+          <p:nvSpPr>
+            <p:cNvPr id="63" name="文本框 62"/>
+            <p:cNvSpPr txBox="1"/>
+            <p:nvPr/>
+          </p:nvSpPr>
+          <p:spPr>
+            <a:xfrm>
+              <a:off x="1566" y="7463"/>
+              <a:ext cx="1638" cy="434"/>
+            </a:xfrm>
+            <a:prstGeom prst="rect">
+              <a:avLst/>
+            </a:prstGeom>
+            <a:noFill/>
+          </p:spPr>
+          <p:txBody>
+            <a:bodyPr wrap="none" rtlCol="0">
+              <a:spAutoFit/>
+            </a:bodyPr>
+            <a:p>
+              <a:r>
+                <a:rPr lang="zh-CN" altLang="en-US" sz="1200">
+                  <a:latin typeface="微软雅黑" charset="0"/>
+                  <a:ea typeface="微软雅黑" charset="0"/>
+                  <a:cs typeface="微软雅黑" charset="0"/>
+                </a:rPr>
+                <a:t>第</a:t>
+              </a:r>
+              <a:r>
+                <a:rPr lang="en-US" altLang="zh-CN" sz="1200">
+                  <a:latin typeface="微软雅黑" charset="0"/>
+                  <a:ea typeface="微软雅黑" charset="0"/>
+                  <a:cs typeface="微软雅黑" charset="0"/>
+                </a:rPr>
+                <a:t>1</a:t>
+              </a:r>
+              <a:r>
+                <a:rPr lang="zh-CN" altLang="en-US" sz="1200">
+                  <a:latin typeface="微软雅黑" charset="0"/>
+                  <a:ea typeface="微软雅黑" charset="0"/>
+                  <a:cs typeface="微软雅黑" charset="0"/>
+                </a:rPr>
+                <a:t>次全循环</a:t>
+              </a:r>
+              <a:endParaRPr lang="zh-CN" altLang="en-US" sz="1200">
+                <a:latin typeface="微软雅黑" charset="0"/>
+                <a:ea typeface="微软雅黑" charset="0"/>
+                <a:cs typeface="微软雅黑" charset="0"/>
+              </a:endParaRPr>
+            </a:p>
+          </p:txBody>
+        </p:sp>
+        <p:sp>
+          <p:nvSpPr>
+            <p:cNvPr id="64" name="文本框 63"/>
+            <p:cNvSpPr txBox="1"/>
+            <p:nvPr/>
+          </p:nvSpPr>
+          <p:spPr>
+            <a:xfrm>
+              <a:off x="1566" y="9606"/>
+              <a:ext cx="1638" cy="434"/>
+            </a:xfrm>
+            <a:prstGeom prst="rect">
+              <a:avLst/>
+            </a:prstGeom>
+            <a:noFill/>
+          </p:spPr>
+          <p:txBody>
+            <a:bodyPr wrap="none" rtlCol="0">
+              <a:spAutoFit/>
+            </a:bodyPr>
+            <a:p>
+              <a:r>
+                <a:rPr lang="zh-CN" altLang="en-US" sz="1200">
+                  <a:latin typeface="微软雅黑" charset="0"/>
+                  <a:ea typeface="微软雅黑" charset="0"/>
+                  <a:cs typeface="微软雅黑" charset="0"/>
+                </a:rPr>
+                <a:t>第</a:t>
+              </a:r>
+              <a:r>
+                <a:rPr lang="en-US" altLang="zh-CN" sz="1200">
+                  <a:latin typeface="微软雅黑" charset="0"/>
+                  <a:ea typeface="微软雅黑" charset="0"/>
+                  <a:cs typeface="微软雅黑" charset="0"/>
+                </a:rPr>
+                <a:t>2</a:t>
+              </a:r>
+              <a:r>
+                <a:rPr lang="zh-CN" altLang="en-US" sz="1200">
+                  <a:latin typeface="微软雅黑" charset="0"/>
+                  <a:ea typeface="微软雅黑" charset="0"/>
+                  <a:cs typeface="微软雅黑" charset="0"/>
+                </a:rPr>
+                <a:t>次全循环</a:t>
+              </a:r>
+              <a:endParaRPr lang="zh-CN" altLang="en-US" sz="1200">
+                <a:latin typeface="微软雅黑" charset="0"/>
+                <a:ea typeface="微软雅黑" charset="0"/>
+                <a:cs typeface="微软雅黑" charset="0"/>
+              </a:endParaRPr>
+            </a:p>
+          </p:txBody>
+        </p:sp>
+      </p:grpSp>
+      <p:sp>
+        <p:nvSpPr>
+          <p:cNvPr id="65" name="文本框 64"/>
+          <p:cNvSpPr txBox="1"/>
+          <p:nvPr/>
+        </p:nvSpPr>
+        <p:spPr>
+          <a:xfrm>
+            <a:off x="8776335" y="4140200"/>
+            <a:ext cx="2704465" cy="1938020"/>
+          </a:xfrm>
+          <a:prstGeom prst="rect">
+            <a:avLst/>
+          </a:prstGeom>
+          <a:noFill/>
+        </p:spPr>
+        <p:txBody>
+          <a:bodyPr wrap="none" rtlCol="0">
+            <a:spAutoFit/>
+          </a:bodyPr>
+          <a:p>
+            <a:pPr algn="ctr"/>
+            <a:r>
+              <a:rPr lang="zh-CN" altLang="en-US" sz="2400"/>
+              <a:t>《</a:t>
+            </a:r>
+            <a:r>
+              <a:rPr lang="en-US" altLang="zh-CN" sz="2400"/>
+              <a:t>the one loop</a:t>
+            </a:r>
+            <a:r>
+              <a:rPr lang="zh-CN" altLang="en-US" sz="2400"/>
+              <a:t>》</a:t>
+            </a:r>
+            <a:endParaRPr lang="zh-CN" altLang="en-US" sz="2400"/>
+          </a:p>
+          <a:p>
+            <a:pPr algn="ctr"/>
+            <a:r>
+              <a:rPr lang="zh-CN" altLang="en-US" sz="2400"/>
+              <a:t>至尊循环驭众生</a:t>
+            </a:r>
+            <a:endParaRPr lang="zh-CN" altLang="en-US" sz="2400"/>
+          </a:p>
+          <a:p>
+            <a:pPr algn="ctr"/>
+            <a:r>
+              <a:rPr lang="zh-CN" altLang="en-US" sz="2400"/>
+              <a:t>至尊循环寻众生</a:t>
+            </a:r>
+            <a:endParaRPr lang="zh-CN" altLang="en-US" sz="2400"/>
+          </a:p>
+          <a:p>
+            <a:pPr algn="ctr"/>
+            <a:r>
+              <a:rPr lang="zh-CN" altLang="en-US" sz="2400"/>
+              <a:t>至尊循环引众生</a:t>
+            </a:r>
+            <a:endParaRPr lang="zh-CN" altLang="en-US" sz="2400"/>
+          </a:p>
+          <a:p>
+            <a:pPr algn="ctr"/>
+            <a:r>
+              <a:rPr lang="zh-CN" altLang="en-US" sz="2400"/>
+              <a:t>普照众生欣欣荣</a:t>
+            </a:r>
+            <a:endParaRPr lang="zh-CN" altLang="en-US" sz="2400"/>
+          </a:p>
+        </p:txBody>
+      </p:sp>
+    </p:spTree>
+  </p:cSld>
+  <p:clrMapOvr>
+    <a:masterClrMapping/>
+  </p:clrMapOvr>
+  <p:timing>
+    <p:tnLst>
+      <p:par>
+        <p:cTn id="1" dur="indefinite" restart="never" nodeType="tmRoot">
+          <p:childTnLst>
+            <p:seq concurrent="1" nextAc="seek">
+              <p:cTn id="2" dur="indefinite" nodeType="mainSeq">
+                <p:childTnLst>
+                  <p:par>
+                    <p:cTn id="3" fill="hold">
+                      <p:stCondLst>
+                        <p:cond delay="indefinite"/>
+                      </p:stCondLst>
+                      <p:childTnLst>
+                        <p:par>
+                          <p:cTn id="4" fill="hold">
+                            <p:stCondLst>
+                              <p:cond delay="0"/>
+                            </p:stCondLst>
+                            <p:childTnLst>
+                              <p:par>
+                                <p:cTn id="5" presetID="22" presetClass="entr" presetSubtype="4" fill="hold" nodeType="clickEffect">
+                                  <p:stCondLst>
+                                    <p:cond delay="0"/>
+                                  </p:stCondLst>
+                                  <p:childTnLst>
+                                    <p:set>
+                                      <p:cBhvr>
+                                        <p:cTn id="6" dur="1" fill="hold">
+                                          <p:stCondLst>
+                                            <p:cond delay="0"/>
+                                          </p:stCondLst>
+                                        </p:cTn>
+                                        <p:tgtEl>
+                                          <p:spTgt spid="67"/>
+                                        </p:tgtEl>
+                                        <p:attrNameLst>
+                                          <p:attrName>style.visibility</p:attrName>
+                                        </p:attrNameLst>
+                                      </p:cBhvr>
+                                      <p:to>
+                                        <p:strVal val="visible"/>
+                                      </p:to>
+                                    </p:set>
+                                    <p:animEffect transition="in" filter="wipe(down)">
+                                      <p:cBhvr>
+                                        <p:cTn id="7" dur="500"/>
+                                        <p:tgtEl>
+                                          <p:spTgt spid="67"/>
+                                        </p:tgtEl>
+                                      </p:cBhvr>
+                                    </p:animEffect>
+                                  </p:childTnLst>
+                                </p:cTn>
+                              </p:par>
+                            </p:childTnLst>
+                          </p:cTn>
+                        </p:par>
+                      </p:childTnLst>
+                    </p:cTn>
+                  </p:par>
+                  <p:par>
+                    <p:cTn id="8" fill="hold">
+                      <p:stCondLst>
+                        <p:cond delay="indefinite"/>
+                      </p:stCondLst>
+                      <p:childTnLst>
+                        <p:par>
+                          <p:cTn id="9" fill="hold">
+                            <p:stCondLst>
+                              <p:cond delay="0"/>
+                            </p:stCondLst>
+                            <p:childTnLst>
+                              <p:par>
+                                <p:cTn id="10" presetID="22" presetClass="entr" presetSubtype="4" fill="hold" nodeType="clickEffect">
+                                  <p:stCondLst>
+                                    <p:cond delay="0"/>
+                                  </p:stCondLst>
+                                  <p:childTnLst>
+                                    <p:set>
+                                      <p:cBhvr>
+                                        <p:cTn id="11" dur="1" fill="hold">
+                                          <p:stCondLst>
+                                            <p:cond delay="0"/>
+                                          </p:stCondLst>
+                                        </p:cTn>
+                                        <p:tgtEl>
+                                          <p:spTgt spid="68"/>
+                                        </p:tgtEl>
+                                        <p:attrNameLst>
+                                          <p:attrName>style.visibility</p:attrName>
+                                        </p:attrNameLst>
+                                      </p:cBhvr>
+                                      <p:to>
+                                        <p:strVal val="visible"/>
+                                      </p:to>
+                                    </p:set>
+                                    <p:animEffect transition="in" filter="wipe(down)">
+                                      <p:cBhvr>
+                                        <p:cTn id="12" dur="500"/>
+                                        <p:tgtEl>
+                                          <p:spTgt spid="68"/>
+                                        </p:tgtEl>
+                                      </p:cBhvr>
+                                    </p:animEffect>
+                                  </p:childTnLst>
+                                </p:cTn>
+                              </p:par>
+                            </p:childTnLst>
+                          </p:cTn>
+                        </p:par>
+                      </p:childTnLst>
+                    </p:cTn>
+                  </p:par>
+                  <p:par>
+                    <p:cTn id="13" fill="hold">
+                      <p:stCondLst>
+                        <p:cond delay="indefinite"/>
+                      </p:stCondLst>
+                      <p:childTnLst>
+                        <p:par>
+                          <p:cTn id="14" fill="hold">
+                            <p:stCondLst>
+                              <p:cond delay="0"/>
+                            </p:stCondLst>
+                            <p:childTnLst>
+                              <p:par>
+                                <p:cTn id="15" presetID="22" presetClass="entr" presetSubtype="4" fill="hold" grpId="0" nodeType="clickEffect">
+                                  <p:stCondLst>
+                                    <p:cond delay="0"/>
+                                  </p:stCondLst>
+                                  <p:childTnLst>
+                                    <p:set>
+                                      <p:cBhvr>
+                                        <p:cTn id="16" dur="1" fill="hold">
+                                          <p:stCondLst>
+                                            <p:cond delay="0"/>
+                                          </p:stCondLst>
+                                        </p:cTn>
+                                        <p:tgtEl>
+                                          <p:spTgt spid="65"/>
+                                        </p:tgtEl>
+                                        <p:attrNameLst>
+                                          <p:attrName>style.visibility</p:attrName>
+                                        </p:attrNameLst>
+                                      </p:cBhvr>
+                                      <p:to>
+                                        <p:strVal val="visible"/>
+                                      </p:to>
+                                    </p:set>
+                                    <p:animEffect transition="in" filter="wipe(down)">
+                                      <p:cBhvr>
+                                        <p:cTn id="17" dur="500"/>
+                                        <p:tgtEl>
+                                          <p:spTgt spid="65"/>
+                                        </p:tgtEl>
+                                      </p:cBhvr>
+                                    </p:animEffect>
+                                  </p:childTnLst>
+                                </p:cTn>
+                              </p:par>
+                            </p:childTnLst>
+                          </p:cTn>
+                        </p:par>
+                      </p:childTnLst>
+                    </p:cTn>
+                  </p:par>
+                </p:childTnLst>
+              </p:cTn>
+              <p:prevCondLst>
+                <p:cond evt="onPrev" delay="0">
+                  <p:tgtEl>
+                    <p:sldTgt/>
+                  </p:tgtEl>
+                </p:cond>
+              </p:prevCondLst>
+              <p:nextCondLst>
+                <p:cond evt="onNext" delay="0">
+                  <p:tgtEl>
+                    <p:sldTgt/>
+                  </p:tgtEl>
+                </p:cond>
+              </p:nextCondLst>
+            </p:seq>
+          </p:childTnLst>
+        </p:cTn>
+      </p:par>
+    </p:tnLst>
+    <p:bldLst>
+      <p:bldP spid="65" grpId="0"/>
+    </p:bldLst>
+  </p:timing>
+</p:sld>
+</file>
+
+<file path=ppt/slides/slide48.xml><?xml version="1.0" encoding="utf-8"?>
+<p:sld xmlns:a="http://schemas.openxmlformats.org/drawingml/2006/main" xmlns:r="http://schemas.openxmlformats.org/officeDocument/2006/relationships" xmlns:p="http://schemas.openxmlformats.org/presentationml/2006/main">
+  <p:cSld>
+    <p:spTree>
+      <p:nvGrpSpPr>
+        <p:cNvPr id="1" name=""/>
+        <p:cNvGrpSpPr/>
+        <p:nvPr/>
+      </p:nvGrpSpPr>
+      <p:grpSpPr/>
+      <p:sp>
+        <p:nvSpPr>
+          <p:cNvPr id="2" name="文本框 1"/>
+          <p:cNvSpPr txBox="1"/>
+          <p:nvPr/>
+        </p:nvSpPr>
+        <p:spPr>
+          <a:xfrm>
+            <a:off x="904240" y="496570"/>
+            <a:ext cx="5281295" cy="737235"/>
+          </a:xfrm>
+          <a:prstGeom prst="rect">
+            <a:avLst/>
+          </a:prstGeom>
+          <a:noFill/>
+        </p:spPr>
+        <p:txBody>
+          <a:bodyPr wrap="none" rtlCol="0">
+            <a:spAutoFit/>
+          </a:bodyPr>
+          <a:p>
+            <a:pPr indent="0" algn="l">
+              <a:lnSpc>
+                <a:spcPct val="150000"/>
+              </a:lnSpc>
+              <a:buFont typeface="Arial" panose="020B0604020202090204" pitchFamily="34" charset="0"/>
+              <a:buNone/>
+            </a:pPr>
+            <a:r>
+              <a:rPr lang="en-US" altLang="zh-CN" sz="2800" b="1">
+                <a:solidFill>
+                  <a:schemeClr val="accent1"/>
+                </a:solidFill>
+                <a:latin typeface="微软雅黑" charset="0"/>
+                <a:ea typeface="微软雅黑" charset="0"/>
+                <a:cs typeface="微软雅黑" charset="0"/>
+              </a:rPr>
+              <a:t>Python </a:t>
+            </a:r>
+            <a:r>
+              <a:rPr lang="zh-CN" altLang="en-US" sz="2800" b="1">
+                <a:solidFill>
+                  <a:schemeClr val="accent1"/>
+                </a:solidFill>
+                <a:latin typeface="微软雅黑" charset="0"/>
+                <a:ea typeface="微软雅黑" charset="0"/>
+                <a:cs typeface="微软雅黑" charset="0"/>
+              </a:rPr>
+              <a:t>异步</a:t>
+            </a:r>
+            <a:r>
+              <a:rPr lang="en-US" altLang="zh-CN" sz="2800" b="1">
+                <a:solidFill>
+                  <a:schemeClr val="accent1"/>
+                </a:solidFill>
+                <a:latin typeface="微软雅黑" charset="0"/>
+                <a:ea typeface="微软雅黑" charset="0"/>
+                <a:cs typeface="微软雅黑" charset="0"/>
+              </a:rPr>
+              <a:t>IO</a:t>
+            </a:r>
+            <a:r>
+              <a:rPr lang="zh-CN" altLang="en-US" sz="2800" b="1">
+                <a:solidFill>
+                  <a:schemeClr val="accent1"/>
+                </a:solidFill>
+                <a:latin typeface="微软雅黑" charset="0"/>
+                <a:ea typeface="微软雅黑" charset="0"/>
+                <a:cs typeface="微软雅黑" charset="0"/>
+              </a:rPr>
+              <a:t>库介绍：</a:t>
+            </a:r>
+            <a:r>
+              <a:rPr lang="en-US" altLang="zh-CN" sz="2800" b="1">
+                <a:solidFill>
+                  <a:schemeClr val="accent1"/>
+                </a:solidFill>
+                <a:latin typeface="微软雅黑" charset="0"/>
+                <a:ea typeface="微软雅黑" charset="0"/>
+                <a:cs typeface="微软雅黑" charset="0"/>
+              </a:rPr>
+              <a:t>asyncio</a:t>
+            </a:r>
+            <a:endParaRPr lang="en-US" altLang="zh-CN" sz="2800" b="1">
+              <a:solidFill>
+                <a:schemeClr val="accent1"/>
+              </a:solidFill>
+              <a:latin typeface="微软雅黑" charset="0"/>
+              <a:ea typeface="微软雅黑" charset="0"/>
+              <a:cs typeface="微软雅黑" charset="0"/>
+            </a:endParaRPr>
+          </a:p>
+        </p:txBody>
+      </p:sp>
+      <p:sp>
+        <p:nvSpPr>
+          <p:cNvPr id="7" name="文本框 6"/>
+          <p:cNvSpPr txBox="1"/>
+          <p:nvPr/>
+        </p:nvSpPr>
+        <p:spPr>
+          <a:xfrm>
+            <a:off x="977900" y="1816100"/>
+            <a:ext cx="6392545" cy="3692525"/>
+          </a:xfrm>
+          <a:prstGeom prst="rect">
+            <a:avLst/>
+          </a:prstGeom>
+          <a:noFill/>
+        </p:spPr>
+        <p:txBody>
+          <a:bodyPr wrap="none" rtlCol="0">
+            <a:spAutoFit/>
+          </a:bodyPr>
+          <a:p>
+            <a:pPr algn="l"/>
+            <a:r>
+              <a:rPr lang="en-US" altLang="zh-CN"/>
+              <a:t>import asyncio</a:t>
+            </a:r>
+            <a:endParaRPr lang="en-US" altLang="zh-CN"/>
+          </a:p>
+          <a:p>
+            <a:pPr algn="l"/>
+            <a:endParaRPr lang="en-US" altLang="zh-CN"/>
+          </a:p>
+          <a:p>
+            <a:pPr algn="l"/>
+            <a:r>
+              <a:rPr lang="en-US" altLang="zh-CN"/>
+              <a:t># </a:t>
+            </a:r>
+            <a:r>
+              <a:rPr lang="zh-CN" altLang="en-US"/>
+              <a:t>获取事件循环</a:t>
+            </a:r>
+            <a:endParaRPr lang="en-US" altLang="zh-CN"/>
+          </a:p>
+          <a:p>
+            <a:pPr algn="l"/>
+            <a:r>
+              <a:rPr lang="en-US" altLang="zh-CN"/>
+              <a:t>loop = asyncio.get_event_loop()</a:t>
+            </a:r>
+            <a:endParaRPr lang="en-US" altLang="zh-CN"/>
+          </a:p>
+          <a:p>
+            <a:pPr algn="l"/>
+            <a:endParaRPr lang="en-US" altLang="zh-CN"/>
+          </a:p>
+          <a:p>
+            <a:pPr algn="l"/>
+            <a:r>
+              <a:rPr lang="en-US" altLang="zh-CN"/>
+              <a:t># </a:t>
+            </a:r>
+            <a:r>
+              <a:rPr lang="zh-CN" altLang="en-US"/>
+              <a:t>定义协程</a:t>
+            </a:r>
+            <a:endParaRPr lang="zh-CN" altLang="en-US"/>
+          </a:p>
+          <a:p>
+            <a:pPr algn="l"/>
+            <a:r>
+              <a:rPr lang="en-US" altLang="zh-CN"/>
+              <a:t>async def myfunc(</a:t>
+            </a:r>
+            <a:r>
+              <a:rPr lang="en-US" altLang="zh-CN">
+                <a:sym typeface="+mn-ea"/>
+              </a:rPr>
+              <a:t>url</a:t>
+            </a:r>
+            <a:r>
+              <a:rPr lang="en-US" altLang="zh-CN"/>
+              <a:t>):</a:t>
+            </a:r>
+            <a:endParaRPr lang="en-US" altLang="zh-CN"/>
+          </a:p>
+          <a:p>
+            <a:pPr algn="l"/>
+            <a:r>
+              <a:rPr lang="en-US" altLang="zh-CN"/>
+              <a:t>    await get_url(url)</a:t>
+            </a:r>
+            <a:endParaRPr lang="en-US" altLang="zh-CN"/>
+          </a:p>
+          <a:p>
+            <a:pPr algn="l"/>
+            <a:endParaRPr lang="en-US" altLang="zh-CN"/>
+          </a:p>
+          <a:p>
+            <a:pPr algn="l"/>
+            <a:r>
+              <a:rPr lang="en-US" altLang="zh-CN"/>
+              <a:t>tasks = [loop.create_task(myfunc(url)) for url in urls]</a:t>
+            </a:r>
+            <a:endParaRPr lang="en-US" altLang="zh-CN"/>
+          </a:p>
+          <a:p>
+            <a:pPr algn="l"/>
+            <a:endParaRPr lang="en-US" altLang="zh-CN"/>
+          </a:p>
+          <a:p>
+            <a:pPr algn="l"/>
+            <a:r>
+              <a:rPr lang="en-US" altLang="zh-CN"/>
+              <a:t># </a:t>
+            </a:r>
+            <a:r>
+              <a:rPr lang="zh-CN" altLang="en-US"/>
+              <a:t>执行爬虫事件列表</a:t>
+            </a:r>
+            <a:endParaRPr lang="zh-CN" altLang="en-US"/>
+          </a:p>
+          <a:p>
+            <a:pPr algn="l"/>
+            <a:r>
+              <a:rPr lang="en-US" altLang="zh-CN"/>
+              <a:t>loop.run_until_complete(future)</a:t>
+            </a:r>
+            <a:endParaRPr lang="en-US" altLang="zh-CN"/>
+          </a:p>
+        </p:txBody>
+      </p:sp>
+    </p:spTree>
+  </p:cSld>
+  <p:clrMapOvr>
+    <a:masterClrMapping/>
+  </p:clrMapOvr>
+  <p:timing>
+    <p:tnLst>
+      <p:par>
+        <p:cTn id="1" dur="indefinite" restart="never" nodeType="tmRoot"/>
+      </p:par>
+    </p:tnLst>
+  </p:timing>
+</p:sld>
+</file>
+
 <file path=ppt/slides/slide5.xml><?xml version="1.0" encoding="utf-8"?>
 <p:sld xmlns:a="http://schemas.openxmlformats.org/drawingml/2006/main" xmlns:r="http://schemas.openxmlformats.org/officeDocument/2006/relationships" xmlns:p="http://schemas.openxmlformats.org/presentationml/2006/main">
   <p:cSld>
@@ -31390,6 +34605,18 @@
 <file path=ppt/tags/tag11.xml><?xml version="1.0" encoding="utf-8"?>
 <p:tagLst xmlns:p="http://schemas.openxmlformats.org/presentationml/2006/main">
   <p:tag name="KSO_WM_UNIT_TABLE_BEAUTIFY" val="smartTable{c0c6e345-09f5-4b3e-a4e4-7f9b1d96ed97}"/>
+</p:tagLst>
+</file>
+
+<file path=ppt/tags/tag12.xml><?xml version="1.0" encoding="utf-8"?>
+<p:tagLst xmlns:p="http://schemas.openxmlformats.org/presentationml/2006/main">
+  <p:tag name="KSO_WM_SLIDE_MODEL_TYPE" val="cover"/>
+</p:tagLst>
+</file>
+
+<file path=ppt/tags/tag13.xml><?xml version="1.0" encoding="utf-8"?>
+<p:tagLst xmlns:p="http://schemas.openxmlformats.org/presentationml/2006/main">
+  <p:tag name="KSO_WM_SLIDE_MODEL_TYPE" val="cover"/>
 </p:tagLst>
 </file>
 

--- a/Python并发编程简介.pptx
+++ b/Python并发编程简介.pptx
@@ -31894,7 +31894,173 @@
         <p:spPr>
           <a:xfrm>
             <a:off x="977900" y="1816100"/>
-            <a:ext cx="6392545" cy="3692525"/>
+            <a:ext cx="6392545" cy="3969385"/>
+          </a:xfrm>
+          <a:prstGeom prst="rect">
+            <a:avLst/>
+          </a:prstGeom>
+          <a:solidFill>
+            <a:schemeClr val="bg1">
+              <a:lumMod val="95000"/>
+            </a:schemeClr>
+          </a:solidFill>
+        </p:spPr>
+        <p:txBody>
+          <a:bodyPr wrap="none" rtlCol="0">
+            <a:spAutoFit/>
+          </a:bodyPr>
+          <a:p>
+            <a:pPr algn="l"/>
+            <a:r>
+              <a:rPr lang="en-US" altLang="zh-CN"/>
+              <a:t>import asyncio</a:t>
+            </a:r>
+            <a:endParaRPr lang="en-US" altLang="zh-CN"/>
+          </a:p>
+          <a:p>
+            <a:pPr algn="l"/>
+            <a:endParaRPr lang="en-US" altLang="zh-CN"/>
+          </a:p>
+          <a:p>
+            <a:pPr algn="l"/>
+            <a:r>
+              <a:rPr lang="en-US" altLang="zh-CN"/>
+              <a:t># </a:t>
+            </a:r>
+            <a:r>
+              <a:rPr lang="zh-CN" altLang="en-US"/>
+              <a:t>获取事件循环</a:t>
+            </a:r>
+            <a:endParaRPr lang="en-US" altLang="zh-CN"/>
+          </a:p>
+          <a:p>
+            <a:pPr algn="l"/>
+            <a:r>
+              <a:rPr lang="en-US" altLang="zh-CN"/>
+              <a:t>loop = asyncio.get_event_loop()</a:t>
+            </a:r>
+            <a:endParaRPr lang="en-US" altLang="zh-CN"/>
+          </a:p>
+          <a:p>
+            <a:pPr algn="l"/>
+            <a:endParaRPr lang="en-US" altLang="zh-CN"/>
+          </a:p>
+          <a:p>
+            <a:pPr algn="l"/>
+            <a:r>
+              <a:rPr lang="en-US" altLang="zh-CN"/>
+              <a:t># </a:t>
+            </a:r>
+            <a:r>
+              <a:rPr lang="zh-CN" altLang="en-US"/>
+              <a:t>定义协程</a:t>
+            </a:r>
+            <a:endParaRPr lang="zh-CN" altLang="en-US"/>
+          </a:p>
+          <a:p>
+            <a:pPr algn="l"/>
+            <a:r>
+              <a:rPr lang="en-US" altLang="zh-CN"/>
+              <a:t>async def myfunc(</a:t>
+            </a:r>
+            <a:r>
+              <a:rPr lang="en-US" altLang="zh-CN">
+                <a:sym typeface="+mn-ea"/>
+              </a:rPr>
+              <a:t>url</a:t>
+            </a:r>
+            <a:r>
+              <a:rPr lang="en-US" altLang="zh-CN"/>
+              <a:t>):</a:t>
+            </a:r>
+            <a:endParaRPr lang="en-US" altLang="zh-CN"/>
+          </a:p>
+          <a:p>
+            <a:pPr algn="l"/>
+            <a:r>
+              <a:rPr lang="en-US" altLang="zh-CN"/>
+              <a:t>    await get_url(url)</a:t>
+            </a:r>
+            <a:endParaRPr lang="en-US" altLang="zh-CN"/>
+          </a:p>
+          <a:p>
+            <a:pPr algn="l"/>
+            <a:endParaRPr lang="en-US" altLang="zh-CN"/>
+          </a:p>
+          <a:p>
+            <a:pPr algn="l"/>
+            <a:r>
+              <a:rPr lang="en-US" altLang="zh-CN"/>
+              <a:t># </a:t>
+            </a:r>
+            <a:r>
+              <a:rPr lang="zh-CN" altLang="en-US"/>
+              <a:t>创建</a:t>
+            </a:r>
+            <a:r>
+              <a:rPr lang="en-US" altLang="zh-CN"/>
+              <a:t>task</a:t>
+            </a:r>
+            <a:r>
+              <a:rPr lang="zh-CN" altLang="en-US"/>
+              <a:t>列表</a:t>
+            </a:r>
+            <a:endParaRPr lang="en-US" altLang="zh-CN"/>
+          </a:p>
+          <a:p>
+            <a:pPr algn="l"/>
+            <a:r>
+              <a:rPr lang="en-US" altLang="zh-CN"/>
+              <a:t>tasks = [loop.create_task(myfunc(url)) for url in urls]</a:t>
+            </a:r>
+            <a:endParaRPr lang="en-US" altLang="zh-CN"/>
+          </a:p>
+          <a:p>
+            <a:pPr algn="l"/>
+            <a:endParaRPr lang="en-US" altLang="zh-CN"/>
+          </a:p>
+          <a:p>
+            <a:pPr algn="l"/>
+            <a:r>
+              <a:rPr lang="en-US" altLang="zh-CN"/>
+              <a:t># </a:t>
+            </a:r>
+            <a:r>
+              <a:rPr lang="zh-CN" altLang="en-US"/>
+              <a:t>执行爬虫事件列表</a:t>
+            </a:r>
+            <a:endParaRPr lang="zh-CN" altLang="en-US"/>
+          </a:p>
+          <a:p>
+            <a:pPr algn="l"/>
+            <a:r>
+              <a:rPr lang="en-US" altLang="zh-CN"/>
+              <a:t>loop.run_until_complete(</a:t>
+            </a:r>
+            <a:r>
+              <a:rPr lang="en-US" altLang="zh-CN">
+                <a:sym typeface="+mn-ea"/>
+              </a:rPr>
+              <a:t>asyncio.wait(</a:t>
+            </a:r>
+            <a:r>
+              <a:rPr lang="en-US" altLang="zh-CN"/>
+              <a:t>tasks))</a:t>
+            </a:r>
+            <a:endParaRPr lang="en-US" altLang="zh-CN"/>
+          </a:p>
+        </p:txBody>
+      </p:sp>
+      <p:sp>
+        <p:nvSpPr>
+          <p:cNvPr id="9" name="文本框 8"/>
+          <p:cNvSpPr txBox="1"/>
+          <p:nvPr/>
+        </p:nvSpPr>
+        <p:spPr>
+          <a:xfrm>
+            <a:off x="7698105" y="2574925"/>
+            <a:ext cx="3202305" cy="2306955"/>
           </a:xfrm>
           <a:prstGeom prst="rect">
             <a:avLst/>
@@ -31906,112 +32072,74 @@
             <a:spAutoFit/>
           </a:bodyPr>
           <a:p>
-            <a:pPr algn="l"/>
+            <a:r>
+              <a:rPr lang="zh-CN" altLang="en-US"/>
+              <a:t>注意：</a:t>
+            </a:r>
+            <a:endParaRPr lang="zh-CN" altLang="en-US"/>
+          </a:p>
+          <a:p>
+            <a:endParaRPr lang="zh-CN" altLang="en-US"/>
+          </a:p>
+          <a:p>
+            <a:r>
+              <a:rPr lang="zh-CN" altLang="en-US"/>
+              <a:t>要用在异步</a:t>
+            </a:r>
             <a:r>
               <a:rPr lang="en-US" altLang="zh-CN"/>
-              <a:t>import asyncio</a:t>
-            </a:r>
+              <a:t>IO</a:t>
+            </a:r>
+            <a:r>
+              <a:rPr lang="zh-CN" altLang="en-US"/>
+              <a:t>编程中</a:t>
+            </a:r>
+            <a:endParaRPr lang="zh-CN" altLang="en-US"/>
+          </a:p>
+          <a:p>
+            <a:r>
+              <a:rPr lang="zh-CN" altLang="en-US"/>
+              <a:t>依赖的库必须支持异步</a:t>
+            </a:r>
+            <a:r>
+              <a:rPr lang="en-US" altLang="zh-CN"/>
+              <a:t>IO</a:t>
+            </a:r>
+            <a:r>
+              <a:rPr lang="zh-CN" altLang="en-US"/>
+              <a:t>特性</a:t>
+            </a:r>
+            <a:endParaRPr lang="zh-CN" altLang="en-US"/>
+          </a:p>
+          <a:p>
             <a:endParaRPr lang="en-US" altLang="zh-CN"/>
           </a:p>
           <a:p>
-            <a:pPr algn="l"/>
-            <a:endParaRPr lang="en-US" altLang="zh-CN"/>
-          </a:p>
-          <a:p>
-            <a:pPr algn="l"/>
+            <a:r>
+              <a:rPr lang="zh-CN" altLang="en-US"/>
+              <a:t>爬虫引用中：</a:t>
+            </a:r>
+            <a:endParaRPr lang="zh-CN" altLang="en-US"/>
+          </a:p>
+          <a:p>
             <a:r>
               <a:rPr lang="en-US" altLang="zh-CN"/>
-              <a:t># </a:t>
+              <a:t>requests </a:t>
             </a:r>
             <a:r>
               <a:rPr lang="zh-CN" altLang="en-US"/>
-              <a:t>获取事件循环</a:t>
-            </a:r>
-            <a:endParaRPr lang="en-US" altLang="zh-CN"/>
-          </a:p>
-          <a:p>
-            <a:pPr algn="l"/>
+              <a:t>不支持异步</a:t>
+            </a:r>
+            <a:endParaRPr lang="zh-CN" altLang="en-US"/>
+          </a:p>
+          <a:p>
+            <a:r>
+              <a:rPr lang="zh-CN" altLang="en-US"/>
+              <a:t>需要用 </a:t>
+            </a:r>
             <a:r>
               <a:rPr lang="en-US" altLang="zh-CN"/>
-              <a:t>loop = asyncio.get_event_loop()</a:t>
-            </a:r>
-            <a:endParaRPr lang="en-US" altLang="zh-CN"/>
-          </a:p>
-          <a:p>
-            <a:pPr algn="l"/>
-            <a:endParaRPr lang="en-US" altLang="zh-CN"/>
-          </a:p>
-          <a:p>
-            <a:pPr algn="l"/>
-            <a:r>
-              <a:rPr lang="en-US" altLang="zh-CN"/>
-              <a:t># </a:t>
-            </a:r>
-            <a:r>
-              <a:rPr lang="zh-CN" altLang="en-US"/>
-              <a:t>定义协程</a:t>
-            </a:r>
-            <a:endParaRPr lang="zh-CN" altLang="en-US"/>
-          </a:p>
-          <a:p>
-            <a:pPr algn="l"/>
-            <a:r>
-              <a:rPr lang="en-US" altLang="zh-CN"/>
-              <a:t>async def myfunc(</a:t>
-            </a:r>
-            <a:r>
-              <a:rPr lang="en-US" altLang="zh-CN">
-                <a:sym typeface="+mn-ea"/>
-              </a:rPr>
-              <a:t>url</a:t>
-            </a:r>
-            <a:r>
-              <a:rPr lang="en-US" altLang="zh-CN"/>
-              <a:t>):</a:t>
-            </a:r>
-            <a:endParaRPr lang="en-US" altLang="zh-CN"/>
-          </a:p>
-          <a:p>
-            <a:pPr algn="l"/>
-            <a:r>
-              <a:rPr lang="en-US" altLang="zh-CN"/>
-              <a:t>    await get_url(url)</a:t>
-            </a:r>
-            <a:endParaRPr lang="en-US" altLang="zh-CN"/>
-          </a:p>
-          <a:p>
-            <a:pPr algn="l"/>
-            <a:endParaRPr lang="en-US" altLang="zh-CN"/>
-          </a:p>
-          <a:p>
-            <a:pPr algn="l"/>
-            <a:r>
-              <a:rPr lang="en-US" altLang="zh-CN"/>
-              <a:t>tasks = [loop.create_task(myfunc(url)) for url in urls]</a:t>
-            </a:r>
-            <a:endParaRPr lang="en-US" altLang="zh-CN"/>
-          </a:p>
-          <a:p>
-            <a:pPr algn="l"/>
-            <a:endParaRPr lang="en-US" altLang="zh-CN"/>
-          </a:p>
-          <a:p>
-            <a:pPr algn="l"/>
-            <a:r>
-              <a:rPr lang="en-US" altLang="zh-CN"/>
-              <a:t># </a:t>
-            </a:r>
-            <a:r>
-              <a:rPr lang="zh-CN" altLang="en-US"/>
-              <a:t>执行爬虫事件列表</a:t>
-            </a:r>
-            <a:endParaRPr lang="zh-CN" altLang="en-US"/>
-          </a:p>
-          <a:p>
-            <a:pPr algn="l"/>
-            <a:r>
-              <a:rPr lang="en-US" altLang="zh-CN"/>
-              <a:t>loop.run_until_complete(future)</a:t>
+              <a:t>aiohttp</a:t>
             </a:r>
             <a:endParaRPr lang="en-US" altLang="zh-CN"/>
           </a:p>

--- a/Python并发编程简介.pptx
+++ b/Python并发编程简介.pptx
@@ -56,6 +56,10 @@
     <p:sldId id="320" r:id="rId49"/>
     <p:sldId id="321" r:id="rId50"/>
     <p:sldId id="322" r:id="rId51"/>
+    <p:sldId id="323" r:id="rId52"/>
+    <p:sldId id="324" r:id="rId53"/>
+    <p:sldId id="325" r:id="rId54"/>
+    <p:sldId id="326" r:id="rId55"/>
   </p:sldIdLst>
   <p:sldSz cx="12192000" cy="6858000"/>
   <p:notesSz cx="7103745" cy="10234295"/>
@@ -183,8 +187,8 @@
                 <a:solidFill>
                   <a:srgbClr val="9182D6"/>
                 </a:solidFill>
-                <a:latin typeface="微软雅黑" charset="-122"/>
-                <a:ea typeface="微软雅黑" charset="-122"/>
+                <a:latin typeface="微软雅黑" panose="020B0503020204020204" charset="-122"/>
+                <a:ea typeface="微软雅黑" panose="020B0503020204020204" charset="-122"/>
                 <a:cs typeface="+mn-cs"/>
               </a:defRPr>
             </a:pPr>
@@ -265,8 +269,8 @@
                         <a:lumOff val="25000"/>
                       </a:schemeClr>
                     </a:solidFill>
-                    <a:latin typeface="微软雅黑" charset="-122"/>
-                    <a:ea typeface="微软雅黑" charset="-122"/>
+                    <a:latin typeface="微软雅黑" panose="020B0503020204020204" charset="-122"/>
+                    <a:ea typeface="微软雅黑" panose="020B0503020204020204" charset="-122"/>
                     <a:cs typeface="+mn-cs"/>
                   </a:defRPr>
                 </a:pPr>
@@ -383,8 +387,8 @@
                     <a:lumOff val="25000"/>
                   </a:schemeClr>
                 </a:solidFill>
-                <a:latin typeface="微软雅黑" charset="-122"/>
-                <a:ea typeface="微软雅黑" charset="-122"/>
+                <a:latin typeface="微软雅黑" panose="020B0503020204020204" charset="-122"/>
+                <a:ea typeface="微软雅黑" panose="020B0503020204020204" charset="-122"/>
                 <a:cs typeface="+mn-cs"/>
               </a:defRPr>
             </a:pPr>
@@ -435,8 +439,8 @@
                 <a:solidFill>
                   <a:srgbClr val="9182D6"/>
                 </a:solidFill>
-                <a:latin typeface="微软雅黑" charset="-122"/>
-                <a:ea typeface="微软雅黑" charset="-122"/>
+                <a:latin typeface="微软雅黑" panose="020B0503020204020204" charset="-122"/>
+                <a:ea typeface="微软雅黑" panose="020B0503020204020204" charset="-122"/>
                 <a:cs typeface="+mn-cs"/>
               </a:defRPr>
             </a:pPr>
@@ -477,8 +481,8 @@
                   <a:lumOff val="25000"/>
                 </a:schemeClr>
               </a:solidFill>
-              <a:latin typeface="微软雅黑" charset="-122"/>
-              <a:ea typeface="微软雅黑" charset="-122"/>
+              <a:latin typeface="微软雅黑" panose="020B0503020204020204" charset="-122"/>
+              <a:ea typeface="微软雅黑" panose="020B0503020204020204" charset="-122"/>
               <a:cs typeface="+mn-cs"/>
             </a:defRPr>
           </a:pPr>
@@ -509,8 +513,8 @@
     <a:p>
       <a:pPr>
         <a:defRPr lang="zh-CN">
-          <a:latin typeface="微软雅黑" charset="-122"/>
-          <a:ea typeface="微软雅黑" charset="-122"/>
+          <a:latin typeface="微软雅黑" panose="020B0503020204020204" charset="-122"/>
+          <a:ea typeface="微软雅黑" panose="020B0503020204020204" charset="-122"/>
         </a:defRPr>
       </a:pPr>
     </a:p>
@@ -3708,7 +3712,7 @@
         <a:spcBef>
           <a:spcPts val="1000"/>
         </a:spcBef>
-        <a:buFont typeface="Arial" panose="020B0604020202090204" pitchFamily="34" charset="0"/>
+        <a:buFont typeface="Arial" panose="020B0604020202020204" pitchFamily="34" charset="0"/>
         <a:buChar char="•"/>
         <a:defRPr sz="2800" kern="1200">
           <a:solidFill>
@@ -3726,7 +3730,7 @@
         <a:spcBef>
           <a:spcPts val="500"/>
         </a:spcBef>
-        <a:buFont typeface="Arial" panose="020B0604020202090204" pitchFamily="34" charset="0"/>
+        <a:buFont typeface="Arial" panose="020B0604020202020204" pitchFamily="34" charset="0"/>
         <a:buChar char="•"/>
         <a:defRPr sz="2400" kern="1200">
           <a:solidFill>
@@ -3744,7 +3748,7 @@
         <a:spcBef>
           <a:spcPts val="500"/>
         </a:spcBef>
-        <a:buFont typeface="Arial" panose="020B0604020202090204" pitchFamily="34" charset="0"/>
+        <a:buFont typeface="Arial" panose="020B0604020202020204" pitchFamily="34" charset="0"/>
         <a:buChar char="•"/>
         <a:defRPr sz="2000" kern="1200">
           <a:solidFill>
@@ -3762,7 +3766,7 @@
         <a:spcBef>
           <a:spcPts val="500"/>
         </a:spcBef>
-        <a:buFont typeface="Arial" panose="020B0604020202090204" pitchFamily="34" charset="0"/>
+        <a:buFont typeface="Arial" panose="020B0604020202020204" pitchFamily="34" charset="0"/>
         <a:buChar char="•"/>
         <a:defRPr sz="1800" kern="1200">
           <a:solidFill>
@@ -3780,7 +3784,7 @@
         <a:spcBef>
           <a:spcPts val="500"/>
         </a:spcBef>
-        <a:buFont typeface="Arial" panose="020B0604020202090204" pitchFamily="34" charset="0"/>
+        <a:buFont typeface="Arial" panose="020B0604020202020204" pitchFamily="34" charset="0"/>
         <a:buChar char="•"/>
         <a:defRPr sz="1800" kern="1200">
           <a:solidFill>
@@ -3798,7 +3802,7 @@
         <a:spcBef>
           <a:spcPts val="500"/>
         </a:spcBef>
-        <a:buFont typeface="Arial" panose="020B0604020202090204" pitchFamily="34" charset="0"/>
+        <a:buFont typeface="Arial" panose="020B0604020202020204" pitchFamily="34" charset="0"/>
         <a:buChar char="•"/>
         <a:defRPr sz="1800" kern="1200">
           <a:solidFill>
@@ -3816,7 +3820,7 @@
         <a:spcBef>
           <a:spcPts val="500"/>
         </a:spcBef>
-        <a:buFont typeface="Arial" panose="020B0604020202090204" pitchFamily="34" charset="0"/>
+        <a:buFont typeface="Arial" panose="020B0604020202020204" pitchFamily="34" charset="0"/>
         <a:buChar char="•"/>
         <a:defRPr sz="1800" kern="1200">
           <a:solidFill>
@@ -3834,7 +3838,7 @@
         <a:spcBef>
           <a:spcPts val="500"/>
         </a:spcBef>
-        <a:buFont typeface="Arial" panose="020B0604020202090204" pitchFamily="34" charset="0"/>
+        <a:buFont typeface="Arial" panose="020B0604020202020204" pitchFamily="34" charset="0"/>
         <a:buChar char="•"/>
         <a:defRPr sz="1800" kern="1200">
           <a:solidFill>
@@ -3852,7 +3856,7 @@
         <a:spcBef>
           <a:spcPts val="500"/>
         </a:spcBef>
-        <a:buFont typeface="Arial" panose="020B0604020202090204" pitchFamily="34" charset="0"/>
+        <a:buFont typeface="Arial" panose="020B0604020202020204" pitchFamily="34" charset="0"/>
         <a:buChar char="•"/>
         <a:defRPr sz="1800" kern="1200">
           <a:solidFill>
@@ -4026,9 +4030,9 @@
                 <a:solidFill>
                   <a:schemeClr val="bg1"/>
                 </a:solidFill>
-                <a:latin typeface="微软雅黑" charset="0"/>
-                <a:ea typeface="微软雅黑" charset="0"/>
-                <a:cs typeface="微软雅黑" charset="0"/>
+                <a:latin typeface="微软雅黑" panose="020B0503020204020204" charset="-122"/>
+                <a:ea typeface="微软雅黑" panose="020B0503020204020204" charset="-122"/>
+                <a:cs typeface="微软雅黑" panose="020B0503020204020204" charset="-122"/>
               </a:rPr>
               <a:t>Python</a:t>
             </a:r>
@@ -4037,9 +4041,9 @@
                 <a:solidFill>
                   <a:schemeClr val="bg1"/>
                 </a:solidFill>
-                <a:latin typeface="微软雅黑" charset="0"/>
-                <a:ea typeface="微软雅黑" charset="0"/>
-                <a:cs typeface="微软雅黑" charset="0"/>
+                <a:latin typeface="微软雅黑" panose="020B0503020204020204" charset="-122"/>
+                <a:ea typeface="微软雅黑" panose="020B0503020204020204" charset="-122"/>
+                <a:cs typeface="微软雅黑" panose="020B0503020204020204" charset="-122"/>
               </a:rPr>
             </a:br>
             <a:r>
@@ -4047,9 +4051,9 @@
                 <a:solidFill>
                   <a:schemeClr val="bg1"/>
                 </a:solidFill>
-                <a:latin typeface="微软雅黑" charset="0"/>
-                <a:ea typeface="微软雅黑" charset="0"/>
-                <a:cs typeface="微软雅黑" charset="0"/>
+                <a:latin typeface="微软雅黑" panose="020B0503020204020204" charset="-122"/>
+                <a:ea typeface="微软雅黑" panose="020B0503020204020204" charset="-122"/>
+                <a:cs typeface="微软雅黑" panose="020B0503020204020204" charset="-122"/>
               </a:rPr>
               <a:t>并发编程实战</a:t>
             </a:r>
@@ -4057,9 +4061,9 @@
               <a:solidFill>
                 <a:schemeClr val="bg1"/>
               </a:solidFill>
-              <a:latin typeface="微软雅黑" charset="0"/>
-              <a:ea typeface="微软雅黑" charset="0"/>
-              <a:cs typeface="微软雅黑" charset="0"/>
+              <a:latin typeface="微软雅黑" panose="020B0503020204020204" charset="-122"/>
+              <a:ea typeface="微软雅黑" panose="020B0503020204020204" charset="-122"/>
+              <a:cs typeface="微软雅黑" panose="020B0503020204020204" charset="-122"/>
             </a:endParaRPr>
           </a:p>
         </p:txBody>
@@ -4134,7 +4138,7 @@
               <a:lnSpc>
                 <a:spcPct val="150000"/>
               </a:lnSpc>
-              <a:buFont typeface="Arial" panose="020B0604020202090204" pitchFamily="34" charset="0"/>
+              <a:buFont typeface="Arial" panose="020B0604020202020204" pitchFamily="34" charset="0"/>
               <a:buNone/>
             </a:pPr>
             <a:r>
@@ -4144,9 +4148,9 @@
                     <a:lumMod val="50000"/>
                   </a:schemeClr>
                 </a:solidFill>
-                <a:latin typeface="微软雅黑" charset="0"/>
-                <a:ea typeface="微软雅黑" charset="0"/>
-                <a:cs typeface="微软雅黑" charset="0"/>
+                <a:latin typeface="微软雅黑" panose="020B0503020204020204" charset="-122"/>
+                <a:ea typeface="微软雅黑" panose="020B0503020204020204" charset="-122"/>
+                <a:cs typeface="微软雅黑" panose="020B0503020204020204" charset="-122"/>
                 <a:sym typeface="+mn-ea"/>
               </a:rPr>
               <a:t>2</a:t>
@@ -4158,9 +4162,9 @@
                     <a:lumMod val="50000"/>
                   </a:schemeClr>
                 </a:solidFill>
-                <a:latin typeface="微软雅黑" charset="0"/>
-                <a:ea typeface="微软雅黑" charset="0"/>
-                <a:cs typeface="微软雅黑" charset="0"/>
+                <a:latin typeface="微软雅黑" panose="020B0503020204020204" charset="-122"/>
+                <a:ea typeface="微软雅黑" panose="020B0503020204020204" charset="-122"/>
+                <a:cs typeface="微软雅黑" panose="020B0503020204020204" charset="-122"/>
                 <a:sym typeface="+mn-ea"/>
               </a:rPr>
               <a:t>、多线程、多进程、多协程的对比</a:t>
@@ -4171,9 +4175,9 @@
                   <a:lumMod val="50000"/>
                 </a:schemeClr>
               </a:solidFill>
-              <a:latin typeface="微软雅黑" charset="0"/>
-              <a:ea typeface="微软雅黑" charset="0"/>
-              <a:cs typeface="微软雅黑" charset="0"/>
+              <a:latin typeface="微软雅黑" panose="020B0503020204020204" charset="-122"/>
+              <a:ea typeface="微软雅黑" panose="020B0503020204020204" charset="-122"/>
+              <a:cs typeface="微软雅黑" panose="020B0503020204020204" charset="-122"/>
               <a:sym typeface="+mn-ea"/>
             </a:endParaRPr>
           </a:p>
@@ -4220,9 +4224,9 @@
                     <a:lumMod val="50000"/>
                   </a:schemeClr>
                 </a:solidFill>
-                <a:latin typeface="微软雅黑" charset="0"/>
-                <a:ea typeface="微软雅黑" charset="0"/>
-                <a:cs typeface="微软雅黑" charset="0"/>
+                <a:latin typeface="微软雅黑" panose="020B0503020204020204" charset="-122"/>
+                <a:ea typeface="微软雅黑" panose="020B0503020204020204" charset="-122"/>
+                <a:cs typeface="微软雅黑" panose="020B0503020204020204" charset="-122"/>
                 <a:sym typeface="+mn-ea"/>
               </a:rPr>
               <a:t>多进程 </a:t>
@@ -4234,9 +4238,9 @@
                     <a:lumMod val="50000"/>
                   </a:schemeClr>
                 </a:solidFill>
-                <a:latin typeface="微软雅黑" charset="0"/>
-                <a:ea typeface="微软雅黑" charset="0"/>
-                <a:cs typeface="微软雅黑" charset="0"/>
+                <a:latin typeface="微软雅黑" panose="020B0503020204020204" charset="-122"/>
+                <a:ea typeface="微软雅黑" panose="020B0503020204020204" charset="-122"/>
+                <a:cs typeface="微软雅黑" panose="020B0503020204020204" charset="-122"/>
                 <a:sym typeface="+mn-ea"/>
               </a:rPr>
               <a:t>Process </a:t>
@@ -4248,113 +4252,113 @@
                     <a:lumMod val="50000"/>
                   </a:schemeClr>
                 </a:solidFill>
-                <a:latin typeface="微软雅黑" charset="0"/>
-                <a:ea typeface="微软雅黑" charset="0"/>
-                <a:cs typeface="微软雅黑" charset="0"/>
+                <a:latin typeface="微软雅黑" panose="020B0503020204020204" charset="-122"/>
+                <a:ea typeface="微软雅黑" panose="020B0503020204020204" charset="-122"/>
+                <a:cs typeface="微软雅黑" panose="020B0503020204020204" charset="-122"/>
                 <a:sym typeface="+mn-ea"/>
               </a:rPr>
               <a:t>（multiprocessing）</a:t>
             </a:r>
             <a:endParaRPr lang="zh-CN" altLang="en-US" sz="1600">
-              <a:latin typeface="微软雅黑" charset="0"/>
-              <a:ea typeface="微软雅黑" charset="0"/>
-              <a:cs typeface="微软雅黑" charset="0"/>
+              <a:latin typeface="微软雅黑" panose="020B0503020204020204" charset="-122"/>
+              <a:ea typeface="微软雅黑" panose="020B0503020204020204" charset="-122"/>
+              <a:cs typeface="微软雅黑" panose="020B0503020204020204" charset="-122"/>
             </a:endParaRPr>
           </a:p>
           <a:p>
             <a:pPr marL="285750" indent="-285750">
-              <a:buFont typeface="Arial" panose="020B0604020202090204" pitchFamily="34" charset="0"/>
+              <a:buFont typeface="Arial" panose="020B0604020202020204" pitchFamily="34" charset="0"/>
               <a:buChar char="•"/>
             </a:pPr>
             <a:r>
               <a:rPr lang="zh-CN" altLang="en-US" sz="1600">
-                <a:latin typeface="微软雅黑" charset="0"/>
-                <a:ea typeface="微软雅黑" charset="0"/>
-                <a:cs typeface="微软雅黑" charset="0"/>
+                <a:latin typeface="微软雅黑" panose="020B0503020204020204" charset="-122"/>
+                <a:ea typeface="微软雅黑" panose="020B0503020204020204" charset="-122"/>
+                <a:cs typeface="微软雅黑" panose="020B0503020204020204" charset="-122"/>
                 <a:sym typeface="+mn-ea"/>
               </a:rPr>
               <a:t>优点：可以利用多核</a:t>
             </a:r>
             <a:r>
               <a:rPr lang="en-US" altLang="zh-CN" sz="1600">
-                <a:latin typeface="微软雅黑" charset="0"/>
-                <a:ea typeface="微软雅黑" charset="0"/>
-                <a:cs typeface="微软雅黑" charset="0"/>
+                <a:latin typeface="微软雅黑" panose="020B0503020204020204" charset="-122"/>
+                <a:ea typeface="微软雅黑" panose="020B0503020204020204" charset="-122"/>
+                <a:cs typeface="微软雅黑" panose="020B0503020204020204" charset="-122"/>
                 <a:sym typeface="+mn-ea"/>
               </a:rPr>
               <a:t>CPU</a:t>
             </a:r>
             <a:r>
               <a:rPr lang="zh-CN" altLang="en-US" sz="1600">
-                <a:latin typeface="微软雅黑" charset="0"/>
-                <a:ea typeface="微软雅黑" charset="0"/>
-                <a:cs typeface="微软雅黑" charset="0"/>
+                <a:latin typeface="微软雅黑" panose="020B0503020204020204" charset="-122"/>
+                <a:ea typeface="微软雅黑" panose="020B0503020204020204" charset="-122"/>
+                <a:cs typeface="微软雅黑" panose="020B0503020204020204" charset="-122"/>
                 <a:sym typeface="+mn-ea"/>
               </a:rPr>
               <a:t>并行运算</a:t>
             </a:r>
             <a:endParaRPr lang="zh-CN" altLang="en-US" sz="1600">
-              <a:latin typeface="微软雅黑" charset="0"/>
-              <a:ea typeface="微软雅黑" charset="0"/>
-              <a:cs typeface="微软雅黑" charset="0"/>
+              <a:latin typeface="微软雅黑" panose="020B0503020204020204" charset="-122"/>
+              <a:ea typeface="微软雅黑" panose="020B0503020204020204" charset="-122"/>
+              <a:cs typeface="微软雅黑" panose="020B0503020204020204" charset="-122"/>
             </a:endParaRPr>
           </a:p>
           <a:p>
             <a:pPr marL="285750" indent="-285750">
-              <a:buFont typeface="Arial" panose="020B0604020202090204" pitchFamily="34" charset="0"/>
+              <a:buFont typeface="Arial" panose="020B0604020202020204" pitchFamily="34" charset="0"/>
               <a:buChar char="•"/>
             </a:pPr>
             <a:r>
               <a:rPr lang="zh-CN" altLang="en-US" sz="1600">
-                <a:latin typeface="微软雅黑" charset="0"/>
-                <a:ea typeface="微软雅黑" charset="0"/>
-                <a:cs typeface="微软雅黑" charset="0"/>
+                <a:latin typeface="微软雅黑" panose="020B0503020204020204" charset="-122"/>
+                <a:ea typeface="微软雅黑" panose="020B0503020204020204" charset="-122"/>
+                <a:cs typeface="微软雅黑" panose="020B0503020204020204" charset="-122"/>
                 <a:sym typeface="+mn-ea"/>
               </a:rPr>
               <a:t>缺点：占用资源最多、可启动数目比线程少</a:t>
             </a:r>
             <a:endParaRPr lang="zh-CN" altLang="en-US" sz="1600">
-              <a:latin typeface="微软雅黑" charset="0"/>
-              <a:ea typeface="微软雅黑" charset="0"/>
-              <a:cs typeface="微软雅黑" charset="0"/>
+              <a:latin typeface="微软雅黑" panose="020B0503020204020204" charset="-122"/>
+              <a:ea typeface="微软雅黑" panose="020B0503020204020204" charset="-122"/>
+              <a:cs typeface="微软雅黑" panose="020B0503020204020204" charset="-122"/>
             </a:endParaRPr>
           </a:p>
           <a:p>
             <a:pPr marL="285750" indent="-285750">
-              <a:buFont typeface="Arial" panose="020B0604020202090204" pitchFamily="34" charset="0"/>
+              <a:buFont typeface="Arial" panose="020B0604020202020204" pitchFamily="34" charset="0"/>
               <a:buChar char="•"/>
             </a:pPr>
             <a:r>
               <a:rPr lang="zh-CN" altLang="en-US" sz="1600">
-                <a:latin typeface="微软雅黑" charset="0"/>
-                <a:ea typeface="微软雅黑" charset="0"/>
-                <a:cs typeface="微软雅黑" charset="0"/>
+                <a:latin typeface="微软雅黑" panose="020B0503020204020204" charset="-122"/>
+                <a:ea typeface="微软雅黑" panose="020B0503020204020204" charset="-122"/>
+                <a:cs typeface="微软雅黑" panose="020B0503020204020204" charset="-122"/>
                 <a:sym typeface="+mn-ea"/>
               </a:rPr>
               <a:t>适用于：</a:t>
             </a:r>
             <a:r>
               <a:rPr lang="en-US" altLang="zh-CN" sz="1600">
-                <a:latin typeface="微软雅黑" charset="0"/>
-                <a:ea typeface="微软雅黑" charset="0"/>
-                <a:cs typeface="微软雅黑" charset="0"/>
+                <a:latin typeface="微软雅黑" panose="020B0503020204020204" charset="-122"/>
+                <a:ea typeface="微软雅黑" panose="020B0503020204020204" charset="-122"/>
+                <a:cs typeface="微软雅黑" panose="020B0503020204020204" charset="-122"/>
                 <a:sym typeface="+mn-ea"/>
               </a:rPr>
               <a:t>CPU</a:t>
             </a:r>
             <a:r>
               <a:rPr lang="zh-CN" altLang="en-US" sz="1600">
-                <a:latin typeface="微软雅黑" charset="0"/>
-                <a:ea typeface="微软雅黑" charset="0"/>
-                <a:cs typeface="微软雅黑" charset="0"/>
+                <a:latin typeface="微软雅黑" panose="020B0503020204020204" charset="-122"/>
+                <a:ea typeface="微软雅黑" panose="020B0503020204020204" charset="-122"/>
+                <a:cs typeface="微软雅黑" panose="020B0503020204020204" charset="-122"/>
                 <a:sym typeface="+mn-ea"/>
               </a:rPr>
               <a:t>密集型计算</a:t>
             </a:r>
             <a:endParaRPr lang="zh-CN" altLang="en-US" sz="1600">
-              <a:latin typeface="微软雅黑" charset="0"/>
-              <a:ea typeface="微软雅黑" charset="0"/>
-              <a:cs typeface="微软雅黑" charset="0"/>
+              <a:latin typeface="微软雅黑" panose="020B0503020204020204" charset="-122"/>
+              <a:ea typeface="微软雅黑" panose="020B0503020204020204" charset="-122"/>
+              <a:cs typeface="微软雅黑" panose="020B0503020204020204" charset="-122"/>
               <a:sym typeface="+mn-ea"/>
             </a:endParaRPr>
           </a:p>
@@ -4401,9 +4405,9 @@
                     <a:lumMod val="50000"/>
                   </a:schemeClr>
                 </a:solidFill>
-                <a:latin typeface="微软雅黑" charset="0"/>
-                <a:ea typeface="微软雅黑" charset="0"/>
-                <a:cs typeface="微软雅黑" charset="0"/>
+                <a:latin typeface="微软雅黑" panose="020B0503020204020204" charset="-122"/>
+                <a:ea typeface="微软雅黑" panose="020B0503020204020204" charset="-122"/>
+                <a:cs typeface="微软雅黑" panose="020B0503020204020204" charset="-122"/>
                 <a:sym typeface="+mn-ea"/>
               </a:rPr>
               <a:t>多线程 </a:t>
@@ -4415,9 +4419,9 @@
                     <a:lumMod val="50000"/>
                   </a:schemeClr>
                 </a:solidFill>
-                <a:latin typeface="微软雅黑" charset="0"/>
-                <a:ea typeface="微软雅黑" charset="0"/>
-                <a:cs typeface="微软雅黑" charset="0"/>
+                <a:latin typeface="微软雅黑" panose="020B0503020204020204" charset="-122"/>
+                <a:ea typeface="微软雅黑" panose="020B0503020204020204" charset="-122"/>
+                <a:cs typeface="微软雅黑" panose="020B0503020204020204" charset="-122"/>
                 <a:sym typeface="+mn-ea"/>
               </a:rPr>
               <a:t>Thread </a:t>
@@ -4429,173 +4433,173 @@
                     <a:lumMod val="50000"/>
                   </a:schemeClr>
                 </a:solidFill>
-                <a:latin typeface="微软雅黑" charset="0"/>
-                <a:ea typeface="微软雅黑" charset="0"/>
-                <a:cs typeface="微软雅黑" charset="0"/>
+                <a:latin typeface="微软雅黑" panose="020B0503020204020204" charset="-122"/>
+                <a:ea typeface="微软雅黑" panose="020B0503020204020204" charset="-122"/>
+                <a:cs typeface="微软雅黑" panose="020B0503020204020204" charset="-122"/>
                 <a:sym typeface="+mn-ea"/>
               </a:rPr>
               <a:t>（threading）</a:t>
             </a:r>
             <a:endParaRPr lang="zh-CN" altLang="en-US" sz="1600">
-              <a:latin typeface="微软雅黑" charset="0"/>
-              <a:ea typeface="微软雅黑" charset="0"/>
-              <a:cs typeface="微软雅黑" charset="0"/>
+              <a:latin typeface="微软雅黑" panose="020B0503020204020204" charset="-122"/>
+              <a:ea typeface="微软雅黑" panose="020B0503020204020204" charset="-122"/>
+              <a:cs typeface="微软雅黑" panose="020B0503020204020204" charset="-122"/>
             </a:endParaRPr>
           </a:p>
           <a:p>
             <a:pPr marL="285750" indent="-285750">
-              <a:buFont typeface="Arial" panose="020B0604020202090204" pitchFamily="34" charset="0"/>
+              <a:buFont typeface="Arial" panose="020B0604020202020204" pitchFamily="34" charset="0"/>
               <a:buChar char="•"/>
             </a:pPr>
             <a:r>
               <a:rPr lang="zh-CN" altLang="en-US" sz="1600">
-                <a:latin typeface="微软雅黑" charset="0"/>
-                <a:ea typeface="微软雅黑" charset="0"/>
-                <a:cs typeface="微软雅黑" charset="0"/>
+                <a:latin typeface="微软雅黑" panose="020B0503020204020204" charset="-122"/>
+                <a:ea typeface="微软雅黑" panose="020B0503020204020204" charset="-122"/>
+                <a:cs typeface="微软雅黑" panose="020B0503020204020204" charset="-122"/>
                 <a:sym typeface="+mn-ea"/>
               </a:rPr>
               <a:t>优点：相比进程，更轻量级、占用资源少</a:t>
             </a:r>
             <a:endParaRPr lang="zh-CN" altLang="en-US" sz="1600">
-              <a:latin typeface="微软雅黑" charset="0"/>
-              <a:ea typeface="微软雅黑" charset="0"/>
-              <a:cs typeface="微软雅黑" charset="0"/>
+              <a:latin typeface="微软雅黑" panose="020B0503020204020204" charset="-122"/>
+              <a:ea typeface="微软雅黑" panose="020B0503020204020204" charset="-122"/>
+              <a:cs typeface="微软雅黑" panose="020B0503020204020204" charset="-122"/>
             </a:endParaRPr>
           </a:p>
           <a:p>
             <a:pPr marL="285750" indent="-285750">
-              <a:buFont typeface="Arial" panose="020B0604020202090204" pitchFamily="34" charset="0"/>
+              <a:buFont typeface="Arial" panose="020B0604020202020204" pitchFamily="34" charset="0"/>
               <a:buChar char="•"/>
             </a:pPr>
             <a:r>
               <a:rPr lang="zh-CN" altLang="en-US" sz="1600">
-                <a:latin typeface="微软雅黑" charset="0"/>
-                <a:ea typeface="微软雅黑" charset="0"/>
-                <a:cs typeface="微软雅黑" charset="0"/>
+                <a:latin typeface="微软雅黑" panose="020B0503020204020204" charset="-122"/>
+                <a:ea typeface="微软雅黑" panose="020B0503020204020204" charset="-122"/>
+                <a:cs typeface="微软雅黑" panose="020B0503020204020204" charset="-122"/>
                 <a:sym typeface="+mn-ea"/>
               </a:rPr>
               <a:t>缺点：</a:t>
             </a:r>
             <a:endParaRPr lang="zh-CN" altLang="en-US" sz="1600">
-              <a:latin typeface="微软雅黑" charset="0"/>
-              <a:ea typeface="微软雅黑" charset="0"/>
-              <a:cs typeface="微软雅黑" charset="0"/>
+              <a:latin typeface="微软雅黑" panose="020B0503020204020204" charset="-122"/>
+              <a:ea typeface="微软雅黑" panose="020B0503020204020204" charset="-122"/>
+              <a:cs typeface="微软雅黑" panose="020B0503020204020204" charset="-122"/>
               <a:sym typeface="+mn-ea"/>
             </a:endParaRPr>
           </a:p>
           <a:p>
             <a:pPr marL="742950" lvl="1" indent="-285750">
-              <a:buFont typeface="Arial" panose="020B0604020202090204" pitchFamily="34" charset="0"/>
+              <a:buFont typeface="Arial" panose="020B0604020202020204" pitchFamily="34" charset="0"/>
               <a:buChar char="•"/>
             </a:pPr>
             <a:r>
               <a:rPr lang="zh-CN" altLang="en-US" sz="1600">
-                <a:latin typeface="微软雅黑" charset="0"/>
-                <a:ea typeface="微软雅黑" charset="0"/>
-                <a:cs typeface="微软雅黑" charset="0"/>
+                <a:latin typeface="微软雅黑" panose="020B0503020204020204" charset="-122"/>
+                <a:ea typeface="微软雅黑" panose="020B0503020204020204" charset="-122"/>
+                <a:cs typeface="微软雅黑" panose="020B0503020204020204" charset="-122"/>
                 <a:sym typeface="+mn-ea"/>
               </a:rPr>
               <a:t>相比进程：多线程只能并发执行，不能利用多</a:t>
             </a:r>
             <a:r>
               <a:rPr lang="en-US" altLang="zh-CN" sz="1600">
-                <a:latin typeface="微软雅黑" charset="0"/>
-                <a:ea typeface="微软雅黑" charset="0"/>
-                <a:cs typeface="微软雅黑" charset="0"/>
+                <a:latin typeface="微软雅黑" panose="020B0503020204020204" charset="-122"/>
+                <a:ea typeface="微软雅黑" panose="020B0503020204020204" charset="-122"/>
+                <a:cs typeface="微软雅黑" panose="020B0503020204020204" charset="-122"/>
                 <a:sym typeface="+mn-ea"/>
               </a:rPr>
               <a:t>CPU</a:t>
             </a:r>
             <a:r>
               <a:rPr lang="zh-CN" altLang="en-US" sz="1600">
-                <a:latin typeface="微软雅黑" charset="0"/>
-                <a:ea typeface="微软雅黑" charset="0"/>
-                <a:cs typeface="微软雅黑" charset="0"/>
+                <a:latin typeface="微软雅黑" panose="020B0503020204020204" charset="-122"/>
+                <a:ea typeface="微软雅黑" panose="020B0503020204020204" charset="-122"/>
+                <a:cs typeface="微软雅黑" panose="020B0503020204020204" charset="-122"/>
                 <a:sym typeface="+mn-ea"/>
               </a:rPr>
               <a:t>（</a:t>
             </a:r>
             <a:r>
               <a:rPr lang="en-US" altLang="zh-CN" sz="1600">
-                <a:latin typeface="微软雅黑" charset="0"/>
-                <a:ea typeface="微软雅黑" charset="0"/>
-                <a:cs typeface="微软雅黑" charset="0"/>
+                <a:latin typeface="微软雅黑" panose="020B0503020204020204" charset="-122"/>
+                <a:ea typeface="微软雅黑" panose="020B0503020204020204" charset="-122"/>
+                <a:cs typeface="微软雅黑" panose="020B0503020204020204" charset="-122"/>
                 <a:sym typeface="+mn-ea"/>
               </a:rPr>
               <a:t>GIL</a:t>
             </a:r>
             <a:r>
               <a:rPr lang="zh-CN" altLang="en-US" sz="1600">
-                <a:latin typeface="微软雅黑" charset="0"/>
-                <a:ea typeface="微软雅黑" charset="0"/>
-                <a:cs typeface="微软雅黑" charset="0"/>
+                <a:latin typeface="微软雅黑" panose="020B0503020204020204" charset="-122"/>
+                <a:ea typeface="微软雅黑" panose="020B0503020204020204" charset="-122"/>
+                <a:cs typeface="微软雅黑" panose="020B0503020204020204" charset="-122"/>
                 <a:sym typeface="+mn-ea"/>
               </a:rPr>
               <a:t>）</a:t>
             </a:r>
             <a:endParaRPr lang="en-US" altLang="zh-CN" sz="1600">
-              <a:latin typeface="微软雅黑" charset="0"/>
-              <a:ea typeface="微软雅黑" charset="0"/>
-              <a:cs typeface="微软雅黑" charset="0"/>
+              <a:latin typeface="微软雅黑" panose="020B0503020204020204" charset="-122"/>
+              <a:ea typeface="微软雅黑" panose="020B0503020204020204" charset="-122"/>
+              <a:cs typeface="微软雅黑" panose="020B0503020204020204" charset="-122"/>
               <a:sym typeface="+mn-ea"/>
             </a:endParaRPr>
           </a:p>
           <a:p>
             <a:pPr marL="742950" lvl="1" indent="-285750">
-              <a:buFont typeface="Arial" panose="020B0604020202090204" pitchFamily="34" charset="0"/>
+              <a:buFont typeface="Arial" panose="020B0604020202020204" pitchFamily="34" charset="0"/>
               <a:buChar char="•"/>
             </a:pPr>
             <a:r>
               <a:rPr lang="zh-CN" altLang="en-US" sz="1600">
-                <a:latin typeface="微软雅黑" charset="0"/>
-                <a:ea typeface="微软雅黑" charset="0"/>
-                <a:cs typeface="微软雅黑" charset="0"/>
+                <a:latin typeface="微软雅黑" panose="020B0503020204020204" charset="-122"/>
+                <a:ea typeface="微软雅黑" panose="020B0503020204020204" charset="-122"/>
+                <a:cs typeface="微软雅黑" panose="020B0503020204020204" charset="-122"/>
                 <a:sym typeface="+mn-ea"/>
               </a:rPr>
               <a:t>相比协程：启动数目有限制，占用内存资源，有线程切换开销</a:t>
             </a:r>
             <a:endParaRPr lang="zh-CN" altLang="en-US" sz="1600">
-              <a:latin typeface="微软雅黑" charset="0"/>
-              <a:ea typeface="微软雅黑" charset="0"/>
-              <a:cs typeface="微软雅黑" charset="0"/>
+              <a:latin typeface="微软雅黑" panose="020B0503020204020204" charset="-122"/>
+              <a:ea typeface="微软雅黑" panose="020B0503020204020204" charset="-122"/>
+              <a:cs typeface="微软雅黑" panose="020B0503020204020204" charset="-122"/>
             </a:endParaRPr>
           </a:p>
           <a:p>
             <a:pPr marL="285750" indent="-285750">
-              <a:buFont typeface="Arial" panose="020B0604020202090204" pitchFamily="34" charset="0"/>
+              <a:buFont typeface="Arial" panose="020B0604020202020204" pitchFamily="34" charset="0"/>
               <a:buChar char="•"/>
             </a:pPr>
             <a:r>
               <a:rPr lang="zh-CN" altLang="en-US" sz="1600">
-                <a:latin typeface="微软雅黑" charset="0"/>
-                <a:ea typeface="微软雅黑" charset="0"/>
-                <a:cs typeface="微软雅黑" charset="0"/>
+                <a:latin typeface="微软雅黑" panose="020B0503020204020204" charset="-122"/>
+                <a:ea typeface="微软雅黑" panose="020B0503020204020204" charset="-122"/>
+                <a:cs typeface="微软雅黑" panose="020B0503020204020204" charset="-122"/>
                 <a:sym typeface="+mn-ea"/>
               </a:rPr>
               <a:t>适用于：</a:t>
             </a:r>
             <a:r>
               <a:rPr lang="en-US" altLang="zh-CN" sz="1600">
-                <a:latin typeface="微软雅黑" charset="0"/>
-                <a:ea typeface="微软雅黑" charset="0"/>
-                <a:cs typeface="微软雅黑" charset="0"/>
+                <a:latin typeface="微软雅黑" panose="020B0503020204020204" charset="-122"/>
+                <a:ea typeface="微软雅黑" panose="020B0503020204020204" charset="-122"/>
+                <a:cs typeface="微软雅黑" panose="020B0503020204020204" charset="-122"/>
                 <a:sym typeface="+mn-ea"/>
               </a:rPr>
               <a:t>IO</a:t>
             </a:r>
             <a:r>
               <a:rPr lang="zh-CN" altLang="en-US" sz="1600">
-                <a:latin typeface="微软雅黑" charset="0"/>
-                <a:ea typeface="微软雅黑" charset="0"/>
-                <a:cs typeface="微软雅黑" charset="0"/>
+                <a:latin typeface="微软雅黑" panose="020B0503020204020204" charset="-122"/>
+                <a:ea typeface="微软雅黑" panose="020B0503020204020204" charset="-122"/>
+                <a:cs typeface="微软雅黑" panose="020B0503020204020204" charset="-122"/>
                 <a:sym typeface="+mn-ea"/>
               </a:rPr>
               <a:t>密集型计算、同时运行的任务数目要求不多</a:t>
             </a:r>
             <a:endParaRPr lang="zh-CN" altLang="en-US" sz="1600">
-              <a:latin typeface="微软雅黑" charset="0"/>
-              <a:ea typeface="微软雅黑" charset="0"/>
-              <a:cs typeface="微软雅黑" charset="0"/>
+              <a:latin typeface="微软雅黑" panose="020B0503020204020204" charset="-122"/>
+              <a:ea typeface="微软雅黑" panose="020B0503020204020204" charset="-122"/>
+              <a:cs typeface="微软雅黑" panose="020B0503020204020204" charset="-122"/>
               <a:sym typeface="+mn-ea"/>
             </a:endParaRPr>
           </a:p>
@@ -4642,9 +4646,9 @@
                     <a:lumMod val="50000"/>
                   </a:schemeClr>
                 </a:solidFill>
-                <a:latin typeface="微软雅黑" charset="0"/>
-                <a:ea typeface="微软雅黑" charset="0"/>
-                <a:cs typeface="微软雅黑" charset="0"/>
+                <a:latin typeface="微软雅黑" panose="020B0503020204020204" charset="-122"/>
+                <a:ea typeface="微软雅黑" panose="020B0503020204020204" charset="-122"/>
+                <a:cs typeface="微软雅黑" panose="020B0503020204020204" charset="-122"/>
                 <a:sym typeface="+mn-ea"/>
               </a:rPr>
               <a:t>多协程 </a:t>
@@ -4656,9 +4660,9 @@
                     <a:lumMod val="50000"/>
                   </a:schemeClr>
                 </a:solidFill>
-                <a:latin typeface="微软雅黑" charset="0"/>
-                <a:ea typeface="微软雅黑" charset="0"/>
-                <a:cs typeface="微软雅黑" charset="0"/>
+                <a:latin typeface="微软雅黑" panose="020B0503020204020204" charset="-122"/>
+                <a:ea typeface="微软雅黑" panose="020B0503020204020204" charset="-122"/>
+                <a:cs typeface="微软雅黑" panose="020B0503020204020204" charset="-122"/>
                 <a:sym typeface="+mn-ea"/>
               </a:rPr>
               <a:t>Coroutine </a:t>
@@ -4670,113 +4674,113 @@
                     <a:lumMod val="50000"/>
                   </a:schemeClr>
                 </a:solidFill>
-                <a:latin typeface="微软雅黑" charset="0"/>
-                <a:ea typeface="微软雅黑" charset="0"/>
-                <a:cs typeface="微软雅黑" charset="0"/>
+                <a:latin typeface="微软雅黑" panose="020B0503020204020204" charset="-122"/>
+                <a:ea typeface="微软雅黑" panose="020B0503020204020204" charset="-122"/>
+                <a:cs typeface="微软雅黑" panose="020B0503020204020204" charset="-122"/>
                 <a:sym typeface="+mn-ea"/>
               </a:rPr>
               <a:t>（asyncio）</a:t>
             </a:r>
             <a:endParaRPr lang="zh-CN" altLang="en-US" sz="1600">
-              <a:latin typeface="微软雅黑" charset="0"/>
-              <a:ea typeface="微软雅黑" charset="0"/>
-              <a:cs typeface="微软雅黑" charset="0"/>
+              <a:latin typeface="微软雅黑" panose="020B0503020204020204" charset="-122"/>
+              <a:ea typeface="微软雅黑" panose="020B0503020204020204" charset="-122"/>
+              <a:cs typeface="微软雅黑" panose="020B0503020204020204" charset="-122"/>
             </a:endParaRPr>
           </a:p>
           <a:p>
             <a:pPr marL="285750" indent="-285750">
-              <a:buFont typeface="Arial" panose="020B0604020202090204" pitchFamily="34" charset="0"/>
+              <a:buFont typeface="Arial" panose="020B0604020202020204" pitchFamily="34" charset="0"/>
               <a:buChar char="•"/>
             </a:pPr>
             <a:r>
               <a:rPr lang="zh-CN" altLang="en-US" sz="1600">
-                <a:latin typeface="微软雅黑" charset="0"/>
-                <a:ea typeface="微软雅黑" charset="0"/>
-                <a:cs typeface="微软雅黑" charset="0"/>
+                <a:latin typeface="微软雅黑" panose="020B0503020204020204" charset="-122"/>
+                <a:ea typeface="微软雅黑" panose="020B0503020204020204" charset="-122"/>
+                <a:cs typeface="微软雅黑" panose="020B0503020204020204" charset="-122"/>
                 <a:sym typeface="+mn-ea"/>
               </a:rPr>
               <a:t>优点：内存开销最少、启动协程数量最多</a:t>
             </a:r>
             <a:endParaRPr lang="zh-CN" altLang="en-US" sz="1600">
-              <a:latin typeface="微软雅黑" charset="0"/>
-              <a:ea typeface="微软雅黑" charset="0"/>
-              <a:cs typeface="微软雅黑" charset="0"/>
+              <a:latin typeface="微软雅黑" panose="020B0503020204020204" charset="-122"/>
+              <a:ea typeface="微软雅黑" panose="020B0503020204020204" charset="-122"/>
+              <a:cs typeface="微软雅黑" panose="020B0503020204020204" charset="-122"/>
             </a:endParaRPr>
           </a:p>
           <a:p>
             <a:pPr marL="285750" indent="-285750">
-              <a:buFont typeface="Arial" panose="020B0604020202090204" pitchFamily="34" charset="0"/>
+              <a:buFont typeface="Arial" panose="020B0604020202020204" pitchFamily="34" charset="0"/>
               <a:buChar char="•"/>
             </a:pPr>
             <a:r>
               <a:rPr lang="zh-CN" altLang="en-US" sz="1600">
-                <a:latin typeface="微软雅黑" charset="0"/>
-                <a:ea typeface="微软雅黑" charset="0"/>
-                <a:cs typeface="微软雅黑" charset="0"/>
+                <a:latin typeface="微软雅黑" panose="020B0503020204020204" charset="-122"/>
+                <a:ea typeface="微软雅黑" panose="020B0503020204020204" charset="-122"/>
+                <a:cs typeface="微软雅黑" panose="020B0503020204020204" charset="-122"/>
                 <a:sym typeface="+mn-ea"/>
               </a:rPr>
               <a:t>缺点：支持的库有限制（aiohttp </a:t>
             </a:r>
             <a:r>
               <a:rPr lang="en-US" altLang="zh-CN" sz="1600">
-                <a:latin typeface="微软雅黑" charset="0"/>
-                <a:ea typeface="微软雅黑" charset="0"/>
-                <a:cs typeface="微软雅黑" charset="0"/>
+                <a:latin typeface="微软雅黑" panose="020B0503020204020204" charset="-122"/>
+                <a:ea typeface="微软雅黑" panose="020B0503020204020204" charset="-122"/>
+                <a:cs typeface="微软雅黑" panose="020B0503020204020204" charset="-122"/>
                 <a:sym typeface="+mn-ea"/>
               </a:rPr>
               <a:t>vs requests</a:t>
             </a:r>
             <a:r>
               <a:rPr lang="zh-CN" altLang="en-US" sz="1600">
-                <a:latin typeface="微软雅黑" charset="0"/>
-                <a:ea typeface="微软雅黑" charset="0"/>
-                <a:cs typeface="微软雅黑" charset="0"/>
+                <a:latin typeface="微软雅黑" panose="020B0503020204020204" charset="-122"/>
+                <a:ea typeface="微软雅黑" panose="020B0503020204020204" charset="-122"/>
+                <a:cs typeface="微软雅黑" panose="020B0503020204020204" charset="-122"/>
                 <a:sym typeface="+mn-ea"/>
               </a:rPr>
               <a:t>）、代码实现复杂</a:t>
             </a:r>
             <a:endParaRPr lang="zh-CN" altLang="en-US" sz="1600">
-              <a:latin typeface="微软雅黑" charset="0"/>
-              <a:ea typeface="微软雅黑" charset="0"/>
-              <a:cs typeface="微软雅黑" charset="0"/>
+              <a:latin typeface="微软雅黑" panose="020B0503020204020204" charset="-122"/>
+              <a:ea typeface="微软雅黑" panose="020B0503020204020204" charset="-122"/>
+              <a:cs typeface="微软雅黑" panose="020B0503020204020204" charset="-122"/>
             </a:endParaRPr>
           </a:p>
           <a:p>
             <a:pPr marL="285750" indent="-285750">
-              <a:buFont typeface="Arial" panose="020B0604020202090204" pitchFamily="34" charset="0"/>
+              <a:buFont typeface="Arial" panose="020B0604020202020204" pitchFamily="34" charset="0"/>
               <a:buChar char="•"/>
             </a:pPr>
             <a:r>
               <a:rPr lang="zh-CN" altLang="en-US" sz="1600">
-                <a:latin typeface="微软雅黑" charset="0"/>
-                <a:ea typeface="微软雅黑" charset="0"/>
-                <a:cs typeface="微软雅黑" charset="0"/>
+                <a:latin typeface="微软雅黑" panose="020B0503020204020204" charset="-122"/>
+                <a:ea typeface="微软雅黑" panose="020B0503020204020204" charset="-122"/>
+                <a:cs typeface="微软雅黑" panose="020B0503020204020204" charset="-122"/>
                 <a:sym typeface="+mn-ea"/>
               </a:rPr>
               <a:t>适用于：</a:t>
             </a:r>
             <a:r>
               <a:rPr lang="en-US" altLang="zh-CN" sz="1600">
-                <a:latin typeface="微软雅黑" charset="0"/>
-                <a:ea typeface="微软雅黑" charset="0"/>
-                <a:cs typeface="微软雅黑" charset="0"/>
+                <a:latin typeface="微软雅黑" panose="020B0503020204020204" charset="-122"/>
+                <a:ea typeface="微软雅黑" panose="020B0503020204020204" charset="-122"/>
+                <a:cs typeface="微软雅黑" panose="020B0503020204020204" charset="-122"/>
                 <a:sym typeface="+mn-ea"/>
               </a:rPr>
               <a:t>IO</a:t>
             </a:r>
             <a:r>
               <a:rPr lang="zh-CN" altLang="en-US" sz="1600">
-                <a:latin typeface="微软雅黑" charset="0"/>
-                <a:ea typeface="微软雅黑" charset="0"/>
-                <a:cs typeface="微软雅黑" charset="0"/>
+                <a:latin typeface="微软雅黑" panose="020B0503020204020204" charset="-122"/>
+                <a:ea typeface="微软雅黑" panose="020B0503020204020204" charset="-122"/>
+                <a:cs typeface="微软雅黑" panose="020B0503020204020204" charset="-122"/>
                 <a:sym typeface="+mn-ea"/>
               </a:rPr>
               <a:t>密集型计算、需要超多任务运行、但有现成库支持的场景</a:t>
             </a:r>
             <a:endParaRPr lang="zh-CN" altLang="en-US" sz="1600">
-              <a:latin typeface="微软雅黑" charset="0"/>
-              <a:ea typeface="微软雅黑" charset="0"/>
-              <a:cs typeface="微软雅黑" charset="0"/>
+              <a:latin typeface="微软雅黑" panose="020B0503020204020204" charset="-122"/>
+              <a:ea typeface="微软雅黑" panose="020B0503020204020204" charset="-122"/>
+              <a:cs typeface="微软雅黑" panose="020B0503020204020204" charset="-122"/>
               <a:sym typeface="+mn-ea"/>
             </a:endParaRPr>
           </a:p>
@@ -6246,7 +6250,7 @@
               <a:lnSpc>
                 <a:spcPct val="150000"/>
               </a:lnSpc>
-              <a:buFont typeface="Arial" panose="020B0604020202090204" pitchFamily="34" charset="0"/>
+              <a:buFont typeface="Arial" panose="020B0604020202020204" pitchFamily="34" charset="0"/>
             </a:pPr>
             <a:r>
               <a:rPr lang="en-US" altLang="zh-CN" sz="2800" b="1">
@@ -6255,9 +6259,9 @@
                     <a:lumMod val="50000"/>
                   </a:schemeClr>
                 </a:solidFill>
-                <a:latin typeface="微软雅黑" charset="0"/>
-                <a:ea typeface="微软雅黑" charset="0"/>
-                <a:cs typeface="微软雅黑" charset="0"/>
+                <a:latin typeface="微软雅黑" panose="020B0503020204020204" charset="-122"/>
+                <a:ea typeface="微软雅黑" panose="020B0503020204020204" charset="-122"/>
+                <a:cs typeface="微软雅黑" panose="020B0503020204020204" charset="-122"/>
                 <a:sym typeface="+mn-ea"/>
               </a:rPr>
               <a:t>3</a:t>
@@ -6269,9 +6273,9 @@
                     <a:lumMod val="50000"/>
                   </a:schemeClr>
                 </a:solidFill>
-                <a:latin typeface="微软雅黑" charset="0"/>
-                <a:ea typeface="微软雅黑" charset="0"/>
-                <a:cs typeface="微软雅黑" charset="0"/>
+                <a:latin typeface="微软雅黑" panose="020B0503020204020204" charset="-122"/>
+                <a:ea typeface="微软雅黑" panose="020B0503020204020204" charset="-122"/>
+                <a:cs typeface="微软雅黑" panose="020B0503020204020204" charset="-122"/>
                 <a:sym typeface="+mn-ea"/>
               </a:rPr>
               <a:t>、怎样根据任务选择对应技术？</a:t>
@@ -6282,9 +6286,9 @@
                   <a:lumMod val="50000"/>
                 </a:schemeClr>
               </a:solidFill>
-              <a:latin typeface="微软雅黑" charset="0"/>
-              <a:ea typeface="微软雅黑" charset="0"/>
-              <a:cs typeface="微软雅黑" charset="0"/>
+              <a:latin typeface="微软雅黑" panose="020B0503020204020204" charset="-122"/>
+              <a:ea typeface="微软雅黑" panose="020B0503020204020204" charset="-122"/>
+              <a:cs typeface="微软雅黑" panose="020B0503020204020204" charset="-122"/>
               <a:sym typeface="+mn-ea"/>
             </a:endParaRPr>
           </a:p>
@@ -6339,32 +6343,32 @@
               <a:pPr algn="ctr"/>
               <a:r>
                 <a:rPr lang="zh-CN" altLang="en-US" sz="1400">
-                  <a:latin typeface="微软雅黑" charset="0"/>
-                  <a:ea typeface="微软雅黑" charset="0"/>
-                  <a:cs typeface="微软雅黑" charset="0"/>
+                  <a:latin typeface="微软雅黑" panose="020B0503020204020204" charset="-122"/>
+                  <a:ea typeface="微软雅黑" panose="020B0503020204020204" charset="-122"/>
+                  <a:cs typeface="微软雅黑" panose="020B0503020204020204" charset="-122"/>
                 </a:rPr>
                 <a:t>使用多进程</a:t>
               </a:r>
               <a:endParaRPr lang="zh-CN" altLang="en-US" sz="1400">
-                <a:latin typeface="微软雅黑" charset="0"/>
-                <a:ea typeface="微软雅黑" charset="0"/>
-                <a:cs typeface="微软雅黑" charset="0"/>
+                <a:latin typeface="微软雅黑" panose="020B0503020204020204" charset="-122"/>
+                <a:ea typeface="微软雅黑" panose="020B0503020204020204" charset="-122"/>
+                <a:cs typeface="微软雅黑" panose="020B0503020204020204" charset="-122"/>
               </a:endParaRPr>
             </a:p>
             <a:p>
               <a:pPr algn="ctr"/>
               <a:r>
                 <a:rPr lang="en-US" altLang="zh-CN" sz="1400">
-                  <a:latin typeface="微软雅黑" charset="0"/>
-                  <a:ea typeface="微软雅黑" charset="0"/>
-                  <a:cs typeface="微软雅黑" charset="0"/>
+                  <a:latin typeface="微软雅黑" panose="020B0503020204020204" charset="-122"/>
+                  <a:ea typeface="微软雅黑" panose="020B0503020204020204" charset="-122"/>
+                  <a:cs typeface="微软雅黑" panose="020B0503020204020204" charset="-122"/>
                 </a:rPr>
                 <a:t>multiprocessing</a:t>
               </a:r>
               <a:endParaRPr lang="en-US" altLang="zh-CN" sz="1400">
-                <a:latin typeface="微软雅黑" charset="0"/>
-                <a:ea typeface="微软雅黑" charset="0"/>
-                <a:cs typeface="微软雅黑" charset="0"/>
+                <a:latin typeface="微软雅黑" panose="020B0503020204020204" charset="-122"/>
+                <a:ea typeface="微软雅黑" panose="020B0503020204020204" charset="-122"/>
+                <a:cs typeface="微软雅黑" panose="020B0503020204020204" charset="-122"/>
               </a:endParaRPr>
             </a:p>
           </p:txBody>
@@ -6429,24 +6433,24 @@
             <a:p>
               <a:r>
                 <a:rPr lang="en-US" altLang="zh-CN" sz="1400">
-                  <a:latin typeface="微软雅黑" charset="0"/>
-                  <a:ea typeface="微软雅黑" charset="0"/>
-                  <a:cs typeface="微软雅黑" charset="0"/>
+                  <a:latin typeface="微软雅黑" panose="020B0503020204020204" charset="-122"/>
+                  <a:ea typeface="微软雅黑" panose="020B0503020204020204" charset="-122"/>
+                  <a:cs typeface="微软雅黑" panose="020B0503020204020204" charset="-122"/>
                 </a:rPr>
                 <a:t>CPU</a:t>
               </a:r>
               <a:r>
                 <a:rPr lang="zh-CN" altLang="en-US" sz="1400">
-                  <a:latin typeface="微软雅黑" charset="0"/>
-                  <a:ea typeface="微软雅黑" charset="0"/>
-                  <a:cs typeface="微软雅黑" charset="0"/>
+                  <a:latin typeface="微软雅黑" panose="020B0503020204020204" charset="-122"/>
+                  <a:ea typeface="微软雅黑" panose="020B0503020204020204" charset="-122"/>
+                  <a:cs typeface="微软雅黑" panose="020B0503020204020204" charset="-122"/>
                 </a:rPr>
                 <a:t>密集型</a:t>
               </a:r>
               <a:endParaRPr lang="zh-CN" altLang="en-US" sz="1400">
-                <a:latin typeface="微软雅黑" charset="0"/>
-                <a:ea typeface="微软雅黑" charset="0"/>
-                <a:cs typeface="微软雅黑" charset="0"/>
+                <a:latin typeface="微软雅黑" panose="020B0503020204020204" charset="-122"/>
+                <a:ea typeface="微软雅黑" panose="020B0503020204020204" charset="-122"/>
+                <a:cs typeface="微软雅黑" panose="020B0503020204020204" charset="-122"/>
               </a:endParaRPr>
             </a:p>
           </p:txBody>
@@ -6501,14 +6505,14 @@
               <a:pPr algn="ctr"/>
               <a:r>
                 <a:rPr lang="zh-CN" altLang="en-US" sz="1400">
-                  <a:latin typeface="微软雅黑" charset="0"/>
-                  <a:ea typeface="微软雅黑" charset="0"/>
+                  <a:latin typeface="微软雅黑" panose="020B0503020204020204" charset="-122"/>
+                  <a:ea typeface="微软雅黑" panose="020B0503020204020204" charset="-122"/>
                 </a:rPr>
                 <a:t>待执行任务</a:t>
               </a:r>
               <a:endParaRPr lang="zh-CN" altLang="en-US" sz="1400">
-                <a:latin typeface="微软雅黑" charset="0"/>
-                <a:ea typeface="微软雅黑" charset="0"/>
+                <a:latin typeface="微软雅黑" panose="020B0503020204020204" charset="-122"/>
+                <a:ea typeface="微软雅黑" panose="020B0503020204020204" charset="-122"/>
               </a:endParaRPr>
             </a:p>
           </p:txBody>
@@ -6548,14 +6552,14 @@
               <a:pPr algn="ctr"/>
               <a:r>
                 <a:rPr lang="zh-CN" altLang="en-US" sz="1400">
-                  <a:latin typeface="微软雅黑" charset="0"/>
-                  <a:ea typeface="微软雅黑" charset="0"/>
+                  <a:latin typeface="微软雅黑" panose="020B0503020204020204" charset="-122"/>
+                  <a:ea typeface="微软雅黑" panose="020B0503020204020204" charset="-122"/>
                 </a:rPr>
                 <a:t>任务特点</a:t>
               </a:r>
               <a:endParaRPr lang="zh-CN" altLang="en-US" sz="1400">
-                <a:latin typeface="微软雅黑" charset="0"/>
-                <a:ea typeface="微软雅黑" charset="0"/>
+                <a:latin typeface="微软雅黑" panose="020B0503020204020204" charset="-122"/>
+                <a:ea typeface="微软雅黑" panose="020B0503020204020204" charset="-122"/>
               </a:endParaRPr>
             </a:p>
           </p:txBody>
@@ -6646,32 +6650,32 @@
               <a:pPr algn="ctr"/>
               <a:r>
                 <a:rPr lang="zh-CN" altLang="en-US" sz="1400">
-                  <a:latin typeface="微软雅黑" charset="0"/>
-                  <a:ea typeface="微软雅黑" charset="0"/>
-                  <a:cs typeface="微软雅黑" charset="0"/>
+                  <a:latin typeface="微软雅黑" panose="020B0503020204020204" charset="-122"/>
+                  <a:ea typeface="微软雅黑" panose="020B0503020204020204" charset="-122"/>
+                  <a:cs typeface="微软雅黑" panose="020B0503020204020204" charset="-122"/>
                 </a:rPr>
                 <a:t>使用多协程</a:t>
               </a:r>
               <a:endParaRPr lang="zh-CN" altLang="en-US" sz="1400">
-                <a:latin typeface="微软雅黑" charset="0"/>
-                <a:ea typeface="微软雅黑" charset="0"/>
-                <a:cs typeface="微软雅黑" charset="0"/>
+                <a:latin typeface="微软雅黑" panose="020B0503020204020204" charset="-122"/>
+                <a:ea typeface="微软雅黑" panose="020B0503020204020204" charset="-122"/>
+                <a:cs typeface="微软雅黑" panose="020B0503020204020204" charset="-122"/>
               </a:endParaRPr>
             </a:p>
             <a:p>
               <a:pPr algn="ctr"/>
               <a:r>
                 <a:rPr lang="en-US" altLang="zh-CN" sz="1400">
-                  <a:latin typeface="微软雅黑" charset="0"/>
-                  <a:ea typeface="微软雅黑" charset="0"/>
-                  <a:cs typeface="微软雅黑" charset="0"/>
+                  <a:latin typeface="微软雅黑" panose="020B0503020204020204" charset="-122"/>
+                  <a:ea typeface="微软雅黑" panose="020B0503020204020204" charset="-122"/>
+                  <a:cs typeface="微软雅黑" panose="020B0503020204020204" charset="-122"/>
                 </a:rPr>
                 <a:t>asyncio</a:t>
               </a:r>
               <a:endParaRPr lang="en-US" altLang="zh-CN" sz="1400">
-                <a:latin typeface="微软雅黑" charset="0"/>
-                <a:ea typeface="微软雅黑" charset="0"/>
-                <a:cs typeface="微软雅黑" charset="0"/>
+                <a:latin typeface="微软雅黑" panose="020B0503020204020204" charset="-122"/>
+                <a:ea typeface="微软雅黑" panose="020B0503020204020204" charset="-122"/>
+                <a:cs typeface="微软雅黑" panose="020B0503020204020204" charset="-122"/>
               </a:endParaRPr>
             </a:p>
           </p:txBody>
@@ -6738,17 +6742,17 @@
               <a:pPr lvl="0" algn="l"/>
               <a:r>
                 <a:rPr lang="zh-CN" altLang="en-US" sz="1400">
-                  <a:latin typeface="微软雅黑" charset="0"/>
-                  <a:ea typeface="微软雅黑" charset="0"/>
-                  <a:cs typeface="微软雅黑" charset="0"/>
+                  <a:latin typeface="微软雅黑" panose="020B0503020204020204" charset="-122"/>
+                  <a:ea typeface="微软雅黑" panose="020B0503020204020204" charset="-122"/>
+                  <a:cs typeface="微软雅黑" panose="020B0503020204020204" charset="-122"/>
                   <a:sym typeface="+mn-ea"/>
                 </a:rPr>
                 <a:t>是</a:t>
               </a:r>
               <a:endParaRPr lang="en-US" altLang="zh-CN" sz="1400">
-                <a:latin typeface="微软雅黑" charset="0"/>
-                <a:ea typeface="微软雅黑" charset="0"/>
-                <a:cs typeface="微软雅黑" charset="0"/>
+                <a:latin typeface="微软雅黑" panose="020B0503020204020204" charset="-122"/>
+                <a:ea typeface="微软雅黑" panose="020B0503020204020204" charset="-122"/>
+                <a:cs typeface="微软雅黑" panose="020B0503020204020204" charset="-122"/>
                 <a:sym typeface="+mn-ea"/>
               </a:endParaRPr>
             </a:p>
@@ -6804,63 +6808,63 @@
               <a:pPr algn="l"/>
               <a:r>
                 <a:rPr lang="en-US" altLang="zh-CN" sz="1200">
-                  <a:latin typeface="微软雅黑" charset="0"/>
-                  <a:ea typeface="微软雅黑" charset="0"/>
+                  <a:latin typeface="微软雅黑" panose="020B0503020204020204" charset="-122"/>
+                  <a:ea typeface="微软雅黑" panose="020B0503020204020204" charset="-122"/>
                 </a:rPr>
                 <a:t>1</a:t>
               </a:r>
               <a:r>
                 <a:rPr lang="zh-CN" altLang="en-US" sz="1200">
-                  <a:latin typeface="微软雅黑" charset="0"/>
-                  <a:ea typeface="微软雅黑" charset="0"/>
+                  <a:latin typeface="微软雅黑" panose="020B0503020204020204" charset="-122"/>
+                  <a:ea typeface="微软雅黑" panose="020B0503020204020204" charset="-122"/>
                 </a:rPr>
                 <a:t>、需要超多任务量？</a:t>
               </a:r>
               <a:endParaRPr lang="zh-CN" altLang="en-US" sz="1200">
-                <a:latin typeface="微软雅黑" charset="0"/>
-                <a:ea typeface="微软雅黑" charset="0"/>
+                <a:latin typeface="微软雅黑" panose="020B0503020204020204" charset="-122"/>
+                <a:ea typeface="微软雅黑" panose="020B0503020204020204" charset="-122"/>
               </a:endParaRPr>
             </a:p>
             <a:p>
               <a:pPr algn="l"/>
               <a:r>
                 <a:rPr lang="en-US" altLang="zh-CN" sz="1200">
-                  <a:latin typeface="微软雅黑" charset="0"/>
-                  <a:ea typeface="微软雅黑" charset="0"/>
+                  <a:latin typeface="微软雅黑" panose="020B0503020204020204" charset="-122"/>
+                  <a:ea typeface="微软雅黑" panose="020B0503020204020204" charset="-122"/>
                 </a:rPr>
                 <a:t>2</a:t>
               </a:r>
               <a:r>
                 <a:rPr lang="zh-CN" altLang="en-US" sz="1200">
-                  <a:latin typeface="微软雅黑" charset="0"/>
-                  <a:ea typeface="微软雅黑" charset="0"/>
+                  <a:latin typeface="微软雅黑" panose="020B0503020204020204" charset="-122"/>
+                  <a:ea typeface="微软雅黑" panose="020B0503020204020204" charset="-122"/>
                 </a:rPr>
                 <a:t>、有现成协程库支持？</a:t>
               </a:r>
               <a:endParaRPr lang="zh-CN" altLang="en-US" sz="1200">
-                <a:latin typeface="微软雅黑" charset="0"/>
-                <a:ea typeface="微软雅黑" charset="0"/>
+                <a:latin typeface="微软雅黑" panose="020B0503020204020204" charset="-122"/>
+                <a:ea typeface="微软雅黑" panose="020B0503020204020204" charset="-122"/>
               </a:endParaRPr>
             </a:p>
             <a:p>
               <a:pPr algn="l"/>
               <a:r>
                 <a:rPr lang="en-US" altLang="zh-CN" sz="1200">
-                  <a:latin typeface="微软雅黑" charset="0"/>
-                  <a:ea typeface="微软雅黑" charset="0"/>
+                  <a:latin typeface="微软雅黑" panose="020B0503020204020204" charset="-122"/>
+                  <a:ea typeface="微软雅黑" panose="020B0503020204020204" charset="-122"/>
                 </a:rPr>
                 <a:t>3</a:t>
               </a:r>
               <a:r>
                 <a:rPr lang="zh-CN" altLang="en-US" sz="1200">
-                  <a:latin typeface="微软雅黑" charset="0"/>
-                  <a:ea typeface="微软雅黑" charset="0"/>
+                  <a:latin typeface="微软雅黑" panose="020B0503020204020204" charset="-122"/>
+                  <a:ea typeface="微软雅黑" panose="020B0503020204020204" charset="-122"/>
                 </a:rPr>
                 <a:t>、协程实现复杂度可接受？</a:t>
               </a:r>
               <a:endParaRPr lang="zh-CN" altLang="en-US" sz="1200">
-                <a:latin typeface="微软雅黑" charset="0"/>
-                <a:ea typeface="微软雅黑" charset="0"/>
+                <a:latin typeface="微软雅黑" panose="020B0503020204020204" charset="-122"/>
+                <a:ea typeface="微软雅黑" panose="020B0503020204020204" charset="-122"/>
               </a:endParaRPr>
             </a:p>
           </p:txBody>
@@ -6926,24 +6930,24 @@
             <a:p>
               <a:r>
                 <a:rPr lang="en-US" altLang="zh-CN" sz="1400">
-                  <a:latin typeface="微软雅黑" charset="0"/>
-                  <a:ea typeface="微软雅黑" charset="0"/>
-                  <a:cs typeface="微软雅黑" charset="0"/>
+                  <a:latin typeface="微软雅黑" panose="020B0503020204020204" charset="-122"/>
+                  <a:ea typeface="微软雅黑" panose="020B0503020204020204" charset="-122"/>
+                  <a:cs typeface="微软雅黑" panose="020B0503020204020204" charset="-122"/>
                 </a:rPr>
                 <a:t>IO</a:t>
               </a:r>
               <a:r>
                 <a:rPr lang="zh-CN" altLang="en-US" sz="1400">
-                  <a:latin typeface="微软雅黑" charset="0"/>
-                  <a:ea typeface="微软雅黑" charset="0"/>
-                  <a:cs typeface="微软雅黑" charset="0"/>
+                  <a:latin typeface="微软雅黑" panose="020B0503020204020204" charset="-122"/>
+                  <a:ea typeface="微软雅黑" panose="020B0503020204020204" charset="-122"/>
+                  <a:cs typeface="微软雅黑" panose="020B0503020204020204" charset="-122"/>
                 </a:rPr>
                 <a:t>密集型</a:t>
               </a:r>
               <a:endParaRPr lang="zh-CN" altLang="en-US" sz="1400">
-                <a:latin typeface="微软雅黑" charset="0"/>
-                <a:ea typeface="微软雅黑" charset="0"/>
-                <a:cs typeface="微软雅黑" charset="0"/>
+                <a:latin typeface="微软雅黑" panose="020B0503020204020204" charset="-122"/>
+                <a:ea typeface="微软雅黑" panose="020B0503020204020204" charset="-122"/>
+                <a:cs typeface="微软雅黑" panose="020B0503020204020204" charset="-122"/>
               </a:endParaRPr>
             </a:p>
           </p:txBody>
@@ -6998,32 +7002,32 @@
               <a:pPr algn="ctr"/>
               <a:r>
                 <a:rPr lang="zh-CN" altLang="en-US" sz="1400">
-                  <a:latin typeface="微软雅黑" charset="0"/>
-                  <a:ea typeface="微软雅黑" charset="0"/>
-                  <a:cs typeface="微软雅黑" charset="0"/>
+                  <a:latin typeface="微软雅黑" panose="020B0503020204020204" charset="-122"/>
+                  <a:ea typeface="微软雅黑" panose="020B0503020204020204" charset="-122"/>
+                  <a:cs typeface="微软雅黑" panose="020B0503020204020204" charset="-122"/>
                 </a:rPr>
                 <a:t>使用多线程</a:t>
               </a:r>
               <a:endParaRPr lang="zh-CN" altLang="en-US" sz="1400">
-                <a:latin typeface="微软雅黑" charset="0"/>
-                <a:ea typeface="微软雅黑" charset="0"/>
-                <a:cs typeface="微软雅黑" charset="0"/>
+                <a:latin typeface="微软雅黑" panose="020B0503020204020204" charset="-122"/>
+                <a:ea typeface="微软雅黑" panose="020B0503020204020204" charset="-122"/>
+                <a:cs typeface="微软雅黑" panose="020B0503020204020204" charset="-122"/>
               </a:endParaRPr>
             </a:p>
             <a:p>
               <a:pPr algn="ctr"/>
               <a:r>
                 <a:rPr lang="en-US" altLang="zh-CN" sz="1400">
-                  <a:latin typeface="微软雅黑" charset="0"/>
-                  <a:ea typeface="微软雅黑" charset="0"/>
-                  <a:cs typeface="微软雅黑" charset="0"/>
+                  <a:latin typeface="微软雅黑" panose="020B0503020204020204" charset="-122"/>
+                  <a:ea typeface="微软雅黑" panose="020B0503020204020204" charset="-122"/>
+                  <a:cs typeface="微软雅黑" panose="020B0503020204020204" charset="-122"/>
                 </a:rPr>
                 <a:t>threading</a:t>
               </a:r>
               <a:endParaRPr lang="en-US" altLang="zh-CN" sz="1400">
-                <a:latin typeface="微软雅黑" charset="0"/>
-                <a:ea typeface="微软雅黑" charset="0"/>
-                <a:cs typeface="微软雅黑" charset="0"/>
+                <a:latin typeface="微软雅黑" panose="020B0503020204020204" charset="-122"/>
+                <a:ea typeface="微软雅黑" panose="020B0503020204020204" charset="-122"/>
+                <a:cs typeface="微软雅黑" panose="020B0503020204020204" charset="-122"/>
               </a:endParaRPr>
             </a:p>
           </p:txBody>
@@ -7089,16 +7093,16 @@
             <a:p>
               <a:r>
                 <a:rPr lang="zh-CN" altLang="en-US" sz="1400">
-                  <a:latin typeface="微软雅黑" charset="0"/>
-                  <a:ea typeface="微软雅黑" charset="0"/>
-                  <a:cs typeface="微软雅黑" charset="0"/>
+                  <a:latin typeface="微软雅黑" panose="020B0503020204020204" charset="-122"/>
+                  <a:ea typeface="微软雅黑" panose="020B0503020204020204" charset="-122"/>
+                  <a:cs typeface="微软雅黑" panose="020B0503020204020204" charset="-122"/>
                 </a:rPr>
                 <a:t>否</a:t>
               </a:r>
               <a:endParaRPr lang="zh-CN" altLang="en-US" sz="1400">
-                <a:latin typeface="微软雅黑" charset="0"/>
-                <a:ea typeface="微软雅黑" charset="0"/>
-                <a:cs typeface="微软雅黑" charset="0"/>
+                <a:latin typeface="微软雅黑" panose="020B0503020204020204" charset="-122"/>
+                <a:ea typeface="微软雅黑" panose="020B0503020204020204" charset="-122"/>
+                <a:cs typeface="微软雅黑" panose="020B0503020204020204" charset="-122"/>
               </a:endParaRPr>
             </a:p>
           </p:txBody>
@@ -7470,9 +7474,9 @@
                 <a:solidFill>
                   <a:schemeClr val="bg1"/>
                 </a:solidFill>
-                <a:latin typeface="微软雅黑" charset="0"/>
-                <a:ea typeface="微软雅黑" charset="0"/>
-                <a:cs typeface="微软雅黑" charset="0"/>
+                <a:latin typeface="微软雅黑" panose="020B0503020204020204" charset="-122"/>
+                <a:ea typeface="微软雅黑" panose="020B0503020204020204" charset="-122"/>
+                <a:cs typeface="微软雅黑" panose="020B0503020204020204" charset="-122"/>
               </a:rPr>
               <a:t>全局解释器锁GIL</a:t>
             </a:r>
@@ -7480,9 +7484,9 @@
               <a:solidFill>
                 <a:schemeClr val="bg1"/>
               </a:solidFill>
-              <a:latin typeface="微软雅黑" charset="0"/>
-              <a:ea typeface="微软雅黑" charset="0"/>
-              <a:cs typeface="微软雅黑" charset="0"/>
+              <a:latin typeface="微软雅黑" panose="020B0503020204020204" charset="-122"/>
+              <a:ea typeface="微软雅黑" panose="020B0503020204020204" charset="-122"/>
+              <a:cs typeface="微软雅黑" panose="020B0503020204020204" charset="-122"/>
             </a:endParaRPr>
           </a:p>
         </p:txBody>
@@ -7537,9 +7541,9 @@
                 <a:solidFill>
                   <a:schemeClr val="bg1"/>
                 </a:solidFill>
-                <a:latin typeface="微软雅黑" charset="0"/>
-                <a:ea typeface="微软雅黑" charset="0"/>
-                <a:cs typeface="微软雅黑" charset="0"/>
+                <a:latin typeface="微软雅黑" panose="020B0503020204020204" charset="-122"/>
+                <a:ea typeface="微软雅黑" panose="020B0503020204020204" charset="-122"/>
+                <a:cs typeface="微软雅黑" panose="020B0503020204020204" charset="-122"/>
                 <a:sym typeface="+mn-ea"/>
               </a:rPr>
               <a:t>Python</a:t>
@@ -7549,9 +7553,9 @@
                 <a:solidFill>
                   <a:schemeClr val="bg1"/>
                 </a:solidFill>
-                <a:latin typeface="微软雅黑" charset="0"/>
-                <a:ea typeface="微软雅黑" charset="0"/>
-                <a:cs typeface="微软雅黑" charset="0"/>
+                <a:latin typeface="微软雅黑" panose="020B0503020204020204" charset="-122"/>
+                <a:ea typeface="微软雅黑" panose="020B0503020204020204" charset="-122"/>
+                <a:cs typeface="微软雅黑" panose="020B0503020204020204" charset="-122"/>
                 <a:sym typeface="+mn-ea"/>
               </a:rPr>
               <a:t>被吐槽</a:t>
@@ -7561,9 +7565,9 @@
                 <a:solidFill>
                   <a:schemeClr val="bg1"/>
                 </a:solidFill>
-                <a:latin typeface="微软雅黑" charset="0"/>
-                <a:ea typeface="微软雅黑" charset="0"/>
-                <a:cs typeface="微软雅黑" charset="0"/>
+                <a:latin typeface="微软雅黑" panose="020B0503020204020204" charset="-122"/>
+                <a:ea typeface="微软雅黑" panose="020B0503020204020204" charset="-122"/>
+                <a:cs typeface="微软雅黑" panose="020B0503020204020204" charset="-122"/>
                 <a:sym typeface="+mn-ea"/>
               </a:rPr>
               <a:t>慢</a:t>
@@ -7573,9 +7577,9 @@
                 <a:solidFill>
                   <a:schemeClr val="bg1"/>
                 </a:solidFill>
-                <a:latin typeface="微软雅黑" charset="0"/>
-                <a:ea typeface="微软雅黑" charset="0"/>
-                <a:cs typeface="微软雅黑" charset="0"/>
+                <a:latin typeface="微软雅黑" panose="020B0503020204020204" charset="-122"/>
+                <a:ea typeface="微软雅黑" panose="020B0503020204020204" charset="-122"/>
+                <a:cs typeface="微软雅黑" panose="020B0503020204020204" charset="-122"/>
                 <a:sym typeface="+mn-ea"/>
               </a:rPr>
               <a:t>！</a:t>
@@ -7584,9 +7588,9 @@
               <a:solidFill>
                 <a:schemeClr val="bg1"/>
               </a:solidFill>
-              <a:latin typeface="微软雅黑" charset="0"/>
-              <a:ea typeface="微软雅黑" charset="0"/>
-              <a:cs typeface="微软雅黑" charset="0"/>
+              <a:latin typeface="微软雅黑" panose="020B0503020204020204" charset="-122"/>
+              <a:ea typeface="微软雅黑" panose="020B0503020204020204" charset="-122"/>
+              <a:cs typeface="微软雅黑" panose="020B0503020204020204" charset="-122"/>
               <a:sym typeface="+mn-ea"/>
             </a:endParaRPr>
           </a:p>
@@ -7621,9 +7625,9 @@
                 <a:solidFill>
                   <a:srgbClr val="FFC000"/>
                 </a:solidFill>
-                <a:latin typeface="微软雅黑" charset="0"/>
-                <a:ea typeface="微软雅黑" charset="0"/>
-                <a:cs typeface="微软雅黑" charset="0"/>
+                <a:latin typeface="微软雅黑" panose="020B0503020204020204" charset="-122"/>
+                <a:ea typeface="微软雅黑" panose="020B0503020204020204" charset="-122"/>
+                <a:cs typeface="微软雅黑" panose="020B0503020204020204" charset="-122"/>
                 <a:sym typeface="+mn-ea"/>
               </a:rPr>
               <a:t>头号嫌疑犯</a:t>
@@ -7632,9 +7636,9 @@
               <a:solidFill>
                 <a:srgbClr val="FFC000"/>
               </a:solidFill>
-              <a:latin typeface="微软雅黑" charset="0"/>
-              <a:ea typeface="微软雅黑" charset="0"/>
-              <a:cs typeface="微软雅黑" charset="0"/>
+              <a:latin typeface="微软雅黑" panose="020B0503020204020204" charset="-122"/>
+              <a:ea typeface="微软雅黑" panose="020B0503020204020204" charset="-122"/>
+              <a:cs typeface="微软雅黑" panose="020B0503020204020204" charset="-122"/>
               <a:sym typeface="+mn-ea"/>
             </a:endParaRPr>
           </a:p>
@@ -7738,9 +7742,9 @@
                 <a:solidFill>
                   <a:schemeClr val="bg1"/>
                 </a:solidFill>
-                <a:latin typeface="微软雅黑" charset="0"/>
-                <a:ea typeface="微软雅黑" charset="0"/>
-                <a:cs typeface="微软雅黑" charset="0"/>
+                <a:latin typeface="微软雅黑" panose="020B0503020204020204" charset="-122"/>
+                <a:ea typeface="微软雅黑" panose="020B0503020204020204" charset="-122"/>
+                <a:cs typeface="微软雅黑" panose="020B0503020204020204" charset="-122"/>
               </a:rPr>
               <a:t>全局解释器锁GIL</a:t>
             </a:r>
@@ -7748,9 +7752,9 @@
               <a:solidFill>
                 <a:schemeClr val="bg1"/>
               </a:solidFill>
-              <a:latin typeface="微软雅黑" charset="0"/>
-              <a:ea typeface="微软雅黑" charset="0"/>
-              <a:cs typeface="微软雅黑" charset="0"/>
+              <a:latin typeface="微软雅黑" panose="020B0503020204020204" charset="-122"/>
+              <a:ea typeface="微软雅黑" panose="020B0503020204020204" charset="-122"/>
+              <a:cs typeface="微软雅黑" panose="020B0503020204020204" charset="-122"/>
             </a:endParaRPr>
           </a:p>
         </p:txBody>
@@ -7805,9 +7809,9 @@
                 <a:solidFill>
                   <a:schemeClr val="bg1"/>
                 </a:solidFill>
-                <a:latin typeface="微软雅黑" charset="0"/>
-                <a:ea typeface="微软雅黑" charset="0"/>
-                <a:cs typeface="微软雅黑" charset="0"/>
+                <a:latin typeface="微软雅黑" panose="020B0503020204020204" charset="-122"/>
+                <a:ea typeface="微软雅黑" panose="020B0503020204020204" charset="-122"/>
+                <a:cs typeface="微软雅黑" panose="020B0503020204020204" charset="-122"/>
                 <a:sym typeface="+mn-ea"/>
               </a:rPr>
               <a:t>Python</a:t>
@@ -7817,9 +7821,9 @@
                 <a:solidFill>
                   <a:schemeClr val="bg1"/>
                 </a:solidFill>
-                <a:latin typeface="微软雅黑" charset="0"/>
-                <a:ea typeface="微软雅黑" charset="0"/>
-                <a:cs typeface="微软雅黑" charset="0"/>
+                <a:latin typeface="微软雅黑" panose="020B0503020204020204" charset="-122"/>
+                <a:ea typeface="微软雅黑" panose="020B0503020204020204" charset="-122"/>
+                <a:cs typeface="微软雅黑" panose="020B0503020204020204" charset="-122"/>
                 <a:sym typeface="+mn-ea"/>
               </a:rPr>
               <a:t>被吐槽</a:t>
@@ -7829,9 +7833,9 @@
                 <a:solidFill>
                   <a:schemeClr val="bg1"/>
                 </a:solidFill>
-                <a:latin typeface="微软雅黑" charset="0"/>
-                <a:ea typeface="微软雅黑" charset="0"/>
-                <a:cs typeface="微软雅黑" charset="0"/>
+                <a:latin typeface="微软雅黑" panose="020B0503020204020204" charset="-122"/>
+                <a:ea typeface="微软雅黑" panose="020B0503020204020204" charset="-122"/>
+                <a:cs typeface="微软雅黑" panose="020B0503020204020204" charset="-122"/>
                 <a:sym typeface="+mn-ea"/>
               </a:rPr>
               <a:t>慢</a:t>
@@ -7841,9 +7845,9 @@
                 <a:solidFill>
                   <a:schemeClr val="bg1"/>
                 </a:solidFill>
-                <a:latin typeface="微软雅黑" charset="0"/>
-                <a:ea typeface="微软雅黑" charset="0"/>
-                <a:cs typeface="微软雅黑" charset="0"/>
+                <a:latin typeface="微软雅黑" panose="020B0503020204020204" charset="-122"/>
+                <a:ea typeface="微软雅黑" panose="020B0503020204020204" charset="-122"/>
+                <a:cs typeface="微软雅黑" panose="020B0503020204020204" charset="-122"/>
                 <a:sym typeface="+mn-ea"/>
               </a:rPr>
               <a:t>！</a:t>
@@ -7852,9 +7856,9 @@
               <a:solidFill>
                 <a:schemeClr val="bg1"/>
               </a:solidFill>
-              <a:latin typeface="微软雅黑" charset="0"/>
-              <a:ea typeface="微软雅黑" charset="0"/>
-              <a:cs typeface="微软雅黑" charset="0"/>
+              <a:latin typeface="微软雅黑" panose="020B0503020204020204" charset="-122"/>
+              <a:ea typeface="微软雅黑" panose="020B0503020204020204" charset="-122"/>
+              <a:cs typeface="微软雅黑" panose="020B0503020204020204" charset="-122"/>
               <a:sym typeface="+mn-ea"/>
             </a:endParaRPr>
           </a:p>
@@ -7889,9 +7893,9 @@
                 <a:solidFill>
                   <a:srgbClr val="FFC000"/>
                 </a:solidFill>
-                <a:latin typeface="微软雅黑" charset="0"/>
-                <a:ea typeface="微软雅黑" charset="0"/>
-                <a:cs typeface="微软雅黑" charset="0"/>
+                <a:latin typeface="微软雅黑" panose="020B0503020204020204" charset="-122"/>
+                <a:ea typeface="微软雅黑" panose="020B0503020204020204" charset="-122"/>
+                <a:cs typeface="微软雅黑" panose="020B0503020204020204" charset="-122"/>
                 <a:sym typeface="+mn-ea"/>
               </a:rPr>
               <a:t>头号嫌疑犯</a:t>
@@ -7900,9 +7904,9 @@
               <a:solidFill>
                 <a:srgbClr val="FFC000"/>
               </a:solidFill>
-              <a:latin typeface="微软雅黑" charset="0"/>
-              <a:ea typeface="微软雅黑" charset="0"/>
-              <a:cs typeface="微软雅黑" charset="0"/>
+              <a:latin typeface="微软雅黑" panose="020B0503020204020204" charset="-122"/>
+              <a:ea typeface="微软雅黑" panose="020B0503020204020204" charset="-122"/>
+              <a:cs typeface="微软雅黑" panose="020B0503020204020204" charset="-122"/>
               <a:sym typeface="+mn-ea"/>
             </a:endParaRPr>
           </a:p>
@@ -7978,21 +7982,21 @@
               <a:lnSpc>
                 <a:spcPct val="150000"/>
               </a:lnSpc>
-              <a:buFont typeface="Arial" panose="020B0604020202090204" pitchFamily="34" charset="0"/>
+              <a:buFont typeface="Arial" panose="020B0604020202020204" pitchFamily="34" charset="0"/>
               <a:buNone/>
             </a:pPr>
             <a:r>
               <a:rPr lang="zh-CN" altLang="en-US" sz="4800">
-                <a:latin typeface="微软雅黑" charset="0"/>
-                <a:ea typeface="微软雅黑" charset="0"/>
-                <a:cs typeface="微软雅黑" charset="0"/>
+                <a:latin typeface="微软雅黑" panose="020B0503020204020204" charset="-122"/>
+                <a:ea typeface="微软雅黑" panose="020B0503020204020204" charset="-122"/>
+                <a:cs typeface="微软雅黑" panose="020B0503020204020204" charset="-122"/>
               </a:rPr>
               <a:t>本节提纲</a:t>
             </a:r>
             <a:endParaRPr lang="zh-CN" altLang="en-US" sz="4800">
-              <a:latin typeface="微软雅黑" charset="0"/>
-              <a:ea typeface="微软雅黑" charset="0"/>
-              <a:cs typeface="微软雅黑" charset="0"/>
+              <a:latin typeface="微软雅黑" panose="020B0503020204020204" charset="-122"/>
+              <a:ea typeface="微软雅黑" panose="020B0503020204020204" charset="-122"/>
+              <a:cs typeface="微软雅黑" panose="020B0503020204020204" charset="-122"/>
             </a:endParaRPr>
           </a:p>
         </p:txBody>
@@ -8031,40 +8035,40 @@
             </a:pPr>
             <a:r>
               <a:rPr lang="en-US" altLang="zh-CN" sz="3200">
-                <a:latin typeface="微软雅黑" charset="0"/>
-                <a:ea typeface="微软雅黑" charset="0"/>
-                <a:cs typeface="微软雅黑" charset="0"/>
+                <a:latin typeface="微软雅黑" panose="020B0503020204020204" charset="-122"/>
+                <a:ea typeface="微软雅黑" panose="020B0503020204020204" charset="-122"/>
+                <a:cs typeface="微软雅黑" panose="020B0503020204020204" charset="-122"/>
               </a:rPr>
               <a:t>1</a:t>
             </a:r>
             <a:r>
               <a:rPr lang="zh-CN" altLang="en-US" sz="3200">
-                <a:latin typeface="微软雅黑" charset="0"/>
-                <a:ea typeface="微软雅黑" charset="0"/>
-                <a:cs typeface="微软雅黑" charset="0"/>
+                <a:latin typeface="微软雅黑" panose="020B0503020204020204" charset="-122"/>
+                <a:ea typeface="微软雅黑" panose="020B0503020204020204" charset="-122"/>
+                <a:cs typeface="微软雅黑" panose="020B0503020204020204" charset="-122"/>
               </a:rPr>
               <a:t>、</a:t>
             </a:r>
             <a:r>
               <a:rPr lang="en-US" sz="3200">
-                <a:latin typeface="微软雅黑" charset="0"/>
-                <a:ea typeface="微软雅黑" charset="0"/>
-                <a:cs typeface="微软雅黑" charset="0"/>
+                <a:latin typeface="微软雅黑" panose="020B0503020204020204" charset="-122"/>
+                <a:ea typeface="微软雅黑" panose="020B0503020204020204" charset="-122"/>
+                <a:cs typeface="微软雅黑" panose="020B0503020204020204" charset="-122"/>
               </a:rPr>
               <a:t>Python</a:t>
             </a:r>
             <a:r>
               <a:rPr lang="zh-CN" altLang="en-US" sz="3200">
-                <a:latin typeface="微软雅黑" charset="0"/>
-                <a:ea typeface="微软雅黑" charset="0"/>
-                <a:cs typeface="微软雅黑" charset="0"/>
+                <a:latin typeface="微软雅黑" panose="020B0503020204020204" charset="-122"/>
+                <a:ea typeface="微软雅黑" panose="020B0503020204020204" charset="-122"/>
+                <a:cs typeface="微软雅黑" panose="020B0503020204020204" charset="-122"/>
               </a:rPr>
               <a:t>速度慢的两大原因</a:t>
             </a:r>
             <a:endParaRPr lang="zh-CN" altLang="en-US" sz="3200">
-              <a:latin typeface="微软雅黑" charset="0"/>
-              <a:ea typeface="微软雅黑" charset="0"/>
-              <a:cs typeface="微软雅黑" charset="0"/>
+              <a:latin typeface="微软雅黑" panose="020B0503020204020204" charset="-122"/>
+              <a:ea typeface="微软雅黑" panose="020B0503020204020204" charset="-122"/>
+              <a:cs typeface="微软雅黑" panose="020B0503020204020204" charset="-122"/>
             </a:endParaRPr>
           </a:p>
           <a:p>
@@ -8081,40 +8085,40 @@
             </a:pPr>
             <a:r>
               <a:rPr lang="en-US" altLang="zh-CN" sz="3200">
-                <a:latin typeface="微软雅黑" charset="0"/>
-                <a:ea typeface="微软雅黑" charset="0"/>
-                <a:cs typeface="微软雅黑" charset="0"/>
+                <a:latin typeface="微软雅黑" panose="020B0503020204020204" charset="-122"/>
+                <a:ea typeface="微软雅黑" panose="020B0503020204020204" charset="-122"/>
+                <a:cs typeface="微软雅黑" panose="020B0503020204020204" charset="-122"/>
               </a:rPr>
               <a:t>2</a:t>
             </a:r>
             <a:r>
               <a:rPr lang="zh-CN" altLang="en-US" sz="3200">
-                <a:latin typeface="微软雅黑" charset="0"/>
-                <a:ea typeface="微软雅黑" charset="0"/>
-                <a:cs typeface="微软雅黑" charset="0"/>
+                <a:latin typeface="微软雅黑" panose="020B0503020204020204" charset="-122"/>
+                <a:ea typeface="微软雅黑" panose="020B0503020204020204" charset="-122"/>
+                <a:cs typeface="微软雅黑" panose="020B0503020204020204" charset="-122"/>
               </a:rPr>
               <a:t>、</a:t>
             </a:r>
             <a:r>
               <a:rPr lang="en-US" altLang="zh-CN" sz="3200">
-                <a:latin typeface="微软雅黑" charset="0"/>
-                <a:ea typeface="微软雅黑" charset="0"/>
-                <a:cs typeface="微软雅黑" charset="0"/>
+                <a:latin typeface="微软雅黑" panose="020B0503020204020204" charset="-122"/>
+                <a:ea typeface="微软雅黑" panose="020B0503020204020204" charset="-122"/>
+                <a:cs typeface="微软雅黑" panose="020B0503020204020204" charset="-122"/>
               </a:rPr>
               <a:t>GIL</a:t>
             </a:r>
             <a:r>
               <a:rPr lang="zh-CN" altLang="en-US" sz="3200">
-                <a:latin typeface="微软雅黑" charset="0"/>
-                <a:ea typeface="微软雅黑" charset="0"/>
-                <a:cs typeface="微软雅黑" charset="0"/>
+                <a:latin typeface="微软雅黑" panose="020B0503020204020204" charset="-122"/>
+                <a:ea typeface="微软雅黑" panose="020B0503020204020204" charset="-122"/>
+                <a:cs typeface="微软雅黑" panose="020B0503020204020204" charset="-122"/>
               </a:rPr>
               <a:t>是什么？</a:t>
             </a:r>
             <a:endParaRPr lang="zh-CN" altLang="en-US" sz="3200">
-              <a:latin typeface="微软雅黑" charset="0"/>
-              <a:ea typeface="微软雅黑" charset="0"/>
-              <a:cs typeface="微软雅黑" charset="0"/>
+              <a:latin typeface="微软雅黑" panose="020B0503020204020204" charset="-122"/>
+              <a:ea typeface="微软雅黑" panose="020B0503020204020204" charset="-122"/>
+              <a:cs typeface="微软雅黑" panose="020B0503020204020204" charset="-122"/>
             </a:endParaRPr>
           </a:p>
           <a:p>
@@ -8131,40 +8135,40 @@
             </a:pPr>
             <a:r>
               <a:rPr lang="en-US" altLang="zh-CN" sz="3200">
-                <a:latin typeface="微软雅黑" charset="0"/>
-                <a:ea typeface="微软雅黑" charset="0"/>
-                <a:cs typeface="微软雅黑" charset="0"/>
+                <a:latin typeface="微软雅黑" panose="020B0503020204020204" charset="-122"/>
+                <a:ea typeface="微软雅黑" panose="020B0503020204020204" charset="-122"/>
+                <a:cs typeface="微软雅黑" panose="020B0503020204020204" charset="-122"/>
               </a:rPr>
               <a:t>3</a:t>
             </a:r>
             <a:r>
               <a:rPr lang="zh-CN" altLang="en-US" sz="3200">
-                <a:latin typeface="微软雅黑" charset="0"/>
-                <a:ea typeface="微软雅黑" charset="0"/>
-                <a:cs typeface="微软雅黑" charset="0"/>
+                <a:latin typeface="微软雅黑" panose="020B0503020204020204" charset="-122"/>
+                <a:ea typeface="微软雅黑" panose="020B0503020204020204" charset="-122"/>
+                <a:cs typeface="微软雅黑" panose="020B0503020204020204" charset="-122"/>
               </a:rPr>
               <a:t>、为什么有</a:t>
             </a:r>
             <a:r>
               <a:rPr lang="en-US" altLang="zh-CN" sz="3200">
-                <a:latin typeface="微软雅黑" charset="0"/>
-                <a:ea typeface="微软雅黑" charset="0"/>
-                <a:cs typeface="微软雅黑" charset="0"/>
+                <a:latin typeface="微软雅黑" panose="020B0503020204020204" charset="-122"/>
+                <a:ea typeface="微软雅黑" panose="020B0503020204020204" charset="-122"/>
+                <a:cs typeface="微软雅黑" panose="020B0503020204020204" charset="-122"/>
               </a:rPr>
               <a:t>GIL</a:t>
             </a:r>
             <a:r>
               <a:rPr lang="zh-CN" altLang="en-US" sz="3200">
-                <a:latin typeface="微软雅黑" charset="0"/>
-                <a:ea typeface="微软雅黑" charset="0"/>
-                <a:cs typeface="微软雅黑" charset="0"/>
+                <a:latin typeface="微软雅黑" panose="020B0503020204020204" charset="-122"/>
+                <a:ea typeface="微软雅黑" panose="020B0503020204020204" charset="-122"/>
+                <a:cs typeface="微软雅黑" panose="020B0503020204020204" charset="-122"/>
               </a:rPr>
               <a:t>这个东西？</a:t>
             </a:r>
             <a:endParaRPr lang="zh-CN" altLang="en-US" sz="3200">
-              <a:latin typeface="微软雅黑" charset="0"/>
-              <a:ea typeface="微软雅黑" charset="0"/>
-              <a:cs typeface="微软雅黑" charset="0"/>
+              <a:latin typeface="微软雅黑" panose="020B0503020204020204" charset="-122"/>
+              <a:ea typeface="微软雅黑" panose="020B0503020204020204" charset="-122"/>
+              <a:cs typeface="微软雅黑" panose="020B0503020204020204" charset="-122"/>
             </a:endParaRPr>
           </a:p>
           <a:p>
@@ -8181,40 +8185,40 @@
             </a:pPr>
             <a:r>
               <a:rPr lang="en-US" altLang="zh-CN" sz="3200">
-                <a:latin typeface="微软雅黑" charset="0"/>
-                <a:ea typeface="微软雅黑" charset="0"/>
-                <a:cs typeface="微软雅黑" charset="0"/>
+                <a:latin typeface="微软雅黑" panose="020B0503020204020204" charset="-122"/>
+                <a:ea typeface="微软雅黑" panose="020B0503020204020204" charset="-122"/>
+                <a:cs typeface="微软雅黑" panose="020B0503020204020204" charset="-122"/>
               </a:rPr>
               <a:t>4</a:t>
             </a:r>
             <a:r>
               <a:rPr lang="zh-CN" altLang="en-US" sz="3200">
-                <a:latin typeface="微软雅黑" charset="0"/>
-                <a:ea typeface="微软雅黑" charset="0"/>
-                <a:cs typeface="微软雅黑" charset="0"/>
+                <a:latin typeface="微软雅黑" panose="020B0503020204020204" charset="-122"/>
+                <a:ea typeface="微软雅黑" panose="020B0503020204020204" charset="-122"/>
+                <a:cs typeface="微软雅黑" panose="020B0503020204020204" charset="-122"/>
               </a:rPr>
               <a:t>、怎样规避</a:t>
             </a:r>
             <a:r>
               <a:rPr lang="en-US" altLang="zh-CN" sz="3200">
-                <a:latin typeface="微软雅黑" charset="0"/>
-                <a:ea typeface="微软雅黑" charset="0"/>
-                <a:cs typeface="微软雅黑" charset="0"/>
+                <a:latin typeface="微软雅黑" panose="020B0503020204020204" charset="-122"/>
+                <a:ea typeface="微软雅黑" panose="020B0503020204020204" charset="-122"/>
+                <a:cs typeface="微软雅黑" panose="020B0503020204020204" charset="-122"/>
               </a:rPr>
               <a:t>GIL</a:t>
             </a:r>
             <a:r>
               <a:rPr lang="zh-CN" altLang="en-US" sz="3200">
-                <a:latin typeface="微软雅黑" charset="0"/>
-                <a:ea typeface="微软雅黑" charset="0"/>
-                <a:cs typeface="微软雅黑" charset="0"/>
+                <a:latin typeface="微软雅黑" panose="020B0503020204020204" charset="-122"/>
+                <a:ea typeface="微软雅黑" panose="020B0503020204020204" charset="-122"/>
+                <a:cs typeface="微软雅黑" panose="020B0503020204020204" charset="-122"/>
               </a:rPr>
               <a:t>带来的限制？</a:t>
             </a:r>
             <a:endParaRPr lang="zh-CN" altLang="en-US" sz="3200">
-              <a:latin typeface="微软雅黑" charset="0"/>
-              <a:ea typeface="微软雅黑" charset="0"/>
-              <a:cs typeface="微软雅黑" charset="0"/>
+              <a:latin typeface="微软雅黑" panose="020B0503020204020204" charset="-122"/>
+              <a:ea typeface="微软雅黑" panose="020B0503020204020204" charset="-122"/>
+              <a:cs typeface="微软雅黑" panose="020B0503020204020204" charset="-122"/>
             </a:endParaRPr>
           </a:p>
         </p:txBody>
@@ -8269,7 +8273,7 @@
               <a:lnSpc>
                 <a:spcPct val="150000"/>
               </a:lnSpc>
-              <a:buFont typeface="Arial" panose="020B0604020202090204" pitchFamily="34" charset="0"/>
+              <a:buFont typeface="Arial" panose="020B0604020202020204" pitchFamily="34" charset="0"/>
               <a:buNone/>
             </a:pPr>
             <a:r>
@@ -8277,9 +8281,9 @@
                 <a:solidFill>
                   <a:srgbClr val="0070C0"/>
                 </a:solidFill>
-                <a:latin typeface="微软雅黑" charset="0"/>
-                <a:ea typeface="微软雅黑" charset="0"/>
-                <a:cs typeface="微软雅黑" charset="0"/>
+                <a:latin typeface="微软雅黑" panose="020B0503020204020204" charset="-122"/>
+                <a:ea typeface="微软雅黑" panose="020B0503020204020204" charset="-122"/>
+                <a:cs typeface="微软雅黑" panose="020B0503020204020204" charset="-122"/>
                 <a:sym typeface="+mn-ea"/>
               </a:rPr>
               <a:t>1</a:t>
@@ -8289,9 +8293,9 @@
                 <a:solidFill>
                   <a:srgbClr val="0070C0"/>
                 </a:solidFill>
-                <a:latin typeface="微软雅黑" charset="0"/>
-                <a:ea typeface="微软雅黑" charset="0"/>
-                <a:cs typeface="微软雅黑" charset="0"/>
+                <a:latin typeface="微软雅黑" panose="020B0503020204020204" charset="-122"/>
+                <a:ea typeface="微软雅黑" panose="020B0503020204020204" charset="-122"/>
+                <a:cs typeface="微软雅黑" panose="020B0503020204020204" charset="-122"/>
                 <a:sym typeface="+mn-ea"/>
               </a:rPr>
               <a:t>、</a:t>
@@ -8301,9 +8305,9 @@
                 <a:solidFill>
                   <a:srgbClr val="0070C0"/>
                 </a:solidFill>
-                <a:latin typeface="微软雅黑" charset="0"/>
-                <a:ea typeface="微软雅黑" charset="0"/>
-                <a:cs typeface="微软雅黑" charset="0"/>
+                <a:latin typeface="微软雅黑" panose="020B0503020204020204" charset="-122"/>
+                <a:ea typeface="微软雅黑" panose="020B0503020204020204" charset="-122"/>
+                <a:cs typeface="微软雅黑" panose="020B0503020204020204" charset="-122"/>
                 <a:sym typeface="+mn-ea"/>
               </a:rPr>
               <a:t>Python</a:t>
@@ -8313,9 +8317,9 @@
                 <a:solidFill>
                   <a:srgbClr val="0070C0"/>
                 </a:solidFill>
-                <a:latin typeface="微软雅黑" charset="0"/>
-                <a:ea typeface="微软雅黑" charset="0"/>
-                <a:cs typeface="微软雅黑" charset="0"/>
+                <a:latin typeface="微软雅黑" panose="020B0503020204020204" charset="-122"/>
+                <a:ea typeface="微软雅黑" panose="020B0503020204020204" charset="-122"/>
+                <a:cs typeface="微软雅黑" panose="020B0503020204020204" charset="-122"/>
                 <a:sym typeface="+mn-ea"/>
               </a:rPr>
               <a:t>速度慢的两大原因</a:t>
@@ -8324,9 +8328,9 @@
               <a:solidFill>
                 <a:srgbClr val="0070C0"/>
               </a:solidFill>
-              <a:latin typeface="微软雅黑" charset="0"/>
-              <a:ea typeface="微软雅黑" charset="0"/>
-              <a:cs typeface="微软雅黑" charset="0"/>
+              <a:latin typeface="微软雅黑" panose="020B0503020204020204" charset="-122"/>
+              <a:ea typeface="微软雅黑" panose="020B0503020204020204" charset="-122"/>
+              <a:cs typeface="微软雅黑" panose="020B0503020204020204" charset="-122"/>
               <a:sym typeface="+mn-ea"/>
             </a:endParaRPr>
           </a:p>
@@ -9080,7 +9084,7 @@
               <a:lnSpc>
                 <a:spcPct val="150000"/>
               </a:lnSpc>
-              <a:buFont typeface="Arial" panose="020B0604020202090204" pitchFamily="34" charset="0"/>
+              <a:buFont typeface="Arial" panose="020B0604020202020204" pitchFamily="34" charset="0"/>
               <a:buNone/>
             </a:pPr>
             <a:r>
@@ -9088,9 +9092,9 @@
                 <a:solidFill>
                   <a:srgbClr val="0070C0"/>
                 </a:solidFill>
-                <a:latin typeface="微软雅黑" charset="0"/>
-                <a:ea typeface="微软雅黑" charset="0"/>
-                <a:cs typeface="微软雅黑" charset="0"/>
+                <a:latin typeface="微软雅黑" panose="020B0503020204020204" charset="-122"/>
+                <a:ea typeface="微软雅黑" panose="020B0503020204020204" charset="-122"/>
+                <a:cs typeface="微软雅黑" panose="020B0503020204020204" charset="-122"/>
                 <a:sym typeface="+mn-ea"/>
               </a:rPr>
               <a:t>2</a:t>
@@ -9100,9 +9104,9 @@
                 <a:solidFill>
                   <a:srgbClr val="0070C0"/>
                 </a:solidFill>
-                <a:latin typeface="微软雅黑" charset="0"/>
-                <a:ea typeface="微软雅黑" charset="0"/>
-                <a:cs typeface="微软雅黑" charset="0"/>
+                <a:latin typeface="微软雅黑" panose="020B0503020204020204" charset="-122"/>
+                <a:ea typeface="微软雅黑" panose="020B0503020204020204" charset="-122"/>
+                <a:cs typeface="微软雅黑" panose="020B0503020204020204" charset="-122"/>
                 <a:sym typeface="+mn-ea"/>
               </a:rPr>
               <a:t>、</a:t>
@@ -9112,9 +9116,9 @@
                 <a:solidFill>
                   <a:srgbClr val="0070C0"/>
                 </a:solidFill>
-                <a:latin typeface="微软雅黑" charset="0"/>
-                <a:ea typeface="微软雅黑" charset="0"/>
-                <a:cs typeface="微软雅黑" charset="0"/>
+                <a:latin typeface="微软雅黑" panose="020B0503020204020204" charset="-122"/>
+                <a:ea typeface="微软雅黑" panose="020B0503020204020204" charset="-122"/>
+                <a:cs typeface="微软雅黑" panose="020B0503020204020204" charset="-122"/>
                 <a:sym typeface="+mn-ea"/>
               </a:rPr>
               <a:t>GIL </a:t>
@@ -9124,9 +9128,9 @@
                 <a:solidFill>
                   <a:srgbClr val="0070C0"/>
                 </a:solidFill>
-                <a:latin typeface="微软雅黑" charset="0"/>
-                <a:ea typeface="微软雅黑" charset="0"/>
-                <a:cs typeface="微软雅黑" charset="0"/>
+                <a:latin typeface="微软雅黑" panose="020B0503020204020204" charset="-122"/>
+                <a:ea typeface="微软雅黑" panose="020B0503020204020204" charset="-122"/>
+                <a:cs typeface="微软雅黑" panose="020B0503020204020204" charset="-122"/>
                 <a:sym typeface="+mn-ea"/>
               </a:rPr>
               <a:t>是什么？</a:t>
@@ -9135,9 +9139,9 @@
               <a:solidFill>
                 <a:srgbClr val="0070C0"/>
               </a:solidFill>
-              <a:latin typeface="微软雅黑" charset="0"/>
-              <a:ea typeface="微软雅黑" charset="0"/>
-              <a:cs typeface="微软雅黑" charset="0"/>
+              <a:latin typeface="微软雅黑" panose="020B0503020204020204" charset="-122"/>
+              <a:ea typeface="微软雅黑" panose="020B0503020204020204" charset="-122"/>
+              <a:cs typeface="微软雅黑" panose="020B0503020204020204" charset="-122"/>
               <a:sym typeface="+mn-ea"/>
             </a:endParaRPr>
           </a:p>
@@ -9583,7 +9587,7 @@
               <a:lnSpc>
                 <a:spcPct val="150000"/>
               </a:lnSpc>
-              <a:buFont typeface="Arial" panose="020B0604020202090204" pitchFamily="34" charset="0"/>
+              <a:buFont typeface="Arial" panose="020B0604020202020204" pitchFamily="34" charset="0"/>
               <a:buNone/>
             </a:pPr>
             <a:r>
@@ -9591,9 +9595,9 @@
                 <a:solidFill>
                   <a:srgbClr val="0070C0"/>
                 </a:solidFill>
-                <a:latin typeface="微软雅黑" charset="0"/>
-                <a:ea typeface="微软雅黑" charset="0"/>
-                <a:cs typeface="微软雅黑" charset="0"/>
+                <a:latin typeface="微软雅黑" panose="020B0503020204020204" charset="-122"/>
+                <a:ea typeface="微软雅黑" panose="020B0503020204020204" charset="-122"/>
+                <a:cs typeface="微软雅黑" panose="020B0503020204020204" charset="-122"/>
                 <a:sym typeface="+mn-ea"/>
               </a:rPr>
               <a:t>3</a:t>
@@ -9603,9 +9607,9 @@
                 <a:solidFill>
                   <a:srgbClr val="0070C0"/>
                 </a:solidFill>
-                <a:latin typeface="微软雅黑" charset="0"/>
-                <a:ea typeface="微软雅黑" charset="0"/>
-                <a:cs typeface="微软雅黑" charset="0"/>
+                <a:latin typeface="微软雅黑" panose="020B0503020204020204" charset="-122"/>
+                <a:ea typeface="微软雅黑" panose="020B0503020204020204" charset="-122"/>
+                <a:cs typeface="微软雅黑" panose="020B0503020204020204" charset="-122"/>
                 <a:sym typeface="+mn-ea"/>
               </a:rPr>
               <a:t>、为什么有</a:t>
@@ -9615,9 +9619,9 @@
                 <a:solidFill>
                   <a:srgbClr val="0070C0"/>
                 </a:solidFill>
-                <a:latin typeface="微软雅黑" charset="0"/>
-                <a:ea typeface="微软雅黑" charset="0"/>
-                <a:cs typeface="微软雅黑" charset="0"/>
+                <a:latin typeface="微软雅黑" panose="020B0503020204020204" charset="-122"/>
+                <a:ea typeface="微软雅黑" panose="020B0503020204020204" charset="-122"/>
+                <a:cs typeface="微软雅黑" panose="020B0503020204020204" charset="-122"/>
                 <a:sym typeface="+mn-ea"/>
               </a:rPr>
               <a:t>GIL</a:t>
@@ -9627,9 +9631,9 @@
                 <a:solidFill>
                   <a:srgbClr val="0070C0"/>
                 </a:solidFill>
-                <a:latin typeface="微软雅黑" charset="0"/>
-                <a:ea typeface="微软雅黑" charset="0"/>
-                <a:cs typeface="微软雅黑" charset="0"/>
+                <a:latin typeface="微软雅黑" panose="020B0503020204020204" charset="-122"/>
+                <a:ea typeface="微软雅黑" panose="020B0503020204020204" charset="-122"/>
+                <a:cs typeface="微软雅黑" panose="020B0503020204020204" charset="-122"/>
                 <a:sym typeface="+mn-ea"/>
               </a:rPr>
               <a:t>这个东西？</a:t>
@@ -9638,9 +9642,9 @@
               <a:solidFill>
                 <a:srgbClr val="0070C0"/>
               </a:solidFill>
-              <a:latin typeface="微软雅黑" charset="0"/>
-              <a:ea typeface="微软雅黑" charset="0"/>
-              <a:cs typeface="微软雅黑" charset="0"/>
+              <a:latin typeface="微软雅黑" panose="020B0503020204020204" charset="-122"/>
+              <a:ea typeface="微软雅黑" panose="020B0503020204020204" charset="-122"/>
+              <a:cs typeface="微软雅黑" panose="020B0503020204020204" charset="-122"/>
               <a:sym typeface="+mn-ea"/>
             </a:endParaRPr>
           </a:p>
@@ -11399,7 +11403,7 @@
               <a:lnSpc>
                 <a:spcPct val="150000"/>
               </a:lnSpc>
-              <a:buFont typeface="Arial" panose="020B0604020202090204" pitchFamily="34" charset="0"/>
+              <a:buFont typeface="Arial" panose="020B0604020202020204" pitchFamily="34" charset="0"/>
               <a:buNone/>
             </a:pPr>
             <a:r>
@@ -11407,9 +11411,9 @@
                 <a:solidFill>
                   <a:srgbClr val="0070C0"/>
                 </a:solidFill>
-                <a:latin typeface="微软雅黑" charset="0"/>
-                <a:ea typeface="微软雅黑" charset="0"/>
-                <a:cs typeface="微软雅黑" charset="0"/>
+                <a:latin typeface="微软雅黑" panose="020B0503020204020204" charset="-122"/>
+                <a:ea typeface="微软雅黑" panose="020B0503020204020204" charset="-122"/>
+                <a:cs typeface="微软雅黑" panose="020B0503020204020204" charset="-122"/>
                 <a:sym typeface="+mn-ea"/>
               </a:rPr>
               <a:t>4</a:t>
@@ -11419,9 +11423,9 @@
                 <a:solidFill>
                   <a:srgbClr val="0070C0"/>
                 </a:solidFill>
-                <a:latin typeface="微软雅黑" charset="0"/>
-                <a:ea typeface="微软雅黑" charset="0"/>
-                <a:cs typeface="微软雅黑" charset="0"/>
+                <a:latin typeface="微软雅黑" panose="020B0503020204020204" charset="-122"/>
+                <a:ea typeface="微软雅黑" panose="020B0503020204020204" charset="-122"/>
+                <a:cs typeface="微软雅黑" panose="020B0503020204020204" charset="-122"/>
                 <a:sym typeface="+mn-ea"/>
               </a:rPr>
               <a:t>、怎样规避</a:t>
@@ -11431,9 +11435,9 @@
                 <a:solidFill>
                   <a:srgbClr val="0070C0"/>
                 </a:solidFill>
-                <a:latin typeface="微软雅黑" charset="0"/>
-                <a:ea typeface="微软雅黑" charset="0"/>
-                <a:cs typeface="微软雅黑" charset="0"/>
+                <a:latin typeface="微软雅黑" panose="020B0503020204020204" charset="-122"/>
+                <a:ea typeface="微软雅黑" panose="020B0503020204020204" charset="-122"/>
+                <a:cs typeface="微软雅黑" panose="020B0503020204020204" charset="-122"/>
                 <a:sym typeface="+mn-ea"/>
               </a:rPr>
               <a:t>GIL</a:t>
@@ -11443,9 +11447,9 @@
                 <a:solidFill>
                   <a:srgbClr val="0070C0"/>
                 </a:solidFill>
-                <a:latin typeface="微软雅黑" charset="0"/>
-                <a:ea typeface="微软雅黑" charset="0"/>
-                <a:cs typeface="微软雅黑" charset="0"/>
+                <a:latin typeface="微软雅黑" panose="020B0503020204020204" charset="-122"/>
+                <a:ea typeface="微软雅黑" panose="020B0503020204020204" charset="-122"/>
+                <a:cs typeface="微软雅黑" panose="020B0503020204020204" charset="-122"/>
                 <a:sym typeface="+mn-ea"/>
               </a:rPr>
               <a:t>带来的限制？</a:t>
@@ -11454,9 +11458,9 @@
               <a:solidFill>
                 <a:srgbClr val="0070C0"/>
               </a:solidFill>
-              <a:latin typeface="微软雅黑" charset="0"/>
-              <a:ea typeface="微软雅黑" charset="0"/>
-              <a:cs typeface="微软雅黑" charset="0"/>
+              <a:latin typeface="微软雅黑" panose="020B0503020204020204" charset="-122"/>
+              <a:ea typeface="微软雅黑" panose="020B0503020204020204" charset="-122"/>
+              <a:cs typeface="微软雅黑" panose="020B0503020204020204" charset="-122"/>
               <a:sym typeface="+mn-ea"/>
             </a:endParaRPr>
           </a:p>
@@ -11881,9 +11885,9 @@
                 <a:solidFill>
                   <a:schemeClr val="bg1"/>
                 </a:solidFill>
-                <a:latin typeface="微软雅黑" charset="0"/>
-                <a:ea typeface="微软雅黑" charset="0"/>
-                <a:cs typeface="微软雅黑" charset="0"/>
+                <a:latin typeface="微软雅黑" panose="020B0503020204020204" charset="-122"/>
+                <a:ea typeface="微软雅黑" panose="020B0503020204020204" charset="-122"/>
+                <a:cs typeface="微软雅黑" panose="020B0503020204020204" charset="-122"/>
               </a:rPr>
               <a:t>Python </a:t>
             </a:r>
@@ -11892,9 +11896,9 @@
                 <a:solidFill>
                   <a:schemeClr val="bg1"/>
                 </a:solidFill>
-                <a:latin typeface="微软雅黑" charset="0"/>
-                <a:ea typeface="微软雅黑" charset="0"/>
-                <a:cs typeface="微软雅黑" charset="0"/>
+                <a:latin typeface="微软雅黑" panose="020B0503020204020204" charset="-122"/>
+                <a:ea typeface="微软雅黑" panose="020B0503020204020204" charset="-122"/>
+                <a:cs typeface="微软雅黑" panose="020B0503020204020204" charset="-122"/>
               </a:rPr>
             </a:br>
             <a:r>
@@ -11902,9 +11906,9 @@
                 <a:solidFill>
                   <a:schemeClr val="bg1"/>
                 </a:solidFill>
-                <a:latin typeface="微软雅黑" charset="0"/>
-                <a:ea typeface="微软雅黑" charset="0"/>
-                <a:cs typeface="微软雅黑" charset="0"/>
+                <a:latin typeface="微软雅黑" panose="020B0503020204020204" charset="-122"/>
+                <a:ea typeface="微软雅黑" panose="020B0503020204020204" charset="-122"/>
+                <a:cs typeface="微软雅黑" panose="020B0503020204020204" charset="-122"/>
               </a:rPr>
               <a:t>利用 多线程</a:t>
             </a:r>
@@ -11913,9 +11917,9 @@
                 <a:solidFill>
                   <a:schemeClr val="bg1"/>
                 </a:solidFill>
-                <a:latin typeface="微软雅黑" charset="0"/>
-                <a:ea typeface="微软雅黑" charset="0"/>
-                <a:cs typeface="微软雅黑" charset="0"/>
+                <a:latin typeface="微软雅黑" panose="020B0503020204020204" charset="-122"/>
+                <a:ea typeface="微软雅黑" panose="020B0503020204020204" charset="-122"/>
+                <a:cs typeface="微软雅黑" panose="020B0503020204020204" charset="-122"/>
               </a:rPr>
             </a:br>
             <a:r>
@@ -11923,9 +11927,9 @@
                 <a:solidFill>
                   <a:schemeClr val="bg1"/>
                 </a:solidFill>
-                <a:latin typeface="微软雅黑" charset="0"/>
-                <a:ea typeface="微软雅黑" charset="0"/>
-                <a:cs typeface="微软雅黑" charset="0"/>
+                <a:latin typeface="微软雅黑" panose="020B0503020204020204" charset="-122"/>
+                <a:ea typeface="微软雅黑" panose="020B0503020204020204" charset="-122"/>
+                <a:cs typeface="微软雅黑" panose="020B0503020204020204" charset="-122"/>
               </a:rPr>
               <a:t>加速爬虫</a:t>
             </a:r>
@@ -11934,9 +11938,9 @@
                 <a:solidFill>
                   <a:schemeClr val="bg1"/>
                 </a:solidFill>
-                <a:latin typeface="微软雅黑" charset="0"/>
-                <a:ea typeface="微软雅黑" charset="0"/>
-                <a:cs typeface="微软雅黑" charset="0"/>
+                <a:latin typeface="微软雅黑" panose="020B0503020204020204" charset="-122"/>
+                <a:ea typeface="微软雅黑" panose="020B0503020204020204" charset="-122"/>
+                <a:cs typeface="微软雅黑" panose="020B0503020204020204" charset="-122"/>
               </a:rPr>
               <a:t>10</a:t>
             </a:r>
@@ -11945,9 +11949,9 @@
                 <a:solidFill>
                   <a:schemeClr val="bg1"/>
                 </a:solidFill>
-                <a:latin typeface="微软雅黑" charset="0"/>
-                <a:ea typeface="微软雅黑" charset="0"/>
-                <a:cs typeface="微软雅黑" charset="0"/>
+                <a:latin typeface="微软雅黑" panose="020B0503020204020204" charset="-122"/>
+                <a:ea typeface="微软雅黑" panose="020B0503020204020204" charset="-122"/>
+                <a:cs typeface="微软雅黑" panose="020B0503020204020204" charset="-122"/>
               </a:rPr>
               <a:t>倍！</a:t>
             </a:r>
@@ -11955,9 +11959,9 @@
               <a:solidFill>
                 <a:schemeClr val="bg1"/>
               </a:solidFill>
-              <a:latin typeface="微软雅黑" charset="0"/>
-              <a:ea typeface="微软雅黑" charset="0"/>
-              <a:cs typeface="微软雅黑" charset="0"/>
+              <a:latin typeface="微软雅黑" panose="020B0503020204020204" charset="-122"/>
+              <a:ea typeface="微软雅黑" panose="020B0503020204020204" charset="-122"/>
+              <a:cs typeface="微软雅黑" panose="020B0503020204020204" charset="-122"/>
             </a:endParaRPr>
           </a:p>
         </p:txBody>
@@ -12032,21 +12036,21 @@
               <a:lnSpc>
                 <a:spcPct val="150000"/>
               </a:lnSpc>
-              <a:buFont typeface="Arial" panose="020B0604020202090204" pitchFamily="34" charset="0"/>
+              <a:buFont typeface="Arial" panose="020B0604020202020204" pitchFamily="34" charset="0"/>
               <a:buNone/>
             </a:pPr>
             <a:r>
               <a:rPr lang="zh-CN" altLang="en-US" sz="4800">
-                <a:latin typeface="微软雅黑" charset="0"/>
-                <a:ea typeface="微软雅黑" charset="0"/>
-                <a:cs typeface="微软雅黑" charset="0"/>
+                <a:latin typeface="微软雅黑" panose="020B0503020204020204" charset="-122"/>
+                <a:ea typeface="微软雅黑" panose="020B0503020204020204" charset="-122"/>
+                <a:cs typeface="微软雅黑" panose="020B0503020204020204" charset="-122"/>
               </a:rPr>
               <a:t>本节提纲</a:t>
             </a:r>
             <a:endParaRPr lang="zh-CN" altLang="en-US" sz="4800">
-              <a:latin typeface="微软雅黑" charset="0"/>
-              <a:ea typeface="微软雅黑" charset="0"/>
-              <a:cs typeface="微软雅黑" charset="0"/>
+              <a:latin typeface="微软雅黑" panose="020B0503020204020204" charset="-122"/>
+              <a:ea typeface="微软雅黑" panose="020B0503020204020204" charset="-122"/>
+              <a:cs typeface="微软雅黑" panose="020B0503020204020204" charset="-122"/>
             </a:endParaRPr>
           </a:p>
         </p:txBody>
@@ -12074,100 +12078,100 @@
           <a:p>
             <a:r>
               <a:rPr lang="en-US" altLang="zh-CN" sz="3200">
-                <a:latin typeface="微软雅黑" charset="0"/>
-                <a:ea typeface="微软雅黑" charset="0"/>
-                <a:cs typeface="微软雅黑" charset="0"/>
+                <a:latin typeface="微软雅黑" panose="020B0503020204020204" charset="-122"/>
+                <a:ea typeface="微软雅黑" panose="020B0503020204020204" charset="-122"/>
+                <a:cs typeface="微软雅黑" panose="020B0503020204020204" charset="-122"/>
               </a:rPr>
               <a:t>1</a:t>
             </a:r>
             <a:r>
               <a:rPr lang="zh-CN" altLang="en-US" sz="3200">
-                <a:latin typeface="微软雅黑" charset="0"/>
-                <a:ea typeface="微软雅黑" charset="0"/>
-                <a:cs typeface="微软雅黑" charset="0"/>
+                <a:latin typeface="微软雅黑" panose="020B0503020204020204" charset="-122"/>
+                <a:ea typeface="微软雅黑" panose="020B0503020204020204" charset="-122"/>
+                <a:cs typeface="微软雅黑" panose="020B0503020204020204" charset="-122"/>
               </a:rPr>
               <a:t>、为什么要引入并发编程？</a:t>
             </a:r>
             <a:endParaRPr lang="zh-CN" altLang="en-US" sz="3200">
-              <a:latin typeface="微软雅黑" charset="0"/>
-              <a:ea typeface="微软雅黑" charset="0"/>
-              <a:cs typeface="微软雅黑" charset="0"/>
+              <a:latin typeface="微软雅黑" panose="020B0503020204020204" charset="-122"/>
+              <a:ea typeface="微软雅黑" panose="020B0503020204020204" charset="-122"/>
+              <a:cs typeface="微软雅黑" panose="020B0503020204020204" charset="-122"/>
             </a:endParaRPr>
           </a:p>
           <a:p>
             <a:endParaRPr lang="zh-CN" altLang="en-US" sz="3200">
-              <a:latin typeface="微软雅黑" charset="0"/>
-              <a:ea typeface="微软雅黑" charset="0"/>
-              <a:cs typeface="微软雅黑" charset="0"/>
+              <a:latin typeface="微软雅黑" panose="020B0503020204020204" charset="-122"/>
+              <a:ea typeface="微软雅黑" panose="020B0503020204020204" charset="-122"/>
+              <a:cs typeface="微软雅黑" panose="020B0503020204020204" charset="-122"/>
             </a:endParaRPr>
           </a:p>
           <a:p>
             <a:r>
               <a:rPr lang="en-US" altLang="zh-CN" sz="3200">
-                <a:latin typeface="微软雅黑" charset="0"/>
-                <a:ea typeface="微软雅黑" charset="0"/>
-                <a:cs typeface="微软雅黑" charset="0"/>
+                <a:latin typeface="微软雅黑" panose="020B0503020204020204" charset="-122"/>
+                <a:ea typeface="微软雅黑" panose="020B0503020204020204" charset="-122"/>
+                <a:cs typeface="微软雅黑" panose="020B0503020204020204" charset="-122"/>
               </a:rPr>
               <a:t>2</a:t>
             </a:r>
             <a:r>
               <a:rPr lang="zh-CN" altLang="en-US" sz="3200">
-                <a:latin typeface="微软雅黑" charset="0"/>
-                <a:ea typeface="微软雅黑" charset="0"/>
-                <a:cs typeface="微软雅黑" charset="0"/>
+                <a:latin typeface="微软雅黑" panose="020B0503020204020204" charset="-122"/>
+                <a:ea typeface="微软雅黑" panose="020B0503020204020204" charset="-122"/>
+                <a:cs typeface="微软雅黑" panose="020B0503020204020204" charset="-122"/>
               </a:rPr>
               <a:t>、有哪些程序提速的方法</a:t>
             </a:r>
             <a:endParaRPr lang="zh-CN" altLang="en-US" sz="3200">
-              <a:latin typeface="微软雅黑" charset="0"/>
-              <a:ea typeface="微软雅黑" charset="0"/>
-              <a:cs typeface="微软雅黑" charset="0"/>
+              <a:latin typeface="微软雅黑" panose="020B0503020204020204" charset="-122"/>
+              <a:ea typeface="微软雅黑" panose="020B0503020204020204" charset="-122"/>
+              <a:cs typeface="微软雅黑" panose="020B0503020204020204" charset="-122"/>
             </a:endParaRPr>
           </a:p>
           <a:p>
             <a:endParaRPr lang="zh-CN" altLang="en-US" sz="3200">
-              <a:latin typeface="微软雅黑" charset="0"/>
-              <a:ea typeface="微软雅黑" charset="0"/>
-              <a:cs typeface="微软雅黑" charset="0"/>
+              <a:latin typeface="微软雅黑" panose="020B0503020204020204" charset="-122"/>
+              <a:ea typeface="微软雅黑" panose="020B0503020204020204" charset="-122"/>
+              <a:cs typeface="微软雅黑" panose="020B0503020204020204" charset="-122"/>
             </a:endParaRPr>
           </a:p>
           <a:p>
             <a:r>
               <a:rPr lang="en-US" altLang="zh-CN" sz="3200">
-                <a:latin typeface="微软雅黑" charset="0"/>
-                <a:ea typeface="微软雅黑" charset="0"/>
-                <a:cs typeface="微软雅黑" charset="0"/>
+                <a:latin typeface="微软雅黑" panose="020B0503020204020204" charset="-122"/>
+                <a:ea typeface="微软雅黑" panose="020B0503020204020204" charset="-122"/>
+                <a:cs typeface="微软雅黑" panose="020B0503020204020204" charset="-122"/>
               </a:rPr>
               <a:t>3</a:t>
             </a:r>
             <a:r>
               <a:rPr lang="zh-CN" altLang="en-US" sz="3200">
-                <a:latin typeface="微软雅黑" charset="0"/>
-                <a:ea typeface="微软雅黑" charset="0"/>
-                <a:cs typeface="微软雅黑" charset="0"/>
+                <a:latin typeface="微软雅黑" panose="020B0503020204020204" charset="-122"/>
+                <a:ea typeface="微软雅黑" panose="020B0503020204020204" charset="-122"/>
+                <a:cs typeface="微软雅黑" panose="020B0503020204020204" charset="-122"/>
               </a:rPr>
               <a:t>、</a:t>
             </a:r>
             <a:r>
               <a:rPr lang="en-US" altLang="zh-CN" sz="3200">
-                <a:latin typeface="微软雅黑" charset="0"/>
-                <a:ea typeface="微软雅黑" charset="0"/>
-                <a:cs typeface="微软雅黑" charset="0"/>
+                <a:latin typeface="微软雅黑" panose="020B0503020204020204" charset="-122"/>
+                <a:ea typeface="微软雅黑" panose="020B0503020204020204" charset="-122"/>
+                <a:cs typeface="微软雅黑" panose="020B0503020204020204" charset="-122"/>
               </a:rPr>
               <a:t>Python</a:t>
             </a:r>
             <a:r>
               <a:rPr lang="zh-CN" altLang="en-US" sz="3200">
-                <a:latin typeface="微软雅黑" charset="0"/>
-                <a:ea typeface="微软雅黑" charset="0"/>
-                <a:cs typeface="微软雅黑" charset="0"/>
+                <a:latin typeface="微软雅黑" panose="020B0503020204020204" charset="-122"/>
+                <a:ea typeface="微软雅黑" panose="020B0503020204020204" charset="-122"/>
+                <a:cs typeface="微软雅黑" panose="020B0503020204020204" charset="-122"/>
               </a:rPr>
               <a:t>对并发编程的支持</a:t>
             </a:r>
             <a:endParaRPr lang="zh-CN" altLang="en-US" sz="3200">
-              <a:latin typeface="微软雅黑" charset="0"/>
-              <a:ea typeface="微软雅黑" charset="0"/>
-              <a:cs typeface="微软雅黑" charset="0"/>
+              <a:latin typeface="微软雅黑" panose="020B0503020204020204" charset="-122"/>
+              <a:ea typeface="微软雅黑" panose="020B0503020204020204" charset="-122"/>
+              <a:cs typeface="微软雅黑" panose="020B0503020204020204" charset="-122"/>
             </a:endParaRPr>
           </a:p>
         </p:txBody>
@@ -12222,7 +12226,7 @@
               <a:lnSpc>
                 <a:spcPct val="150000"/>
               </a:lnSpc>
-              <a:buFont typeface="Arial" panose="020B0604020202090204" pitchFamily="34" charset="0"/>
+              <a:buFont typeface="Arial" panose="020B0604020202020204" pitchFamily="34" charset="0"/>
               <a:buNone/>
             </a:pPr>
             <a:r>
@@ -12230,9 +12234,9 @@
                 <a:solidFill>
                   <a:schemeClr val="accent1"/>
                 </a:solidFill>
-                <a:latin typeface="微软雅黑" charset="0"/>
-                <a:ea typeface="微软雅黑" charset="0"/>
-                <a:cs typeface="微软雅黑" charset="0"/>
+                <a:latin typeface="微软雅黑" panose="020B0503020204020204" charset="-122"/>
+                <a:ea typeface="微软雅黑" panose="020B0503020204020204" charset="-122"/>
+                <a:cs typeface="微软雅黑" panose="020B0503020204020204" charset="-122"/>
               </a:rPr>
               <a:t>本节提纲</a:t>
             </a:r>
@@ -12240,9 +12244,9 @@
               <a:solidFill>
                 <a:schemeClr val="accent1"/>
               </a:solidFill>
-              <a:latin typeface="微软雅黑" charset="0"/>
-              <a:ea typeface="微软雅黑" charset="0"/>
-              <a:cs typeface="微软雅黑" charset="0"/>
+              <a:latin typeface="微软雅黑" panose="020B0503020204020204" charset="-122"/>
+              <a:ea typeface="微软雅黑" panose="020B0503020204020204" charset="-122"/>
+              <a:cs typeface="微软雅黑" panose="020B0503020204020204" charset="-122"/>
             </a:endParaRPr>
           </a:p>
         </p:txBody>
@@ -12281,40 +12285,40 @@
             </a:pPr>
             <a:r>
               <a:rPr lang="en-US" altLang="zh-CN" sz="3200">
-                <a:latin typeface="微软雅黑" charset="0"/>
-                <a:ea typeface="微软雅黑" charset="0"/>
-                <a:cs typeface="微软雅黑" charset="0"/>
+                <a:latin typeface="微软雅黑" panose="020B0503020204020204" charset="-122"/>
+                <a:ea typeface="微软雅黑" panose="020B0503020204020204" charset="-122"/>
+                <a:cs typeface="微软雅黑" panose="020B0503020204020204" charset="-122"/>
               </a:rPr>
               <a:t>1</a:t>
             </a:r>
             <a:r>
               <a:rPr lang="zh-CN" altLang="en-US" sz="3200">
-                <a:latin typeface="微软雅黑" charset="0"/>
-                <a:ea typeface="微软雅黑" charset="0"/>
-                <a:cs typeface="微软雅黑" charset="0"/>
+                <a:latin typeface="微软雅黑" panose="020B0503020204020204" charset="-122"/>
+                <a:ea typeface="微软雅黑" panose="020B0503020204020204" charset="-122"/>
+                <a:cs typeface="微软雅黑" panose="020B0503020204020204" charset="-122"/>
               </a:rPr>
               <a:t>、</a:t>
             </a:r>
             <a:r>
               <a:rPr lang="en-US" sz="3200">
-                <a:latin typeface="微软雅黑" charset="0"/>
-                <a:ea typeface="微软雅黑" charset="0"/>
-                <a:cs typeface="微软雅黑" charset="0"/>
+                <a:latin typeface="微软雅黑" panose="020B0503020204020204" charset="-122"/>
+                <a:ea typeface="微软雅黑" panose="020B0503020204020204" charset="-122"/>
+                <a:cs typeface="微软雅黑" panose="020B0503020204020204" charset="-122"/>
               </a:rPr>
               <a:t>Python </a:t>
             </a:r>
             <a:r>
               <a:rPr lang="zh-CN" altLang="en-US" sz="3200">
-                <a:latin typeface="微软雅黑" charset="0"/>
-                <a:ea typeface="微软雅黑" charset="0"/>
-                <a:cs typeface="微软雅黑" charset="0"/>
+                <a:latin typeface="微软雅黑" panose="020B0503020204020204" charset="-122"/>
+                <a:ea typeface="微软雅黑" panose="020B0503020204020204" charset="-122"/>
+                <a:cs typeface="微软雅黑" panose="020B0503020204020204" charset="-122"/>
               </a:rPr>
               <a:t>创建多线程的方法</a:t>
             </a:r>
             <a:endParaRPr lang="zh-CN" altLang="en-US" sz="3200">
-              <a:latin typeface="微软雅黑" charset="0"/>
-              <a:ea typeface="微软雅黑" charset="0"/>
-              <a:cs typeface="微软雅黑" charset="0"/>
+              <a:latin typeface="微软雅黑" panose="020B0503020204020204" charset="-122"/>
+              <a:ea typeface="微软雅黑" panose="020B0503020204020204" charset="-122"/>
+              <a:cs typeface="微软雅黑" panose="020B0503020204020204" charset="-122"/>
             </a:endParaRPr>
           </a:p>
           <a:p>
@@ -12331,24 +12335,24 @@
             </a:pPr>
             <a:r>
               <a:rPr lang="en-US" altLang="zh-CN" sz="3200">
-                <a:latin typeface="微软雅黑" charset="0"/>
-                <a:ea typeface="微软雅黑" charset="0"/>
-                <a:cs typeface="微软雅黑" charset="0"/>
+                <a:latin typeface="微软雅黑" panose="020B0503020204020204" charset="-122"/>
+                <a:ea typeface="微软雅黑" panose="020B0503020204020204" charset="-122"/>
+                <a:cs typeface="微软雅黑" panose="020B0503020204020204" charset="-122"/>
               </a:rPr>
               <a:t>2</a:t>
             </a:r>
             <a:r>
               <a:rPr lang="zh-CN" altLang="en-US" sz="3200">
-                <a:latin typeface="微软雅黑" charset="0"/>
-                <a:ea typeface="微软雅黑" charset="0"/>
-                <a:cs typeface="微软雅黑" charset="0"/>
+                <a:latin typeface="微软雅黑" panose="020B0503020204020204" charset="-122"/>
+                <a:ea typeface="微软雅黑" panose="020B0503020204020204" charset="-122"/>
+                <a:cs typeface="微软雅黑" panose="020B0503020204020204" charset="-122"/>
               </a:rPr>
               <a:t>、改写爬虫程序，变成多线程爬取</a:t>
             </a:r>
             <a:endParaRPr lang="zh-CN" altLang="en-US" sz="3200">
-              <a:latin typeface="微软雅黑" charset="0"/>
-              <a:ea typeface="微软雅黑" charset="0"/>
-              <a:cs typeface="微软雅黑" charset="0"/>
+              <a:latin typeface="微软雅黑" panose="020B0503020204020204" charset="-122"/>
+              <a:ea typeface="微软雅黑" panose="020B0503020204020204" charset="-122"/>
+              <a:cs typeface="微软雅黑" panose="020B0503020204020204" charset="-122"/>
             </a:endParaRPr>
           </a:p>
           <a:p>
@@ -12365,40 +12369,40 @@
             </a:pPr>
             <a:r>
               <a:rPr lang="en-US" altLang="zh-CN" sz="3200">
-                <a:latin typeface="微软雅黑" charset="0"/>
-                <a:ea typeface="微软雅黑" charset="0"/>
-                <a:cs typeface="微软雅黑" charset="0"/>
+                <a:latin typeface="微软雅黑" panose="020B0503020204020204" charset="-122"/>
+                <a:ea typeface="微软雅黑" panose="020B0503020204020204" charset="-122"/>
+                <a:cs typeface="微软雅黑" panose="020B0503020204020204" charset="-122"/>
               </a:rPr>
               <a:t>3</a:t>
             </a:r>
             <a:r>
               <a:rPr lang="zh-CN" altLang="en-US" sz="3200">
-                <a:latin typeface="微软雅黑" charset="0"/>
-                <a:ea typeface="微软雅黑" charset="0"/>
-                <a:cs typeface="微软雅黑" charset="0"/>
+                <a:latin typeface="微软雅黑" panose="020B0503020204020204" charset="-122"/>
+                <a:ea typeface="微软雅黑" panose="020B0503020204020204" charset="-122"/>
+                <a:cs typeface="微软雅黑" panose="020B0503020204020204" charset="-122"/>
               </a:rPr>
               <a:t>、速度对比：单线程爬虫 </a:t>
             </a:r>
             <a:r>
               <a:rPr lang="en-US" altLang="zh-CN" sz="3200">
-                <a:latin typeface="微软雅黑" charset="0"/>
-                <a:ea typeface="微软雅黑" charset="0"/>
-                <a:cs typeface="微软雅黑" charset="0"/>
+                <a:latin typeface="微软雅黑" panose="020B0503020204020204" charset="-122"/>
+                <a:ea typeface="微软雅黑" panose="020B0503020204020204" charset="-122"/>
+                <a:cs typeface="微软雅黑" panose="020B0503020204020204" charset="-122"/>
               </a:rPr>
               <a:t>VS </a:t>
             </a:r>
             <a:r>
               <a:rPr lang="zh-CN" altLang="en-US" sz="3200">
-                <a:latin typeface="微软雅黑" charset="0"/>
-                <a:ea typeface="微软雅黑" charset="0"/>
-                <a:cs typeface="微软雅黑" charset="0"/>
+                <a:latin typeface="微软雅黑" panose="020B0503020204020204" charset="-122"/>
+                <a:ea typeface="微软雅黑" panose="020B0503020204020204" charset="-122"/>
+                <a:cs typeface="微软雅黑" panose="020B0503020204020204" charset="-122"/>
               </a:rPr>
               <a:t>多线程爬虫</a:t>
             </a:r>
             <a:endParaRPr lang="zh-CN" altLang="en-US" sz="3200">
-              <a:latin typeface="微软雅黑" charset="0"/>
-              <a:ea typeface="微软雅黑" charset="0"/>
-              <a:cs typeface="微软雅黑" charset="0"/>
+              <a:latin typeface="微软雅黑" panose="020B0503020204020204" charset="-122"/>
+              <a:ea typeface="微软雅黑" panose="020B0503020204020204" charset="-122"/>
+              <a:cs typeface="微软雅黑" panose="020B0503020204020204" charset="-122"/>
             </a:endParaRPr>
           </a:p>
         </p:txBody>
@@ -12453,7 +12457,7 @@
               <a:lnSpc>
                 <a:spcPct val="150000"/>
               </a:lnSpc>
-              <a:buFont typeface="Arial" panose="020B0604020202090204" pitchFamily="34" charset="0"/>
+              <a:buFont typeface="Arial" panose="020B0604020202020204" pitchFamily="34" charset="0"/>
               <a:buNone/>
             </a:pPr>
             <a:r>
@@ -12461,9 +12465,9 @@
                 <a:solidFill>
                   <a:schemeClr val="accent1"/>
                 </a:solidFill>
-                <a:latin typeface="微软雅黑" charset="0"/>
-                <a:ea typeface="微软雅黑" charset="0"/>
-                <a:cs typeface="微软雅黑" charset="0"/>
+                <a:latin typeface="微软雅黑" panose="020B0503020204020204" charset="-122"/>
+                <a:ea typeface="微软雅黑" panose="020B0503020204020204" charset="-122"/>
+                <a:cs typeface="微软雅黑" panose="020B0503020204020204" charset="-122"/>
               </a:rPr>
               <a:t>Python 创建多线程的方法</a:t>
             </a:r>
@@ -12471,9 +12475,9 @@
               <a:solidFill>
                 <a:schemeClr val="accent1"/>
               </a:solidFill>
-              <a:latin typeface="微软雅黑" charset="0"/>
-              <a:ea typeface="微软雅黑" charset="0"/>
-              <a:cs typeface="微软雅黑" charset="0"/>
+              <a:latin typeface="微软雅黑" panose="020B0503020204020204" charset="-122"/>
+              <a:ea typeface="微软雅黑" panose="020B0503020204020204" charset="-122"/>
+              <a:cs typeface="微软雅黑" panose="020B0503020204020204" charset="-122"/>
             </a:endParaRPr>
           </a:p>
         </p:txBody>
@@ -12537,7 +12541,7 @@
                   </a:schemeClr>
                 </a:solidFill>
                 <a:latin typeface="Menlo Regular" panose="020B0609030804020204" charset="0"/>
-                <a:ea typeface="微软雅黑" charset="0"/>
+                <a:ea typeface="微软雅黑" panose="020B0503020204020204" charset="-122"/>
                 <a:cs typeface="Menlo Regular" panose="020B0609030804020204" charset="0"/>
               </a:rPr>
               <a:t>1</a:t>
@@ -12551,7 +12555,7 @@
                   </a:schemeClr>
                 </a:solidFill>
                 <a:latin typeface="Menlo Regular" panose="020B0609030804020204" charset="0"/>
-                <a:ea typeface="微软雅黑" charset="0"/>
+                <a:ea typeface="微软雅黑" panose="020B0503020204020204" charset="-122"/>
                 <a:cs typeface="Menlo Regular" panose="020B0609030804020204" charset="0"/>
               </a:rPr>
               <a:t>、准备一个函数</a:t>
@@ -12564,7 +12568,7 @@
                 </a:schemeClr>
               </a:solidFill>
               <a:latin typeface="Menlo Regular" panose="020B0609030804020204" charset="0"/>
-              <a:ea typeface="微软雅黑" charset="0"/>
+              <a:ea typeface="微软雅黑" panose="020B0503020204020204" charset="-122"/>
               <a:cs typeface="Menlo Regular" panose="020B0609030804020204" charset="0"/>
             </a:endParaRPr>
           </a:p>
@@ -12589,7 +12593,7 @@
                   </a:schemeClr>
                 </a:solidFill>
                 <a:latin typeface="Menlo Regular" panose="020B0609030804020204" charset="0"/>
-                <a:ea typeface="微软雅黑" charset="0"/>
+                <a:ea typeface="微软雅黑" panose="020B0503020204020204" charset="-122"/>
                 <a:cs typeface="Menlo Regular" panose="020B0609030804020204" charset="0"/>
               </a:rPr>
               <a:t>def my_func(a, b):</a:t>
@@ -12602,7 +12606,7 @@
                 </a:schemeClr>
               </a:solidFill>
               <a:latin typeface="Menlo Regular" panose="020B0609030804020204" charset="0"/>
-              <a:ea typeface="微软雅黑" charset="0"/>
+              <a:ea typeface="微软雅黑" panose="020B0503020204020204" charset="-122"/>
               <a:cs typeface="Menlo Regular" panose="020B0609030804020204" charset="0"/>
             </a:endParaRPr>
           </a:p>
@@ -12627,7 +12631,7 @@
                   </a:schemeClr>
                 </a:solidFill>
                 <a:latin typeface="Menlo Regular" panose="020B0609030804020204" charset="0"/>
-                <a:ea typeface="微软雅黑" charset="0"/>
+                <a:ea typeface="微软雅黑" panose="020B0503020204020204" charset="-122"/>
                 <a:cs typeface="Menlo Regular" panose="020B0609030804020204" charset="0"/>
               </a:rPr>
               <a:t>   do_craw(a,b)</a:t>
@@ -12640,7 +12644,7 @@
                 </a:schemeClr>
               </a:solidFill>
               <a:latin typeface="Menlo Regular" panose="020B0609030804020204" charset="0"/>
-              <a:ea typeface="微软雅黑" charset="0"/>
+              <a:ea typeface="微软雅黑" panose="020B0503020204020204" charset="-122"/>
               <a:cs typeface="Menlo Regular" panose="020B0609030804020204" charset="0"/>
             </a:endParaRPr>
           </a:p>
@@ -12705,7 +12709,7 @@
                   </a:schemeClr>
                 </a:solidFill>
                 <a:latin typeface="Menlo Regular" panose="020B0609030804020204" charset="0"/>
-                <a:ea typeface="微软雅黑" charset="0"/>
+                <a:ea typeface="微软雅黑" panose="020B0503020204020204" charset="-122"/>
                 <a:cs typeface="Menlo Regular" panose="020B0609030804020204" charset="0"/>
               </a:rPr>
               <a:t>2</a:t>
@@ -12719,7 +12723,7 @@
                   </a:schemeClr>
                 </a:solidFill>
                 <a:latin typeface="Menlo Regular" panose="020B0609030804020204" charset="0"/>
-                <a:ea typeface="微软雅黑" charset="0"/>
+                <a:ea typeface="微软雅黑" panose="020B0503020204020204" charset="-122"/>
                 <a:cs typeface="Menlo Regular" panose="020B0609030804020204" charset="0"/>
               </a:rPr>
               <a:t>、怎样创建一个线程</a:t>
@@ -12732,7 +12736,7 @@
                 </a:schemeClr>
               </a:solidFill>
               <a:latin typeface="Menlo Regular" panose="020B0609030804020204" charset="0"/>
-              <a:ea typeface="微软雅黑" charset="0"/>
+              <a:ea typeface="微软雅黑" panose="020B0503020204020204" charset="-122"/>
               <a:cs typeface="Menlo Regular" panose="020B0609030804020204" charset="0"/>
             </a:endParaRPr>
           </a:p>
@@ -12757,7 +12761,7 @@
                   </a:schemeClr>
                 </a:solidFill>
                 <a:latin typeface="Menlo Regular" panose="020B0609030804020204" charset="0"/>
-                <a:ea typeface="微软雅黑" charset="0"/>
+                <a:ea typeface="微软雅黑" panose="020B0503020204020204" charset="-122"/>
                 <a:cs typeface="Menlo Regular" panose="020B0609030804020204" charset="0"/>
               </a:rPr>
               <a:t>import threading</a:t>
@@ -12770,7 +12774,7 @@
                 </a:schemeClr>
               </a:solidFill>
               <a:latin typeface="Menlo Regular" panose="020B0609030804020204" charset="0"/>
-              <a:ea typeface="微软雅黑" charset="0"/>
+              <a:ea typeface="微软雅黑" panose="020B0503020204020204" charset="-122"/>
               <a:cs typeface="Menlo Regular" panose="020B0609030804020204" charset="0"/>
             </a:endParaRPr>
           </a:p>
@@ -12795,7 +12799,7 @@
                   </a:schemeClr>
                 </a:solidFill>
                 <a:latin typeface="Menlo Regular" panose="020B0609030804020204" charset="0"/>
-                <a:ea typeface="微软雅黑" charset="0"/>
+                <a:ea typeface="微软雅黑" panose="020B0503020204020204" charset="-122"/>
                 <a:cs typeface="Menlo Regular" panose="020B0609030804020204" charset="0"/>
               </a:rPr>
               <a:t>t = threading.Thread(target=my_func, args=(100, 200)</a:t>
@@ -12808,7 +12812,7 @@
                 </a:schemeClr>
               </a:solidFill>
               <a:latin typeface="Menlo Regular" panose="020B0609030804020204" charset="0"/>
-              <a:ea typeface="微软雅黑" charset="0"/>
+              <a:ea typeface="微软雅黑" panose="020B0503020204020204" charset="-122"/>
               <a:cs typeface="Menlo Regular" panose="020B0609030804020204" charset="0"/>
             </a:endParaRPr>
           </a:p>
@@ -12873,7 +12877,7 @@
                   </a:schemeClr>
                 </a:solidFill>
                 <a:latin typeface="Menlo Regular" panose="020B0609030804020204" charset="0"/>
-                <a:ea typeface="微软雅黑" charset="0"/>
+                <a:ea typeface="微软雅黑" panose="020B0503020204020204" charset="-122"/>
                 <a:cs typeface="Menlo Regular" panose="020B0609030804020204" charset="0"/>
               </a:rPr>
               <a:t>3</a:t>
@@ -12887,7 +12891,7 @@
                   </a:schemeClr>
                 </a:solidFill>
                 <a:latin typeface="Menlo Regular" panose="020B0609030804020204" charset="0"/>
-                <a:ea typeface="微软雅黑" charset="0"/>
+                <a:ea typeface="微软雅黑" panose="020B0503020204020204" charset="-122"/>
                 <a:cs typeface="Menlo Regular" panose="020B0609030804020204" charset="0"/>
               </a:rPr>
               <a:t>、启动线程</a:t>
@@ -12900,7 +12904,7 @@
                 </a:schemeClr>
               </a:solidFill>
               <a:latin typeface="Menlo Regular" panose="020B0609030804020204" charset="0"/>
-              <a:ea typeface="微软雅黑" charset="0"/>
+              <a:ea typeface="微软雅黑" panose="020B0503020204020204" charset="-122"/>
               <a:cs typeface="Menlo Regular" panose="020B0609030804020204" charset="0"/>
             </a:endParaRPr>
           </a:p>
@@ -12925,7 +12929,7 @@
                   </a:schemeClr>
                 </a:solidFill>
                 <a:latin typeface="Menlo Regular" panose="020B0609030804020204" charset="0"/>
-                <a:ea typeface="微软雅黑" charset="0"/>
+                <a:ea typeface="微软雅黑" panose="020B0503020204020204" charset="-122"/>
                 <a:cs typeface="Menlo Regular" panose="020B0609030804020204" charset="0"/>
               </a:rPr>
               <a:t>t.start()</a:t>
@@ -12938,7 +12942,7 @@
                 </a:schemeClr>
               </a:solidFill>
               <a:latin typeface="Menlo Regular" panose="020B0609030804020204" charset="0"/>
-              <a:ea typeface="微软雅黑" charset="0"/>
+              <a:ea typeface="微软雅黑" panose="020B0503020204020204" charset="-122"/>
               <a:cs typeface="Menlo Regular" panose="020B0609030804020204" charset="0"/>
             </a:endParaRPr>
           </a:p>
@@ -13003,7 +13007,7 @@
                   </a:schemeClr>
                 </a:solidFill>
                 <a:latin typeface="Menlo Regular" panose="020B0609030804020204" charset="0"/>
-                <a:ea typeface="微软雅黑" charset="0"/>
+                <a:ea typeface="微软雅黑" panose="020B0503020204020204" charset="-122"/>
                 <a:cs typeface="Menlo Regular" panose="020B0609030804020204" charset="0"/>
               </a:rPr>
               <a:t>4</a:t>
@@ -13017,7 +13021,7 @@
                   </a:schemeClr>
                 </a:solidFill>
                 <a:latin typeface="Menlo Regular" panose="020B0609030804020204" charset="0"/>
-                <a:ea typeface="微软雅黑" charset="0"/>
+                <a:ea typeface="微软雅黑" panose="020B0503020204020204" charset="-122"/>
                 <a:cs typeface="Menlo Regular" panose="020B0609030804020204" charset="0"/>
               </a:rPr>
               <a:t>、等待结束</a:t>
@@ -13030,7 +13034,7 @@
                 </a:schemeClr>
               </a:solidFill>
               <a:latin typeface="Menlo Regular" panose="020B0609030804020204" charset="0"/>
-              <a:ea typeface="微软雅黑" charset="0"/>
+              <a:ea typeface="微软雅黑" panose="020B0503020204020204" charset="-122"/>
               <a:cs typeface="Menlo Regular" panose="020B0609030804020204" charset="0"/>
             </a:endParaRPr>
           </a:p>
@@ -13055,7 +13059,7 @@
                   </a:schemeClr>
                 </a:solidFill>
                 <a:latin typeface="Menlo Regular" panose="020B0609030804020204" charset="0"/>
-                <a:ea typeface="微软雅黑" charset="0"/>
+                <a:ea typeface="微软雅黑" panose="020B0503020204020204" charset="-122"/>
                 <a:cs typeface="Menlo Regular" panose="020B0609030804020204" charset="0"/>
               </a:rPr>
               <a:t>t.join()</a:t>
@@ -13068,7 +13072,7 @@
                 </a:schemeClr>
               </a:solidFill>
               <a:latin typeface="Menlo Regular" panose="020B0609030804020204" charset="0"/>
-              <a:ea typeface="微软雅黑" charset="0"/>
+              <a:ea typeface="微软雅黑" panose="020B0503020204020204" charset="-122"/>
               <a:cs typeface="Menlo Regular" panose="020B0609030804020204" charset="0"/>
             </a:endParaRPr>
           </a:p>
@@ -13168,9 +13172,9 @@
                 <a:solidFill>
                   <a:schemeClr val="bg1"/>
                 </a:solidFill>
-                <a:latin typeface="微软雅黑" charset="0"/>
-                <a:ea typeface="微软雅黑" charset="0"/>
-                <a:cs typeface="微软雅黑" charset="0"/>
+                <a:latin typeface="微软雅黑" panose="020B0503020204020204" charset="-122"/>
+                <a:ea typeface="微软雅黑" panose="020B0503020204020204" charset="-122"/>
+                <a:cs typeface="微软雅黑" panose="020B0503020204020204" charset="-122"/>
               </a:rPr>
               <a:t>Python</a:t>
             </a:r>
@@ -13179,9 +13183,9 @@
                 <a:solidFill>
                   <a:schemeClr val="bg1"/>
                 </a:solidFill>
-                <a:latin typeface="微软雅黑" charset="0"/>
-                <a:ea typeface="微软雅黑" charset="0"/>
-                <a:cs typeface="微软雅黑" charset="0"/>
+                <a:latin typeface="微软雅黑" panose="020B0503020204020204" charset="-122"/>
+                <a:ea typeface="微软雅黑" panose="020B0503020204020204" charset="-122"/>
+                <a:cs typeface="微软雅黑" panose="020B0503020204020204" charset="-122"/>
               </a:rPr>
               <a:t>实现</a:t>
             </a:r>
@@ -13190,9 +13194,9 @@
                 <a:solidFill>
                   <a:schemeClr val="bg1"/>
                 </a:solidFill>
-                <a:latin typeface="微软雅黑" charset="0"/>
-                <a:ea typeface="微软雅黑" charset="0"/>
-                <a:cs typeface="微软雅黑" charset="0"/>
+                <a:latin typeface="微软雅黑" panose="020B0503020204020204" charset="-122"/>
+                <a:ea typeface="微软雅黑" panose="020B0503020204020204" charset="-122"/>
+                <a:cs typeface="微软雅黑" panose="020B0503020204020204" charset="-122"/>
               </a:rPr>
             </a:br>
             <a:r>
@@ -13200,9 +13204,9 @@
                 <a:solidFill>
                   <a:schemeClr val="bg1"/>
                 </a:solidFill>
-                <a:latin typeface="微软雅黑" charset="0"/>
-                <a:ea typeface="微软雅黑" charset="0"/>
-                <a:cs typeface="微软雅黑" charset="0"/>
+                <a:latin typeface="微软雅黑" panose="020B0503020204020204" charset="-122"/>
+                <a:ea typeface="微软雅黑" panose="020B0503020204020204" charset="-122"/>
+                <a:cs typeface="微软雅黑" panose="020B0503020204020204" charset="-122"/>
               </a:rPr>
               <a:t>生产者消费者模式</a:t>
             </a:r>
@@ -13211,9 +13215,9 @@
                 <a:solidFill>
                   <a:schemeClr val="bg1"/>
                 </a:solidFill>
-                <a:latin typeface="微软雅黑" charset="0"/>
-                <a:ea typeface="微软雅黑" charset="0"/>
-                <a:cs typeface="微软雅黑" charset="0"/>
+                <a:latin typeface="微软雅黑" panose="020B0503020204020204" charset="-122"/>
+                <a:ea typeface="微软雅黑" panose="020B0503020204020204" charset="-122"/>
+                <a:cs typeface="微软雅黑" panose="020B0503020204020204" charset="-122"/>
               </a:rPr>
             </a:br>
             <a:r>
@@ -13221,9 +13225,9 @@
                 <a:solidFill>
                   <a:schemeClr val="bg1"/>
                 </a:solidFill>
-                <a:latin typeface="微软雅黑" charset="0"/>
-                <a:ea typeface="微软雅黑" charset="0"/>
-                <a:cs typeface="微软雅黑" charset="0"/>
+                <a:latin typeface="微软雅黑" panose="020B0503020204020204" charset="-122"/>
+                <a:ea typeface="微软雅黑" panose="020B0503020204020204" charset="-122"/>
+                <a:cs typeface="微软雅黑" panose="020B0503020204020204" charset="-122"/>
               </a:rPr>
               <a:t>多线程爬虫！</a:t>
             </a:r>
@@ -13231,9 +13235,9 @@
               <a:solidFill>
                 <a:schemeClr val="bg1"/>
               </a:solidFill>
-              <a:latin typeface="微软雅黑" charset="0"/>
-              <a:ea typeface="微软雅黑" charset="0"/>
-              <a:cs typeface="微软雅黑" charset="0"/>
+              <a:latin typeface="微软雅黑" panose="020B0503020204020204" charset="-122"/>
+              <a:ea typeface="微软雅黑" panose="020B0503020204020204" charset="-122"/>
+              <a:cs typeface="微软雅黑" panose="020B0503020204020204" charset="-122"/>
             </a:endParaRPr>
           </a:p>
         </p:txBody>
@@ -13308,7 +13312,7 @@
               <a:lnSpc>
                 <a:spcPct val="150000"/>
               </a:lnSpc>
-              <a:buFont typeface="Arial" panose="020B0604020202090204" pitchFamily="34" charset="0"/>
+              <a:buFont typeface="Arial" panose="020B0604020202020204" pitchFamily="34" charset="0"/>
               <a:buNone/>
             </a:pPr>
             <a:r>
@@ -13316,9 +13320,9 @@
                 <a:solidFill>
                   <a:schemeClr val="accent1"/>
                 </a:solidFill>
-                <a:latin typeface="微软雅黑" charset="0"/>
-                <a:ea typeface="微软雅黑" charset="0"/>
-                <a:cs typeface="微软雅黑" charset="0"/>
+                <a:latin typeface="微软雅黑" panose="020B0503020204020204" charset="-122"/>
+                <a:ea typeface="微软雅黑" panose="020B0503020204020204" charset="-122"/>
+                <a:cs typeface="微软雅黑" panose="020B0503020204020204" charset="-122"/>
               </a:rPr>
               <a:t>本节提纲</a:t>
             </a:r>
@@ -13326,9 +13330,9 @@
               <a:solidFill>
                 <a:schemeClr val="accent1"/>
               </a:solidFill>
-              <a:latin typeface="微软雅黑" charset="0"/>
-              <a:ea typeface="微软雅黑" charset="0"/>
-              <a:cs typeface="微软雅黑" charset="0"/>
+              <a:latin typeface="微软雅黑" panose="020B0503020204020204" charset="-122"/>
+              <a:ea typeface="微软雅黑" panose="020B0503020204020204" charset="-122"/>
+              <a:cs typeface="微软雅黑" panose="020B0503020204020204" charset="-122"/>
             </a:endParaRPr>
           </a:p>
         </p:txBody>
@@ -13367,40 +13371,40 @@
             </a:pPr>
             <a:r>
               <a:rPr lang="en-US" altLang="zh-CN" sz="3200">
-                <a:latin typeface="微软雅黑" charset="0"/>
-                <a:ea typeface="微软雅黑" charset="0"/>
-                <a:cs typeface="微软雅黑" charset="0"/>
+                <a:latin typeface="微软雅黑" panose="020B0503020204020204" charset="-122"/>
+                <a:ea typeface="微软雅黑" panose="020B0503020204020204" charset="-122"/>
+                <a:cs typeface="微软雅黑" panose="020B0503020204020204" charset="-122"/>
               </a:rPr>
               <a:t>1</a:t>
             </a:r>
             <a:r>
               <a:rPr lang="zh-CN" altLang="en-US" sz="3200">
-                <a:latin typeface="微软雅黑" charset="0"/>
-                <a:ea typeface="微软雅黑" charset="0"/>
-                <a:cs typeface="微软雅黑" charset="0"/>
+                <a:latin typeface="微软雅黑" panose="020B0503020204020204" charset="-122"/>
+                <a:ea typeface="微软雅黑" panose="020B0503020204020204" charset="-122"/>
+                <a:cs typeface="微软雅黑" panose="020B0503020204020204" charset="-122"/>
               </a:rPr>
               <a:t>、多组件的</a:t>
             </a:r>
             <a:r>
               <a:rPr lang="en-US" altLang="zh-CN" sz="3200">
-                <a:latin typeface="微软雅黑" charset="0"/>
-                <a:ea typeface="微软雅黑" charset="0"/>
-                <a:cs typeface="微软雅黑" charset="0"/>
+                <a:latin typeface="微软雅黑" panose="020B0503020204020204" charset="-122"/>
+                <a:ea typeface="微软雅黑" panose="020B0503020204020204" charset="-122"/>
+                <a:cs typeface="微软雅黑" panose="020B0503020204020204" charset="-122"/>
               </a:rPr>
               <a:t>Pipeline</a:t>
             </a:r>
             <a:r>
               <a:rPr lang="zh-CN" altLang="en-US" sz="3200">
-                <a:latin typeface="微软雅黑" charset="0"/>
-                <a:ea typeface="微软雅黑" charset="0"/>
-                <a:cs typeface="微软雅黑" charset="0"/>
+                <a:latin typeface="微软雅黑" panose="020B0503020204020204" charset="-122"/>
+                <a:ea typeface="微软雅黑" panose="020B0503020204020204" charset="-122"/>
+                <a:cs typeface="微软雅黑" panose="020B0503020204020204" charset="-122"/>
               </a:rPr>
               <a:t>技术架构</a:t>
             </a:r>
             <a:endParaRPr lang="en-US" altLang="zh-CN" sz="3200">
-              <a:latin typeface="微软雅黑" charset="0"/>
-              <a:ea typeface="微软雅黑" charset="0"/>
-              <a:cs typeface="微软雅黑" charset="0"/>
+              <a:latin typeface="微软雅黑" panose="020B0503020204020204" charset="-122"/>
+              <a:ea typeface="微软雅黑" panose="020B0503020204020204" charset="-122"/>
+              <a:cs typeface="微软雅黑" panose="020B0503020204020204" charset="-122"/>
             </a:endParaRPr>
           </a:p>
           <a:p>
@@ -13417,24 +13421,24 @@
             </a:pPr>
             <a:r>
               <a:rPr lang="en-US" altLang="zh-CN" sz="3200">
-                <a:latin typeface="微软雅黑" charset="0"/>
-                <a:ea typeface="微软雅黑" charset="0"/>
-                <a:cs typeface="微软雅黑" charset="0"/>
+                <a:latin typeface="微软雅黑" panose="020B0503020204020204" charset="-122"/>
+                <a:ea typeface="微软雅黑" panose="020B0503020204020204" charset="-122"/>
+                <a:cs typeface="微软雅黑" panose="020B0503020204020204" charset="-122"/>
               </a:rPr>
               <a:t>2</a:t>
             </a:r>
             <a:r>
               <a:rPr lang="zh-CN" altLang="en-US" sz="3200">
-                <a:latin typeface="微软雅黑" charset="0"/>
-                <a:ea typeface="微软雅黑" charset="0"/>
-                <a:cs typeface="微软雅黑" charset="0"/>
+                <a:latin typeface="微软雅黑" panose="020B0503020204020204" charset="-122"/>
+                <a:ea typeface="微软雅黑" panose="020B0503020204020204" charset="-122"/>
+                <a:cs typeface="微软雅黑" panose="020B0503020204020204" charset="-122"/>
               </a:rPr>
               <a:t>、生产者消费者爬虫的架构</a:t>
             </a:r>
             <a:endParaRPr lang="zh-CN" altLang="en-US" sz="3200">
-              <a:latin typeface="微软雅黑" charset="0"/>
-              <a:ea typeface="微软雅黑" charset="0"/>
-              <a:cs typeface="微软雅黑" charset="0"/>
+              <a:latin typeface="微软雅黑" panose="020B0503020204020204" charset="-122"/>
+              <a:ea typeface="微软雅黑" panose="020B0503020204020204" charset="-122"/>
+              <a:cs typeface="微软雅黑" panose="020B0503020204020204" charset="-122"/>
             </a:endParaRPr>
           </a:p>
           <a:p>
@@ -13451,32 +13455,32 @@
             </a:pPr>
             <a:r>
               <a:rPr lang="en-US" altLang="zh-CN" sz="3200">
-                <a:latin typeface="微软雅黑" charset="0"/>
-                <a:ea typeface="微软雅黑" charset="0"/>
-                <a:cs typeface="微软雅黑" charset="0"/>
+                <a:latin typeface="微软雅黑" panose="020B0503020204020204" charset="-122"/>
+                <a:ea typeface="微软雅黑" panose="020B0503020204020204" charset="-122"/>
+                <a:cs typeface="微软雅黑" panose="020B0503020204020204" charset="-122"/>
               </a:rPr>
               <a:t>3</a:t>
             </a:r>
             <a:r>
               <a:rPr lang="zh-CN" altLang="en-US" sz="3200">
-                <a:latin typeface="微软雅黑" charset="0"/>
-                <a:ea typeface="微软雅黑" charset="0"/>
-                <a:cs typeface="微软雅黑" charset="0"/>
+                <a:latin typeface="微软雅黑" panose="020B0503020204020204" charset="-122"/>
+                <a:ea typeface="微软雅黑" panose="020B0503020204020204" charset="-122"/>
+                <a:cs typeface="微软雅黑" panose="020B0503020204020204" charset="-122"/>
               </a:rPr>
               <a:t>、多线程数据通信的</a:t>
             </a:r>
             <a:r>
               <a:rPr lang="en-US" altLang="zh-CN" sz="3200">
-                <a:latin typeface="微软雅黑" charset="0"/>
-                <a:ea typeface="微软雅黑" charset="0"/>
-                <a:cs typeface="微软雅黑" charset="0"/>
+                <a:latin typeface="微软雅黑" panose="020B0503020204020204" charset="-122"/>
+                <a:ea typeface="微软雅黑" panose="020B0503020204020204" charset="-122"/>
+                <a:cs typeface="微软雅黑" panose="020B0503020204020204" charset="-122"/>
               </a:rPr>
               <a:t>queue.Queue</a:t>
             </a:r>
             <a:endParaRPr lang="zh-CN" altLang="en-US" sz="3200">
-              <a:latin typeface="微软雅黑" charset="0"/>
-              <a:ea typeface="微软雅黑" charset="0"/>
-              <a:cs typeface="微软雅黑" charset="0"/>
+              <a:latin typeface="微软雅黑" panose="020B0503020204020204" charset="-122"/>
+              <a:ea typeface="微软雅黑" panose="020B0503020204020204" charset="-122"/>
+              <a:cs typeface="微软雅黑" panose="020B0503020204020204" charset="-122"/>
             </a:endParaRPr>
           </a:p>
           <a:p>
@@ -13493,24 +13497,24 @@
             </a:pPr>
             <a:r>
               <a:rPr lang="en-US" altLang="zh-CN" sz="3200">
-                <a:latin typeface="微软雅黑" charset="0"/>
-                <a:ea typeface="微软雅黑" charset="0"/>
-                <a:cs typeface="微软雅黑" charset="0"/>
+                <a:latin typeface="微软雅黑" panose="020B0503020204020204" charset="-122"/>
+                <a:ea typeface="微软雅黑" panose="020B0503020204020204" charset="-122"/>
+                <a:cs typeface="微软雅黑" panose="020B0503020204020204" charset="-122"/>
               </a:rPr>
               <a:t>4</a:t>
             </a:r>
             <a:r>
               <a:rPr lang="zh-CN" altLang="en-US" sz="3200">
-                <a:latin typeface="微软雅黑" charset="0"/>
-                <a:ea typeface="微软雅黑" charset="0"/>
-                <a:cs typeface="微软雅黑" charset="0"/>
+                <a:latin typeface="微软雅黑" panose="020B0503020204020204" charset="-122"/>
+                <a:ea typeface="微软雅黑" panose="020B0503020204020204" charset="-122"/>
+                <a:cs typeface="微软雅黑" panose="020B0503020204020204" charset="-122"/>
               </a:rPr>
               <a:t>、代码编写实现生产者消费者爬虫</a:t>
             </a:r>
             <a:endParaRPr lang="zh-CN" altLang="en-US" sz="3200">
-              <a:latin typeface="微软雅黑" charset="0"/>
-              <a:ea typeface="微软雅黑" charset="0"/>
-              <a:cs typeface="微软雅黑" charset="0"/>
+              <a:latin typeface="微软雅黑" panose="020B0503020204020204" charset="-122"/>
+              <a:ea typeface="微软雅黑" panose="020B0503020204020204" charset="-122"/>
+              <a:cs typeface="微软雅黑" panose="020B0503020204020204" charset="-122"/>
             </a:endParaRPr>
           </a:p>
         </p:txBody>
@@ -13565,7 +13569,7 @@
               <a:lnSpc>
                 <a:spcPct val="150000"/>
               </a:lnSpc>
-              <a:buFont typeface="Arial" panose="020B0604020202090204" pitchFamily="34" charset="0"/>
+              <a:buFont typeface="Arial" panose="020B0604020202020204" pitchFamily="34" charset="0"/>
               <a:buNone/>
             </a:pPr>
             <a:r>
@@ -13573,9 +13577,9 @@
                 <a:solidFill>
                   <a:schemeClr val="accent1"/>
                 </a:solidFill>
-                <a:latin typeface="微软雅黑" charset="0"/>
-                <a:ea typeface="微软雅黑" charset="0"/>
-                <a:cs typeface="微软雅黑" charset="0"/>
+                <a:latin typeface="微软雅黑" panose="020B0503020204020204" charset="-122"/>
+                <a:ea typeface="微软雅黑" panose="020B0503020204020204" charset="-122"/>
+                <a:cs typeface="微软雅黑" panose="020B0503020204020204" charset="-122"/>
               </a:rPr>
               <a:t>1</a:t>
             </a:r>
@@ -13584,9 +13588,9 @@
                 <a:solidFill>
                   <a:schemeClr val="accent1"/>
                 </a:solidFill>
-                <a:latin typeface="微软雅黑" charset="0"/>
-                <a:ea typeface="微软雅黑" charset="0"/>
-                <a:cs typeface="微软雅黑" charset="0"/>
+                <a:latin typeface="微软雅黑" panose="020B0503020204020204" charset="-122"/>
+                <a:ea typeface="微软雅黑" panose="020B0503020204020204" charset="-122"/>
+                <a:cs typeface="微软雅黑" panose="020B0503020204020204" charset="-122"/>
               </a:rPr>
               <a:t>、多组件的Pipeline技术架构</a:t>
             </a:r>
@@ -13594,9 +13598,9 @@
               <a:solidFill>
                 <a:schemeClr val="accent1"/>
               </a:solidFill>
-              <a:latin typeface="微软雅黑" charset="0"/>
-              <a:ea typeface="微软雅黑" charset="0"/>
-              <a:cs typeface="微软雅黑" charset="0"/>
+              <a:latin typeface="微软雅黑" panose="020B0503020204020204" charset="-122"/>
+              <a:ea typeface="微软雅黑" panose="020B0503020204020204" charset="-122"/>
+              <a:cs typeface="微软雅黑" panose="020B0503020204020204" charset="-122"/>
             </a:endParaRPr>
           </a:p>
         </p:txBody>
@@ -14630,7 +14634,7 @@
               <a:lnSpc>
                 <a:spcPct val="150000"/>
               </a:lnSpc>
-              <a:buFont typeface="Arial" panose="020B0604020202090204" pitchFamily="34" charset="0"/>
+              <a:buFont typeface="Arial" panose="020B0604020202020204" pitchFamily="34" charset="0"/>
               <a:buNone/>
             </a:pPr>
             <a:r>
@@ -14638,9 +14642,9 @@
                 <a:solidFill>
                   <a:schemeClr val="accent1"/>
                 </a:solidFill>
-                <a:latin typeface="微软雅黑" charset="0"/>
-                <a:ea typeface="微软雅黑" charset="0"/>
-                <a:cs typeface="微软雅黑" charset="0"/>
+                <a:latin typeface="微软雅黑" panose="020B0503020204020204" charset="-122"/>
+                <a:ea typeface="微软雅黑" panose="020B0503020204020204" charset="-122"/>
+                <a:cs typeface="微软雅黑" panose="020B0503020204020204" charset="-122"/>
               </a:rPr>
               <a:t>2</a:t>
             </a:r>
@@ -14649,9 +14653,9 @@
                 <a:solidFill>
                   <a:schemeClr val="accent1"/>
                 </a:solidFill>
-                <a:latin typeface="微软雅黑" charset="0"/>
-                <a:ea typeface="微软雅黑" charset="0"/>
-                <a:cs typeface="微软雅黑" charset="0"/>
+                <a:latin typeface="微软雅黑" panose="020B0503020204020204" charset="-122"/>
+                <a:ea typeface="微软雅黑" panose="020B0503020204020204" charset="-122"/>
+                <a:cs typeface="微软雅黑" panose="020B0503020204020204" charset="-122"/>
               </a:rPr>
               <a:t>、生产者消费者爬虫的架构</a:t>
             </a:r>
@@ -14659,9 +14663,9 @@
               <a:solidFill>
                 <a:schemeClr val="accent1"/>
               </a:solidFill>
-              <a:latin typeface="微软雅黑" charset="0"/>
-              <a:ea typeface="微软雅黑" charset="0"/>
-              <a:cs typeface="微软雅黑" charset="0"/>
+              <a:latin typeface="微软雅黑" panose="020B0503020204020204" charset="-122"/>
+              <a:ea typeface="微软雅黑" panose="020B0503020204020204" charset="-122"/>
+              <a:cs typeface="微软雅黑" panose="020B0503020204020204" charset="-122"/>
             </a:endParaRPr>
           </a:p>
         </p:txBody>
@@ -15211,7 +15215,7 @@
               <a:lnSpc>
                 <a:spcPct val="150000"/>
               </a:lnSpc>
-              <a:buFont typeface="Arial" panose="020B0604020202090204" pitchFamily="34" charset="0"/>
+              <a:buFont typeface="Arial" panose="020B0604020202020204" pitchFamily="34" charset="0"/>
               <a:buNone/>
             </a:pPr>
             <a:r>
@@ -15219,9 +15223,9 @@
                 <a:solidFill>
                   <a:schemeClr val="accent1"/>
                 </a:solidFill>
-                <a:latin typeface="微软雅黑" charset="0"/>
-                <a:ea typeface="微软雅黑" charset="0"/>
-                <a:cs typeface="微软雅黑" charset="0"/>
+                <a:latin typeface="微软雅黑" panose="020B0503020204020204" charset="-122"/>
+                <a:ea typeface="微软雅黑" panose="020B0503020204020204" charset="-122"/>
+                <a:cs typeface="微软雅黑" panose="020B0503020204020204" charset="-122"/>
               </a:rPr>
               <a:t>3</a:t>
             </a:r>
@@ -15230,9 +15234,9 @@
                 <a:solidFill>
                   <a:schemeClr val="accent1"/>
                 </a:solidFill>
-                <a:latin typeface="微软雅黑" charset="0"/>
-                <a:ea typeface="微软雅黑" charset="0"/>
-                <a:cs typeface="微软雅黑" charset="0"/>
+                <a:latin typeface="微软雅黑" panose="020B0503020204020204" charset="-122"/>
+                <a:ea typeface="微软雅黑" panose="020B0503020204020204" charset="-122"/>
+                <a:cs typeface="微软雅黑" panose="020B0503020204020204" charset="-122"/>
               </a:rPr>
               <a:t>、多线程数据通信的queue.Queue</a:t>
             </a:r>
@@ -15240,9 +15244,9 @@
               <a:solidFill>
                 <a:schemeClr val="accent1"/>
               </a:solidFill>
-              <a:latin typeface="微软雅黑" charset="0"/>
-              <a:ea typeface="微软雅黑" charset="0"/>
-              <a:cs typeface="微软雅黑" charset="0"/>
+              <a:latin typeface="微软雅黑" panose="020B0503020204020204" charset="-122"/>
+              <a:ea typeface="微软雅黑" panose="020B0503020204020204" charset="-122"/>
+              <a:cs typeface="微软雅黑" panose="020B0503020204020204" charset="-122"/>
             </a:endParaRPr>
           </a:p>
         </p:txBody>
@@ -15306,7 +15310,7 @@
                   </a:schemeClr>
                 </a:solidFill>
                 <a:latin typeface="Menlo Regular" panose="020B0609030804020204" charset="0"/>
-                <a:ea typeface="微软雅黑" charset="0"/>
+                <a:ea typeface="微软雅黑" panose="020B0503020204020204" charset="-122"/>
                 <a:cs typeface="Menlo Regular" panose="020B0609030804020204" charset="0"/>
               </a:rPr>
               <a:t>1</a:t>
@@ -15320,7 +15324,7 @@
                   </a:schemeClr>
                 </a:solidFill>
                 <a:latin typeface="Menlo Regular" panose="020B0609030804020204" charset="0"/>
-                <a:ea typeface="微软雅黑" charset="0"/>
+                <a:ea typeface="微软雅黑" panose="020B0503020204020204" charset="-122"/>
                 <a:cs typeface="Menlo Regular" panose="020B0609030804020204" charset="0"/>
               </a:rPr>
               <a:t>、导入类库</a:t>
@@ -15333,7 +15337,7 @@
                 </a:schemeClr>
               </a:solidFill>
               <a:latin typeface="Menlo Regular" panose="020B0609030804020204" charset="0"/>
-              <a:ea typeface="微软雅黑" charset="0"/>
+              <a:ea typeface="微软雅黑" panose="020B0503020204020204" charset="-122"/>
               <a:cs typeface="Menlo Regular" panose="020B0609030804020204" charset="0"/>
             </a:endParaRPr>
           </a:p>
@@ -15358,7 +15362,7 @@
                   </a:schemeClr>
                 </a:solidFill>
                 <a:latin typeface="Menlo Regular" panose="020B0609030804020204" charset="0"/>
-                <a:ea typeface="微软雅黑" charset="0"/>
+                <a:ea typeface="微软雅黑" panose="020B0503020204020204" charset="-122"/>
                 <a:cs typeface="Menlo Regular" panose="020B0609030804020204" charset="0"/>
               </a:rPr>
               <a:t>import queue</a:t>
@@ -15371,7 +15375,7 @@
                 </a:schemeClr>
               </a:solidFill>
               <a:latin typeface="Menlo Regular" panose="020B0609030804020204" charset="0"/>
-              <a:ea typeface="微软雅黑" charset="0"/>
+              <a:ea typeface="微软雅黑" panose="020B0503020204020204" charset="-122"/>
               <a:cs typeface="Menlo Regular" panose="020B0609030804020204" charset="0"/>
             </a:endParaRPr>
           </a:p>
@@ -15395,7 +15399,7 @@
                 </a:schemeClr>
               </a:solidFill>
               <a:latin typeface="Menlo Regular" panose="020B0609030804020204" charset="0"/>
-              <a:ea typeface="微软雅黑" charset="0"/>
+              <a:ea typeface="微软雅黑" panose="020B0503020204020204" charset="-122"/>
               <a:cs typeface="Menlo Regular" panose="020B0609030804020204" charset="0"/>
             </a:endParaRPr>
           </a:p>
@@ -15420,7 +15424,7 @@
                   </a:schemeClr>
                 </a:solidFill>
                 <a:latin typeface="Menlo Regular" panose="020B0609030804020204" charset="0"/>
-                <a:ea typeface="微软雅黑" charset="0"/>
+                <a:ea typeface="微软雅黑" panose="020B0503020204020204" charset="-122"/>
                 <a:cs typeface="Menlo Regular" panose="020B0609030804020204" charset="0"/>
                 <a:sym typeface="+mn-ea"/>
               </a:rPr>
@@ -15435,7 +15439,7 @@
                   </a:schemeClr>
                 </a:solidFill>
                 <a:latin typeface="Menlo Regular" panose="020B0609030804020204" charset="0"/>
-                <a:ea typeface="微软雅黑" charset="0"/>
+                <a:ea typeface="微软雅黑" panose="020B0503020204020204" charset="-122"/>
                 <a:cs typeface="Menlo Regular" panose="020B0609030804020204" charset="0"/>
                 <a:sym typeface="+mn-ea"/>
               </a:rPr>
@@ -15450,7 +15454,7 @@
                   </a:schemeClr>
                 </a:solidFill>
                 <a:latin typeface="Menlo Regular" panose="020B0609030804020204" charset="0"/>
-                <a:ea typeface="微软雅黑" charset="0"/>
+                <a:ea typeface="微软雅黑" panose="020B0503020204020204" charset="-122"/>
                 <a:cs typeface="Menlo Regular" panose="020B0609030804020204" charset="0"/>
                 <a:sym typeface="+mn-ea"/>
               </a:rPr>
@@ -15464,7 +15468,7 @@
                 </a:schemeClr>
               </a:solidFill>
               <a:latin typeface="Menlo Regular" panose="020B0609030804020204" charset="0"/>
-              <a:ea typeface="微软雅黑" charset="0"/>
+              <a:ea typeface="微软雅黑" panose="020B0503020204020204" charset="-122"/>
               <a:cs typeface="Menlo Regular" panose="020B0609030804020204" charset="0"/>
             </a:endParaRPr>
           </a:p>
@@ -15489,7 +15493,7 @@
                   </a:schemeClr>
                 </a:solidFill>
                 <a:latin typeface="Menlo Regular" panose="020B0609030804020204" charset="0"/>
-                <a:ea typeface="微软雅黑" charset="0"/>
+                <a:ea typeface="微软雅黑" panose="020B0503020204020204" charset="-122"/>
                 <a:cs typeface="Menlo Regular" panose="020B0609030804020204" charset="0"/>
                 <a:sym typeface="+mn-ea"/>
               </a:rPr>
@@ -15503,7 +15507,7 @@
                 </a:schemeClr>
               </a:solidFill>
               <a:latin typeface="Menlo Regular" panose="020B0609030804020204" charset="0"/>
-              <a:ea typeface="微软雅黑" charset="0"/>
+              <a:ea typeface="微软雅黑" panose="020B0503020204020204" charset="-122"/>
               <a:cs typeface="Menlo Regular" panose="020B0609030804020204" charset="0"/>
               <a:sym typeface="+mn-ea"/>
             </a:endParaRPr>
@@ -15528,7 +15532,7 @@
                 </a:schemeClr>
               </a:solidFill>
               <a:latin typeface="Menlo Regular" panose="020B0609030804020204" charset="0"/>
-              <a:ea typeface="微软雅黑" charset="0"/>
+              <a:ea typeface="微软雅黑" panose="020B0503020204020204" charset="-122"/>
               <a:cs typeface="Menlo Regular" panose="020B0609030804020204" charset="0"/>
             </a:endParaRPr>
           </a:p>
@@ -15553,7 +15557,7 @@
                   </a:schemeClr>
                 </a:solidFill>
                 <a:latin typeface="Menlo Regular" panose="020B0609030804020204" charset="0"/>
-                <a:ea typeface="微软雅黑" charset="0"/>
+                <a:ea typeface="微软雅黑" panose="020B0503020204020204" charset="-122"/>
                 <a:cs typeface="Menlo Regular" panose="020B0609030804020204" charset="0"/>
                 <a:sym typeface="+mn-ea"/>
               </a:rPr>
@@ -15568,7 +15572,7 @@
                   </a:schemeClr>
                 </a:solidFill>
                 <a:latin typeface="Menlo Regular" panose="020B0609030804020204" charset="0"/>
-                <a:ea typeface="微软雅黑" charset="0"/>
+                <a:ea typeface="微软雅黑" panose="020B0503020204020204" charset="-122"/>
                 <a:cs typeface="Menlo Regular" panose="020B0609030804020204" charset="0"/>
                 <a:sym typeface="+mn-ea"/>
               </a:rPr>
@@ -15582,7 +15586,7 @@
                 </a:schemeClr>
               </a:solidFill>
               <a:latin typeface="Menlo Regular" panose="020B0609030804020204" charset="0"/>
-              <a:ea typeface="微软雅黑" charset="0"/>
+              <a:ea typeface="微软雅黑" panose="020B0503020204020204" charset="-122"/>
               <a:cs typeface="Menlo Regular" panose="020B0609030804020204" charset="0"/>
             </a:endParaRPr>
           </a:p>
@@ -15607,7 +15611,7 @@
                   </a:schemeClr>
                 </a:solidFill>
                 <a:latin typeface="Menlo Regular" panose="020B0609030804020204" charset="0"/>
-                <a:ea typeface="微软雅黑" charset="0"/>
+                <a:ea typeface="微软雅黑" panose="020B0503020204020204" charset="-122"/>
                 <a:cs typeface="Menlo Regular" panose="020B0609030804020204" charset="0"/>
                 <a:sym typeface="+mn-ea"/>
               </a:rPr>
@@ -15621,7 +15625,7 @@
                 </a:schemeClr>
               </a:solidFill>
               <a:latin typeface="Menlo Regular" panose="020B0609030804020204" charset="0"/>
-              <a:ea typeface="微软雅黑" charset="0"/>
+              <a:ea typeface="微软雅黑" panose="020B0503020204020204" charset="-122"/>
               <a:cs typeface="Menlo Regular" panose="020B0609030804020204" charset="0"/>
               <a:sym typeface="+mn-ea"/>
             </a:endParaRPr>
@@ -15646,7 +15650,7 @@
                 </a:schemeClr>
               </a:solidFill>
               <a:latin typeface="Menlo Regular" panose="020B0609030804020204" charset="0"/>
-              <a:ea typeface="微软雅黑" charset="0"/>
+              <a:ea typeface="微软雅黑" panose="020B0503020204020204" charset="-122"/>
               <a:cs typeface="Menlo Regular" panose="020B0609030804020204" charset="0"/>
               <a:sym typeface="+mn-ea"/>
             </a:endParaRPr>
@@ -15672,7 +15676,7 @@
                   </a:schemeClr>
                 </a:solidFill>
                 <a:latin typeface="Menlo Regular" panose="020B0609030804020204" charset="0"/>
-                <a:ea typeface="微软雅黑" charset="0"/>
+                <a:ea typeface="微软雅黑" panose="020B0503020204020204" charset="-122"/>
                 <a:cs typeface="Menlo Regular" panose="020B0609030804020204" charset="0"/>
                 <a:sym typeface="+mn-ea"/>
               </a:rPr>
@@ -15687,7 +15691,7 @@
                   </a:schemeClr>
                 </a:solidFill>
                 <a:latin typeface="Menlo Regular" panose="020B0609030804020204" charset="0"/>
-                <a:ea typeface="微软雅黑" charset="0"/>
+                <a:ea typeface="微软雅黑" panose="020B0503020204020204" charset="-122"/>
                 <a:cs typeface="Menlo Regular" panose="020B0609030804020204" charset="0"/>
                 <a:sym typeface="+mn-ea"/>
               </a:rPr>
@@ -15701,7 +15705,7 @@
                 </a:schemeClr>
               </a:solidFill>
               <a:latin typeface="Menlo Regular" panose="020B0609030804020204" charset="0"/>
-              <a:ea typeface="微软雅黑" charset="0"/>
+              <a:ea typeface="微软雅黑" panose="020B0503020204020204" charset="-122"/>
               <a:cs typeface="Menlo Regular" panose="020B0609030804020204" charset="0"/>
             </a:endParaRPr>
           </a:p>
@@ -15726,7 +15730,7 @@
                   </a:schemeClr>
                 </a:solidFill>
                 <a:latin typeface="Menlo Regular" panose="020B0609030804020204" charset="0"/>
-                <a:ea typeface="微软雅黑" charset="0"/>
+                <a:ea typeface="微软雅黑" panose="020B0503020204020204" charset="-122"/>
                 <a:cs typeface="Menlo Regular" panose="020B0609030804020204" charset="0"/>
                 <a:sym typeface="+mn-ea"/>
               </a:rPr>
@@ -15740,7 +15744,7 @@
                 </a:schemeClr>
               </a:solidFill>
               <a:latin typeface="Menlo Regular" panose="020B0609030804020204" charset="0"/>
-              <a:ea typeface="微软雅黑" charset="0"/>
+              <a:ea typeface="微软雅黑" panose="020B0503020204020204" charset="-122"/>
               <a:cs typeface="Menlo Regular" panose="020B0609030804020204" charset="0"/>
               <a:sym typeface="+mn-ea"/>
             </a:endParaRPr>
@@ -15847,7 +15851,7 @@
                   </a:schemeClr>
                 </a:solidFill>
                 <a:latin typeface="Menlo Regular" panose="020B0609030804020204" charset="0"/>
-                <a:ea typeface="微软雅黑" charset="0"/>
+                <a:ea typeface="微软雅黑" panose="020B0503020204020204" charset="-122"/>
                 <a:cs typeface="Menlo Regular" panose="020B0609030804020204" charset="0"/>
                 <a:sym typeface="+mn-ea"/>
               </a:rPr>
@@ -15862,7 +15866,7 @@
                   </a:schemeClr>
                 </a:solidFill>
                 <a:latin typeface="Menlo Regular" panose="020B0609030804020204" charset="0"/>
-                <a:ea typeface="微软雅黑" charset="0"/>
+                <a:ea typeface="微软雅黑" panose="020B0503020204020204" charset="-122"/>
                 <a:cs typeface="Menlo Regular" panose="020B0609030804020204" charset="0"/>
                 <a:sym typeface="+mn-ea"/>
               </a:rPr>
@@ -15876,7 +15880,7 @@
                 </a:schemeClr>
               </a:solidFill>
               <a:latin typeface="Menlo Regular" panose="020B0609030804020204" charset="0"/>
-              <a:ea typeface="微软雅黑" charset="0"/>
+              <a:ea typeface="微软雅黑" panose="020B0503020204020204" charset="-122"/>
               <a:cs typeface="Menlo Regular" panose="020B0609030804020204" charset="0"/>
               <a:sym typeface="+mn-ea"/>
             </a:endParaRPr>
@@ -15901,7 +15905,7 @@
                 </a:schemeClr>
               </a:solidFill>
               <a:latin typeface="Menlo Regular" panose="020B0609030804020204" charset="0"/>
-              <a:ea typeface="微软雅黑" charset="0"/>
+              <a:ea typeface="微软雅黑" panose="020B0503020204020204" charset="-122"/>
               <a:cs typeface="Menlo Regular" panose="020B0609030804020204" charset="0"/>
               <a:sym typeface="+mn-ea"/>
             </a:endParaRPr>
@@ -15927,7 +15931,7 @@
                   </a:schemeClr>
                 </a:solidFill>
                 <a:latin typeface="Menlo Regular" panose="020B0609030804020204" charset="0"/>
-                <a:ea typeface="微软雅黑" charset="0"/>
+                <a:ea typeface="微软雅黑" panose="020B0503020204020204" charset="-122"/>
                 <a:cs typeface="Menlo Regular" panose="020B0609030804020204" charset="0"/>
                 <a:sym typeface="+mn-ea"/>
               </a:rPr>
@@ -15942,7 +15946,7 @@
                   </a:schemeClr>
                 </a:solidFill>
                 <a:latin typeface="Menlo Regular" panose="020B0609030804020204" charset="0"/>
-                <a:ea typeface="微软雅黑" charset="0"/>
+                <a:ea typeface="微软雅黑" panose="020B0503020204020204" charset="-122"/>
                 <a:cs typeface="Menlo Regular" panose="020B0609030804020204" charset="0"/>
                 <a:sym typeface="+mn-ea"/>
               </a:rPr>
@@ -15956,7 +15960,7 @@
                 </a:schemeClr>
               </a:solidFill>
               <a:latin typeface="Menlo Regular" panose="020B0609030804020204" charset="0"/>
-              <a:ea typeface="微软雅黑" charset="0"/>
+              <a:ea typeface="微软雅黑" panose="020B0503020204020204" charset="-122"/>
               <a:cs typeface="Menlo Regular" panose="020B0609030804020204" charset="0"/>
               <a:sym typeface="+mn-ea"/>
             </a:endParaRPr>
@@ -15982,7 +15986,7 @@
                   </a:schemeClr>
                 </a:solidFill>
                 <a:latin typeface="Menlo Regular" panose="020B0609030804020204" charset="0"/>
-                <a:ea typeface="微软雅黑" charset="0"/>
+                <a:ea typeface="微软雅黑" panose="020B0503020204020204" charset="-122"/>
                 <a:cs typeface="Menlo Regular" panose="020B0609030804020204" charset="0"/>
                 <a:sym typeface="+mn-ea"/>
               </a:rPr>
@@ -15996,7 +16000,7 @@
                 </a:schemeClr>
               </a:solidFill>
               <a:latin typeface="Menlo Regular" panose="020B0609030804020204" charset="0"/>
-              <a:ea typeface="微软雅黑" charset="0"/>
+              <a:ea typeface="微软雅黑" panose="020B0503020204020204" charset="-122"/>
               <a:cs typeface="Menlo Regular" panose="020B0609030804020204" charset="0"/>
               <a:sym typeface="+mn-ea"/>
             </a:endParaRPr>
@@ -16022,7 +16026,7 @@
                   </a:schemeClr>
                 </a:solidFill>
                 <a:latin typeface="Menlo Regular" panose="020B0609030804020204" charset="0"/>
-                <a:ea typeface="微软雅黑" charset="0"/>
+                <a:ea typeface="微软雅黑" panose="020B0503020204020204" charset="-122"/>
                 <a:cs typeface="Menlo Regular" panose="020B0609030804020204" charset="0"/>
                 <a:sym typeface="+mn-ea"/>
               </a:rPr>
@@ -16037,7 +16041,7 @@
                   </a:schemeClr>
                 </a:solidFill>
                 <a:latin typeface="Menlo Regular" panose="020B0609030804020204" charset="0"/>
-                <a:ea typeface="微软雅黑" charset="0"/>
+                <a:ea typeface="微软雅黑" panose="020B0503020204020204" charset="-122"/>
                 <a:cs typeface="Menlo Regular" panose="020B0609030804020204" charset="0"/>
                 <a:sym typeface="+mn-ea"/>
               </a:rPr>
@@ -16051,7 +16055,7 @@
                 </a:schemeClr>
               </a:solidFill>
               <a:latin typeface="Menlo Regular" panose="020B0609030804020204" charset="0"/>
-              <a:ea typeface="微软雅黑" charset="0"/>
+              <a:ea typeface="微软雅黑" panose="020B0503020204020204" charset="-122"/>
               <a:cs typeface="Menlo Regular" panose="020B0609030804020204" charset="0"/>
               <a:sym typeface="+mn-ea"/>
             </a:endParaRPr>
@@ -16077,7 +16081,7 @@
                   </a:schemeClr>
                 </a:solidFill>
                 <a:latin typeface="Menlo Regular" panose="020B0609030804020204" charset="0"/>
-                <a:ea typeface="微软雅黑" charset="0"/>
+                <a:ea typeface="微软雅黑" panose="020B0503020204020204" charset="-122"/>
                 <a:cs typeface="Menlo Regular" panose="020B0609030804020204" charset="0"/>
                 <a:sym typeface="+mn-ea"/>
               </a:rPr>
@@ -16091,7 +16095,7 @@
                 </a:schemeClr>
               </a:solidFill>
               <a:latin typeface="Menlo Regular" panose="020B0609030804020204" charset="0"/>
-              <a:ea typeface="微软雅黑" charset="0"/>
+              <a:ea typeface="微软雅黑" panose="020B0503020204020204" charset="-122"/>
               <a:cs typeface="Menlo Regular" panose="020B0609030804020204" charset="0"/>
               <a:sym typeface="+mn-ea"/>
             </a:endParaRPr>
@@ -16117,7 +16121,7 @@
                   </a:schemeClr>
                 </a:solidFill>
                 <a:latin typeface="Menlo Regular" panose="020B0609030804020204" charset="0"/>
-                <a:ea typeface="微软雅黑" charset="0"/>
+                <a:ea typeface="微软雅黑" panose="020B0503020204020204" charset="-122"/>
                 <a:cs typeface="Menlo Regular" panose="020B0609030804020204" charset="0"/>
                 <a:sym typeface="+mn-ea"/>
               </a:rPr>
@@ -16132,7 +16136,7 @@
                   </a:schemeClr>
                 </a:solidFill>
                 <a:latin typeface="Menlo Regular" panose="020B0609030804020204" charset="0"/>
-                <a:ea typeface="微软雅黑" charset="0"/>
+                <a:ea typeface="微软雅黑" panose="020B0503020204020204" charset="-122"/>
                 <a:cs typeface="Menlo Regular" panose="020B0609030804020204" charset="0"/>
                 <a:sym typeface="+mn-ea"/>
               </a:rPr>
@@ -16146,7 +16150,7 @@
                 </a:schemeClr>
               </a:solidFill>
               <a:latin typeface="Menlo Regular" panose="020B0609030804020204" charset="0"/>
-              <a:ea typeface="微软雅黑" charset="0"/>
+              <a:ea typeface="微软雅黑" panose="020B0503020204020204" charset="-122"/>
               <a:cs typeface="Menlo Regular" panose="020B0609030804020204" charset="0"/>
               <a:sym typeface="+mn-ea"/>
             </a:endParaRPr>
@@ -16172,7 +16176,7 @@
                   </a:schemeClr>
                 </a:solidFill>
                 <a:latin typeface="Menlo Regular" panose="020B0609030804020204" charset="0"/>
-                <a:ea typeface="微软雅黑" charset="0"/>
+                <a:ea typeface="微软雅黑" panose="020B0503020204020204" charset="-122"/>
                 <a:cs typeface="Menlo Regular" panose="020B0609030804020204" charset="0"/>
                 <a:sym typeface="+mn-ea"/>
               </a:rPr>
@@ -16186,7 +16190,7 @@
                 </a:schemeClr>
               </a:solidFill>
               <a:latin typeface="Menlo Regular" panose="020B0609030804020204" charset="0"/>
-              <a:ea typeface="微软雅黑" charset="0"/>
+              <a:ea typeface="微软雅黑" panose="020B0503020204020204" charset="-122"/>
               <a:cs typeface="Menlo Regular" panose="020B0609030804020204" charset="0"/>
               <a:sym typeface="+mn-ea"/>
             </a:endParaRPr>
@@ -16287,9 +16291,9 @@
                 <a:solidFill>
                   <a:schemeClr val="bg1"/>
                 </a:solidFill>
-                <a:latin typeface="微软雅黑" charset="0"/>
-                <a:ea typeface="微软雅黑" charset="0"/>
-                <a:cs typeface="微软雅黑" charset="0"/>
+                <a:latin typeface="微软雅黑" panose="020B0503020204020204" charset="-122"/>
+                <a:ea typeface="微软雅黑" panose="020B0503020204020204" charset="-122"/>
+                <a:cs typeface="微软雅黑" panose="020B0503020204020204" charset="-122"/>
               </a:rPr>
               <a:t>线程安全问题</a:t>
             </a:r>
@@ -16298,9 +16302,9 @@
                 <a:solidFill>
                   <a:schemeClr val="bg1"/>
                 </a:solidFill>
-                <a:latin typeface="微软雅黑" charset="0"/>
-                <a:ea typeface="微软雅黑" charset="0"/>
-                <a:cs typeface="微软雅黑" charset="0"/>
+                <a:latin typeface="微软雅黑" panose="020B0503020204020204" charset="-122"/>
+                <a:ea typeface="微软雅黑" panose="020B0503020204020204" charset="-122"/>
+                <a:cs typeface="微软雅黑" panose="020B0503020204020204" charset="-122"/>
               </a:rPr>
             </a:br>
             <a:r>
@@ -16308,9 +16312,9 @@
                 <a:solidFill>
                   <a:schemeClr val="bg1"/>
                 </a:solidFill>
-                <a:latin typeface="微软雅黑" charset="0"/>
-                <a:ea typeface="微软雅黑" charset="0"/>
-                <a:cs typeface="微软雅黑" charset="0"/>
+                <a:latin typeface="微软雅黑" panose="020B0503020204020204" charset="-122"/>
+                <a:ea typeface="微软雅黑" panose="020B0503020204020204" charset="-122"/>
+                <a:cs typeface="微软雅黑" panose="020B0503020204020204" charset="-122"/>
               </a:rPr>
               <a:t>以及</a:t>
             </a:r>
@@ -16319,9 +16323,9 @@
                 <a:solidFill>
                   <a:schemeClr val="bg1"/>
                 </a:solidFill>
-                <a:latin typeface="微软雅黑" charset="0"/>
-                <a:ea typeface="微软雅黑" charset="0"/>
-                <a:cs typeface="微软雅黑" charset="0"/>
+                <a:latin typeface="微软雅黑" panose="020B0503020204020204" charset="-122"/>
+                <a:ea typeface="微软雅黑" panose="020B0503020204020204" charset="-122"/>
+                <a:cs typeface="微软雅黑" panose="020B0503020204020204" charset="-122"/>
               </a:rPr>
               <a:t>Lock</a:t>
             </a:r>
@@ -16330,9 +16334,9 @@
                 <a:solidFill>
                   <a:schemeClr val="bg1"/>
                 </a:solidFill>
-                <a:latin typeface="微软雅黑" charset="0"/>
-                <a:ea typeface="微软雅黑" charset="0"/>
-                <a:cs typeface="微软雅黑" charset="0"/>
+                <a:latin typeface="微软雅黑" panose="020B0503020204020204" charset="-122"/>
+                <a:ea typeface="微软雅黑" panose="020B0503020204020204" charset="-122"/>
+                <a:cs typeface="微软雅黑" panose="020B0503020204020204" charset="-122"/>
               </a:rPr>
               <a:t>解决方案</a:t>
             </a:r>
@@ -16340,9 +16344,9 @@
               <a:solidFill>
                 <a:schemeClr val="bg1"/>
               </a:solidFill>
-              <a:latin typeface="微软雅黑" charset="0"/>
-              <a:ea typeface="微软雅黑" charset="0"/>
-              <a:cs typeface="微软雅黑" charset="0"/>
+              <a:latin typeface="微软雅黑" panose="020B0503020204020204" charset="-122"/>
+              <a:ea typeface="微软雅黑" panose="020B0503020204020204" charset="-122"/>
+              <a:cs typeface="微软雅黑" panose="020B0503020204020204" charset="-122"/>
             </a:endParaRPr>
           </a:p>
         </p:txBody>
@@ -16397,9 +16401,9 @@
                 <a:solidFill>
                   <a:schemeClr val="bg1"/>
                 </a:solidFill>
-                <a:latin typeface="微软雅黑" charset="0"/>
-                <a:ea typeface="微软雅黑" charset="0"/>
-                <a:cs typeface="微软雅黑" charset="0"/>
+                <a:latin typeface="微软雅黑" panose="020B0503020204020204" charset="-122"/>
+                <a:ea typeface="微软雅黑" panose="020B0503020204020204" charset="-122"/>
+                <a:cs typeface="微软雅黑" panose="020B0503020204020204" charset="-122"/>
                 <a:sym typeface="+mn-ea"/>
               </a:rPr>
               <a:t>Python</a:t>
@@ -16409,9 +16413,9 @@
                 <a:solidFill>
                   <a:schemeClr val="bg1"/>
                 </a:solidFill>
-                <a:latin typeface="微软雅黑" charset="0"/>
-                <a:ea typeface="微软雅黑" charset="0"/>
-                <a:cs typeface="微软雅黑" charset="0"/>
+                <a:latin typeface="微软雅黑" panose="020B0503020204020204" charset="-122"/>
+                <a:ea typeface="微软雅黑" panose="020B0503020204020204" charset="-122"/>
+                <a:cs typeface="微软雅黑" panose="020B0503020204020204" charset="-122"/>
                 <a:sym typeface="+mn-ea"/>
               </a:rPr>
               <a:t> 并发编程</a:t>
@@ -16420,9 +16424,9 @@
               <a:solidFill>
                 <a:schemeClr val="bg1"/>
               </a:solidFill>
-              <a:latin typeface="微软雅黑" charset="0"/>
-              <a:ea typeface="微软雅黑" charset="0"/>
-              <a:cs typeface="微软雅黑" charset="0"/>
+              <a:latin typeface="微软雅黑" panose="020B0503020204020204" charset="-122"/>
+              <a:ea typeface="微软雅黑" panose="020B0503020204020204" charset="-122"/>
+              <a:cs typeface="微软雅黑" panose="020B0503020204020204" charset="-122"/>
               <a:sym typeface="+mn-ea"/>
             </a:endParaRPr>
           </a:p>
@@ -16474,7 +16478,7 @@
               <a:lnSpc>
                 <a:spcPct val="150000"/>
               </a:lnSpc>
-              <a:buFont typeface="Arial" panose="020B0604020202090204" pitchFamily="34" charset="0"/>
+              <a:buFont typeface="Arial" panose="020B0604020202020204" pitchFamily="34" charset="0"/>
               <a:buNone/>
             </a:pPr>
             <a:r>
@@ -16482,9 +16486,9 @@
                 <a:solidFill>
                   <a:schemeClr val="accent1"/>
                 </a:solidFill>
-                <a:latin typeface="微软雅黑" charset="0"/>
-                <a:ea typeface="微软雅黑" charset="0"/>
-                <a:cs typeface="微软雅黑" charset="0"/>
+                <a:latin typeface="微软雅黑" panose="020B0503020204020204" charset="-122"/>
+                <a:ea typeface="微软雅黑" panose="020B0503020204020204" charset="-122"/>
+                <a:cs typeface="微软雅黑" panose="020B0503020204020204" charset="-122"/>
               </a:rPr>
               <a:t>本节提纲</a:t>
             </a:r>
@@ -16492,9 +16496,9 @@
               <a:solidFill>
                 <a:schemeClr val="accent1"/>
               </a:solidFill>
-              <a:latin typeface="微软雅黑" charset="0"/>
-              <a:ea typeface="微软雅黑" charset="0"/>
-              <a:cs typeface="微软雅黑" charset="0"/>
+              <a:latin typeface="微软雅黑" panose="020B0503020204020204" charset="-122"/>
+              <a:ea typeface="微软雅黑" panose="020B0503020204020204" charset="-122"/>
+              <a:cs typeface="微软雅黑" panose="020B0503020204020204" charset="-122"/>
             </a:endParaRPr>
           </a:p>
         </p:txBody>
@@ -16533,24 +16537,24 @@
             </a:pPr>
             <a:r>
               <a:rPr lang="en-US" altLang="zh-CN" sz="3200">
-                <a:latin typeface="微软雅黑" charset="0"/>
-                <a:ea typeface="微软雅黑" charset="0"/>
-                <a:cs typeface="微软雅黑" charset="0"/>
+                <a:latin typeface="微软雅黑" panose="020B0503020204020204" charset="-122"/>
+                <a:ea typeface="微软雅黑" panose="020B0503020204020204" charset="-122"/>
+                <a:cs typeface="微软雅黑" panose="020B0503020204020204" charset="-122"/>
               </a:rPr>
               <a:t>1</a:t>
             </a:r>
             <a:r>
               <a:rPr lang="zh-CN" altLang="en-US" sz="3200">
-                <a:latin typeface="微软雅黑" charset="0"/>
-                <a:ea typeface="微软雅黑" charset="0"/>
-                <a:cs typeface="微软雅黑" charset="0"/>
+                <a:latin typeface="微软雅黑" panose="020B0503020204020204" charset="-122"/>
+                <a:ea typeface="微软雅黑" panose="020B0503020204020204" charset="-122"/>
+                <a:cs typeface="微软雅黑" panose="020B0503020204020204" charset="-122"/>
               </a:rPr>
               <a:t>、线程安全概念介绍</a:t>
             </a:r>
             <a:endParaRPr lang="en-US" altLang="zh-CN" sz="3200">
-              <a:latin typeface="微软雅黑" charset="0"/>
-              <a:ea typeface="微软雅黑" charset="0"/>
-              <a:cs typeface="微软雅黑" charset="0"/>
+              <a:latin typeface="微软雅黑" panose="020B0503020204020204" charset="-122"/>
+              <a:ea typeface="微软雅黑" panose="020B0503020204020204" charset="-122"/>
+              <a:cs typeface="微软雅黑" panose="020B0503020204020204" charset="-122"/>
             </a:endParaRPr>
           </a:p>
           <a:p>
@@ -16567,40 +16571,40 @@
             </a:pPr>
             <a:r>
               <a:rPr lang="en-US" altLang="zh-CN" sz="3200">
-                <a:latin typeface="微软雅黑" charset="0"/>
-                <a:ea typeface="微软雅黑" charset="0"/>
-                <a:cs typeface="微软雅黑" charset="0"/>
+                <a:latin typeface="微软雅黑" panose="020B0503020204020204" charset="-122"/>
+                <a:ea typeface="微软雅黑" panose="020B0503020204020204" charset="-122"/>
+                <a:cs typeface="微软雅黑" panose="020B0503020204020204" charset="-122"/>
               </a:rPr>
               <a:t>2</a:t>
             </a:r>
             <a:r>
               <a:rPr lang="zh-CN" altLang="en-US" sz="3200">
-                <a:latin typeface="微软雅黑" charset="0"/>
-                <a:ea typeface="微软雅黑" charset="0"/>
-                <a:cs typeface="微软雅黑" charset="0"/>
+                <a:latin typeface="微软雅黑" panose="020B0503020204020204" charset="-122"/>
+                <a:ea typeface="微软雅黑" panose="020B0503020204020204" charset="-122"/>
+                <a:cs typeface="微软雅黑" panose="020B0503020204020204" charset="-122"/>
               </a:rPr>
               <a:t>、</a:t>
             </a:r>
             <a:r>
               <a:rPr lang="en-US" altLang="zh-CN" sz="3200">
-                <a:latin typeface="微软雅黑" charset="0"/>
-                <a:ea typeface="微软雅黑" charset="0"/>
-                <a:cs typeface="微软雅黑" charset="0"/>
+                <a:latin typeface="微软雅黑" panose="020B0503020204020204" charset="-122"/>
+                <a:ea typeface="微软雅黑" panose="020B0503020204020204" charset="-122"/>
+                <a:cs typeface="微软雅黑" panose="020B0503020204020204" charset="-122"/>
               </a:rPr>
               <a:t>Lock </a:t>
             </a:r>
             <a:r>
               <a:rPr lang="zh-CN" altLang="en-US" sz="3200">
-                <a:latin typeface="微软雅黑" charset="0"/>
-                <a:ea typeface="微软雅黑" charset="0"/>
-                <a:cs typeface="微软雅黑" charset="0"/>
+                <a:latin typeface="微软雅黑" panose="020B0503020204020204" charset="-122"/>
+                <a:ea typeface="微软雅黑" panose="020B0503020204020204" charset="-122"/>
+                <a:cs typeface="微软雅黑" panose="020B0503020204020204" charset="-122"/>
               </a:rPr>
               <a:t>用于解决线程安全问题</a:t>
             </a:r>
             <a:endParaRPr lang="zh-CN" altLang="en-US" sz="3200">
-              <a:latin typeface="微软雅黑" charset="0"/>
-              <a:ea typeface="微软雅黑" charset="0"/>
-              <a:cs typeface="微软雅黑" charset="0"/>
+              <a:latin typeface="微软雅黑" panose="020B0503020204020204" charset="-122"/>
+              <a:ea typeface="微软雅黑" panose="020B0503020204020204" charset="-122"/>
+              <a:cs typeface="微软雅黑" panose="020B0503020204020204" charset="-122"/>
             </a:endParaRPr>
           </a:p>
           <a:p>
@@ -16617,24 +16621,24 @@
             </a:pPr>
             <a:r>
               <a:rPr lang="en-US" altLang="zh-CN" sz="3200">
-                <a:latin typeface="微软雅黑" charset="0"/>
-                <a:ea typeface="微软雅黑" charset="0"/>
-                <a:cs typeface="微软雅黑" charset="0"/>
+                <a:latin typeface="微软雅黑" panose="020B0503020204020204" charset="-122"/>
+                <a:ea typeface="微软雅黑" panose="020B0503020204020204" charset="-122"/>
+                <a:cs typeface="微软雅黑" panose="020B0503020204020204" charset="-122"/>
               </a:rPr>
               <a:t>3</a:t>
             </a:r>
             <a:r>
               <a:rPr lang="zh-CN" altLang="en-US" sz="3200">
-                <a:latin typeface="微软雅黑" charset="0"/>
-                <a:ea typeface="微软雅黑" charset="0"/>
-                <a:cs typeface="微软雅黑" charset="0"/>
+                <a:latin typeface="微软雅黑" panose="020B0503020204020204" charset="-122"/>
+                <a:ea typeface="微软雅黑" panose="020B0503020204020204" charset="-122"/>
+                <a:cs typeface="微软雅黑" panose="020B0503020204020204" charset="-122"/>
               </a:rPr>
               <a:t>、实例代码演示问题 以及 解决方案</a:t>
             </a:r>
             <a:endParaRPr lang="zh-CN" altLang="en-US" sz="3200">
-              <a:latin typeface="微软雅黑" charset="0"/>
-              <a:ea typeface="微软雅黑" charset="0"/>
-              <a:cs typeface="微软雅黑" charset="0"/>
+              <a:latin typeface="微软雅黑" panose="020B0503020204020204" charset="-122"/>
+              <a:ea typeface="微软雅黑" panose="020B0503020204020204" charset="-122"/>
+              <a:cs typeface="微软雅黑" panose="020B0503020204020204" charset="-122"/>
             </a:endParaRPr>
           </a:p>
         </p:txBody>
@@ -16689,7 +16693,7 @@
               <a:lnSpc>
                 <a:spcPct val="150000"/>
               </a:lnSpc>
-              <a:buFont typeface="Arial" panose="020B0604020202090204" pitchFamily="34" charset="0"/>
+              <a:buFont typeface="Arial" panose="020B0604020202020204" pitchFamily="34" charset="0"/>
               <a:buNone/>
             </a:pPr>
             <a:r>
@@ -16697,9 +16701,9 @@
                 <a:solidFill>
                   <a:schemeClr val="accent1"/>
                 </a:solidFill>
-                <a:latin typeface="微软雅黑" charset="0"/>
-                <a:ea typeface="微软雅黑" charset="0"/>
-                <a:cs typeface="微软雅黑" charset="0"/>
+                <a:latin typeface="微软雅黑" panose="020B0503020204020204" charset="-122"/>
+                <a:ea typeface="微软雅黑" panose="020B0503020204020204" charset="-122"/>
+                <a:cs typeface="微软雅黑" panose="020B0503020204020204" charset="-122"/>
               </a:rPr>
               <a:t>1、线程安全概念介绍</a:t>
             </a:r>
@@ -16707,9 +16711,9 @@
               <a:solidFill>
                 <a:schemeClr val="accent1"/>
               </a:solidFill>
-              <a:latin typeface="微软雅黑" charset="0"/>
-              <a:ea typeface="微软雅黑" charset="0"/>
-              <a:cs typeface="微软雅黑" charset="0"/>
+              <a:latin typeface="微软雅黑" panose="020B0503020204020204" charset="-122"/>
+              <a:ea typeface="微软雅黑" panose="020B0503020204020204" charset="-122"/>
+              <a:cs typeface="微软雅黑" panose="020B0503020204020204" charset="-122"/>
             </a:endParaRPr>
           </a:p>
         </p:txBody>
@@ -16748,16 +16752,16 @@
             </a:pPr>
             <a:r>
               <a:rPr sz="2000">
-                <a:latin typeface="微软雅黑" charset="0"/>
-                <a:ea typeface="微软雅黑" charset="0"/>
-                <a:cs typeface="微软雅黑" charset="0"/>
+                <a:latin typeface="微软雅黑" panose="020B0503020204020204" charset="-122"/>
+                <a:ea typeface="微软雅黑" panose="020B0503020204020204" charset="-122"/>
+                <a:cs typeface="微软雅黑" panose="020B0503020204020204" charset="-122"/>
               </a:rPr>
               <a:t>线程安全指某个函数、函数库在多线程环境中被调用时，能够正确地处理多个线程之间的共享变量，使程序功能正确完成。</a:t>
             </a:r>
             <a:endParaRPr sz="2000">
-              <a:latin typeface="微软雅黑" charset="0"/>
-              <a:ea typeface="微软雅黑" charset="0"/>
-              <a:cs typeface="微软雅黑" charset="0"/>
+              <a:latin typeface="微软雅黑" panose="020B0503020204020204" charset="-122"/>
+              <a:ea typeface="微软雅黑" panose="020B0503020204020204" charset="-122"/>
+              <a:cs typeface="微软雅黑" panose="020B0503020204020204" charset="-122"/>
             </a:endParaRPr>
           </a:p>
         </p:txBody>
@@ -16859,16 +16863,16 @@
             </a:pPr>
             <a:r>
               <a:rPr lang="zh-CN" altLang="en-US" sz="2000">
-                <a:latin typeface="微软雅黑" charset="0"/>
-                <a:ea typeface="微软雅黑" charset="0"/>
-                <a:cs typeface="微软雅黑" charset="0"/>
+                <a:latin typeface="微软雅黑" panose="020B0503020204020204" charset="-122"/>
+                <a:ea typeface="微软雅黑" panose="020B0503020204020204" charset="-122"/>
+                <a:cs typeface="微软雅黑" panose="020B0503020204020204" charset="-122"/>
               </a:rPr>
               <a:t>由于线程的执行随时会发生切换，就造成了不可预料的结果，出现线程不安全</a:t>
             </a:r>
             <a:endParaRPr lang="zh-CN" altLang="en-US" sz="2000">
-              <a:latin typeface="微软雅黑" charset="0"/>
-              <a:ea typeface="微软雅黑" charset="0"/>
-              <a:cs typeface="微软雅黑" charset="0"/>
+              <a:latin typeface="微软雅黑" panose="020B0503020204020204" charset="-122"/>
+              <a:ea typeface="微软雅黑" panose="020B0503020204020204" charset="-122"/>
+              <a:cs typeface="微软雅黑" panose="020B0503020204020204" charset="-122"/>
             </a:endParaRPr>
           </a:p>
         </p:txBody>
@@ -17736,21 +17740,21 @@
               <a:lnSpc>
                 <a:spcPct val="150000"/>
               </a:lnSpc>
-              <a:buFont typeface="Arial" panose="020B0604020202090204" pitchFamily="34" charset="0"/>
+              <a:buFont typeface="Arial" panose="020B0604020202020204" pitchFamily="34" charset="0"/>
               <a:buNone/>
             </a:pPr>
             <a:r>
               <a:rPr lang="zh-CN" altLang="en-US" sz="4800">
-                <a:latin typeface="微软雅黑" charset="0"/>
-                <a:ea typeface="微软雅黑" charset="0"/>
-                <a:cs typeface="微软雅黑" charset="0"/>
+                <a:latin typeface="微软雅黑" panose="020B0503020204020204" charset="-122"/>
+                <a:ea typeface="微软雅黑" panose="020B0503020204020204" charset="-122"/>
+                <a:cs typeface="微软雅黑" panose="020B0503020204020204" charset="-122"/>
               </a:rPr>
               <a:t>为什么要引入并发编程？</a:t>
             </a:r>
             <a:endParaRPr lang="zh-CN" altLang="en-US" sz="4800">
-              <a:latin typeface="微软雅黑" charset="0"/>
-              <a:ea typeface="微软雅黑" charset="0"/>
-              <a:cs typeface="微软雅黑" charset="0"/>
+              <a:latin typeface="微软雅黑" panose="020B0503020204020204" charset="-122"/>
+              <a:ea typeface="微软雅黑" panose="020B0503020204020204" charset="-122"/>
+              <a:cs typeface="微软雅黑" panose="020B0503020204020204" charset="-122"/>
             </a:endParaRPr>
           </a:p>
         </p:txBody>
@@ -17894,7 +17898,7 @@
               <a:lnSpc>
                 <a:spcPct val="150000"/>
               </a:lnSpc>
-              <a:buFont typeface="Arial" panose="020B0604020202090204" pitchFamily="34" charset="0"/>
+              <a:buFont typeface="Arial" panose="020B0604020202020204" pitchFamily="34" charset="0"/>
               <a:buChar char="•"/>
             </a:pPr>
             <a:r>
@@ -17912,7 +17916,7 @@
               <a:lnSpc>
                 <a:spcPct val="150000"/>
               </a:lnSpc>
-              <a:buFont typeface="Arial" panose="020B0604020202090204" pitchFamily="34" charset="0"/>
+              <a:buFont typeface="Arial" panose="020B0604020202020204" pitchFamily="34" charset="0"/>
               <a:buChar char="•"/>
             </a:pPr>
             <a:r>
@@ -18402,7 +18406,7 @@
               <a:lnSpc>
                 <a:spcPct val="150000"/>
               </a:lnSpc>
-              <a:buFont typeface="Arial" panose="020B0604020202090204" pitchFamily="34" charset="0"/>
+              <a:buFont typeface="Arial" panose="020B0604020202020204" pitchFamily="34" charset="0"/>
               <a:buNone/>
             </a:pPr>
             <a:r>
@@ -18410,9 +18414,9 @@
                 <a:solidFill>
                   <a:schemeClr val="accent1"/>
                 </a:solidFill>
-                <a:latin typeface="微软雅黑" charset="0"/>
-                <a:ea typeface="微软雅黑" charset="0"/>
-                <a:cs typeface="微软雅黑" charset="0"/>
+                <a:latin typeface="微软雅黑" panose="020B0503020204020204" charset="-122"/>
+                <a:ea typeface="微软雅黑" panose="020B0503020204020204" charset="-122"/>
+                <a:cs typeface="微软雅黑" panose="020B0503020204020204" charset="-122"/>
               </a:rPr>
               <a:t>2、Lock 用于解决线程安全问题</a:t>
             </a:r>
@@ -18420,9 +18424,9 @@
               <a:solidFill>
                 <a:schemeClr val="accent1"/>
               </a:solidFill>
-              <a:latin typeface="微软雅黑" charset="0"/>
-              <a:ea typeface="微软雅黑" charset="0"/>
-              <a:cs typeface="微软雅黑" charset="0"/>
+              <a:latin typeface="微软雅黑" panose="020B0503020204020204" charset="-122"/>
+              <a:ea typeface="微软雅黑" panose="020B0503020204020204" charset="-122"/>
+              <a:cs typeface="微软雅黑" panose="020B0503020204020204" charset="-122"/>
             </a:endParaRPr>
           </a:p>
         </p:txBody>
@@ -18929,9 +18933,9 @@
                 <a:solidFill>
                   <a:schemeClr val="bg1"/>
                 </a:solidFill>
-                <a:latin typeface="微软雅黑" charset="0"/>
-                <a:ea typeface="微软雅黑" charset="0"/>
-                <a:cs typeface="微软雅黑" charset="0"/>
+                <a:latin typeface="微软雅黑" panose="020B0503020204020204" charset="-122"/>
+                <a:ea typeface="微软雅黑" panose="020B0503020204020204" charset="-122"/>
+                <a:cs typeface="微软雅黑" panose="020B0503020204020204" charset="-122"/>
               </a:rPr>
               <a:t>好用的线程池</a:t>
             </a:r>
@@ -18940,9 +18944,9 @@
                 <a:solidFill>
                   <a:schemeClr val="bg1"/>
                 </a:solidFill>
-                <a:latin typeface="微软雅黑" charset="0"/>
-                <a:ea typeface="微软雅黑" charset="0"/>
-                <a:cs typeface="微软雅黑" charset="0"/>
+                <a:latin typeface="微软雅黑" panose="020B0503020204020204" charset="-122"/>
+                <a:ea typeface="微软雅黑" panose="020B0503020204020204" charset="-122"/>
+                <a:cs typeface="微软雅黑" panose="020B0503020204020204" charset="-122"/>
               </a:rPr>
             </a:br>
             <a:r>
@@ -18950,9 +18954,9 @@
                 <a:solidFill>
                   <a:schemeClr val="bg1"/>
                 </a:solidFill>
-                <a:latin typeface="微软雅黑" charset="0"/>
-                <a:ea typeface="微软雅黑" charset="0"/>
-                <a:cs typeface="微软雅黑" charset="0"/>
+                <a:latin typeface="微软雅黑" panose="020B0503020204020204" charset="-122"/>
+                <a:ea typeface="微软雅黑" panose="020B0503020204020204" charset="-122"/>
+                <a:cs typeface="微软雅黑" panose="020B0503020204020204" charset="-122"/>
               </a:rPr>
               <a:t>ThreadPoolExecutor</a:t>
             </a:r>
@@ -18960,9 +18964,9 @@
               <a:solidFill>
                 <a:schemeClr val="bg1"/>
               </a:solidFill>
-              <a:latin typeface="微软雅黑" charset="0"/>
-              <a:ea typeface="微软雅黑" charset="0"/>
-              <a:cs typeface="微软雅黑" charset="0"/>
+              <a:latin typeface="微软雅黑" panose="020B0503020204020204" charset="-122"/>
+              <a:ea typeface="微软雅黑" panose="020B0503020204020204" charset="-122"/>
+              <a:cs typeface="微软雅黑" panose="020B0503020204020204" charset="-122"/>
             </a:endParaRPr>
           </a:p>
         </p:txBody>
@@ -19017,9 +19021,9 @@
                 <a:solidFill>
                   <a:schemeClr val="bg1"/>
                 </a:solidFill>
-                <a:latin typeface="微软雅黑" charset="0"/>
-                <a:ea typeface="微软雅黑" charset="0"/>
-                <a:cs typeface="微软雅黑" charset="0"/>
+                <a:latin typeface="微软雅黑" panose="020B0503020204020204" charset="-122"/>
+                <a:ea typeface="微软雅黑" panose="020B0503020204020204" charset="-122"/>
+                <a:cs typeface="微软雅黑" panose="020B0503020204020204" charset="-122"/>
                 <a:sym typeface="+mn-ea"/>
               </a:rPr>
               <a:t>Python</a:t>
@@ -19029,9 +19033,9 @@
                 <a:solidFill>
                   <a:schemeClr val="bg1"/>
                 </a:solidFill>
-                <a:latin typeface="微软雅黑" charset="0"/>
-                <a:ea typeface="微软雅黑" charset="0"/>
-                <a:cs typeface="微软雅黑" charset="0"/>
+                <a:latin typeface="微软雅黑" panose="020B0503020204020204" charset="-122"/>
+                <a:ea typeface="微软雅黑" panose="020B0503020204020204" charset="-122"/>
+                <a:cs typeface="微软雅黑" panose="020B0503020204020204" charset="-122"/>
                 <a:sym typeface="+mn-ea"/>
               </a:rPr>
               <a:t> 并发编程</a:t>
@@ -19040,9 +19044,9 @@
               <a:solidFill>
                 <a:schemeClr val="bg1"/>
               </a:solidFill>
-              <a:latin typeface="微软雅黑" charset="0"/>
-              <a:ea typeface="微软雅黑" charset="0"/>
-              <a:cs typeface="微软雅黑" charset="0"/>
+              <a:latin typeface="微软雅黑" panose="020B0503020204020204" charset="-122"/>
+              <a:ea typeface="微软雅黑" panose="020B0503020204020204" charset="-122"/>
+              <a:cs typeface="微软雅黑" panose="020B0503020204020204" charset="-122"/>
               <a:sym typeface="+mn-ea"/>
             </a:endParaRPr>
           </a:p>
@@ -19094,7 +19098,7 @@
               <a:lnSpc>
                 <a:spcPct val="150000"/>
               </a:lnSpc>
-              <a:buFont typeface="Arial" panose="020B0604020202090204" pitchFamily="34" charset="0"/>
+              <a:buFont typeface="Arial" panose="020B0604020202020204" pitchFamily="34" charset="0"/>
               <a:buNone/>
             </a:pPr>
             <a:r>
@@ -19102,9 +19106,9 @@
                 <a:solidFill>
                   <a:schemeClr val="accent1"/>
                 </a:solidFill>
-                <a:latin typeface="微软雅黑" charset="0"/>
-                <a:ea typeface="微软雅黑" charset="0"/>
-                <a:cs typeface="微软雅黑" charset="0"/>
+                <a:latin typeface="微软雅黑" panose="020B0503020204020204" charset="-122"/>
+                <a:ea typeface="微软雅黑" panose="020B0503020204020204" charset="-122"/>
+                <a:cs typeface="微软雅黑" panose="020B0503020204020204" charset="-122"/>
               </a:rPr>
               <a:t>本节提纲</a:t>
             </a:r>
@@ -19112,9 +19116,9 @@
               <a:solidFill>
                 <a:schemeClr val="accent1"/>
               </a:solidFill>
-              <a:latin typeface="微软雅黑" charset="0"/>
-              <a:ea typeface="微软雅黑" charset="0"/>
-              <a:cs typeface="微软雅黑" charset="0"/>
+              <a:latin typeface="微软雅黑" panose="020B0503020204020204" charset="-122"/>
+              <a:ea typeface="微软雅黑" panose="020B0503020204020204" charset="-122"/>
+              <a:cs typeface="微软雅黑" panose="020B0503020204020204" charset="-122"/>
             </a:endParaRPr>
           </a:p>
         </p:txBody>
@@ -19153,24 +19157,24 @@
             </a:pPr>
             <a:r>
               <a:rPr lang="en-US" altLang="zh-CN" sz="3200">
-                <a:latin typeface="微软雅黑" charset="0"/>
-                <a:ea typeface="微软雅黑" charset="0"/>
-                <a:cs typeface="微软雅黑" charset="0"/>
+                <a:latin typeface="微软雅黑" panose="020B0503020204020204" charset="-122"/>
+                <a:ea typeface="微软雅黑" panose="020B0503020204020204" charset="-122"/>
+                <a:cs typeface="微软雅黑" panose="020B0503020204020204" charset="-122"/>
               </a:rPr>
               <a:t>1</a:t>
             </a:r>
             <a:r>
               <a:rPr lang="zh-CN" altLang="en-US" sz="3200">
-                <a:latin typeface="微软雅黑" charset="0"/>
-                <a:ea typeface="微软雅黑" charset="0"/>
-                <a:cs typeface="微软雅黑" charset="0"/>
+                <a:latin typeface="微软雅黑" panose="020B0503020204020204" charset="-122"/>
+                <a:ea typeface="微软雅黑" panose="020B0503020204020204" charset="-122"/>
+                <a:cs typeface="微软雅黑" panose="020B0503020204020204" charset="-122"/>
               </a:rPr>
               <a:t>、线程池的原理</a:t>
             </a:r>
             <a:endParaRPr lang="en-US" altLang="zh-CN" sz="3200">
-              <a:latin typeface="微软雅黑" charset="0"/>
-              <a:ea typeface="微软雅黑" charset="0"/>
-              <a:cs typeface="微软雅黑" charset="0"/>
+              <a:latin typeface="微软雅黑" panose="020B0503020204020204" charset="-122"/>
+              <a:ea typeface="微软雅黑" panose="020B0503020204020204" charset="-122"/>
+              <a:cs typeface="微软雅黑" panose="020B0503020204020204" charset="-122"/>
             </a:endParaRPr>
           </a:p>
           <a:p>
@@ -19187,24 +19191,24 @@
             </a:pPr>
             <a:r>
               <a:rPr lang="en-US" altLang="zh-CN" sz="3200">
-                <a:latin typeface="微软雅黑" charset="0"/>
-                <a:ea typeface="微软雅黑" charset="0"/>
-                <a:cs typeface="微软雅黑" charset="0"/>
+                <a:latin typeface="微软雅黑" panose="020B0503020204020204" charset="-122"/>
+                <a:ea typeface="微软雅黑" panose="020B0503020204020204" charset="-122"/>
+                <a:cs typeface="微软雅黑" panose="020B0503020204020204" charset="-122"/>
               </a:rPr>
               <a:t>2</a:t>
             </a:r>
             <a:r>
               <a:rPr lang="zh-CN" altLang="en-US" sz="3200">
-                <a:latin typeface="微软雅黑" charset="0"/>
-                <a:ea typeface="微软雅黑" charset="0"/>
-                <a:cs typeface="微软雅黑" charset="0"/>
+                <a:latin typeface="微软雅黑" panose="020B0503020204020204" charset="-122"/>
+                <a:ea typeface="微软雅黑" panose="020B0503020204020204" charset="-122"/>
+                <a:cs typeface="微软雅黑" panose="020B0503020204020204" charset="-122"/>
               </a:rPr>
               <a:t>、使用线程池的好处</a:t>
             </a:r>
             <a:endParaRPr lang="zh-CN" altLang="en-US" sz="3200">
-              <a:latin typeface="微软雅黑" charset="0"/>
-              <a:ea typeface="微软雅黑" charset="0"/>
-              <a:cs typeface="微软雅黑" charset="0"/>
+              <a:latin typeface="微软雅黑" panose="020B0503020204020204" charset="-122"/>
+              <a:ea typeface="微软雅黑" panose="020B0503020204020204" charset="-122"/>
+              <a:cs typeface="微软雅黑" panose="020B0503020204020204" charset="-122"/>
             </a:endParaRPr>
           </a:p>
           <a:p>
@@ -19221,24 +19225,24 @@
             </a:pPr>
             <a:r>
               <a:rPr lang="en-US" altLang="zh-CN" sz="3200">
-                <a:latin typeface="微软雅黑" charset="0"/>
-                <a:ea typeface="微软雅黑" charset="0"/>
-                <a:cs typeface="微软雅黑" charset="0"/>
+                <a:latin typeface="微软雅黑" panose="020B0503020204020204" charset="-122"/>
+                <a:ea typeface="微软雅黑" panose="020B0503020204020204" charset="-122"/>
+                <a:cs typeface="微软雅黑" panose="020B0503020204020204" charset="-122"/>
               </a:rPr>
               <a:t>3</a:t>
             </a:r>
             <a:r>
               <a:rPr lang="zh-CN" altLang="en-US" sz="3200">
-                <a:latin typeface="微软雅黑" charset="0"/>
-                <a:ea typeface="微软雅黑" charset="0"/>
-                <a:cs typeface="微软雅黑" charset="0"/>
+                <a:latin typeface="微软雅黑" panose="020B0503020204020204" charset="-122"/>
+                <a:ea typeface="微软雅黑" panose="020B0503020204020204" charset="-122"/>
+                <a:cs typeface="微软雅黑" panose="020B0503020204020204" charset="-122"/>
               </a:rPr>
               <a:t>、ThreadPoolExecutor的使用语法</a:t>
             </a:r>
             <a:endParaRPr lang="zh-CN" altLang="en-US" sz="3200">
-              <a:latin typeface="微软雅黑" charset="0"/>
-              <a:ea typeface="微软雅黑" charset="0"/>
-              <a:cs typeface="微软雅黑" charset="0"/>
+              <a:latin typeface="微软雅黑" panose="020B0503020204020204" charset="-122"/>
+              <a:ea typeface="微软雅黑" panose="020B0503020204020204" charset="-122"/>
+              <a:cs typeface="微软雅黑" panose="020B0503020204020204" charset="-122"/>
             </a:endParaRPr>
           </a:p>
           <a:p>
@@ -19255,24 +19259,24 @@
             </a:pPr>
             <a:r>
               <a:rPr lang="en-US" altLang="zh-CN" sz="3200">
-                <a:latin typeface="微软雅黑" charset="0"/>
-                <a:ea typeface="微软雅黑" charset="0"/>
-                <a:cs typeface="微软雅黑" charset="0"/>
+                <a:latin typeface="微软雅黑" panose="020B0503020204020204" charset="-122"/>
+                <a:ea typeface="微软雅黑" panose="020B0503020204020204" charset="-122"/>
+                <a:cs typeface="微软雅黑" panose="020B0503020204020204" charset="-122"/>
               </a:rPr>
               <a:t>4</a:t>
             </a:r>
             <a:r>
               <a:rPr lang="zh-CN" altLang="en-US" sz="3200">
-                <a:latin typeface="微软雅黑" charset="0"/>
-                <a:ea typeface="微软雅黑" charset="0"/>
-                <a:cs typeface="微软雅黑" charset="0"/>
+                <a:latin typeface="微软雅黑" panose="020B0503020204020204" charset="-122"/>
+                <a:ea typeface="微软雅黑" panose="020B0503020204020204" charset="-122"/>
+                <a:cs typeface="微软雅黑" panose="020B0503020204020204" charset="-122"/>
               </a:rPr>
               <a:t>、使用线程池改造爬虫程序</a:t>
             </a:r>
             <a:endParaRPr lang="zh-CN" altLang="en-US" sz="3200">
-              <a:latin typeface="微软雅黑" charset="0"/>
-              <a:ea typeface="微软雅黑" charset="0"/>
-              <a:cs typeface="微软雅黑" charset="0"/>
+              <a:latin typeface="微软雅黑" panose="020B0503020204020204" charset="-122"/>
+              <a:ea typeface="微软雅黑" panose="020B0503020204020204" charset="-122"/>
+              <a:cs typeface="微软雅黑" panose="020B0503020204020204" charset="-122"/>
             </a:endParaRPr>
           </a:p>
         </p:txBody>
@@ -19327,7 +19331,7 @@
               <a:lnSpc>
                 <a:spcPct val="150000"/>
               </a:lnSpc>
-              <a:buFont typeface="Arial" panose="020B0604020202090204" pitchFamily="34" charset="0"/>
+              <a:buFont typeface="Arial" panose="020B0604020202020204" pitchFamily="34" charset="0"/>
               <a:buNone/>
             </a:pPr>
             <a:r>
@@ -19335,9 +19339,9 @@
                 <a:solidFill>
                   <a:schemeClr val="accent1"/>
                 </a:solidFill>
-                <a:latin typeface="微软雅黑" charset="0"/>
-                <a:ea typeface="微软雅黑" charset="0"/>
-                <a:cs typeface="微软雅黑" charset="0"/>
+                <a:latin typeface="微软雅黑" panose="020B0503020204020204" charset="-122"/>
+                <a:ea typeface="微软雅黑" panose="020B0503020204020204" charset="-122"/>
+                <a:cs typeface="微软雅黑" panose="020B0503020204020204" charset="-122"/>
               </a:rPr>
               <a:t>1、线程池的原理</a:t>
             </a:r>
@@ -19345,9 +19349,9 @@
               <a:solidFill>
                 <a:schemeClr val="accent1"/>
               </a:solidFill>
-              <a:latin typeface="微软雅黑" charset="0"/>
-              <a:ea typeface="微软雅黑" charset="0"/>
-              <a:cs typeface="微软雅黑" charset="0"/>
+              <a:latin typeface="微软雅黑" panose="020B0503020204020204" charset="-122"/>
+              <a:ea typeface="微软雅黑" panose="020B0503020204020204" charset="-122"/>
+              <a:cs typeface="微软雅黑" panose="020B0503020204020204" charset="-122"/>
             </a:endParaRPr>
           </a:p>
         </p:txBody>
@@ -21054,7 +21058,7 @@
               <a:lnSpc>
                 <a:spcPct val="150000"/>
               </a:lnSpc>
-              <a:buFont typeface="Arial" panose="020B0604020202090204" pitchFamily="34" charset="0"/>
+              <a:buFont typeface="Arial" panose="020B0604020202020204" pitchFamily="34" charset="0"/>
               <a:buNone/>
             </a:pPr>
             <a:r>
@@ -21062,9 +21066,9 @@
                 <a:solidFill>
                   <a:schemeClr val="accent1"/>
                 </a:solidFill>
-                <a:latin typeface="微软雅黑" charset="0"/>
-                <a:ea typeface="微软雅黑" charset="0"/>
-                <a:cs typeface="微软雅黑" charset="0"/>
+                <a:latin typeface="微软雅黑" panose="020B0503020204020204" charset="-122"/>
+                <a:ea typeface="微软雅黑" panose="020B0503020204020204" charset="-122"/>
+                <a:cs typeface="微软雅黑" panose="020B0503020204020204" charset="-122"/>
               </a:rPr>
               <a:t>2、使用线程池的好处</a:t>
             </a:r>
@@ -21072,9 +21076,9 @@
               <a:solidFill>
                 <a:schemeClr val="accent1"/>
               </a:solidFill>
-              <a:latin typeface="微软雅黑" charset="0"/>
-              <a:ea typeface="微软雅黑" charset="0"/>
-              <a:cs typeface="微软雅黑" charset="0"/>
+              <a:latin typeface="微软雅黑" panose="020B0503020204020204" charset="-122"/>
+              <a:ea typeface="微软雅黑" panose="020B0503020204020204" charset="-122"/>
+              <a:cs typeface="微软雅黑" panose="020B0503020204020204" charset="-122"/>
             </a:endParaRPr>
           </a:p>
         </p:txBody>
@@ -21113,24 +21117,24 @@
             </a:pPr>
             <a:r>
               <a:rPr lang="en-US" altLang="zh-CN">
-                <a:latin typeface="微软雅黑" charset="0"/>
-                <a:ea typeface="微软雅黑" charset="0"/>
-                <a:cs typeface="微软雅黑" charset="0"/>
+                <a:latin typeface="微软雅黑" panose="020B0503020204020204" charset="-122"/>
+                <a:ea typeface="微软雅黑" panose="020B0503020204020204" charset="-122"/>
+                <a:cs typeface="微软雅黑" panose="020B0503020204020204" charset="-122"/>
               </a:rPr>
               <a:t>1</a:t>
             </a:r>
             <a:r>
               <a:rPr lang="zh-CN" altLang="en-US">
-                <a:latin typeface="微软雅黑" charset="0"/>
-                <a:ea typeface="微软雅黑" charset="0"/>
-                <a:cs typeface="微软雅黑" charset="0"/>
+                <a:latin typeface="微软雅黑" panose="020B0503020204020204" charset="-122"/>
+                <a:ea typeface="微软雅黑" panose="020B0503020204020204" charset="-122"/>
+                <a:cs typeface="微软雅黑" panose="020B0503020204020204" charset="-122"/>
               </a:rPr>
               <a:t>、提升性能：因为减去了大量新建、终止线程的开销，重用了线程资源；</a:t>
             </a:r>
             <a:endParaRPr lang="zh-CN" altLang="en-US">
-              <a:latin typeface="微软雅黑" charset="0"/>
-              <a:ea typeface="微软雅黑" charset="0"/>
-              <a:cs typeface="微软雅黑" charset="0"/>
+              <a:latin typeface="微软雅黑" panose="020B0503020204020204" charset="-122"/>
+              <a:ea typeface="微软雅黑" panose="020B0503020204020204" charset="-122"/>
+              <a:cs typeface="微软雅黑" panose="020B0503020204020204" charset="-122"/>
             </a:endParaRPr>
           </a:p>
           <a:p>
@@ -21146,9 +21150,9 @@
               </a:spcAft>
             </a:pPr>
             <a:endParaRPr lang="en-US" altLang="zh-CN">
-              <a:latin typeface="微软雅黑" charset="0"/>
-              <a:ea typeface="微软雅黑" charset="0"/>
-              <a:cs typeface="微软雅黑" charset="0"/>
+              <a:latin typeface="微软雅黑" panose="020B0503020204020204" charset="-122"/>
+              <a:ea typeface="微软雅黑" panose="020B0503020204020204" charset="-122"/>
+              <a:cs typeface="微软雅黑" panose="020B0503020204020204" charset="-122"/>
             </a:endParaRPr>
           </a:p>
           <a:p>
@@ -21165,24 +21169,24 @@
             </a:pPr>
             <a:r>
               <a:rPr lang="en-US" altLang="zh-CN">
-                <a:latin typeface="微软雅黑" charset="0"/>
-                <a:ea typeface="微软雅黑" charset="0"/>
-                <a:cs typeface="微软雅黑" charset="0"/>
+                <a:latin typeface="微软雅黑" panose="020B0503020204020204" charset="-122"/>
+                <a:ea typeface="微软雅黑" panose="020B0503020204020204" charset="-122"/>
+                <a:cs typeface="微软雅黑" panose="020B0503020204020204" charset="-122"/>
               </a:rPr>
               <a:t>2</a:t>
             </a:r>
             <a:r>
               <a:rPr lang="zh-CN" altLang="en-US">
-                <a:latin typeface="微软雅黑" charset="0"/>
-                <a:ea typeface="微软雅黑" charset="0"/>
-                <a:cs typeface="微软雅黑" charset="0"/>
+                <a:latin typeface="微软雅黑" panose="020B0503020204020204" charset="-122"/>
+                <a:ea typeface="微软雅黑" panose="020B0503020204020204" charset="-122"/>
+                <a:cs typeface="微软雅黑" panose="020B0503020204020204" charset="-122"/>
               </a:rPr>
               <a:t>、适用场景：适合处理突发性大量请求或需要大量线程完成任务、但实际任务处理时间较短</a:t>
             </a:r>
             <a:endParaRPr lang="zh-CN" altLang="en-US">
-              <a:latin typeface="微软雅黑" charset="0"/>
-              <a:ea typeface="微软雅黑" charset="0"/>
-              <a:cs typeface="微软雅黑" charset="0"/>
+              <a:latin typeface="微软雅黑" panose="020B0503020204020204" charset="-122"/>
+              <a:ea typeface="微软雅黑" panose="020B0503020204020204" charset="-122"/>
+              <a:cs typeface="微软雅黑" panose="020B0503020204020204" charset="-122"/>
             </a:endParaRPr>
           </a:p>
           <a:p>
@@ -21198,9 +21202,9 @@
               </a:spcAft>
             </a:pPr>
             <a:endParaRPr lang="en-US" altLang="zh-CN">
-              <a:latin typeface="微软雅黑" charset="0"/>
-              <a:ea typeface="微软雅黑" charset="0"/>
-              <a:cs typeface="微软雅黑" charset="0"/>
+              <a:latin typeface="微软雅黑" panose="020B0503020204020204" charset="-122"/>
+              <a:ea typeface="微软雅黑" panose="020B0503020204020204" charset="-122"/>
+              <a:cs typeface="微软雅黑" panose="020B0503020204020204" charset="-122"/>
             </a:endParaRPr>
           </a:p>
           <a:p>
@@ -21217,24 +21221,24 @@
             </a:pPr>
             <a:r>
               <a:rPr lang="en-US" altLang="zh-CN">
-                <a:latin typeface="微软雅黑" charset="0"/>
-                <a:ea typeface="微软雅黑" charset="0"/>
-                <a:cs typeface="微软雅黑" charset="0"/>
+                <a:latin typeface="微软雅黑" panose="020B0503020204020204" charset="-122"/>
+                <a:ea typeface="微软雅黑" panose="020B0503020204020204" charset="-122"/>
+                <a:cs typeface="微软雅黑" panose="020B0503020204020204" charset="-122"/>
               </a:rPr>
               <a:t>3</a:t>
             </a:r>
             <a:r>
               <a:rPr lang="zh-CN" altLang="en-US">
-                <a:latin typeface="微软雅黑" charset="0"/>
-                <a:ea typeface="微软雅黑" charset="0"/>
-                <a:cs typeface="微软雅黑" charset="0"/>
+                <a:latin typeface="微软雅黑" panose="020B0503020204020204" charset="-122"/>
+                <a:ea typeface="微软雅黑" panose="020B0503020204020204" charset="-122"/>
+                <a:cs typeface="微软雅黑" panose="020B0503020204020204" charset="-122"/>
               </a:rPr>
               <a:t>、防御功能：能有效避免系统因为创建线程过多，而导致系统负荷过大相应变慢等问题</a:t>
             </a:r>
             <a:endParaRPr lang="zh-CN" altLang="en-US">
-              <a:latin typeface="微软雅黑" charset="0"/>
-              <a:ea typeface="微软雅黑" charset="0"/>
-              <a:cs typeface="微软雅黑" charset="0"/>
+              <a:latin typeface="微软雅黑" panose="020B0503020204020204" charset="-122"/>
+              <a:ea typeface="微软雅黑" panose="020B0503020204020204" charset="-122"/>
+              <a:cs typeface="微软雅黑" panose="020B0503020204020204" charset="-122"/>
             </a:endParaRPr>
           </a:p>
           <a:p>
@@ -21250,9 +21254,9 @@
               </a:spcAft>
             </a:pPr>
             <a:endParaRPr lang="zh-CN" altLang="en-US">
-              <a:latin typeface="微软雅黑" charset="0"/>
-              <a:ea typeface="微软雅黑" charset="0"/>
-              <a:cs typeface="微软雅黑" charset="0"/>
+              <a:latin typeface="微软雅黑" panose="020B0503020204020204" charset="-122"/>
+              <a:ea typeface="微软雅黑" panose="020B0503020204020204" charset="-122"/>
+              <a:cs typeface="微软雅黑" panose="020B0503020204020204" charset="-122"/>
             </a:endParaRPr>
           </a:p>
           <a:p>
@@ -21269,24 +21273,24 @@
             </a:pPr>
             <a:r>
               <a:rPr lang="en-US" altLang="zh-CN">
-                <a:latin typeface="微软雅黑" charset="0"/>
-                <a:ea typeface="微软雅黑" charset="0"/>
-                <a:cs typeface="微软雅黑" charset="0"/>
+                <a:latin typeface="微软雅黑" panose="020B0503020204020204" charset="-122"/>
+                <a:ea typeface="微软雅黑" panose="020B0503020204020204" charset="-122"/>
+                <a:cs typeface="微软雅黑" panose="020B0503020204020204" charset="-122"/>
               </a:rPr>
               <a:t>4</a:t>
             </a:r>
             <a:r>
               <a:rPr lang="zh-CN" altLang="en-US">
-                <a:latin typeface="微软雅黑" charset="0"/>
-                <a:ea typeface="微软雅黑" charset="0"/>
-                <a:cs typeface="微软雅黑" charset="0"/>
+                <a:latin typeface="微软雅黑" panose="020B0503020204020204" charset="-122"/>
+                <a:ea typeface="微软雅黑" panose="020B0503020204020204" charset="-122"/>
+                <a:cs typeface="微软雅黑" panose="020B0503020204020204" charset="-122"/>
               </a:rPr>
               <a:t>、代码优势：使用线程池的语法比自己新建线程执行线程更加简洁</a:t>
             </a:r>
             <a:endParaRPr lang="zh-CN" altLang="en-US">
-              <a:latin typeface="微软雅黑" charset="0"/>
-              <a:ea typeface="微软雅黑" charset="0"/>
-              <a:cs typeface="微软雅黑" charset="0"/>
+              <a:latin typeface="微软雅黑" panose="020B0503020204020204" charset="-122"/>
+              <a:ea typeface="微软雅黑" panose="020B0503020204020204" charset="-122"/>
+              <a:cs typeface="微软雅黑" panose="020B0503020204020204" charset="-122"/>
             </a:endParaRPr>
           </a:p>
         </p:txBody>
@@ -21608,7 +21612,7 @@
               <a:lnSpc>
                 <a:spcPct val="150000"/>
               </a:lnSpc>
-              <a:buFont typeface="Arial" panose="020B0604020202090204" pitchFamily="34" charset="0"/>
+              <a:buFont typeface="Arial" panose="020B0604020202020204" pitchFamily="34" charset="0"/>
               <a:buNone/>
             </a:pPr>
             <a:r>
@@ -21616,9 +21620,9 @@
                 <a:solidFill>
                   <a:schemeClr val="accent1"/>
                 </a:solidFill>
-                <a:latin typeface="微软雅黑" charset="0"/>
-                <a:ea typeface="微软雅黑" charset="0"/>
-                <a:cs typeface="微软雅黑" charset="0"/>
+                <a:latin typeface="微软雅黑" panose="020B0503020204020204" charset="-122"/>
+                <a:ea typeface="微软雅黑" panose="020B0503020204020204" charset="-122"/>
+                <a:cs typeface="微软雅黑" panose="020B0503020204020204" charset="-122"/>
               </a:rPr>
               <a:t>3</a:t>
             </a:r>
@@ -21627,9 +21631,9 @@
                 <a:solidFill>
                   <a:schemeClr val="accent1"/>
                 </a:solidFill>
-                <a:latin typeface="微软雅黑" charset="0"/>
-                <a:ea typeface="微软雅黑" charset="0"/>
-                <a:cs typeface="微软雅黑" charset="0"/>
+                <a:latin typeface="微软雅黑" panose="020B0503020204020204" charset="-122"/>
+                <a:ea typeface="微软雅黑" panose="020B0503020204020204" charset="-122"/>
+                <a:cs typeface="微软雅黑" panose="020B0503020204020204" charset="-122"/>
               </a:rPr>
               <a:t>、ThreadPoolExecutor的使用语法</a:t>
             </a:r>
@@ -21637,9 +21641,9 @@
               <a:solidFill>
                 <a:schemeClr val="accent1"/>
               </a:solidFill>
-              <a:latin typeface="微软雅黑" charset="0"/>
-              <a:ea typeface="微软雅黑" charset="0"/>
-              <a:cs typeface="微软雅黑" charset="0"/>
+              <a:latin typeface="微软雅黑" panose="020B0503020204020204" charset="-122"/>
+              <a:ea typeface="微软雅黑" panose="020B0503020204020204" charset="-122"/>
+              <a:cs typeface="微软雅黑" panose="020B0503020204020204" charset="-122"/>
             </a:endParaRPr>
           </a:p>
         </p:txBody>
@@ -22231,9 +22235,9 @@
                 <a:solidFill>
                   <a:schemeClr val="bg1"/>
                 </a:solidFill>
-                <a:latin typeface="微软雅黑" charset="0"/>
-                <a:ea typeface="微软雅黑" charset="0"/>
-                <a:cs typeface="微软雅黑" charset="0"/>
+                <a:latin typeface="微软雅黑" panose="020B0503020204020204" charset="-122"/>
+                <a:ea typeface="微软雅黑" panose="020B0503020204020204" charset="-122"/>
+                <a:cs typeface="微软雅黑" panose="020B0503020204020204" charset="-122"/>
               </a:rPr>
               <a:t>在</a:t>
             </a:r>
@@ -22242,9 +22246,9 @@
                 <a:solidFill>
                   <a:schemeClr val="bg1"/>
                 </a:solidFill>
-                <a:latin typeface="微软雅黑" charset="0"/>
-                <a:ea typeface="微软雅黑" charset="0"/>
-                <a:cs typeface="微软雅黑" charset="0"/>
+                <a:latin typeface="微软雅黑" panose="020B0503020204020204" charset="-122"/>
+                <a:ea typeface="微软雅黑" panose="020B0503020204020204" charset="-122"/>
+                <a:cs typeface="微软雅黑" panose="020B0503020204020204" charset="-122"/>
               </a:rPr>
               <a:t>Web</a:t>
             </a:r>
@@ -22253,9 +22257,9 @@
                 <a:solidFill>
                   <a:schemeClr val="bg1"/>
                 </a:solidFill>
-                <a:latin typeface="微软雅黑" charset="0"/>
-                <a:ea typeface="微软雅黑" charset="0"/>
-                <a:cs typeface="微软雅黑" charset="0"/>
+                <a:latin typeface="微软雅黑" panose="020B0503020204020204" charset="-122"/>
+                <a:ea typeface="微软雅黑" panose="020B0503020204020204" charset="-122"/>
+                <a:cs typeface="微软雅黑" panose="020B0503020204020204" charset="-122"/>
               </a:rPr>
               <a:t>服务中</a:t>
             </a:r>
@@ -22264,9 +22268,9 @@
                 <a:solidFill>
                   <a:schemeClr val="bg1"/>
                 </a:solidFill>
-                <a:latin typeface="微软雅黑" charset="0"/>
-                <a:ea typeface="微软雅黑" charset="0"/>
-                <a:cs typeface="微软雅黑" charset="0"/>
+                <a:latin typeface="微软雅黑" panose="020B0503020204020204" charset="-122"/>
+                <a:ea typeface="微软雅黑" panose="020B0503020204020204" charset="-122"/>
+                <a:cs typeface="微软雅黑" panose="020B0503020204020204" charset="-122"/>
               </a:rPr>
             </a:br>
             <a:r>
@@ -22274,9 +22278,9 @@
                 <a:solidFill>
                   <a:schemeClr val="bg1"/>
                 </a:solidFill>
-                <a:latin typeface="微软雅黑" charset="0"/>
-                <a:ea typeface="微软雅黑" charset="0"/>
-                <a:cs typeface="微软雅黑" charset="0"/>
+                <a:latin typeface="微软雅黑" panose="020B0503020204020204" charset="-122"/>
+                <a:ea typeface="微软雅黑" panose="020B0503020204020204" charset="-122"/>
+                <a:cs typeface="微软雅黑" panose="020B0503020204020204" charset="-122"/>
               </a:rPr>
               <a:t>使用线程池加速</a:t>
             </a:r>
@@ -22284,9 +22288,9 @@
               <a:solidFill>
                 <a:schemeClr val="bg1"/>
               </a:solidFill>
-              <a:latin typeface="微软雅黑" charset="0"/>
-              <a:ea typeface="微软雅黑" charset="0"/>
-              <a:cs typeface="微软雅黑" charset="0"/>
+              <a:latin typeface="微软雅黑" panose="020B0503020204020204" charset="-122"/>
+              <a:ea typeface="微软雅黑" panose="020B0503020204020204" charset="-122"/>
+              <a:cs typeface="微软雅黑" panose="020B0503020204020204" charset="-122"/>
             </a:endParaRPr>
           </a:p>
         </p:txBody>
@@ -22341,9 +22345,9 @@
                 <a:solidFill>
                   <a:schemeClr val="bg1"/>
                 </a:solidFill>
-                <a:latin typeface="微软雅黑" charset="0"/>
-                <a:ea typeface="微软雅黑" charset="0"/>
-                <a:cs typeface="微软雅黑" charset="0"/>
+                <a:latin typeface="微软雅黑" panose="020B0503020204020204" charset="-122"/>
+                <a:ea typeface="微软雅黑" panose="020B0503020204020204" charset="-122"/>
+                <a:cs typeface="微软雅黑" panose="020B0503020204020204" charset="-122"/>
                 <a:sym typeface="+mn-ea"/>
               </a:rPr>
               <a:t>Python</a:t>
@@ -22353,9 +22357,9 @@
                 <a:solidFill>
                   <a:schemeClr val="bg1"/>
                 </a:solidFill>
-                <a:latin typeface="微软雅黑" charset="0"/>
-                <a:ea typeface="微软雅黑" charset="0"/>
-                <a:cs typeface="微软雅黑" charset="0"/>
+                <a:latin typeface="微软雅黑" panose="020B0503020204020204" charset="-122"/>
+                <a:ea typeface="微软雅黑" panose="020B0503020204020204" charset="-122"/>
+                <a:cs typeface="微软雅黑" panose="020B0503020204020204" charset="-122"/>
                 <a:sym typeface="+mn-ea"/>
               </a:rPr>
               <a:t> 并发编程</a:t>
@@ -22364,9 +22368,9 @@
               <a:solidFill>
                 <a:schemeClr val="bg1"/>
               </a:solidFill>
-              <a:latin typeface="微软雅黑" charset="0"/>
-              <a:ea typeface="微软雅黑" charset="0"/>
-              <a:cs typeface="微软雅黑" charset="0"/>
+              <a:latin typeface="微软雅黑" panose="020B0503020204020204" charset="-122"/>
+              <a:ea typeface="微软雅黑" panose="020B0503020204020204" charset="-122"/>
+              <a:cs typeface="微软雅黑" panose="020B0503020204020204" charset="-122"/>
               <a:sym typeface="+mn-ea"/>
             </a:endParaRPr>
           </a:p>
@@ -22418,7 +22422,7 @@
               <a:lnSpc>
                 <a:spcPct val="150000"/>
               </a:lnSpc>
-              <a:buFont typeface="Arial" panose="020B0604020202090204" pitchFamily="34" charset="0"/>
+              <a:buFont typeface="Arial" panose="020B0604020202020204" pitchFamily="34" charset="0"/>
               <a:buNone/>
             </a:pPr>
             <a:r>
@@ -22426,9 +22430,9 @@
                 <a:solidFill>
                   <a:schemeClr val="accent1"/>
                 </a:solidFill>
-                <a:latin typeface="微软雅黑" charset="0"/>
-                <a:ea typeface="微软雅黑" charset="0"/>
-                <a:cs typeface="微软雅黑" charset="0"/>
+                <a:latin typeface="微软雅黑" panose="020B0503020204020204" charset="-122"/>
+                <a:ea typeface="微软雅黑" panose="020B0503020204020204" charset="-122"/>
+                <a:cs typeface="微软雅黑" panose="020B0503020204020204" charset="-122"/>
               </a:rPr>
               <a:t>本节提纲</a:t>
             </a:r>
@@ -22436,9 +22440,9 @@
               <a:solidFill>
                 <a:schemeClr val="accent1"/>
               </a:solidFill>
-              <a:latin typeface="微软雅黑" charset="0"/>
-              <a:ea typeface="微软雅黑" charset="0"/>
-              <a:cs typeface="微软雅黑" charset="0"/>
+              <a:latin typeface="微软雅黑" panose="020B0503020204020204" charset="-122"/>
+              <a:ea typeface="微软雅黑" panose="020B0503020204020204" charset="-122"/>
+              <a:cs typeface="微软雅黑" panose="020B0503020204020204" charset="-122"/>
             </a:endParaRPr>
           </a:p>
         </p:txBody>
@@ -22477,40 +22481,40 @@
             </a:pPr>
             <a:r>
               <a:rPr lang="en-US" altLang="zh-CN" sz="3200">
-                <a:latin typeface="微软雅黑" charset="0"/>
-                <a:ea typeface="微软雅黑" charset="0"/>
-                <a:cs typeface="微软雅黑" charset="0"/>
+                <a:latin typeface="微软雅黑" panose="020B0503020204020204" charset="-122"/>
+                <a:ea typeface="微软雅黑" panose="020B0503020204020204" charset="-122"/>
+                <a:cs typeface="微软雅黑" panose="020B0503020204020204" charset="-122"/>
               </a:rPr>
               <a:t>1</a:t>
             </a:r>
             <a:r>
               <a:rPr lang="zh-CN" altLang="en-US" sz="3200">
-                <a:latin typeface="微软雅黑" charset="0"/>
-                <a:ea typeface="微软雅黑" charset="0"/>
-                <a:cs typeface="微软雅黑" charset="0"/>
+                <a:latin typeface="微软雅黑" panose="020B0503020204020204" charset="-122"/>
+                <a:ea typeface="微软雅黑" panose="020B0503020204020204" charset="-122"/>
+                <a:cs typeface="微软雅黑" panose="020B0503020204020204" charset="-122"/>
               </a:rPr>
               <a:t>、</a:t>
             </a:r>
             <a:r>
               <a:rPr lang="en-US" altLang="zh-CN" sz="3200">
-                <a:latin typeface="微软雅黑" charset="0"/>
-                <a:ea typeface="微软雅黑" charset="0"/>
-                <a:cs typeface="微软雅黑" charset="0"/>
+                <a:latin typeface="微软雅黑" panose="020B0503020204020204" charset="-122"/>
+                <a:ea typeface="微软雅黑" panose="020B0503020204020204" charset="-122"/>
+                <a:cs typeface="微软雅黑" panose="020B0503020204020204" charset="-122"/>
               </a:rPr>
               <a:t>Web</a:t>
             </a:r>
             <a:r>
               <a:rPr lang="zh-CN" altLang="en-US" sz="3200">
-                <a:latin typeface="微软雅黑" charset="0"/>
-                <a:ea typeface="微软雅黑" charset="0"/>
-                <a:cs typeface="微软雅黑" charset="0"/>
+                <a:latin typeface="微软雅黑" panose="020B0503020204020204" charset="-122"/>
+                <a:ea typeface="微软雅黑" panose="020B0503020204020204" charset="-122"/>
+                <a:cs typeface="微软雅黑" panose="020B0503020204020204" charset="-122"/>
               </a:rPr>
               <a:t>服务的架构以及特点</a:t>
             </a:r>
             <a:endParaRPr lang="en-US" altLang="zh-CN" sz="3200">
-              <a:latin typeface="微软雅黑" charset="0"/>
-              <a:ea typeface="微软雅黑" charset="0"/>
-              <a:cs typeface="微软雅黑" charset="0"/>
+              <a:latin typeface="微软雅黑" panose="020B0503020204020204" charset="-122"/>
+              <a:ea typeface="微软雅黑" panose="020B0503020204020204" charset="-122"/>
+              <a:cs typeface="微软雅黑" panose="020B0503020204020204" charset="-122"/>
             </a:endParaRPr>
           </a:p>
           <a:p>
@@ -22527,40 +22531,40 @@
             </a:pPr>
             <a:r>
               <a:rPr lang="en-US" altLang="zh-CN" sz="3200">
-                <a:latin typeface="微软雅黑" charset="0"/>
-                <a:ea typeface="微软雅黑" charset="0"/>
-                <a:cs typeface="微软雅黑" charset="0"/>
+                <a:latin typeface="微软雅黑" panose="020B0503020204020204" charset="-122"/>
+                <a:ea typeface="微软雅黑" panose="020B0503020204020204" charset="-122"/>
+                <a:cs typeface="微软雅黑" panose="020B0503020204020204" charset="-122"/>
               </a:rPr>
               <a:t>2</a:t>
             </a:r>
             <a:r>
               <a:rPr lang="zh-CN" altLang="en-US" sz="3200">
-                <a:latin typeface="微软雅黑" charset="0"/>
-                <a:ea typeface="微软雅黑" charset="0"/>
-                <a:cs typeface="微软雅黑" charset="0"/>
+                <a:latin typeface="微软雅黑" panose="020B0503020204020204" charset="-122"/>
+                <a:ea typeface="微软雅黑" panose="020B0503020204020204" charset="-122"/>
+                <a:cs typeface="微软雅黑" panose="020B0503020204020204" charset="-122"/>
               </a:rPr>
               <a:t>、使用线程池</a:t>
             </a:r>
             <a:r>
               <a:rPr lang="en-US" altLang="zh-CN" sz="3200">
-                <a:latin typeface="微软雅黑" charset="0"/>
-                <a:ea typeface="微软雅黑" charset="0"/>
-                <a:cs typeface="微软雅黑" charset="0"/>
+                <a:latin typeface="微软雅黑" panose="020B0503020204020204" charset="-122"/>
+                <a:ea typeface="微软雅黑" panose="020B0503020204020204" charset="-122"/>
+                <a:cs typeface="微软雅黑" panose="020B0503020204020204" charset="-122"/>
               </a:rPr>
               <a:t>ThreadPoolExecutor</a:t>
             </a:r>
             <a:r>
               <a:rPr lang="zh-CN" altLang="en-US" sz="3200">
-                <a:latin typeface="微软雅黑" charset="0"/>
-                <a:ea typeface="微软雅黑" charset="0"/>
-                <a:cs typeface="微软雅黑" charset="0"/>
+                <a:latin typeface="微软雅黑" panose="020B0503020204020204" charset="-122"/>
+                <a:ea typeface="微软雅黑" panose="020B0503020204020204" charset="-122"/>
+                <a:cs typeface="微软雅黑" panose="020B0503020204020204" charset="-122"/>
               </a:rPr>
               <a:t>加速</a:t>
             </a:r>
             <a:endParaRPr lang="zh-CN" altLang="en-US" sz="3200">
-              <a:latin typeface="微软雅黑" charset="0"/>
-              <a:ea typeface="微软雅黑" charset="0"/>
-              <a:cs typeface="微软雅黑" charset="0"/>
+              <a:latin typeface="微软雅黑" panose="020B0503020204020204" charset="-122"/>
+              <a:ea typeface="微软雅黑" panose="020B0503020204020204" charset="-122"/>
+              <a:cs typeface="微软雅黑" panose="020B0503020204020204" charset="-122"/>
             </a:endParaRPr>
           </a:p>
           <a:p>
@@ -22577,56 +22581,56 @@
             </a:pPr>
             <a:r>
               <a:rPr lang="en-US" altLang="zh-CN" sz="3200">
-                <a:latin typeface="微软雅黑" charset="0"/>
-                <a:ea typeface="微软雅黑" charset="0"/>
-                <a:cs typeface="微软雅黑" charset="0"/>
+                <a:latin typeface="微软雅黑" panose="020B0503020204020204" charset="-122"/>
+                <a:ea typeface="微软雅黑" panose="020B0503020204020204" charset="-122"/>
+                <a:cs typeface="微软雅黑" panose="020B0503020204020204" charset="-122"/>
               </a:rPr>
               <a:t>3</a:t>
             </a:r>
             <a:r>
               <a:rPr lang="zh-CN" altLang="en-US" sz="3200">
-                <a:latin typeface="微软雅黑" charset="0"/>
-                <a:ea typeface="微软雅黑" charset="0"/>
-                <a:cs typeface="微软雅黑" charset="0"/>
+                <a:latin typeface="微软雅黑" panose="020B0503020204020204" charset="-122"/>
+                <a:ea typeface="微软雅黑" panose="020B0503020204020204" charset="-122"/>
+                <a:cs typeface="微软雅黑" panose="020B0503020204020204" charset="-122"/>
               </a:rPr>
               <a:t>、代码用</a:t>
             </a:r>
             <a:r>
               <a:rPr lang="en-US" altLang="zh-CN" sz="3200">
-                <a:latin typeface="微软雅黑" charset="0"/>
-                <a:ea typeface="微软雅黑" charset="0"/>
-                <a:cs typeface="微软雅黑" charset="0"/>
+                <a:latin typeface="微软雅黑" panose="020B0503020204020204" charset="-122"/>
+                <a:ea typeface="微软雅黑" panose="020B0503020204020204" charset="-122"/>
+                <a:cs typeface="微软雅黑" panose="020B0503020204020204" charset="-122"/>
               </a:rPr>
               <a:t>Flask</a:t>
             </a:r>
             <a:r>
               <a:rPr lang="zh-CN" altLang="en-US" sz="3200">
-                <a:latin typeface="微软雅黑" charset="0"/>
-                <a:ea typeface="微软雅黑" charset="0"/>
-                <a:cs typeface="微软雅黑" charset="0"/>
+                <a:latin typeface="微软雅黑" panose="020B0503020204020204" charset="-122"/>
+                <a:ea typeface="微软雅黑" panose="020B0503020204020204" charset="-122"/>
+                <a:cs typeface="微软雅黑" panose="020B0503020204020204" charset="-122"/>
               </a:rPr>
               <a:t>实现</a:t>
             </a:r>
             <a:r>
               <a:rPr lang="en-US" altLang="zh-CN" sz="3200">
-                <a:latin typeface="微软雅黑" charset="0"/>
-                <a:ea typeface="微软雅黑" charset="0"/>
-                <a:cs typeface="微软雅黑" charset="0"/>
+                <a:latin typeface="微软雅黑" panose="020B0503020204020204" charset="-122"/>
+                <a:ea typeface="微软雅黑" panose="020B0503020204020204" charset="-122"/>
+                <a:cs typeface="微软雅黑" panose="020B0503020204020204" charset="-122"/>
               </a:rPr>
               <a:t>Web</a:t>
             </a:r>
             <a:r>
               <a:rPr lang="zh-CN" altLang="en-US" sz="3200">
-                <a:latin typeface="微软雅黑" charset="0"/>
-                <a:ea typeface="微软雅黑" charset="0"/>
-                <a:cs typeface="微软雅黑" charset="0"/>
+                <a:latin typeface="微软雅黑" panose="020B0503020204020204" charset="-122"/>
+                <a:ea typeface="微软雅黑" panose="020B0503020204020204" charset="-122"/>
+                <a:cs typeface="微软雅黑" panose="020B0503020204020204" charset="-122"/>
               </a:rPr>
               <a:t>服务并实现加速</a:t>
             </a:r>
             <a:endParaRPr lang="zh-CN" altLang="en-US" sz="3200">
-              <a:latin typeface="微软雅黑" charset="0"/>
-              <a:ea typeface="微软雅黑" charset="0"/>
-              <a:cs typeface="微软雅黑" charset="0"/>
+              <a:latin typeface="微软雅黑" panose="020B0503020204020204" charset="-122"/>
+              <a:ea typeface="微软雅黑" panose="020B0503020204020204" charset="-122"/>
+              <a:cs typeface="微软雅黑" panose="020B0503020204020204" charset="-122"/>
             </a:endParaRPr>
           </a:p>
         </p:txBody>
@@ -22728,7 +22732,7 @@
               <a:lnSpc>
                 <a:spcPct val="150000"/>
               </a:lnSpc>
-              <a:buFont typeface="Arial" panose="020B0604020202090204" pitchFamily="34" charset="0"/>
+              <a:buFont typeface="Arial" panose="020B0604020202020204" pitchFamily="34" charset="0"/>
               <a:buNone/>
             </a:pPr>
             <a:r>
@@ -22736,9 +22740,9 @@
                 <a:solidFill>
                   <a:schemeClr val="accent1"/>
                 </a:solidFill>
-                <a:latin typeface="微软雅黑" charset="0"/>
-                <a:ea typeface="微软雅黑" charset="0"/>
-                <a:cs typeface="微软雅黑" charset="0"/>
+                <a:latin typeface="微软雅黑" panose="020B0503020204020204" charset="-122"/>
+                <a:ea typeface="微软雅黑" panose="020B0503020204020204" charset="-122"/>
+                <a:cs typeface="微软雅黑" panose="020B0503020204020204" charset="-122"/>
               </a:rPr>
               <a:t>1、Web服务的架构以及特点</a:t>
             </a:r>
@@ -22746,9 +22750,9 @@
               <a:solidFill>
                 <a:schemeClr val="accent1"/>
               </a:solidFill>
-              <a:latin typeface="微软雅黑" charset="0"/>
-              <a:ea typeface="微软雅黑" charset="0"/>
-              <a:cs typeface="微软雅黑" charset="0"/>
+              <a:latin typeface="微软雅黑" panose="020B0503020204020204" charset="-122"/>
+              <a:ea typeface="微软雅黑" panose="020B0503020204020204" charset="-122"/>
+              <a:cs typeface="微软雅黑" panose="020B0503020204020204" charset="-122"/>
             </a:endParaRPr>
           </a:p>
         </p:txBody>
@@ -23804,7 +23808,7 @@
               <a:lnSpc>
                 <a:spcPct val="150000"/>
               </a:lnSpc>
-              <a:buFont typeface="Arial" panose="020B0604020202090204" pitchFamily="34" charset="0"/>
+              <a:buFont typeface="Arial" panose="020B0604020202020204" pitchFamily="34" charset="0"/>
               <a:buNone/>
             </a:pPr>
             <a:r>
@@ -23812,9 +23816,9 @@
                 <a:solidFill>
                   <a:schemeClr val="accent1"/>
                 </a:solidFill>
-                <a:latin typeface="微软雅黑" charset="0"/>
-                <a:ea typeface="微软雅黑" charset="0"/>
-                <a:cs typeface="微软雅黑" charset="0"/>
+                <a:latin typeface="微软雅黑" panose="020B0503020204020204" charset="-122"/>
+                <a:ea typeface="微软雅黑" panose="020B0503020204020204" charset="-122"/>
+                <a:cs typeface="微软雅黑" panose="020B0503020204020204" charset="-122"/>
               </a:rPr>
               <a:t>2、使用线程池ThreadPoolExecutor加速</a:t>
             </a:r>
@@ -23822,9 +23826,9 @@
               <a:solidFill>
                 <a:schemeClr val="accent1"/>
               </a:solidFill>
-              <a:latin typeface="微软雅黑" charset="0"/>
-              <a:ea typeface="微软雅黑" charset="0"/>
-              <a:cs typeface="微软雅黑" charset="0"/>
+              <a:latin typeface="微软雅黑" panose="020B0503020204020204" charset="-122"/>
+              <a:ea typeface="微软雅黑" panose="020B0503020204020204" charset="-122"/>
+              <a:cs typeface="微软雅黑" panose="020B0503020204020204" charset="-122"/>
             </a:endParaRPr>
           </a:p>
         </p:txBody>
@@ -23965,21 +23969,21 @@
               <a:lnSpc>
                 <a:spcPct val="150000"/>
               </a:lnSpc>
-              <a:buFont typeface="Arial" panose="020B0604020202090204" pitchFamily="34" charset="0"/>
+              <a:buFont typeface="Arial" panose="020B0604020202020204" pitchFamily="34" charset="0"/>
               <a:buNone/>
             </a:pPr>
             <a:r>
               <a:rPr lang="zh-CN" altLang="en-US" sz="4800">
-                <a:latin typeface="微软雅黑" charset="0"/>
-                <a:ea typeface="微软雅黑" charset="0"/>
-                <a:cs typeface="微软雅黑" charset="0"/>
+                <a:latin typeface="微软雅黑" panose="020B0503020204020204" charset="-122"/>
+                <a:ea typeface="微软雅黑" panose="020B0503020204020204" charset="-122"/>
+                <a:cs typeface="微软雅黑" panose="020B0503020204020204" charset="-122"/>
               </a:rPr>
               <a:t>有哪些程序提速的方法？</a:t>
             </a:r>
             <a:endParaRPr lang="zh-CN" altLang="en-US" sz="4800">
-              <a:latin typeface="微软雅黑" charset="0"/>
-              <a:ea typeface="微软雅黑" charset="0"/>
-              <a:cs typeface="微软雅黑" charset="0"/>
+              <a:latin typeface="微软雅黑" panose="020B0503020204020204" charset="-122"/>
+              <a:ea typeface="微软雅黑" panose="020B0503020204020204" charset="-122"/>
+              <a:cs typeface="微软雅黑" panose="020B0503020204020204" charset="-122"/>
             </a:endParaRPr>
           </a:p>
         </p:txBody>
@@ -26590,9 +26594,9 @@
                 <a:solidFill>
                   <a:schemeClr val="bg1"/>
                 </a:solidFill>
-                <a:latin typeface="微软雅黑" charset="0"/>
-                <a:ea typeface="微软雅黑" charset="0"/>
-                <a:cs typeface="微软雅黑" charset="0"/>
+                <a:latin typeface="微软雅黑" panose="020B0503020204020204" charset="-122"/>
+                <a:ea typeface="微软雅黑" panose="020B0503020204020204" charset="-122"/>
+                <a:cs typeface="微软雅黑" panose="020B0503020204020204" charset="-122"/>
               </a:rPr>
               <a:t>使用多进程multiprocessing</a:t>
             </a:r>
@@ -26601,9 +26605,9 @@
                 <a:solidFill>
                   <a:schemeClr val="bg1"/>
                 </a:solidFill>
-                <a:latin typeface="微软雅黑" charset="0"/>
-                <a:ea typeface="微软雅黑" charset="0"/>
-                <a:cs typeface="微软雅黑" charset="0"/>
+                <a:latin typeface="微软雅黑" panose="020B0503020204020204" charset="-122"/>
+                <a:ea typeface="微软雅黑" panose="020B0503020204020204" charset="-122"/>
+                <a:cs typeface="微软雅黑" panose="020B0503020204020204" charset="-122"/>
               </a:rPr>
             </a:br>
             <a:r>
@@ -26611,9 +26615,9 @@
                 <a:solidFill>
                   <a:schemeClr val="bg1"/>
                 </a:solidFill>
-                <a:latin typeface="微软雅黑" charset="0"/>
-                <a:ea typeface="微软雅黑" charset="0"/>
-                <a:cs typeface="微软雅黑" charset="0"/>
+                <a:latin typeface="微软雅黑" panose="020B0503020204020204" charset="-122"/>
+                <a:ea typeface="微软雅黑" panose="020B0503020204020204" charset="-122"/>
+                <a:cs typeface="微软雅黑" panose="020B0503020204020204" charset="-122"/>
               </a:rPr>
               <a:t>加速程序的运行</a:t>
             </a:r>
@@ -26621,9 +26625,9 @@
               <a:solidFill>
                 <a:schemeClr val="bg1"/>
               </a:solidFill>
-              <a:latin typeface="微软雅黑" charset="0"/>
-              <a:ea typeface="微软雅黑" charset="0"/>
-              <a:cs typeface="微软雅黑" charset="0"/>
+              <a:latin typeface="微软雅黑" panose="020B0503020204020204" charset="-122"/>
+              <a:ea typeface="微软雅黑" panose="020B0503020204020204" charset="-122"/>
+              <a:cs typeface="微软雅黑" panose="020B0503020204020204" charset="-122"/>
             </a:endParaRPr>
           </a:p>
         </p:txBody>
@@ -26678,9 +26682,9 @@
                 <a:solidFill>
                   <a:schemeClr val="bg1"/>
                 </a:solidFill>
-                <a:latin typeface="微软雅黑" charset="0"/>
-                <a:ea typeface="微软雅黑" charset="0"/>
-                <a:cs typeface="微软雅黑" charset="0"/>
+                <a:latin typeface="微软雅黑" panose="020B0503020204020204" charset="-122"/>
+                <a:ea typeface="微软雅黑" panose="020B0503020204020204" charset="-122"/>
+                <a:cs typeface="微软雅黑" panose="020B0503020204020204" charset="-122"/>
                 <a:sym typeface="+mn-ea"/>
               </a:rPr>
               <a:t>Python</a:t>
@@ -26690,9 +26694,9 @@
                 <a:solidFill>
                   <a:schemeClr val="bg1"/>
                 </a:solidFill>
-                <a:latin typeface="微软雅黑" charset="0"/>
-                <a:ea typeface="微软雅黑" charset="0"/>
-                <a:cs typeface="微软雅黑" charset="0"/>
+                <a:latin typeface="微软雅黑" panose="020B0503020204020204" charset="-122"/>
+                <a:ea typeface="微软雅黑" panose="020B0503020204020204" charset="-122"/>
+                <a:cs typeface="微软雅黑" panose="020B0503020204020204" charset="-122"/>
                 <a:sym typeface="+mn-ea"/>
               </a:rPr>
               <a:t> 并发编程</a:t>
@@ -26701,9 +26705,9 @@
               <a:solidFill>
                 <a:schemeClr val="bg1"/>
               </a:solidFill>
-              <a:latin typeface="微软雅黑" charset="0"/>
-              <a:ea typeface="微软雅黑" charset="0"/>
-              <a:cs typeface="微软雅黑" charset="0"/>
+              <a:latin typeface="微软雅黑" panose="020B0503020204020204" charset="-122"/>
+              <a:ea typeface="微软雅黑" panose="020B0503020204020204" charset="-122"/>
+              <a:cs typeface="微软雅黑" panose="020B0503020204020204" charset="-122"/>
               <a:sym typeface="+mn-ea"/>
             </a:endParaRPr>
           </a:p>
@@ -26755,7 +26759,7 @@
               <a:lnSpc>
                 <a:spcPct val="150000"/>
               </a:lnSpc>
-              <a:buFont typeface="Arial" panose="020B0604020202090204" pitchFamily="34" charset="0"/>
+              <a:buFont typeface="Arial" panose="020B0604020202020204" pitchFamily="34" charset="0"/>
               <a:buNone/>
             </a:pPr>
             <a:r>
@@ -26763,9 +26767,9 @@
                 <a:solidFill>
                   <a:schemeClr val="accent1"/>
                 </a:solidFill>
-                <a:latin typeface="微软雅黑" charset="0"/>
-                <a:ea typeface="微软雅黑" charset="0"/>
-                <a:cs typeface="微软雅黑" charset="0"/>
+                <a:latin typeface="微软雅黑" panose="020B0503020204020204" charset="-122"/>
+                <a:ea typeface="微软雅黑" panose="020B0503020204020204" charset="-122"/>
+                <a:cs typeface="微软雅黑" panose="020B0503020204020204" charset="-122"/>
               </a:rPr>
               <a:t>本节提纲</a:t>
             </a:r>
@@ -26773,9 +26777,9 @@
               <a:solidFill>
                 <a:schemeClr val="accent1"/>
               </a:solidFill>
-              <a:latin typeface="微软雅黑" charset="0"/>
-              <a:ea typeface="微软雅黑" charset="0"/>
-              <a:cs typeface="微软雅黑" charset="0"/>
+              <a:latin typeface="微软雅黑" panose="020B0503020204020204" charset="-122"/>
+              <a:ea typeface="微软雅黑" panose="020B0503020204020204" charset="-122"/>
+              <a:cs typeface="微软雅黑" panose="020B0503020204020204" charset="-122"/>
             </a:endParaRPr>
           </a:p>
         </p:txBody>
@@ -26814,48 +26818,48 @@
             </a:pPr>
             <a:r>
               <a:rPr lang="en-US" altLang="zh-CN" sz="2400">
-                <a:latin typeface="微软雅黑" charset="0"/>
-                <a:ea typeface="微软雅黑" charset="0"/>
-                <a:cs typeface="微软雅黑" charset="0"/>
+                <a:latin typeface="微软雅黑" panose="020B0503020204020204" charset="-122"/>
+                <a:ea typeface="微软雅黑" panose="020B0503020204020204" charset="-122"/>
+                <a:cs typeface="微软雅黑" panose="020B0503020204020204" charset="-122"/>
               </a:rPr>
               <a:t>1</a:t>
             </a:r>
             <a:r>
               <a:rPr lang="zh-CN" altLang="en-US" sz="2400">
-                <a:latin typeface="微软雅黑" charset="0"/>
-                <a:ea typeface="微软雅黑" charset="0"/>
-                <a:cs typeface="微软雅黑" charset="0"/>
+                <a:latin typeface="微软雅黑" panose="020B0503020204020204" charset="-122"/>
+                <a:ea typeface="微软雅黑" panose="020B0503020204020204" charset="-122"/>
+                <a:cs typeface="微软雅黑" panose="020B0503020204020204" charset="-122"/>
               </a:rPr>
               <a:t>、有了多线程</a:t>
             </a:r>
             <a:r>
               <a:rPr lang="en-US" altLang="zh-CN" sz="2400">
-                <a:latin typeface="微软雅黑" charset="0"/>
-                <a:ea typeface="微软雅黑" charset="0"/>
-                <a:cs typeface="微软雅黑" charset="0"/>
+                <a:latin typeface="微软雅黑" panose="020B0503020204020204" charset="-122"/>
+                <a:ea typeface="微软雅黑" panose="020B0503020204020204" charset="-122"/>
+                <a:cs typeface="微软雅黑" panose="020B0503020204020204" charset="-122"/>
               </a:rPr>
               <a:t>threading</a:t>
             </a:r>
             <a:r>
               <a:rPr lang="zh-CN" altLang="en-US" sz="2400">
-                <a:latin typeface="微软雅黑" charset="0"/>
-                <a:ea typeface="微软雅黑" charset="0"/>
-                <a:cs typeface="微软雅黑" charset="0"/>
+                <a:latin typeface="微软雅黑" panose="020B0503020204020204" charset="-122"/>
+                <a:ea typeface="微软雅黑" panose="020B0503020204020204" charset="-122"/>
+                <a:cs typeface="微软雅黑" panose="020B0503020204020204" charset="-122"/>
               </a:rPr>
               <a:t>，为什么还要用多进程</a:t>
             </a:r>
             <a:r>
               <a:rPr lang="en-US" altLang="zh-CN" sz="2400">
-                <a:latin typeface="微软雅黑" charset="0"/>
-                <a:ea typeface="微软雅黑" charset="0"/>
-                <a:cs typeface="微软雅黑" charset="0"/>
+                <a:latin typeface="微软雅黑" panose="020B0503020204020204" charset="-122"/>
+                <a:ea typeface="微软雅黑" panose="020B0503020204020204" charset="-122"/>
+                <a:cs typeface="微软雅黑" panose="020B0503020204020204" charset="-122"/>
               </a:rPr>
               <a:t>multiprocessing</a:t>
             </a:r>
             <a:endParaRPr lang="en-US" altLang="zh-CN" sz="2400">
-              <a:latin typeface="微软雅黑" charset="0"/>
-              <a:ea typeface="微软雅黑" charset="0"/>
-              <a:cs typeface="微软雅黑" charset="0"/>
+              <a:latin typeface="微软雅黑" panose="020B0503020204020204" charset="-122"/>
+              <a:ea typeface="微软雅黑" panose="020B0503020204020204" charset="-122"/>
+              <a:cs typeface="微软雅黑" panose="020B0503020204020204" charset="-122"/>
             </a:endParaRPr>
           </a:p>
           <a:p>
@@ -26872,40 +26876,40 @@
             </a:pPr>
             <a:r>
               <a:rPr lang="en-US" altLang="zh-CN" sz="2400">
-                <a:latin typeface="微软雅黑" charset="0"/>
-                <a:ea typeface="微软雅黑" charset="0"/>
-                <a:cs typeface="微软雅黑" charset="0"/>
+                <a:latin typeface="微软雅黑" panose="020B0503020204020204" charset="-122"/>
+                <a:ea typeface="微软雅黑" panose="020B0503020204020204" charset="-122"/>
+                <a:cs typeface="微软雅黑" panose="020B0503020204020204" charset="-122"/>
               </a:rPr>
               <a:t>2</a:t>
             </a:r>
             <a:r>
               <a:rPr lang="zh-CN" altLang="en-US" sz="2400">
-                <a:latin typeface="微软雅黑" charset="0"/>
-                <a:ea typeface="微软雅黑" charset="0"/>
-                <a:cs typeface="微软雅黑" charset="0"/>
+                <a:latin typeface="微软雅黑" panose="020B0503020204020204" charset="-122"/>
+                <a:ea typeface="微软雅黑" panose="020B0503020204020204" charset="-122"/>
+                <a:cs typeface="微软雅黑" panose="020B0503020204020204" charset="-122"/>
               </a:rPr>
               <a:t>、多进程</a:t>
             </a:r>
             <a:r>
               <a:rPr lang="en-US" altLang="zh-CN" sz="2400">
-                <a:latin typeface="微软雅黑" charset="0"/>
-                <a:ea typeface="微软雅黑" charset="0"/>
-                <a:cs typeface="微软雅黑" charset="0"/>
+                <a:latin typeface="微软雅黑" panose="020B0503020204020204" charset="-122"/>
+                <a:ea typeface="微软雅黑" panose="020B0503020204020204" charset="-122"/>
+                <a:cs typeface="微软雅黑" panose="020B0503020204020204" charset="-122"/>
               </a:rPr>
               <a:t>multiprocessing</a:t>
             </a:r>
             <a:r>
               <a:rPr lang="zh-CN" altLang="en-US" sz="2400">
-                <a:latin typeface="微软雅黑" charset="0"/>
-                <a:ea typeface="微软雅黑" charset="0"/>
-                <a:cs typeface="微软雅黑" charset="0"/>
+                <a:latin typeface="微软雅黑" panose="020B0503020204020204" charset="-122"/>
+                <a:ea typeface="微软雅黑" panose="020B0503020204020204" charset="-122"/>
+                <a:cs typeface="微软雅黑" panose="020B0503020204020204" charset="-122"/>
               </a:rPr>
               <a:t>知识梳理</a:t>
             </a:r>
             <a:endParaRPr lang="zh-CN" altLang="en-US" sz="2400">
-              <a:latin typeface="微软雅黑" charset="0"/>
-              <a:ea typeface="微软雅黑" charset="0"/>
-              <a:cs typeface="微软雅黑" charset="0"/>
+              <a:latin typeface="微软雅黑" panose="020B0503020204020204" charset="-122"/>
+              <a:ea typeface="微软雅黑" panose="020B0503020204020204" charset="-122"/>
+              <a:cs typeface="微软雅黑" panose="020B0503020204020204" charset="-122"/>
             </a:endParaRPr>
           </a:p>
           <a:p>
@@ -26922,40 +26926,40 @@
             </a:pPr>
             <a:r>
               <a:rPr lang="en-US" altLang="zh-CN" sz="2400">
-                <a:latin typeface="微软雅黑" charset="0"/>
-                <a:ea typeface="微软雅黑" charset="0"/>
-                <a:cs typeface="微软雅黑" charset="0"/>
+                <a:latin typeface="微软雅黑" panose="020B0503020204020204" charset="-122"/>
+                <a:ea typeface="微软雅黑" panose="020B0503020204020204" charset="-122"/>
+                <a:cs typeface="微软雅黑" panose="020B0503020204020204" charset="-122"/>
               </a:rPr>
               <a:t>3</a:t>
             </a:r>
             <a:r>
               <a:rPr lang="zh-CN" altLang="en-US" sz="2400">
-                <a:latin typeface="微软雅黑" charset="0"/>
-                <a:ea typeface="微软雅黑" charset="0"/>
-                <a:cs typeface="微软雅黑" charset="0"/>
+                <a:latin typeface="微软雅黑" panose="020B0503020204020204" charset="-122"/>
+                <a:ea typeface="微软雅黑" panose="020B0503020204020204" charset="-122"/>
+                <a:cs typeface="微软雅黑" panose="020B0503020204020204" charset="-122"/>
               </a:rPr>
               <a:t>、代码实战：单线程、多线程、多进程对比</a:t>
             </a:r>
             <a:r>
               <a:rPr lang="en-US" altLang="zh-CN" sz="2400">
-                <a:latin typeface="微软雅黑" charset="0"/>
-                <a:ea typeface="微软雅黑" charset="0"/>
-                <a:cs typeface="微软雅黑" charset="0"/>
+                <a:latin typeface="微软雅黑" panose="020B0503020204020204" charset="-122"/>
+                <a:ea typeface="微软雅黑" panose="020B0503020204020204" charset="-122"/>
+                <a:cs typeface="微软雅黑" panose="020B0503020204020204" charset="-122"/>
               </a:rPr>
               <a:t>CPU</a:t>
             </a:r>
             <a:r>
               <a:rPr lang="zh-CN" altLang="en-US" sz="2400">
-                <a:latin typeface="微软雅黑" charset="0"/>
-                <a:ea typeface="微软雅黑" charset="0"/>
-                <a:cs typeface="微软雅黑" charset="0"/>
+                <a:latin typeface="微软雅黑" panose="020B0503020204020204" charset="-122"/>
+                <a:ea typeface="微软雅黑" panose="020B0503020204020204" charset="-122"/>
+                <a:cs typeface="微软雅黑" panose="020B0503020204020204" charset="-122"/>
               </a:rPr>
               <a:t>密集计算速度</a:t>
             </a:r>
             <a:endParaRPr lang="zh-CN" altLang="en-US" sz="2400">
-              <a:latin typeface="微软雅黑" charset="0"/>
-              <a:ea typeface="微软雅黑" charset="0"/>
-              <a:cs typeface="微软雅黑" charset="0"/>
+              <a:latin typeface="微软雅黑" panose="020B0503020204020204" charset="-122"/>
+              <a:ea typeface="微软雅黑" panose="020B0503020204020204" charset="-122"/>
+              <a:cs typeface="微软雅黑" panose="020B0503020204020204" charset="-122"/>
             </a:endParaRPr>
           </a:p>
         </p:txBody>
@@ -27010,7 +27014,7 @@
               <a:lnSpc>
                 <a:spcPct val="150000"/>
               </a:lnSpc>
-              <a:buFont typeface="Arial" panose="020B0604020202090204" pitchFamily="34" charset="0"/>
+              <a:buFont typeface="Arial" panose="020B0604020202020204" pitchFamily="34" charset="0"/>
               <a:buNone/>
             </a:pPr>
             <a:r>
@@ -27018,9 +27022,9 @@
                 <a:solidFill>
                   <a:schemeClr val="accent1"/>
                 </a:solidFill>
-                <a:latin typeface="微软雅黑" charset="0"/>
-                <a:ea typeface="微软雅黑" charset="0"/>
-                <a:cs typeface="微软雅黑" charset="0"/>
+                <a:latin typeface="微软雅黑" panose="020B0503020204020204" charset="-122"/>
+                <a:ea typeface="微软雅黑" panose="020B0503020204020204" charset="-122"/>
+                <a:cs typeface="微软雅黑" panose="020B0503020204020204" charset="-122"/>
               </a:rPr>
               <a:t>1、有了多线程threading，为什么还要用多进程multiprocessing</a:t>
             </a:r>
@@ -27028,9 +27032,9 @@
               <a:solidFill>
                 <a:schemeClr val="accent1"/>
               </a:solidFill>
-              <a:latin typeface="微软雅黑" charset="0"/>
-              <a:ea typeface="微软雅黑" charset="0"/>
-              <a:cs typeface="微软雅黑" charset="0"/>
+              <a:latin typeface="微软雅黑" panose="020B0503020204020204" charset="-122"/>
+              <a:ea typeface="微软雅黑" panose="020B0503020204020204" charset="-122"/>
+              <a:cs typeface="微软雅黑" panose="020B0503020204020204" charset="-122"/>
             </a:endParaRPr>
           </a:p>
         </p:txBody>
@@ -27069,32 +27073,32 @@
             </a:pPr>
             <a:r>
               <a:rPr lang="zh-CN" altLang="en-US" sz="2400">
-                <a:latin typeface="微软雅黑" charset="0"/>
-                <a:ea typeface="微软雅黑" charset="0"/>
-                <a:cs typeface="微软雅黑" charset="0"/>
+                <a:latin typeface="微软雅黑" panose="020B0503020204020204" charset="-122"/>
+                <a:ea typeface="微软雅黑" panose="020B0503020204020204" charset="-122"/>
+                <a:cs typeface="微软雅黑" panose="020B0503020204020204" charset="-122"/>
               </a:rPr>
               <a:t>如果遇到了</a:t>
             </a:r>
             <a:r>
               <a:rPr lang="en-US" altLang="zh-CN" sz="2400">
-                <a:latin typeface="微软雅黑" charset="0"/>
-                <a:ea typeface="微软雅黑" charset="0"/>
-                <a:cs typeface="微软雅黑" charset="0"/>
+                <a:latin typeface="微软雅黑" panose="020B0503020204020204" charset="-122"/>
+                <a:ea typeface="微软雅黑" panose="020B0503020204020204" charset="-122"/>
+                <a:cs typeface="微软雅黑" panose="020B0503020204020204" charset="-122"/>
               </a:rPr>
               <a:t>CPU</a:t>
             </a:r>
             <a:r>
               <a:rPr lang="zh-CN" altLang="en-US" sz="2400">
-                <a:latin typeface="微软雅黑" charset="0"/>
-                <a:ea typeface="微软雅黑" charset="0"/>
-                <a:cs typeface="微软雅黑" charset="0"/>
+                <a:latin typeface="微软雅黑" panose="020B0503020204020204" charset="-122"/>
+                <a:ea typeface="微软雅黑" panose="020B0503020204020204" charset="-122"/>
+                <a:cs typeface="微软雅黑" panose="020B0503020204020204" charset="-122"/>
               </a:rPr>
               <a:t>密集型计算，多线程反而会降低执行速度！</a:t>
             </a:r>
             <a:endParaRPr lang="zh-CN" altLang="en-US" sz="2400">
-              <a:latin typeface="微软雅黑" charset="0"/>
-              <a:ea typeface="微软雅黑" charset="0"/>
-              <a:cs typeface="微软雅黑" charset="0"/>
+              <a:latin typeface="微软雅黑" panose="020B0503020204020204" charset="-122"/>
+              <a:ea typeface="微软雅黑" panose="020B0503020204020204" charset="-122"/>
+              <a:cs typeface="微软雅黑" panose="020B0503020204020204" charset="-122"/>
             </a:endParaRPr>
           </a:p>
         </p:txBody>
@@ -27441,7 +27445,7 @@
               <a:lnSpc>
                 <a:spcPct val="150000"/>
               </a:lnSpc>
-              <a:buFont typeface="Arial" panose="020B0604020202090204" pitchFamily="34" charset="0"/>
+              <a:buFont typeface="Arial" panose="020B0604020202020204" pitchFamily="34" charset="0"/>
               <a:buNone/>
             </a:pPr>
             <a:r>
@@ -27449,9 +27453,9 @@
                 <a:solidFill>
                   <a:schemeClr val="accent1"/>
                 </a:solidFill>
-                <a:latin typeface="微软雅黑" charset="0"/>
-                <a:ea typeface="微软雅黑" charset="0"/>
-                <a:cs typeface="微软雅黑" charset="0"/>
+                <a:latin typeface="微软雅黑" panose="020B0503020204020204" charset="-122"/>
+                <a:ea typeface="微软雅黑" panose="020B0503020204020204" charset="-122"/>
+                <a:cs typeface="微软雅黑" panose="020B0503020204020204" charset="-122"/>
               </a:rPr>
               <a:t>2</a:t>
             </a:r>
@@ -27460,9 +27464,9 @@
                 <a:solidFill>
                   <a:schemeClr val="accent1"/>
                 </a:solidFill>
-                <a:latin typeface="微软雅黑" charset="0"/>
-                <a:ea typeface="微软雅黑" charset="0"/>
-                <a:cs typeface="微软雅黑" charset="0"/>
+                <a:latin typeface="微软雅黑" panose="020B0503020204020204" charset="-122"/>
+                <a:ea typeface="微软雅黑" panose="020B0503020204020204" charset="-122"/>
+                <a:cs typeface="微软雅黑" panose="020B0503020204020204" charset="-122"/>
               </a:rPr>
               <a:t>、多进程multiprocessing知识梳理（对比多线程</a:t>
             </a:r>
@@ -27471,9 +27475,9 @@
                 <a:solidFill>
                   <a:schemeClr val="accent1"/>
                 </a:solidFill>
-                <a:latin typeface="微软雅黑" charset="0"/>
-                <a:ea typeface="微软雅黑" charset="0"/>
-                <a:cs typeface="微软雅黑" charset="0"/>
+                <a:latin typeface="微软雅黑" panose="020B0503020204020204" charset="-122"/>
+                <a:ea typeface="微软雅黑" panose="020B0503020204020204" charset="-122"/>
+                <a:cs typeface="微软雅黑" panose="020B0503020204020204" charset="-122"/>
               </a:rPr>
               <a:t>threading</a:t>
             </a:r>
@@ -27482,9 +27486,9 @@
                 <a:solidFill>
                   <a:schemeClr val="accent1"/>
                 </a:solidFill>
-                <a:latin typeface="微软雅黑" charset="0"/>
-                <a:ea typeface="微软雅黑" charset="0"/>
-                <a:cs typeface="微软雅黑" charset="0"/>
+                <a:latin typeface="微软雅黑" panose="020B0503020204020204" charset="-122"/>
+                <a:ea typeface="微软雅黑" panose="020B0503020204020204" charset="-122"/>
+                <a:cs typeface="微软雅黑" panose="020B0503020204020204" charset="-122"/>
               </a:rPr>
               <a:t>）</a:t>
             </a:r>
@@ -27492,9 +27496,9 @@
               <a:solidFill>
                 <a:schemeClr val="accent1"/>
               </a:solidFill>
-              <a:latin typeface="微软雅黑" charset="0"/>
-              <a:ea typeface="微软雅黑" charset="0"/>
-              <a:cs typeface="微软雅黑" charset="0"/>
+              <a:latin typeface="微软雅黑" panose="020B0503020204020204" charset="-122"/>
+              <a:ea typeface="微软雅黑" panose="020B0503020204020204" charset="-122"/>
+              <a:cs typeface="微软雅黑" panose="020B0503020204020204" charset="-122"/>
             </a:endParaRPr>
           </a:p>
         </p:txBody>
@@ -28687,7 +28691,7 @@
               <a:lnSpc>
                 <a:spcPct val="150000"/>
               </a:lnSpc>
-              <a:buFont typeface="Arial" panose="020B0604020202090204" pitchFamily="34" charset="0"/>
+              <a:buFont typeface="Arial" panose="020B0604020202020204" pitchFamily="34" charset="0"/>
               <a:buNone/>
             </a:pPr>
             <a:r>
@@ -28695,9 +28699,9 @@
                 <a:solidFill>
                   <a:schemeClr val="accent1"/>
                 </a:solidFill>
-                <a:latin typeface="微软雅黑" charset="0"/>
-                <a:ea typeface="微软雅黑" charset="0"/>
-                <a:cs typeface="微软雅黑" charset="0"/>
+                <a:latin typeface="微软雅黑" panose="020B0503020204020204" charset="-122"/>
+                <a:ea typeface="微软雅黑" panose="020B0503020204020204" charset="-122"/>
+                <a:cs typeface="微软雅黑" panose="020B0503020204020204" charset="-122"/>
               </a:rPr>
               <a:t>3、代码实战：单线程、多线程、多进程对比CPU密集计算速度</a:t>
             </a:r>
@@ -28705,9 +28709,9 @@
               <a:solidFill>
                 <a:schemeClr val="accent1"/>
               </a:solidFill>
-              <a:latin typeface="微软雅黑" charset="0"/>
-              <a:ea typeface="微软雅黑" charset="0"/>
-              <a:cs typeface="微软雅黑" charset="0"/>
+              <a:latin typeface="微软雅黑" panose="020B0503020204020204" charset="-122"/>
+              <a:ea typeface="微软雅黑" panose="020B0503020204020204" charset="-122"/>
+              <a:cs typeface="微软雅黑" panose="020B0503020204020204" charset="-122"/>
             </a:endParaRPr>
           </a:p>
         </p:txBody>
@@ -28900,9 +28904,9 @@
                 <a:solidFill>
                   <a:schemeClr val="bg1"/>
                 </a:solidFill>
-                <a:latin typeface="微软雅黑" charset="0"/>
-                <a:ea typeface="微软雅黑" charset="0"/>
-                <a:cs typeface="微软雅黑" charset="0"/>
+                <a:latin typeface="微软雅黑" panose="020B0503020204020204" charset="-122"/>
+                <a:ea typeface="微软雅黑" panose="020B0503020204020204" charset="-122"/>
+                <a:cs typeface="微软雅黑" panose="020B0503020204020204" charset="-122"/>
               </a:rPr>
               <a:t>在</a:t>
             </a:r>
@@ -28911,9 +28915,9 @@
                 <a:solidFill>
                   <a:schemeClr val="bg1"/>
                 </a:solidFill>
-                <a:latin typeface="微软雅黑" charset="0"/>
-                <a:ea typeface="微软雅黑" charset="0"/>
-                <a:cs typeface="微软雅黑" charset="0"/>
+                <a:latin typeface="微软雅黑" panose="020B0503020204020204" charset="-122"/>
+                <a:ea typeface="微软雅黑" panose="020B0503020204020204" charset="-122"/>
+                <a:cs typeface="微软雅黑" panose="020B0503020204020204" charset="-122"/>
               </a:rPr>
               <a:t>Flask</a:t>
             </a:r>
@@ -28922,9 +28926,9 @@
                 <a:solidFill>
                   <a:schemeClr val="bg1"/>
                 </a:solidFill>
-                <a:latin typeface="微软雅黑" charset="0"/>
-                <a:ea typeface="微软雅黑" charset="0"/>
-                <a:cs typeface="微软雅黑" charset="0"/>
+                <a:latin typeface="微软雅黑" panose="020B0503020204020204" charset="-122"/>
+                <a:ea typeface="微软雅黑" panose="020B0503020204020204" charset="-122"/>
+                <a:cs typeface="微软雅黑" panose="020B0503020204020204" charset="-122"/>
               </a:rPr>
               <a:t>服务中</a:t>
             </a:r>
@@ -28933,9 +28937,9 @@
                 <a:solidFill>
                   <a:schemeClr val="bg1"/>
                 </a:solidFill>
-                <a:latin typeface="微软雅黑" charset="0"/>
-                <a:ea typeface="微软雅黑" charset="0"/>
-                <a:cs typeface="微软雅黑" charset="0"/>
+                <a:latin typeface="微软雅黑" panose="020B0503020204020204" charset="-122"/>
+                <a:ea typeface="微软雅黑" panose="020B0503020204020204" charset="-122"/>
+                <a:cs typeface="微软雅黑" panose="020B0503020204020204" charset="-122"/>
               </a:rPr>
             </a:br>
             <a:r>
@@ -28943,9 +28947,9 @@
                 <a:solidFill>
                   <a:schemeClr val="bg1"/>
                 </a:solidFill>
-                <a:latin typeface="微软雅黑" charset="0"/>
-                <a:ea typeface="微软雅黑" charset="0"/>
-                <a:cs typeface="微软雅黑" charset="0"/>
+                <a:latin typeface="微软雅黑" panose="020B0503020204020204" charset="-122"/>
+                <a:ea typeface="微软雅黑" panose="020B0503020204020204" charset="-122"/>
+                <a:cs typeface="微软雅黑" panose="020B0503020204020204" charset="-122"/>
               </a:rPr>
               <a:t>使用进程池加速</a:t>
             </a:r>
@@ -28953,9 +28957,9 @@
               <a:solidFill>
                 <a:schemeClr val="bg1"/>
               </a:solidFill>
-              <a:latin typeface="微软雅黑" charset="0"/>
-              <a:ea typeface="微软雅黑" charset="0"/>
-              <a:cs typeface="微软雅黑" charset="0"/>
+              <a:latin typeface="微软雅黑" panose="020B0503020204020204" charset="-122"/>
+              <a:ea typeface="微软雅黑" panose="020B0503020204020204" charset="-122"/>
+              <a:cs typeface="微软雅黑" panose="020B0503020204020204" charset="-122"/>
             </a:endParaRPr>
           </a:p>
         </p:txBody>
@@ -29010,9 +29014,9 @@
                 <a:solidFill>
                   <a:schemeClr val="bg1"/>
                 </a:solidFill>
-                <a:latin typeface="微软雅黑" charset="0"/>
-                <a:ea typeface="微软雅黑" charset="0"/>
-                <a:cs typeface="微软雅黑" charset="0"/>
+                <a:latin typeface="微软雅黑" panose="020B0503020204020204" charset="-122"/>
+                <a:ea typeface="微软雅黑" panose="020B0503020204020204" charset="-122"/>
+                <a:cs typeface="微软雅黑" panose="020B0503020204020204" charset="-122"/>
                 <a:sym typeface="+mn-ea"/>
               </a:rPr>
               <a:t>Python</a:t>
@@ -29022,9 +29026,9 @@
                 <a:solidFill>
                   <a:schemeClr val="bg1"/>
                 </a:solidFill>
-                <a:latin typeface="微软雅黑" charset="0"/>
-                <a:ea typeface="微软雅黑" charset="0"/>
-                <a:cs typeface="微软雅黑" charset="0"/>
+                <a:latin typeface="微软雅黑" panose="020B0503020204020204" charset="-122"/>
+                <a:ea typeface="微软雅黑" panose="020B0503020204020204" charset="-122"/>
+                <a:cs typeface="微软雅黑" panose="020B0503020204020204" charset="-122"/>
                 <a:sym typeface="+mn-ea"/>
               </a:rPr>
               <a:t> 并发编程</a:t>
@@ -29033,9 +29037,9 @@
               <a:solidFill>
                 <a:schemeClr val="bg1"/>
               </a:solidFill>
-              <a:latin typeface="微软雅黑" charset="0"/>
-              <a:ea typeface="微软雅黑" charset="0"/>
-              <a:cs typeface="微软雅黑" charset="0"/>
+              <a:latin typeface="微软雅黑" panose="020B0503020204020204" charset="-122"/>
+              <a:ea typeface="微软雅黑" panose="020B0503020204020204" charset="-122"/>
+              <a:cs typeface="微软雅黑" panose="020B0503020204020204" charset="-122"/>
               <a:sym typeface="+mn-ea"/>
             </a:endParaRPr>
           </a:p>
@@ -29131,9 +29135,9 @@
                 <a:solidFill>
                   <a:schemeClr val="bg1"/>
                 </a:solidFill>
-                <a:latin typeface="微软雅黑" charset="0"/>
-                <a:ea typeface="微软雅黑" charset="0"/>
-                <a:cs typeface="微软雅黑" charset="0"/>
+                <a:latin typeface="微软雅黑" panose="020B0503020204020204" charset="-122"/>
+                <a:ea typeface="微软雅黑" panose="020B0503020204020204" charset="-122"/>
+                <a:cs typeface="微软雅黑" panose="020B0503020204020204" charset="-122"/>
               </a:rPr>
               <a:t>Python异步IO</a:t>
             </a:r>
@@ -29142,9 +29146,9 @@
                 <a:solidFill>
                   <a:schemeClr val="bg1"/>
                 </a:solidFill>
-                <a:latin typeface="微软雅黑" charset="0"/>
-                <a:ea typeface="微软雅黑" charset="0"/>
-                <a:cs typeface="微软雅黑" charset="0"/>
+                <a:latin typeface="微软雅黑" panose="020B0503020204020204" charset="-122"/>
+                <a:ea typeface="微软雅黑" panose="020B0503020204020204" charset="-122"/>
+                <a:cs typeface="微软雅黑" panose="020B0503020204020204" charset="-122"/>
               </a:rPr>
             </a:br>
             <a:r>
@@ -29152,9 +29156,9 @@
                 <a:solidFill>
                   <a:schemeClr val="bg1"/>
                 </a:solidFill>
-                <a:latin typeface="微软雅黑" charset="0"/>
-                <a:ea typeface="微软雅黑" charset="0"/>
-                <a:cs typeface="微软雅黑" charset="0"/>
+                <a:latin typeface="微软雅黑" panose="020B0503020204020204" charset="-122"/>
+                <a:ea typeface="微软雅黑" panose="020B0503020204020204" charset="-122"/>
+                <a:cs typeface="微软雅黑" panose="020B0503020204020204" charset="-122"/>
               </a:rPr>
               <a:t>实现并发爬虫</a:t>
             </a:r>
@@ -29162,9 +29166,9 @@
               <a:solidFill>
                 <a:schemeClr val="bg1"/>
               </a:solidFill>
-              <a:latin typeface="微软雅黑" charset="0"/>
-              <a:ea typeface="微软雅黑" charset="0"/>
-              <a:cs typeface="微软雅黑" charset="0"/>
+              <a:latin typeface="微软雅黑" panose="020B0503020204020204" charset="-122"/>
+              <a:ea typeface="微软雅黑" panose="020B0503020204020204" charset="-122"/>
+              <a:cs typeface="微软雅黑" panose="020B0503020204020204" charset="-122"/>
             </a:endParaRPr>
           </a:p>
         </p:txBody>
@@ -29219,9 +29223,9 @@
                 <a:solidFill>
                   <a:schemeClr val="bg1"/>
                 </a:solidFill>
-                <a:latin typeface="微软雅黑" charset="0"/>
-                <a:ea typeface="微软雅黑" charset="0"/>
-                <a:cs typeface="微软雅黑" charset="0"/>
+                <a:latin typeface="微软雅黑" panose="020B0503020204020204" charset="-122"/>
+                <a:ea typeface="微软雅黑" panose="020B0503020204020204" charset="-122"/>
+                <a:cs typeface="微软雅黑" panose="020B0503020204020204" charset="-122"/>
                 <a:sym typeface="+mn-ea"/>
               </a:rPr>
               <a:t>Python</a:t>
@@ -29231,9 +29235,9 @@
                 <a:solidFill>
                   <a:schemeClr val="bg1"/>
                 </a:solidFill>
-                <a:latin typeface="微软雅黑" charset="0"/>
-                <a:ea typeface="微软雅黑" charset="0"/>
-                <a:cs typeface="微软雅黑" charset="0"/>
+                <a:latin typeface="微软雅黑" panose="020B0503020204020204" charset="-122"/>
+                <a:ea typeface="微软雅黑" panose="020B0503020204020204" charset="-122"/>
+                <a:cs typeface="微软雅黑" panose="020B0503020204020204" charset="-122"/>
                 <a:sym typeface="+mn-ea"/>
               </a:rPr>
               <a:t> 并发编程</a:t>
@@ -29242,9 +29246,9 @@
               <a:solidFill>
                 <a:schemeClr val="bg1"/>
               </a:solidFill>
-              <a:latin typeface="微软雅黑" charset="0"/>
-              <a:ea typeface="微软雅黑" charset="0"/>
-              <a:cs typeface="微软雅黑" charset="0"/>
+              <a:latin typeface="微软雅黑" panose="020B0503020204020204" charset="-122"/>
+              <a:ea typeface="微软雅黑" panose="020B0503020204020204" charset="-122"/>
+              <a:cs typeface="微软雅黑" panose="020B0503020204020204" charset="-122"/>
               <a:sym typeface="+mn-ea"/>
             </a:endParaRPr>
           </a:p>
@@ -29310,7 +29314,7 @@
                 <a:lnSpc>
                   <a:spcPct val="150000"/>
                 </a:lnSpc>
-                <a:buFont typeface="Arial" panose="020B0604020202090204" pitchFamily="34" charset="0"/>
+                <a:buFont typeface="Arial" panose="020B0604020202020204" pitchFamily="34" charset="0"/>
                 <a:buNone/>
               </a:pPr>
               <a:r>
@@ -29318,9 +29322,9 @@
                   <a:solidFill>
                     <a:schemeClr val="accent1"/>
                   </a:solidFill>
-                  <a:latin typeface="微软雅黑" charset="0"/>
-                  <a:ea typeface="微软雅黑" charset="0"/>
-                  <a:cs typeface="微软雅黑" charset="0"/>
+                  <a:latin typeface="微软雅黑" panose="020B0503020204020204" charset="-122"/>
+                  <a:ea typeface="微软雅黑" panose="020B0503020204020204" charset="-122"/>
+                  <a:cs typeface="微软雅黑" panose="020B0503020204020204" charset="-122"/>
                 </a:rPr>
                 <a:t>单线程爬虫的执行路径</a:t>
               </a:r>
@@ -29328,9 +29332,9 @@
                 <a:solidFill>
                   <a:schemeClr val="accent1"/>
                 </a:solidFill>
-                <a:latin typeface="微软雅黑" charset="0"/>
-                <a:ea typeface="微软雅黑" charset="0"/>
-                <a:cs typeface="微软雅黑" charset="0"/>
+                <a:latin typeface="微软雅黑" panose="020B0503020204020204" charset="-122"/>
+                <a:ea typeface="微软雅黑" panose="020B0503020204020204" charset="-122"/>
+                <a:cs typeface="微软雅黑" panose="020B0503020204020204" charset="-122"/>
               </a:endParaRPr>
             </a:p>
           </p:txBody>
@@ -29423,16 +29427,16 @@
                 <a:pPr algn="ctr"/>
                 <a:r>
                   <a:rPr lang="en-US" altLang="zh-CN" sz="1000" b="1">
-                    <a:latin typeface="微软雅黑" charset="0"/>
-                    <a:ea typeface="微软雅黑" charset="0"/>
-                    <a:cs typeface="微软雅黑" charset="0"/>
+                    <a:latin typeface="微软雅黑" panose="020B0503020204020204" charset="-122"/>
+                    <a:ea typeface="微软雅黑" panose="020B0503020204020204" charset="-122"/>
+                    <a:cs typeface="微软雅黑" panose="020B0503020204020204" charset="-122"/>
                   </a:rPr>
                   <a:t>CPU</a:t>
                 </a:r>
                 <a:endParaRPr lang="zh-CN" altLang="en-US" sz="1000" b="1">
-                  <a:latin typeface="微软雅黑" charset="0"/>
-                  <a:ea typeface="微软雅黑" charset="0"/>
-                  <a:cs typeface="微软雅黑" charset="0"/>
+                  <a:latin typeface="微软雅黑" panose="020B0503020204020204" charset="-122"/>
+                  <a:ea typeface="微软雅黑" panose="020B0503020204020204" charset="-122"/>
+                  <a:cs typeface="微软雅黑" panose="020B0503020204020204" charset="-122"/>
                 </a:endParaRPr>
               </a:p>
             </p:txBody>
@@ -29474,24 +29478,24 @@
                 <a:pPr algn="ctr"/>
                 <a:r>
                   <a:rPr lang="zh-CN" altLang="en-US" sz="1000" b="1">
-                    <a:latin typeface="微软雅黑" charset="0"/>
-                    <a:ea typeface="微软雅黑" charset="0"/>
-                    <a:cs typeface="微软雅黑" charset="0"/>
+                    <a:latin typeface="微软雅黑" panose="020B0503020204020204" charset="-122"/>
+                    <a:ea typeface="微软雅黑" panose="020B0503020204020204" charset="-122"/>
+                    <a:cs typeface="微软雅黑" panose="020B0503020204020204" charset="-122"/>
                   </a:rPr>
                   <a:t>等待</a:t>
                 </a:r>
                 <a:r>
                   <a:rPr lang="en-US" altLang="zh-CN" sz="1000" b="1">
-                    <a:latin typeface="微软雅黑" charset="0"/>
-                    <a:ea typeface="微软雅黑" charset="0"/>
-                    <a:cs typeface="微软雅黑" charset="0"/>
+                    <a:latin typeface="微软雅黑" panose="020B0503020204020204" charset="-122"/>
+                    <a:ea typeface="微软雅黑" panose="020B0503020204020204" charset="-122"/>
+                    <a:cs typeface="微软雅黑" panose="020B0503020204020204" charset="-122"/>
                   </a:rPr>
                   <a:t>IO</a:t>
                 </a:r>
                 <a:endParaRPr lang="en-US" altLang="zh-CN" sz="1000" b="1">
-                  <a:latin typeface="微软雅黑" charset="0"/>
-                  <a:ea typeface="微软雅黑" charset="0"/>
-                  <a:cs typeface="微软雅黑" charset="0"/>
+                  <a:latin typeface="微软雅黑" panose="020B0503020204020204" charset="-122"/>
+                  <a:ea typeface="微软雅黑" panose="020B0503020204020204" charset="-122"/>
+                  <a:cs typeface="微软雅黑" panose="020B0503020204020204" charset="-122"/>
                 </a:endParaRPr>
               </a:p>
             </p:txBody>
@@ -29729,40 +29733,40 @@
               <a:p>
                 <a:r>
                   <a:rPr lang="zh-CN" altLang="en-US" sz="1400">
-                    <a:latin typeface="微软雅黑" charset="0"/>
-                    <a:ea typeface="微软雅黑" charset="0"/>
-                    <a:cs typeface="微软雅黑" charset="0"/>
+                    <a:latin typeface="微软雅黑" panose="020B0503020204020204" charset="-122"/>
+                    <a:ea typeface="微软雅黑" panose="020B0503020204020204" charset="-122"/>
+                    <a:cs typeface="微软雅黑" panose="020B0503020204020204" charset="-122"/>
                   </a:rPr>
                   <a:t>爬取第</a:t>
                 </a:r>
                 <a:r>
                   <a:rPr lang="en-US" altLang="zh-CN" sz="1400">
-                    <a:latin typeface="微软雅黑" charset="0"/>
-                    <a:ea typeface="微软雅黑" charset="0"/>
-                    <a:cs typeface="微软雅黑" charset="0"/>
+                    <a:latin typeface="微软雅黑" panose="020B0503020204020204" charset="-122"/>
+                    <a:ea typeface="微软雅黑" panose="020B0503020204020204" charset="-122"/>
+                    <a:cs typeface="微软雅黑" panose="020B0503020204020204" charset="-122"/>
                   </a:rPr>
                   <a:t>1</a:t>
                 </a:r>
                 <a:r>
                   <a:rPr lang="zh-CN" altLang="en-US" sz="1400">
-                    <a:latin typeface="微软雅黑" charset="0"/>
-                    <a:ea typeface="微软雅黑" charset="0"/>
-                    <a:cs typeface="微软雅黑" charset="0"/>
+                    <a:latin typeface="微软雅黑" panose="020B0503020204020204" charset="-122"/>
+                    <a:ea typeface="微软雅黑" panose="020B0503020204020204" charset="-122"/>
+                    <a:cs typeface="微软雅黑" panose="020B0503020204020204" charset="-122"/>
                   </a:rPr>
                   <a:t>个</a:t>
                 </a:r>
                 <a:r>
                   <a:rPr lang="en-US" altLang="zh-CN" sz="1400">
-                    <a:latin typeface="微软雅黑" charset="0"/>
-                    <a:ea typeface="微软雅黑" charset="0"/>
-                    <a:cs typeface="微软雅黑" charset="0"/>
+                    <a:latin typeface="微软雅黑" panose="020B0503020204020204" charset="-122"/>
+                    <a:ea typeface="微软雅黑" panose="020B0503020204020204" charset="-122"/>
+                    <a:cs typeface="微软雅黑" panose="020B0503020204020204" charset="-122"/>
                   </a:rPr>
                   <a:t>URL</a:t>
                 </a:r>
                 <a:endParaRPr lang="en-US" altLang="zh-CN" sz="1400">
-                  <a:latin typeface="微软雅黑" charset="0"/>
-                  <a:ea typeface="微软雅黑" charset="0"/>
-                  <a:cs typeface="微软雅黑" charset="0"/>
+                  <a:latin typeface="微软雅黑" panose="020B0503020204020204" charset="-122"/>
+                  <a:ea typeface="微软雅黑" panose="020B0503020204020204" charset="-122"/>
+                  <a:cs typeface="微软雅黑" panose="020B0503020204020204" charset="-122"/>
                 </a:endParaRPr>
               </a:p>
             </p:txBody>
@@ -29790,40 +29794,40 @@
               <a:p>
                 <a:r>
                   <a:rPr lang="zh-CN" altLang="en-US" sz="1400">
-                    <a:latin typeface="微软雅黑" charset="0"/>
-                    <a:ea typeface="微软雅黑" charset="0"/>
-                    <a:cs typeface="微软雅黑" charset="0"/>
+                    <a:latin typeface="微软雅黑" panose="020B0503020204020204" charset="-122"/>
+                    <a:ea typeface="微软雅黑" panose="020B0503020204020204" charset="-122"/>
+                    <a:cs typeface="微软雅黑" panose="020B0503020204020204" charset="-122"/>
                   </a:rPr>
                   <a:t>爬取第</a:t>
                 </a:r>
                 <a:r>
                   <a:rPr lang="en-US" altLang="zh-CN" sz="1400">
-                    <a:latin typeface="微软雅黑" charset="0"/>
-                    <a:ea typeface="微软雅黑" charset="0"/>
-                    <a:cs typeface="微软雅黑" charset="0"/>
+                    <a:latin typeface="微软雅黑" panose="020B0503020204020204" charset="-122"/>
+                    <a:ea typeface="微软雅黑" panose="020B0503020204020204" charset="-122"/>
+                    <a:cs typeface="微软雅黑" panose="020B0503020204020204" charset="-122"/>
                   </a:rPr>
                   <a:t>2</a:t>
                 </a:r>
                 <a:r>
                   <a:rPr lang="zh-CN" altLang="en-US" sz="1400">
-                    <a:latin typeface="微软雅黑" charset="0"/>
-                    <a:ea typeface="微软雅黑" charset="0"/>
-                    <a:cs typeface="微软雅黑" charset="0"/>
+                    <a:latin typeface="微软雅黑" panose="020B0503020204020204" charset="-122"/>
+                    <a:ea typeface="微软雅黑" panose="020B0503020204020204" charset="-122"/>
+                    <a:cs typeface="微软雅黑" panose="020B0503020204020204" charset="-122"/>
                   </a:rPr>
                   <a:t>个</a:t>
                 </a:r>
                 <a:r>
                   <a:rPr lang="en-US" altLang="zh-CN" sz="1400">
-                    <a:latin typeface="微软雅黑" charset="0"/>
-                    <a:ea typeface="微软雅黑" charset="0"/>
-                    <a:cs typeface="微软雅黑" charset="0"/>
+                    <a:latin typeface="微软雅黑" panose="020B0503020204020204" charset="-122"/>
+                    <a:ea typeface="微软雅黑" panose="020B0503020204020204" charset="-122"/>
+                    <a:cs typeface="微软雅黑" panose="020B0503020204020204" charset="-122"/>
                   </a:rPr>
                   <a:t>URL</a:t>
                 </a:r>
                 <a:endParaRPr lang="en-US" altLang="zh-CN" sz="1400">
-                  <a:latin typeface="微软雅黑" charset="0"/>
-                  <a:ea typeface="微软雅黑" charset="0"/>
-                  <a:cs typeface="微软雅黑" charset="0"/>
+                  <a:latin typeface="微软雅黑" panose="020B0503020204020204" charset="-122"/>
+                  <a:ea typeface="微软雅黑" panose="020B0503020204020204" charset="-122"/>
+                  <a:cs typeface="微软雅黑" panose="020B0503020204020204" charset="-122"/>
                 </a:endParaRPr>
               </a:p>
             </p:txBody>
@@ -29851,40 +29855,40 @@
               <a:p>
                 <a:r>
                   <a:rPr lang="zh-CN" altLang="en-US" sz="1400">
-                    <a:latin typeface="微软雅黑" charset="0"/>
-                    <a:ea typeface="微软雅黑" charset="0"/>
-                    <a:cs typeface="微软雅黑" charset="0"/>
+                    <a:latin typeface="微软雅黑" panose="020B0503020204020204" charset="-122"/>
+                    <a:ea typeface="微软雅黑" panose="020B0503020204020204" charset="-122"/>
+                    <a:cs typeface="微软雅黑" panose="020B0503020204020204" charset="-122"/>
                   </a:rPr>
                   <a:t>爬取第</a:t>
                 </a:r>
                 <a:r>
                   <a:rPr lang="en-US" altLang="zh-CN" sz="1400">
-                    <a:latin typeface="微软雅黑" charset="0"/>
-                    <a:ea typeface="微软雅黑" charset="0"/>
-                    <a:cs typeface="微软雅黑" charset="0"/>
+                    <a:latin typeface="微软雅黑" panose="020B0503020204020204" charset="-122"/>
+                    <a:ea typeface="微软雅黑" panose="020B0503020204020204" charset="-122"/>
+                    <a:cs typeface="微软雅黑" panose="020B0503020204020204" charset="-122"/>
                   </a:rPr>
                   <a:t>3</a:t>
                 </a:r>
                 <a:r>
                   <a:rPr lang="zh-CN" altLang="en-US" sz="1400">
-                    <a:latin typeface="微软雅黑" charset="0"/>
-                    <a:ea typeface="微软雅黑" charset="0"/>
-                    <a:cs typeface="微软雅黑" charset="0"/>
+                    <a:latin typeface="微软雅黑" panose="020B0503020204020204" charset="-122"/>
+                    <a:ea typeface="微软雅黑" panose="020B0503020204020204" charset="-122"/>
+                    <a:cs typeface="微软雅黑" panose="020B0503020204020204" charset="-122"/>
                   </a:rPr>
                   <a:t>个</a:t>
                 </a:r>
                 <a:r>
                   <a:rPr lang="en-US" altLang="zh-CN" sz="1400">
-                    <a:latin typeface="微软雅黑" charset="0"/>
-                    <a:ea typeface="微软雅黑" charset="0"/>
-                    <a:cs typeface="微软雅黑" charset="0"/>
+                    <a:latin typeface="微软雅黑" panose="020B0503020204020204" charset="-122"/>
+                    <a:ea typeface="微软雅黑" panose="020B0503020204020204" charset="-122"/>
+                    <a:cs typeface="微软雅黑" panose="020B0503020204020204" charset="-122"/>
                   </a:rPr>
                   <a:t>URL</a:t>
                 </a:r>
                 <a:endParaRPr lang="en-US" altLang="zh-CN" sz="1400">
-                  <a:latin typeface="微软雅黑" charset="0"/>
-                  <a:ea typeface="微软雅黑" charset="0"/>
-                  <a:cs typeface="微软雅黑" charset="0"/>
+                  <a:latin typeface="微软雅黑" panose="020B0503020204020204" charset="-122"/>
+                  <a:ea typeface="微软雅黑" panose="020B0503020204020204" charset="-122"/>
+                  <a:cs typeface="微软雅黑" panose="020B0503020204020204" charset="-122"/>
                 </a:endParaRPr>
               </a:p>
             </p:txBody>
@@ -29926,16 +29930,16 @@
                 <a:pPr algn="ctr"/>
                 <a:r>
                   <a:rPr lang="en-US" altLang="zh-CN" sz="1000" b="1">
-                    <a:latin typeface="微软雅黑" charset="0"/>
-                    <a:ea typeface="微软雅黑" charset="0"/>
-                    <a:cs typeface="微软雅黑" charset="0"/>
+                    <a:latin typeface="微软雅黑" panose="020B0503020204020204" charset="-122"/>
+                    <a:ea typeface="微软雅黑" panose="020B0503020204020204" charset="-122"/>
+                    <a:cs typeface="微软雅黑" panose="020B0503020204020204" charset="-122"/>
                   </a:rPr>
                   <a:t>CPU</a:t>
                 </a:r>
                 <a:endParaRPr lang="zh-CN" altLang="en-US" sz="1000" b="1">
-                  <a:latin typeface="微软雅黑" charset="0"/>
-                  <a:ea typeface="微软雅黑" charset="0"/>
-                  <a:cs typeface="微软雅黑" charset="0"/>
+                  <a:latin typeface="微软雅黑" panose="020B0503020204020204" charset="-122"/>
+                  <a:ea typeface="微软雅黑" panose="020B0503020204020204" charset="-122"/>
+                  <a:cs typeface="微软雅黑" panose="020B0503020204020204" charset="-122"/>
                 </a:endParaRPr>
               </a:p>
             </p:txBody>
@@ -29977,16 +29981,16 @@
                 <a:pPr algn="ctr"/>
                 <a:r>
                   <a:rPr lang="en-US" altLang="zh-CN" sz="1000" b="1">
-                    <a:latin typeface="微软雅黑" charset="0"/>
-                    <a:ea typeface="微软雅黑" charset="0"/>
-                    <a:cs typeface="微软雅黑" charset="0"/>
+                    <a:latin typeface="微软雅黑" panose="020B0503020204020204" charset="-122"/>
+                    <a:ea typeface="微软雅黑" panose="020B0503020204020204" charset="-122"/>
+                    <a:cs typeface="微软雅黑" panose="020B0503020204020204" charset="-122"/>
                   </a:rPr>
                   <a:t>CPU</a:t>
                 </a:r>
                 <a:endParaRPr lang="zh-CN" altLang="en-US" sz="1000" b="1">
-                  <a:latin typeface="微软雅黑" charset="0"/>
-                  <a:ea typeface="微软雅黑" charset="0"/>
-                  <a:cs typeface="微软雅黑" charset="0"/>
+                  <a:latin typeface="微软雅黑" panose="020B0503020204020204" charset="-122"/>
+                  <a:ea typeface="微软雅黑" panose="020B0503020204020204" charset="-122"/>
+                  <a:cs typeface="微软雅黑" panose="020B0503020204020204" charset="-122"/>
                 </a:endParaRPr>
               </a:p>
             </p:txBody>
@@ -30028,24 +30032,24 @@
                 <a:pPr algn="ctr"/>
                 <a:r>
                   <a:rPr lang="zh-CN" altLang="en-US" sz="1000" b="1">
-                    <a:latin typeface="微软雅黑" charset="0"/>
-                    <a:ea typeface="微软雅黑" charset="0"/>
-                    <a:cs typeface="微软雅黑" charset="0"/>
+                    <a:latin typeface="微软雅黑" panose="020B0503020204020204" charset="-122"/>
+                    <a:ea typeface="微软雅黑" panose="020B0503020204020204" charset="-122"/>
+                    <a:cs typeface="微软雅黑" panose="020B0503020204020204" charset="-122"/>
                   </a:rPr>
                   <a:t>等待</a:t>
                 </a:r>
                 <a:r>
                   <a:rPr lang="en-US" altLang="zh-CN" sz="1000" b="1">
-                    <a:latin typeface="微软雅黑" charset="0"/>
-                    <a:ea typeface="微软雅黑" charset="0"/>
-                    <a:cs typeface="微软雅黑" charset="0"/>
+                    <a:latin typeface="微软雅黑" panose="020B0503020204020204" charset="-122"/>
+                    <a:ea typeface="微软雅黑" panose="020B0503020204020204" charset="-122"/>
+                    <a:cs typeface="微软雅黑" panose="020B0503020204020204" charset="-122"/>
                   </a:rPr>
                   <a:t>IO</a:t>
                 </a:r>
                 <a:endParaRPr lang="en-US" altLang="zh-CN" sz="1000" b="1">
-                  <a:latin typeface="微软雅黑" charset="0"/>
-                  <a:ea typeface="微软雅黑" charset="0"/>
-                  <a:cs typeface="微软雅黑" charset="0"/>
+                  <a:latin typeface="微软雅黑" panose="020B0503020204020204" charset="-122"/>
+                  <a:ea typeface="微软雅黑" panose="020B0503020204020204" charset="-122"/>
+                  <a:cs typeface="微软雅黑" panose="020B0503020204020204" charset="-122"/>
                 </a:endParaRPr>
               </a:p>
             </p:txBody>
@@ -30087,16 +30091,16 @@
                 <a:pPr algn="ctr"/>
                 <a:r>
                   <a:rPr lang="en-US" altLang="zh-CN" sz="1000" b="1">
-                    <a:latin typeface="微软雅黑" charset="0"/>
-                    <a:ea typeface="微软雅黑" charset="0"/>
-                    <a:cs typeface="微软雅黑" charset="0"/>
+                    <a:latin typeface="微软雅黑" panose="020B0503020204020204" charset="-122"/>
+                    <a:ea typeface="微软雅黑" panose="020B0503020204020204" charset="-122"/>
+                    <a:cs typeface="微软雅黑" panose="020B0503020204020204" charset="-122"/>
                   </a:rPr>
                   <a:t>CPU</a:t>
                 </a:r>
                 <a:endParaRPr lang="zh-CN" altLang="en-US" sz="1000" b="1">
-                  <a:latin typeface="微软雅黑" charset="0"/>
-                  <a:ea typeface="微软雅黑" charset="0"/>
-                  <a:cs typeface="微软雅黑" charset="0"/>
+                  <a:latin typeface="微软雅黑" panose="020B0503020204020204" charset="-122"/>
+                  <a:ea typeface="微软雅黑" panose="020B0503020204020204" charset="-122"/>
+                  <a:cs typeface="微软雅黑" panose="020B0503020204020204" charset="-122"/>
                 </a:endParaRPr>
               </a:p>
             </p:txBody>
@@ -30138,16 +30142,16 @@
                 <a:pPr algn="ctr"/>
                 <a:r>
                   <a:rPr lang="en-US" altLang="zh-CN" sz="1000" b="1">
-                    <a:latin typeface="微软雅黑" charset="0"/>
-                    <a:ea typeface="微软雅黑" charset="0"/>
-                    <a:cs typeface="微软雅黑" charset="0"/>
+                    <a:latin typeface="微软雅黑" panose="020B0503020204020204" charset="-122"/>
+                    <a:ea typeface="微软雅黑" panose="020B0503020204020204" charset="-122"/>
+                    <a:cs typeface="微软雅黑" panose="020B0503020204020204" charset="-122"/>
                   </a:rPr>
                   <a:t>CPU</a:t>
                 </a:r>
                 <a:endParaRPr lang="zh-CN" altLang="en-US" sz="1000" b="1">
-                  <a:latin typeface="微软雅黑" charset="0"/>
-                  <a:ea typeface="微软雅黑" charset="0"/>
-                  <a:cs typeface="微软雅黑" charset="0"/>
+                  <a:latin typeface="微软雅黑" panose="020B0503020204020204" charset="-122"/>
+                  <a:ea typeface="微软雅黑" panose="020B0503020204020204" charset="-122"/>
+                  <a:cs typeface="微软雅黑" panose="020B0503020204020204" charset="-122"/>
                 </a:endParaRPr>
               </a:p>
             </p:txBody>
@@ -30189,24 +30193,24 @@
                 <a:pPr algn="ctr"/>
                 <a:r>
                   <a:rPr lang="zh-CN" altLang="en-US" sz="1000" b="1">
-                    <a:latin typeface="微软雅黑" charset="0"/>
-                    <a:ea typeface="微软雅黑" charset="0"/>
-                    <a:cs typeface="微软雅黑" charset="0"/>
+                    <a:latin typeface="微软雅黑" panose="020B0503020204020204" charset="-122"/>
+                    <a:ea typeface="微软雅黑" panose="020B0503020204020204" charset="-122"/>
+                    <a:cs typeface="微软雅黑" panose="020B0503020204020204" charset="-122"/>
                   </a:rPr>
                   <a:t>等待</a:t>
                 </a:r>
                 <a:r>
                   <a:rPr lang="en-US" altLang="zh-CN" sz="1000" b="1">
-                    <a:latin typeface="微软雅黑" charset="0"/>
-                    <a:ea typeface="微软雅黑" charset="0"/>
-                    <a:cs typeface="微软雅黑" charset="0"/>
+                    <a:latin typeface="微软雅黑" panose="020B0503020204020204" charset="-122"/>
+                    <a:ea typeface="微软雅黑" panose="020B0503020204020204" charset="-122"/>
+                    <a:cs typeface="微软雅黑" panose="020B0503020204020204" charset="-122"/>
                   </a:rPr>
                   <a:t>IO</a:t>
                 </a:r>
                 <a:endParaRPr lang="en-US" altLang="zh-CN" sz="1000" b="1">
-                  <a:latin typeface="微软雅黑" charset="0"/>
-                  <a:ea typeface="微软雅黑" charset="0"/>
-                  <a:cs typeface="微软雅黑" charset="0"/>
+                  <a:latin typeface="微软雅黑" panose="020B0503020204020204" charset="-122"/>
+                  <a:ea typeface="微软雅黑" panose="020B0503020204020204" charset="-122"/>
+                  <a:cs typeface="微软雅黑" panose="020B0503020204020204" charset="-122"/>
                 </a:endParaRPr>
               </a:p>
             </p:txBody>
@@ -30248,16 +30252,16 @@
                 <a:pPr algn="ctr"/>
                 <a:r>
                   <a:rPr lang="en-US" altLang="zh-CN" sz="1000" b="1">
-                    <a:latin typeface="微软雅黑" charset="0"/>
-                    <a:ea typeface="微软雅黑" charset="0"/>
-                    <a:cs typeface="微软雅黑" charset="0"/>
+                    <a:latin typeface="微软雅黑" panose="020B0503020204020204" charset="-122"/>
+                    <a:ea typeface="微软雅黑" panose="020B0503020204020204" charset="-122"/>
+                    <a:cs typeface="微软雅黑" panose="020B0503020204020204" charset="-122"/>
                   </a:rPr>
                   <a:t>CPU</a:t>
                 </a:r>
                 <a:endParaRPr lang="zh-CN" altLang="en-US" sz="1000" b="1">
-                  <a:latin typeface="微软雅黑" charset="0"/>
-                  <a:ea typeface="微软雅黑" charset="0"/>
-                  <a:cs typeface="微软雅黑" charset="0"/>
+                  <a:latin typeface="微软雅黑" panose="020B0503020204020204" charset="-122"/>
+                  <a:ea typeface="微软雅黑" panose="020B0503020204020204" charset="-122"/>
+                  <a:cs typeface="微软雅黑" panose="020B0503020204020204" charset="-122"/>
                 </a:endParaRPr>
               </a:p>
             </p:txBody>
@@ -30303,7 +30307,7 @@
                 <a:lnSpc>
                   <a:spcPct val="150000"/>
                 </a:lnSpc>
-                <a:buFont typeface="Arial" panose="020B0604020202090204" pitchFamily="34" charset="0"/>
+                <a:buFont typeface="Arial" panose="020B0604020202020204" pitchFamily="34" charset="0"/>
                 <a:buNone/>
               </a:pPr>
               <a:r>
@@ -30311,9 +30315,9 @@
                   <a:solidFill>
                     <a:schemeClr val="accent1"/>
                   </a:solidFill>
-                  <a:latin typeface="微软雅黑" charset="0"/>
-                  <a:ea typeface="微软雅黑" charset="0"/>
-                  <a:cs typeface="微软雅黑" charset="0"/>
+                  <a:latin typeface="微软雅黑" panose="020B0503020204020204" charset="-122"/>
+                  <a:ea typeface="微软雅黑" panose="020B0503020204020204" charset="-122"/>
+                  <a:cs typeface="微软雅黑" panose="020B0503020204020204" charset="-122"/>
                 </a:rPr>
                 <a:t>协程：在单线程内实现并发</a:t>
               </a:r>
@@ -30321,9 +30325,9 @@
                 <a:solidFill>
                   <a:schemeClr val="accent1"/>
                 </a:solidFill>
-                <a:latin typeface="微软雅黑" charset="0"/>
-                <a:ea typeface="微软雅黑" charset="0"/>
-                <a:cs typeface="微软雅黑" charset="0"/>
+                <a:latin typeface="微软雅黑" panose="020B0503020204020204" charset="-122"/>
+                <a:ea typeface="微软雅黑" panose="020B0503020204020204" charset="-122"/>
+                <a:cs typeface="微软雅黑" panose="020B0503020204020204" charset="-122"/>
               </a:endParaRPr>
             </a:p>
           </p:txBody>
@@ -30351,95 +30355,95 @@
             <a:p>
               <a:r>
                 <a:rPr lang="zh-CN" altLang="en-US" sz="1600">
-                  <a:latin typeface="微软雅黑" charset="0"/>
-                  <a:ea typeface="微软雅黑" charset="0"/>
-                  <a:cs typeface="微软雅黑" charset="0"/>
+                  <a:latin typeface="微软雅黑" panose="020B0503020204020204" charset="-122"/>
+                  <a:ea typeface="微软雅黑" panose="020B0503020204020204" charset="-122"/>
+                  <a:cs typeface="微软雅黑" panose="020B0503020204020204" charset="-122"/>
                 </a:rPr>
                 <a:t>核心原理：用一个超级循环（其实就是</a:t>
               </a:r>
               <a:r>
                 <a:rPr lang="en-US" altLang="zh-CN" sz="1600">
-                  <a:latin typeface="微软雅黑" charset="0"/>
-                  <a:ea typeface="微软雅黑" charset="0"/>
-                  <a:cs typeface="微软雅黑" charset="0"/>
+                  <a:latin typeface="微软雅黑" panose="020B0503020204020204" charset="-122"/>
+                  <a:ea typeface="微软雅黑" panose="020B0503020204020204" charset="-122"/>
+                  <a:cs typeface="微软雅黑" panose="020B0503020204020204" charset="-122"/>
                 </a:rPr>
                 <a:t>while true</a:t>
               </a:r>
               <a:r>
                 <a:rPr lang="zh-CN" altLang="en-US" sz="1600">
-                  <a:latin typeface="微软雅黑" charset="0"/>
-                  <a:ea typeface="微软雅黑" charset="0"/>
-                  <a:cs typeface="微软雅黑" charset="0"/>
+                  <a:latin typeface="微软雅黑" panose="020B0503020204020204" charset="-122"/>
+                  <a:ea typeface="微软雅黑" panose="020B0503020204020204" charset="-122"/>
+                  <a:cs typeface="微软雅黑" panose="020B0503020204020204" charset="-122"/>
                 </a:rPr>
                 <a:t>）循环</a:t>
               </a:r>
               <a:endParaRPr lang="zh-CN" altLang="en-US" sz="1600">
-                <a:latin typeface="微软雅黑" charset="0"/>
-                <a:ea typeface="微软雅黑" charset="0"/>
-                <a:cs typeface="微软雅黑" charset="0"/>
+                <a:latin typeface="微软雅黑" panose="020B0503020204020204" charset="-122"/>
+                <a:ea typeface="微软雅黑" panose="020B0503020204020204" charset="-122"/>
+                <a:cs typeface="微软雅黑" panose="020B0503020204020204" charset="-122"/>
               </a:endParaRPr>
             </a:p>
             <a:p>
               <a:r>
                 <a:rPr lang="zh-CN" altLang="en-US" sz="1600">
-                  <a:latin typeface="微软雅黑" charset="0"/>
-                  <a:ea typeface="微软雅黑" charset="0"/>
-                  <a:cs typeface="微软雅黑" charset="0"/>
+                  <a:latin typeface="微软雅黑" panose="020B0503020204020204" charset="-122"/>
+                  <a:ea typeface="微软雅黑" panose="020B0503020204020204" charset="-122"/>
+                  <a:cs typeface="微软雅黑" panose="020B0503020204020204" charset="-122"/>
                 </a:rPr>
                 <a:t>核心原理：配合</a:t>
               </a:r>
               <a:r>
                 <a:rPr lang="en-US" altLang="zh-CN" sz="1600">
-                  <a:latin typeface="微软雅黑" charset="0"/>
-                  <a:ea typeface="微软雅黑" charset="0"/>
-                  <a:cs typeface="微软雅黑" charset="0"/>
+                  <a:latin typeface="微软雅黑" panose="020B0503020204020204" charset="-122"/>
+                  <a:ea typeface="微软雅黑" panose="020B0503020204020204" charset="-122"/>
+                  <a:cs typeface="微软雅黑" panose="020B0503020204020204" charset="-122"/>
                 </a:rPr>
                 <a:t>IO</a:t>
               </a:r>
               <a:r>
                 <a:rPr lang="zh-CN" altLang="en-US" sz="1600">
-                  <a:latin typeface="微软雅黑" charset="0"/>
-                  <a:ea typeface="微软雅黑" charset="0"/>
-                  <a:cs typeface="微软雅黑" charset="0"/>
+                  <a:latin typeface="微软雅黑" panose="020B0503020204020204" charset="-122"/>
+                  <a:ea typeface="微软雅黑" panose="020B0503020204020204" charset="-122"/>
+                  <a:cs typeface="微软雅黑" panose="020B0503020204020204" charset="-122"/>
                 </a:rPr>
                 <a:t>多路复用原理（</a:t>
               </a:r>
               <a:r>
                 <a:rPr lang="en-US" altLang="zh-CN" sz="1600">
-                  <a:latin typeface="微软雅黑" charset="0"/>
-                  <a:ea typeface="微软雅黑" charset="0"/>
-                  <a:cs typeface="微软雅黑" charset="0"/>
+                  <a:latin typeface="微软雅黑" panose="020B0503020204020204" charset="-122"/>
+                  <a:ea typeface="微软雅黑" panose="020B0503020204020204" charset="-122"/>
+                  <a:cs typeface="微软雅黑" panose="020B0503020204020204" charset="-122"/>
                 </a:rPr>
                 <a:t>IO</a:t>
               </a:r>
               <a:r>
                 <a:rPr lang="zh-CN" altLang="en-US" sz="1600">
-                  <a:latin typeface="微软雅黑" charset="0"/>
-                  <a:ea typeface="微软雅黑" charset="0"/>
-                  <a:cs typeface="微软雅黑" charset="0"/>
+                  <a:latin typeface="微软雅黑" panose="020B0503020204020204" charset="-122"/>
+                  <a:ea typeface="微软雅黑" panose="020B0503020204020204" charset="-122"/>
+                  <a:cs typeface="微软雅黑" panose="020B0503020204020204" charset="-122"/>
                 </a:rPr>
                 <a:t>时</a:t>
               </a:r>
               <a:r>
                 <a:rPr lang="en-US" altLang="zh-CN" sz="1600">
-                  <a:latin typeface="微软雅黑" charset="0"/>
-                  <a:ea typeface="微软雅黑" charset="0"/>
-                  <a:cs typeface="微软雅黑" charset="0"/>
+                  <a:latin typeface="微软雅黑" panose="020B0503020204020204" charset="-122"/>
+                  <a:ea typeface="微软雅黑" panose="020B0503020204020204" charset="-122"/>
+                  <a:cs typeface="微软雅黑" panose="020B0503020204020204" charset="-122"/>
                 </a:rPr>
                 <a:t>CPU</a:t>
               </a:r>
               <a:r>
                 <a:rPr lang="zh-CN" altLang="en-US" sz="1600">
-                  <a:latin typeface="微软雅黑" charset="0"/>
-                  <a:ea typeface="微软雅黑" charset="0"/>
-                  <a:cs typeface="微软雅黑" charset="0"/>
+                  <a:latin typeface="微软雅黑" panose="020B0503020204020204" charset="-122"/>
+                  <a:ea typeface="微软雅黑" panose="020B0503020204020204" charset="-122"/>
+                  <a:cs typeface="微软雅黑" panose="020B0503020204020204" charset="-122"/>
                 </a:rPr>
                 <a:t>可以干其他事情）</a:t>
               </a:r>
               <a:endParaRPr lang="zh-CN" altLang="en-US" sz="1600">
-                <a:latin typeface="微软雅黑" charset="0"/>
-                <a:ea typeface="微软雅黑" charset="0"/>
-                <a:cs typeface="微软雅黑" charset="0"/>
+                <a:latin typeface="微软雅黑" panose="020B0503020204020204" charset="-122"/>
+                <a:ea typeface="微软雅黑" panose="020B0503020204020204" charset="-122"/>
+                <a:cs typeface="微软雅黑" panose="020B0503020204020204" charset="-122"/>
               </a:endParaRPr>
             </a:p>
           </p:txBody>
@@ -30518,16 +30522,16 @@
               <a:pPr algn="ctr"/>
               <a:r>
                 <a:rPr lang="en-US" altLang="zh-CN" sz="1000" b="1">
-                  <a:latin typeface="微软雅黑" charset="0"/>
-                  <a:ea typeface="微软雅黑" charset="0"/>
-                  <a:cs typeface="微软雅黑" charset="0"/>
+                  <a:latin typeface="微软雅黑" panose="020B0503020204020204" charset="-122"/>
+                  <a:ea typeface="微软雅黑" panose="020B0503020204020204" charset="-122"/>
+                  <a:cs typeface="微软雅黑" panose="020B0503020204020204" charset="-122"/>
                 </a:rPr>
                 <a:t>CPU</a:t>
               </a:r>
               <a:endParaRPr lang="zh-CN" altLang="en-US" sz="1000" b="1">
-                <a:latin typeface="微软雅黑" charset="0"/>
-                <a:ea typeface="微软雅黑" charset="0"/>
-                <a:cs typeface="微软雅黑" charset="0"/>
+                <a:latin typeface="微软雅黑" panose="020B0503020204020204" charset="-122"/>
+                <a:ea typeface="微软雅黑" panose="020B0503020204020204" charset="-122"/>
+                <a:cs typeface="微软雅黑" panose="020B0503020204020204" charset="-122"/>
               </a:endParaRPr>
             </a:p>
           </p:txBody>
@@ -30569,24 +30573,24 @@
               <a:pPr algn="ctr"/>
               <a:r>
                 <a:rPr lang="zh-CN" altLang="en-US" sz="1000" b="1">
-                  <a:latin typeface="微软雅黑" charset="0"/>
-                  <a:ea typeface="微软雅黑" charset="0"/>
-                  <a:cs typeface="微软雅黑" charset="0"/>
+                  <a:latin typeface="微软雅黑" panose="020B0503020204020204" charset="-122"/>
+                  <a:ea typeface="微软雅黑" panose="020B0503020204020204" charset="-122"/>
+                  <a:cs typeface="微软雅黑" panose="020B0503020204020204" charset="-122"/>
                 </a:rPr>
                 <a:t>等待</a:t>
               </a:r>
               <a:r>
                 <a:rPr lang="en-US" altLang="zh-CN" sz="1000" b="1">
-                  <a:latin typeface="微软雅黑" charset="0"/>
-                  <a:ea typeface="微软雅黑" charset="0"/>
-                  <a:cs typeface="微软雅黑" charset="0"/>
+                  <a:latin typeface="微软雅黑" panose="020B0503020204020204" charset="-122"/>
+                  <a:ea typeface="微软雅黑" panose="020B0503020204020204" charset="-122"/>
+                  <a:cs typeface="微软雅黑" panose="020B0503020204020204" charset="-122"/>
                 </a:rPr>
                 <a:t>IO</a:t>
               </a:r>
               <a:endParaRPr lang="en-US" altLang="zh-CN" sz="1000" b="1">
-                <a:latin typeface="微软雅黑" charset="0"/>
-                <a:ea typeface="微软雅黑" charset="0"/>
-                <a:cs typeface="微软雅黑" charset="0"/>
+                <a:latin typeface="微软雅黑" panose="020B0503020204020204" charset="-122"/>
+                <a:ea typeface="微软雅黑" panose="020B0503020204020204" charset="-122"/>
+                <a:cs typeface="微软雅黑" panose="020B0503020204020204" charset="-122"/>
               </a:endParaRPr>
             </a:p>
           </p:txBody>
@@ -30628,16 +30632,16 @@
               <a:pPr algn="ctr"/>
               <a:r>
                 <a:rPr lang="en-US" altLang="zh-CN" sz="1000" b="1">
-                  <a:latin typeface="微软雅黑" charset="0"/>
-                  <a:ea typeface="微软雅黑" charset="0"/>
-                  <a:cs typeface="微软雅黑" charset="0"/>
+                  <a:latin typeface="微软雅黑" panose="020B0503020204020204" charset="-122"/>
+                  <a:ea typeface="微软雅黑" panose="020B0503020204020204" charset="-122"/>
+                  <a:cs typeface="微软雅黑" panose="020B0503020204020204" charset="-122"/>
                 </a:rPr>
                 <a:t>CPU</a:t>
               </a:r>
               <a:endParaRPr lang="zh-CN" altLang="en-US" sz="1000" b="1">
-                <a:latin typeface="微软雅黑" charset="0"/>
-                <a:ea typeface="微软雅黑" charset="0"/>
-                <a:cs typeface="微软雅黑" charset="0"/>
+                <a:latin typeface="微软雅黑" panose="020B0503020204020204" charset="-122"/>
+                <a:ea typeface="微软雅黑" panose="020B0503020204020204" charset="-122"/>
+                <a:cs typeface="微软雅黑" panose="020B0503020204020204" charset="-122"/>
               </a:endParaRPr>
             </a:p>
           </p:txBody>
@@ -30716,16 +30720,16 @@
               <a:pPr algn="ctr"/>
               <a:r>
                 <a:rPr lang="en-US" altLang="zh-CN" sz="1000" b="1">
-                  <a:latin typeface="微软雅黑" charset="0"/>
-                  <a:ea typeface="微软雅黑" charset="0"/>
-                  <a:cs typeface="微软雅黑" charset="0"/>
+                  <a:latin typeface="微软雅黑" panose="020B0503020204020204" charset="-122"/>
+                  <a:ea typeface="微软雅黑" panose="020B0503020204020204" charset="-122"/>
+                  <a:cs typeface="微软雅黑" panose="020B0503020204020204" charset="-122"/>
                 </a:rPr>
                 <a:t>CPU</a:t>
               </a:r>
               <a:endParaRPr lang="zh-CN" altLang="en-US" sz="1000" b="1">
-                <a:latin typeface="微软雅黑" charset="0"/>
-                <a:ea typeface="微软雅黑" charset="0"/>
-                <a:cs typeface="微软雅黑" charset="0"/>
+                <a:latin typeface="微软雅黑" panose="020B0503020204020204" charset="-122"/>
+                <a:ea typeface="微软雅黑" panose="020B0503020204020204" charset="-122"/>
+                <a:cs typeface="微软雅黑" panose="020B0503020204020204" charset="-122"/>
               </a:endParaRPr>
             </a:p>
           </p:txBody>
@@ -30767,24 +30771,24 @@
               <a:pPr algn="ctr"/>
               <a:r>
                 <a:rPr lang="zh-CN" altLang="en-US" sz="1000" b="1">
-                  <a:latin typeface="微软雅黑" charset="0"/>
-                  <a:ea typeface="微软雅黑" charset="0"/>
-                  <a:cs typeface="微软雅黑" charset="0"/>
+                  <a:latin typeface="微软雅黑" panose="020B0503020204020204" charset="-122"/>
+                  <a:ea typeface="微软雅黑" panose="020B0503020204020204" charset="-122"/>
+                  <a:cs typeface="微软雅黑" panose="020B0503020204020204" charset="-122"/>
                 </a:rPr>
                 <a:t>等待</a:t>
               </a:r>
               <a:r>
                 <a:rPr lang="en-US" altLang="zh-CN" sz="1000" b="1">
-                  <a:latin typeface="微软雅黑" charset="0"/>
-                  <a:ea typeface="微软雅黑" charset="0"/>
-                  <a:cs typeface="微软雅黑" charset="0"/>
+                  <a:latin typeface="微软雅黑" panose="020B0503020204020204" charset="-122"/>
+                  <a:ea typeface="微软雅黑" panose="020B0503020204020204" charset="-122"/>
+                  <a:cs typeface="微软雅黑" panose="020B0503020204020204" charset="-122"/>
                 </a:rPr>
                 <a:t>IO</a:t>
               </a:r>
               <a:endParaRPr lang="en-US" altLang="zh-CN" sz="1000" b="1">
-                <a:latin typeface="微软雅黑" charset="0"/>
-                <a:ea typeface="微软雅黑" charset="0"/>
-                <a:cs typeface="微软雅黑" charset="0"/>
+                <a:latin typeface="微软雅黑" panose="020B0503020204020204" charset="-122"/>
+                <a:ea typeface="微软雅黑" panose="020B0503020204020204" charset="-122"/>
+                <a:cs typeface="微软雅黑" panose="020B0503020204020204" charset="-122"/>
               </a:endParaRPr>
             </a:p>
           </p:txBody>
@@ -30826,16 +30830,16 @@
               <a:pPr algn="ctr"/>
               <a:r>
                 <a:rPr lang="en-US" altLang="zh-CN" sz="1000" b="1">
-                  <a:latin typeface="微软雅黑" charset="0"/>
-                  <a:ea typeface="微软雅黑" charset="0"/>
-                  <a:cs typeface="微软雅黑" charset="0"/>
+                  <a:latin typeface="微软雅黑" panose="020B0503020204020204" charset="-122"/>
+                  <a:ea typeface="微软雅黑" panose="020B0503020204020204" charset="-122"/>
+                  <a:cs typeface="微软雅黑" panose="020B0503020204020204" charset="-122"/>
                 </a:rPr>
                 <a:t>CPU</a:t>
               </a:r>
               <a:endParaRPr lang="zh-CN" altLang="en-US" sz="1000" b="1">
-                <a:latin typeface="微软雅黑" charset="0"/>
-                <a:ea typeface="微软雅黑" charset="0"/>
-                <a:cs typeface="微软雅黑" charset="0"/>
+                <a:latin typeface="微软雅黑" panose="020B0503020204020204" charset="-122"/>
+                <a:ea typeface="微软雅黑" panose="020B0503020204020204" charset="-122"/>
+                <a:cs typeface="微软雅黑" panose="020B0503020204020204" charset="-122"/>
               </a:endParaRPr>
             </a:p>
           </p:txBody>
@@ -30914,16 +30918,16 @@
               <a:pPr algn="ctr"/>
               <a:r>
                 <a:rPr lang="en-US" altLang="zh-CN" sz="1000" b="1">
-                  <a:latin typeface="微软雅黑" charset="0"/>
-                  <a:ea typeface="微软雅黑" charset="0"/>
-                  <a:cs typeface="微软雅黑" charset="0"/>
+                  <a:latin typeface="微软雅黑" panose="020B0503020204020204" charset="-122"/>
+                  <a:ea typeface="微软雅黑" panose="020B0503020204020204" charset="-122"/>
+                  <a:cs typeface="微软雅黑" panose="020B0503020204020204" charset="-122"/>
                 </a:rPr>
                 <a:t>CPU</a:t>
               </a:r>
               <a:endParaRPr lang="zh-CN" altLang="en-US" sz="1000" b="1">
-                <a:latin typeface="微软雅黑" charset="0"/>
-                <a:ea typeface="微软雅黑" charset="0"/>
-                <a:cs typeface="微软雅黑" charset="0"/>
+                <a:latin typeface="微软雅黑" panose="020B0503020204020204" charset="-122"/>
+                <a:ea typeface="微软雅黑" panose="020B0503020204020204" charset="-122"/>
+                <a:cs typeface="微软雅黑" panose="020B0503020204020204" charset="-122"/>
               </a:endParaRPr>
             </a:p>
           </p:txBody>
@@ -30965,24 +30969,24 @@
               <a:pPr algn="ctr"/>
               <a:r>
                 <a:rPr lang="zh-CN" altLang="en-US" sz="1000" b="1">
-                  <a:latin typeface="微软雅黑" charset="0"/>
-                  <a:ea typeface="微软雅黑" charset="0"/>
-                  <a:cs typeface="微软雅黑" charset="0"/>
+                  <a:latin typeface="微软雅黑" panose="020B0503020204020204" charset="-122"/>
+                  <a:ea typeface="微软雅黑" panose="020B0503020204020204" charset="-122"/>
+                  <a:cs typeface="微软雅黑" panose="020B0503020204020204" charset="-122"/>
                 </a:rPr>
                 <a:t>等待</a:t>
               </a:r>
               <a:r>
                 <a:rPr lang="en-US" altLang="zh-CN" sz="1000" b="1">
-                  <a:latin typeface="微软雅黑" charset="0"/>
-                  <a:ea typeface="微软雅黑" charset="0"/>
-                  <a:cs typeface="微软雅黑" charset="0"/>
+                  <a:latin typeface="微软雅黑" panose="020B0503020204020204" charset="-122"/>
+                  <a:ea typeface="微软雅黑" panose="020B0503020204020204" charset="-122"/>
+                  <a:cs typeface="微软雅黑" panose="020B0503020204020204" charset="-122"/>
                 </a:rPr>
                 <a:t>IO</a:t>
               </a:r>
               <a:endParaRPr lang="en-US" altLang="zh-CN" sz="1000" b="1">
-                <a:latin typeface="微软雅黑" charset="0"/>
-                <a:ea typeface="微软雅黑" charset="0"/>
-                <a:cs typeface="微软雅黑" charset="0"/>
+                <a:latin typeface="微软雅黑" panose="020B0503020204020204" charset="-122"/>
+                <a:ea typeface="微软雅黑" panose="020B0503020204020204" charset="-122"/>
+                <a:cs typeface="微软雅黑" panose="020B0503020204020204" charset="-122"/>
               </a:endParaRPr>
             </a:p>
           </p:txBody>
@@ -31024,16 +31028,16 @@
               <a:pPr algn="ctr"/>
               <a:r>
                 <a:rPr lang="en-US" altLang="zh-CN" sz="1000" b="1">
-                  <a:latin typeface="微软雅黑" charset="0"/>
-                  <a:ea typeface="微软雅黑" charset="0"/>
-                  <a:cs typeface="微软雅黑" charset="0"/>
+                  <a:latin typeface="微软雅黑" panose="020B0503020204020204" charset="-122"/>
+                  <a:ea typeface="微软雅黑" panose="020B0503020204020204" charset="-122"/>
+                  <a:cs typeface="微软雅黑" panose="020B0503020204020204" charset="-122"/>
                 </a:rPr>
                 <a:t>CPU</a:t>
               </a:r>
               <a:endParaRPr lang="zh-CN" altLang="en-US" sz="1000" b="1">
-                <a:latin typeface="微软雅黑" charset="0"/>
-                <a:ea typeface="微软雅黑" charset="0"/>
-                <a:cs typeface="微软雅黑" charset="0"/>
+                <a:latin typeface="微软雅黑" panose="020B0503020204020204" charset="-122"/>
+                <a:ea typeface="微软雅黑" panose="020B0503020204020204" charset="-122"/>
+                <a:cs typeface="微软雅黑" panose="020B0503020204020204" charset="-122"/>
               </a:endParaRPr>
             </a:p>
           </p:txBody>
@@ -31427,32 +31431,32 @@
             <a:p>
               <a:r>
                 <a:rPr lang="zh-CN" altLang="en-US" sz="1200">
-                  <a:latin typeface="微软雅黑" charset="0"/>
-                  <a:ea typeface="微软雅黑" charset="0"/>
-                  <a:cs typeface="微软雅黑" charset="0"/>
+                  <a:latin typeface="微软雅黑" panose="020B0503020204020204" charset="-122"/>
+                  <a:ea typeface="微软雅黑" panose="020B0503020204020204" charset="-122"/>
+                  <a:cs typeface="微软雅黑" panose="020B0503020204020204" charset="-122"/>
                 </a:rPr>
                 <a:t>第</a:t>
               </a:r>
               <a:r>
                 <a:rPr lang="en-US" altLang="zh-CN" sz="1200">
-                  <a:latin typeface="微软雅黑" charset="0"/>
-                  <a:ea typeface="微软雅黑" charset="0"/>
-                  <a:cs typeface="微软雅黑" charset="0"/>
+                  <a:latin typeface="微软雅黑" panose="020B0503020204020204" charset="-122"/>
+                  <a:ea typeface="微软雅黑" panose="020B0503020204020204" charset="-122"/>
+                  <a:cs typeface="微软雅黑" panose="020B0503020204020204" charset="-122"/>
                 </a:rPr>
                 <a:t>1</a:t>
               </a:r>
               <a:r>
                 <a:rPr lang="zh-CN" altLang="en-US" sz="1200">
-                  <a:latin typeface="微软雅黑" charset="0"/>
-                  <a:ea typeface="微软雅黑" charset="0"/>
-                  <a:cs typeface="微软雅黑" charset="0"/>
+                  <a:latin typeface="微软雅黑" panose="020B0503020204020204" charset="-122"/>
+                  <a:ea typeface="微软雅黑" panose="020B0503020204020204" charset="-122"/>
+                  <a:cs typeface="微软雅黑" panose="020B0503020204020204" charset="-122"/>
                 </a:rPr>
                 <a:t>次全循环</a:t>
               </a:r>
               <a:endParaRPr lang="zh-CN" altLang="en-US" sz="1200">
-                <a:latin typeface="微软雅黑" charset="0"/>
-                <a:ea typeface="微软雅黑" charset="0"/>
-                <a:cs typeface="微软雅黑" charset="0"/>
+                <a:latin typeface="微软雅黑" panose="020B0503020204020204" charset="-122"/>
+                <a:ea typeface="微软雅黑" panose="020B0503020204020204" charset="-122"/>
+                <a:cs typeface="微软雅黑" panose="020B0503020204020204" charset="-122"/>
               </a:endParaRPr>
             </a:p>
           </p:txBody>
@@ -31480,32 +31484,32 @@
             <a:p>
               <a:r>
                 <a:rPr lang="zh-CN" altLang="en-US" sz="1200">
-                  <a:latin typeface="微软雅黑" charset="0"/>
-                  <a:ea typeface="微软雅黑" charset="0"/>
-                  <a:cs typeface="微软雅黑" charset="0"/>
+                  <a:latin typeface="微软雅黑" panose="020B0503020204020204" charset="-122"/>
+                  <a:ea typeface="微软雅黑" panose="020B0503020204020204" charset="-122"/>
+                  <a:cs typeface="微软雅黑" panose="020B0503020204020204" charset="-122"/>
                 </a:rPr>
                 <a:t>第</a:t>
               </a:r>
               <a:r>
                 <a:rPr lang="en-US" altLang="zh-CN" sz="1200">
-                  <a:latin typeface="微软雅黑" charset="0"/>
-                  <a:ea typeface="微软雅黑" charset="0"/>
-                  <a:cs typeface="微软雅黑" charset="0"/>
+                  <a:latin typeface="微软雅黑" panose="020B0503020204020204" charset="-122"/>
+                  <a:ea typeface="微软雅黑" panose="020B0503020204020204" charset="-122"/>
+                  <a:cs typeface="微软雅黑" panose="020B0503020204020204" charset="-122"/>
                 </a:rPr>
                 <a:t>2</a:t>
               </a:r>
               <a:r>
                 <a:rPr lang="zh-CN" altLang="en-US" sz="1200">
-                  <a:latin typeface="微软雅黑" charset="0"/>
-                  <a:ea typeface="微软雅黑" charset="0"/>
-                  <a:cs typeface="微软雅黑" charset="0"/>
+                  <a:latin typeface="微软雅黑" panose="020B0503020204020204" charset="-122"/>
+                  <a:ea typeface="微软雅黑" panose="020B0503020204020204" charset="-122"/>
+                  <a:cs typeface="微软雅黑" panose="020B0503020204020204" charset="-122"/>
                 </a:rPr>
                 <a:t>次全循环</a:t>
               </a:r>
               <a:endParaRPr lang="zh-CN" altLang="en-US" sz="1200">
-                <a:latin typeface="微软雅黑" charset="0"/>
-                <a:ea typeface="微软雅黑" charset="0"/>
-                <a:cs typeface="微软雅黑" charset="0"/>
+                <a:latin typeface="微软雅黑" panose="020B0503020204020204" charset="-122"/>
+                <a:ea typeface="微软雅黑" panose="020B0503020204020204" charset="-122"/>
+                <a:cs typeface="微软雅黑" panose="020B0503020204020204" charset="-122"/>
               </a:endParaRPr>
             </a:p>
           </p:txBody>
@@ -31816,7 +31820,7 @@
               <a:lnSpc>
                 <a:spcPct val="150000"/>
               </a:lnSpc>
-              <a:buFont typeface="Arial" panose="020B0604020202090204" pitchFamily="34" charset="0"/>
+              <a:buFont typeface="Arial" panose="020B0604020202020204" pitchFamily="34" charset="0"/>
               <a:buNone/>
             </a:pPr>
             <a:r>
@@ -31824,9 +31828,9 @@
                 <a:solidFill>
                   <a:schemeClr val="accent1"/>
                 </a:solidFill>
-                <a:latin typeface="微软雅黑" charset="0"/>
-                <a:ea typeface="微软雅黑" charset="0"/>
-                <a:cs typeface="微软雅黑" charset="0"/>
+                <a:latin typeface="微软雅黑" panose="020B0503020204020204" charset="-122"/>
+                <a:ea typeface="微软雅黑" panose="020B0503020204020204" charset="-122"/>
+                <a:cs typeface="微软雅黑" panose="020B0503020204020204" charset="-122"/>
               </a:rPr>
               <a:t>Python </a:t>
             </a:r>
@@ -31835,9 +31839,9 @@
                 <a:solidFill>
                   <a:schemeClr val="accent1"/>
                 </a:solidFill>
-                <a:latin typeface="微软雅黑" charset="0"/>
-                <a:ea typeface="微软雅黑" charset="0"/>
-                <a:cs typeface="微软雅黑" charset="0"/>
+                <a:latin typeface="微软雅黑" panose="020B0503020204020204" charset="-122"/>
+                <a:ea typeface="微软雅黑" panose="020B0503020204020204" charset="-122"/>
+                <a:cs typeface="微软雅黑" panose="020B0503020204020204" charset="-122"/>
               </a:rPr>
               <a:t>异步</a:t>
             </a:r>
@@ -31846,9 +31850,9 @@
                 <a:solidFill>
                   <a:schemeClr val="accent1"/>
                 </a:solidFill>
-                <a:latin typeface="微软雅黑" charset="0"/>
-                <a:ea typeface="微软雅黑" charset="0"/>
-                <a:cs typeface="微软雅黑" charset="0"/>
+                <a:latin typeface="微软雅黑" panose="020B0503020204020204" charset="-122"/>
+                <a:ea typeface="微软雅黑" panose="020B0503020204020204" charset="-122"/>
+                <a:cs typeface="微软雅黑" panose="020B0503020204020204" charset="-122"/>
               </a:rPr>
               <a:t>IO</a:t>
             </a:r>
@@ -31857,9 +31861,9 @@
                 <a:solidFill>
                   <a:schemeClr val="accent1"/>
                 </a:solidFill>
-                <a:latin typeface="微软雅黑" charset="0"/>
-                <a:ea typeface="微软雅黑" charset="0"/>
-                <a:cs typeface="微软雅黑" charset="0"/>
+                <a:latin typeface="微软雅黑" panose="020B0503020204020204" charset="-122"/>
+                <a:ea typeface="微软雅黑" panose="020B0503020204020204" charset="-122"/>
+                <a:cs typeface="微软雅黑" panose="020B0503020204020204" charset="-122"/>
               </a:rPr>
               <a:t>库介绍：</a:t>
             </a:r>
@@ -31868,9 +31872,9 @@
                 <a:solidFill>
                   <a:schemeClr val="accent1"/>
                 </a:solidFill>
-                <a:latin typeface="微软雅黑" charset="0"/>
-                <a:ea typeface="微软雅黑" charset="0"/>
-                <a:cs typeface="微软雅黑" charset="0"/>
+                <a:latin typeface="微软雅黑" panose="020B0503020204020204" charset="-122"/>
+                <a:ea typeface="微软雅黑" panose="020B0503020204020204" charset="-122"/>
+                <a:cs typeface="微软雅黑" panose="020B0503020204020204" charset="-122"/>
               </a:rPr>
               <a:t>asyncio</a:t>
             </a:r>
@@ -31878,9 +31882,9 @@
               <a:solidFill>
                 <a:schemeClr val="accent1"/>
               </a:solidFill>
-              <a:latin typeface="微软雅黑" charset="0"/>
-              <a:ea typeface="微软雅黑" charset="0"/>
-              <a:cs typeface="微软雅黑" charset="0"/>
+              <a:latin typeface="微软雅黑" panose="020B0503020204020204" charset="-122"/>
+              <a:ea typeface="微软雅黑" panose="020B0503020204020204" charset="-122"/>
+              <a:cs typeface="微软雅黑" panose="020B0503020204020204" charset="-122"/>
             </a:endParaRPr>
           </a:p>
         </p:txBody>
@@ -32157,6 +32161,201 @@
       </p:par>
     </p:tnLst>
   </p:timing>
+</p:sld>
+</file>
+
+<file path=ppt/slides/slide49.xml><?xml version="1.0" encoding="utf-8"?>
+<p:sld xmlns:a="http://schemas.openxmlformats.org/drawingml/2006/main" xmlns:r="http://schemas.openxmlformats.org/officeDocument/2006/relationships" xmlns:p="http://schemas.openxmlformats.org/presentationml/2006/main">
+  <p:cSld>
+    <p:bg>
+      <p:bgPr>
+        <a:solidFill>
+          <a:schemeClr val="bg1"/>
+        </a:solidFill>
+        <a:effectLst/>
+      </p:bgPr>
+    </p:bg>
+    <p:spTree>
+      <p:nvGrpSpPr>
+        <p:cNvPr id="1" name=""/>
+        <p:cNvGrpSpPr/>
+        <p:nvPr/>
+      </p:nvGrpSpPr>
+      <p:grpSpPr/>
+      <p:sp>
+        <p:nvSpPr>
+          <p:cNvPr id="6" name="文本框 5"/>
+          <p:cNvSpPr txBox="1"/>
+          <p:nvPr/>
+        </p:nvSpPr>
+        <p:spPr>
+          <a:xfrm>
+            <a:off x="4297045" y="2136775"/>
+            <a:ext cx="6977380" cy="2584450"/>
+          </a:xfrm>
+          <a:prstGeom prst="rect">
+            <a:avLst/>
+          </a:prstGeom>
+          <a:noFill/>
+        </p:spPr>
+        <p:txBody>
+          <a:bodyPr wrap="square" rtlCol="0" anchor="t">
+            <a:spAutoFit/>
+          </a:bodyPr>
+          <a:p>
+            <a:pPr>
+              <a:lnSpc>
+                <a:spcPct val="150000"/>
+              </a:lnSpc>
+              <a:spcBef>
+                <a:spcPts val="0"/>
+              </a:spcBef>
+              <a:spcAft>
+                <a:spcPts val="0"/>
+              </a:spcAft>
+            </a:pPr>
+            <a:r>
+              <a:rPr lang="en-US" altLang="zh-CN" sz="4400" b="1">
+                <a:solidFill>
+                  <a:schemeClr val="tx1">
+                    <a:lumMod val="95000"/>
+                    <a:lumOff val="5000"/>
+                  </a:schemeClr>
+                </a:solidFill>
+                <a:latin typeface="微软雅黑" panose="020B0503020204020204" charset="-122"/>
+                <a:ea typeface="微软雅黑" panose="020B0503020204020204" charset="-122"/>
+                <a:cs typeface="微软雅黑" panose="020B0503020204020204" charset="-122"/>
+                <a:sym typeface="+mn-ea"/>
+              </a:rPr>
+              <a:t>Python</a:t>
+            </a:r>
+            <a:endParaRPr lang="en-US" altLang="zh-CN" sz="3200" b="1">
+              <a:solidFill>
+                <a:schemeClr val="tx1">
+                  <a:lumMod val="95000"/>
+                  <a:lumOff val="5000"/>
+                </a:schemeClr>
+              </a:solidFill>
+              <a:latin typeface="微软雅黑" panose="020B0503020204020204" charset="-122"/>
+              <a:ea typeface="微软雅黑" panose="020B0503020204020204" charset="-122"/>
+              <a:cs typeface="微软雅黑" panose="020B0503020204020204" charset="-122"/>
+              <a:sym typeface="+mn-ea"/>
+            </a:endParaRPr>
+          </a:p>
+          <a:p>
+            <a:pPr>
+              <a:lnSpc>
+                <a:spcPct val="150000"/>
+              </a:lnSpc>
+              <a:spcBef>
+                <a:spcPts val="0"/>
+              </a:spcBef>
+              <a:spcAft>
+                <a:spcPts val="0"/>
+              </a:spcAft>
+            </a:pPr>
+            <a:r>
+              <a:rPr lang="zh-CN" sz="3200" b="1">
+                <a:solidFill>
+                  <a:schemeClr val="tx1">
+                    <a:lumMod val="95000"/>
+                    <a:lumOff val="5000"/>
+                  </a:schemeClr>
+                </a:solidFill>
+                <a:latin typeface="微软雅黑" panose="020B0503020204020204" charset="-122"/>
+                <a:ea typeface="微软雅黑" panose="020B0503020204020204" charset="-122"/>
+                <a:cs typeface="微软雅黑" panose="020B0503020204020204" charset="-122"/>
+                <a:sym typeface="+mn-ea"/>
+              </a:rPr>
+              <a:t>使用subprocess启动电脑任意程序</a:t>
+            </a:r>
+            <a:endParaRPr lang="zh-CN" altLang="en-US" sz="3200" b="1">
+              <a:solidFill>
+                <a:schemeClr val="tx1">
+                  <a:lumMod val="95000"/>
+                  <a:lumOff val="5000"/>
+                </a:schemeClr>
+              </a:solidFill>
+              <a:latin typeface="微软雅黑" panose="020B0503020204020204" charset="-122"/>
+              <a:ea typeface="微软雅黑" panose="020B0503020204020204" charset="-122"/>
+              <a:cs typeface="微软雅黑" panose="020B0503020204020204" charset="-122"/>
+              <a:sym typeface="+mn-ea"/>
+            </a:endParaRPr>
+          </a:p>
+          <a:p>
+            <a:pPr>
+              <a:lnSpc>
+                <a:spcPct val="150000"/>
+              </a:lnSpc>
+              <a:spcBef>
+                <a:spcPts val="0"/>
+              </a:spcBef>
+              <a:spcAft>
+                <a:spcPts val="0"/>
+              </a:spcAft>
+            </a:pPr>
+            <a:r>
+              <a:rPr lang="zh-CN" altLang="en-US" sz="3200" b="1">
+                <a:solidFill>
+                  <a:schemeClr val="tx1">
+                    <a:lumMod val="95000"/>
+                    <a:lumOff val="5000"/>
+                  </a:schemeClr>
+                </a:solidFill>
+                <a:latin typeface="微软雅黑" panose="020B0503020204020204" charset="-122"/>
+                <a:ea typeface="微软雅黑" panose="020B0503020204020204" charset="-122"/>
+                <a:cs typeface="微软雅黑" panose="020B0503020204020204" charset="-122"/>
+                <a:sym typeface="+mn-ea"/>
+              </a:rPr>
+              <a:t>听歌、解压缩、自动下载等等</a:t>
+            </a:r>
+            <a:endParaRPr lang="zh-CN" altLang="en-US" sz="3200" b="1">
+              <a:solidFill>
+                <a:schemeClr val="tx1">
+                  <a:lumMod val="95000"/>
+                  <a:lumOff val="5000"/>
+                </a:schemeClr>
+              </a:solidFill>
+              <a:latin typeface="微软雅黑" panose="020B0503020204020204" charset="-122"/>
+              <a:ea typeface="微软雅黑" panose="020B0503020204020204" charset="-122"/>
+              <a:cs typeface="微软雅黑" panose="020B0503020204020204" charset="-122"/>
+              <a:sym typeface="+mn-ea"/>
+            </a:endParaRPr>
+          </a:p>
+        </p:txBody>
+      </p:sp>
+      <p:pic>
+        <p:nvPicPr>
+          <p:cNvPr id="7" name="图片 6" descr="kisspng-angle-text-symbol-brand-other-python-5ab0c09b9ea1a7.3286927515215330836498 (1)"/>
+          <p:cNvPicPr>
+            <a:picLocks noChangeAspect="1"/>
+          </p:cNvPicPr>
+          <p:nvPr/>
+        </p:nvPicPr>
+        <p:blipFill>
+          <a:blip r:embed="rId1"/>
+          <a:stretch>
+            <a:fillRect/>
+          </a:stretch>
+        </p:blipFill>
+        <p:spPr>
+          <a:xfrm>
+            <a:off x="1014095" y="1744345"/>
+            <a:ext cx="3369945" cy="3369945"/>
+          </a:xfrm>
+          <a:prstGeom prst="rect">
+            <a:avLst/>
+          </a:prstGeom>
+        </p:spPr>
+      </p:pic>
+    </p:spTree>
+    <p:custDataLst>
+      <p:tags r:id="rId2"/>
+    </p:custDataLst>
+  </p:cSld>
+  <p:clrMapOvr>
+    <a:masterClrMapping/>
+  </p:clrMapOvr>
 </p:sld>
 </file>
 
@@ -32195,29 +32394,29 @@
               <a:lnSpc>
                 <a:spcPct val="150000"/>
               </a:lnSpc>
-              <a:buFont typeface="Arial" panose="020B0604020202090204" pitchFamily="34" charset="0"/>
+              <a:buFont typeface="Arial" panose="020B0604020202020204" pitchFamily="34" charset="0"/>
               <a:buNone/>
             </a:pPr>
             <a:r>
               <a:rPr lang="en-US" altLang="zh-CN" sz="4800">
-                <a:latin typeface="微软雅黑" charset="0"/>
-                <a:ea typeface="微软雅黑" charset="0"/>
-                <a:cs typeface="微软雅黑" charset="0"/>
+                <a:latin typeface="微软雅黑" panose="020B0503020204020204" charset="-122"/>
+                <a:ea typeface="微软雅黑" panose="020B0503020204020204" charset="-122"/>
+                <a:cs typeface="微软雅黑" panose="020B0503020204020204" charset="-122"/>
               </a:rPr>
               <a:t>Python</a:t>
             </a:r>
             <a:r>
               <a:rPr lang="zh-CN" altLang="en-US" sz="4800">
-                <a:latin typeface="微软雅黑" charset="0"/>
-                <a:ea typeface="微软雅黑" charset="0"/>
-                <a:cs typeface="微软雅黑" charset="0"/>
+                <a:latin typeface="微软雅黑" panose="020B0503020204020204" charset="-122"/>
+                <a:ea typeface="微软雅黑" panose="020B0503020204020204" charset="-122"/>
+                <a:cs typeface="微软雅黑" panose="020B0503020204020204" charset="-122"/>
               </a:rPr>
               <a:t>对并发编程的支持</a:t>
             </a:r>
             <a:endParaRPr lang="zh-CN" altLang="en-US" sz="4800">
-              <a:latin typeface="微软雅黑" charset="0"/>
-              <a:ea typeface="微软雅黑" charset="0"/>
-              <a:cs typeface="微软雅黑" charset="0"/>
+              <a:latin typeface="微软雅黑" panose="020B0503020204020204" charset="-122"/>
+              <a:ea typeface="微软雅黑" panose="020B0503020204020204" charset="-122"/>
+              <a:cs typeface="微软雅黑" panose="020B0503020204020204" charset="-122"/>
             </a:endParaRPr>
           </a:p>
         </p:txBody>
@@ -32247,7 +32446,7 @@
               <a:lnSpc>
                 <a:spcPct val="150000"/>
               </a:lnSpc>
-              <a:buFont typeface="Arial" panose="020B0604020202090204" pitchFamily="34" charset="0"/>
+              <a:buFont typeface="Arial" panose="020B0604020202020204" pitchFamily="34" charset="0"/>
               <a:buChar char="•"/>
             </a:pPr>
             <a:r>
@@ -32293,7 +32492,7 @@
               <a:lnSpc>
                 <a:spcPct val="150000"/>
               </a:lnSpc>
-              <a:buFont typeface="Arial" panose="020B0604020202090204" pitchFamily="34" charset="0"/>
+              <a:buFont typeface="Arial" panose="020B0604020202020204" pitchFamily="34" charset="0"/>
               <a:buChar char="•"/>
             </a:pPr>
             <a:r>
@@ -32315,7 +32514,7 @@
               <a:lnSpc>
                 <a:spcPct val="150000"/>
               </a:lnSpc>
-              <a:buFont typeface="Arial" panose="020B0604020202090204" pitchFamily="34" charset="0"/>
+              <a:buFont typeface="Arial" panose="020B0604020202020204" pitchFamily="34" charset="0"/>
               <a:buChar char="•"/>
             </a:pPr>
             <a:r>
@@ -32375,7 +32574,7 @@
               <a:lnSpc>
                 <a:spcPct val="150000"/>
               </a:lnSpc>
-              <a:buFont typeface="Arial" panose="020B0604020202090204" pitchFamily="34" charset="0"/>
+              <a:buFont typeface="Arial" panose="020B0604020202020204" pitchFamily="34" charset="0"/>
               <a:buChar char="•"/>
             </a:pPr>
             <a:r>
@@ -32389,7 +32588,7 @@
               <a:lnSpc>
                 <a:spcPct val="150000"/>
               </a:lnSpc>
-              <a:buFont typeface="Arial" panose="020B0604020202090204" pitchFamily="34" charset="0"/>
+              <a:buFont typeface="Arial" panose="020B0604020202020204" pitchFamily="34" charset="0"/>
               <a:buChar char="•"/>
             </a:pPr>
             <a:r>
@@ -32411,7 +32610,7 @@
               <a:lnSpc>
                 <a:spcPct val="150000"/>
               </a:lnSpc>
-              <a:buFont typeface="Arial" panose="020B0604020202090204" pitchFamily="34" charset="0"/>
+              <a:buFont typeface="Arial" panose="020B0604020202020204" pitchFamily="34" charset="0"/>
               <a:buChar char="•"/>
             </a:pPr>
             <a:r>
@@ -32451,7 +32650,7 @@
               <a:lnSpc>
                 <a:spcPct val="150000"/>
               </a:lnSpc>
-              <a:buFont typeface="Arial" panose="020B0604020202090204" pitchFamily="34" charset="0"/>
+              <a:buFont typeface="Arial" panose="020B0604020202020204" pitchFamily="34" charset="0"/>
               <a:buChar char="•"/>
             </a:pPr>
             <a:r>
@@ -33221,6 +33420,1166 @@
 </p:sld>
 </file>
 
+<file path=ppt/slides/slide50.xml><?xml version="1.0" encoding="utf-8"?>
+<p:sld xmlns:a="http://schemas.openxmlformats.org/drawingml/2006/main" xmlns:r="http://schemas.openxmlformats.org/officeDocument/2006/relationships" xmlns:p="http://schemas.openxmlformats.org/presentationml/2006/main">
+  <p:cSld>
+    <p:spTree>
+      <p:nvGrpSpPr>
+        <p:cNvPr id="1" name=""/>
+        <p:cNvGrpSpPr/>
+        <p:nvPr/>
+      </p:nvGrpSpPr>
+      <p:grpSpPr/>
+      <p:sp>
+        <p:nvSpPr>
+          <p:cNvPr id="13" name="文本框 12"/>
+          <p:cNvSpPr txBox="1"/>
+          <p:nvPr/>
+        </p:nvSpPr>
+        <p:spPr>
+          <a:xfrm>
+            <a:off x="1038225" y="496570"/>
+            <a:ext cx="5741670" cy="737235"/>
+          </a:xfrm>
+          <a:prstGeom prst="rect">
+            <a:avLst/>
+          </a:prstGeom>
+          <a:noFill/>
+        </p:spPr>
+        <p:txBody>
+          <a:bodyPr wrap="none" rtlCol="0">
+            <a:spAutoFit/>
+          </a:bodyPr>
+          <a:p>
+            <a:pPr indent="0" algn="l">
+              <a:lnSpc>
+                <a:spcPct val="150000"/>
+              </a:lnSpc>
+              <a:buFont typeface="Arial" panose="020B0604020202020204" pitchFamily="34" charset="0"/>
+              <a:buNone/>
+            </a:pPr>
+            <a:r>
+              <a:rPr lang="zh-CN" altLang="en-US" sz="2800" b="1">
+                <a:solidFill>
+                  <a:schemeClr val="accent1"/>
+                </a:solidFill>
+                <a:latin typeface="微软雅黑" panose="020B0503020204020204" charset="-122"/>
+                <a:ea typeface="微软雅黑" panose="020B0503020204020204" charset="-122"/>
+                <a:cs typeface="微软雅黑" panose="020B0503020204020204" charset="-122"/>
+              </a:rPr>
+              <a:t>使用</a:t>
+            </a:r>
+            <a:r>
+              <a:rPr lang="en-US" altLang="zh-CN" sz="2800" b="1">
+                <a:solidFill>
+                  <a:schemeClr val="accent1"/>
+                </a:solidFill>
+                <a:latin typeface="微软雅黑" panose="020B0503020204020204" charset="-122"/>
+                <a:ea typeface="微软雅黑" panose="020B0503020204020204" charset="-122"/>
+                <a:cs typeface="微软雅黑" panose="020B0503020204020204" charset="-122"/>
+              </a:rPr>
+              <a:t>subprocess</a:t>
+            </a:r>
+            <a:r>
+              <a:rPr lang="zh-CN" altLang="en-US" sz="2800" b="1">
+                <a:solidFill>
+                  <a:schemeClr val="accent1"/>
+                </a:solidFill>
+                <a:latin typeface="微软雅黑" panose="020B0503020204020204" charset="-122"/>
+                <a:ea typeface="微软雅黑" panose="020B0503020204020204" charset="-122"/>
+                <a:cs typeface="微软雅黑" panose="020B0503020204020204" charset="-122"/>
+              </a:rPr>
+              <a:t>启动电脑的子进程</a:t>
+            </a:r>
+            <a:endParaRPr lang="zh-CN" altLang="en-US" sz="2800" b="1">
+              <a:solidFill>
+                <a:schemeClr val="accent1"/>
+              </a:solidFill>
+              <a:latin typeface="微软雅黑" panose="020B0503020204020204" charset="-122"/>
+              <a:ea typeface="微软雅黑" panose="020B0503020204020204" charset="-122"/>
+              <a:cs typeface="微软雅黑" panose="020B0503020204020204" charset="-122"/>
+            </a:endParaRPr>
+          </a:p>
+        </p:txBody>
+      </p:sp>
+      <p:sp>
+        <p:nvSpPr>
+          <p:cNvPr id="7" name="文本框 6"/>
+          <p:cNvSpPr txBox="1"/>
+          <p:nvPr/>
+        </p:nvSpPr>
+        <p:spPr>
+          <a:xfrm>
+            <a:off x="1531620" y="1699895"/>
+            <a:ext cx="8467090" cy="1753235"/>
+          </a:xfrm>
+          <a:prstGeom prst="rect">
+            <a:avLst/>
+          </a:prstGeom>
+          <a:solidFill>
+            <a:schemeClr val="bg1">
+              <a:lumMod val="95000"/>
+            </a:schemeClr>
+          </a:solidFill>
+        </p:spPr>
+        <p:txBody>
+          <a:bodyPr wrap="square" rtlCol="0" anchor="ctr" anchorCtr="0">
+            <a:noAutofit/>
+          </a:bodyPr>
+          <a:p>
+            <a:pPr>
+              <a:lnSpc>
+                <a:spcPct val="150000"/>
+              </a:lnSpc>
+            </a:pPr>
+            <a:r>
+              <a:rPr lang="zh-CN" altLang="en-US" sz="1600" b="1"/>
+              <a:t>subprocess 模块：</a:t>
+            </a:r>
+            <a:endParaRPr lang="zh-CN" altLang="en-US" sz="1600" b="1"/>
+          </a:p>
+          <a:p>
+            <a:pPr marL="285750" indent="-285750">
+              <a:lnSpc>
+                <a:spcPct val="150000"/>
+              </a:lnSpc>
+              <a:buFont typeface="Arial" panose="020B0604020202020204" pitchFamily="34" charset="0"/>
+              <a:buChar char="•"/>
+            </a:pPr>
+            <a:r>
+              <a:rPr lang="zh-CN" altLang="en-US" sz="1600"/>
+              <a:t>允许你生成新的进程</a:t>
+            </a:r>
+            <a:endParaRPr lang="zh-CN" altLang="en-US" sz="1600"/>
+          </a:p>
+          <a:p>
+            <a:pPr marL="285750" indent="-285750">
+              <a:lnSpc>
+                <a:spcPct val="150000"/>
+              </a:lnSpc>
+              <a:buFont typeface="Arial" panose="020B0604020202020204" pitchFamily="34" charset="0"/>
+              <a:buChar char="•"/>
+            </a:pPr>
+            <a:r>
+              <a:rPr lang="zh-CN" altLang="en-US" sz="1600"/>
+              <a:t>连接它们的输入、输出、错误管道</a:t>
+            </a:r>
+            <a:endParaRPr lang="zh-CN" altLang="en-US" sz="1600"/>
+          </a:p>
+          <a:p>
+            <a:pPr marL="285750" indent="-285750">
+              <a:lnSpc>
+                <a:spcPct val="150000"/>
+              </a:lnSpc>
+              <a:buFont typeface="Arial" panose="020B0604020202020204" pitchFamily="34" charset="0"/>
+              <a:buChar char="•"/>
+            </a:pPr>
+            <a:r>
+              <a:rPr lang="zh-CN" altLang="en-US" sz="1600"/>
+              <a:t>并且获取它们的返回码</a:t>
+            </a:r>
+            <a:endParaRPr lang="zh-CN" altLang="en-US" sz="1600"/>
+          </a:p>
+        </p:txBody>
+      </p:sp>
+      <p:sp>
+        <p:nvSpPr>
+          <p:cNvPr id="8" name="文本框 7"/>
+          <p:cNvSpPr txBox="1"/>
+          <p:nvPr/>
+        </p:nvSpPr>
+        <p:spPr>
+          <a:xfrm>
+            <a:off x="1531620" y="4032885"/>
+            <a:ext cx="8465820" cy="1568450"/>
+          </a:xfrm>
+          <a:prstGeom prst="rect">
+            <a:avLst/>
+          </a:prstGeom>
+          <a:solidFill>
+            <a:schemeClr val="bg1">
+              <a:lumMod val="95000"/>
+            </a:schemeClr>
+          </a:solidFill>
+        </p:spPr>
+        <p:txBody>
+          <a:bodyPr wrap="square" rtlCol="0">
+            <a:spAutoFit/>
+          </a:bodyPr>
+          <a:p>
+            <a:pPr>
+              <a:lnSpc>
+                <a:spcPct val="150000"/>
+              </a:lnSpc>
+            </a:pPr>
+            <a:r>
+              <a:rPr lang="zh-CN" altLang="en-US" sz="1600" b="1">
+                <a:latin typeface="微软雅黑" panose="020B0503020204020204" charset="-122"/>
+                <a:ea typeface="微软雅黑" panose="020B0503020204020204" charset="-122"/>
+                <a:cs typeface="微软雅黑" panose="020B0503020204020204" charset="-122"/>
+              </a:rPr>
+              <a:t>几个应用场景：</a:t>
+            </a:r>
+            <a:endParaRPr lang="zh-CN" altLang="en-US" sz="1600" b="1">
+              <a:latin typeface="微软雅黑" panose="020B0503020204020204" charset="-122"/>
+              <a:ea typeface="微软雅黑" panose="020B0503020204020204" charset="-122"/>
+              <a:cs typeface="微软雅黑" panose="020B0503020204020204" charset="-122"/>
+            </a:endParaRPr>
+          </a:p>
+          <a:p>
+            <a:pPr marL="285750" indent="-285750">
+              <a:lnSpc>
+                <a:spcPct val="150000"/>
+              </a:lnSpc>
+              <a:buFont typeface="Arial" panose="020B0604020202020204" pitchFamily="34" charset="0"/>
+              <a:buChar char="•"/>
+            </a:pPr>
+            <a:r>
+              <a:rPr lang="zh-CN" altLang="en-US" sz="1600">
+                <a:latin typeface="微软雅黑" panose="020B0503020204020204" charset="-122"/>
+                <a:ea typeface="微软雅黑" panose="020B0503020204020204" charset="-122"/>
+                <a:cs typeface="微软雅黑" panose="020B0503020204020204" charset="-122"/>
+              </a:rPr>
+              <a:t>每天定时</a:t>
+            </a:r>
+            <a:r>
+              <a:rPr lang="en-US" altLang="zh-CN" sz="1600">
+                <a:latin typeface="微软雅黑" panose="020B0503020204020204" charset="-122"/>
+                <a:ea typeface="微软雅黑" panose="020B0503020204020204" charset="-122"/>
+                <a:cs typeface="微软雅黑" panose="020B0503020204020204" charset="-122"/>
+              </a:rPr>
+              <a:t>8:00</a:t>
+            </a:r>
+            <a:r>
+              <a:rPr lang="zh-CN" altLang="en-US" sz="1600">
+                <a:latin typeface="微软雅黑" panose="020B0503020204020204" charset="-122"/>
+                <a:ea typeface="微软雅黑" panose="020B0503020204020204" charset="-122"/>
+                <a:cs typeface="微软雅黑" panose="020B0503020204020204" charset="-122"/>
+              </a:rPr>
+              <a:t>自动打开酷狗音乐播放歌曲</a:t>
+            </a:r>
+            <a:endParaRPr lang="zh-CN" altLang="en-US" sz="1600">
+              <a:latin typeface="微软雅黑" panose="020B0503020204020204" charset="-122"/>
+              <a:ea typeface="微软雅黑" panose="020B0503020204020204" charset="-122"/>
+              <a:cs typeface="微软雅黑" panose="020B0503020204020204" charset="-122"/>
+            </a:endParaRPr>
+          </a:p>
+          <a:p>
+            <a:pPr marL="285750" indent="-285750">
+              <a:lnSpc>
+                <a:spcPct val="150000"/>
+              </a:lnSpc>
+              <a:buFont typeface="Arial" panose="020B0604020202020204" pitchFamily="34" charset="0"/>
+              <a:buChar char="•"/>
+            </a:pPr>
+            <a:r>
+              <a:rPr lang="zh-CN" altLang="en-US" sz="1600">
+                <a:latin typeface="微软雅黑" panose="020B0503020204020204" charset="-122"/>
+                <a:ea typeface="微软雅黑" panose="020B0503020204020204" charset="-122"/>
+                <a:cs typeface="微软雅黑" panose="020B0503020204020204" charset="-122"/>
+              </a:rPr>
+              <a:t>调用</a:t>
+            </a:r>
+            <a:r>
+              <a:rPr lang="en-US" altLang="zh-CN" sz="1600">
+                <a:latin typeface="微软雅黑" panose="020B0503020204020204" charset="-122"/>
+                <a:ea typeface="微软雅黑" panose="020B0503020204020204" charset="-122"/>
+                <a:cs typeface="微软雅黑" panose="020B0503020204020204" charset="-122"/>
+              </a:rPr>
+              <a:t>7z.exe</a:t>
+            </a:r>
+            <a:r>
+              <a:rPr lang="zh-CN" altLang="en-US" sz="1600">
+                <a:latin typeface="微软雅黑" panose="020B0503020204020204" charset="-122"/>
+                <a:ea typeface="微软雅黑" panose="020B0503020204020204" charset="-122"/>
+                <a:cs typeface="微软雅黑" panose="020B0503020204020204" charset="-122"/>
+              </a:rPr>
+              <a:t>自动解压缩</a:t>
+            </a:r>
+            <a:r>
+              <a:rPr lang="en-US" altLang="zh-CN" sz="1600">
+                <a:latin typeface="微软雅黑" panose="020B0503020204020204" charset="-122"/>
+                <a:ea typeface="微软雅黑" panose="020B0503020204020204" charset="-122"/>
+                <a:cs typeface="微软雅黑" panose="020B0503020204020204" charset="-122"/>
+              </a:rPr>
+              <a:t>.7z</a:t>
+            </a:r>
+            <a:r>
+              <a:rPr lang="zh-CN" altLang="en-US" sz="1600">
+                <a:latin typeface="微软雅黑" panose="020B0503020204020204" charset="-122"/>
+                <a:ea typeface="微软雅黑" panose="020B0503020204020204" charset="-122"/>
+                <a:cs typeface="微软雅黑" panose="020B0503020204020204" charset="-122"/>
+              </a:rPr>
+              <a:t>文件</a:t>
+            </a:r>
+            <a:endParaRPr lang="zh-CN" altLang="en-US" sz="1600">
+              <a:latin typeface="微软雅黑" panose="020B0503020204020204" charset="-122"/>
+              <a:ea typeface="微软雅黑" panose="020B0503020204020204" charset="-122"/>
+              <a:cs typeface="微软雅黑" panose="020B0503020204020204" charset="-122"/>
+            </a:endParaRPr>
+          </a:p>
+          <a:p>
+            <a:pPr marL="285750" indent="-285750">
+              <a:lnSpc>
+                <a:spcPct val="150000"/>
+              </a:lnSpc>
+              <a:buFont typeface="Arial" panose="020B0604020202020204" pitchFamily="34" charset="0"/>
+              <a:buChar char="•"/>
+            </a:pPr>
+            <a:r>
+              <a:rPr lang="zh-CN" altLang="en-US" sz="1600">
+                <a:latin typeface="微软雅黑" panose="020B0503020204020204" charset="-122"/>
+                <a:ea typeface="微软雅黑" panose="020B0503020204020204" charset="-122"/>
+                <a:cs typeface="微软雅黑" panose="020B0503020204020204" charset="-122"/>
+                <a:sym typeface="+mn-ea"/>
+              </a:rPr>
+              <a:t>通过</a:t>
+            </a:r>
+            <a:r>
+              <a:rPr lang="en-US" altLang="zh-CN" sz="1600">
+                <a:latin typeface="微软雅黑" panose="020B0503020204020204" charset="-122"/>
+                <a:ea typeface="微软雅黑" panose="020B0503020204020204" charset="-122"/>
+                <a:cs typeface="微软雅黑" panose="020B0503020204020204" charset="-122"/>
+                <a:sym typeface="+mn-ea"/>
+              </a:rPr>
+              <a:t>Python</a:t>
+            </a:r>
+            <a:r>
+              <a:rPr lang="zh-CN" altLang="en-US" sz="1600">
+                <a:latin typeface="微软雅黑" panose="020B0503020204020204" charset="-122"/>
+                <a:ea typeface="微软雅黑" panose="020B0503020204020204" charset="-122"/>
+                <a:cs typeface="微软雅黑" panose="020B0503020204020204" charset="-122"/>
+                <a:sym typeface="+mn-ea"/>
+              </a:rPr>
+              <a:t>远程提交一个</a:t>
+            </a:r>
+            <a:r>
+              <a:rPr lang="en-US" altLang="zh-CN" sz="1600">
+                <a:latin typeface="微软雅黑" panose="020B0503020204020204" charset="-122"/>
+                <a:ea typeface="微软雅黑" panose="020B0503020204020204" charset="-122"/>
+                <a:cs typeface="微软雅黑" panose="020B0503020204020204" charset="-122"/>
+                <a:sym typeface="+mn-ea"/>
+              </a:rPr>
+              <a:t>torrent</a:t>
+            </a:r>
+            <a:r>
+              <a:rPr lang="zh-CN" altLang="en-US" sz="1600">
+                <a:latin typeface="微软雅黑" panose="020B0503020204020204" charset="-122"/>
+                <a:ea typeface="微软雅黑" panose="020B0503020204020204" charset="-122"/>
+                <a:cs typeface="微软雅黑" panose="020B0503020204020204" charset="-122"/>
+                <a:sym typeface="+mn-ea"/>
+              </a:rPr>
+              <a:t>种子文件，用电脑启动下载</a:t>
+            </a:r>
+            <a:endParaRPr lang="zh-CN" altLang="en-US" sz="1600">
+              <a:latin typeface="微软雅黑" panose="020B0503020204020204" charset="-122"/>
+              <a:ea typeface="微软雅黑" panose="020B0503020204020204" charset="-122"/>
+              <a:cs typeface="微软雅黑" panose="020B0503020204020204" charset="-122"/>
+            </a:endParaRPr>
+          </a:p>
+        </p:txBody>
+      </p:sp>
+    </p:spTree>
+  </p:cSld>
+  <p:clrMapOvr>
+    <a:masterClrMapping/>
+  </p:clrMapOvr>
+  <p:timing>
+    <p:tnLst>
+      <p:par>
+        <p:cTn id="1" dur="indefinite" restart="never" nodeType="tmRoot"/>
+      </p:par>
+    </p:tnLst>
+  </p:timing>
+</p:sld>
+</file>
+
+<file path=ppt/slides/slide51.xml><?xml version="1.0" encoding="utf-8"?>
+<p:sld xmlns:a="http://schemas.openxmlformats.org/drawingml/2006/main" xmlns:r="http://schemas.openxmlformats.org/officeDocument/2006/relationships" xmlns:p="http://schemas.openxmlformats.org/presentationml/2006/main">
+  <p:cSld>
+    <p:spTree>
+      <p:nvGrpSpPr>
+        <p:cNvPr id="1" name=""/>
+        <p:cNvGrpSpPr/>
+        <p:nvPr/>
+      </p:nvGrpSpPr>
+      <p:grpSpPr/>
+      <p:sp>
+        <p:nvSpPr>
+          <p:cNvPr id="13" name="文本框 12"/>
+          <p:cNvSpPr txBox="1"/>
+          <p:nvPr/>
+        </p:nvSpPr>
+        <p:spPr>
+          <a:xfrm>
+            <a:off x="904240" y="496570"/>
+            <a:ext cx="3963670" cy="737235"/>
+          </a:xfrm>
+          <a:prstGeom prst="rect">
+            <a:avLst/>
+          </a:prstGeom>
+          <a:noFill/>
+        </p:spPr>
+        <p:txBody>
+          <a:bodyPr wrap="none" rtlCol="0">
+            <a:spAutoFit/>
+          </a:bodyPr>
+          <a:p>
+            <a:pPr indent="0" algn="l">
+              <a:lnSpc>
+                <a:spcPct val="150000"/>
+              </a:lnSpc>
+              <a:buFont typeface="Arial" panose="020B0604020202020204" pitchFamily="34" charset="0"/>
+              <a:buNone/>
+            </a:pPr>
+            <a:r>
+              <a:rPr lang="en-US" altLang="zh-CN" sz="2800" b="1">
+                <a:solidFill>
+                  <a:schemeClr val="accent1"/>
+                </a:solidFill>
+                <a:latin typeface="微软雅黑" panose="020B0503020204020204" charset="-122"/>
+                <a:ea typeface="微软雅黑" panose="020B0503020204020204" charset="-122"/>
+                <a:cs typeface="微软雅黑" panose="020B0503020204020204" charset="-122"/>
+              </a:rPr>
+              <a:t>subprocess</a:t>
+            </a:r>
+            <a:r>
+              <a:rPr lang="zh-CN" altLang="en-US" sz="2800" b="1">
+                <a:solidFill>
+                  <a:schemeClr val="accent1"/>
+                </a:solidFill>
+                <a:latin typeface="微软雅黑" panose="020B0503020204020204" charset="-122"/>
+                <a:ea typeface="微软雅黑" panose="020B0503020204020204" charset="-122"/>
+                <a:cs typeface="微软雅黑" panose="020B0503020204020204" charset="-122"/>
+              </a:rPr>
+              <a:t>的方法使用</a:t>
+            </a:r>
+            <a:endParaRPr lang="zh-CN" altLang="en-US" sz="2800" b="1">
+              <a:solidFill>
+                <a:schemeClr val="accent1"/>
+              </a:solidFill>
+              <a:latin typeface="微软雅黑" panose="020B0503020204020204" charset="-122"/>
+              <a:ea typeface="微软雅黑" panose="020B0503020204020204" charset="-122"/>
+              <a:cs typeface="微软雅黑" panose="020B0503020204020204" charset="-122"/>
+            </a:endParaRPr>
+          </a:p>
+        </p:txBody>
+      </p:sp>
+      <p:sp>
+        <p:nvSpPr>
+          <p:cNvPr id="7" name="文本框 6"/>
+          <p:cNvSpPr txBox="1"/>
+          <p:nvPr/>
+        </p:nvSpPr>
+        <p:spPr>
+          <a:xfrm>
+            <a:off x="966470" y="2528570"/>
+            <a:ext cx="9846945" cy="1967230"/>
+          </a:xfrm>
+          <a:prstGeom prst="rect">
+            <a:avLst/>
+          </a:prstGeom>
+          <a:solidFill>
+            <a:schemeClr val="bg1">
+              <a:lumMod val="95000"/>
+            </a:schemeClr>
+          </a:solidFill>
+        </p:spPr>
+        <p:txBody>
+          <a:bodyPr wrap="square" rtlCol="0" anchor="ctr" anchorCtr="0">
+            <a:noAutofit/>
+          </a:bodyPr>
+          <a:p>
+            <a:pPr>
+              <a:lnSpc>
+                <a:spcPct val="150000"/>
+              </a:lnSpc>
+            </a:pPr>
+            <a:r>
+              <a:rPr lang="en-US" altLang="zh-CN" sz="1600"/>
+              <a:t># </a:t>
+            </a:r>
+            <a:r>
+              <a:rPr lang="zh-CN" altLang="en-US" sz="1600"/>
+              <a:t>用默认的应用程序打开文件</a:t>
+            </a:r>
+            <a:endParaRPr lang="zh-CN" altLang="en-US" sz="1600"/>
+          </a:p>
+          <a:p>
+            <a:pPr>
+              <a:lnSpc>
+                <a:spcPct val="150000"/>
+              </a:lnSpc>
+            </a:pPr>
+            <a:r>
+              <a:rPr lang="en-US" altLang="zh-CN" sz="1600"/>
+              <a:t># </a:t>
+            </a:r>
+            <a:r>
+              <a:rPr lang="zh-CN" altLang="en-US" sz="1600"/>
+              <a:t>注：</a:t>
+            </a:r>
+            <a:r>
+              <a:rPr lang="en-US" altLang="zh-CN" sz="1600">
+                <a:sym typeface="+mn-ea"/>
+              </a:rPr>
+              <a:t>windows</a:t>
+            </a:r>
+            <a:r>
+              <a:rPr lang="zh-CN" altLang="en-US" sz="1600">
+                <a:sym typeface="+mn-ea"/>
+              </a:rPr>
+              <a:t>下是</a:t>
+            </a:r>
+            <a:r>
+              <a:rPr lang="en-US" altLang="zh-CN" sz="1600">
+                <a:sym typeface="+mn-ea"/>
+              </a:rPr>
+              <a:t>start</a:t>
+            </a:r>
+            <a:r>
+              <a:rPr lang="zh-CN" altLang="en-US" sz="1600">
+                <a:sym typeface="+mn-ea"/>
+              </a:rPr>
+              <a:t>、</a:t>
+            </a:r>
+            <a:r>
+              <a:rPr lang="en-US" altLang="zh-CN" sz="1600">
+                <a:sym typeface="+mn-ea"/>
+              </a:rPr>
+              <a:t>mac</a:t>
+            </a:r>
+            <a:r>
+              <a:rPr lang="zh-CN" altLang="en-US" sz="1600">
+                <a:sym typeface="+mn-ea"/>
+              </a:rPr>
+              <a:t>下是</a:t>
+            </a:r>
+            <a:r>
+              <a:rPr lang="en-US" altLang="zh-CN" sz="1600">
+                <a:sym typeface="+mn-ea"/>
+              </a:rPr>
+              <a:t>open</a:t>
+            </a:r>
+            <a:r>
+              <a:rPr lang="zh-CN" altLang="en-US" sz="1600">
+                <a:sym typeface="+mn-ea"/>
+              </a:rPr>
+              <a:t>、</a:t>
+            </a:r>
+            <a:r>
+              <a:rPr lang="en-US" altLang="zh-CN" sz="1600">
+                <a:sym typeface="+mn-ea"/>
+              </a:rPr>
+              <a:t>Linux</a:t>
+            </a:r>
+            <a:r>
+              <a:rPr lang="zh-CN" altLang="en-US" sz="1600">
+                <a:sym typeface="+mn-ea"/>
+              </a:rPr>
+              <a:t>是</a:t>
+            </a:r>
+            <a:r>
+              <a:rPr lang="en-US" altLang="zh-CN" sz="1600">
+                <a:sym typeface="+mn-ea"/>
+              </a:rPr>
+              <a:t>see</a:t>
+            </a:r>
+            <a:endParaRPr lang="en-US" altLang="zh-CN" sz="1600">
+              <a:sym typeface="+mn-ea"/>
+            </a:endParaRPr>
+          </a:p>
+          <a:p>
+            <a:pPr>
+              <a:lnSpc>
+                <a:spcPct val="150000"/>
+              </a:lnSpc>
+            </a:pPr>
+            <a:r>
+              <a:rPr lang="en-US" altLang="zh-CN" sz="1600">
+                <a:sym typeface="+mn-ea"/>
+              </a:rPr>
+              <a:t># windows </a:t>
+            </a:r>
+            <a:r>
+              <a:rPr lang="zh-CN" altLang="en-US" sz="1600">
+                <a:sym typeface="+mn-ea"/>
+              </a:rPr>
+              <a:t>环境需要加 </a:t>
+            </a:r>
+            <a:r>
+              <a:rPr lang="en-US" altLang="zh-CN" sz="1600">
+                <a:sym typeface="+mn-ea"/>
+              </a:rPr>
+              <a:t>shell = True</a:t>
+            </a:r>
+            <a:endParaRPr lang="zh-CN" altLang="en-US" sz="1600"/>
+          </a:p>
+          <a:p>
+            <a:pPr>
+              <a:lnSpc>
+                <a:spcPct val="150000"/>
+              </a:lnSpc>
+            </a:pPr>
+            <a:r>
+              <a:rPr lang="en-US" altLang="zh-CN" sz="1600"/>
+              <a:t>proc = subprocess.Popen(['start', '</a:t>
+            </a:r>
+            <a:r>
+              <a:rPr lang="zh-CN" altLang="en-US" sz="1600"/>
+              <a:t>余生一个浪</a:t>
+            </a:r>
+            <a:r>
+              <a:rPr lang="en-US" altLang="zh-CN" sz="1600"/>
+              <a:t>.mp3</a:t>
+            </a:r>
+            <a:r>
+              <a:rPr lang="en-US" altLang="zh-CN" sz="1600"/>
+              <a:t>'], shell=True)</a:t>
+            </a:r>
+            <a:endParaRPr lang="en-US" altLang="zh-CN" sz="1600"/>
+          </a:p>
+          <a:p>
+            <a:pPr>
+              <a:lnSpc>
+                <a:spcPct val="150000"/>
+              </a:lnSpc>
+            </a:pPr>
+            <a:r>
+              <a:rPr lang="en-US" altLang="zh-CN" sz="1600"/>
+              <a:t>proc.communicate()</a:t>
+            </a:r>
+            <a:endParaRPr lang="zh-CN" altLang="en-US" sz="1600"/>
+          </a:p>
+        </p:txBody>
+      </p:sp>
+      <p:sp>
+        <p:nvSpPr>
+          <p:cNvPr id="2" name="文本框 1"/>
+          <p:cNvSpPr txBox="1"/>
+          <p:nvPr/>
+        </p:nvSpPr>
+        <p:spPr>
+          <a:xfrm>
+            <a:off x="965200" y="4737735"/>
+            <a:ext cx="9848215" cy="1397000"/>
+          </a:xfrm>
+          <a:prstGeom prst="rect">
+            <a:avLst/>
+          </a:prstGeom>
+          <a:solidFill>
+            <a:schemeClr val="bg1">
+              <a:lumMod val="95000"/>
+            </a:schemeClr>
+          </a:solidFill>
+        </p:spPr>
+        <p:txBody>
+          <a:bodyPr wrap="square" rtlCol="0" anchor="ctr" anchorCtr="0">
+            <a:noAutofit/>
+          </a:bodyPr>
+          <a:p>
+            <a:pPr lvl="0" algn="l">
+              <a:lnSpc>
+                <a:spcPct val="150000"/>
+              </a:lnSpc>
+              <a:buClrTx/>
+              <a:buSzTx/>
+              <a:buFontTx/>
+            </a:pPr>
+            <a:r>
+              <a:rPr lang="en-US" altLang="zh-CN" sz="1600">
+                <a:sym typeface="+mn-ea"/>
+              </a:rPr>
+              <a:t># </a:t>
+            </a:r>
+            <a:r>
+              <a:rPr lang="zh-CN" altLang="en-US" sz="1600">
+                <a:sym typeface="+mn-ea"/>
+              </a:rPr>
+              <a:t>用</a:t>
+            </a:r>
+            <a:r>
+              <a:rPr lang="en-US" altLang="zh-CN" sz="1600">
+                <a:sym typeface="+mn-ea"/>
+              </a:rPr>
+              <a:t>7z.exe</a:t>
+            </a:r>
+            <a:r>
+              <a:rPr lang="zh-CN" altLang="en-US" sz="1600">
+                <a:sym typeface="+mn-ea"/>
+              </a:rPr>
+              <a:t>解压</a:t>
+            </a:r>
+            <a:r>
+              <a:rPr lang="en-US" altLang="zh-CN" sz="1600">
+                <a:sym typeface="+mn-ea"/>
+              </a:rPr>
+              <a:t>7z</a:t>
+            </a:r>
+            <a:r>
+              <a:rPr lang="zh-CN" altLang="en-US" sz="1600">
+                <a:sym typeface="+mn-ea"/>
+              </a:rPr>
+              <a:t>压缩文件</a:t>
+            </a:r>
+            <a:endParaRPr lang="en-US" altLang="zh-CN" sz="1600">
+              <a:sym typeface="+mn-ea"/>
+            </a:endParaRPr>
+          </a:p>
+          <a:p>
+            <a:pPr lvl="0" algn="l">
+              <a:lnSpc>
+                <a:spcPct val="150000"/>
+              </a:lnSpc>
+              <a:buClrTx/>
+              <a:buSzTx/>
+              <a:buFontTx/>
+            </a:pPr>
+            <a:r>
+              <a:rPr lang="en-US" altLang="zh-CN" sz="1600">
+                <a:sym typeface="+mn-ea"/>
+              </a:rPr>
+              <a:t>proc = subprocess.Popen([r"C:\Windows\notepad.exe", "02.data.txt"], shell=True)</a:t>
+            </a:r>
+            <a:endParaRPr lang="en-US" altLang="zh-CN" sz="1600">
+              <a:sym typeface="+mn-ea"/>
+            </a:endParaRPr>
+          </a:p>
+          <a:p>
+            <a:pPr lvl="0" algn="l">
+              <a:lnSpc>
+                <a:spcPct val="150000"/>
+              </a:lnSpc>
+              <a:buClrTx/>
+              <a:buSzTx/>
+              <a:buFontTx/>
+            </a:pPr>
+            <a:r>
+              <a:rPr lang="en-US" altLang="zh-CN" sz="1600">
+                <a:sym typeface="+mn-ea"/>
+              </a:rPr>
+              <a:t>proc.communicate()</a:t>
+            </a:r>
+            <a:endParaRPr lang="en-US" altLang="zh-CN" sz="1600">
+              <a:sym typeface="+mn-ea"/>
+            </a:endParaRPr>
+          </a:p>
+        </p:txBody>
+      </p:sp>
+    </p:spTree>
+  </p:cSld>
+  <p:clrMapOvr>
+    <a:masterClrMapping/>
+  </p:clrMapOvr>
+  <p:timing>
+    <p:tnLst>
+      <p:par>
+        <p:cTn id="1" dur="indefinite" restart="never" nodeType="tmRoot"/>
+      </p:par>
+    </p:tnLst>
+  </p:timing>
+</p:sld>
+</file>
+
+<file path=ppt/slides/slide52.xml><?xml version="1.0" encoding="utf-8"?>
+<p:sld xmlns:a="http://schemas.openxmlformats.org/drawingml/2006/main" xmlns:r="http://schemas.openxmlformats.org/officeDocument/2006/relationships" xmlns:p="http://schemas.openxmlformats.org/presentationml/2006/main">
+  <p:cSld>
+    <p:spTree>
+      <p:nvGrpSpPr>
+        <p:cNvPr id="1" name=""/>
+        <p:cNvGrpSpPr/>
+        <p:nvPr/>
+      </p:nvGrpSpPr>
+      <p:grpSpPr/>
+      <p:sp>
+        <p:nvSpPr>
+          <p:cNvPr id="13" name="文本框 12"/>
+          <p:cNvSpPr txBox="1"/>
+          <p:nvPr/>
+        </p:nvSpPr>
+        <p:spPr>
+          <a:xfrm>
+            <a:off x="904240" y="496570"/>
+            <a:ext cx="3252470" cy="737235"/>
+          </a:xfrm>
+          <a:prstGeom prst="rect">
+            <a:avLst/>
+          </a:prstGeom>
+          <a:noFill/>
+        </p:spPr>
+        <p:txBody>
+          <a:bodyPr wrap="none" rtlCol="0">
+            <a:spAutoFit/>
+          </a:bodyPr>
+          <a:p>
+            <a:pPr indent="0" algn="l">
+              <a:lnSpc>
+                <a:spcPct val="150000"/>
+              </a:lnSpc>
+              <a:buFont typeface="Arial" panose="020B0604020202020204" pitchFamily="34" charset="0"/>
+              <a:buNone/>
+            </a:pPr>
+            <a:r>
+              <a:rPr lang="en-US" altLang="zh-CN" sz="2800" b="1">
+                <a:solidFill>
+                  <a:schemeClr val="accent1"/>
+                </a:solidFill>
+                <a:latin typeface="微软雅黑" panose="020B0503020204020204" charset="-122"/>
+                <a:ea typeface="微软雅黑" panose="020B0503020204020204" charset="-122"/>
+                <a:cs typeface="微软雅黑" panose="020B0503020204020204" charset="-122"/>
+              </a:rPr>
+              <a:t>subprocess</a:t>
+            </a:r>
+            <a:r>
+              <a:rPr lang="zh-CN" altLang="en-US" sz="2800" b="1">
+                <a:solidFill>
+                  <a:schemeClr val="accent1"/>
+                </a:solidFill>
+                <a:latin typeface="微软雅黑" panose="020B0503020204020204" charset="-122"/>
+                <a:ea typeface="微软雅黑" panose="020B0503020204020204" charset="-122"/>
+                <a:cs typeface="微软雅黑" panose="020B0503020204020204" charset="-122"/>
+              </a:rPr>
+              <a:t>的实例</a:t>
+            </a:r>
+            <a:endParaRPr lang="zh-CN" altLang="en-US" sz="2800" b="1">
+              <a:solidFill>
+                <a:schemeClr val="accent1"/>
+              </a:solidFill>
+              <a:latin typeface="微软雅黑" panose="020B0503020204020204" charset="-122"/>
+              <a:ea typeface="微软雅黑" panose="020B0503020204020204" charset="-122"/>
+              <a:cs typeface="微软雅黑" panose="020B0503020204020204" charset="-122"/>
+            </a:endParaRPr>
+          </a:p>
+        </p:txBody>
+      </p:sp>
+      <p:sp>
+        <p:nvSpPr>
+          <p:cNvPr id="7" name="文本框 6"/>
+          <p:cNvSpPr txBox="1"/>
+          <p:nvPr/>
+        </p:nvSpPr>
+        <p:spPr>
+          <a:xfrm>
+            <a:off x="965200" y="1366520"/>
+            <a:ext cx="9846945" cy="1967230"/>
+          </a:xfrm>
+          <a:prstGeom prst="rect">
+            <a:avLst/>
+          </a:prstGeom>
+          <a:solidFill>
+            <a:schemeClr val="bg1">
+              <a:lumMod val="95000"/>
+            </a:schemeClr>
+          </a:solidFill>
+        </p:spPr>
+        <p:txBody>
+          <a:bodyPr wrap="square" rtlCol="0" anchor="ctr" anchorCtr="0">
+            <a:noAutofit/>
+          </a:bodyPr>
+          <a:p>
+            <a:pPr marL="285750" indent="-285750">
+              <a:lnSpc>
+                <a:spcPct val="150000"/>
+              </a:lnSpc>
+              <a:buFont typeface="Arial" panose="020B0604020202020204" pitchFamily="34" charset="0"/>
+              <a:buChar char="•"/>
+            </a:pPr>
+            <a:r>
+              <a:rPr lang="zh-CN" altLang="en-US" sz="1600" b="1"/>
+              <a:t>用默认的应用程序打开歌曲文件</a:t>
+            </a:r>
+            <a:endParaRPr lang="zh-CN" altLang="en-US" sz="1600" b="1"/>
+          </a:p>
+          <a:p>
+            <a:pPr>
+              <a:lnSpc>
+                <a:spcPct val="150000"/>
+              </a:lnSpc>
+            </a:pPr>
+            <a:r>
+              <a:rPr lang="en-US" altLang="zh-CN" sz="1600"/>
+              <a:t># </a:t>
+            </a:r>
+            <a:r>
+              <a:rPr lang="zh-CN" altLang="en-US" sz="1600"/>
+              <a:t>注：</a:t>
+            </a:r>
+            <a:r>
+              <a:rPr lang="en-US" altLang="zh-CN" sz="1600">
+                <a:sym typeface="+mn-ea"/>
+              </a:rPr>
+              <a:t>windows</a:t>
+            </a:r>
+            <a:r>
+              <a:rPr lang="zh-CN" altLang="en-US" sz="1600">
+                <a:sym typeface="+mn-ea"/>
+              </a:rPr>
+              <a:t>下是</a:t>
+            </a:r>
+            <a:r>
+              <a:rPr lang="en-US" altLang="zh-CN" sz="1600">
+                <a:sym typeface="+mn-ea"/>
+              </a:rPr>
+              <a:t>start</a:t>
+            </a:r>
+            <a:r>
+              <a:rPr lang="zh-CN" altLang="en-US" sz="1600">
+                <a:sym typeface="+mn-ea"/>
+              </a:rPr>
+              <a:t>、</a:t>
+            </a:r>
+            <a:r>
+              <a:rPr lang="en-US" altLang="zh-CN" sz="1600">
+                <a:sym typeface="+mn-ea"/>
+              </a:rPr>
+              <a:t>mac</a:t>
+            </a:r>
+            <a:r>
+              <a:rPr lang="zh-CN" altLang="en-US" sz="1600">
+                <a:sym typeface="+mn-ea"/>
+              </a:rPr>
+              <a:t>下是</a:t>
+            </a:r>
+            <a:r>
+              <a:rPr lang="en-US" altLang="zh-CN" sz="1600">
+                <a:sym typeface="+mn-ea"/>
+              </a:rPr>
+              <a:t>open</a:t>
+            </a:r>
+            <a:r>
+              <a:rPr lang="zh-CN" altLang="en-US" sz="1600">
+                <a:sym typeface="+mn-ea"/>
+              </a:rPr>
+              <a:t>、</a:t>
+            </a:r>
+            <a:r>
+              <a:rPr lang="en-US" altLang="zh-CN" sz="1600">
+                <a:sym typeface="+mn-ea"/>
+              </a:rPr>
+              <a:t>Linux</a:t>
+            </a:r>
+            <a:r>
+              <a:rPr lang="zh-CN" altLang="en-US" sz="1600">
+                <a:sym typeface="+mn-ea"/>
+              </a:rPr>
+              <a:t>是</a:t>
+            </a:r>
+            <a:r>
+              <a:rPr lang="en-US" altLang="zh-CN" sz="1600">
+                <a:sym typeface="+mn-ea"/>
+              </a:rPr>
+              <a:t>see</a:t>
+            </a:r>
+            <a:endParaRPr lang="en-US" altLang="zh-CN" sz="1600">
+              <a:sym typeface="+mn-ea"/>
+            </a:endParaRPr>
+          </a:p>
+          <a:p>
+            <a:pPr>
+              <a:lnSpc>
+                <a:spcPct val="150000"/>
+              </a:lnSpc>
+            </a:pPr>
+            <a:r>
+              <a:rPr lang="en-US" altLang="zh-CN" sz="1600">
+                <a:sym typeface="+mn-ea"/>
+              </a:rPr>
+              <a:t># windows </a:t>
+            </a:r>
+            <a:r>
+              <a:rPr lang="zh-CN" altLang="en-US" sz="1600">
+                <a:sym typeface="+mn-ea"/>
+              </a:rPr>
+              <a:t>环境需要加 </a:t>
+            </a:r>
+            <a:r>
+              <a:rPr lang="en-US" altLang="zh-CN" sz="1600">
+                <a:sym typeface="+mn-ea"/>
+              </a:rPr>
+              <a:t>shell = True</a:t>
+            </a:r>
+            <a:endParaRPr lang="zh-CN" altLang="en-US" sz="1600"/>
+          </a:p>
+          <a:p>
+            <a:pPr>
+              <a:lnSpc>
+                <a:spcPct val="150000"/>
+              </a:lnSpc>
+            </a:pPr>
+            <a:r>
+              <a:rPr lang="en-US" altLang="zh-CN" sz="1600"/>
+              <a:t>proc = subprocess.Popen(['start', '</a:t>
+            </a:r>
+            <a:r>
+              <a:rPr lang="zh-CN" altLang="en-US" sz="1600"/>
+              <a:t>余生一个浪</a:t>
+            </a:r>
+            <a:r>
+              <a:rPr lang="en-US" altLang="zh-CN" sz="1600"/>
+              <a:t>.mp3</a:t>
+            </a:r>
+            <a:r>
+              <a:rPr lang="en-US" altLang="zh-CN" sz="1600"/>
+              <a:t>'], shell=True)</a:t>
+            </a:r>
+            <a:endParaRPr lang="en-US" altLang="zh-CN" sz="1600"/>
+          </a:p>
+          <a:p>
+            <a:pPr>
+              <a:lnSpc>
+                <a:spcPct val="150000"/>
+              </a:lnSpc>
+            </a:pPr>
+            <a:r>
+              <a:rPr lang="en-US" altLang="zh-CN" sz="1600"/>
+              <a:t>proc.communicate()</a:t>
+            </a:r>
+            <a:endParaRPr lang="zh-CN" altLang="en-US" sz="1600"/>
+          </a:p>
+        </p:txBody>
+      </p:sp>
+      <p:sp>
+        <p:nvSpPr>
+          <p:cNvPr id="2" name="文本框 1"/>
+          <p:cNvSpPr txBox="1"/>
+          <p:nvPr/>
+        </p:nvSpPr>
+        <p:spPr>
+          <a:xfrm>
+            <a:off x="965200" y="4147185"/>
+            <a:ext cx="9848215" cy="2482215"/>
+          </a:xfrm>
+          <a:prstGeom prst="rect">
+            <a:avLst/>
+          </a:prstGeom>
+          <a:solidFill>
+            <a:schemeClr val="bg1">
+              <a:lumMod val="95000"/>
+            </a:schemeClr>
+          </a:solidFill>
+        </p:spPr>
+        <p:txBody>
+          <a:bodyPr wrap="square" rtlCol="0" anchor="ctr" anchorCtr="0">
+            <a:noAutofit/>
+          </a:bodyPr>
+          <a:p>
+            <a:pPr marL="285750" lvl="0" indent="-285750" algn="l">
+              <a:lnSpc>
+                <a:spcPct val="150000"/>
+              </a:lnSpc>
+              <a:buClrTx/>
+              <a:buSzTx/>
+              <a:buFont typeface="Arial" panose="020B0604020202020204" pitchFamily="34" charset="0"/>
+              <a:buChar char="•"/>
+            </a:pPr>
+            <a:r>
+              <a:rPr lang="zh-CN" altLang="en-US" sz="1600" b="1">
+                <a:sym typeface="+mn-ea"/>
+              </a:rPr>
+              <a:t>用</a:t>
+            </a:r>
+            <a:r>
+              <a:rPr lang="en-US" altLang="zh-CN" sz="1600" b="1">
+                <a:sym typeface="+mn-ea"/>
+              </a:rPr>
+              <a:t>7z.exe</a:t>
+            </a:r>
+            <a:r>
+              <a:rPr lang="zh-CN" altLang="en-US" sz="1600" b="1">
+                <a:sym typeface="+mn-ea"/>
+              </a:rPr>
+              <a:t>解压</a:t>
+            </a:r>
+            <a:r>
+              <a:rPr lang="en-US" altLang="zh-CN" sz="1600" b="1">
+                <a:sym typeface="+mn-ea"/>
+              </a:rPr>
+              <a:t>7z</a:t>
+            </a:r>
+            <a:r>
+              <a:rPr lang="zh-CN" altLang="en-US" sz="1600" b="1">
+                <a:sym typeface="+mn-ea"/>
+              </a:rPr>
+              <a:t>压缩文件</a:t>
+            </a:r>
+            <a:endParaRPr lang="en-US" altLang="zh-CN" sz="1600" b="1">
+              <a:sym typeface="+mn-ea"/>
+            </a:endParaRPr>
+          </a:p>
+          <a:p>
+            <a:pPr lvl="0" algn="l">
+              <a:lnSpc>
+                <a:spcPct val="150000"/>
+              </a:lnSpc>
+              <a:buClrTx/>
+              <a:buSzTx/>
+              <a:buFontTx/>
+            </a:pPr>
+            <a:r>
+              <a:rPr lang="en-US" altLang="zh-CN" sz="1600">
+                <a:sym typeface="+mn-ea"/>
+              </a:rPr>
+              <a:t>proc = subprocess.Popen([r"C:\Program Files\7-Zip\7z.exe",</a:t>
+            </a:r>
+            <a:endParaRPr lang="en-US" altLang="zh-CN" sz="1600">
+              <a:sym typeface="+mn-ea"/>
+            </a:endParaRPr>
+          </a:p>
+          <a:p>
+            <a:pPr lvl="0" algn="l">
+              <a:lnSpc>
+                <a:spcPct val="150000"/>
+              </a:lnSpc>
+              <a:buClrTx/>
+              <a:buSzTx/>
+              <a:buFontTx/>
+            </a:pPr>
+            <a:r>
+              <a:rPr lang="en-US" altLang="zh-CN" sz="1600">
+                <a:sym typeface="+mn-ea"/>
+              </a:rPr>
+              <a:t>                         "x", "./datas/7z_test.7z", "-o./datas/extract_7z_test", "-aoa"], shell=True)</a:t>
+            </a:r>
+            <a:endParaRPr lang="en-US" altLang="zh-CN" sz="1600">
+              <a:sym typeface="+mn-ea"/>
+            </a:endParaRPr>
+          </a:p>
+          <a:p>
+            <a:pPr lvl="0" algn="l">
+              <a:lnSpc>
+                <a:spcPct val="150000"/>
+              </a:lnSpc>
+              <a:buClrTx/>
+              <a:buSzTx/>
+              <a:buFontTx/>
+            </a:pPr>
+            <a:r>
+              <a:rPr lang="en-US" altLang="zh-CN" sz="1600">
+                <a:sym typeface="+mn-ea"/>
+              </a:rPr>
+              <a:t>proc.communicate()</a:t>
+            </a:r>
+            <a:endParaRPr lang="en-US" altLang="zh-CN" sz="1600">
+              <a:sym typeface="+mn-ea"/>
+            </a:endParaRPr>
+          </a:p>
+        </p:txBody>
+      </p:sp>
+    </p:spTree>
+  </p:cSld>
+  <p:clrMapOvr>
+    <a:masterClrMapping/>
+  </p:clrMapOvr>
+  <p:timing>
+    <p:tnLst>
+      <p:par>
+        <p:cTn id="1" dur="indefinite" restart="never" nodeType="tmRoot"/>
+      </p:par>
+    </p:tnLst>
+  </p:timing>
+</p:sld>
+</file>
+
 <file path=ppt/slides/slide6.xml><?xml version="1.0" encoding="utf-8"?>
 <p:sld xmlns:a="http://schemas.openxmlformats.org/drawingml/2006/main" xmlns:r="http://schemas.openxmlformats.org/officeDocument/2006/relationships" xmlns:p="http://schemas.openxmlformats.org/presentationml/2006/main">
   <p:cSld>
@@ -33284,9 +34643,9 @@
                 <a:solidFill>
                   <a:schemeClr val="bg1"/>
                 </a:solidFill>
-                <a:latin typeface="微软雅黑" charset="0"/>
-                <a:ea typeface="微软雅黑" charset="0"/>
-                <a:cs typeface="微软雅黑" charset="0"/>
+                <a:latin typeface="微软雅黑" panose="020B0503020204020204" charset="-122"/>
+                <a:ea typeface="微软雅黑" panose="020B0503020204020204" charset="-122"/>
+                <a:cs typeface="微软雅黑" panose="020B0503020204020204" charset="-122"/>
               </a:rPr>
               <a:t>Python</a:t>
             </a:r>
@@ -33295,9 +34654,9 @@
                 <a:solidFill>
                   <a:schemeClr val="bg1"/>
                 </a:solidFill>
-                <a:latin typeface="微软雅黑" charset="0"/>
-                <a:ea typeface="微软雅黑" charset="0"/>
-                <a:cs typeface="微软雅黑" charset="0"/>
+                <a:latin typeface="微软雅黑" panose="020B0503020204020204" charset="-122"/>
+                <a:ea typeface="微软雅黑" panose="020B0503020204020204" charset="-122"/>
+                <a:cs typeface="微软雅黑" panose="020B0503020204020204" charset="-122"/>
               </a:rPr>
               <a:t>并发编程实战</a:t>
             </a:r>
@@ -33306,9 +34665,9 @@
                 <a:solidFill>
                   <a:schemeClr val="bg1"/>
                 </a:solidFill>
-                <a:latin typeface="微软雅黑" charset="0"/>
-                <a:ea typeface="微软雅黑" charset="0"/>
-                <a:cs typeface="微软雅黑" charset="0"/>
+                <a:latin typeface="微软雅黑" panose="020B0503020204020204" charset="-122"/>
+                <a:ea typeface="微软雅黑" panose="020B0503020204020204" charset="-122"/>
+                <a:cs typeface="微软雅黑" panose="020B0503020204020204" charset="-122"/>
               </a:rPr>
             </a:br>
             <a:r>
@@ -33316,9 +34675,9 @@
                 <a:solidFill>
                   <a:schemeClr val="bg1"/>
                 </a:solidFill>
-                <a:latin typeface="微软雅黑" charset="0"/>
-                <a:ea typeface="微软雅黑" charset="0"/>
-                <a:cs typeface="微软雅黑" charset="0"/>
+                <a:latin typeface="微软雅黑" panose="020B0503020204020204" charset="-122"/>
+                <a:ea typeface="微软雅黑" panose="020B0503020204020204" charset="-122"/>
+                <a:cs typeface="微软雅黑" panose="020B0503020204020204" charset="-122"/>
               </a:rPr>
               <a:t>怎样选择多线程、多进程和多协程？</a:t>
             </a:r>
@@ -33326,9 +34685,9 @@
               <a:solidFill>
                 <a:schemeClr val="bg1"/>
               </a:solidFill>
-              <a:latin typeface="微软雅黑" charset="0"/>
-              <a:ea typeface="微软雅黑" charset="0"/>
-              <a:cs typeface="微软雅黑" charset="0"/>
+              <a:latin typeface="微软雅黑" panose="020B0503020204020204" charset="-122"/>
+              <a:ea typeface="微软雅黑" panose="020B0503020204020204" charset="-122"/>
+              <a:cs typeface="微软雅黑" panose="020B0503020204020204" charset="-122"/>
             </a:endParaRPr>
           </a:p>
         </p:txBody>
@@ -33402,80 +34761,80 @@
             <a:pPr algn="ctr"/>
             <a:r>
               <a:rPr lang="en-US" altLang="zh-CN" sz="2800" b="1">
-                <a:latin typeface="微软雅黑" charset="0"/>
-                <a:ea typeface="微软雅黑" charset="0"/>
-                <a:cs typeface="微软雅黑" charset="0"/>
+                <a:latin typeface="微软雅黑" panose="020B0503020204020204" charset="-122"/>
+                <a:ea typeface="微软雅黑" panose="020B0503020204020204" charset="-122"/>
+                <a:cs typeface="微软雅黑" panose="020B0503020204020204" charset="-122"/>
               </a:rPr>
               <a:t>Python</a:t>
             </a:r>
             <a:r>
               <a:rPr lang="zh-CN" altLang="en-US" sz="2800" b="1">
-                <a:latin typeface="微软雅黑" charset="0"/>
-                <a:ea typeface="微软雅黑" charset="0"/>
-                <a:cs typeface="微软雅黑" charset="0"/>
+                <a:latin typeface="微软雅黑" panose="020B0503020204020204" charset="-122"/>
+                <a:ea typeface="微软雅黑" panose="020B0503020204020204" charset="-122"/>
+                <a:cs typeface="微软雅黑" panose="020B0503020204020204" charset="-122"/>
               </a:rPr>
               <a:t>并发编程有三种方式：</a:t>
             </a:r>
             <a:endParaRPr lang="zh-CN" altLang="en-US" sz="2800" b="1">
-              <a:latin typeface="微软雅黑" charset="0"/>
-              <a:ea typeface="微软雅黑" charset="0"/>
-              <a:cs typeface="微软雅黑" charset="0"/>
+              <a:latin typeface="微软雅黑" panose="020B0503020204020204" charset="-122"/>
+              <a:ea typeface="微软雅黑" panose="020B0503020204020204" charset="-122"/>
+              <a:cs typeface="微软雅黑" panose="020B0503020204020204" charset="-122"/>
             </a:endParaRPr>
           </a:p>
           <a:p>
             <a:pPr algn="ctr"/>
             <a:endParaRPr lang="zh-CN" altLang="en-US" sz="2800" b="1">
-              <a:latin typeface="微软雅黑" charset="0"/>
-              <a:ea typeface="微软雅黑" charset="0"/>
-              <a:cs typeface="微软雅黑" charset="0"/>
+              <a:latin typeface="微软雅黑" panose="020B0503020204020204" charset="-122"/>
+              <a:ea typeface="微软雅黑" panose="020B0503020204020204" charset="-122"/>
+              <a:cs typeface="微软雅黑" panose="020B0503020204020204" charset="-122"/>
             </a:endParaRPr>
           </a:p>
           <a:p>
             <a:pPr algn="ctr"/>
             <a:r>
               <a:rPr lang="zh-CN" altLang="en-US" sz="2800" b="1">
-                <a:latin typeface="微软雅黑" charset="0"/>
-                <a:ea typeface="微软雅黑" charset="0"/>
-                <a:cs typeface="微软雅黑" charset="0"/>
+                <a:latin typeface="微软雅黑" panose="020B0503020204020204" charset="-122"/>
+                <a:ea typeface="微软雅黑" panose="020B0503020204020204" charset="-122"/>
+                <a:cs typeface="微软雅黑" panose="020B0503020204020204" charset="-122"/>
               </a:rPr>
               <a:t>多线程</a:t>
             </a:r>
             <a:r>
               <a:rPr lang="en-US" altLang="zh-CN" sz="2800" b="1">
-                <a:latin typeface="微软雅黑" charset="0"/>
-                <a:ea typeface="微软雅黑" charset="0"/>
-                <a:cs typeface="微软雅黑" charset="0"/>
+                <a:latin typeface="微软雅黑" panose="020B0503020204020204" charset="-122"/>
+                <a:ea typeface="微软雅黑" panose="020B0503020204020204" charset="-122"/>
+                <a:cs typeface="微软雅黑" panose="020B0503020204020204" charset="-122"/>
               </a:rPr>
               <a:t>Thread</a:t>
             </a:r>
             <a:r>
               <a:rPr lang="zh-CN" altLang="en-US" sz="2800" b="1">
-                <a:latin typeface="微软雅黑" charset="0"/>
-                <a:ea typeface="微软雅黑" charset="0"/>
-                <a:cs typeface="微软雅黑" charset="0"/>
+                <a:latin typeface="微软雅黑" panose="020B0503020204020204" charset="-122"/>
+                <a:ea typeface="微软雅黑" panose="020B0503020204020204" charset="-122"/>
+                <a:cs typeface="微软雅黑" panose="020B0503020204020204" charset="-122"/>
               </a:rPr>
               <a:t>、多进程</a:t>
             </a:r>
             <a:r>
               <a:rPr lang="en-US" altLang="zh-CN" sz="2800" b="1">
-                <a:latin typeface="微软雅黑" charset="0"/>
-                <a:ea typeface="微软雅黑" charset="0"/>
-                <a:cs typeface="微软雅黑" charset="0"/>
+                <a:latin typeface="微软雅黑" panose="020B0503020204020204" charset="-122"/>
+                <a:ea typeface="微软雅黑" panose="020B0503020204020204" charset="-122"/>
+                <a:cs typeface="微软雅黑" panose="020B0503020204020204" charset="-122"/>
               </a:rPr>
               <a:t>Process</a:t>
             </a:r>
             <a:r>
               <a:rPr lang="zh-CN" altLang="en-US" sz="2800" b="1">
-                <a:latin typeface="微软雅黑" charset="0"/>
-                <a:ea typeface="微软雅黑" charset="0"/>
-                <a:cs typeface="微软雅黑" charset="0"/>
+                <a:latin typeface="微软雅黑" panose="020B0503020204020204" charset="-122"/>
+                <a:ea typeface="微软雅黑" panose="020B0503020204020204" charset="-122"/>
+                <a:cs typeface="微软雅黑" panose="020B0503020204020204" charset="-122"/>
               </a:rPr>
               <a:t>、多协程Coroutine</a:t>
             </a:r>
             <a:endParaRPr lang="zh-CN" altLang="en-US" sz="2800" b="1">
-              <a:latin typeface="微软雅黑" charset="0"/>
-              <a:ea typeface="微软雅黑" charset="0"/>
-              <a:cs typeface="微软雅黑" charset="0"/>
+              <a:latin typeface="微软雅黑" panose="020B0503020204020204" charset="-122"/>
+              <a:ea typeface="微软雅黑" panose="020B0503020204020204" charset="-122"/>
+              <a:cs typeface="微软雅黑" panose="020B0503020204020204" charset="-122"/>
             </a:endParaRPr>
           </a:p>
         </p:txBody>
@@ -33689,21 +35048,21 @@
               <a:lnSpc>
                 <a:spcPct val="150000"/>
               </a:lnSpc>
-              <a:buFont typeface="Arial" panose="020B0604020202090204" pitchFamily="34" charset="0"/>
+              <a:buFont typeface="Arial" panose="020B0604020202020204" pitchFamily="34" charset="0"/>
               <a:buNone/>
             </a:pPr>
             <a:r>
               <a:rPr lang="zh-CN" altLang="en-US" sz="4800">
-                <a:latin typeface="微软雅黑" charset="0"/>
-                <a:ea typeface="微软雅黑" charset="0"/>
-                <a:cs typeface="微软雅黑" charset="0"/>
+                <a:latin typeface="微软雅黑" panose="020B0503020204020204" charset="-122"/>
+                <a:ea typeface="微软雅黑" panose="020B0503020204020204" charset="-122"/>
+                <a:cs typeface="微软雅黑" panose="020B0503020204020204" charset="-122"/>
               </a:rPr>
               <a:t>本节提纲</a:t>
             </a:r>
             <a:endParaRPr lang="zh-CN" altLang="en-US" sz="4800">
-              <a:latin typeface="微软雅黑" charset="0"/>
-              <a:ea typeface="微软雅黑" charset="0"/>
-              <a:cs typeface="微软雅黑" charset="0"/>
+              <a:latin typeface="微软雅黑" panose="020B0503020204020204" charset="-122"/>
+              <a:ea typeface="微软雅黑" panose="020B0503020204020204" charset="-122"/>
+              <a:cs typeface="微软雅黑" panose="020B0503020204020204" charset="-122"/>
             </a:endParaRPr>
           </a:p>
         </p:txBody>
@@ -33731,116 +35090,116 @@
           <a:p>
             <a:r>
               <a:rPr lang="en-US" altLang="zh-CN" sz="3200">
-                <a:latin typeface="微软雅黑" charset="0"/>
-                <a:ea typeface="微软雅黑" charset="0"/>
-                <a:cs typeface="微软雅黑" charset="0"/>
+                <a:latin typeface="微软雅黑" panose="020B0503020204020204" charset="-122"/>
+                <a:ea typeface="微软雅黑" panose="020B0503020204020204" charset="-122"/>
+                <a:cs typeface="微软雅黑" panose="020B0503020204020204" charset="-122"/>
               </a:rPr>
               <a:t>1</a:t>
             </a:r>
             <a:r>
               <a:rPr lang="zh-CN" altLang="en-US" sz="3200">
-                <a:latin typeface="微软雅黑" charset="0"/>
-                <a:ea typeface="微软雅黑" charset="0"/>
-                <a:cs typeface="微软雅黑" charset="0"/>
+                <a:latin typeface="微软雅黑" panose="020B0503020204020204" charset="-122"/>
+                <a:ea typeface="微软雅黑" panose="020B0503020204020204" charset="-122"/>
+                <a:cs typeface="微软雅黑" panose="020B0503020204020204" charset="-122"/>
               </a:rPr>
               <a:t>、什么是</a:t>
             </a:r>
             <a:r>
               <a:rPr lang="en-US" altLang="zh-CN" sz="3200">
-                <a:latin typeface="微软雅黑" charset="0"/>
-                <a:ea typeface="微软雅黑" charset="0"/>
-                <a:cs typeface="微软雅黑" charset="0"/>
+                <a:latin typeface="微软雅黑" panose="020B0503020204020204" charset="-122"/>
+                <a:ea typeface="微软雅黑" panose="020B0503020204020204" charset="-122"/>
+                <a:cs typeface="微软雅黑" panose="020B0503020204020204" charset="-122"/>
               </a:rPr>
               <a:t>CPU</a:t>
             </a:r>
             <a:r>
               <a:rPr lang="zh-CN" altLang="en-US" sz="3200">
-                <a:latin typeface="微软雅黑" charset="0"/>
-                <a:ea typeface="微软雅黑" charset="0"/>
-                <a:cs typeface="微软雅黑" charset="0"/>
+                <a:latin typeface="微软雅黑" panose="020B0503020204020204" charset="-122"/>
+                <a:ea typeface="微软雅黑" panose="020B0503020204020204" charset="-122"/>
+                <a:cs typeface="微软雅黑" panose="020B0503020204020204" charset="-122"/>
               </a:rPr>
               <a:t>密集型计算、</a:t>
             </a:r>
             <a:r>
               <a:rPr lang="en-US" altLang="zh-CN" sz="3200">
-                <a:latin typeface="微软雅黑" charset="0"/>
-                <a:ea typeface="微软雅黑" charset="0"/>
-                <a:cs typeface="微软雅黑" charset="0"/>
+                <a:latin typeface="微软雅黑" panose="020B0503020204020204" charset="-122"/>
+                <a:ea typeface="微软雅黑" panose="020B0503020204020204" charset="-122"/>
+                <a:cs typeface="微软雅黑" panose="020B0503020204020204" charset="-122"/>
               </a:rPr>
               <a:t>IO</a:t>
             </a:r>
             <a:r>
               <a:rPr lang="zh-CN" altLang="en-US" sz="3200">
-                <a:latin typeface="微软雅黑" charset="0"/>
-                <a:ea typeface="微软雅黑" charset="0"/>
-                <a:cs typeface="微软雅黑" charset="0"/>
+                <a:latin typeface="微软雅黑" panose="020B0503020204020204" charset="-122"/>
+                <a:ea typeface="微软雅黑" panose="020B0503020204020204" charset="-122"/>
+                <a:cs typeface="微软雅黑" panose="020B0503020204020204" charset="-122"/>
               </a:rPr>
               <a:t>密集型计算？</a:t>
             </a:r>
             <a:endParaRPr lang="zh-CN" altLang="en-US" sz="3200">
-              <a:latin typeface="微软雅黑" charset="0"/>
-              <a:ea typeface="微软雅黑" charset="0"/>
-              <a:cs typeface="微软雅黑" charset="0"/>
+              <a:latin typeface="微软雅黑" panose="020B0503020204020204" charset="-122"/>
+              <a:ea typeface="微软雅黑" panose="020B0503020204020204" charset="-122"/>
+              <a:cs typeface="微软雅黑" panose="020B0503020204020204" charset="-122"/>
             </a:endParaRPr>
           </a:p>
           <a:p>
             <a:endParaRPr lang="zh-CN" altLang="en-US" sz="3200">
-              <a:latin typeface="微软雅黑" charset="0"/>
-              <a:ea typeface="微软雅黑" charset="0"/>
-              <a:cs typeface="微软雅黑" charset="0"/>
+              <a:latin typeface="微软雅黑" panose="020B0503020204020204" charset="-122"/>
+              <a:ea typeface="微软雅黑" panose="020B0503020204020204" charset="-122"/>
+              <a:cs typeface="微软雅黑" panose="020B0503020204020204" charset="-122"/>
             </a:endParaRPr>
           </a:p>
           <a:p>
             <a:r>
               <a:rPr lang="en-US" altLang="zh-CN" sz="3200">
-                <a:latin typeface="微软雅黑" charset="0"/>
-                <a:ea typeface="微软雅黑" charset="0"/>
-                <a:cs typeface="微软雅黑" charset="0"/>
+                <a:latin typeface="微软雅黑" panose="020B0503020204020204" charset="-122"/>
+                <a:ea typeface="微软雅黑" panose="020B0503020204020204" charset="-122"/>
+                <a:cs typeface="微软雅黑" panose="020B0503020204020204" charset="-122"/>
               </a:rPr>
               <a:t>2</a:t>
             </a:r>
             <a:r>
               <a:rPr lang="zh-CN" altLang="en-US" sz="3200">
-                <a:latin typeface="微软雅黑" charset="0"/>
-                <a:ea typeface="微软雅黑" charset="0"/>
-                <a:cs typeface="微软雅黑" charset="0"/>
+                <a:latin typeface="微软雅黑" panose="020B0503020204020204" charset="-122"/>
+                <a:ea typeface="微软雅黑" panose="020B0503020204020204" charset="-122"/>
+                <a:cs typeface="微软雅黑" panose="020B0503020204020204" charset="-122"/>
               </a:rPr>
               <a:t>、多线程、多进程、多协程的对比</a:t>
             </a:r>
             <a:endParaRPr lang="zh-CN" altLang="en-US" sz="3200">
-              <a:latin typeface="微软雅黑" charset="0"/>
-              <a:ea typeface="微软雅黑" charset="0"/>
-              <a:cs typeface="微软雅黑" charset="0"/>
+              <a:latin typeface="微软雅黑" panose="020B0503020204020204" charset="-122"/>
+              <a:ea typeface="微软雅黑" panose="020B0503020204020204" charset="-122"/>
+              <a:cs typeface="微软雅黑" panose="020B0503020204020204" charset="-122"/>
             </a:endParaRPr>
           </a:p>
           <a:p>
             <a:endParaRPr lang="zh-CN" altLang="en-US" sz="3200">
-              <a:latin typeface="微软雅黑" charset="0"/>
-              <a:ea typeface="微软雅黑" charset="0"/>
-              <a:cs typeface="微软雅黑" charset="0"/>
+              <a:latin typeface="微软雅黑" panose="020B0503020204020204" charset="-122"/>
+              <a:ea typeface="微软雅黑" panose="020B0503020204020204" charset="-122"/>
+              <a:cs typeface="微软雅黑" panose="020B0503020204020204" charset="-122"/>
             </a:endParaRPr>
           </a:p>
           <a:p>
             <a:r>
               <a:rPr lang="en-US" altLang="zh-CN" sz="3200">
-                <a:latin typeface="微软雅黑" charset="0"/>
-                <a:ea typeface="微软雅黑" charset="0"/>
-                <a:cs typeface="微软雅黑" charset="0"/>
+                <a:latin typeface="微软雅黑" panose="020B0503020204020204" charset="-122"/>
+                <a:ea typeface="微软雅黑" panose="020B0503020204020204" charset="-122"/>
+                <a:cs typeface="微软雅黑" panose="020B0503020204020204" charset="-122"/>
               </a:rPr>
               <a:t>3</a:t>
             </a:r>
             <a:r>
               <a:rPr lang="zh-CN" altLang="en-US" sz="3200">
-                <a:latin typeface="微软雅黑" charset="0"/>
-                <a:ea typeface="微软雅黑" charset="0"/>
-                <a:cs typeface="微软雅黑" charset="0"/>
+                <a:latin typeface="微软雅黑" panose="020B0503020204020204" charset="-122"/>
+                <a:ea typeface="微软雅黑" panose="020B0503020204020204" charset="-122"/>
+                <a:cs typeface="微软雅黑" panose="020B0503020204020204" charset="-122"/>
               </a:rPr>
               <a:t>、怎样根据任务选择对应技术？</a:t>
             </a:r>
             <a:endParaRPr lang="zh-CN" altLang="en-US" sz="3200">
-              <a:latin typeface="微软雅黑" charset="0"/>
-              <a:ea typeface="微软雅黑" charset="0"/>
-              <a:cs typeface="微软雅黑" charset="0"/>
+              <a:latin typeface="微软雅黑" panose="020B0503020204020204" charset="-122"/>
+              <a:ea typeface="微软雅黑" panose="020B0503020204020204" charset="-122"/>
+              <a:cs typeface="微软雅黑" panose="020B0503020204020204" charset="-122"/>
             </a:endParaRPr>
           </a:p>
         </p:txBody>
@@ -33895,7 +35254,7 @@
               <a:lnSpc>
                 <a:spcPct val="150000"/>
               </a:lnSpc>
-              <a:buFont typeface="Arial" panose="020B0604020202090204" pitchFamily="34" charset="0"/>
+              <a:buFont typeface="Arial" panose="020B0604020202020204" pitchFamily="34" charset="0"/>
               <a:buNone/>
             </a:pPr>
             <a:r>
@@ -33905,9 +35264,9 @@
                     <a:lumMod val="50000"/>
                   </a:schemeClr>
                 </a:solidFill>
-                <a:latin typeface="微软雅黑" charset="0"/>
-                <a:ea typeface="微软雅黑" charset="0"/>
-                <a:cs typeface="微软雅黑" charset="0"/>
+                <a:latin typeface="微软雅黑" panose="020B0503020204020204" charset="-122"/>
+                <a:ea typeface="微软雅黑" panose="020B0503020204020204" charset="-122"/>
+                <a:cs typeface="微软雅黑" panose="020B0503020204020204" charset="-122"/>
                 <a:sym typeface="+mn-ea"/>
               </a:rPr>
               <a:t>1</a:t>
@@ -33919,9 +35278,9 @@
                     <a:lumMod val="50000"/>
                   </a:schemeClr>
                 </a:solidFill>
-                <a:latin typeface="微软雅黑" charset="0"/>
-                <a:ea typeface="微软雅黑" charset="0"/>
-                <a:cs typeface="微软雅黑" charset="0"/>
+                <a:latin typeface="微软雅黑" panose="020B0503020204020204" charset="-122"/>
+                <a:ea typeface="微软雅黑" panose="020B0503020204020204" charset="-122"/>
+                <a:cs typeface="微软雅黑" panose="020B0503020204020204" charset="-122"/>
                 <a:sym typeface="+mn-ea"/>
               </a:rPr>
               <a:t>、什么是</a:t>
@@ -33933,9 +35292,9 @@
                     <a:lumMod val="50000"/>
                   </a:schemeClr>
                 </a:solidFill>
-                <a:latin typeface="微软雅黑" charset="0"/>
-                <a:ea typeface="微软雅黑" charset="0"/>
-                <a:cs typeface="微软雅黑" charset="0"/>
+                <a:latin typeface="微软雅黑" panose="020B0503020204020204" charset="-122"/>
+                <a:ea typeface="微软雅黑" panose="020B0503020204020204" charset="-122"/>
+                <a:cs typeface="微软雅黑" panose="020B0503020204020204" charset="-122"/>
                 <a:sym typeface="+mn-ea"/>
               </a:rPr>
               <a:t>CPU</a:t>
@@ -33947,9 +35306,9 @@
                     <a:lumMod val="50000"/>
                   </a:schemeClr>
                 </a:solidFill>
-                <a:latin typeface="微软雅黑" charset="0"/>
-                <a:ea typeface="微软雅黑" charset="0"/>
-                <a:cs typeface="微软雅黑" charset="0"/>
+                <a:latin typeface="微软雅黑" panose="020B0503020204020204" charset="-122"/>
+                <a:ea typeface="微软雅黑" panose="020B0503020204020204" charset="-122"/>
+                <a:cs typeface="微软雅黑" panose="020B0503020204020204" charset="-122"/>
                 <a:sym typeface="+mn-ea"/>
               </a:rPr>
               <a:t>密集型计算、</a:t>
@@ -33961,9 +35320,9 @@
                     <a:lumMod val="50000"/>
                   </a:schemeClr>
                 </a:solidFill>
-                <a:latin typeface="微软雅黑" charset="0"/>
-                <a:ea typeface="微软雅黑" charset="0"/>
-                <a:cs typeface="微软雅黑" charset="0"/>
+                <a:latin typeface="微软雅黑" panose="020B0503020204020204" charset="-122"/>
+                <a:ea typeface="微软雅黑" panose="020B0503020204020204" charset="-122"/>
+                <a:cs typeface="微软雅黑" panose="020B0503020204020204" charset="-122"/>
                 <a:sym typeface="+mn-ea"/>
               </a:rPr>
               <a:t>IO</a:t>
@@ -33975,9 +35334,9 @@
                     <a:lumMod val="50000"/>
                   </a:schemeClr>
                 </a:solidFill>
-                <a:latin typeface="微软雅黑" charset="0"/>
-                <a:ea typeface="微软雅黑" charset="0"/>
-                <a:cs typeface="微软雅黑" charset="0"/>
+                <a:latin typeface="微软雅黑" panose="020B0503020204020204" charset="-122"/>
+                <a:ea typeface="微软雅黑" panose="020B0503020204020204" charset="-122"/>
+                <a:cs typeface="微软雅黑" panose="020B0503020204020204" charset="-122"/>
                 <a:sym typeface="+mn-ea"/>
               </a:rPr>
               <a:t>密集型计算？</a:t>
@@ -33988,9 +35347,9 @@
                   <a:lumMod val="50000"/>
                 </a:schemeClr>
               </a:solidFill>
-              <a:latin typeface="微软雅黑" charset="0"/>
-              <a:ea typeface="微软雅黑" charset="0"/>
-              <a:cs typeface="微软雅黑" charset="0"/>
+              <a:latin typeface="微软雅黑" panose="020B0503020204020204" charset="-122"/>
+              <a:ea typeface="微软雅黑" panose="020B0503020204020204" charset="-122"/>
+              <a:cs typeface="微软雅黑" panose="020B0503020204020204" charset="-122"/>
               <a:sym typeface="+mn-ea"/>
             </a:endParaRPr>
           </a:p>
@@ -34038,9 +35397,9 @@
                     <a:lumMod val="50000"/>
                   </a:schemeClr>
                 </a:solidFill>
-                <a:latin typeface="微软雅黑" charset="0"/>
-                <a:ea typeface="微软雅黑" charset="0"/>
-                <a:cs typeface="微软雅黑" charset="0"/>
+                <a:latin typeface="微软雅黑" panose="020B0503020204020204" charset="-122"/>
+                <a:ea typeface="微软雅黑" panose="020B0503020204020204" charset="-122"/>
+                <a:cs typeface="微软雅黑" panose="020B0503020204020204" charset="-122"/>
               </a:rPr>
               <a:t>CPU密集型（CPU-bound）</a:t>
             </a:r>
@@ -34051,24 +35410,24 @@
                     <a:lumMod val="50000"/>
                   </a:schemeClr>
                 </a:solidFill>
-                <a:latin typeface="微软雅黑" charset="0"/>
-                <a:ea typeface="微软雅黑" charset="0"/>
-                <a:cs typeface="微软雅黑" charset="0"/>
+                <a:latin typeface="微软雅黑" panose="020B0503020204020204" charset="-122"/>
+                <a:ea typeface="微软雅黑" panose="020B0503020204020204" charset="-122"/>
+                <a:cs typeface="微软雅黑" panose="020B0503020204020204" charset="-122"/>
               </a:rPr>
               <a:t>：</a:t>
             </a:r>
             <a:endParaRPr lang="zh-CN" altLang="en-US">
-              <a:latin typeface="微软雅黑" charset="0"/>
-              <a:ea typeface="微软雅黑" charset="0"/>
-              <a:cs typeface="微软雅黑" charset="0"/>
+              <a:latin typeface="微软雅黑" panose="020B0503020204020204" charset="-122"/>
+              <a:ea typeface="微软雅黑" panose="020B0503020204020204" charset="-122"/>
+              <a:cs typeface="微软雅黑" panose="020B0503020204020204" charset="-122"/>
             </a:endParaRPr>
           </a:p>
           <a:p>
             <a:pPr algn="l"/>
             <a:endParaRPr lang="zh-CN" altLang="en-US">
-              <a:latin typeface="微软雅黑" charset="0"/>
-              <a:ea typeface="微软雅黑" charset="0"/>
-              <a:cs typeface="微软雅黑" charset="0"/>
+              <a:latin typeface="微软雅黑" panose="020B0503020204020204" charset="-122"/>
+              <a:ea typeface="微软雅黑" panose="020B0503020204020204" charset="-122"/>
+              <a:cs typeface="微软雅黑" panose="020B0503020204020204" charset="-122"/>
             </a:endParaRPr>
           </a:p>
           <a:p>
@@ -34079,40 +35438,40 @@
             </a:pPr>
             <a:r>
               <a:rPr lang="zh-CN" altLang="en-US">
-                <a:latin typeface="微软雅黑" charset="0"/>
-                <a:ea typeface="微软雅黑" charset="0"/>
-                <a:cs typeface="微软雅黑" charset="0"/>
+                <a:latin typeface="微软雅黑" panose="020B0503020204020204" charset="-122"/>
+                <a:ea typeface="微软雅黑" panose="020B0503020204020204" charset="-122"/>
+                <a:cs typeface="微软雅黑" panose="020B0503020204020204" charset="-122"/>
               </a:rPr>
               <a:t>CPU密集型也叫计算密集型，是指I/O在很短的时间就可以完成，CPU需要大量的计算和处理，特点是CPU占用率相当高</a:t>
             </a:r>
             <a:endParaRPr lang="zh-CN" altLang="en-US">
-              <a:latin typeface="微软雅黑" charset="0"/>
-              <a:ea typeface="微软雅黑" charset="0"/>
-              <a:cs typeface="微软雅黑" charset="0"/>
+              <a:latin typeface="微软雅黑" panose="020B0503020204020204" charset="-122"/>
+              <a:ea typeface="微软雅黑" panose="020B0503020204020204" charset="-122"/>
+              <a:cs typeface="微软雅黑" panose="020B0503020204020204" charset="-122"/>
             </a:endParaRPr>
           </a:p>
           <a:p>
             <a:pPr algn="l"/>
             <a:endParaRPr lang="zh-CN" altLang="en-US">
-              <a:latin typeface="微软雅黑" charset="0"/>
-              <a:ea typeface="微软雅黑" charset="0"/>
-              <a:cs typeface="微软雅黑" charset="0"/>
+              <a:latin typeface="微软雅黑" panose="020B0503020204020204" charset="-122"/>
+              <a:ea typeface="微软雅黑" panose="020B0503020204020204" charset="-122"/>
+              <a:cs typeface="微软雅黑" panose="020B0503020204020204" charset="-122"/>
             </a:endParaRPr>
           </a:p>
           <a:p>
             <a:pPr algn="l"/>
             <a:r>
               <a:rPr lang="zh-CN" altLang="en-US">
-                <a:latin typeface="微软雅黑" charset="0"/>
-                <a:ea typeface="微软雅黑" charset="0"/>
-                <a:cs typeface="微软雅黑" charset="0"/>
+                <a:latin typeface="微软雅黑" panose="020B0503020204020204" charset="-122"/>
+                <a:ea typeface="微软雅黑" panose="020B0503020204020204" charset="-122"/>
+                <a:cs typeface="微软雅黑" panose="020B0503020204020204" charset="-122"/>
               </a:rPr>
               <a:t>例如：压缩解压缩、加密解密、正则表达式搜索</a:t>
             </a:r>
             <a:endParaRPr lang="zh-CN" altLang="en-US">
-              <a:latin typeface="微软雅黑" charset="0"/>
-              <a:ea typeface="微软雅黑" charset="0"/>
-              <a:cs typeface="微软雅黑" charset="0"/>
+              <a:latin typeface="微软雅黑" panose="020B0503020204020204" charset="-122"/>
+              <a:ea typeface="微软雅黑" panose="020B0503020204020204" charset="-122"/>
+              <a:cs typeface="微软雅黑" panose="020B0503020204020204" charset="-122"/>
             </a:endParaRPr>
           </a:p>
         </p:txBody>
@@ -34159,9 +35518,9 @@
                     <a:lumMod val="50000"/>
                   </a:schemeClr>
                 </a:solidFill>
-                <a:latin typeface="微软雅黑" charset="0"/>
-                <a:ea typeface="微软雅黑" charset="0"/>
-                <a:cs typeface="微软雅黑" charset="0"/>
+                <a:latin typeface="微软雅黑" panose="020B0503020204020204" charset="-122"/>
+                <a:ea typeface="微软雅黑" panose="020B0503020204020204" charset="-122"/>
+                <a:cs typeface="微软雅黑" panose="020B0503020204020204" charset="-122"/>
               </a:rPr>
               <a:t>IO</a:t>
             </a:r>
@@ -34172,9 +35531,9 @@
                     <a:lumMod val="50000"/>
                   </a:schemeClr>
                 </a:solidFill>
-                <a:latin typeface="微软雅黑" charset="0"/>
-                <a:ea typeface="微软雅黑" charset="0"/>
-                <a:cs typeface="微软雅黑" charset="0"/>
+                <a:latin typeface="微软雅黑" panose="020B0503020204020204" charset="-122"/>
+                <a:ea typeface="微软雅黑" panose="020B0503020204020204" charset="-122"/>
+                <a:cs typeface="微软雅黑" panose="020B0503020204020204" charset="-122"/>
               </a:rPr>
               <a:t>密集型（I/O bound）</a:t>
             </a:r>
@@ -34185,24 +35544,24 @@
                     <a:lumMod val="50000"/>
                   </a:schemeClr>
                 </a:solidFill>
-                <a:latin typeface="微软雅黑" charset="0"/>
-                <a:ea typeface="微软雅黑" charset="0"/>
-                <a:cs typeface="微软雅黑" charset="0"/>
+                <a:latin typeface="微软雅黑" panose="020B0503020204020204" charset="-122"/>
+                <a:ea typeface="微软雅黑" panose="020B0503020204020204" charset="-122"/>
+                <a:cs typeface="微软雅黑" panose="020B0503020204020204" charset="-122"/>
               </a:rPr>
               <a:t>：</a:t>
             </a:r>
             <a:endParaRPr lang="zh-CN" altLang="en-US">
-              <a:latin typeface="微软雅黑" charset="0"/>
-              <a:ea typeface="微软雅黑" charset="0"/>
-              <a:cs typeface="微软雅黑" charset="0"/>
+              <a:latin typeface="微软雅黑" panose="020B0503020204020204" charset="-122"/>
+              <a:ea typeface="微软雅黑" panose="020B0503020204020204" charset="-122"/>
+              <a:cs typeface="微软雅黑" panose="020B0503020204020204" charset="-122"/>
             </a:endParaRPr>
           </a:p>
           <a:p>
             <a:pPr algn="l"/>
             <a:endParaRPr lang="zh-CN" altLang="en-US">
-              <a:latin typeface="微软雅黑" charset="0"/>
-              <a:ea typeface="微软雅黑" charset="0"/>
-              <a:cs typeface="微软雅黑" charset="0"/>
+              <a:latin typeface="微软雅黑" panose="020B0503020204020204" charset="-122"/>
+              <a:ea typeface="微软雅黑" panose="020B0503020204020204" charset="-122"/>
+              <a:cs typeface="微软雅黑" panose="020B0503020204020204" charset="-122"/>
             </a:endParaRPr>
           </a:p>
           <a:p>
@@ -34213,57 +35572,57 @@
             </a:pPr>
             <a:r>
               <a:rPr lang="zh-CN" altLang="en-US">
-                <a:latin typeface="微软雅黑" charset="0"/>
-                <a:ea typeface="微软雅黑" charset="0"/>
-                <a:cs typeface="微软雅黑" charset="0"/>
+                <a:latin typeface="微软雅黑" panose="020B0503020204020204" charset="-122"/>
+                <a:ea typeface="微软雅黑" panose="020B0503020204020204" charset="-122"/>
+                <a:cs typeface="微软雅黑" panose="020B0503020204020204" charset="-122"/>
               </a:rPr>
               <a:t>IO密集型指的是系统运作大部分的状况是CPU在等I/O (硬盘/内存) 的读/写操作，</a:t>
             </a:r>
             <a:r>
               <a:rPr lang="zh-CN" altLang="en-US">
-                <a:latin typeface="微软雅黑" charset="0"/>
-                <a:ea typeface="微软雅黑" charset="0"/>
-                <a:cs typeface="微软雅黑" charset="0"/>
+                <a:latin typeface="微软雅黑" panose="020B0503020204020204" charset="-122"/>
+                <a:ea typeface="微软雅黑" panose="020B0503020204020204" charset="-122"/>
+                <a:cs typeface="微软雅黑" panose="020B0503020204020204" charset="-122"/>
                 <a:sym typeface="+mn-ea"/>
               </a:rPr>
               <a:t>CPU占用率仍然较低</a:t>
             </a:r>
             <a:r>
               <a:rPr lang="zh-CN" altLang="en-US">
-                <a:latin typeface="微软雅黑" charset="0"/>
-                <a:ea typeface="微软雅黑" charset="0"/>
-                <a:cs typeface="微软雅黑" charset="0"/>
+                <a:latin typeface="微软雅黑" panose="020B0503020204020204" charset="-122"/>
+                <a:ea typeface="微软雅黑" panose="020B0503020204020204" charset="-122"/>
+                <a:cs typeface="微软雅黑" panose="020B0503020204020204" charset="-122"/>
               </a:rPr>
               <a:t>。</a:t>
             </a:r>
             <a:endParaRPr lang="zh-CN" altLang="en-US">
-              <a:latin typeface="微软雅黑" charset="0"/>
-              <a:ea typeface="微软雅黑" charset="0"/>
-              <a:cs typeface="微软雅黑" charset="0"/>
+              <a:latin typeface="微软雅黑" panose="020B0503020204020204" charset="-122"/>
+              <a:ea typeface="微软雅黑" panose="020B0503020204020204" charset="-122"/>
+              <a:cs typeface="微软雅黑" panose="020B0503020204020204" charset="-122"/>
             </a:endParaRPr>
           </a:p>
           <a:p>
             <a:pPr algn="l"/>
             <a:endParaRPr lang="zh-CN" altLang="en-US">
-              <a:latin typeface="微软雅黑" charset="0"/>
-              <a:ea typeface="微软雅黑" charset="0"/>
-              <a:cs typeface="微软雅黑" charset="0"/>
+              <a:latin typeface="微软雅黑" panose="020B0503020204020204" charset="-122"/>
+              <a:ea typeface="微软雅黑" panose="020B0503020204020204" charset="-122"/>
+              <a:cs typeface="微软雅黑" panose="020B0503020204020204" charset="-122"/>
             </a:endParaRPr>
           </a:p>
           <a:p>
             <a:pPr algn="l"/>
             <a:r>
               <a:rPr lang="zh-CN" altLang="en-US">
-                <a:latin typeface="微软雅黑" charset="0"/>
-                <a:ea typeface="微软雅黑" charset="0"/>
-                <a:cs typeface="微软雅黑" charset="0"/>
+                <a:latin typeface="微软雅黑" panose="020B0503020204020204" charset="-122"/>
+                <a:ea typeface="微软雅黑" panose="020B0503020204020204" charset="-122"/>
+                <a:cs typeface="微软雅黑" panose="020B0503020204020204" charset="-122"/>
               </a:rPr>
               <a:t>例如：文件处理程序、网络爬虫程序、读写数据库程序</a:t>
             </a:r>
             <a:endParaRPr lang="zh-CN" altLang="en-US">
-              <a:latin typeface="微软雅黑" charset="0"/>
-              <a:ea typeface="微软雅黑" charset="0"/>
-              <a:cs typeface="微软雅黑" charset="0"/>
+              <a:latin typeface="微软雅黑" panose="020B0503020204020204" charset="-122"/>
+              <a:ea typeface="微软雅黑" panose="020B0503020204020204" charset="-122"/>
+              <a:cs typeface="微软雅黑" panose="020B0503020204020204" charset="-122"/>
             </a:endParaRPr>
           </a:p>
         </p:txBody>
@@ -34743,6 +36102,12 @@
 </file>
 
 <file path=ppt/tags/tag13.xml><?xml version="1.0" encoding="utf-8"?>
+<p:tagLst xmlns:p="http://schemas.openxmlformats.org/presentationml/2006/main">
+  <p:tag name="KSO_WM_SLIDE_MODEL_TYPE" val="cover"/>
+</p:tagLst>
+</file>
+
+<file path=ppt/tags/tag14.xml><?xml version="1.0" encoding="utf-8"?>
 <p:tagLst xmlns:p="http://schemas.openxmlformats.org/presentationml/2006/main">
   <p:tag name="KSO_WM_SLIDE_MODEL_TYPE" val="cover"/>
 </p:tagLst>

--- a/Python并发编程简介.pptx
+++ b/Python并发编程简介.pptx
@@ -58,8 +58,7 @@
     <p:sldId id="322" r:id="rId51"/>
     <p:sldId id="323" r:id="rId52"/>
     <p:sldId id="324" r:id="rId53"/>
-    <p:sldId id="325" r:id="rId54"/>
-    <p:sldId id="326" r:id="rId55"/>
+    <p:sldId id="326" r:id="rId54"/>
   </p:sldIdLst>
   <p:sldSz cx="12192000" cy="6858000"/>
   <p:notesSz cx="7103745" cy="10234295"/>
@@ -33813,7 +33812,7 @@
         <p:spPr>
           <a:xfrm>
             <a:off x="904240" y="496570"/>
-            <a:ext cx="3963670" cy="737235"/>
+            <a:ext cx="3252470" cy="737235"/>
           </a:xfrm>
           <a:prstGeom prst="rect">
             <a:avLst/>
@@ -33852,7 +33851,7 @@
                 <a:ea typeface="微软雅黑" panose="020B0503020204020204" charset="-122"/>
                 <a:cs typeface="微软雅黑" panose="020B0503020204020204" charset="-122"/>
               </a:rPr>
-              <a:t>的方法使用</a:t>
+              <a:t>的实例</a:t>
             </a:r>
             <a:endParaRPr lang="zh-CN" altLang="en-US" sz="2800" b="1">
               <a:solidFill>
@@ -33873,7 +33872,7 @@
         </p:nvSpPr>
         <p:spPr>
           <a:xfrm>
-            <a:off x="966470" y="2528570"/>
+            <a:off x="965200" y="1706880"/>
             <a:ext cx="9846945" cy="1967230"/>
           </a:xfrm>
           <a:prstGeom prst="rect">
@@ -33890,20 +33889,18 @@
             <a:noAutofit/>
           </a:bodyPr>
           <a:p>
-            <a:pPr>
+            <a:pPr marL="285750" indent="-285750">
               <a:lnSpc>
                 <a:spcPct val="150000"/>
               </a:lnSpc>
+              <a:buFont typeface="Arial" panose="020B0604020202020204" pitchFamily="34" charset="0"/>
+              <a:buChar char="•"/>
             </a:pPr>
             <a:r>
-              <a:rPr lang="en-US" altLang="zh-CN" sz="1600"/>
-              <a:t># </a:t>
-            </a:r>
-            <a:r>
-              <a:rPr lang="zh-CN" altLang="en-US" sz="1600"/>
-              <a:t>用默认的应用程序打开文件</a:t>
-            </a:r>
-            <a:endParaRPr lang="zh-CN" altLang="en-US" sz="1600"/>
+              <a:rPr lang="zh-CN" altLang="en-US" sz="1600" b="1"/>
+              <a:t>用默认的应用程序打开歌曲文件</a:t>
+            </a:r>
+            <a:endParaRPr lang="zh-CN" altLang="en-US" sz="1600" b="1"/>
           </a:p>
           <a:p>
             <a:pPr>
@@ -34061,393 +34058,8 @@
         </p:nvSpPr>
         <p:spPr>
           <a:xfrm>
-            <a:off x="965200" y="4737735"/>
-            <a:ext cx="9848215" cy="1397000"/>
-          </a:xfrm>
-          <a:prstGeom prst="rect">
-            <a:avLst/>
-          </a:prstGeom>
-          <a:solidFill>
-            <a:schemeClr val="bg1">
-              <a:lumMod val="95000"/>
-            </a:schemeClr>
-          </a:solidFill>
-        </p:spPr>
-        <p:txBody>
-          <a:bodyPr wrap="square" rtlCol="0" anchor="ctr" anchorCtr="0">
-            <a:noAutofit/>
-          </a:bodyPr>
-          <a:p>
-            <a:pPr lvl="0" algn="l">
-              <a:lnSpc>
-                <a:spcPct val="150000"/>
-              </a:lnSpc>
-              <a:buClrTx/>
-              <a:buSzTx/>
-              <a:buFontTx/>
-            </a:pPr>
-            <a:r>
-              <a:rPr lang="en-US" altLang="zh-CN" sz="1600">
-                <a:sym typeface="+mn-ea"/>
-              </a:rPr>
-              <a:t># </a:t>
-            </a:r>
-            <a:r>
-              <a:rPr lang="zh-CN" altLang="en-US" sz="1600">
-                <a:sym typeface="+mn-ea"/>
-              </a:rPr>
-              <a:t>用</a:t>
-            </a:r>
-            <a:r>
-              <a:rPr lang="en-US" altLang="zh-CN" sz="1600">
-                <a:sym typeface="+mn-ea"/>
-              </a:rPr>
-              <a:t>7z.exe</a:t>
-            </a:r>
-            <a:r>
-              <a:rPr lang="zh-CN" altLang="en-US" sz="1600">
-                <a:sym typeface="+mn-ea"/>
-              </a:rPr>
-              <a:t>解压</a:t>
-            </a:r>
-            <a:r>
-              <a:rPr lang="en-US" altLang="zh-CN" sz="1600">
-                <a:sym typeface="+mn-ea"/>
-              </a:rPr>
-              <a:t>7z</a:t>
-            </a:r>
-            <a:r>
-              <a:rPr lang="zh-CN" altLang="en-US" sz="1600">
-                <a:sym typeface="+mn-ea"/>
-              </a:rPr>
-              <a:t>压缩文件</a:t>
-            </a:r>
-            <a:endParaRPr lang="en-US" altLang="zh-CN" sz="1600">
-              <a:sym typeface="+mn-ea"/>
-            </a:endParaRPr>
-          </a:p>
-          <a:p>
-            <a:pPr lvl="0" algn="l">
-              <a:lnSpc>
-                <a:spcPct val="150000"/>
-              </a:lnSpc>
-              <a:buClrTx/>
-              <a:buSzTx/>
-              <a:buFontTx/>
-            </a:pPr>
-            <a:r>
-              <a:rPr lang="en-US" altLang="zh-CN" sz="1600">
-                <a:sym typeface="+mn-ea"/>
-              </a:rPr>
-              <a:t>proc = subprocess.Popen([r"C:\Windows\notepad.exe", "02.data.txt"], shell=True)</a:t>
-            </a:r>
-            <a:endParaRPr lang="en-US" altLang="zh-CN" sz="1600">
-              <a:sym typeface="+mn-ea"/>
-            </a:endParaRPr>
-          </a:p>
-          <a:p>
-            <a:pPr lvl="0" algn="l">
-              <a:lnSpc>
-                <a:spcPct val="150000"/>
-              </a:lnSpc>
-              <a:buClrTx/>
-              <a:buSzTx/>
-              <a:buFontTx/>
-            </a:pPr>
-            <a:r>
-              <a:rPr lang="en-US" altLang="zh-CN" sz="1600">
-                <a:sym typeface="+mn-ea"/>
-              </a:rPr>
-              <a:t>proc.communicate()</a:t>
-            </a:r>
-            <a:endParaRPr lang="en-US" altLang="zh-CN" sz="1600">
-              <a:sym typeface="+mn-ea"/>
-            </a:endParaRPr>
-          </a:p>
-        </p:txBody>
-      </p:sp>
-    </p:spTree>
-  </p:cSld>
-  <p:clrMapOvr>
-    <a:masterClrMapping/>
-  </p:clrMapOvr>
-  <p:timing>
-    <p:tnLst>
-      <p:par>
-        <p:cTn id="1" dur="indefinite" restart="never" nodeType="tmRoot"/>
-      </p:par>
-    </p:tnLst>
-  </p:timing>
-</p:sld>
-</file>
-
-<file path=ppt/slides/slide52.xml><?xml version="1.0" encoding="utf-8"?>
-<p:sld xmlns:a="http://schemas.openxmlformats.org/drawingml/2006/main" xmlns:r="http://schemas.openxmlformats.org/officeDocument/2006/relationships" xmlns:p="http://schemas.openxmlformats.org/presentationml/2006/main">
-  <p:cSld>
-    <p:spTree>
-      <p:nvGrpSpPr>
-        <p:cNvPr id="1" name=""/>
-        <p:cNvGrpSpPr/>
-        <p:nvPr/>
-      </p:nvGrpSpPr>
-      <p:grpSpPr/>
-      <p:sp>
-        <p:nvSpPr>
-          <p:cNvPr id="13" name="文本框 12"/>
-          <p:cNvSpPr txBox="1"/>
-          <p:nvPr/>
-        </p:nvSpPr>
-        <p:spPr>
-          <a:xfrm>
-            <a:off x="904240" y="496570"/>
-            <a:ext cx="3252470" cy="737235"/>
-          </a:xfrm>
-          <a:prstGeom prst="rect">
-            <a:avLst/>
-          </a:prstGeom>
-          <a:noFill/>
-        </p:spPr>
-        <p:txBody>
-          <a:bodyPr wrap="none" rtlCol="0">
-            <a:spAutoFit/>
-          </a:bodyPr>
-          <a:p>
-            <a:pPr indent="0" algn="l">
-              <a:lnSpc>
-                <a:spcPct val="150000"/>
-              </a:lnSpc>
-              <a:buFont typeface="Arial" panose="020B0604020202020204" pitchFamily="34" charset="0"/>
-              <a:buNone/>
-            </a:pPr>
-            <a:r>
-              <a:rPr lang="en-US" altLang="zh-CN" sz="2800" b="1">
-                <a:solidFill>
-                  <a:schemeClr val="accent1"/>
-                </a:solidFill>
-                <a:latin typeface="微软雅黑" panose="020B0503020204020204" charset="-122"/>
-                <a:ea typeface="微软雅黑" panose="020B0503020204020204" charset="-122"/>
-                <a:cs typeface="微软雅黑" panose="020B0503020204020204" charset="-122"/>
-              </a:rPr>
-              <a:t>subprocess</a:t>
-            </a:r>
-            <a:r>
-              <a:rPr lang="zh-CN" altLang="en-US" sz="2800" b="1">
-                <a:solidFill>
-                  <a:schemeClr val="accent1"/>
-                </a:solidFill>
-                <a:latin typeface="微软雅黑" panose="020B0503020204020204" charset="-122"/>
-                <a:ea typeface="微软雅黑" panose="020B0503020204020204" charset="-122"/>
-                <a:cs typeface="微软雅黑" panose="020B0503020204020204" charset="-122"/>
-              </a:rPr>
-              <a:t>的实例</a:t>
-            </a:r>
-            <a:endParaRPr lang="zh-CN" altLang="en-US" sz="2800" b="1">
-              <a:solidFill>
-                <a:schemeClr val="accent1"/>
-              </a:solidFill>
-              <a:latin typeface="微软雅黑" panose="020B0503020204020204" charset="-122"/>
-              <a:ea typeface="微软雅黑" panose="020B0503020204020204" charset="-122"/>
-              <a:cs typeface="微软雅黑" panose="020B0503020204020204" charset="-122"/>
-            </a:endParaRPr>
-          </a:p>
-        </p:txBody>
-      </p:sp>
-      <p:sp>
-        <p:nvSpPr>
-          <p:cNvPr id="7" name="文本框 6"/>
-          <p:cNvSpPr txBox="1"/>
-          <p:nvPr/>
-        </p:nvSpPr>
-        <p:spPr>
-          <a:xfrm>
-            <a:off x="965200" y="1366520"/>
-            <a:ext cx="9846945" cy="1967230"/>
-          </a:xfrm>
-          <a:prstGeom prst="rect">
-            <a:avLst/>
-          </a:prstGeom>
-          <a:solidFill>
-            <a:schemeClr val="bg1">
-              <a:lumMod val="95000"/>
-            </a:schemeClr>
-          </a:solidFill>
-        </p:spPr>
-        <p:txBody>
-          <a:bodyPr wrap="square" rtlCol="0" anchor="ctr" anchorCtr="0">
-            <a:noAutofit/>
-          </a:bodyPr>
-          <a:p>
-            <a:pPr marL="285750" indent="-285750">
-              <a:lnSpc>
-                <a:spcPct val="150000"/>
-              </a:lnSpc>
-              <a:buFont typeface="Arial" panose="020B0604020202020204" pitchFamily="34" charset="0"/>
-              <a:buChar char="•"/>
-            </a:pPr>
-            <a:r>
-              <a:rPr lang="zh-CN" altLang="en-US" sz="1600" b="1"/>
-              <a:t>用默认的应用程序打开歌曲文件</a:t>
-            </a:r>
-            <a:endParaRPr lang="zh-CN" altLang="en-US" sz="1600" b="1"/>
-          </a:p>
-          <a:p>
-            <a:pPr>
-              <a:lnSpc>
-                <a:spcPct val="150000"/>
-              </a:lnSpc>
-            </a:pPr>
-            <a:r>
-              <a:rPr lang="en-US" altLang="zh-CN" sz="1600"/>
-              <a:t># </a:t>
-            </a:r>
-            <a:r>
-              <a:rPr lang="zh-CN" altLang="en-US" sz="1600"/>
-              <a:t>注：</a:t>
-            </a:r>
-            <a:r>
-              <a:rPr lang="en-US" altLang="zh-CN" sz="1600">
-                <a:sym typeface="+mn-ea"/>
-              </a:rPr>
-              <a:t>windows</a:t>
-            </a:r>
-            <a:r>
-              <a:rPr lang="zh-CN" altLang="en-US" sz="1600">
-                <a:sym typeface="+mn-ea"/>
-              </a:rPr>
-              <a:t>下是</a:t>
-            </a:r>
-            <a:r>
-              <a:rPr lang="en-US" altLang="zh-CN" sz="1600">
-                <a:sym typeface="+mn-ea"/>
-              </a:rPr>
-              <a:t>start</a:t>
-            </a:r>
-            <a:r>
-              <a:rPr lang="zh-CN" altLang="en-US" sz="1600">
-                <a:sym typeface="+mn-ea"/>
-              </a:rPr>
-              <a:t>、</a:t>
-            </a:r>
-            <a:r>
-              <a:rPr lang="en-US" altLang="zh-CN" sz="1600">
-                <a:sym typeface="+mn-ea"/>
-              </a:rPr>
-              <a:t>mac</a:t>
-            </a:r>
-            <a:r>
-              <a:rPr lang="zh-CN" altLang="en-US" sz="1600">
-                <a:sym typeface="+mn-ea"/>
-              </a:rPr>
-              <a:t>下是</a:t>
-            </a:r>
-            <a:r>
-              <a:rPr lang="en-US" altLang="zh-CN" sz="1600">
-                <a:sym typeface="+mn-ea"/>
-              </a:rPr>
-              <a:t>open</a:t>
-            </a:r>
-            <a:r>
-              <a:rPr lang="zh-CN" altLang="en-US" sz="1600">
-                <a:sym typeface="+mn-ea"/>
-              </a:rPr>
-              <a:t>、</a:t>
-            </a:r>
-            <a:r>
-              <a:rPr lang="en-US" altLang="zh-CN" sz="1600">
-                <a:sym typeface="+mn-ea"/>
-              </a:rPr>
-              <a:t>Linux</a:t>
-            </a:r>
-            <a:r>
-              <a:rPr lang="zh-CN" altLang="en-US" sz="1600">
-                <a:sym typeface="+mn-ea"/>
-              </a:rPr>
-              <a:t>是</a:t>
-            </a:r>
-            <a:r>
-              <a:rPr lang="en-US" altLang="zh-CN" sz="1600">
-                <a:sym typeface="+mn-ea"/>
-              </a:rPr>
-              <a:t>see</a:t>
-            </a:r>
-            <a:endParaRPr lang="en-US" altLang="zh-CN" sz="1600">
-              <a:sym typeface="+mn-ea"/>
-            </a:endParaRPr>
-          </a:p>
-          <a:p>
-            <a:pPr>
-              <a:lnSpc>
-                <a:spcPct val="150000"/>
-              </a:lnSpc>
-            </a:pPr>
-            <a:r>
-              <a:rPr lang="en-US" altLang="zh-CN" sz="1600">
-                <a:sym typeface="+mn-ea"/>
-              </a:rPr>
-              <a:t># windows </a:t>
-            </a:r>
-            <a:r>
-              <a:rPr lang="zh-CN" altLang="en-US" sz="1600">
-                <a:sym typeface="+mn-ea"/>
-              </a:rPr>
-              <a:t>环境需要加 </a:t>
-            </a:r>
-            <a:r>
-              <a:rPr lang="en-US" altLang="zh-CN" sz="1600">
-                <a:sym typeface="+mn-ea"/>
-              </a:rPr>
-              <a:t>shell = True</a:t>
-            </a:r>
-            <a:endParaRPr lang="zh-CN" altLang="en-US" sz="1600"/>
-          </a:p>
-          <a:p>
-            <a:pPr>
-              <a:lnSpc>
-                <a:spcPct val="150000"/>
-              </a:lnSpc>
-            </a:pPr>
-            <a:r>
-              <a:rPr lang="en-US" altLang="zh-CN" sz="1600"/>
-              <a:t>proc = subprocess.Popen(['start', '</a:t>
-            </a:r>
-            <a:r>
-              <a:rPr lang="zh-CN" altLang="en-US" sz="1600"/>
-              <a:t>余生一个浪</a:t>
-            </a:r>
-            <a:r>
-              <a:rPr lang="en-US" altLang="zh-CN" sz="1600"/>
-              <a:t>.mp3</a:t>
-            </a:r>
-            <a:r>
-              <a:rPr lang="en-US" altLang="zh-CN" sz="1600"/>
-              <a:t>'], shell=True)</a:t>
-            </a:r>
-            <a:endParaRPr lang="en-US" altLang="zh-CN" sz="1600"/>
-          </a:p>
-          <a:p>
-            <a:pPr>
-              <a:lnSpc>
-                <a:spcPct val="150000"/>
-              </a:lnSpc>
-            </a:pPr>
-            <a:r>
-              <a:rPr lang="en-US" altLang="zh-CN" sz="1600"/>
-              <a:t>proc.communicate()</a:t>
-            </a:r>
-            <a:endParaRPr lang="zh-CN" altLang="en-US" sz="1600"/>
-          </a:p>
-        </p:txBody>
-      </p:sp>
-      <p:sp>
-        <p:nvSpPr>
-          <p:cNvPr id="2" name="文本框 1"/>
-          <p:cNvSpPr txBox="1"/>
-          <p:nvPr/>
-        </p:nvSpPr>
-        <p:spPr>
-          <a:xfrm>
-            <a:off x="965200" y="4147185"/>
-            <a:ext cx="9848215" cy="2482215"/>
+            <a:off x="965200" y="4032885"/>
+            <a:ext cx="9848215" cy="1539875"/>
           </a:xfrm>
           <a:prstGeom prst="rect">
             <a:avLst/>

--- a/Python并发编程简介.pptx
+++ b/Python并发编程简介.pptx
@@ -3711,7 +3711,7 @@
         <a:spcBef>
           <a:spcPts val="1000"/>
         </a:spcBef>
-        <a:buFont typeface="Arial" panose="020B0604020202020204" pitchFamily="34" charset="0"/>
+        <a:buFont typeface="Arial" panose="020B0604020202090204" pitchFamily="34" charset="0"/>
         <a:buChar char="•"/>
         <a:defRPr sz="2800" kern="1200">
           <a:solidFill>
@@ -3729,7 +3729,7 @@
         <a:spcBef>
           <a:spcPts val="500"/>
         </a:spcBef>
-        <a:buFont typeface="Arial" panose="020B0604020202020204" pitchFamily="34" charset="0"/>
+        <a:buFont typeface="Arial" panose="020B0604020202090204" pitchFamily="34" charset="0"/>
         <a:buChar char="•"/>
         <a:defRPr sz="2400" kern="1200">
           <a:solidFill>
@@ -3747,7 +3747,7 @@
         <a:spcBef>
           <a:spcPts val="500"/>
         </a:spcBef>
-        <a:buFont typeface="Arial" panose="020B0604020202020204" pitchFamily="34" charset="0"/>
+        <a:buFont typeface="Arial" panose="020B0604020202090204" pitchFamily="34" charset="0"/>
         <a:buChar char="•"/>
         <a:defRPr sz="2000" kern="1200">
           <a:solidFill>
@@ -3765,7 +3765,7 @@
         <a:spcBef>
           <a:spcPts val="500"/>
         </a:spcBef>
-        <a:buFont typeface="Arial" panose="020B0604020202020204" pitchFamily="34" charset="0"/>
+        <a:buFont typeface="Arial" panose="020B0604020202090204" pitchFamily="34" charset="0"/>
         <a:buChar char="•"/>
         <a:defRPr sz="1800" kern="1200">
           <a:solidFill>
@@ -3783,7 +3783,7 @@
         <a:spcBef>
           <a:spcPts val="500"/>
         </a:spcBef>
-        <a:buFont typeface="Arial" panose="020B0604020202020204" pitchFamily="34" charset="0"/>
+        <a:buFont typeface="Arial" panose="020B0604020202090204" pitchFamily="34" charset="0"/>
         <a:buChar char="•"/>
         <a:defRPr sz="1800" kern="1200">
           <a:solidFill>
@@ -3801,7 +3801,7 @@
         <a:spcBef>
           <a:spcPts val="500"/>
         </a:spcBef>
-        <a:buFont typeface="Arial" panose="020B0604020202020204" pitchFamily="34" charset="0"/>
+        <a:buFont typeface="Arial" panose="020B0604020202090204" pitchFamily="34" charset="0"/>
         <a:buChar char="•"/>
         <a:defRPr sz="1800" kern="1200">
           <a:solidFill>
@@ -3819,7 +3819,7 @@
         <a:spcBef>
           <a:spcPts val="500"/>
         </a:spcBef>
-        <a:buFont typeface="Arial" panose="020B0604020202020204" pitchFamily="34" charset="0"/>
+        <a:buFont typeface="Arial" panose="020B0604020202090204" pitchFamily="34" charset="0"/>
         <a:buChar char="•"/>
         <a:defRPr sz="1800" kern="1200">
           <a:solidFill>
@@ -3837,7 +3837,7 @@
         <a:spcBef>
           <a:spcPts val="500"/>
         </a:spcBef>
-        <a:buFont typeface="Arial" panose="020B0604020202020204" pitchFamily="34" charset="0"/>
+        <a:buFont typeface="Arial" panose="020B0604020202090204" pitchFamily="34" charset="0"/>
         <a:buChar char="•"/>
         <a:defRPr sz="1800" kern="1200">
           <a:solidFill>
@@ -3855,7 +3855,7 @@
         <a:spcBef>
           <a:spcPts val="500"/>
         </a:spcBef>
-        <a:buFont typeface="Arial" panose="020B0604020202020204" pitchFamily="34" charset="0"/>
+        <a:buFont typeface="Arial" panose="020B0604020202090204" pitchFamily="34" charset="0"/>
         <a:buChar char="•"/>
         <a:defRPr sz="1800" kern="1200">
           <a:solidFill>
@@ -4137,7 +4137,7 @@
               <a:lnSpc>
                 <a:spcPct val="150000"/>
               </a:lnSpc>
-              <a:buFont typeface="Arial" panose="020B0604020202020204" pitchFamily="34" charset="0"/>
+              <a:buFont typeface="Arial" panose="020B0604020202090204" pitchFamily="34" charset="0"/>
               <a:buNone/>
             </a:pPr>
             <a:r>
@@ -4266,7 +4266,7 @@
           </a:p>
           <a:p>
             <a:pPr marL="285750" indent="-285750">
-              <a:buFont typeface="Arial" panose="020B0604020202020204" pitchFamily="34" charset="0"/>
+              <a:buFont typeface="Arial" panose="020B0604020202090204" pitchFamily="34" charset="0"/>
               <a:buChar char="•"/>
             </a:pPr>
             <a:r>
@@ -4304,7 +4304,7 @@
           </a:p>
           <a:p>
             <a:pPr marL="285750" indent="-285750">
-              <a:buFont typeface="Arial" panose="020B0604020202020204" pitchFamily="34" charset="0"/>
+              <a:buFont typeface="Arial" panose="020B0604020202090204" pitchFamily="34" charset="0"/>
               <a:buChar char="•"/>
             </a:pPr>
             <a:r>
@@ -4324,7 +4324,7 @@
           </a:p>
           <a:p>
             <a:pPr marL="285750" indent="-285750">
-              <a:buFont typeface="Arial" panose="020B0604020202020204" pitchFamily="34" charset="0"/>
+              <a:buFont typeface="Arial" panose="020B0604020202090204" pitchFamily="34" charset="0"/>
               <a:buChar char="•"/>
             </a:pPr>
             <a:r>
@@ -4447,7 +4447,7 @@
           </a:p>
           <a:p>
             <a:pPr marL="285750" indent="-285750">
-              <a:buFont typeface="Arial" panose="020B0604020202020204" pitchFamily="34" charset="0"/>
+              <a:buFont typeface="Arial" panose="020B0604020202090204" pitchFamily="34" charset="0"/>
               <a:buChar char="•"/>
             </a:pPr>
             <a:r>
@@ -4467,7 +4467,7 @@
           </a:p>
           <a:p>
             <a:pPr marL="285750" indent="-285750">
-              <a:buFont typeface="Arial" panose="020B0604020202020204" pitchFamily="34" charset="0"/>
+              <a:buFont typeface="Arial" panose="020B0604020202090204" pitchFamily="34" charset="0"/>
               <a:buChar char="•"/>
             </a:pPr>
             <a:r>
@@ -4488,7 +4488,7 @@
           </a:p>
           <a:p>
             <a:pPr marL="742950" lvl="1" indent="-285750">
-              <a:buFont typeface="Arial" panose="020B0604020202020204" pitchFamily="34" charset="0"/>
+              <a:buFont typeface="Arial" panose="020B0604020202090204" pitchFamily="34" charset="0"/>
               <a:buChar char="•"/>
             </a:pPr>
             <a:r>
@@ -4545,7 +4545,7 @@
           </a:p>
           <a:p>
             <a:pPr marL="742950" lvl="1" indent="-285750">
-              <a:buFont typeface="Arial" panose="020B0604020202020204" pitchFamily="34" charset="0"/>
+              <a:buFont typeface="Arial" panose="020B0604020202090204" pitchFamily="34" charset="0"/>
               <a:buChar char="•"/>
             </a:pPr>
             <a:r>
@@ -4565,7 +4565,7 @@
           </a:p>
           <a:p>
             <a:pPr marL="285750" indent="-285750">
-              <a:buFont typeface="Arial" panose="020B0604020202020204" pitchFamily="34" charset="0"/>
+              <a:buFont typeface="Arial" panose="020B0604020202090204" pitchFamily="34" charset="0"/>
               <a:buChar char="•"/>
             </a:pPr>
             <a:r>
@@ -4688,7 +4688,7 @@
           </a:p>
           <a:p>
             <a:pPr marL="285750" indent="-285750">
-              <a:buFont typeface="Arial" panose="020B0604020202020204" pitchFamily="34" charset="0"/>
+              <a:buFont typeface="Arial" panose="020B0604020202090204" pitchFamily="34" charset="0"/>
               <a:buChar char="•"/>
             </a:pPr>
             <a:r>
@@ -4708,7 +4708,7 @@
           </a:p>
           <a:p>
             <a:pPr marL="285750" indent="-285750">
-              <a:buFont typeface="Arial" panose="020B0604020202020204" pitchFamily="34" charset="0"/>
+              <a:buFont typeface="Arial" panose="020B0604020202090204" pitchFamily="34" charset="0"/>
               <a:buChar char="•"/>
             </a:pPr>
             <a:r>
@@ -4746,7 +4746,7 @@
           </a:p>
           <a:p>
             <a:pPr marL="285750" indent="-285750">
-              <a:buFont typeface="Arial" panose="020B0604020202020204" pitchFamily="34" charset="0"/>
+              <a:buFont typeface="Arial" panose="020B0604020202090204" pitchFamily="34" charset="0"/>
               <a:buChar char="•"/>
             </a:pPr>
             <a:r>
@@ -6249,7 +6249,7 @@
               <a:lnSpc>
                 <a:spcPct val="150000"/>
               </a:lnSpc>
-              <a:buFont typeface="Arial" panose="020B0604020202020204" pitchFamily="34" charset="0"/>
+              <a:buFont typeface="Arial" panose="020B0604020202090204" pitchFamily="34" charset="0"/>
             </a:pPr>
             <a:r>
               <a:rPr lang="en-US" altLang="zh-CN" sz="2800" b="1">
@@ -7981,7 +7981,7 @@
               <a:lnSpc>
                 <a:spcPct val="150000"/>
               </a:lnSpc>
-              <a:buFont typeface="Arial" panose="020B0604020202020204" pitchFamily="34" charset="0"/>
+              <a:buFont typeface="Arial" panose="020B0604020202090204" pitchFamily="34" charset="0"/>
               <a:buNone/>
             </a:pPr>
             <a:r>
@@ -8272,7 +8272,7 @@
               <a:lnSpc>
                 <a:spcPct val="150000"/>
               </a:lnSpc>
-              <a:buFont typeface="Arial" panose="020B0604020202020204" pitchFamily="34" charset="0"/>
+              <a:buFont typeface="Arial" panose="020B0604020202090204" pitchFamily="34" charset="0"/>
               <a:buNone/>
             </a:pPr>
             <a:r>
@@ -9083,7 +9083,7 @@
               <a:lnSpc>
                 <a:spcPct val="150000"/>
               </a:lnSpc>
-              <a:buFont typeface="Arial" panose="020B0604020202020204" pitchFamily="34" charset="0"/>
+              <a:buFont typeface="Arial" panose="020B0604020202090204" pitchFamily="34" charset="0"/>
               <a:buNone/>
             </a:pPr>
             <a:r>
@@ -9586,7 +9586,7 @@
               <a:lnSpc>
                 <a:spcPct val="150000"/>
               </a:lnSpc>
-              <a:buFont typeface="Arial" panose="020B0604020202020204" pitchFamily="34" charset="0"/>
+              <a:buFont typeface="Arial" panose="020B0604020202090204" pitchFamily="34" charset="0"/>
               <a:buNone/>
             </a:pPr>
             <a:r>
@@ -11402,7 +11402,7 @@
               <a:lnSpc>
                 <a:spcPct val="150000"/>
               </a:lnSpc>
-              <a:buFont typeface="Arial" panose="020B0604020202020204" pitchFamily="34" charset="0"/>
+              <a:buFont typeface="Arial" panose="020B0604020202090204" pitchFamily="34" charset="0"/>
               <a:buNone/>
             </a:pPr>
             <a:r>
@@ -12035,7 +12035,7 @@
               <a:lnSpc>
                 <a:spcPct val="150000"/>
               </a:lnSpc>
-              <a:buFont typeface="Arial" panose="020B0604020202020204" pitchFamily="34" charset="0"/>
+              <a:buFont typeface="Arial" panose="020B0604020202090204" pitchFamily="34" charset="0"/>
               <a:buNone/>
             </a:pPr>
             <a:r>
@@ -12225,7 +12225,7 @@
               <a:lnSpc>
                 <a:spcPct val="150000"/>
               </a:lnSpc>
-              <a:buFont typeface="Arial" panose="020B0604020202020204" pitchFamily="34" charset="0"/>
+              <a:buFont typeface="Arial" panose="020B0604020202090204" pitchFamily="34" charset="0"/>
               <a:buNone/>
             </a:pPr>
             <a:r>
@@ -12456,7 +12456,7 @@
               <a:lnSpc>
                 <a:spcPct val="150000"/>
               </a:lnSpc>
-              <a:buFont typeface="Arial" panose="020B0604020202020204" pitchFamily="34" charset="0"/>
+              <a:buFont typeface="Arial" panose="020B0604020202090204" pitchFamily="34" charset="0"/>
               <a:buNone/>
             </a:pPr>
             <a:r>
@@ -13311,7 +13311,7 @@
               <a:lnSpc>
                 <a:spcPct val="150000"/>
               </a:lnSpc>
-              <a:buFont typeface="Arial" panose="020B0604020202020204" pitchFamily="34" charset="0"/>
+              <a:buFont typeface="Arial" panose="020B0604020202090204" pitchFamily="34" charset="0"/>
               <a:buNone/>
             </a:pPr>
             <a:r>
@@ -13568,7 +13568,7 @@
               <a:lnSpc>
                 <a:spcPct val="150000"/>
               </a:lnSpc>
-              <a:buFont typeface="Arial" panose="020B0604020202020204" pitchFamily="34" charset="0"/>
+              <a:buFont typeface="Arial" panose="020B0604020202090204" pitchFamily="34" charset="0"/>
               <a:buNone/>
             </a:pPr>
             <a:r>
@@ -14633,7 +14633,7 @@
               <a:lnSpc>
                 <a:spcPct val="150000"/>
               </a:lnSpc>
-              <a:buFont typeface="Arial" panose="020B0604020202020204" pitchFamily="34" charset="0"/>
+              <a:buFont typeface="Arial" panose="020B0604020202090204" pitchFamily="34" charset="0"/>
               <a:buNone/>
             </a:pPr>
             <a:r>
@@ -15214,7 +15214,7 @@
               <a:lnSpc>
                 <a:spcPct val="150000"/>
               </a:lnSpc>
-              <a:buFont typeface="Arial" panose="020B0604020202020204" pitchFamily="34" charset="0"/>
+              <a:buFont typeface="Arial" panose="020B0604020202090204" pitchFamily="34" charset="0"/>
               <a:buNone/>
             </a:pPr>
             <a:r>
@@ -16477,7 +16477,7 @@
               <a:lnSpc>
                 <a:spcPct val="150000"/>
               </a:lnSpc>
-              <a:buFont typeface="Arial" panose="020B0604020202020204" pitchFamily="34" charset="0"/>
+              <a:buFont typeface="Arial" panose="020B0604020202090204" pitchFamily="34" charset="0"/>
               <a:buNone/>
             </a:pPr>
             <a:r>
@@ -16692,7 +16692,7 @@
               <a:lnSpc>
                 <a:spcPct val="150000"/>
               </a:lnSpc>
-              <a:buFont typeface="Arial" panose="020B0604020202020204" pitchFamily="34" charset="0"/>
+              <a:buFont typeface="Arial" panose="020B0604020202090204" pitchFamily="34" charset="0"/>
               <a:buNone/>
             </a:pPr>
             <a:r>
@@ -17739,7 +17739,7 @@
               <a:lnSpc>
                 <a:spcPct val="150000"/>
               </a:lnSpc>
-              <a:buFont typeface="Arial" panose="020B0604020202020204" pitchFamily="34" charset="0"/>
+              <a:buFont typeface="Arial" panose="020B0604020202090204" pitchFamily="34" charset="0"/>
               <a:buNone/>
             </a:pPr>
             <a:r>
@@ -17897,7 +17897,7 @@
               <a:lnSpc>
                 <a:spcPct val="150000"/>
               </a:lnSpc>
-              <a:buFont typeface="Arial" panose="020B0604020202020204" pitchFamily="34" charset="0"/>
+              <a:buFont typeface="Arial" panose="020B0604020202090204" pitchFamily="34" charset="0"/>
               <a:buChar char="•"/>
             </a:pPr>
             <a:r>
@@ -17915,7 +17915,7 @@
               <a:lnSpc>
                 <a:spcPct val="150000"/>
               </a:lnSpc>
-              <a:buFont typeface="Arial" panose="020B0604020202020204" pitchFamily="34" charset="0"/>
+              <a:buFont typeface="Arial" panose="020B0604020202090204" pitchFamily="34" charset="0"/>
               <a:buChar char="•"/>
             </a:pPr>
             <a:r>
@@ -18405,7 +18405,7 @@
               <a:lnSpc>
                 <a:spcPct val="150000"/>
               </a:lnSpc>
-              <a:buFont typeface="Arial" panose="020B0604020202020204" pitchFamily="34" charset="0"/>
+              <a:buFont typeface="Arial" panose="020B0604020202090204" pitchFamily="34" charset="0"/>
               <a:buNone/>
             </a:pPr>
             <a:r>
@@ -19097,7 +19097,7 @@
               <a:lnSpc>
                 <a:spcPct val="150000"/>
               </a:lnSpc>
-              <a:buFont typeface="Arial" panose="020B0604020202020204" pitchFamily="34" charset="0"/>
+              <a:buFont typeface="Arial" panose="020B0604020202090204" pitchFamily="34" charset="0"/>
               <a:buNone/>
             </a:pPr>
             <a:r>
@@ -19330,7 +19330,7 @@
               <a:lnSpc>
                 <a:spcPct val="150000"/>
               </a:lnSpc>
-              <a:buFont typeface="Arial" panose="020B0604020202020204" pitchFamily="34" charset="0"/>
+              <a:buFont typeface="Arial" panose="020B0604020202090204" pitchFamily="34" charset="0"/>
               <a:buNone/>
             </a:pPr>
             <a:r>
@@ -21057,7 +21057,7 @@
               <a:lnSpc>
                 <a:spcPct val="150000"/>
               </a:lnSpc>
-              <a:buFont typeface="Arial" panose="020B0604020202020204" pitchFamily="34" charset="0"/>
+              <a:buFont typeface="Arial" panose="020B0604020202090204" pitchFamily="34" charset="0"/>
               <a:buNone/>
             </a:pPr>
             <a:r>
@@ -21611,7 +21611,7 @@
               <a:lnSpc>
                 <a:spcPct val="150000"/>
               </a:lnSpc>
-              <a:buFont typeface="Arial" panose="020B0604020202020204" pitchFamily="34" charset="0"/>
+              <a:buFont typeface="Arial" panose="020B0604020202090204" pitchFamily="34" charset="0"/>
               <a:buNone/>
             </a:pPr>
             <a:r>
@@ -22421,7 +22421,7 @@
               <a:lnSpc>
                 <a:spcPct val="150000"/>
               </a:lnSpc>
-              <a:buFont typeface="Arial" panose="020B0604020202020204" pitchFamily="34" charset="0"/>
+              <a:buFont typeface="Arial" panose="020B0604020202090204" pitchFamily="34" charset="0"/>
               <a:buNone/>
             </a:pPr>
             <a:r>
@@ -22731,7 +22731,7 @@
               <a:lnSpc>
                 <a:spcPct val="150000"/>
               </a:lnSpc>
-              <a:buFont typeface="Arial" panose="020B0604020202020204" pitchFamily="34" charset="0"/>
+              <a:buFont typeface="Arial" panose="020B0604020202090204" pitchFamily="34" charset="0"/>
               <a:buNone/>
             </a:pPr>
             <a:r>
@@ -23807,7 +23807,7 @@
               <a:lnSpc>
                 <a:spcPct val="150000"/>
               </a:lnSpc>
-              <a:buFont typeface="Arial" panose="020B0604020202020204" pitchFamily="34" charset="0"/>
+              <a:buFont typeface="Arial" panose="020B0604020202090204" pitchFamily="34" charset="0"/>
               <a:buNone/>
             </a:pPr>
             <a:r>
@@ -23968,7 +23968,7 @@
               <a:lnSpc>
                 <a:spcPct val="150000"/>
               </a:lnSpc>
-              <a:buFont typeface="Arial" panose="020B0604020202020204" pitchFamily="34" charset="0"/>
+              <a:buFont typeface="Arial" panose="020B0604020202090204" pitchFamily="34" charset="0"/>
               <a:buNone/>
             </a:pPr>
             <a:r>
@@ -26758,7 +26758,7 @@
               <a:lnSpc>
                 <a:spcPct val="150000"/>
               </a:lnSpc>
-              <a:buFont typeface="Arial" panose="020B0604020202020204" pitchFamily="34" charset="0"/>
+              <a:buFont typeface="Arial" panose="020B0604020202090204" pitchFamily="34" charset="0"/>
               <a:buNone/>
             </a:pPr>
             <a:r>
@@ -27013,7 +27013,7 @@
               <a:lnSpc>
                 <a:spcPct val="150000"/>
               </a:lnSpc>
-              <a:buFont typeface="Arial" panose="020B0604020202020204" pitchFamily="34" charset="0"/>
+              <a:buFont typeface="Arial" panose="020B0604020202090204" pitchFamily="34" charset="0"/>
               <a:buNone/>
             </a:pPr>
             <a:r>
@@ -27444,7 +27444,7 @@
               <a:lnSpc>
                 <a:spcPct val="150000"/>
               </a:lnSpc>
-              <a:buFont typeface="Arial" panose="020B0604020202020204" pitchFamily="34" charset="0"/>
+              <a:buFont typeface="Arial" panose="020B0604020202090204" pitchFamily="34" charset="0"/>
               <a:buNone/>
             </a:pPr>
             <a:r>
@@ -28690,7 +28690,7 @@
               <a:lnSpc>
                 <a:spcPct val="150000"/>
               </a:lnSpc>
-              <a:buFont typeface="Arial" panose="020B0604020202020204" pitchFamily="34" charset="0"/>
+              <a:buFont typeface="Arial" panose="020B0604020202090204" pitchFamily="34" charset="0"/>
               <a:buNone/>
             </a:pPr>
             <a:r>
@@ -29313,7 +29313,7 @@
                 <a:lnSpc>
                   <a:spcPct val="150000"/>
                 </a:lnSpc>
-                <a:buFont typeface="Arial" panose="020B0604020202020204" pitchFamily="34" charset="0"/>
+                <a:buFont typeface="Arial" panose="020B0604020202090204" pitchFamily="34" charset="0"/>
                 <a:buNone/>
               </a:pPr>
               <a:r>
@@ -30306,7 +30306,7 @@
                 <a:lnSpc>
                   <a:spcPct val="150000"/>
                 </a:lnSpc>
-                <a:buFont typeface="Arial" panose="020B0604020202020204" pitchFamily="34" charset="0"/>
+                <a:buFont typeface="Arial" panose="020B0604020202090204" pitchFamily="34" charset="0"/>
                 <a:buNone/>
               </a:pPr>
               <a:r>
@@ -31819,7 +31819,7 @@
               <a:lnSpc>
                 <a:spcPct val="150000"/>
               </a:lnSpc>
-              <a:buFont typeface="Arial" panose="020B0604020202020204" pitchFamily="34" charset="0"/>
+              <a:buFont typeface="Arial" panose="020B0604020202090204" pitchFamily="34" charset="0"/>
               <a:buNone/>
             </a:pPr>
             <a:r>
@@ -32168,9 +32168,17 @@
   <p:cSld>
     <p:bg>
       <p:bgPr>
-        <a:solidFill>
-          <a:schemeClr val="bg1"/>
-        </a:solidFill>
+        <a:gradFill>
+          <a:gsLst>
+            <a:gs pos="0">
+              <a:srgbClr val="9EE256"/>
+            </a:gs>
+            <a:gs pos="100000">
+              <a:srgbClr val="52762D"/>
+            </a:gs>
+          </a:gsLst>
+          <a:lin ang="5400000" scaled="0"/>
+        </a:gradFill>
         <a:effectLst/>
       </p:bgPr>
     </p:bg>
@@ -32189,8 +32197,8 @@
         </p:nvSpPr>
         <p:spPr>
           <a:xfrm>
-            <a:off x="4297045" y="2136775"/>
-            <a:ext cx="6977380" cy="2584450"/>
+            <a:off x="4279265" y="2506980"/>
+            <a:ext cx="6977380" cy="1845310"/>
           </a:xfrm>
           <a:prstGeom prst="rect">
             <a:avLst/>
@@ -32266,33 +32274,8 @@
                 <a:cs typeface="微软雅黑" panose="020B0503020204020204" charset="-122"/>
                 <a:sym typeface="+mn-ea"/>
               </a:rPr>
-              <a:t>使用subprocess启动电脑任意程序</a:t>
-            </a:r>
-            <a:endParaRPr lang="zh-CN" altLang="en-US" sz="3200" b="1">
-              <a:solidFill>
-                <a:schemeClr val="tx1">
-                  <a:lumMod val="95000"/>
-                  <a:lumOff val="5000"/>
-                </a:schemeClr>
-              </a:solidFill>
-              <a:latin typeface="微软雅黑" panose="020B0503020204020204" charset="-122"/>
-              <a:ea typeface="微软雅黑" panose="020B0503020204020204" charset="-122"/>
-              <a:cs typeface="微软雅黑" panose="020B0503020204020204" charset="-122"/>
-              <a:sym typeface="+mn-ea"/>
-            </a:endParaRPr>
-          </a:p>
-          <a:p>
-            <a:pPr>
-              <a:lnSpc>
-                <a:spcPct val="150000"/>
-              </a:lnSpc>
-              <a:spcBef>
-                <a:spcPts val="0"/>
-              </a:spcBef>
-              <a:spcAft>
-                <a:spcPts val="0"/>
-              </a:spcAft>
-            </a:pPr>
+              <a:t>自动</a:t>
+            </a:r>
             <a:r>
               <a:rPr lang="zh-CN" altLang="en-US" sz="3200" b="1">
                 <a:solidFill>
@@ -32306,7 +32289,7 @@
                 <a:cs typeface="微软雅黑" panose="020B0503020204020204" charset="-122"/>
                 <a:sym typeface="+mn-ea"/>
               </a:rPr>
-              <a:t>听歌、解压缩、自动下载等等</a:t>
+              <a:t>听歌、解压缩、下载等等</a:t>
             </a:r>
             <a:endParaRPr lang="zh-CN" altLang="en-US" sz="3200" b="1">
               <a:solidFill>
@@ -32393,7 +32376,7 @@
               <a:lnSpc>
                 <a:spcPct val="150000"/>
               </a:lnSpc>
-              <a:buFont typeface="Arial" panose="020B0604020202020204" pitchFamily="34" charset="0"/>
+              <a:buFont typeface="Arial" panose="020B0604020202090204" pitchFamily="34" charset="0"/>
               <a:buNone/>
             </a:pPr>
             <a:r>
@@ -32445,7 +32428,7 @@
               <a:lnSpc>
                 <a:spcPct val="150000"/>
               </a:lnSpc>
-              <a:buFont typeface="Arial" panose="020B0604020202020204" pitchFamily="34" charset="0"/>
+              <a:buFont typeface="Arial" panose="020B0604020202090204" pitchFamily="34" charset="0"/>
               <a:buChar char="•"/>
             </a:pPr>
             <a:r>
@@ -32491,7 +32474,7 @@
               <a:lnSpc>
                 <a:spcPct val="150000"/>
               </a:lnSpc>
-              <a:buFont typeface="Arial" panose="020B0604020202020204" pitchFamily="34" charset="0"/>
+              <a:buFont typeface="Arial" panose="020B0604020202090204" pitchFamily="34" charset="0"/>
               <a:buChar char="•"/>
             </a:pPr>
             <a:r>
@@ -32513,7 +32496,7 @@
               <a:lnSpc>
                 <a:spcPct val="150000"/>
               </a:lnSpc>
-              <a:buFont typeface="Arial" panose="020B0604020202020204" pitchFamily="34" charset="0"/>
+              <a:buFont typeface="Arial" panose="020B0604020202090204" pitchFamily="34" charset="0"/>
               <a:buChar char="•"/>
             </a:pPr>
             <a:r>
@@ -32573,7 +32556,7 @@
               <a:lnSpc>
                 <a:spcPct val="150000"/>
               </a:lnSpc>
-              <a:buFont typeface="Arial" panose="020B0604020202020204" pitchFamily="34" charset="0"/>
+              <a:buFont typeface="Arial" panose="020B0604020202090204" pitchFamily="34" charset="0"/>
               <a:buChar char="•"/>
             </a:pPr>
             <a:r>
@@ -32587,7 +32570,7 @@
               <a:lnSpc>
                 <a:spcPct val="150000"/>
               </a:lnSpc>
-              <a:buFont typeface="Arial" panose="020B0604020202020204" pitchFamily="34" charset="0"/>
+              <a:buFont typeface="Arial" panose="020B0604020202090204" pitchFamily="34" charset="0"/>
               <a:buChar char="•"/>
             </a:pPr>
             <a:r>
@@ -32609,7 +32592,7 @@
               <a:lnSpc>
                 <a:spcPct val="150000"/>
               </a:lnSpc>
-              <a:buFont typeface="Arial" panose="020B0604020202020204" pitchFamily="34" charset="0"/>
+              <a:buFont typeface="Arial" panose="020B0604020202090204" pitchFamily="34" charset="0"/>
               <a:buChar char="•"/>
             </a:pPr>
             <a:r>
@@ -32649,7 +32632,7 @@
               <a:lnSpc>
                 <a:spcPct val="150000"/>
               </a:lnSpc>
-              <a:buFont typeface="Arial" panose="020B0604020202020204" pitchFamily="34" charset="0"/>
+              <a:buFont typeface="Arial" panose="020B0604020202090204" pitchFamily="34" charset="0"/>
               <a:buChar char="•"/>
             </a:pPr>
             <a:r>
@@ -33454,7 +33437,7 @@
               <a:lnSpc>
                 <a:spcPct val="150000"/>
               </a:lnSpc>
-              <a:buFont typeface="Arial" panose="020B0604020202020204" pitchFamily="34" charset="0"/>
+              <a:buFont typeface="Arial" panose="020B0604020202090204" pitchFamily="34" charset="0"/>
               <a:buNone/>
             </a:pPr>
             <a:r>
@@ -33542,7 +33525,7 @@
               <a:lnSpc>
                 <a:spcPct val="150000"/>
               </a:lnSpc>
-              <a:buFont typeface="Arial" panose="020B0604020202020204" pitchFamily="34" charset="0"/>
+              <a:buFont typeface="Arial" panose="020B0604020202090204" pitchFamily="34" charset="0"/>
               <a:buChar char="•"/>
             </a:pPr>
             <a:r>
@@ -33556,7 +33539,7 @@
               <a:lnSpc>
                 <a:spcPct val="150000"/>
               </a:lnSpc>
-              <a:buFont typeface="Arial" panose="020B0604020202020204" pitchFamily="34" charset="0"/>
+              <a:buFont typeface="Arial" panose="020B0604020202090204" pitchFamily="34" charset="0"/>
               <a:buChar char="•"/>
             </a:pPr>
             <a:r>
@@ -33570,7 +33553,7 @@
               <a:lnSpc>
                 <a:spcPct val="150000"/>
               </a:lnSpc>
-              <a:buFont typeface="Arial" panose="020B0604020202020204" pitchFamily="34" charset="0"/>
+              <a:buFont typeface="Arial" panose="020B0604020202090204" pitchFamily="34" charset="0"/>
               <a:buChar char="•"/>
             </a:pPr>
             <a:r>
@@ -33630,7 +33613,7 @@
               <a:lnSpc>
                 <a:spcPct val="150000"/>
               </a:lnSpc>
-              <a:buFont typeface="Arial" panose="020B0604020202020204" pitchFamily="34" charset="0"/>
+              <a:buFont typeface="Arial" panose="020B0604020202090204" pitchFamily="34" charset="0"/>
               <a:buChar char="•"/>
             </a:pPr>
             <a:r>
@@ -33668,7 +33651,7 @@
               <a:lnSpc>
                 <a:spcPct val="150000"/>
               </a:lnSpc>
-              <a:buFont typeface="Arial" panose="020B0604020202020204" pitchFamily="34" charset="0"/>
+              <a:buFont typeface="Arial" panose="020B0604020202090204" pitchFamily="34" charset="0"/>
               <a:buChar char="•"/>
             </a:pPr>
             <a:r>
@@ -33722,7 +33705,7 @@
               <a:lnSpc>
                 <a:spcPct val="150000"/>
               </a:lnSpc>
-              <a:buFont typeface="Arial" panose="020B0604020202020204" pitchFamily="34" charset="0"/>
+              <a:buFont typeface="Arial" panose="020B0604020202090204" pitchFamily="34" charset="0"/>
               <a:buChar char="•"/>
             </a:pPr>
             <a:r>
@@ -33828,7 +33811,7 @@
               <a:lnSpc>
                 <a:spcPct val="150000"/>
               </a:lnSpc>
-              <a:buFont typeface="Arial" panose="020B0604020202020204" pitchFamily="34" charset="0"/>
+              <a:buFont typeface="Arial" panose="020B0604020202090204" pitchFamily="34" charset="0"/>
               <a:buNone/>
             </a:pPr>
             <a:r>
@@ -33893,7 +33876,7 @@
               <a:lnSpc>
                 <a:spcPct val="150000"/>
               </a:lnSpc>
-              <a:buFont typeface="Arial" panose="020B0604020202020204" pitchFamily="34" charset="0"/>
+              <a:buFont typeface="Arial" panose="020B0604020202090204" pitchFamily="34" charset="0"/>
               <a:buChar char="•"/>
             </a:pPr>
             <a:r>
@@ -34028,11 +34011,7 @@
             </a:r>
             <a:r>
               <a:rPr lang="en-US" altLang="zh-CN" sz="1600"/>
-              <a:t>.mp3</a:t>
-            </a:r>
-            <a:r>
-              <a:rPr lang="en-US" altLang="zh-CN" sz="1600"/>
-              <a:t>'], shell=True)</a:t>
+              <a:t>.mp3'], shell=True)</a:t>
             </a:r>
             <a:endParaRPr lang="en-US" altLang="zh-CN" sz="1600"/>
           </a:p>
@@ -34081,7 +34060,7 @@
               </a:lnSpc>
               <a:buClrTx/>
               <a:buSzTx/>
-              <a:buFont typeface="Arial" panose="020B0604020202020204" pitchFamily="34" charset="0"/>
+              <a:buFont typeface="Arial" panose="020B0604020202090204" pitchFamily="34" charset="0"/>
               <a:buChar char="•"/>
             </a:pPr>
             <a:r>
@@ -34660,7 +34639,7 @@
               <a:lnSpc>
                 <a:spcPct val="150000"/>
               </a:lnSpc>
-              <a:buFont typeface="Arial" panose="020B0604020202020204" pitchFamily="34" charset="0"/>
+              <a:buFont typeface="Arial" panose="020B0604020202090204" pitchFamily="34" charset="0"/>
               <a:buNone/>
             </a:pPr>
             <a:r>
@@ -34866,7 +34845,7 @@
               <a:lnSpc>
                 <a:spcPct val="150000"/>
               </a:lnSpc>
-              <a:buFont typeface="Arial" panose="020B0604020202020204" pitchFamily="34" charset="0"/>
+              <a:buFont typeface="Arial" panose="020B0604020202090204" pitchFamily="34" charset="0"/>
               <a:buNone/>
             </a:pPr>
             <a:r>

--- a/Python并发编程简介.pptx
+++ b/Python并发编程简介.pptx
@@ -59,6 +59,8 @@
     <p:sldId id="323" r:id="rId52"/>
     <p:sldId id="324" r:id="rId53"/>
     <p:sldId id="326" r:id="rId54"/>
+    <p:sldId id="327" r:id="rId55"/>
+    <p:sldId id="328" r:id="rId56"/>
   </p:sldIdLst>
   <p:sldSz cx="12192000" cy="6858000"/>
   <p:notesSz cx="7103745" cy="10234295"/>
@@ -34171,6 +34173,652 @@
 </p:sld>
 </file>
 
+<file path=ppt/slides/slide52.xml><?xml version="1.0" encoding="utf-8"?>
+<p:sld xmlns:a="http://schemas.openxmlformats.org/drawingml/2006/main" xmlns:r="http://schemas.openxmlformats.org/officeDocument/2006/relationships" xmlns:p="http://schemas.openxmlformats.org/presentationml/2006/main">
+  <p:cSld>
+    <p:bg>
+      <p:bgPr>
+        <a:gradFill>
+          <a:gsLst>
+            <a:gs pos="0">
+              <a:srgbClr val="012D86"/>
+            </a:gs>
+            <a:gs pos="100000">
+              <a:srgbClr val="0E2557"/>
+            </a:gs>
+          </a:gsLst>
+          <a:lin ang="5400000" scaled="0"/>
+        </a:gradFill>
+        <a:effectLst/>
+      </p:bgPr>
+    </p:bg>
+    <p:spTree>
+      <p:nvGrpSpPr>
+        <p:cNvPr id="1" name=""/>
+        <p:cNvGrpSpPr/>
+        <p:nvPr/>
+      </p:nvGrpSpPr>
+      <p:grpSpPr/>
+      <p:sp>
+        <p:nvSpPr>
+          <p:cNvPr id="2" name="标题 1"/>
+          <p:cNvSpPr>
+            <a:spLocks noGrp="1"/>
+          </p:cNvSpPr>
+          <p:nvPr>
+            <p:ph type="ctrTitle"/>
+          </p:nvPr>
+        </p:nvSpPr>
+        <p:spPr>
+          <a:xfrm>
+            <a:off x="4892675" y="2880995"/>
+            <a:ext cx="6174105" cy="2199640"/>
+          </a:xfrm>
+        </p:spPr>
+        <p:style>
+          <a:lnRef idx="2">
+            <a:schemeClr val="accent6">
+              <a:shade val="50000"/>
+            </a:schemeClr>
+          </a:lnRef>
+          <a:fillRef idx="1">
+            <a:schemeClr val="accent6"/>
+          </a:fillRef>
+          <a:effectRef idx="0">
+            <a:schemeClr val="accent6"/>
+          </a:effectRef>
+          <a:fontRef idx="minor">
+            <a:schemeClr val="lt1"/>
+          </a:fontRef>
+        </p:style>
+        <p:txBody>
+          <a:bodyPr anchor="ctr" anchorCtr="0">
+            <a:noAutofit/>
+          </a:bodyPr>
+          <a:p>
+            <a:pPr algn="l">
+              <a:lnSpc>
+                <a:spcPct val="130000"/>
+              </a:lnSpc>
+              <a:spcBef>
+                <a:spcPts val="0"/>
+              </a:spcBef>
+              <a:spcAft>
+                <a:spcPts val="0"/>
+              </a:spcAft>
+            </a:pPr>
+            <a:r>
+              <a:rPr lang="zh-CN" altLang="en-US" sz="4400" b="1">
+                <a:solidFill>
+                  <a:schemeClr val="bg1"/>
+                </a:solidFill>
+                <a:latin typeface="微软雅黑" panose="020B0503020204020204" charset="-122"/>
+                <a:ea typeface="微软雅黑" panose="020B0503020204020204" charset="-122"/>
+                <a:cs typeface="微软雅黑" panose="020B0503020204020204" charset="-122"/>
+              </a:rPr>
+              <a:t>在异步</a:t>
+            </a:r>
+            <a:r>
+              <a:rPr lang="en-US" altLang="zh-CN" sz="4400" b="1">
+                <a:solidFill>
+                  <a:schemeClr val="bg1"/>
+                </a:solidFill>
+                <a:latin typeface="微软雅黑" panose="020B0503020204020204" charset="-122"/>
+                <a:ea typeface="微软雅黑" panose="020B0503020204020204" charset="-122"/>
+                <a:cs typeface="微软雅黑" panose="020B0503020204020204" charset="-122"/>
+              </a:rPr>
+              <a:t>IO</a:t>
+            </a:r>
+            <a:r>
+              <a:rPr lang="zh-CN" altLang="en-US" sz="4400" b="1">
+                <a:solidFill>
+                  <a:schemeClr val="bg1"/>
+                </a:solidFill>
+                <a:latin typeface="微软雅黑" panose="020B0503020204020204" charset="-122"/>
+                <a:ea typeface="微软雅黑" panose="020B0503020204020204" charset="-122"/>
+                <a:cs typeface="微软雅黑" panose="020B0503020204020204" charset="-122"/>
+              </a:rPr>
+              <a:t>中使用信号量</a:t>
+            </a:r>
+            <a:br>
+              <a:rPr lang="zh-CN" altLang="en-US" sz="4400" b="1">
+                <a:solidFill>
+                  <a:schemeClr val="bg1"/>
+                </a:solidFill>
+                <a:latin typeface="微软雅黑" panose="020B0503020204020204" charset="-122"/>
+                <a:ea typeface="微软雅黑" panose="020B0503020204020204" charset="-122"/>
+                <a:cs typeface="微软雅黑" panose="020B0503020204020204" charset="-122"/>
+              </a:rPr>
+            </a:br>
+            <a:r>
+              <a:rPr lang="zh-CN" altLang="en-US" sz="4400" b="1">
+                <a:solidFill>
+                  <a:schemeClr val="bg1"/>
+                </a:solidFill>
+                <a:latin typeface="微软雅黑" panose="020B0503020204020204" charset="-122"/>
+                <a:ea typeface="微软雅黑" panose="020B0503020204020204" charset="-122"/>
+                <a:cs typeface="微软雅黑" panose="020B0503020204020204" charset="-122"/>
+              </a:rPr>
+              <a:t>控制爬虫并发度</a:t>
+            </a:r>
+            <a:endParaRPr lang="zh-CN" altLang="en-US" sz="4400" b="1">
+              <a:solidFill>
+                <a:schemeClr val="bg1"/>
+              </a:solidFill>
+              <a:latin typeface="微软雅黑" panose="020B0503020204020204" charset="-122"/>
+              <a:ea typeface="微软雅黑" panose="020B0503020204020204" charset="-122"/>
+              <a:cs typeface="微软雅黑" panose="020B0503020204020204" charset="-122"/>
+            </a:endParaRPr>
+          </a:p>
+        </p:txBody>
+      </p:sp>
+      <p:pic>
+        <p:nvPicPr>
+          <p:cNvPr id="5" name="图片 4" descr="kisspng-angle-text-symbol-brand-other-python-5ab0c09b9ea1a7.3286927515215330836498 (1)"/>
+          <p:cNvPicPr>
+            <a:picLocks noChangeAspect="1"/>
+          </p:cNvPicPr>
+          <p:nvPr/>
+        </p:nvPicPr>
+        <p:blipFill>
+          <a:blip r:embed="rId1"/>
+          <a:stretch>
+            <a:fillRect/>
+          </a:stretch>
+        </p:blipFill>
+        <p:spPr>
+          <a:xfrm>
+            <a:off x="288290" y="986790"/>
+            <a:ext cx="4884420" cy="4884420"/>
+          </a:xfrm>
+          <a:prstGeom prst="rect">
+            <a:avLst/>
+          </a:prstGeom>
+        </p:spPr>
+      </p:pic>
+      <p:sp>
+        <p:nvSpPr>
+          <p:cNvPr id="3" name="文本框 2"/>
+          <p:cNvSpPr txBox="1"/>
+          <p:nvPr/>
+        </p:nvSpPr>
+        <p:spPr>
+          <a:xfrm>
+            <a:off x="4831080" y="1866265"/>
+            <a:ext cx="6005195" cy="1014730"/>
+          </a:xfrm>
+          <a:prstGeom prst="rect">
+            <a:avLst/>
+          </a:prstGeom>
+          <a:noFill/>
+        </p:spPr>
+        <p:txBody>
+          <a:bodyPr wrap="none" rtlCol="0" anchor="t">
+            <a:spAutoFit/>
+          </a:bodyPr>
+          <a:p>
+            <a:r>
+              <a:rPr lang="en-US" sz="6000" b="1">
+                <a:solidFill>
+                  <a:schemeClr val="bg1"/>
+                </a:solidFill>
+                <a:latin typeface="微软雅黑" panose="020B0503020204020204" charset="-122"/>
+                <a:ea typeface="微软雅黑" panose="020B0503020204020204" charset="-122"/>
+                <a:cs typeface="微软雅黑" panose="020B0503020204020204" charset="-122"/>
+                <a:sym typeface="+mn-ea"/>
+              </a:rPr>
+              <a:t>Python</a:t>
+            </a:r>
+            <a:r>
+              <a:rPr lang="zh-CN" altLang="en-US" sz="6000" b="1">
+                <a:solidFill>
+                  <a:schemeClr val="bg1"/>
+                </a:solidFill>
+                <a:latin typeface="微软雅黑" panose="020B0503020204020204" charset="-122"/>
+                <a:ea typeface="微软雅黑" panose="020B0503020204020204" charset="-122"/>
+                <a:cs typeface="微软雅黑" panose="020B0503020204020204" charset="-122"/>
+                <a:sym typeface="+mn-ea"/>
+              </a:rPr>
+              <a:t> 并发编程</a:t>
+            </a:r>
+            <a:endParaRPr lang="zh-CN" altLang="en-US" sz="6000" b="1">
+              <a:solidFill>
+                <a:schemeClr val="bg1"/>
+              </a:solidFill>
+              <a:latin typeface="微软雅黑" panose="020B0503020204020204" charset="-122"/>
+              <a:ea typeface="微软雅黑" panose="020B0503020204020204" charset="-122"/>
+              <a:cs typeface="微软雅黑" panose="020B0503020204020204" charset="-122"/>
+              <a:sym typeface="+mn-ea"/>
+            </a:endParaRPr>
+          </a:p>
+        </p:txBody>
+      </p:sp>
+    </p:spTree>
+    <p:custDataLst>
+      <p:tags r:id="rId2"/>
+    </p:custDataLst>
+  </p:cSld>
+  <p:clrMapOvr>
+    <a:masterClrMapping/>
+  </p:clrMapOvr>
+</p:sld>
+</file>
+
+<file path=ppt/slides/slide53.xml><?xml version="1.0" encoding="utf-8"?>
+<p:sld xmlns:a="http://schemas.openxmlformats.org/drawingml/2006/main" xmlns:r="http://schemas.openxmlformats.org/officeDocument/2006/relationships" xmlns:p="http://schemas.openxmlformats.org/presentationml/2006/main">
+  <p:cSld>
+    <p:spTree>
+      <p:nvGrpSpPr>
+        <p:cNvPr id="1" name=""/>
+        <p:cNvGrpSpPr/>
+        <p:nvPr/>
+      </p:nvGrpSpPr>
+      <p:grpSpPr/>
+      <p:sp>
+        <p:nvSpPr>
+          <p:cNvPr id="13" name="文本框 12"/>
+          <p:cNvSpPr txBox="1"/>
+          <p:nvPr/>
+        </p:nvSpPr>
+        <p:spPr>
+          <a:xfrm>
+            <a:off x="904240" y="496570"/>
+            <a:ext cx="5001895" cy="737235"/>
+          </a:xfrm>
+          <a:prstGeom prst="rect">
+            <a:avLst/>
+          </a:prstGeom>
+          <a:noFill/>
+        </p:spPr>
+        <p:txBody>
+          <a:bodyPr wrap="none" rtlCol="0">
+            <a:spAutoFit/>
+          </a:bodyPr>
+          <a:p>
+            <a:pPr indent="0" algn="l">
+              <a:lnSpc>
+                <a:spcPct val="150000"/>
+              </a:lnSpc>
+              <a:buFont typeface="Arial" panose="020B0604020202090204" pitchFamily="34" charset="0"/>
+              <a:buNone/>
+            </a:pPr>
+            <a:r>
+              <a:rPr lang="zh-CN" altLang="en-US" sz="2800" b="1">
+                <a:solidFill>
+                  <a:schemeClr val="accent1"/>
+                </a:solidFill>
+                <a:latin typeface="微软雅黑" panose="020B0503020204020204" charset="-122"/>
+                <a:ea typeface="微软雅黑" panose="020B0503020204020204" charset="-122"/>
+                <a:cs typeface="微软雅黑" panose="020B0503020204020204" charset="-122"/>
+              </a:rPr>
+              <a:t>信号量（英语：Semaphore）</a:t>
+            </a:r>
+            <a:endParaRPr lang="zh-CN" altLang="en-US" sz="2800" b="1">
+              <a:solidFill>
+                <a:schemeClr val="accent1"/>
+              </a:solidFill>
+              <a:latin typeface="微软雅黑" panose="020B0503020204020204" charset="-122"/>
+              <a:ea typeface="微软雅黑" panose="020B0503020204020204" charset="-122"/>
+              <a:cs typeface="微软雅黑" panose="020B0503020204020204" charset="-122"/>
+            </a:endParaRPr>
+          </a:p>
+        </p:txBody>
+      </p:sp>
+      <p:sp>
+        <p:nvSpPr>
+          <p:cNvPr id="7" name="文本框 6"/>
+          <p:cNvSpPr txBox="1"/>
+          <p:nvPr/>
+        </p:nvSpPr>
+        <p:spPr>
+          <a:xfrm>
+            <a:off x="904240" y="1233805"/>
+            <a:ext cx="9846945" cy="2232660"/>
+          </a:xfrm>
+          <a:prstGeom prst="rect">
+            <a:avLst/>
+          </a:prstGeom>
+          <a:solidFill>
+            <a:schemeClr val="bg1">
+              <a:lumMod val="95000"/>
+            </a:schemeClr>
+          </a:solidFill>
+        </p:spPr>
+        <p:txBody>
+          <a:bodyPr wrap="square" rtlCol="0" anchor="ctr" anchorCtr="0">
+            <a:noAutofit/>
+          </a:bodyPr>
+          <a:p>
+            <a:pPr indent="0">
+              <a:lnSpc>
+                <a:spcPct val="150000"/>
+              </a:lnSpc>
+              <a:buFont typeface="Arial" panose="020B0604020202090204" pitchFamily="34" charset="0"/>
+              <a:buNone/>
+            </a:pPr>
+            <a:r>
+              <a:rPr lang="en-US" altLang="zh-CN" sz="1600"/>
+              <a:t>信号量（英语：Semaphore）又称为信号量、旗语</a:t>
+            </a:r>
+            <a:endParaRPr lang="en-US" altLang="zh-CN" sz="1600"/>
+          </a:p>
+          <a:p>
+            <a:pPr indent="0">
+              <a:lnSpc>
+                <a:spcPct val="150000"/>
+              </a:lnSpc>
+              <a:buFont typeface="Arial" panose="020B0604020202090204" pitchFamily="34" charset="0"/>
+              <a:buNone/>
+            </a:pPr>
+            <a:r>
+              <a:rPr lang="en-US" altLang="zh-CN" sz="1600"/>
+              <a:t>是一个同步对象，用于保持在0至指定最大值之间的一个计数值。</a:t>
+            </a:r>
+            <a:endParaRPr lang="en-US" altLang="zh-CN" sz="1600"/>
+          </a:p>
+          <a:p>
+            <a:pPr marL="285750" indent="-285750">
+              <a:lnSpc>
+                <a:spcPct val="150000"/>
+              </a:lnSpc>
+              <a:buFont typeface="Arial" panose="020B0604020202090204" pitchFamily="34" charset="0"/>
+              <a:buChar char="•"/>
+            </a:pPr>
+            <a:r>
+              <a:rPr lang="en-US" altLang="zh-CN" sz="1600"/>
+              <a:t>当线程完成一次对该semaphore对象的等待（wait）时，该计数值减一；</a:t>
+            </a:r>
+            <a:endParaRPr lang="en-US" altLang="zh-CN" sz="1600"/>
+          </a:p>
+          <a:p>
+            <a:pPr marL="285750" indent="-285750">
+              <a:lnSpc>
+                <a:spcPct val="150000"/>
+              </a:lnSpc>
+              <a:buFont typeface="Arial" panose="020B0604020202090204" pitchFamily="34" charset="0"/>
+              <a:buChar char="•"/>
+            </a:pPr>
+            <a:r>
+              <a:rPr lang="en-US" altLang="zh-CN" sz="1600"/>
+              <a:t>当线程完成一次对semaphore对象的释放（release）时，计数值加一。</a:t>
+            </a:r>
+            <a:endParaRPr lang="en-US" altLang="zh-CN" sz="1600"/>
+          </a:p>
+          <a:p>
+            <a:pPr marL="285750" indent="-285750">
+              <a:lnSpc>
+                <a:spcPct val="150000"/>
+              </a:lnSpc>
+              <a:buFont typeface="Arial" panose="020B0604020202090204" pitchFamily="34" charset="0"/>
+              <a:buChar char="•"/>
+            </a:pPr>
+            <a:r>
+              <a:rPr lang="en-US" altLang="zh-CN" sz="1600"/>
+              <a:t>当计数值为0，则线程等待该semaphore对象不再能成功直至该semaphore对象变成signaled状态</a:t>
+            </a:r>
+            <a:endParaRPr lang="en-US" altLang="zh-CN" sz="1600"/>
+          </a:p>
+          <a:p>
+            <a:pPr marL="285750" indent="-285750">
+              <a:lnSpc>
+                <a:spcPct val="150000"/>
+              </a:lnSpc>
+              <a:buFont typeface="Arial" panose="020B0604020202090204" pitchFamily="34" charset="0"/>
+              <a:buChar char="•"/>
+            </a:pPr>
+            <a:r>
+              <a:rPr lang="en-US" altLang="zh-CN" sz="1600"/>
+              <a:t>semaphore对象的计数值大于0，为signaled状态；计数值等于0，为nonsignaled状态.</a:t>
+            </a:r>
+            <a:endParaRPr lang="en-US" altLang="zh-CN" sz="1600"/>
+          </a:p>
+        </p:txBody>
+      </p:sp>
+      <p:sp>
+        <p:nvSpPr>
+          <p:cNvPr id="3" name="文本框 2"/>
+          <p:cNvSpPr txBox="1"/>
+          <p:nvPr/>
+        </p:nvSpPr>
+        <p:spPr>
+          <a:xfrm>
+            <a:off x="904240" y="3967480"/>
+            <a:ext cx="4291965" cy="2168525"/>
+          </a:xfrm>
+          <a:prstGeom prst="rect">
+            <a:avLst/>
+          </a:prstGeom>
+          <a:noFill/>
+        </p:spPr>
+        <p:txBody>
+          <a:bodyPr wrap="square" rtlCol="0" anchor="t">
+            <a:spAutoFit/>
+          </a:bodyPr>
+          <a:p>
+            <a:pPr>
+              <a:lnSpc>
+                <a:spcPct val="150000"/>
+              </a:lnSpc>
+            </a:pPr>
+            <a:r>
+              <a:rPr lang="zh-CN" altLang="en-US"/>
+              <a:t>sem = asyncio.Semaphore(10)</a:t>
+            </a:r>
+            <a:endParaRPr lang="zh-CN" altLang="en-US"/>
+          </a:p>
+          <a:p>
+            <a:pPr>
+              <a:lnSpc>
+                <a:spcPct val="150000"/>
+              </a:lnSpc>
+            </a:pPr>
+            <a:endParaRPr lang="zh-CN" altLang="en-US"/>
+          </a:p>
+          <a:p>
+            <a:pPr>
+              <a:lnSpc>
+                <a:spcPct val="150000"/>
+              </a:lnSpc>
+            </a:pPr>
+            <a:r>
+              <a:rPr lang="zh-CN" altLang="en-US"/>
+              <a:t># ... later</a:t>
+            </a:r>
+            <a:endParaRPr lang="zh-CN" altLang="en-US"/>
+          </a:p>
+          <a:p>
+            <a:pPr>
+              <a:lnSpc>
+                <a:spcPct val="150000"/>
+              </a:lnSpc>
+            </a:pPr>
+            <a:r>
+              <a:rPr lang="zh-CN" altLang="en-US"/>
+              <a:t>async with sem:</a:t>
+            </a:r>
+            <a:endParaRPr lang="zh-CN" altLang="en-US"/>
+          </a:p>
+          <a:p>
+            <a:pPr>
+              <a:lnSpc>
+                <a:spcPct val="150000"/>
+              </a:lnSpc>
+            </a:pPr>
+            <a:r>
+              <a:rPr lang="zh-CN" altLang="en-US"/>
+              <a:t>    # work with shared resource</a:t>
+            </a:r>
+            <a:endParaRPr lang="zh-CN" altLang="en-US"/>
+          </a:p>
+        </p:txBody>
+      </p:sp>
+      <p:sp>
+        <p:nvSpPr>
+          <p:cNvPr id="4" name="文本框 3"/>
+          <p:cNvSpPr txBox="1"/>
+          <p:nvPr/>
+        </p:nvSpPr>
+        <p:spPr>
+          <a:xfrm>
+            <a:off x="5728970" y="4102100"/>
+            <a:ext cx="5530850" cy="2306955"/>
+          </a:xfrm>
+          <a:prstGeom prst="rect">
+            <a:avLst/>
+          </a:prstGeom>
+          <a:noFill/>
+        </p:spPr>
+        <p:txBody>
+          <a:bodyPr wrap="square" rtlCol="0" anchor="t">
+            <a:spAutoFit/>
+          </a:bodyPr>
+          <a:p>
+            <a:r>
+              <a:rPr lang="zh-CN" altLang="en-US"/>
+              <a:t>sem = asyncio.Semaphore(10)</a:t>
+            </a:r>
+            <a:endParaRPr lang="zh-CN" altLang="en-US"/>
+          </a:p>
+          <a:p>
+            <a:endParaRPr lang="zh-CN" altLang="en-US"/>
+          </a:p>
+          <a:p>
+            <a:r>
+              <a:rPr lang="zh-CN" altLang="en-US"/>
+              <a:t># ... later</a:t>
+            </a:r>
+            <a:endParaRPr lang="zh-CN" altLang="en-US"/>
+          </a:p>
+          <a:p>
+            <a:r>
+              <a:rPr lang="zh-CN" altLang="en-US"/>
+              <a:t>await sem.acquire()</a:t>
+            </a:r>
+            <a:endParaRPr lang="zh-CN" altLang="en-US"/>
+          </a:p>
+          <a:p>
+            <a:r>
+              <a:rPr lang="zh-CN" altLang="en-US"/>
+              <a:t>try:</a:t>
+            </a:r>
+            <a:endParaRPr lang="zh-CN" altLang="en-US"/>
+          </a:p>
+          <a:p>
+            <a:r>
+              <a:rPr lang="zh-CN" altLang="en-US"/>
+              <a:t>    # work with shared resource</a:t>
+            </a:r>
+            <a:endParaRPr lang="zh-CN" altLang="en-US"/>
+          </a:p>
+          <a:p>
+            <a:r>
+              <a:rPr lang="zh-CN" altLang="en-US"/>
+              <a:t>finally:</a:t>
+            </a:r>
+            <a:endParaRPr lang="zh-CN" altLang="en-US"/>
+          </a:p>
+          <a:p>
+            <a:r>
+              <a:rPr lang="zh-CN" altLang="en-US"/>
+              <a:t>    sem.release()</a:t>
+            </a:r>
+            <a:endParaRPr lang="zh-CN" altLang="en-US"/>
+          </a:p>
+        </p:txBody>
+      </p:sp>
+      <p:sp>
+        <p:nvSpPr>
+          <p:cNvPr id="5" name="文本框 4"/>
+          <p:cNvSpPr txBox="1"/>
+          <p:nvPr/>
+        </p:nvSpPr>
+        <p:spPr>
+          <a:xfrm>
+            <a:off x="985520" y="3733800"/>
+            <a:ext cx="1471295" cy="368300"/>
+          </a:xfrm>
+          <a:prstGeom prst="rect">
+            <a:avLst/>
+          </a:prstGeom>
+          <a:solidFill>
+            <a:schemeClr val="accent2"/>
+          </a:solidFill>
+        </p:spPr>
+        <p:txBody>
+          <a:bodyPr wrap="none" rtlCol="0">
+            <a:spAutoFit/>
+          </a:bodyPr>
+          <a:p>
+            <a:r>
+              <a:rPr lang="zh-CN" altLang="en-US"/>
+              <a:t>使用方式</a:t>
+            </a:r>
+            <a:r>
+              <a:rPr lang="en-US" altLang="zh-CN"/>
+              <a:t>1</a:t>
+            </a:r>
+            <a:r>
+              <a:rPr lang="zh-CN" altLang="en-US"/>
+              <a:t>：</a:t>
+            </a:r>
+            <a:endParaRPr lang="zh-CN" altLang="en-US"/>
+          </a:p>
+        </p:txBody>
+      </p:sp>
+      <p:sp>
+        <p:nvSpPr>
+          <p:cNvPr id="6" name="文本框 5"/>
+          <p:cNvSpPr txBox="1"/>
+          <p:nvPr/>
+        </p:nvSpPr>
+        <p:spPr>
+          <a:xfrm>
+            <a:off x="5784850" y="3733800"/>
+            <a:ext cx="1471295" cy="368300"/>
+          </a:xfrm>
+          <a:prstGeom prst="rect">
+            <a:avLst/>
+          </a:prstGeom>
+          <a:solidFill>
+            <a:schemeClr val="accent2"/>
+          </a:solidFill>
+        </p:spPr>
+        <p:txBody>
+          <a:bodyPr wrap="none" rtlCol="0">
+            <a:spAutoFit/>
+          </a:bodyPr>
+          <a:p>
+            <a:r>
+              <a:rPr lang="zh-CN" altLang="en-US"/>
+              <a:t>使用方式</a:t>
+            </a:r>
+            <a:r>
+              <a:rPr lang="en-US" altLang="zh-CN"/>
+              <a:t>2</a:t>
+            </a:r>
+            <a:r>
+              <a:rPr lang="zh-CN" altLang="en-US"/>
+              <a:t>：</a:t>
+            </a:r>
+            <a:endParaRPr lang="zh-CN" altLang="en-US"/>
+          </a:p>
+        </p:txBody>
+      </p:sp>
+    </p:spTree>
+  </p:cSld>
+  <p:clrMapOvr>
+    <a:masterClrMapping/>
+  </p:clrMapOvr>
+  <p:timing>
+    <p:tnLst>
+      <p:par>
+        <p:cTn id="1" dur="indefinite" restart="never" nodeType="tmRoot"/>
+      </p:par>
+    </p:tnLst>
+  </p:timing>
+</p:sld>
+</file>
+
 <file path=ppt/slides/slide6.xml><?xml version="1.0" encoding="utf-8"?>
 <p:sld xmlns:a="http://schemas.openxmlformats.org/drawingml/2006/main" xmlns:r="http://schemas.openxmlformats.org/officeDocument/2006/relationships" xmlns:p="http://schemas.openxmlformats.org/presentationml/2006/main">
   <p:cSld>
@@ -35699,6 +36347,12 @@
 </file>
 
 <file path=ppt/tags/tag14.xml><?xml version="1.0" encoding="utf-8"?>
+<p:tagLst xmlns:p="http://schemas.openxmlformats.org/presentationml/2006/main">
+  <p:tag name="KSO_WM_SLIDE_MODEL_TYPE" val="cover"/>
+</p:tagLst>
+</file>
+
+<file path=ppt/tags/tag15.xml><?xml version="1.0" encoding="utf-8"?>
 <p:tagLst xmlns:p="http://schemas.openxmlformats.org/presentationml/2006/main">
   <p:tag name="KSO_WM_SLIDE_MODEL_TYPE" val="cover"/>
 </p:tagLst>

--- a/Python并发编程简介.pptx
+++ b/Python并发编程简介.pptx
@@ -5,7 +5,7 @@
     <p:sldMasterId id="2147483648" r:id="rId1"/>
   </p:sldMasterIdLst>
   <p:notesMasterIdLst>
-    <p:notesMasterId r:id="rId59"/>
+    <p:notesMasterId r:id="rId60"/>
   </p:notesMasterIdLst>
   <p:sldIdLst>
     <p:sldId id="256" r:id="rId2"/>
@@ -65,6 +65,7 @@
     <p:sldId id="330" r:id="rId56"/>
     <p:sldId id="398" r:id="rId57"/>
     <p:sldId id="399" r:id="rId58"/>
+    <p:sldId id="400" r:id="rId59"/>
   </p:sldIdLst>
   <p:sldSz cx="12192000" cy="6858000"/>
   <p:notesSz cx="7104063" cy="10234613"/>
@@ -1186,7 +1187,7 @@
           <a:p>
             <a:fld id="{D2A48B96-639E-45A3-A0BA-2464DFDB1FAA}" type="datetimeFigureOut">
               <a:rPr lang="zh-CN" altLang="en-US" smtClean="0"/>
-              <a:t>2021/1/11</a:t>
+              <a:t>2021/1/23</a:t>
             </a:fld>
             <a:endParaRPr lang="zh-CN" altLang="en-US"/>
           </a:p>
@@ -1633,7 +1634,7 @@
           <a:p>
             <a:fld id="{82F288E0-7875-42C4-84C8-98DBBD3BF4D2}" type="datetimeFigureOut">
               <a:rPr lang="zh-CN" altLang="en-US" smtClean="0"/>
-              <a:t>2021/1/11</a:t>
+              <a:t>2021/1/23</a:t>
             </a:fld>
             <a:endParaRPr lang="zh-CN" altLang="en-US"/>
           </a:p>
@@ -1779,7 +1780,7 @@
           <a:p>
             <a:fld id="{82F288E0-7875-42C4-84C8-98DBBD3BF4D2}" type="datetimeFigureOut">
               <a:rPr lang="zh-CN" altLang="en-US" smtClean="0"/>
-              <a:t>2021/1/11</a:t>
+              <a:t>2021/1/23</a:t>
             </a:fld>
             <a:endParaRPr lang="zh-CN" altLang="en-US"/>
           </a:p>
@@ -1942,7 +1943,7 @@
           <a:p>
             <a:fld id="{82F288E0-7875-42C4-84C8-98DBBD3BF4D2}" type="datetimeFigureOut">
               <a:rPr lang="zh-CN" altLang="en-US" smtClean="0"/>
-              <a:t>2021/1/11</a:t>
+              <a:t>2021/1/23</a:t>
             </a:fld>
             <a:endParaRPr lang="zh-CN" altLang="en-US"/>
           </a:p>
@@ -2182,7 +2183,7 @@
           <a:p>
             <a:fld id="{82F288E0-7875-42C4-84C8-98DBBD3BF4D2}" type="datetimeFigureOut">
               <a:rPr lang="zh-CN" altLang="en-US" smtClean="0"/>
-              <a:t>2021/1/11</a:t>
+              <a:t>2021/1/23</a:t>
             </a:fld>
             <a:endParaRPr lang="zh-CN" altLang="en-US"/>
           </a:p>
@@ -2406,7 +2407,7 @@
           <a:p>
             <a:fld id="{82F288E0-7875-42C4-84C8-98DBBD3BF4D2}" type="datetimeFigureOut">
               <a:rPr lang="zh-CN" altLang="en-US" smtClean="0"/>
-              <a:t>2021/1/11</a:t>
+              <a:t>2021/1/23</a:t>
             </a:fld>
             <a:endParaRPr lang="zh-CN" altLang="en-US"/>
           </a:p>
@@ -2765,7 +2766,7 @@
           <a:p>
             <a:fld id="{82F288E0-7875-42C4-84C8-98DBBD3BF4D2}" type="datetimeFigureOut">
               <a:rPr lang="zh-CN" altLang="en-US" smtClean="0"/>
-              <a:t>2021/1/11</a:t>
+              <a:t>2021/1/23</a:t>
             </a:fld>
             <a:endParaRPr lang="zh-CN" altLang="en-US"/>
           </a:p>
@@ -2877,7 +2878,7 @@
           <a:p>
             <a:fld id="{82F288E0-7875-42C4-84C8-98DBBD3BF4D2}" type="datetimeFigureOut">
               <a:rPr lang="zh-CN" altLang="en-US" smtClean="0"/>
-              <a:t>2021/1/11</a:t>
+              <a:t>2021/1/23</a:t>
             </a:fld>
             <a:endParaRPr lang="zh-CN" altLang="en-US"/>
           </a:p>
@@ -2967,7 +2968,7 @@
           <a:p>
             <a:fld id="{82F288E0-7875-42C4-84C8-98DBBD3BF4D2}" type="datetimeFigureOut">
               <a:rPr lang="zh-CN" altLang="en-US" smtClean="0"/>
-              <a:t>2021/1/11</a:t>
+              <a:t>2021/1/23</a:t>
             </a:fld>
             <a:endParaRPr lang="zh-CN" altLang="en-US"/>
           </a:p>
@@ -3214,7 +3215,7 @@
           <a:p>
             <a:fld id="{82F288E0-7875-42C4-84C8-98DBBD3BF4D2}" type="datetimeFigureOut">
               <a:rPr lang="zh-CN" altLang="en-US" smtClean="0"/>
-              <a:t>2021/1/11</a:t>
+              <a:t>2021/1/23</a:t>
             </a:fld>
             <a:endParaRPr lang="zh-CN" altLang="en-US"/>
           </a:p>
@@ -3387,7 +3388,7 @@
           <a:p>
             <a:fld id="{82F288E0-7875-42C4-84C8-98DBBD3BF4D2}" type="datetimeFigureOut">
               <a:rPr lang="zh-CN" altLang="en-US" smtClean="0"/>
-              <a:t>2021/1/11</a:t>
+              <a:t>2021/1/23</a:t>
             </a:fld>
             <a:endParaRPr lang="zh-CN" altLang="en-US"/>
           </a:p>
@@ -3596,7 +3597,7 @@
           <a:p>
             <a:fld id="{82F288E0-7875-42C4-84C8-98DBBD3BF4D2}" type="datetimeFigureOut">
               <a:rPr lang="zh-CN" altLang="en-US" smtClean="0"/>
-              <a:t>2021/1/11</a:t>
+              <a:t>2021/1/23</a:t>
             </a:fld>
             <a:endParaRPr lang="zh-CN" altLang="en-US"/>
           </a:p>
@@ -36615,6 +36616,245 @@
 </p:sld>
 </file>
 
+<file path=ppt/slides/slide58.xml><?xml version="1.0" encoding="utf-8"?>
+<p:sld xmlns:a="http://schemas.openxmlformats.org/drawingml/2006/main" xmlns:r="http://schemas.openxmlformats.org/officeDocument/2006/relationships" xmlns:p="http://schemas.openxmlformats.org/presentationml/2006/main">
+  <p:cSld>
+    <p:bg>
+      <p:bgPr>
+        <a:gradFill>
+          <a:gsLst>
+            <a:gs pos="0">
+              <a:srgbClr val="012D86"/>
+            </a:gs>
+            <a:gs pos="100000">
+              <a:srgbClr val="0E2557"/>
+            </a:gs>
+          </a:gsLst>
+          <a:lin ang="5400000" scaled="0"/>
+        </a:gradFill>
+        <a:effectLst/>
+      </p:bgPr>
+    </p:bg>
+    <p:spTree>
+      <p:nvGrpSpPr>
+        <p:cNvPr id="1" name=""/>
+        <p:cNvGrpSpPr/>
+        <p:nvPr/>
+      </p:nvGrpSpPr>
+      <p:grpSpPr>
+        <a:xfrm>
+          <a:off x="0" y="0"/>
+          <a:ext cx="0" cy="0"/>
+          <a:chOff x="0" y="0"/>
+          <a:chExt cx="0" cy="0"/>
+        </a:xfrm>
+      </p:grpSpPr>
+      <p:sp>
+        <p:nvSpPr>
+          <p:cNvPr id="2" name="标题 1"/>
+          <p:cNvSpPr>
+            <a:spLocks noGrp="1"/>
+          </p:cNvSpPr>
+          <p:nvPr>
+            <p:ph type="ctrTitle"/>
+          </p:nvPr>
+        </p:nvSpPr>
+        <p:spPr>
+          <a:xfrm>
+            <a:off x="4892675" y="2880995"/>
+            <a:ext cx="6174105" cy="2199640"/>
+          </a:xfrm>
+        </p:spPr>
+        <p:style>
+          <a:lnRef idx="2">
+            <a:schemeClr val="accent6">
+              <a:shade val="50000"/>
+            </a:schemeClr>
+          </a:lnRef>
+          <a:fillRef idx="1">
+            <a:schemeClr val="accent6"/>
+          </a:fillRef>
+          <a:effectRef idx="0">
+            <a:schemeClr val="accent6"/>
+          </a:effectRef>
+          <a:fontRef idx="minor">
+            <a:schemeClr val="lt1"/>
+          </a:fontRef>
+        </p:style>
+        <p:txBody>
+          <a:bodyPr anchor="ctr" anchorCtr="0">
+            <a:noAutofit/>
+          </a:bodyPr>
+          <a:lstStyle/>
+          <a:p>
+            <a:pPr>
+              <a:lnSpc>
+                <a:spcPct val="130000"/>
+              </a:lnSpc>
+              <a:spcBef>
+                <a:spcPts val="0"/>
+              </a:spcBef>
+              <a:spcAft>
+                <a:spcPts val="0"/>
+              </a:spcAft>
+            </a:pPr>
+            <a:r>
+              <a:rPr lang="zh-CN" altLang="en-US" sz="4400" b="1" dirty="0">
+                <a:solidFill>
+                  <a:schemeClr val="bg1"/>
+                </a:solidFill>
+                <a:latin typeface="微软雅黑" panose="020B0503020204020204" charset="-122"/>
+                <a:ea typeface="微软雅黑" panose="020B0503020204020204" charset="-122"/>
+                <a:cs typeface="微软雅黑" panose="020B0503020204020204" charset="-122"/>
+              </a:rPr>
+              <a:t>使用</a:t>
+            </a:r>
+            <a:r>
+              <a:rPr lang="en-US" altLang="zh-CN" sz="4400" b="1" dirty="0" err="1">
+                <a:solidFill>
+                  <a:schemeClr val="bg1"/>
+                </a:solidFill>
+                <a:latin typeface="微软雅黑" panose="020B0503020204020204" charset="-122"/>
+                <a:ea typeface="微软雅黑" panose="020B0503020204020204" charset="-122"/>
+                <a:cs typeface="微软雅黑" panose="020B0503020204020204" charset="-122"/>
+              </a:rPr>
+              <a:t>Gevent</a:t>
+            </a:r>
+            <a:r>
+              <a:rPr lang="zh-CN" altLang="en-US" sz="4400" b="1" dirty="0">
+                <a:solidFill>
+                  <a:schemeClr val="bg1"/>
+                </a:solidFill>
+                <a:latin typeface="微软雅黑" panose="020B0503020204020204" charset="-122"/>
+                <a:ea typeface="微软雅黑" panose="020B0503020204020204" charset="-122"/>
+                <a:cs typeface="微软雅黑" panose="020B0503020204020204" charset="-122"/>
+              </a:rPr>
+              <a:t>将</a:t>
+            </a:r>
+            <a:r>
+              <a:rPr lang="en-US" altLang="zh-CN" sz="4400" b="1" dirty="0">
+                <a:solidFill>
+                  <a:schemeClr val="bg1"/>
+                </a:solidFill>
+                <a:latin typeface="微软雅黑" panose="020B0503020204020204" charset="-122"/>
+                <a:ea typeface="微软雅黑" panose="020B0503020204020204" charset="-122"/>
+                <a:cs typeface="微软雅黑" panose="020B0503020204020204" charset="-122"/>
+              </a:rPr>
+              <a:t>Flask</a:t>
+            </a:r>
+            <a:br>
+              <a:rPr lang="en-US" altLang="zh-CN" sz="4400" b="1" dirty="0">
+                <a:solidFill>
+                  <a:schemeClr val="bg1"/>
+                </a:solidFill>
+                <a:latin typeface="微软雅黑" panose="020B0503020204020204" charset="-122"/>
+                <a:ea typeface="微软雅黑" panose="020B0503020204020204" charset="-122"/>
+                <a:cs typeface="微软雅黑" panose="020B0503020204020204" charset="-122"/>
+              </a:rPr>
+            </a:br>
+            <a:r>
+              <a:rPr lang="zh-CN" altLang="en-US" sz="4400" b="1" dirty="0">
+                <a:solidFill>
+                  <a:schemeClr val="bg1"/>
+                </a:solidFill>
+                <a:latin typeface="微软雅黑" panose="020B0503020204020204" charset="-122"/>
+                <a:ea typeface="微软雅黑" panose="020B0503020204020204" charset="-122"/>
+                <a:cs typeface="微软雅黑" panose="020B0503020204020204" charset="-122"/>
+              </a:rPr>
+              <a:t>改造成异步服务器</a:t>
+            </a:r>
+          </a:p>
+        </p:txBody>
+      </p:sp>
+      <p:pic>
+        <p:nvPicPr>
+          <p:cNvPr id="5" name="图片 4" descr="kisspng-angle-text-symbol-brand-other-python-5ab0c09b9ea1a7.3286927515215330836498 (1)"/>
+          <p:cNvPicPr>
+            <a:picLocks noChangeAspect="1"/>
+          </p:cNvPicPr>
+          <p:nvPr/>
+        </p:nvPicPr>
+        <p:blipFill>
+          <a:blip r:embed="rId3"/>
+          <a:stretch>
+            <a:fillRect/>
+          </a:stretch>
+        </p:blipFill>
+        <p:spPr>
+          <a:xfrm>
+            <a:off x="288290" y="986790"/>
+            <a:ext cx="4884420" cy="4884420"/>
+          </a:xfrm>
+          <a:prstGeom prst="rect">
+            <a:avLst/>
+          </a:prstGeom>
+        </p:spPr>
+      </p:pic>
+      <p:sp>
+        <p:nvSpPr>
+          <p:cNvPr id="3" name="文本框 2"/>
+          <p:cNvSpPr txBox="1"/>
+          <p:nvPr/>
+        </p:nvSpPr>
+        <p:spPr>
+          <a:xfrm>
+            <a:off x="4831080" y="1866265"/>
+            <a:ext cx="6005195" cy="1014730"/>
+          </a:xfrm>
+          <a:prstGeom prst="rect">
+            <a:avLst/>
+          </a:prstGeom>
+          <a:noFill/>
+        </p:spPr>
+        <p:txBody>
+          <a:bodyPr wrap="none" rtlCol="0" anchor="t">
+            <a:spAutoFit/>
+          </a:bodyPr>
+          <a:lstStyle/>
+          <a:p>
+            <a:r>
+              <a:rPr lang="en-US" sz="6000" b="1">
+                <a:solidFill>
+                  <a:schemeClr val="bg1"/>
+                </a:solidFill>
+                <a:latin typeface="微软雅黑" panose="020B0503020204020204" charset="-122"/>
+                <a:ea typeface="微软雅黑" panose="020B0503020204020204" charset="-122"/>
+                <a:cs typeface="微软雅黑" panose="020B0503020204020204" charset="-122"/>
+                <a:sym typeface="+mn-ea"/>
+              </a:rPr>
+              <a:t>Python</a:t>
+            </a:r>
+            <a:r>
+              <a:rPr lang="zh-CN" altLang="en-US" sz="6000" b="1">
+                <a:solidFill>
+                  <a:schemeClr val="bg1"/>
+                </a:solidFill>
+                <a:latin typeface="微软雅黑" panose="020B0503020204020204" charset="-122"/>
+                <a:ea typeface="微软雅黑" panose="020B0503020204020204" charset="-122"/>
+                <a:cs typeface="微软雅黑" panose="020B0503020204020204" charset="-122"/>
+                <a:sym typeface="+mn-ea"/>
+              </a:rPr>
+              <a:t> 并发编程</a:t>
+            </a:r>
+          </a:p>
+        </p:txBody>
+      </p:sp>
+    </p:spTree>
+    <p:custDataLst>
+      <p:tags r:id="rId1"/>
+    </p:custDataLst>
+    <p:extLst>
+      <p:ext uri="{BB962C8B-B14F-4D97-AF65-F5344CB8AC3E}">
+        <p14:creationId xmlns:p14="http://schemas.microsoft.com/office/powerpoint/2010/main" val="326663751"/>
+      </p:ext>
+    </p:extLst>
+  </p:cSld>
+  <p:clrMapOvr>
+    <a:masterClrMapping/>
+  </p:clrMapOvr>
+</p:sld>
+</file>
+
 <file path=ppt/slides/slide6.xml><?xml version="1.0" encoding="utf-8"?>
 <p:sld xmlns:a="http://schemas.openxmlformats.org/drawingml/2006/main" xmlns:r="http://schemas.openxmlformats.org/officeDocument/2006/relationships" xmlns:p="http://schemas.openxmlformats.org/presentationml/2006/main">
   <p:cSld>
@@ -38113,6 +38353,12 @@
 </file>
 
 <file path=ppt/tags/tag16.xml><?xml version="1.0" encoding="utf-8"?>
+<p:tagLst xmlns:a="http://schemas.openxmlformats.org/drawingml/2006/main" xmlns:r="http://schemas.openxmlformats.org/officeDocument/2006/relationships" xmlns:p="http://schemas.openxmlformats.org/presentationml/2006/main">
+  <p:tag name="KSO_WM_SLIDE_MODEL_TYPE" val="cover"/>
+</p:tagLst>
+</file>
+
+<file path=ppt/tags/tag17.xml><?xml version="1.0" encoding="utf-8"?>
 <p:tagLst xmlns:a="http://schemas.openxmlformats.org/drawingml/2006/main" xmlns:r="http://schemas.openxmlformats.org/officeDocument/2006/relationships" xmlns:p="http://schemas.openxmlformats.org/presentationml/2006/main">
   <p:tag name="KSO_WM_SLIDE_MODEL_TYPE" val="cover"/>
 </p:tagLst>

--- a/Python并发编程简介.pptx
+++ b/Python并发编程简介.pptx
@@ -5,7 +5,7 @@
     <p:sldMasterId id="2147483648" r:id="rId1"/>
   </p:sldMasterIdLst>
   <p:notesMasterIdLst>
-    <p:notesMasterId r:id="rId60"/>
+    <p:notesMasterId r:id="rId61"/>
   </p:notesMasterIdLst>
   <p:sldIdLst>
     <p:sldId id="256" r:id="rId2"/>
@@ -66,6 +66,7 @@
     <p:sldId id="398" r:id="rId57"/>
     <p:sldId id="399" r:id="rId58"/>
     <p:sldId id="400" r:id="rId59"/>
+    <p:sldId id="401" r:id="rId60"/>
   </p:sldIdLst>
   <p:sldSz cx="12192000" cy="6858000"/>
   <p:notesSz cx="7104063" cy="10234613"/>
@@ -36855,6 +36856,212 @@
 </p:sld>
 </file>
 
+<file path=ppt/slides/slide59.xml><?xml version="1.0" encoding="utf-8"?>
+<p:sld xmlns:a="http://schemas.openxmlformats.org/drawingml/2006/main" xmlns:r="http://schemas.openxmlformats.org/officeDocument/2006/relationships" xmlns:p="http://schemas.openxmlformats.org/presentationml/2006/main">
+  <p:cSld>
+    <p:bg>
+      <p:bgPr>
+        <a:gradFill>
+          <a:gsLst>
+            <a:gs pos="0">
+              <a:srgbClr val="012D86"/>
+            </a:gs>
+            <a:gs pos="100000">
+              <a:srgbClr val="0E2557"/>
+            </a:gs>
+          </a:gsLst>
+          <a:lin ang="5400000" scaled="0"/>
+        </a:gradFill>
+        <a:effectLst/>
+      </p:bgPr>
+    </p:bg>
+    <p:spTree>
+      <p:nvGrpSpPr>
+        <p:cNvPr id="1" name=""/>
+        <p:cNvGrpSpPr/>
+        <p:nvPr/>
+      </p:nvGrpSpPr>
+      <p:grpSpPr>
+        <a:xfrm>
+          <a:off x="0" y="0"/>
+          <a:ext cx="0" cy="0"/>
+          <a:chOff x="0" y="0"/>
+          <a:chExt cx="0" cy="0"/>
+        </a:xfrm>
+      </p:grpSpPr>
+      <p:sp>
+        <p:nvSpPr>
+          <p:cNvPr id="2" name="标题 1"/>
+          <p:cNvSpPr>
+            <a:spLocks noGrp="1"/>
+          </p:cNvSpPr>
+          <p:nvPr>
+            <p:ph type="ctrTitle"/>
+          </p:nvPr>
+        </p:nvSpPr>
+        <p:spPr>
+          <a:xfrm>
+            <a:off x="4892675" y="2880995"/>
+            <a:ext cx="6174105" cy="2199640"/>
+          </a:xfrm>
+        </p:spPr>
+        <p:style>
+          <a:lnRef idx="2">
+            <a:schemeClr val="accent6">
+              <a:shade val="50000"/>
+            </a:schemeClr>
+          </a:lnRef>
+          <a:fillRef idx="1">
+            <a:schemeClr val="accent6"/>
+          </a:fillRef>
+          <a:effectRef idx="0">
+            <a:schemeClr val="accent6"/>
+          </a:effectRef>
+          <a:fontRef idx="minor">
+            <a:schemeClr val="lt1"/>
+          </a:fontRef>
+        </p:style>
+        <p:txBody>
+          <a:bodyPr anchor="ctr" anchorCtr="0">
+            <a:noAutofit/>
+          </a:bodyPr>
+          <a:lstStyle/>
+          <a:p>
+            <a:pPr>
+              <a:lnSpc>
+                <a:spcPct val="130000"/>
+              </a:lnSpc>
+              <a:spcBef>
+                <a:spcPts val="0"/>
+              </a:spcBef>
+              <a:spcAft>
+                <a:spcPts val="0"/>
+              </a:spcAft>
+            </a:pPr>
+            <a:r>
+              <a:rPr lang="zh-CN" altLang="en-US" sz="4400" b="1" dirty="0">
+                <a:solidFill>
+                  <a:schemeClr val="bg1"/>
+                </a:solidFill>
+                <a:latin typeface="微软雅黑" panose="020B0503020204020204" charset="-122"/>
+                <a:ea typeface="微软雅黑" panose="020B0503020204020204" charset="-122"/>
+                <a:cs typeface="微软雅黑" panose="020B0503020204020204" charset="-122"/>
+              </a:rPr>
+              <a:t>并发编程</a:t>
+            </a:r>
+            <a:br>
+              <a:rPr lang="en-US" altLang="zh-CN" sz="4400" b="1" dirty="0">
+                <a:solidFill>
+                  <a:schemeClr val="bg1"/>
+                </a:solidFill>
+                <a:latin typeface="微软雅黑" panose="020B0503020204020204" charset="-122"/>
+                <a:ea typeface="微软雅黑" panose="020B0503020204020204" charset="-122"/>
+                <a:cs typeface="微软雅黑" panose="020B0503020204020204" charset="-122"/>
+              </a:rPr>
+            </a:br>
+            <a:r>
+              <a:rPr lang="zh-CN" altLang="en-US" sz="4400" b="1" dirty="0">
+                <a:solidFill>
+                  <a:schemeClr val="bg1"/>
+                </a:solidFill>
+                <a:latin typeface="微软雅黑" panose="020B0503020204020204" charset="-122"/>
+                <a:ea typeface="微软雅黑" panose="020B0503020204020204" charset="-122"/>
+                <a:cs typeface="微软雅黑" panose="020B0503020204020204" charset="-122"/>
+              </a:rPr>
+              <a:t>知识全部总结</a:t>
+            </a:r>
+          </a:p>
+        </p:txBody>
+      </p:sp>
+      <p:pic>
+        <p:nvPicPr>
+          <p:cNvPr id="5" name="图片 4" descr="kisspng-angle-text-symbol-brand-other-python-5ab0c09b9ea1a7.3286927515215330836498 (1)"/>
+          <p:cNvPicPr>
+            <a:picLocks noChangeAspect="1"/>
+          </p:cNvPicPr>
+          <p:nvPr/>
+        </p:nvPicPr>
+        <p:blipFill>
+          <a:blip r:embed="rId3"/>
+          <a:stretch>
+            <a:fillRect/>
+          </a:stretch>
+        </p:blipFill>
+        <p:spPr>
+          <a:xfrm>
+            <a:off x="288290" y="986790"/>
+            <a:ext cx="4884420" cy="4884420"/>
+          </a:xfrm>
+          <a:prstGeom prst="rect">
+            <a:avLst/>
+          </a:prstGeom>
+        </p:spPr>
+      </p:pic>
+      <p:sp>
+        <p:nvSpPr>
+          <p:cNvPr id="3" name="文本框 2"/>
+          <p:cNvSpPr txBox="1"/>
+          <p:nvPr/>
+        </p:nvSpPr>
+        <p:spPr>
+          <a:xfrm>
+            <a:off x="4831080" y="1866265"/>
+            <a:ext cx="6005195" cy="1014730"/>
+          </a:xfrm>
+          <a:prstGeom prst="rect">
+            <a:avLst/>
+          </a:prstGeom>
+          <a:noFill/>
+        </p:spPr>
+        <p:txBody>
+          <a:bodyPr wrap="none" rtlCol="0" anchor="t">
+            <a:spAutoFit/>
+          </a:bodyPr>
+          <a:lstStyle/>
+          <a:p>
+            <a:r>
+              <a:rPr lang="en-US" sz="6000" b="1">
+                <a:solidFill>
+                  <a:schemeClr val="bg1"/>
+                </a:solidFill>
+                <a:latin typeface="微软雅黑" panose="020B0503020204020204" charset="-122"/>
+                <a:ea typeface="微软雅黑" panose="020B0503020204020204" charset="-122"/>
+                <a:cs typeface="微软雅黑" panose="020B0503020204020204" charset="-122"/>
+                <a:sym typeface="+mn-ea"/>
+              </a:rPr>
+              <a:t>Python</a:t>
+            </a:r>
+            <a:r>
+              <a:rPr lang="zh-CN" altLang="en-US" sz="6000" b="1">
+                <a:solidFill>
+                  <a:schemeClr val="bg1"/>
+                </a:solidFill>
+                <a:latin typeface="微软雅黑" panose="020B0503020204020204" charset="-122"/>
+                <a:ea typeface="微软雅黑" panose="020B0503020204020204" charset="-122"/>
+                <a:cs typeface="微软雅黑" panose="020B0503020204020204" charset="-122"/>
+                <a:sym typeface="+mn-ea"/>
+              </a:rPr>
+              <a:t> 并发编程</a:t>
+            </a:r>
+          </a:p>
+        </p:txBody>
+      </p:sp>
+    </p:spTree>
+    <p:custDataLst>
+      <p:tags r:id="rId1"/>
+    </p:custDataLst>
+    <p:extLst>
+      <p:ext uri="{BB962C8B-B14F-4D97-AF65-F5344CB8AC3E}">
+        <p14:creationId xmlns:p14="http://schemas.microsoft.com/office/powerpoint/2010/main" val="3670275030"/>
+      </p:ext>
+    </p:extLst>
+  </p:cSld>
+  <p:clrMapOvr>
+    <a:masterClrMapping/>
+  </p:clrMapOvr>
+</p:sld>
+</file>
+
 <file path=ppt/slides/slide6.xml><?xml version="1.0" encoding="utf-8"?>
 <p:sld xmlns:a="http://schemas.openxmlformats.org/drawingml/2006/main" xmlns:r="http://schemas.openxmlformats.org/officeDocument/2006/relationships" xmlns:p="http://schemas.openxmlformats.org/presentationml/2006/main">
   <p:cSld>
@@ -38359,6 +38566,12 @@
 </file>
 
 <file path=ppt/tags/tag17.xml><?xml version="1.0" encoding="utf-8"?>
+<p:tagLst xmlns:a="http://schemas.openxmlformats.org/drawingml/2006/main" xmlns:r="http://schemas.openxmlformats.org/officeDocument/2006/relationships" xmlns:p="http://schemas.openxmlformats.org/presentationml/2006/main">
+  <p:tag name="KSO_WM_SLIDE_MODEL_TYPE" val="cover"/>
+</p:tagLst>
+</file>
+
+<file path=ppt/tags/tag18.xml><?xml version="1.0" encoding="utf-8"?>
 <p:tagLst xmlns:a="http://schemas.openxmlformats.org/drawingml/2006/main" xmlns:r="http://schemas.openxmlformats.org/officeDocument/2006/relationships" xmlns:p="http://schemas.openxmlformats.org/presentationml/2006/main">
   <p:tag name="KSO_WM_SLIDE_MODEL_TYPE" val="cover"/>
 </p:tagLst>
